--- a/week05/Exceptions.pptx
+++ b/week05/Exceptions.pptx
@@ -7,26 +7,33 @@
     <p:sldMasterId id="2147483731" r:id="rId3"/>
   </p:sldMasterIdLst>
   <p:notesMasterIdLst>
-    <p:notesMasterId r:id="rId11"/>
+    <p:notesMasterId r:id="rId18"/>
   </p:notesMasterIdLst>
   <p:sldIdLst>
     <p:sldId id="285" r:id="rId4"/>
     <p:sldId id="283" r:id="rId5"/>
     <p:sldId id="311" r:id="rId6"/>
-    <p:sldId id="318" r:id="rId7"/>
-    <p:sldId id="320" r:id="rId8"/>
-    <p:sldId id="321" r:id="rId9"/>
-    <p:sldId id="322" r:id="rId10"/>
+    <p:sldId id="323" r:id="rId7"/>
+    <p:sldId id="324" r:id="rId8"/>
+    <p:sldId id="325" r:id="rId9"/>
+    <p:sldId id="326" r:id="rId10"/>
+    <p:sldId id="327" r:id="rId11"/>
+    <p:sldId id="328" r:id="rId12"/>
+    <p:sldId id="329" r:id="rId13"/>
+    <p:sldId id="318" r:id="rId14"/>
+    <p:sldId id="320" r:id="rId15"/>
+    <p:sldId id="321" r:id="rId16"/>
+    <p:sldId id="322" r:id="rId17"/>
   </p:sldIdLst>
   <p:sldSz cx="16256000" cy="9144000"/>
   <p:notesSz cx="6858000" cy="9144000"/>
   <p:embeddedFontLst>
     <p:embeddedFont>
-      <p:font typeface="Cabin" charset="0"/>
-      <p:regular r:id="rId12"/>
-      <p:bold r:id="rId13"/>
-      <p:italic r:id="rId14"/>
-      <p:boldItalic r:id="rId15"/>
+      <p:font typeface="Cabin" panose="020B0604020202020204" charset="0"/>
+      <p:regular r:id="rId19"/>
+      <p:bold r:id="rId20"/>
+      <p:italic r:id="rId21"/>
+      <p:boldItalic r:id="rId22"/>
     </p:embeddedFont>
   </p:embeddedFontLst>
   <p:defaultTextStyle>
@@ -233,7 +240,7 @@
   </p:defaultTextStyle>
   <p:extLst>
     <p:ext uri="{EFAFB233-063F-42B5-8137-9DF3F51BA10A}">
-      <p15:sldGuideLst xmlns:p15="http://schemas.microsoft.com/office/powerpoint/2012/main" xmlns="">
+      <p15:sldGuideLst xmlns:p15="http://schemas.microsoft.com/office/powerpoint/2012/main">
         <p15:guide id="1" orient="horz" pos="2880">
           <p15:clr>
             <a:srgbClr val="A4A3A4"/>
@@ -630,7 +637,887 @@
 </p:notes>
 </file>
 
+<file path=ppt/notesSlides/notesSlide10.xml><?xml version="1.0" encoding="utf-8"?>
+<p:notes xmlns:a="http://schemas.openxmlformats.org/drawingml/2006/main" xmlns:r="http://schemas.openxmlformats.org/officeDocument/2006/relationships" xmlns:p="http://schemas.openxmlformats.org/presentationml/2006/main" showMasterSp="0" showMasterPhAnim="0">
+  <p:cSld>
+    <p:spTree>
+      <p:nvGrpSpPr>
+        <p:cNvPr id="1" name="Shape 209"/>
+        <p:cNvGrpSpPr/>
+        <p:nvPr/>
+      </p:nvGrpSpPr>
+      <p:grpSpPr>
+        <a:xfrm>
+          <a:off x="0" y="0"/>
+          <a:ext cx="0" cy="0"/>
+          <a:chOff x="0" y="0"/>
+          <a:chExt cx="0" cy="0"/>
+        </a:xfrm>
+      </p:grpSpPr>
+      <p:sp>
+        <p:nvSpPr>
+          <p:cNvPr id="210" name="Shape 210"/>
+          <p:cNvSpPr txBox="1">
+            <a:spLocks noGrp="1"/>
+          </p:cNvSpPr>
+          <p:nvPr>
+            <p:ph type="body" idx="1"/>
+          </p:nvPr>
+        </p:nvSpPr>
+        <p:spPr>
+          <a:xfrm>
+            <a:off x="685800" y="4343400"/>
+            <a:ext cx="5486399" cy="4114800"/>
+          </a:xfrm>
+          <a:prstGeom prst="rect">
+            <a:avLst/>
+          </a:prstGeom>
+          <a:noFill/>
+          <a:ln>
+            <a:noFill/>
+          </a:ln>
+        </p:spPr>
+        <p:txBody>
+          <a:bodyPr lIns="91425" tIns="91425" rIns="91425" bIns="91425" anchor="ctr" anchorCtr="0">
+            <a:noAutofit/>
+          </a:bodyPr>
+          <a:lstStyle/>
+          <a:p>
+            <a:pPr lvl="0">
+              <a:spcBef>
+                <a:spcPts val="0"/>
+              </a:spcBef>
+              <a:buNone/>
+            </a:pPr>
+            <a:endParaRPr/>
+          </a:p>
+        </p:txBody>
+      </p:sp>
+      <p:sp>
+        <p:nvSpPr>
+          <p:cNvPr id="211" name="Shape 211"/>
+          <p:cNvSpPr>
+            <a:spLocks noGrp="1" noRot="1" noChangeAspect="1"/>
+          </p:cNvSpPr>
+          <p:nvPr>
+            <p:ph type="sldImg" idx="2"/>
+          </p:nvPr>
+        </p:nvSpPr>
+        <p:spPr>
+          <a:xfrm>
+            <a:off x="381000" y="685800"/>
+            <a:ext cx="6096000" cy="3429000"/>
+          </a:xfrm>
+          <a:custGeom>
+            <a:avLst/>
+            <a:gdLst/>
+            <a:ahLst/>
+            <a:cxnLst/>
+            <a:rect l="0" t="0" r="0" b="0"/>
+            <a:pathLst>
+              <a:path w="120000" h="120000" extrusionOk="0">
+                <a:moveTo>
+                  <a:pt x="0" y="0"/>
+                </a:moveTo>
+                <a:lnTo>
+                  <a:pt x="120000" y="0"/>
+                </a:lnTo>
+                <a:lnTo>
+                  <a:pt x="120000" y="120000"/>
+                </a:lnTo>
+                <a:lnTo>
+                  <a:pt x="0" y="120000"/>
+                </a:lnTo>
+                <a:close/>
+              </a:path>
+            </a:pathLst>
+          </a:custGeom>
+        </p:spPr>
+      </p:sp>
+    </p:spTree>
+    <p:extLst>
+      <p:ext uri="{BB962C8B-B14F-4D97-AF65-F5344CB8AC3E}">
+        <p14:creationId xmlns:p14="http://schemas.microsoft.com/office/powerpoint/2010/main" val="324783794"/>
+      </p:ext>
+    </p:extLst>
+  </p:cSld>
+  <p:clrMapOvr>
+    <a:masterClrMapping/>
+  </p:clrMapOvr>
+</p:notes>
+</file>
+
+<file path=ppt/notesSlides/notesSlide11.xml><?xml version="1.0" encoding="utf-8"?>
+<p:notes xmlns:a="http://schemas.openxmlformats.org/drawingml/2006/main" xmlns:r="http://schemas.openxmlformats.org/officeDocument/2006/relationships" xmlns:p="http://schemas.openxmlformats.org/presentationml/2006/main" showMasterSp="0" showMasterPhAnim="0">
+  <p:cSld>
+    <p:spTree>
+      <p:nvGrpSpPr>
+        <p:cNvPr id="1" name="Shape 209"/>
+        <p:cNvGrpSpPr/>
+        <p:nvPr/>
+      </p:nvGrpSpPr>
+      <p:grpSpPr>
+        <a:xfrm>
+          <a:off x="0" y="0"/>
+          <a:ext cx="0" cy="0"/>
+          <a:chOff x="0" y="0"/>
+          <a:chExt cx="0" cy="0"/>
+        </a:xfrm>
+      </p:grpSpPr>
+      <p:sp>
+        <p:nvSpPr>
+          <p:cNvPr id="210" name="Shape 210"/>
+          <p:cNvSpPr txBox="1">
+            <a:spLocks noGrp="1"/>
+          </p:cNvSpPr>
+          <p:nvPr>
+            <p:ph type="body" idx="1"/>
+          </p:nvPr>
+        </p:nvSpPr>
+        <p:spPr>
+          <a:xfrm>
+            <a:off x="685800" y="4343400"/>
+            <a:ext cx="5486399" cy="4114800"/>
+          </a:xfrm>
+          <a:prstGeom prst="rect">
+            <a:avLst/>
+          </a:prstGeom>
+          <a:noFill/>
+          <a:ln>
+            <a:noFill/>
+          </a:ln>
+        </p:spPr>
+        <p:txBody>
+          <a:bodyPr lIns="91425" tIns="91425" rIns="91425" bIns="91425" anchor="ctr" anchorCtr="0">
+            <a:noAutofit/>
+          </a:bodyPr>
+          <a:lstStyle/>
+          <a:p>
+            <a:pPr lvl="0">
+              <a:spcBef>
+                <a:spcPts val="0"/>
+              </a:spcBef>
+              <a:buNone/>
+            </a:pPr>
+            <a:endParaRPr/>
+          </a:p>
+        </p:txBody>
+      </p:sp>
+      <p:sp>
+        <p:nvSpPr>
+          <p:cNvPr id="211" name="Shape 211"/>
+          <p:cNvSpPr>
+            <a:spLocks noGrp="1" noRot="1" noChangeAspect="1"/>
+          </p:cNvSpPr>
+          <p:nvPr>
+            <p:ph type="sldImg" idx="2"/>
+          </p:nvPr>
+        </p:nvSpPr>
+        <p:spPr>
+          <a:xfrm>
+            <a:off x="381000" y="685800"/>
+            <a:ext cx="6096000" cy="3429000"/>
+          </a:xfrm>
+          <a:custGeom>
+            <a:avLst/>
+            <a:gdLst/>
+            <a:ahLst/>
+            <a:cxnLst/>
+            <a:rect l="0" t="0" r="0" b="0"/>
+            <a:pathLst>
+              <a:path w="120000" h="120000" extrusionOk="0">
+                <a:moveTo>
+                  <a:pt x="0" y="0"/>
+                </a:moveTo>
+                <a:lnTo>
+                  <a:pt x="120000" y="0"/>
+                </a:lnTo>
+                <a:lnTo>
+                  <a:pt x="120000" y="120000"/>
+                </a:lnTo>
+                <a:lnTo>
+                  <a:pt x="0" y="120000"/>
+                </a:lnTo>
+                <a:close/>
+              </a:path>
+            </a:pathLst>
+          </a:custGeom>
+        </p:spPr>
+      </p:sp>
+    </p:spTree>
+    <p:extLst>
+      <p:ext uri="{BB962C8B-B14F-4D97-AF65-F5344CB8AC3E}">
+        <p14:creationId xmlns:p14="http://schemas.microsoft.com/office/powerpoint/2010/main" val="1337526625"/>
+      </p:ext>
+    </p:extLst>
+  </p:cSld>
+  <p:clrMapOvr>
+    <a:masterClrMapping/>
+  </p:clrMapOvr>
+</p:notes>
+</file>
+
 <file path=ppt/notesSlides/notesSlide2.xml><?xml version="1.0" encoding="utf-8"?>
+<p:notes xmlns:a="http://schemas.openxmlformats.org/drawingml/2006/main" xmlns:r="http://schemas.openxmlformats.org/officeDocument/2006/relationships" xmlns:p="http://schemas.openxmlformats.org/presentationml/2006/main" showMasterSp="0" showMasterPhAnim="0">
+  <p:cSld>
+    <p:spTree>
+      <p:nvGrpSpPr>
+        <p:cNvPr id="1" name="Shape 209"/>
+        <p:cNvGrpSpPr/>
+        <p:nvPr/>
+      </p:nvGrpSpPr>
+      <p:grpSpPr>
+        <a:xfrm>
+          <a:off x="0" y="0"/>
+          <a:ext cx="0" cy="0"/>
+          <a:chOff x="0" y="0"/>
+          <a:chExt cx="0" cy="0"/>
+        </a:xfrm>
+      </p:grpSpPr>
+      <p:sp>
+        <p:nvSpPr>
+          <p:cNvPr id="210" name="Shape 210"/>
+          <p:cNvSpPr txBox="1">
+            <a:spLocks noGrp="1"/>
+          </p:cNvSpPr>
+          <p:nvPr>
+            <p:ph type="body" idx="1"/>
+          </p:nvPr>
+        </p:nvSpPr>
+        <p:spPr>
+          <a:xfrm>
+            <a:off x="685800" y="4343400"/>
+            <a:ext cx="5486399" cy="4114800"/>
+          </a:xfrm>
+          <a:prstGeom prst="rect">
+            <a:avLst/>
+          </a:prstGeom>
+          <a:noFill/>
+          <a:ln>
+            <a:noFill/>
+          </a:ln>
+        </p:spPr>
+        <p:txBody>
+          <a:bodyPr lIns="91425" tIns="91425" rIns="91425" bIns="91425" anchor="ctr" anchorCtr="0">
+            <a:noAutofit/>
+          </a:bodyPr>
+          <a:lstStyle/>
+          <a:p>
+            <a:pPr lvl="0">
+              <a:spcBef>
+                <a:spcPts val="0"/>
+              </a:spcBef>
+              <a:buNone/>
+            </a:pPr>
+            <a:endParaRPr/>
+          </a:p>
+        </p:txBody>
+      </p:sp>
+      <p:sp>
+        <p:nvSpPr>
+          <p:cNvPr id="211" name="Shape 211"/>
+          <p:cNvSpPr>
+            <a:spLocks noGrp="1" noRot="1" noChangeAspect="1"/>
+          </p:cNvSpPr>
+          <p:nvPr>
+            <p:ph type="sldImg" idx="2"/>
+          </p:nvPr>
+        </p:nvSpPr>
+        <p:spPr>
+          <a:xfrm>
+            <a:off x="381000" y="685800"/>
+            <a:ext cx="6096000" cy="3429000"/>
+          </a:xfrm>
+          <a:custGeom>
+            <a:avLst/>
+            <a:gdLst/>
+            <a:ahLst/>
+            <a:cxnLst/>
+            <a:rect l="0" t="0" r="0" b="0"/>
+            <a:pathLst>
+              <a:path w="120000" h="120000" extrusionOk="0">
+                <a:moveTo>
+                  <a:pt x="0" y="0"/>
+                </a:moveTo>
+                <a:lnTo>
+                  <a:pt x="120000" y="0"/>
+                </a:lnTo>
+                <a:lnTo>
+                  <a:pt x="120000" y="120000"/>
+                </a:lnTo>
+                <a:lnTo>
+                  <a:pt x="0" y="120000"/>
+                </a:lnTo>
+                <a:close/>
+              </a:path>
+            </a:pathLst>
+          </a:custGeom>
+        </p:spPr>
+      </p:sp>
+    </p:spTree>
+    <p:extLst>
+      <p:ext uri="{BB962C8B-B14F-4D97-AF65-F5344CB8AC3E}">
+        <p14:creationId xmlns:p14="http://schemas.microsoft.com/office/powerpoint/2010/main" val="2930511012"/>
+      </p:ext>
+    </p:extLst>
+  </p:cSld>
+  <p:clrMapOvr>
+    <a:masterClrMapping/>
+  </p:clrMapOvr>
+</p:notes>
+</file>
+
+<file path=ppt/notesSlides/notesSlide3.xml><?xml version="1.0" encoding="utf-8"?>
+<p:notes xmlns:a="http://schemas.openxmlformats.org/drawingml/2006/main" xmlns:r="http://schemas.openxmlformats.org/officeDocument/2006/relationships" xmlns:p="http://schemas.openxmlformats.org/presentationml/2006/main" showMasterSp="0" showMasterPhAnim="0">
+  <p:cSld>
+    <p:spTree>
+      <p:nvGrpSpPr>
+        <p:cNvPr id="1" name="Shape 209"/>
+        <p:cNvGrpSpPr/>
+        <p:nvPr/>
+      </p:nvGrpSpPr>
+      <p:grpSpPr>
+        <a:xfrm>
+          <a:off x="0" y="0"/>
+          <a:ext cx="0" cy="0"/>
+          <a:chOff x="0" y="0"/>
+          <a:chExt cx="0" cy="0"/>
+        </a:xfrm>
+      </p:grpSpPr>
+      <p:sp>
+        <p:nvSpPr>
+          <p:cNvPr id="210" name="Shape 210"/>
+          <p:cNvSpPr txBox="1">
+            <a:spLocks noGrp="1"/>
+          </p:cNvSpPr>
+          <p:nvPr>
+            <p:ph type="body" idx="1"/>
+          </p:nvPr>
+        </p:nvSpPr>
+        <p:spPr>
+          <a:xfrm>
+            <a:off x="685800" y="4343400"/>
+            <a:ext cx="5486399" cy="4114800"/>
+          </a:xfrm>
+          <a:prstGeom prst="rect">
+            <a:avLst/>
+          </a:prstGeom>
+          <a:noFill/>
+          <a:ln>
+            <a:noFill/>
+          </a:ln>
+        </p:spPr>
+        <p:txBody>
+          <a:bodyPr lIns="91425" tIns="91425" rIns="91425" bIns="91425" anchor="ctr" anchorCtr="0">
+            <a:noAutofit/>
+          </a:bodyPr>
+          <a:lstStyle/>
+          <a:p>
+            <a:pPr lvl="0">
+              <a:spcBef>
+                <a:spcPts val="0"/>
+              </a:spcBef>
+              <a:buNone/>
+            </a:pPr>
+            <a:endParaRPr/>
+          </a:p>
+        </p:txBody>
+      </p:sp>
+      <p:sp>
+        <p:nvSpPr>
+          <p:cNvPr id="211" name="Shape 211"/>
+          <p:cNvSpPr>
+            <a:spLocks noGrp="1" noRot="1" noChangeAspect="1"/>
+          </p:cNvSpPr>
+          <p:nvPr>
+            <p:ph type="sldImg" idx="2"/>
+          </p:nvPr>
+        </p:nvSpPr>
+        <p:spPr>
+          <a:xfrm>
+            <a:off x="381000" y="685800"/>
+            <a:ext cx="6096000" cy="3429000"/>
+          </a:xfrm>
+          <a:custGeom>
+            <a:avLst/>
+            <a:gdLst/>
+            <a:ahLst/>
+            <a:cxnLst/>
+            <a:rect l="0" t="0" r="0" b="0"/>
+            <a:pathLst>
+              <a:path w="120000" h="120000" extrusionOk="0">
+                <a:moveTo>
+                  <a:pt x="0" y="0"/>
+                </a:moveTo>
+                <a:lnTo>
+                  <a:pt x="120000" y="0"/>
+                </a:lnTo>
+                <a:lnTo>
+                  <a:pt x="120000" y="120000"/>
+                </a:lnTo>
+                <a:lnTo>
+                  <a:pt x="0" y="120000"/>
+                </a:lnTo>
+                <a:close/>
+              </a:path>
+            </a:pathLst>
+          </a:custGeom>
+        </p:spPr>
+      </p:sp>
+    </p:spTree>
+    <p:extLst>
+      <p:ext uri="{BB962C8B-B14F-4D97-AF65-F5344CB8AC3E}">
+        <p14:creationId xmlns:p14="http://schemas.microsoft.com/office/powerpoint/2010/main" val="3397709497"/>
+      </p:ext>
+    </p:extLst>
+  </p:cSld>
+  <p:clrMapOvr>
+    <a:masterClrMapping/>
+  </p:clrMapOvr>
+</p:notes>
+</file>
+
+<file path=ppt/notesSlides/notesSlide4.xml><?xml version="1.0" encoding="utf-8"?>
+<p:notes xmlns:a="http://schemas.openxmlformats.org/drawingml/2006/main" xmlns:r="http://schemas.openxmlformats.org/officeDocument/2006/relationships" xmlns:p="http://schemas.openxmlformats.org/presentationml/2006/main" showMasterSp="0" showMasterPhAnim="0">
+  <p:cSld>
+    <p:spTree>
+      <p:nvGrpSpPr>
+        <p:cNvPr id="1" name="Shape 209"/>
+        <p:cNvGrpSpPr/>
+        <p:nvPr/>
+      </p:nvGrpSpPr>
+      <p:grpSpPr>
+        <a:xfrm>
+          <a:off x="0" y="0"/>
+          <a:ext cx="0" cy="0"/>
+          <a:chOff x="0" y="0"/>
+          <a:chExt cx="0" cy="0"/>
+        </a:xfrm>
+      </p:grpSpPr>
+      <p:sp>
+        <p:nvSpPr>
+          <p:cNvPr id="210" name="Shape 210"/>
+          <p:cNvSpPr txBox="1">
+            <a:spLocks noGrp="1"/>
+          </p:cNvSpPr>
+          <p:nvPr>
+            <p:ph type="body" idx="1"/>
+          </p:nvPr>
+        </p:nvSpPr>
+        <p:spPr>
+          <a:xfrm>
+            <a:off x="685800" y="4343400"/>
+            <a:ext cx="5486399" cy="4114800"/>
+          </a:xfrm>
+          <a:prstGeom prst="rect">
+            <a:avLst/>
+          </a:prstGeom>
+          <a:noFill/>
+          <a:ln>
+            <a:noFill/>
+          </a:ln>
+        </p:spPr>
+        <p:txBody>
+          <a:bodyPr lIns="91425" tIns="91425" rIns="91425" bIns="91425" anchor="ctr" anchorCtr="0">
+            <a:noAutofit/>
+          </a:bodyPr>
+          <a:lstStyle/>
+          <a:p>
+            <a:pPr lvl="0">
+              <a:spcBef>
+                <a:spcPts val="0"/>
+              </a:spcBef>
+              <a:buNone/>
+            </a:pPr>
+            <a:endParaRPr/>
+          </a:p>
+        </p:txBody>
+      </p:sp>
+      <p:sp>
+        <p:nvSpPr>
+          <p:cNvPr id="211" name="Shape 211"/>
+          <p:cNvSpPr>
+            <a:spLocks noGrp="1" noRot="1" noChangeAspect="1"/>
+          </p:cNvSpPr>
+          <p:nvPr>
+            <p:ph type="sldImg" idx="2"/>
+          </p:nvPr>
+        </p:nvSpPr>
+        <p:spPr>
+          <a:xfrm>
+            <a:off x="381000" y="685800"/>
+            <a:ext cx="6096000" cy="3429000"/>
+          </a:xfrm>
+          <a:custGeom>
+            <a:avLst/>
+            <a:gdLst/>
+            <a:ahLst/>
+            <a:cxnLst/>
+            <a:rect l="0" t="0" r="0" b="0"/>
+            <a:pathLst>
+              <a:path w="120000" h="120000" extrusionOk="0">
+                <a:moveTo>
+                  <a:pt x="0" y="0"/>
+                </a:moveTo>
+                <a:lnTo>
+                  <a:pt x="120000" y="0"/>
+                </a:lnTo>
+                <a:lnTo>
+                  <a:pt x="120000" y="120000"/>
+                </a:lnTo>
+                <a:lnTo>
+                  <a:pt x="0" y="120000"/>
+                </a:lnTo>
+                <a:close/>
+              </a:path>
+            </a:pathLst>
+          </a:custGeom>
+        </p:spPr>
+      </p:sp>
+    </p:spTree>
+    <p:extLst>
+      <p:ext uri="{BB962C8B-B14F-4D97-AF65-F5344CB8AC3E}">
+        <p14:creationId xmlns:p14="http://schemas.microsoft.com/office/powerpoint/2010/main" val="1947399170"/>
+      </p:ext>
+    </p:extLst>
+  </p:cSld>
+  <p:clrMapOvr>
+    <a:masterClrMapping/>
+  </p:clrMapOvr>
+</p:notes>
+</file>
+
+<file path=ppt/notesSlides/notesSlide5.xml><?xml version="1.0" encoding="utf-8"?>
+<p:notes xmlns:a="http://schemas.openxmlformats.org/drawingml/2006/main" xmlns:r="http://schemas.openxmlformats.org/officeDocument/2006/relationships" xmlns:p="http://schemas.openxmlformats.org/presentationml/2006/main" showMasterSp="0" showMasterPhAnim="0">
+  <p:cSld>
+    <p:spTree>
+      <p:nvGrpSpPr>
+        <p:cNvPr id="1" name="Shape 209"/>
+        <p:cNvGrpSpPr/>
+        <p:nvPr/>
+      </p:nvGrpSpPr>
+      <p:grpSpPr>
+        <a:xfrm>
+          <a:off x="0" y="0"/>
+          <a:ext cx="0" cy="0"/>
+          <a:chOff x="0" y="0"/>
+          <a:chExt cx="0" cy="0"/>
+        </a:xfrm>
+      </p:grpSpPr>
+      <p:sp>
+        <p:nvSpPr>
+          <p:cNvPr id="210" name="Shape 210"/>
+          <p:cNvSpPr txBox="1">
+            <a:spLocks noGrp="1"/>
+          </p:cNvSpPr>
+          <p:nvPr>
+            <p:ph type="body" idx="1"/>
+          </p:nvPr>
+        </p:nvSpPr>
+        <p:spPr>
+          <a:xfrm>
+            <a:off x="685800" y="4343400"/>
+            <a:ext cx="5486399" cy="4114800"/>
+          </a:xfrm>
+          <a:prstGeom prst="rect">
+            <a:avLst/>
+          </a:prstGeom>
+          <a:noFill/>
+          <a:ln>
+            <a:noFill/>
+          </a:ln>
+        </p:spPr>
+        <p:txBody>
+          <a:bodyPr lIns="91425" tIns="91425" rIns="91425" bIns="91425" anchor="ctr" anchorCtr="0">
+            <a:noAutofit/>
+          </a:bodyPr>
+          <a:lstStyle/>
+          <a:p>
+            <a:pPr lvl="0">
+              <a:spcBef>
+                <a:spcPts val="0"/>
+              </a:spcBef>
+              <a:buNone/>
+            </a:pPr>
+            <a:endParaRPr/>
+          </a:p>
+        </p:txBody>
+      </p:sp>
+      <p:sp>
+        <p:nvSpPr>
+          <p:cNvPr id="211" name="Shape 211"/>
+          <p:cNvSpPr>
+            <a:spLocks noGrp="1" noRot="1" noChangeAspect="1"/>
+          </p:cNvSpPr>
+          <p:nvPr>
+            <p:ph type="sldImg" idx="2"/>
+          </p:nvPr>
+        </p:nvSpPr>
+        <p:spPr>
+          <a:xfrm>
+            <a:off x="381000" y="685800"/>
+            <a:ext cx="6096000" cy="3429000"/>
+          </a:xfrm>
+          <a:custGeom>
+            <a:avLst/>
+            <a:gdLst/>
+            <a:ahLst/>
+            <a:cxnLst/>
+            <a:rect l="0" t="0" r="0" b="0"/>
+            <a:pathLst>
+              <a:path w="120000" h="120000" extrusionOk="0">
+                <a:moveTo>
+                  <a:pt x="0" y="0"/>
+                </a:moveTo>
+                <a:lnTo>
+                  <a:pt x="120000" y="0"/>
+                </a:lnTo>
+                <a:lnTo>
+                  <a:pt x="120000" y="120000"/>
+                </a:lnTo>
+                <a:lnTo>
+                  <a:pt x="0" y="120000"/>
+                </a:lnTo>
+                <a:close/>
+              </a:path>
+            </a:pathLst>
+          </a:custGeom>
+        </p:spPr>
+      </p:sp>
+    </p:spTree>
+    <p:extLst>
+      <p:ext uri="{BB962C8B-B14F-4D97-AF65-F5344CB8AC3E}">
+        <p14:creationId xmlns:p14="http://schemas.microsoft.com/office/powerpoint/2010/main" val="2241784799"/>
+      </p:ext>
+    </p:extLst>
+  </p:cSld>
+  <p:clrMapOvr>
+    <a:masterClrMapping/>
+  </p:clrMapOvr>
+</p:notes>
+</file>
+
+<file path=ppt/notesSlides/notesSlide6.xml><?xml version="1.0" encoding="utf-8"?>
+<p:notes xmlns:a="http://schemas.openxmlformats.org/drawingml/2006/main" xmlns:r="http://schemas.openxmlformats.org/officeDocument/2006/relationships" xmlns:p="http://schemas.openxmlformats.org/presentationml/2006/main" showMasterSp="0" showMasterPhAnim="0">
+  <p:cSld>
+    <p:spTree>
+      <p:nvGrpSpPr>
+        <p:cNvPr id="1" name="Shape 209"/>
+        <p:cNvGrpSpPr/>
+        <p:nvPr/>
+      </p:nvGrpSpPr>
+      <p:grpSpPr>
+        <a:xfrm>
+          <a:off x="0" y="0"/>
+          <a:ext cx="0" cy="0"/>
+          <a:chOff x="0" y="0"/>
+          <a:chExt cx="0" cy="0"/>
+        </a:xfrm>
+      </p:grpSpPr>
+      <p:sp>
+        <p:nvSpPr>
+          <p:cNvPr id="210" name="Shape 210"/>
+          <p:cNvSpPr txBox="1">
+            <a:spLocks noGrp="1"/>
+          </p:cNvSpPr>
+          <p:nvPr>
+            <p:ph type="body" idx="1"/>
+          </p:nvPr>
+        </p:nvSpPr>
+        <p:spPr>
+          <a:xfrm>
+            <a:off x="685800" y="4343400"/>
+            <a:ext cx="5486399" cy="4114800"/>
+          </a:xfrm>
+          <a:prstGeom prst="rect">
+            <a:avLst/>
+          </a:prstGeom>
+          <a:noFill/>
+          <a:ln>
+            <a:noFill/>
+          </a:ln>
+        </p:spPr>
+        <p:txBody>
+          <a:bodyPr lIns="91425" tIns="91425" rIns="91425" bIns="91425" anchor="ctr" anchorCtr="0">
+            <a:noAutofit/>
+          </a:bodyPr>
+          <a:lstStyle/>
+          <a:p>
+            <a:pPr lvl="0">
+              <a:spcBef>
+                <a:spcPts val="0"/>
+              </a:spcBef>
+              <a:buNone/>
+            </a:pPr>
+            <a:endParaRPr/>
+          </a:p>
+        </p:txBody>
+      </p:sp>
+      <p:sp>
+        <p:nvSpPr>
+          <p:cNvPr id="211" name="Shape 211"/>
+          <p:cNvSpPr>
+            <a:spLocks noGrp="1" noRot="1" noChangeAspect="1"/>
+          </p:cNvSpPr>
+          <p:nvPr>
+            <p:ph type="sldImg" idx="2"/>
+          </p:nvPr>
+        </p:nvSpPr>
+        <p:spPr>
+          <a:xfrm>
+            <a:off x="381000" y="685800"/>
+            <a:ext cx="6096000" cy="3429000"/>
+          </a:xfrm>
+          <a:custGeom>
+            <a:avLst/>
+            <a:gdLst/>
+            <a:ahLst/>
+            <a:cxnLst/>
+            <a:rect l="0" t="0" r="0" b="0"/>
+            <a:pathLst>
+              <a:path w="120000" h="120000" extrusionOk="0">
+                <a:moveTo>
+                  <a:pt x="0" y="0"/>
+                </a:moveTo>
+                <a:lnTo>
+                  <a:pt x="120000" y="0"/>
+                </a:lnTo>
+                <a:lnTo>
+                  <a:pt x="120000" y="120000"/>
+                </a:lnTo>
+                <a:lnTo>
+                  <a:pt x="0" y="120000"/>
+                </a:lnTo>
+                <a:close/>
+              </a:path>
+            </a:pathLst>
+          </a:custGeom>
+        </p:spPr>
+      </p:sp>
+    </p:spTree>
+    <p:extLst>
+      <p:ext uri="{BB962C8B-B14F-4D97-AF65-F5344CB8AC3E}">
+        <p14:creationId xmlns:p14="http://schemas.microsoft.com/office/powerpoint/2010/main" val="3590681068"/>
+      </p:ext>
+    </p:extLst>
+  </p:cSld>
+  <p:clrMapOvr>
+    <a:masterClrMapping/>
+  </p:clrMapOvr>
+</p:notes>
+</file>
+
+<file path=ppt/notesSlides/notesSlide7.xml><?xml version="1.0" encoding="utf-8"?>
+<p:notes xmlns:a="http://schemas.openxmlformats.org/drawingml/2006/main" xmlns:r="http://schemas.openxmlformats.org/officeDocument/2006/relationships" xmlns:p="http://schemas.openxmlformats.org/presentationml/2006/main" showMasterSp="0" showMasterPhAnim="0">
+  <p:cSld>
+    <p:spTree>
+      <p:nvGrpSpPr>
+        <p:cNvPr id="1" name="Shape 209"/>
+        <p:cNvGrpSpPr/>
+        <p:nvPr/>
+      </p:nvGrpSpPr>
+      <p:grpSpPr>
+        <a:xfrm>
+          <a:off x="0" y="0"/>
+          <a:ext cx="0" cy="0"/>
+          <a:chOff x="0" y="0"/>
+          <a:chExt cx="0" cy="0"/>
+        </a:xfrm>
+      </p:grpSpPr>
+      <p:sp>
+        <p:nvSpPr>
+          <p:cNvPr id="210" name="Shape 210"/>
+          <p:cNvSpPr txBox="1">
+            <a:spLocks noGrp="1"/>
+          </p:cNvSpPr>
+          <p:nvPr>
+            <p:ph type="body" idx="1"/>
+          </p:nvPr>
+        </p:nvSpPr>
+        <p:spPr>
+          <a:xfrm>
+            <a:off x="685800" y="4343400"/>
+            <a:ext cx="5486399" cy="4114800"/>
+          </a:xfrm>
+          <a:prstGeom prst="rect">
+            <a:avLst/>
+          </a:prstGeom>
+          <a:noFill/>
+          <a:ln>
+            <a:noFill/>
+          </a:ln>
+        </p:spPr>
+        <p:txBody>
+          <a:bodyPr lIns="91425" tIns="91425" rIns="91425" bIns="91425" anchor="ctr" anchorCtr="0">
+            <a:noAutofit/>
+          </a:bodyPr>
+          <a:lstStyle/>
+          <a:p>
+            <a:pPr lvl="0">
+              <a:spcBef>
+                <a:spcPts val="0"/>
+              </a:spcBef>
+              <a:buNone/>
+            </a:pPr>
+            <a:endParaRPr/>
+          </a:p>
+        </p:txBody>
+      </p:sp>
+      <p:sp>
+        <p:nvSpPr>
+          <p:cNvPr id="211" name="Shape 211"/>
+          <p:cNvSpPr>
+            <a:spLocks noGrp="1" noRot="1" noChangeAspect="1"/>
+          </p:cNvSpPr>
+          <p:nvPr>
+            <p:ph type="sldImg" idx="2"/>
+          </p:nvPr>
+        </p:nvSpPr>
+        <p:spPr>
+          <a:xfrm>
+            <a:off x="381000" y="685800"/>
+            <a:ext cx="6096000" cy="3429000"/>
+          </a:xfrm>
+          <a:custGeom>
+            <a:avLst/>
+            <a:gdLst/>
+            <a:ahLst/>
+            <a:cxnLst/>
+            <a:rect l="0" t="0" r="0" b="0"/>
+            <a:pathLst>
+              <a:path w="120000" h="120000" extrusionOk="0">
+                <a:moveTo>
+                  <a:pt x="0" y="0"/>
+                </a:moveTo>
+                <a:lnTo>
+                  <a:pt x="120000" y="0"/>
+                </a:lnTo>
+                <a:lnTo>
+                  <a:pt x="120000" y="120000"/>
+                </a:lnTo>
+                <a:lnTo>
+                  <a:pt x="0" y="120000"/>
+                </a:lnTo>
+                <a:close/>
+              </a:path>
+            </a:pathLst>
+          </a:custGeom>
+        </p:spPr>
+      </p:sp>
+    </p:spTree>
+    <p:extLst>
+      <p:ext uri="{BB962C8B-B14F-4D97-AF65-F5344CB8AC3E}">
+        <p14:creationId xmlns:p14="http://schemas.microsoft.com/office/powerpoint/2010/main" val="3577381200"/>
+      </p:ext>
+    </p:extLst>
+  </p:cSld>
+  <p:clrMapOvr>
+    <a:masterClrMapping/>
+  </p:clrMapOvr>
+</p:notes>
+</file>
+
+<file path=ppt/notesSlides/notesSlide8.xml><?xml version="1.0" encoding="utf-8"?>
 <p:notes xmlns:a="http://schemas.openxmlformats.org/drawingml/2006/main" xmlns:r="http://schemas.openxmlformats.org/officeDocument/2006/relationships" xmlns:p="http://schemas.openxmlformats.org/presentationml/2006/main" showMasterSp="0" showMasterPhAnim="0">
   <p:cSld>
     <p:spTree>
@@ -740,7 +1627,7 @@
 </p:notes>
 </file>
 
-<file path=ppt/notesSlides/notesSlide3.xml><?xml version="1.0" encoding="utf-8"?>
+<file path=ppt/notesSlides/notesSlide9.xml><?xml version="1.0" encoding="utf-8"?>
 <p:notes xmlns:a="http://schemas.openxmlformats.org/drawingml/2006/main" xmlns:r="http://schemas.openxmlformats.org/officeDocument/2006/relationships" xmlns:p="http://schemas.openxmlformats.org/presentationml/2006/main" showMasterSp="0" showMasterPhAnim="0">
   <p:cSld>
     <p:spTree>
@@ -841,226 +1728,6 @@
     <p:extLst>
       <p:ext uri="{BB962C8B-B14F-4D97-AF65-F5344CB8AC3E}">
         <p14:creationId xmlns:p14="http://schemas.microsoft.com/office/powerpoint/2010/main" val="1515860995"/>
-      </p:ext>
-    </p:extLst>
-  </p:cSld>
-  <p:clrMapOvr>
-    <a:masterClrMapping/>
-  </p:clrMapOvr>
-</p:notes>
-</file>
-
-<file path=ppt/notesSlides/notesSlide4.xml><?xml version="1.0" encoding="utf-8"?>
-<p:notes xmlns:a="http://schemas.openxmlformats.org/drawingml/2006/main" xmlns:r="http://schemas.openxmlformats.org/officeDocument/2006/relationships" xmlns:p="http://schemas.openxmlformats.org/presentationml/2006/main" showMasterSp="0" showMasterPhAnim="0">
-  <p:cSld>
-    <p:spTree>
-      <p:nvGrpSpPr>
-        <p:cNvPr id="1" name="Shape 209"/>
-        <p:cNvGrpSpPr/>
-        <p:nvPr/>
-      </p:nvGrpSpPr>
-      <p:grpSpPr>
-        <a:xfrm>
-          <a:off x="0" y="0"/>
-          <a:ext cx="0" cy="0"/>
-          <a:chOff x="0" y="0"/>
-          <a:chExt cx="0" cy="0"/>
-        </a:xfrm>
-      </p:grpSpPr>
-      <p:sp>
-        <p:nvSpPr>
-          <p:cNvPr id="210" name="Shape 210"/>
-          <p:cNvSpPr txBox="1">
-            <a:spLocks noGrp="1"/>
-          </p:cNvSpPr>
-          <p:nvPr>
-            <p:ph type="body" idx="1"/>
-          </p:nvPr>
-        </p:nvSpPr>
-        <p:spPr>
-          <a:xfrm>
-            <a:off x="685800" y="4343400"/>
-            <a:ext cx="5486399" cy="4114800"/>
-          </a:xfrm>
-          <a:prstGeom prst="rect">
-            <a:avLst/>
-          </a:prstGeom>
-          <a:noFill/>
-          <a:ln>
-            <a:noFill/>
-          </a:ln>
-        </p:spPr>
-        <p:txBody>
-          <a:bodyPr lIns="91425" tIns="91425" rIns="91425" bIns="91425" anchor="ctr" anchorCtr="0">
-            <a:noAutofit/>
-          </a:bodyPr>
-          <a:lstStyle/>
-          <a:p>
-            <a:pPr lvl="0">
-              <a:spcBef>
-                <a:spcPts val="0"/>
-              </a:spcBef>
-              <a:buNone/>
-            </a:pPr>
-            <a:endParaRPr/>
-          </a:p>
-        </p:txBody>
-      </p:sp>
-      <p:sp>
-        <p:nvSpPr>
-          <p:cNvPr id="211" name="Shape 211"/>
-          <p:cNvSpPr>
-            <a:spLocks noGrp="1" noRot="1" noChangeAspect="1"/>
-          </p:cNvSpPr>
-          <p:nvPr>
-            <p:ph type="sldImg" idx="2"/>
-          </p:nvPr>
-        </p:nvSpPr>
-        <p:spPr>
-          <a:xfrm>
-            <a:off x="381000" y="685800"/>
-            <a:ext cx="6096000" cy="3429000"/>
-          </a:xfrm>
-          <a:custGeom>
-            <a:avLst/>
-            <a:gdLst/>
-            <a:ahLst/>
-            <a:cxnLst/>
-            <a:rect l="0" t="0" r="0" b="0"/>
-            <a:pathLst>
-              <a:path w="120000" h="120000" extrusionOk="0">
-                <a:moveTo>
-                  <a:pt x="0" y="0"/>
-                </a:moveTo>
-                <a:lnTo>
-                  <a:pt x="120000" y="0"/>
-                </a:lnTo>
-                <a:lnTo>
-                  <a:pt x="120000" y="120000"/>
-                </a:lnTo>
-                <a:lnTo>
-                  <a:pt x="0" y="120000"/>
-                </a:lnTo>
-                <a:close/>
-              </a:path>
-            </a:pathLst>
-          </a:custGeom>
-        </p:spPr>
-      </p:sp>
-    </p:spTree>
-    <p:extLst>
-      <p:ext uri="{BB962C8B-B14F-4D97-AF65-F5344CB8AC3E}">
-        <p14:creationId xmlns:p14="http://schemas.microsoft.com/office/powerpoint/2010/main" val="324783794"/>
-      </p:ext>
-    </p:extLst>
-  </p:cSld>
-  <p:clrMapOvr>
-    <a:masterClrMapping/>
-  </p:clrMapOvr>
-</p:notes>
-</file>
-
-<file path=ppt/notesSlides/notesSlide5.xml><?xml version="1.0" encoding="utf-8"?>
-<p:notes xmlns:a="http://schemas.openxmlformats.org/drawingml/2006/main" xmlns:r="http://schemas.openxmlformats.org/officeDocument/2006/relationships" xmlns:p="http://schemas.openxmlformats.org/presentationml/2006/main" showMasterSp="0" showMasterPhAnim="0">
-  <p:cSld>
-    <p:spTree>
-      <p:nvGrpSpPr>
-        <p:cNvPr id="1" name="Shape 209"/>
-        <p:cNvGrpSpPr/>
-        <p:nvPr/>
-      </p:nvGrpSpPr>
-      <p:grpSpPr>
-        <a:xfrm>
-          <a:off x="0" y="0"/>
-          <a:ext cx="0" cy="0"/>
-          <a:chOff x="0" y="0"/>
-          <a:chExt cx="0" cy="0"/>
-        </a:xfrm>
-      </p:grpSpPr>
-      <p:sp>
-        <p:nvSpPr>
-          <p:cNvPr id="210" name="Shape 210"/>
-          <p:cNvSpPr txBox="1">
-            <a:spLocks noGrp="1"/>
-          </p:cNvSpPr>
-          <p:nvPr>
-            <p:ph type="body" idx="1"/>
-          </p:nvPr>
-        </p:nvSpPr>
-        <p:spPr>
-          <a:xfrm>
-            <a:off x="685800" y="4343400"/>
-            <a:ext cx="5486399" cy="4114800"/>
-          </a:xfrm>
-          <a:prstGeom prst="rect">
-            <a:avLst/>
-          </a:prstGeom>
-          <a:noFill/>
-          <a:ln>
-            <a:noFill/>
-          </a:ln>
-        </p:spPr>
-        <p:txBody>
-          <a:bodyPr lIns="91425" tIns="91425" rIns="91425" bIns="91425" anchor="ctr" anchorCtr="0">
-            <a:noAutofit/>
-          </a:bodyPr>
-          <a:lstStyle/>
-          <a:p>
-            <a:pPr lvl="0">
-              <a:spcBef>
-                <a:spcPts val="0"/>
-              </a:spcBef>
-              <a:buNone/>
-            </a:pPr>
-            <a:endParaRPr/>
-          </a:p>
-        </p:txBody>
-      </p:sp>
-      <p:sp>
-        <p:nvSpPr>
-          <p:cNvPr id="211" name="Shape 211"/>
-          <p:cNvSpPr>
-            <a:spLocks noGrp="1" noRot="1" noChangeAspect="1"/>
-          </p:cNvSpPr>
-          <p:nvPr>
-            <p:ph type="sldImg" idx="2"/>
-          </p:nvPr>
-        </p:nvSpPr>
-        <p:spPr>
-          <a:xfrm>
-            <a:off x="381000" y="685800"/>
-            <a:ext cx="6096000" cy="3429000"/>
-          </a:xfrm>
-          <a:custGeom>
-            <a:avLst/>
-            <a:gdLst/>
-            <a:ahLst/>
-            <a:cxnLst/>
-            <a:rect l="0" t="0" r="0" b="0"/>
-            <a:pathLst>
-              <a:path w="120000" h="120000" extrusionOk="0">
-                <a:moveTo>
-                  <a:pt x="0" y="0"/>
-                </a:moveTo>
-                <a:lnTo>
-                  <a:pt x="120000" y="0"/>
-                </a:lnTo>
-                <a:lnTo>
-                  <a:pt x="120000" y="120000"/>
-                </a:lnTo>
-                <a:lnTo>
-                  <a:pt x="0" y="120000"/>
-                </a:lnTo>
-                <a:close/>
-              </a:path>
-            </a:pathLst>
-          </a:custGeom>
-        </p:spPr>
-      </p:sp>
-    </p:spTree>
-    <p:extLst>
-      <p:ext uri="{BB962C8B-B14F-4D97-AF65-F5344CB8AC3E}">
-        <p14:creationId xmlns:p14="http://schemas.microsoft.com/office/powerpoint/2010/main" val="1337526625"/>
       </p:ext>
     </p:extLst>
   </p:cSld>
@@ -11989,6 +12656,648 @@
     <p:extLst>
       <p:ext uri="{BB962C8B-B14F-4D97-AF65-F5344CB8AC3E}">
         <p14:creationId xmlns:p14="http://schemas.microsoft.com/office/powerpoint/2010/main" val="3181592066"/>
+      </p:ext>
+    </p:extLst>
+  </p:cSld>
+  <p:clrMapOvr>
+    <a:masterClrMapping/>
+  </p:clrMapOvr>
+  <p:timing>
+    <p:tnLst>
+      <p:par>
+        <p:cTn id="1" dur="indefinite" restart="never" nodeType="tmRoot"/>
+      </p:par>
+    </p:tnLst>
+  </p:timing>
+</p:sld>
+</file>
+
+<file path=ppt/slides/slide10.xml><?xml version="1.0" encoding="utf-8"?>
+<p:sld xmlns:a="http://schemas.openxmlformats.org/drawingml/2006/main" xmlns:r="http://schemas.openxmlformats.org/officeDocument/2006/relationships" xmlns:p="http://schemas.openxmlformats.org/presentationml/2006/main">
+  <p:cSld>
+    <p:spTree>
+      <p:nvGrpSpPr>
+        <p:cNvPr id="1" name=""/>
+        <p:cNvGrpSpPr/>
+        <p:nvPr/>
+      </p:nvGrpSpPr>
+      <p:grpSpPr>
+        <a:xfrm>
+          <a:off x="0" y="0"/>
+          <a:ext cx="0" cy="0"/>
+          <a:chOff x="0" y="0"/>
+          <a:chExt cx="0" cy="0"/>
+        </a:xfrm>
+      </p:grpSpPr>
+      <p:sp>
+        <p:nvSpPr>
+          <p:cNvPr id="2" name="Заголовок 1"/>
+          <p:cNvSpPr>
+            <a:spLocks noGrp="1"/>
+          </p:cNvSpPr>
+          <p:nvPr>
+            <p:ph type="title"/>
+          </p:nvPr>
+        </p:nvSpPr>
+        <p:spPr/>
+        <p:txBody>
+          <a:bodyPr/>
+          <a:lstStyle/>
+          <a:p>
+            <a:endParaRPr lang="ru-RU"/>
+          </a:p>
+        </p:txBody>
+      </p:sp>
+      <p:sp>
+        <p:nvSpPr>
+          <p:cNvPr id="3" name="Текст 2"/>
+          <p:cNvSpPr>
+            <a:spLocks noGrp="1"/>
+          </p:cNvSpPr>
+          <p:nvPr>
+            <p:ph type="body" idx="1"/>
+          </p:nvPr>
+        </p:nvSpPr>
+        <p:spPr/>
+        <p:txBody>
+          <a:bodyPr/>
+          <a:lstStyle/>
+          <a:p>
+            <a:endParaRPr lang="ru-RU"/>
+          </a:p>
+        </p:txBody>
+      </p:sp>
+    </p:spTree>
+    <p:extLst>
+      <p:ext uri="{BB962C8B-B14F-4D97-AF65-F5344CB8AC3E}">
+        <p14:creationId xmlns:p14="http://schemas.microsoft.com/office/powerpoint/2010/main" val="2584262233"/>
+      </p:ext>
+    </p:extLst>
+  </p:cSld>
+  <p:clrMapOvr>
+    <a:masterClrMapping/>
+  </p:clrMapOvr>
+  <p:timing>
+    <p:tnLst>
+      <p:par>
+        <p:cTn id="1" dur="indefinite" restart="never" nodeType="tmRoot"/>
+      </p:par>
+    </p:tnLst>
+  </p:timing>
+</p:sld>
+</file>
+
+<file path=ppt/slides/slide11.xml><?xml version="1.0" encoding="utf-8"?>
+<p:sld xmlns:a="http://schemas.openxmlformats.org/drawingml/2006/main" xmlns:r="http://schemas.openxmlformats.org/officeDocument/2006/relationships" xmlns:p="http://schemas.openxmlformats.org/presentationml/2006/main">
+  <p:cSld>
+    <p:bg>
+      <p:bgPr>
+        <a:solidFill>
+          <a:schemeClr val="bg1"/>
+        </a:solidFill>
+        <a:effectLst/>
+      </p:bgPr>
+    </p:bg>
+    <p:spTree>
+      <p:nvGrpSpPr>
+        <p:cNvPr id="1" name="Shape 212"/>
+        <p:cNvGrpSpPr/>
+        <p:nvPr/>
+      </p:nvGrpSpPr>
+      <p:grpSpPr>
+        <a:xfrm>
+          <a:off x="0" y="0"/>
+          <a:ext cx="0" cy="0"/>
+          <a:chOff x="0" y="0"/>
+          <a:chExt cx="0" cy="0"/>
+        </a:xfrm>
+      </p:grpSpPr>
+      <p:sp>
+        <p:nvSpPr>
+          <p:cNvPr id="213" name="Shape 213"/>
+          <p:cNvSpPr txBox="1">
+            <a:spLocks noGrp="1"/>
+          </p:cNvSpPr>
+          <p:nvPr>
+            <p:ph type="title"/>
+          </p:nvPr>
+        </p:nvSpPr>
+        <p:spPr>
+          <a:xfrm>
+            <a:off x="1155700" y="241300"/>
+            <a:ext cx="13931900" cy="2298699"/>
+          </a:xfrm>
+          <a:prstGeom prst="rect">
+            <a:avLst/>
+          </a:prstGeom>
+          <a:noFill/>
+          <a:ln>
+            <a:noFill/>
+          </a:ln>
+        </p:spPr>
+        <p:txBody>
+          <a:bodyPr lIns="38100" tIns="38100" rIns="38100" bIns="38100" anchor="ctr" anchorCtr="0">
+            <a:noAutofit/>
+          </a:bodyPr>
+          <a:lstStyle/>
+          <a:p>
+            <a:r>
+              <a:rPr lang="ru-RU" sz="6600" dirty="0"/>
+              <a:t>Понятие об </a:t>
+            </a:r>
+            <a:r>
+              <a:rPr lang="ru-RU" sz="6600" dirty="0" smtClean="0"/>
+              <a:t>исключении</a:t>
+            </a:r>
+            <a:endParaRPr lang="ru-RU" sz="6600" dirty="0"/>
+          </a:p>
+        </p:txBody>
+      </p:sp>
+      <p:sp>
+        <p:nvSpPr>
+          <p:cNvPr id="229" name="Shape 229"/>
+          <p:cNvSpPr txBox="1"/>
+          <p:nvPr/>
+        </p:nvSpPr>
+        <p:spPr>
+          <a:xfrm>
+            <a:off x="5038725" y="2997200"/>
+            <a:ext cx="1409700" cy="622299"/>
+          </a:xfrm>
+          <a:prstGeom prst="rect">
+            <a:avLst/>
+          </a:prstGeom>
+          <a:noFill/>
+          <a:ln>
+            <a:noFill/>
+          </a:ln>
+        </p:spPr>
+        <p:txBody>
+          <a:bodyPr lIns="0" tIns="0" rIns="0" bIns="0" anchor="ctr" anchorCtr="0">
+            <a:noAutofit/>
+          </a:bodyPr>
+          <a:lstStyle/>
+          <a:p>
+            <a:pPr marL="0" marR="0" lvl="0" indent="0" algn="ctr" rtl="0">
+              <a:lnSpc>
+                <a:spcPct val="100000"/>
+              </a:lnSpc>
+              <a:spcBef>
+                <a:spcPts val="0"/>
+              </a:spcBef>
+              <a:spcAft>
+                <a:spcPts val="0"/>
+              </a:spcAft>
+              <a:buClr>
+                <a:schemeClr val="lt1"/>
+              </a:buClr>
+              <a:buSzPct val="25000"/>
+              <a:buFont typeface="Cabin"/>
+              <a:buNone/>
+            </a:pPr>
+            <a:r>
+              <a:rPr lang="en-US" sz="3600" b="0" i="0" u="none" strike="noStrike" cap="none">
+                <a:solidFill>
+                  <a:schemeClr val="lt1"/>
+                </a:solidFill>
+                <a:latin typeface="Cabin"/>
+                <a:ea typeface="Cabin"/>
+                <a:cs typeface="Cabin"/>
+                <a:sym typeface="Cabin"/>
+              </a:rPr>
+              <a:t>hello():</a:t>
+            </a:r>
+          </a:p>
+        </p:txBody>
+      </p:sp>
+    </p:spTree>
+    <p:extLst>
+      <p:ext uri="{BB962C8B-B14F-4D97-AF65-F5344CB8AC3E}">
+        <p14:creationId xmlns:p14="http://schemas.microsoft.com/office/powerpoint/2010/main" val="1893192148"/>
+      </p:ext>
+    </p:extLst>
+  </p:cSld>
+  <p:clrMapOvr>
+    <a:masterClrMapping/>
+  </p:clrMapOvr>
+  <p:timing>
+    <p:tnLst>
+      <p:par>
+        <p:cTn id="1" dur="indefinite" restart="never" nodeType="tmRoot"/>
+      </p:par>
+    </p:tnLst>
+  </p:timing>
+</p:sld>
+</file>
+
+<file path=ppt/slides/slide12.xml><?xml version="1.0" encoding="utf-8"?>
+<p:sld xmlns:a="http://schemas.openxmlformats.org/drawingml/2006/main" xmlns:r="http://schemas.openxmlformats.org/officeDocument/2006/relationships" xmlns:p="http://schemas.openxmlformats.org/presentationml/2006/main">
+  <p:cSld>
+    <p:bg>
+      <p:bgPr>
+        <a:solidFill>
+          <a:schemeClr val="bg1"/>
+        </a:solidFill>
+        <a:effectLst/>
+      </p:bgPr>
+    </p:bg>
+    <p:spTree>
+      <p:nvGrpSpPr>
+        <p:cNvPr id="1" name="Shape 212"/>
+        <p:cNvGrpSpPr/>
+        <p:nvPr/>
+      </p:nvGrpSpPr>
+      <p:grpSpPr>
+        <a:xfrm>
+          <a:off x="0" y="0"/>
+          <a:ext cx="0" cy="0"/>
+          <a:chOff x="0" y="0"/>
+          <a:chExt cx="0" cy="0"/>
+        </a:xfrm>
+      </p:grpSpPr>
+      <p:sp>
+        <p:nvSpPr>
+          <p:cNvPr id="213" name="Shape 213"/>
+          <p:cNvSpPr txBox="1">
+            <a:spLocks noGrp="1"/>
+          </p:cNvSpPr>
+          <p:nvPr>
+            <p:ph type="title"/>
+          </p:nvPr>
+        </p:nvSpPr>
+        <p:spPr>
+          <a:xfrm>
+            <a:off x="1155700" y="241300"/>
+            <a:ext cx="13931900" cy="2298699"/>
+          </a:xfrm>
+          <a:prstGeom prst="rect">
+            <a:avLst/>
+          </a:prstGeom>
+          <a:noFill/>
+          <a:ln>
+            <a:noFill/>
+          </a:ln>
+        </p:spPr>
+        <p:txBody>
+          <a:bodyPr lIns="38100" tIns="38100" rIns="38100" bIns="38100" anchor="ctr" anchorCtr="0">
+            <a:noAutofit/>
+          </a:bodyPr>
+          <a:lstStyle/>
+          <a:p>
+            <a:r>
+              <a:rPr lang="ru-RU" sz="6600" dirty="0"/>
+              <a:t>Перехват исключения</a:t>
+            </a:r>
+          </a:p>
+        </p:txBody>
+      </p:sp>
+      <p:sp>
+        <p:nvSpPr>
+          <p:cNvPr id="229" name="Shape 229"/>
+          <p:cNvSpPr txBox="1"/>
+          <p:nvPr/>
+        </p:nvSpPr>
+        <p:spPr>
+          <a:xfrm>
+            <a:off x="5038725" y="2997200"/>
+            <a:ext cx="1409700" cy="622299"/>
+          </a:xfrm>
+          <a:prstGeom prst="rect">
+            <a:avLst/>
+          </a:prstGeom>
+          <a:noFill/>
+          <a:ln>
+            <a:noFill/>
+          </a:ln>
+        </p:spPr>
+        <p:txBody>
+          <a:bodyPr lIns="0" tIns="0" rIns="0" bIns="0" anchor="ctr" anchorCtr="0">
+            <a:noAutofit/>
+          </a:bodyPr>
+          <a:lstStyle/>
+          <a:p>
+            <a:pPr marL="0" marR="0" lvl="0" indent="0" algn="ctr" rtl="0">
+              <a:lnSpc>
+                <a:spcPct val="100000"/>
+              </a:lnSpc>
+              <a:spcBef>
+                <a:spcPts val="0"/>
+              </a:spcBef>
+              <a:spcAft>
+                <a:spcPts val="0"/>
+              </a:spcAft>
+              <a:buClr>
+                <a:schemeClr val="lt1"/>
+              </a:buClr>
+              <a:buSzPct val="25000"/>
+              <a:buFont typeface="Cabin"/>
+              <a:buNone/>
+            </a:pPr>
+            <a:r>
+              <a:rPr lang="en-US" sz="3600" b="0" i="0" u="none" strike="noStrike" cap="none">
+                <a:solidFill>
+                  <a:schemeClr val="lt1"/>
+                </a:solidFill>
+                <a:latin typeface="Cabin"/>
+                <a:ea typeface="Cabin"/>
+                <a:cs typeface="Cabin"/>
+                <a:sym typeface="Cabin"/>
+              </a:rPr>
+              <a:t>hello():</a:t>
+            </a:r>
+          </a:p>
+        </p:txBody>
+      </p:sp>
+    </p:spTree>
+    <p:extLst>
+      <p:ext uri="{BB962C8B-B14F-4D97-AF65-F5344CB8AC3E}">
+        <p14:creationId xmlns:p14="http://schemas.microsoft.com/office/powerpoint/2010/main" val="813838258"/>
+      </p:ext>
+    </p:extLst>
+  </p:cSld>
+  <p:clrMapOvr>
+    <a:masterClrMapping/>
+  </p:clrMapOvr>
+  <p:timing>
+    <p:tnLst>
+      <p:par>
+        <p:cTn id="1" dur="indefinite" restart="never" nodeType="tmRoot"/>
+      </p:par>
+    </p:tnLst>
+  </p:timing>
+</p:sld>
+</file>
+
+<file path=ppt/slides/slide13.xml><?xml version="1.0" encoding="utf-8"?>
+<p:sld xmlns:a="http://schemas.openxmlformats.org/drawingml/2006/main" xmlns:r="http://schemas.openxmlformats.org/officeDocument/2006/relationships" xmlns:p="http://schemas.openxmlformats.org/presentationml/2006/main">
+  <p:cSld>
+    <p:bg>
+      <p:bgPr>
+        <a:solidFill>
+          <a:schemeClr val="bg1"/>
+        </a:solidFill>
+        <a:effectLst/>
+      </p:bgPr>
+    </p:bg>
+    <p:spTree>
+      <p:nvGrpSpPr>
+        <p:cNvPr id="1" name="Shape 212"/>
+        <p:cNvGrpSpPr/>
+        <p:nvPr/>
+      </p:nvGrpSpPr>
+      <p:grpSpPr>
+        <a:xfrm>
+          <a:off x="0" y="0"/>
+          <a:ext cx="0" cy="0"/>
+          <a:chOff x="0" y="0"/>
+          <a:chExt cx="0" cy="0"/>
+        </a:xfrm>
+      </p:grpSpPr>
+      <p:sp>
+        <p:nvSpPr>
+          <p:cNvPr id="213" name="Shape 213"/>
+          <p:cNvSpPr txBox="1">
+            <a:spLocks noGrp="1"/>
+          </p:cNvSpPr>
+          <p:nvPr>
+            <p:ph type="title"/>
+          </p:nvPr>
+        </p:nvSpPr>
+        <p:spPr>
+          <a:xfrm>
+            <a:off x="1155700" y="241300"/>
+            <a:ext cx="13931900" cy="2298699"/>
+          </a:xfrm>
+          <a:prstGeom prst="rect">
+            <a:avLst/>
+          </a:prstGeom>
+          <a:noFill/>
+          <a:ln>
+            <a:noFill/>
+          </a:ln>
+        </p:spPr>
+        <p:txBody>
+          <a:bodyPr lIns="38100" tIns="38100" rIns="38100" bIns="38100" anchor="ctr" anchorCtr="0">
+            <a:noAutofit/>
+          </a:bodyPr>
+          <a:lstStyle/>
+          <a:p>
+            <a:r>
+              <a:rPr lang="ru-RU" sz="6600" dirty="0"/>
+              <a:t>Выброс </a:t>
+            </a:r>
+            <a:r>
+              <a:rPr lang="ru-RU" sz="6600" dirty="0" smtClean="0"/>
+              <a:t>исключения</a:t>
+            </a:r>
+            <a:endParaRPr lang="ru-RU" sz="6600" dirty="0"/>
+          </a:p>
+        </p:txBody>
+      </p:sp>
+      <p:sp>
+        <p:nvSpPr>
+          <p:cNvPr id="229" name="Shape 229"/>
+          <p:cNvSpPr txBox="1"/>
+          <p:nvPr/>
+        </p:nvSpPr>
+        <p:spPr>
+          <a:xfrm>
+            <a:off x="5038725" y="2997200"/>
+            <a:ext cx="1409700" cy="622299"/>
+          </a:xfrm>
+          <a:prstGeom prst="rect">
+            <a:avLst/>
+          </a:prstGeom>
+          <a:noFill/>
+          <a:ln>
+            <a:noFill/>
+          </a:ln>
+        </p:spPr>
+        <p:txBody>
+          <a:bodyPr lIns="0" tIns="0" rIns="0" bIns="0" anchor="ctr" anchorCtr="0">
+            <a:noAutofit/>
+          </a:bodyPr>
+          <a:lstStyle/>
+          <a:p>
+            <a:pPr marL="0" marR="0" lvl="0" indent="0" algn="ctr" rtl="0">
+              <a:lnSpc>
+                <a:spcPct val="100000"/>
+              </a:lnSpc>
+              <a:spcBef>
+                <a:spcPts val="0"/>
+              </a:spcBef>
+              <a:spcAft>
+                <a:spcPts val="0"/>
+              </a:spcAft>
+              <a:buClr>
+                <a:schemeClr val="lt1"/>
+              </a:buClr>
+              <a:buSzPct val="25000"/>
+              <a:buFont typeface="Cabin"/>
+              <a:buNone/>
+            </a:pPr>
+            <a:r>
+              <a:rPr lang="en-US" sz="3600" b="0" i="0" u="none" strike="noStrike" cap="none">
+                <a:solidFill>
+                  <a:schemeClr val="lt1"/>
+                </a:solidFill>
+                <a:latin typeface="Cabin"/>
+                <a:ea typeface="Cabin"/>
+                <a:cs typeface="Cabin"/>
+                <a:sym typeface="Cabin"/>
+              </a:rPr>
+              <a:t>hello():</a:t>
+            </a:r>
+          </a:p>
+        </p:txBody>
+      </p:sp>
+    </p:spTree>
+    <p:extLst>
+      <p:ext uri="{BB962C8B-B14F-4D97-AF65-F5344CB8AC3E}">
+        <p14:creationId xmlns:p14="http://schemas.microsoft.com/office/powerpoint/2010/main" val="1928126494"/>
+      </p:ext>
+    </p:extLst>
+  </p:cSld>
+  <p:clrMapOvr>
+    <a:masterClrMapping/>
+  </p:clrMapOvr>
+  <p:timing>
+    <p:tnLst>
+      <p:par>
+        <p:cTn id="1" dur="indefinite" restart="never" nodeType="tmRoot"/>
+      </p:par>
+    </p:tnLst>
+  </p:timing>
+</p:sld>
+</file>
+
+<file path=ppt/slides/slide14.xml><?xml version="1.0" encoding="utf-8"?>
+<p:sld xmlns:a="http://schemas.openxmlformats.org/drawingml/2006/main" xmlns:r="http://schemas.openxmlformats.org/officeDocument/2006/relationships" xmlns:p="http://schemas.openxmlformats.org/presentationml/2006/main">
+  <p:cSld>
+    <p:bg>
+      <p:bgPr>
+        <a:solidFill>
+          <a:schemeClr val="bg1"/>
+        </a:solidFill>
+        <a:effectLst/>
+      </p:bgPr>
+    </p:bg>
+    <p:spTree>
+      <p:nvGrpSpPr>
+        <p:cNvPr id="1" name="Shape 212"/>
+        <p:cNvGrpSpPr/>
+        <p:nvPr/>
+      </p:nvGrpSpPr>
+      <p:grpSpPr>
+        <a:xfrm>
+          <a:off x="0" y="0"/>
+          <a:ext cx="0" cy="0"/>
+          <a:chOff x="0" y="0"/>
+          <a:chExt cx="0" cy="0"/>
+        </a:xfrm>
+      </p:grpSpPr>
+      <p:sp>
+        <p:nvSpPr>
+          <p:cNvPr id="213" name="Shape 213"/>
+          <p:cNvSpPr txBox="1">
+            <a:spLocks noGrp="1"/>
+          </p:cNvSpPr>
+          <p:nvPr>
+            <p:ph type="title"/>
+          </p:nvPr>
+        </p:nvSpPr>
+        <p:spPr>
+          <a:xfrm>
+            <a:off x="1155700" y="241300"/>
+            <a:ext cx="13931900" cy="2298699"/>
+          </a:xfrm>
+          <a:prstGeom prst="rect">
+            <a:avLst/>
+          </a:prstGeom>
+          <a:noFill/>
+          <a:ln>
+            <a:noFill/>
+          </a:ln>
+        </p:spPr>
+        <p:txBody>
+          <a:bodyPr lIns="38100" tIns="38100" rIns="38100" bIns="38100" anchor="ctr" anchorCtr="0">
+            <a:noAutofit/>
+          </a:bodyPr>
+          <a:lstStyle/>
+          <a:p>
+            <a:r>
+              <a:rPr lang="ru-RU" sz="6600" dirty="0"/>
+              <a:t>Стандартные </a:t>
+            </a:r>
+            <a:r>
+              <a:rPr lang="ru-RU" sz="6600" dirty="0" smtClean="0"/>
+              <a:t>исключения</a:t>
+            </a:r>
+            <a:endParaRPr lang="ru-RU" sz="6600" dirty="0"/>
+          </a:p>
+        </p:txBody>
+      </p:sp>
+      <p:sp>
+        <p:nvSpPr>
+          <p:cNvPr id="229" name="Shape 229"/>
+          <p:cNvSpPr txBox="1"/>
+          <p:nvPr/>
+        </p:nvSpPr>
+        <p:spPr>
+          <a:xfrm>
+            <a:off x="5038725" y="2997200"/>
+            <a:ext cx="1409700" cy="622299"/>
+          </a:xfrm>
+          <a:prstGeom prst="rect">
+            <a:avLst/>
+          </a:prstGeom>
+          <a:noFill/>
+          <a:ln>
+            <a:noFill/>
+          </a:ln>
+        </p:spPr>
+        <p:txBody>
+          <a:bodyPr lIns="0" tIns="0" rIns="0" bIns="0" anchor="ctr" anchorCtr="0">
+            <a:noAutofit/>
+          </a:bodyPr>
+          <a:lstStyle/>
+          <a:p>
+            <a:pPr marL="0" marR="0" lvl="0" indent="0" algn="ctr" rtl="0">
+              <a:lnSpc>
+                <a:spcPct val="100000"/>
+              </a:lnSpc>
+              <a:spcBef>
+                <a:spcPts val="0"/>
+              </a:spcBef>
+              <a:spcAft>
+                <a:spcPts val="0"/>
+              </a:spcAft>
+              <a:buClr>
+                <a:schemeClr val="lt1"/>
+              </a:buClr>
+              <a:buSzPct val="25000"/>
+              <a:buFont typeface="Cabin"/>
+              <a:buNone/>
+            </a:pPr>
+            <a:r>
+              <a:rPr lang="en-US" sz="3600" b="0" i="0" u="none" strike="noStrike" cap="none">
+                <a:solidFill>
+                  <a:schemeClr val="lt1"/>
+                </a:solidFill>
+                <a:latin typeface="Cabin"/>
+                <a:ea typeface="Cabin"/>
+                <a:cs typeface="Cabin"/>
+                <a:sym typeface="Cabin"/>
+              </a:rPr>
+              <a:t>hello():</a:t>
+            </a:r>
+          </a:p>
+        </p:txBody>
+      </p:sp>
+    </p:spTree>
+    <p:extLst>
+      <p:ext uri="{BB962C8B-B14F-4D97-AF65-F5344CB8AC3E}">
+        <p14:creationId xmlns:p14="http://schemas.microsoft.com/office/powerpoint/2010/main" val="1499807822"/>
       </p:ext>
     </p:extLst>
   </p:cSld>
@@ -13864,14 +15173,1066 @@
 <file path=ppt/slides/slide4.xml><?xml version="1.0" encoding="utf-8"?>
 <p:sld xmlns:a="http://schemas.openxmlformats.org/drawingml/2006/main" xmlns:r="http://schemas.openxmlformats.org/officeDocument/2006/relationships" xmlns:p="http://schemas.openxmlformats.org/presentationml/2006/main">
   <p:cSld>
-    <p:bg>
-      <p:bgPr>
-        <a:solidFill>
-          <a:schemeClr val="bg1"/>
-        </a:solidFill>
-        <a:effectLst/>
-      </p:bgPr>
-    </p:bg>
+    <p:spTree>
+      <p:nvGrpSpPr>
+        <p:cNvPr id="1" name="Shape 212"/>
+        <p:cNvGrpSpPr/>
+        <p:nvPr/>
+      </p:nvGrpSpPr>
+      <p:grpSpPr>
+        <a:xfrm>
+          <a:off x="0" y="0"/>
+          <a:ext cx="0" cy="0"/>
+          <a:chOff x="0" y="0"/>
+          <a:chExt cx="0" cy="0"/>
+        </a:xfrm>
+      </p:grpSpPr>
+      <p:sp>
+        <p:nvSpPr>
+          <p:cNvPr id="213" name="Shape 213"/>
+          <p:cNvSpPr txBox="1">
+            <a:spLocks noGrp="1"/>
+          </p:cNvSpPr>
+          <p:nvPr>
+            <p:ph type="title"/>
+          </p:nvPr>
+        </p:nvSpPr>
+        <p:spPr>
+          <a:xfrm>
+            <a:off x="1155700" y="241300"/>
+            <a:ext cx="13931900" cy="2298699"/>
+          </a:xfrm>
+          <a:prstGeom prst="rect">
+            <a:avLst/>
+          </a:prstGeom>
+          <a:noFill/>
+          <a:ln>
+            <a:noFill/>
+          </a:ln>
+        </p:spPr>
+        <p:txBody>
+          <a:bodyPr lIns="38100" tIns="38100" rIns="38100" bIns="38100" anchor="ctr" anchorCtr="0">
+            <a:noAutofit/>
+          </a:bodyPr>
+          <a:lstStyle/>
+          <a:p>
+            <a:pPr lvl="0">
+              <a:buClr>
+                <a:schemeClr val="lt1"/>
+              </a:buClr>
+              <a:buSzPct val="25000"/>
+            </a:pPr>
+            <a:r>
+              <a:rPr lang="ru-RU" sz="6600" dirty="0" smtClean="0">
+                <a:solidFill>
+                  <a:schemeClr val="bg2"/>
+                </a:solidFill>
+                <a:latin typeface="Cabin"/>
+                <a:ea typeface="Cabin"/>
+                <a:cs typeface="Cabin"/>
+                <a:sym typeface="Cabin"/>
+              </a:rPr>
+              <a:t>Лямбда выражения</a:t>
+            </a:r>
+            <a:endParaRPr lang="en-US" sz="6600" dirty="0">
+              <a:solidFill>
+                <a:schemeClr val="bg2"/>
+              </a:solidFill>
+              <a:latin typeface="Cabin"/>
+              <a:ea typeface="Cabin"/>
+              <a:cs typeface="Cabin"/>
+              <a:sym typeface="Cabin"/>
+            </a:endParaRPr>
+          </a:p>
+        </p:txBody>
+      </p:sp>
+      <p:sp>
+        <p:nvSpPr>
+          <p:cNvPr id="229" name="Shape 229"/>
+          <p:cNvSpPr txBox="1"/>
+          <p:nvPr/>
+        </p:nvSpPr>
+        <p:spPr>
+          <a:xfrm>
+            <a:off x="5038725" y="2997200"/>
+            <a:ext cx="1409700" cy="622299"/>
+          </a:xfrm>
+          <a:prstGeom prst="rect">
+            <a:avLst/>
+          </a:prstGeom>
+          <a:noFill/>
+          <a:ln>
+            <a:noFill/>
+          </a:ln>
+        </p:spPr>
+        <p:txBody>
+          <a:bodyPr lIns="0" tIns="0" rIns="0" bIns="0" anchor="ctr" anchorCtr="0">
+            <a:noAutofit/>
+          </a:bodyPr>
+          <a:lstStyle/>
+          <a:p>
+            <a:pPr marL="0" marR="0" lvl="0" indent="0" algn="ctr" defTabSz="914400" rtl="0" eaLnBrk="1" fontAlgn="auto" latinLnBrk="0" hangingPunct="1">
+              <a:lnSpc>
+                <a:spcPct val="100000"/>
+              </a:lnSpc>
+              <a:spcBef>
+                <a:spcPts val="0"/>
+              </a:spcBef>
+              <a:spcAft>
+                <a:spcPts val="0"/>
+              </a:spcAft>
+              <a:buClr>
+                <a:srgbClr val="FFFFFF"/>
+              </a:buClr>
+              <a:buSzPct val="25000"/>
+              <a:buFont typeface="Cabin"/>
+              <a:buNone/>
+              <a:tabLst/>
+              <a:defRPr/>
+            </a:pPr>
+            <a:r>
+              <a:rPr kumimoji="0" lang="en-US" sz="3600" b="0" i="0" u="none" strike="noStrike" kern="0" cap="none" spc="0" normalizeH="0" baseline="0" noProof="0">
+                <a:ln>
+                  <a:noFill/>
+                </a:ln>
+                <a:solidFill>
+                  <a:srgbClr val="FFFFFF"/>
+                </a:solidFill>
+                <a:effectLst/>
+                <a:uLnTx/>
+                <a:uFillTx/>
+                <a:latin typeface="Cabin"/>
+                <a:ea typeface="Cabin"/>
+                <a:cs typeface="Cabin"/>
+                <a:sym typeface="Cabin"/>
+              </a:rPr>
+              <a:t>hello():</a:t>
+            </a:r>
+          </a:p>
+        </p:txBody>
+      </p:sp>
+      <p:sp>
+        <p:nvSpPr>
+          <p:cNvPr id="2" name="Прямоугольник 1"/>
+          <p:cNvSpPr/>
+          <p:nvPr/>
+        </p:nvSpPr>
+        <p:spPr>
+          <a:xfrm>
+            <a:off x="1155700" y="2547049"/>
+            <a:ext cx="14046200" cy="1938992"/>
+          </a:xfrm>
+          <a:prstGeom prst="rect">
+            <a:avLst/>
+          </a:prstGeom>
+        </p:spPr>
+        <p:txBody>
+          <a:bodyPr wrap="square">
+            <a:spAutoFit/>
+          </a:bodyPr>
+          <a:lstStyle/>
+          <a:p>
+            <a:pPr marL="0" marR="0" lvl="0" indent="0" algn="l" defTabSz="914400" rtl="0" eaLnBrk="1" fontAlgn="auto" latinLnBrk="0" hangingPunct="1">
+              <a:lnSpc>
+                <a:spcPct val="100000"/>
+              </a:lnSpc>
+              <a:spcBef>
+                <a:spcPts val="0"/>
+              </a:spcBef>
+              <a:spcAft>
+                <a:spcPts val="0"/>
+              </a:spcAft>
+              <a:buClrTx/>
+              <a:buSzTx/>
+              <a:buFontTx/>
+              <a:buNone/>
+              <a:tabLst/>
+              <a:defRPr/>
+            </a:pPr>
+            <a:r>
+              <a:rPr kumimoji="0" lang="ru-RU" sz="4000" b="0" i="0" u="none" strike="noStrike" kern="0" cap="none" spc="0" normalizeH="0" baseline="0" noProof="0" dirty="0">
+                <a:ln>
+                  <a:noFill/>
+                </a:ln>
+                <a:solidFill>
+                  <a:srgbClr val="00B050"/>
+                </a:solidFill>
+                <a:effectLst/>
+                <a:uLnTx/>
+                <a:uFillTx/>
+                <a:latin typeface="Arial"/>
+                <a:cs typeface="Arial"/>
+                <a:sym typeface="Arial"/>
+              </a:rPr>
+              <a:t>Лямбда-выражение</a:t>
+            </a:r>
+            <a:r>
+              <a:rPr kumimoji="0" lang="ru-RU" sz="4000" b="0" i="0" u="none" strike="noStrike" kern="0" cap="none" spc="0" normalizeH="0" baseline="0" noProof="0" dirty="0">
+                <a:ln>
+                  <a:noFill/>
+                </a:ln>
+                <a:solidFill>
+                  <a:srgbClr val="000000"/>
+                </a:solidFill>
+                <a:effectLst/>
+                <a:uLnTx/>
+                <a:uFillTx/>
+                <a:latin typeface="Arial"/>
+                <a:cs typeface="Arial"/>
+                <a:sym typeface="Arial"/>
+              </a:rPr>
+              <a:t> в программировании — специальный синтаксис для определения функциональных объектов, заимствованный из </a:t>
+            </a:r>
+            <a:r>
+              <a:rPr kumimoji="0" lang="ru-RU" sz="4000" b="0" i="0" u="none" strike="noStrike" kern="0" cap="none" spc="0" normalizeH="0" baseline="0" noProof="0" dirty="0">
+                <a:ln>
+                  <a:noFill/>
+                </a:ln>
+                <a:solidFill>
+                  <a:srgbClr val="00B050"/>
+                </a:solidFill>
+                <a:effectLst/>
+                <a:uLnTx/>
+                <a:uFillTx/>
+                <a:latin typeface="Arial"/>
+                <a:cs typeface="Arial"/>
+                <a:sym typeface="Arial"/>
+              </a:rPr>
+              <a:t>λ</a:t>
+            </a:r>
+            <a:r>
+              <a:rPr kumimoji="0" lang="ru-RU" sz="4000" b="0" i="0" u="none" strike="noStrike" kern="0" cap="none" spc="0" normalizeH="0" baseline="0" noProof="0" dirty="0">
+                <a:ln>
+                  <a:noFill/>
+                </a:ln>
+                <a:solidFill>
+                  <a:srgbClr val="000000"/>
+                </a:solidFill>
+                <a:effectLst/>
+                <a:uLnTx/>
+                <a:uFillTx/>
+                <a:latin typeface="Arial"/>
+                <a:cs typeface="Arial"/>
+                <a:sym typeface="Arial"/>
+              </a:rPr>
+              <a:t>-исчисления.</a:t>
+            </a:r>
+          </a:p>
+        </p:txBody>
+      </p:sp>
+      <p:sp>
+        <p:nvSpPr>
+          <p:cNvPr id="3" name="Прямоугольник 2"/>
+          <p:cNvSpPr/>
+          <p:nvPr/>
+        </p:nvSpPr>
+        <p:spPr>
+          <a:xfrm>
+            <a:off x="1155700" y="5415662"/>
+            <a:ext cx="13830300" cy="1815882"/>
+          </a:xfrm>
+          <a:prstGeom prst="rect">
+            <a:avLst/>
+          </a:prstGeom>
+        </p:spPr>
+        <p:txBody>
+          <a:bodyPr wrap="square">
+            <a:spAutoFit/>
+          </a:bodyPr>
+          <a:lstStyle/>
+          <a:p>
+            <a:pPr marL="0" marR="0" lvl="0" indent="0" algn="l" defTabSz="914400" rtl="0" eaLnBrk="1" fontAlgn="auto" latinLnBrk="0" hangingPunct="1">
+              <a:lnSpc>
+                <a:spcPct val="100000"/>
+              </a:lnSpc>
+              <a:spcBef>
+                <a:spcPts val="0"/>
+              </a:spcBef>
+              <a:spcAft>
+                <a:spcPts val="0"/>
+              </a:spcAft>
+              <a:buClrTx/>
+              <a:buSzTx/>
+              <a:buFontTx/>
+              <a:buNone/>
+              <a:tabLst/>
+              <a:defRPr/>
+            </a:pPr>
+            <a:r>
+              <a:rPr kumimoji="0" lang="ru-RU" sz="3600" b="0" i="0" u="none" strike="noStrike" kern="0" cap="none" spc="0" normalizeH="0" baseline="0" noProof="0" dirty="0" err="1">
+                <a:ln>
+                  <a:noFill/>
+                </a:ln>
+                <a:solidFill>
+                  <a:srgbClr val="00B050"/>
+                </a:solidFill>
+                <a:effectLst/>
+                <a:uLnTx/>
+                <a:uFillTx/>
+                <a:latin typeface="Arial"/>
+                <a:cs typeface="Arial"/>
+                <a:sym typeface="Arial"/>
+              </a:rPr>
+              <a:t>Ля́мбда-исчисле́ние</a:t>
+            </a:r>
+            <a:r>
+              <a:rPr kumimoji="0" lang="ru-RU" sz="3600" b="0" i="0" u="none" strike="noStrike" kern="0" cap="none" spc="0" normalizeH="0" baseline="0" noProof="0" dirty="0">
+                <a:ln>
+                  <a:noFill/>
+                </a:ln>
+                <a:solidFill>
+                  <a:srgbClr val="000000"/>
+                </a:solidFill>
+                <a:effectLst/>
+                <a:uLnTx/>
+                <a:uFillTx/>
+                <a:latin typeface="Arial"/>
+                <a:cs typeface="Arial"/>
+                <a:sym typeface="Arial"/>
+              </a:rPr>
+              <a:t> (</a:t>
+            </a:r>
+            <a:r>
+              <a:rPr kumimoji="0" lang="ru-RU" sz="4000" b="0" i="0" u="none" strike="noStrike" kern="0" cap="none" spc="0" normalizeH="0" baseline="0" noProof="0" dirty="0">
+                <a:ln>
+                  <a:noFill/>
+                </a:ln>
+                <a:solidFill>
+                  <a:srgbClr val="00B050"/>
+                </a:solidFill>
+                <a:effectLst/>
+                <a:uLnTx/>
+                <a:uFillTx/>
+                <a:latin typeface="Arial"/>
+                <a:cs typeface="Arial"/>
+                <a:sym typeface="Arial"/>
+              </a:rPr>
+              <a:t>λ</a:t>
+            </a:r>
+            <a:r>
+              <a:rPr kumimoji="0" lang="ru-RU" sz="4000" b="0" i="0" u="none" strike="noStrike" kern="0" cap="none" spc="0" normalizeH="0" baseline="0" noProof="0" dirty="0">
+                <a:ln>
+                  <a:noFill/>
+                </a:ln>
+                <a:solidFill>
+                  <a:srgbClr val="000000"/>
+                </a:solidFill>
+                <a:effectLst/>
+                <a:uLnTx/>
+                <a:uFillTx/>
+                <a:latin typeface="Arial"/>
+                <a:cs typeface="Arial"/>
+                <a:sym typeface="Arial"/>
+              </a:rPr>
+              <a:t>-исчисление</a:t>
+            </a:r>
+            <a:r>
+              <a:rPr kumimoji="0" lang="ru-RU" sz="3600" b="0" i="0" u="none" strike="noStrike" kern="0" cap="none" spc="0" normalizeH="0" baseline="0" noProof="0" dirty="0">
+                <a:ln>
+                  <a:noFill/>
+                </a:ln>
+                <a:solidFill>
+                  <a:srgbClr val="000000"/>
+                </a:solidFill>
+                <a:effectLst/>
+                <a:uLnTx/>
+                <a:uFillTx/>
+                <a:latin typeface="Arial"/>
+                <a:cs typeface="Arial"/>
+                <a:sym typeface="Arial"/>
+              </a:rPr>
+              <a:t>) — формальная система, разработанная американским математиком </a:t>
+            </a:r>
+            <a:r>
+              <a:rPr kumimoji="0" lang="ru-RU" sz="3600" b="0" i="0" u="none" strike="noStrike" kern="0" cap="none" spc="0" normalizeH="0" baseline="0" noProof="0" dirty="0" err="1">
+                <a:ln>
+                  <a:noFill/>
+                </a:ln>
+                <a:solidFill>
+                  <a:srgbClr val="0070C0"/>
+                </a:solidFill>
+                <a:effectLst/>
+                <a:uLnTx/>
+                <a:uFillTx/>
+                <a:latin typeface="Arial"/>
+                <a:cs typeface="Arial"/>
+                <a:sym typeface="Arial"/>
+              </a:rPr>
+              <a:t>Алонзо</a:t>
+            </a:r>
+            <a:r>
+              <a:rPr kumimoji="0" lang="ru-RU" sz="3600" b="0" i="0" u="none" strike="noStrike" kern="0" cap="none" spc="0" normalizeH="0" baseline="0" noProof="0" dirty="0">
+                <a:ln>
+                  <a:noFill/>
+                </a:ln>
+                <a:solidFill>
+                  <a:srgbClr val="0070C0"/>
+                </a:solidFill>
+                <a:effectLst/>
+                <a:uLnTx/>
+                <a:uFillTx/>
+                <a:latin typeface="Arial"/>
+                <a:cs typeface="Arial"/>
+                <a:sym typeface="Arial"/>
+              </a:rPr>
+              <a:t> </a:t>
+            </a:r>
+            <a:r>
+              <a:rPr kumimoji="0" lang="ru-RU" sz="3600" b="0" i="0" u="none" strike="noStrike" kern="0" cap="none" spc="0" normalizeH="0" baseline="0" noProof="0" dirty="0" err="1">
+                <a:ln>
+                  <a:noFill/>
+                </a:ln>
+                <a:solidFill>
+                  <a:srgbClr val="0070C0"/>
+                </a:solidFill>
+                <a:effectLst/>
+                <a:uLnTx/>
+                <a:uFillTx/>
+                <a:latin typeface="Arial"/>
+                <a:cs typeface="Arial"/>
+                <a:sym typeface="Arial"/>
+              </a:rPr>
+              <a:t>Чёрчем</a:t>
+            </a:r>
+            <a:r>
+              <a:rPr kumimoji="0" lang="ru-RU" sz="3600" b="0" i="0" u="none" strike="noStrike" kern="0" cap="none" spc="0" normalizeH="0" baseline="0" noProof="0" dirty="0">
+                <a:ln>
+                  <a:noFill/>
+                </a:ln>
+                <a:solidFill>
+                  <a:srgbClr val="000000"/>
+                </a:solidFill>
+                <a:effectLst/>
+                <a:uLnTx/>
+                <a:uFillTx/>
+                <a:latin typeface="Arial"/>
+                <a:cs typeface="Arial"/>
+                <a:sym typeface="Arial"/>
+              </a:rPr>
+              <a:t>, для формализации и анализа понятия вычислимости.</a:t>
+            </a:r>
+          </a:p>
+        </p:txBody>
+      </p:sp>
+      <p:sp>
+        <p:nvSpPr>
+          <p:cNvPr id="4" name="Прямоугольник 3"/>
+          <p:cNvSpPr/>
+          <p:nvPr/>
+        </p:nvSpPr>
+        <p:spPr>
+          <a:xfrm>
+            <a:off x="9026327" y="8177312"/>
+            <a:ext cx="6579045" cy="400110"/>
+          </a:xfrm>
+          <a:prstGeom prst="rect">
+            <a:avLst/>
+          </a:prstGeom>
+        </p:spPr>
+        <p:txBody>
+          <a:bodyPr wrap="none">
+            <a:spAutoFit/>
+          </a:bodyPr>
+          <a:lstStyle/>
+          <a:p>
+            <a:pPr marL="0" marR="0" lvl="0" indent="0" algn="l" defTabSz="914400" rtl="0" eaLnBrk="1" fontAlgn="auto" latinLnBrk="0" hangingPunct="1">
+              <a:lnSpc>
+                <a:spcPct val="100000"/>
+              </a:lnSpc>
+              <a:spcBef>
+                <a:spcPts val="0"/>
+              </a:spcBef>
+              <a:spcAft>
+                <a:spcPts val="0"/>
+              </a:spcAft>
+              <a:buClrTx/>
+              <a:buSzTx/>
+              <a:buFontTx/>
+              <a:buNone/>
+              <a:tabLst/>
+              <a:defRPr/>
+            </a:pPr>
+            <a:r>
+              <a:rPr kumimoji="0" lang="ru-RU" sz="2000" b="0" i="1" u="none" strike="noStrike" kern="0" cap="none" spc="0" normalizeH="0" baseline="0" noProof="0" dirty="0">
+                <a:ln>
+                  <a:noFill/>
+                </a:ln>
+                <a:solidFill>
+                  <a:srgbClr val="000000"/>
+                </a:solidFill>
+                <a:effectLst/>
+                <a:uLnTx/>
+                <a:uFillTx/>
+                <a:latin typeface="Arial"/>
+                <a:cs typeface="Arial"/>
+                <a:sym typeface="Arial"/>
+              </a:rPr>
+              <a:t>Материал</a:t>
+            </a:r>
+            <a:r>
+              <a:rPr kumimoji="0" lang="ru-RU" sz="2000" b="0" i="0" u="none" strike="noStrike" kern="0" cap="none" spc="0" normalizeH="0" baseline="0" noProof="0" dirty="0">
+                <a:ln>
+                  <a:noFill/>
+                </a:ln>
+                <a:solidFill>
+                  <a:srgbClr val="000000"/>
+                </a:solidFill>
+                <a:effectLst/>
+                <a:uLnTx/>
+                <a:uFillTx/>
+                <a:latin typeface="Arial"/>
+                <a:cs typeface="Arial"/>
+                <a:sym typeface="Arial"/>
+              </a:rPr>
+              <a:t> из Википедии — свободной энциклопедии</a:t>
+            </a:r>
+          </a:p>
+        </p:txBody>
+      </p:sp>
+    </p:spTree>
+    <p:extLst>
+      <p:ext uri="{BB962C8B-B14F-4D97-AF65-F5344CB8AC3E}">
+        <p14:creationId xmlns:p14="http://schemas.microsoft.com/office/powerpoint/2010/main" val="1488643196"/>
+      </p:ext>
+    </p:extLst>
+  </p:cSld>
+  <p:clrMapOvr>
+    <a:masterClrMapping/>
+  </p:clrMapOvr>
+  <p:timing>
+    <p:tnLst>
+      <p:par>
+        <p:cTn id="1" dur="indefinite" restart="never" nodeType="tmRoot"/>
+      </p:par>
+    </p:tnLst>
+  </p:timing>
+</p:sld>
+</file>
+
+<file path=ppt/slides/slide5.xml><?xml version="1.0" encoding="utf-8"?>
+<p:sld xmlns:a="http://schemas.openxmlformats.org/drawingml/2006/main" xmlns:r="http://schemas.openxmlformats.org/officeDocument/2006/relationships" xmlns:p="http://schemas.openxmlformats.org/presentationml/2006/main">
+  <p:cSld>
+    <p:spTree>
+      <p:nvGrpSpPr>
+        <p:cNvPr id="1" name="Shape 212"/>
+        <p:cNvGrpSpPr/>
+        <p:nvPr/>
+      </p:nvGrpSpPr>
+      <p:grpSpPr>
+        <a:xfrm>
+          <a:off x="0" y="0"/>
+          <a:ext cx="0" cy="0"/>
+          <a:chOff x="0" y="0"/>
+          <a:chExt cx="0" cy="0"/>
+        </a:xfrm>
+      </p:grpSpPr>
+      <p:sp>
+        <p:nvSpPr>
+          <p:cNvPr id="213" name="Shape 213"/>
+          <p:cNvSpPr txBox="1">
+            <a:spLocks noGrp="1"/>
+          </p:cNvSpPr>
+          <p:nvPr>
+            <p:ph type="title"/>
+          </p:nvPr>
+        </p:nvSpPr>
+        <p:spPr>
+          <a:xfrm>
+            <a:off x="1155700" y="241300"/>
+            <a:ext cx="13931900" cy="2298699"/>
+          </a:xfrm>
+          <a:prstGeom prst="rect">
+            <a:avLst/>
+          </a:prstGeom>
+          <a:noFill/>
+          <a:ln>
+            <a:noFill/>
+          </a:ln>
+        </p:spPr>
+        <p:txBody>
+          <a:bodyPr lIns="38100" tIns="38100" rIns="38100" bIns="38100" anchor="ctr" anchorCtr="0">
+            <a:noAutofit/>
+          </a:bodyPr>
+          <a:lstStyle/>
+          <a:p>
+            <a:pPr lvl="0">
+              <a:buClr>
+                <a:schemeClr val="lt1"/>
+              </a:buClr>
+              <a:buSzPct val="25000"/>
+            </a:pPr>
+            <a:r>
+              <a:rPr lang="ru-RU" sz="6600" dirty="0" smtClean="0">
+                <a:solidFill>
+                  <a:schemeClr val="bg2"/>
+                </a:solidFill>
+                <a:latin typeface="Cabin"/>
+                <a:ea typeface="Cabin"/>
+                <a:cs typeface="Cabin"/>
+                <a:sym typeface="Cabin"/>
+              </a:rPr>
+              <a:t>Лямбда выражения</a:t>
+            </a:r>
+            <a:endParaRPr lang="en-US" sz="6600" dirty="0">
+              <a:solidFill>
+                <a:schemeClr val="bg2"/>
+              </a:solidFill>
+              <a:latin typeface="Cabin"/>
+              <a:ea typeface="Cabin"/>
+              <a:cs typeface="Cabin"/>
+              <a:sym typeface="Cabin"/>
+            </a:endParaRPr>
+          </a:p>
+        </p:txBody>
+      </p:sp>
+      <p:sp>
+        <p:nvSpPr>
+          <p:cNvPr id="229" name="Shape 229"/>
+          <p:cNvSpPr txBox="1"/>
+          <p:nvPr/>
+        </p:nvSpPr>
+        <p:spPr>
+          <a:xfrm>
+            <a:off x="5038725" y="2997200"/>
+            <a:ext cx="1409700" cy="622299"/>
+          </a:xfrm>
+          <a:prstGeom prst="rect">
+            <a:avLst/>
+          </a:prstGeom>
+          <a:noFill/>
+          <a:ln>
+            <a:noFill/>
+          </a:ln>
+        </p:spPr>
+        <p:txBody>
+          <a:bodyPr lIns="0" tIns="0" rIns="0" bIns="0" anchor="ctr" anchorCtr="0">
+            <a:noAutofit/>
+          </a:bodyPr>
+          <a:lstStyle/>
+          <a:p>
+            <a:pPr marL="0" marR="0" lvl="0" indent="0" algn="ctr" defTabSz="914400" rtl="0" eaLnBrk="1" fontAlgn="auto" latinLnBrk="0" hangingPunct="1">
+              <a:lnSpc>
+                <a:spcPct val="100000"/>
+              </a:lnSpc>
+              <a:spcBef>
+                <a:spcPts val="0"/>
+              </a:spcBef>
+              <a:spcAft>
+                <a:spcPts val="0"/>
+              </a:spcAft>
+              <a:buClr>
+                <a:srgbClr val="FFFFFF"/>
+              </a:buClr>
+              <a:buSzPct val="25000"/>
+              <a:buFont typeface="Cabin"/>
+              <a:buNone/>
+              <a:tabLst/>
+              <a:defRPr/>
+            </a:pPr>
+            <a:r>
+              <a:rPr kumimoji="0" lang="en-US" sz="3600" b="0" i="0" u="none" strike="noStrike" kern="0" cap="none" spc="0" normalizeH="0" baseline="0" noProof="0">
+                <a:ln>
+                  <a:noFill/>
+                </a:ln>
+                <a:solidFill>
+                  <a:srgbClr val="FFFFFF"/>
+                </a:solidFill>
+                <a:effectLst/>
+                <a:uLnTx/>
+                <a:uFillTx/>
+                <a:latin typeface="Cabin"/>
+                <a:ea typeface="Cabin"/>
+                <a:cs typeface="Cabin"/>
+                <a:sym typeface="Cabin"/>
+              </a:rPr>
+              <a:t>hello():</a:t>
+            </a:r>
+          </a:p>
+        </p:txBody>
+      </p:sp>
+      <p:sp>
+        <p:nvSpPr>
+          <p:cNvPr id="5" name="Прямоугольник 4"/>
+          <p:cNvSpPr/>
+          <p:nvPr/>
+        </p:nvSpPr>
+        <p:spPr>
+          <a:xfrm>
+            <a:off x="965200" y="2539999"/>
+            <a:ext cx="14782800" cy="5078313"/>
+          </a:xfrm>
+          <a:prstGeom prst="rect">
+            <a:avLst/>
+          </a:prstGeom>
+        </p:spPr>
+        <p:txBody>
+          <a:bodyPr wrap="square">
+            <a:spAutoFit/>
+          </a:bodyPr>
+          <a:lstStyle/>
+          <a:p>
+            <a:pPr marL="0" marR="0" lvl="0" indent="0" algn="l" defTabSz="914400" rtl="0" eaLnBrk="1" fontAlgn="auto" latinLnBrk="0" hangingPunct="1">
+              <a:lnSpc>
+                <a:spcPct val="100000"/>
+              </a:lnSpc>
+              <a:spcBef>
+                <a:spcPts val="0"/>
+              </a:spcBef>
+              <a:spcAft>
+                <a:spcPts val="0"/>
+              </a:spcAft>
+              <a:buClrTx/>
+              <a:buSzTx/>
+              <a:buFontTx/>
+              <a:buNone/>
+              <a:tabLst/>
+              <a:defRPr/>
+            </a:pPr>
+            <a:r>
+              <a:rPr kumimoji="0" lang="ru-RU" sz="3600" b="0" i="0" u="none" strike="noStrike" kern="0" cap="none" spc="0" normalizeH="0" baseline="0" noProof="0" dirty="0">
+                <a:ln>
+                  <a:noFill/>
+                </a:ln>
+                <a:solidFill>
+                  <a:srgbClr val="000000"/>
+                </a:solidFill>
+                <a:effectLst/>
+                <a:uLnTx/>
+                <a:uFillTx/>
+                <a:latin typeface="Arial"/>
+                <a:cs typeface="Arial"/>
+                <a:sym typeface="Arial"/>
+              </a:rPr>
+              <a:t>Выражение </a:t>
+            </a:r>
+            <a:r>
+              <a:rPr kumimoji="0" lang="ru-RU" sz="3600" b="0" i="0" u="none" strike="noStrike" kern="0" cap="none" spc="0" normalizeH="0" baseline="0" noProof="0" dirty="0" err="1">
+                <a:ln>
+                  <a:noFill/>
+                </a:ln>
+                <a:solidFill>
+                  <a:srgbClr val="00FF00"/>
+                </a:solidFill>
+                <a:effectLst/>
+                <a:uLnTx/>
+                <a:uFillTx/>
+                <a:latin typeface="Arial"/>
+                <a:cs typeface="Arial"/>
+                <a:sym typeface="Arial"/>
+              </a:rPr>
+              <a:t>lambda</a:t>
+            </a:r>
+            <a:r>
+              <a:rPr kumimoji="0" lang="ru-RU" sz="3600" b="0" i="0" u="none" strike="noStrike" kern="0" cap="none" spc="0" normalizeH="0" baseline="0" noProof="0" dirty="0">
+                <a:ln>
+                  <a:noFill/>
+                </a:ln>
+                <a:solidFill>
+                  <a:srgbClr val="00FF00"/>
+                </a:solidFill>
+                <a:effectLst/>
+                <a:uLnTx/>
+                <a:uFillTx/>
+                <a:latin typeface="Arial"/>
+                <a:cs typeface="Arial"/>
+                <a:sym typeface="Arial"/>
+              </a:rPr>
+              <a:t> </a:t>
+            </a:r>
+            <a:r>
+              <a:rPr kumimoji="0" lang="ru-RU" sz="3600" b="0" i="0" u="none" strike="noStrike" kern="0" cap="none" spc="0" normalizeH="0" baseline="0" noProof="0" dirty="0">
+                <a:ln>
+                  <a:noFill/>
+                </a:ln>
+                <a:solidFill>
+                  <a:srgbClr val="000000"/>
+                </a:solidFill>
+                <a:effectLst/>
+                <a:uLnTx/>
+                <a:uFillTx/>
+                <a:latin typeface="Arial"/>
+                <a:cs typeface="Arial"/>
+                <a:sym typeface="Arial"/>
+              </a:rPr>
+              <a:t>создает функцию, которая будет вызываться позднее, но в отличие от инструкции </a:t>
+            </a:r>
+            <a:r>
+              <a:rPr kumimoji="0" lang="ru-RU" sz="3600" b="0" i="0" u="none" strike="noStrike" kern="0" cap="none" spc="0" normalizeH="0" baseline="0" noProof="0" dirty="0" err="1">
+                <a:ln>
+                  <a:noFill/>
+                </a:ln>
+                <a:solidFill>
+                  <a:srgbClr val="333399"/>
+                </a:solidFill>
+                <a:effectLst/>
+                <a:uLnTx/>
+                <a:uFillTx/>
+                <a:latin typeface="Arial"/>
+                <a:cs typeface="Arial"/>
+                <a:sym typeface="Arial"/>
+              </a:rPr>
+              <a:t>def</a:t>
+            </a:r>
+            <a:r>
+              <a:rPr kumimoji="0" lang="ru-RU" sz="3600" b="0" i="0" u="none" strike="noStrike" kern="0" cap="none" spc="0" normalizeH="0" baseline="0" noProof="0" dirty="0">
+                <a:ln>
+                  <a:noFill/>
+                </a:ln>
+                <a:solidFill>
+                  <a:srgbClr val="000000"/>
+                </a:solidFill>
+                <a:effectLst/>
+                <a:uLnTx/>
+                <a:uFillTx/>
+                <a:latin typeface="Arial"/>
+                <a:cs typeface="Arial"/>
+                <a:sym typeface="Arial"/>
+              </a:rPr>
+              <a:t>, выражение </a:t>
+            </a:r>
+            <a:r>
+              <a:rPr kumimoji="0" lang="ru-RU" sz="3600" b="0" i="0" u="sng" strike="noStrike" kern="0" cap="none" spc="0" normalizeH="0" baseline="0" noProof="0" dirty="0">
+                <a:ln>
+                  <a:noFill/>
+                </a:ln>
+                <a:solidFill>
+                  <a:srgbClr val="000000"/>
+                </a:solidFill>
+                <a:effectLst/>
+                <a:uLnTx/>
+                <a:uFillTx/>
+                <a:latin typeface="Arial"/>
+                <a:cs typeface="Arial"/>
+                <a:sym typeface="Arial"/>
+              </a:rPr>
+              <a:t>возвращает</a:t>
+            </a:r>
+            <a:r>
+              <a:rPr kumimoji="0" lang="ru-RU" sz="3600" b="0" i="0" u="none" strike="noStrike" kern="0" cap="none" spc="0" normalizeH="0" baseline="0" noProof="0" dirty="0">
+                <a:ln>
+                  <a:noFill/>
+                </a:ln>
+                <a:solidFill>
+                  <a:srgbClr val="000000"/>
+                </a:solidFill>
+                <a:effectLst/>
+                <a:uLnTx/>
+                <a:uFillTx/>
+                <a:latin typeface="Arial"/>
+                <a:cs typeface="Arial"/>
+                <a:sym typeface="Arial"/>
+              </a:rPr>
+              <a:t> функцию, а не связывает ее с именем</a:t>
+            </a:r>
+            <a:r>
+              <a:rPr kumimoji="0" lang="ru-RU" sz="3600" b="0" i="0" u="none" strike="noStrike" kern="0" cap="none" spc="0" normalizeH="0" baseline="0" noProof="0" dirty="0" smtClean="0">
+                <a:ln>
+                  <a:noFill/>
+                </a:ln>
+                <a:solidFill>
+                  <a:srgbClr val="000000"/>
+                </a:solidFill>
+                <a:effectLst/>
+                <a:uLnTx/>
+                <a:uFillTx/>
+                <a:latin typeface="Arial"/>
+                <a:cs typeface="Arial"/>
+                <a:sym typeface="Arial"/>
+              </a:rPr>
+              <a:t>.</a:t>
+            </a:r>
+            <a:endParaRPr kumimoji="0" lang="en-US" sz="3600" b="0" i="0" u="none" strike="noStrike" kern="0" cap="none" spc="0" normalizeH="0" baseline="0" noProof="0" dirty="0" smtClean="0">
+              <a:ln>
+                <a:noFill/>
+              </a:ln>
+              <a:solidFill>
+                <a:srgbClr val="000000"/>
+              </a:solidFill>
+              <a:effectLst/>
+              <a:uLnTx/>
+              <a:uFillTx/>
+              <a:latin typeface="Arial"/>
+              <a:cs typeface="Arial"/>
+              <a:sym typeface="Arial"/>
+            </a:endParaRPr>
+          </a:p>
+          <a:p>
+            <a:pPr marL="0" marR="0" lvl="0" indent="0" algn="l" defTabSz="914400" rtl="0" eaLnBrk="1" fontAlgn="auto" latinLnBrk="0" hangingPunct="1">
+              <a:lnSpc>
+                <a:spcPct val="100000"/>
+              </a:lnSpc>
+              <a:spcBef>
+                <a:spcPts val="0"/>
+              </a:spcBef>
+              <a:spcAft>
+                <a:spcPts val="0"/>
+              </a:spcAft>
+              <a:buClrTx/>
+              <a:buSzTx/>
+              <a:buFontTx/>
+              <a:buNone/>
+              <a:tabLst/>
+              <a:defRPr/>
+            </a:pPr>
+            <a:endParaRPr kumimoji="0" lang="en-US" sz="3600" b="0" i="0" u="none" strike="noStrike" kern="0" cap="none" spc="0" normalizeH="0" baseline="0" noProof="0" dirty="0">
+              <a:ln>
+                <a:noFill/>
+              </a:ln>
+              <a:solidFill>
+                <a:srgbClr val="000000"/>
+              </a:solidFill>
+              <a:effectLst/>
+              <a:uLnTx/>
+              <a:uFillTx/>
+              <a:latin typeface="Arial"/>
+              <a:cs typeface="Arial"/>
+              <a:sym typeface="Arial"/>
+            </a:endParaRPr>
+          </a:p>
+          <a:p>
+            <a:pPr marL="0" marR="0" lvl="0" indent="0" algn="l" defTabSz="914400" rtl="0" eaLnBrk="1" fontAlgn="auto" latinLnBrk="0" hangingPunct="1">
+              <a:lnSpc>
+                <a:spcPct val="100000"/>
+              </a:lnSpc>
+              <a:spcBef>
+                <a:spcPts val="0"/>
+              </a:spcBef>
+              <a:spcAft>
+                <a:spcPts val="0"/>
+              </a:spcAft>
+              <a:buClrTx/>
+              <a:buSzTx/>
+              <a:buFontTx/>
+              <a:buNone/>
+              <a:tabLst/>
+              <a:defRPr/>
+            </a:pPr>
+            <a:endParaRPr kumimoji="0" lang="en-US" sz="3600" b="0" i="0" u="none" strike="noStrike" kern="0" cap="none" spc="0" normalizeH="0" baseline="0" noProof="0" dirty="0" smtClean="0">
+              <a:ln>
+                <a:noFill/>
+              </a:ln>
+              <a:solidFill>
+                <a:srgbClr val="000000"/>
+              </a:solidFill>
+              <a:effectLst/>
+              <a:uLnTx/>
+              <a:uFillTx/>
+              <a:latin typeface="Arial"/>
+              <a:cs typeface="Arial"/>
+              <a:sym typeface="Arial"/>
+            </a:endParaRPr>
+          </a:p>
+          <a:p>
+            <a:pPr marL="0" marR="0" lvl="0" indent="0" algn="l" defTabSz="914400" rtl="0" eaLnBrk="1" fontAlgn="auto" latinLnBrk="0" hangingPunct="1">
+              <a:lnSpc>
+                <a:spcPct val="100000"/>
+              </a:lnSpc>
+              <a:spcBef>
+                <a:spcPts val="0"/>
+              </a:spcBef>
+              <a:spcAft>
+                <a:spcPts val="0"/>
+              </a:spcAft>
+              <a:buClrTx/>
+              <a:buSzTx/>
+              <a:buFontTx/>
+              <a:buNone/>
+              <a:tabLst/>
+              <a:defRPr/>
+            </a:pPr>
+            <a:endParaRPr kumimoji="0" lang="en-US" sz="3600" b="0" i="0" u="none" strike="noStrike" kern="0" cap="none" spc="0" normalizeH="0" baseline="0" noProof="0" dirty="0">
+              <a:ln>
+                <a:noFill/>
+              </a:ln>
+              <a:solidFill>
+                <a:srgbClr val="000000"/>
+              </a:solidFill>
+              <a:effectLst/>
+              <a:uLnTx/>
+              <a:uFillTx/>
+              <a:latin typeface="Arial"/>
+              <a:cs typeface="Arial"/>
+              <a:sym typeface="Arial"/>
+            </a:endParaRPr>
+          </a:p>
+          <a:p>
+            <a:pPr marL="0" marR="0" lvl="0" indent="0" algn="l" defTabSz="914400" rtl="0" eaLnBrk="1" fontAlgn="auto" latinLnBrk="0" hangingPunct="1">
+              <a:lnSpc>
+                <a:spcPct val="100000"/>
+              </a:lnSpc>
+              <a:spcBef>
+                <a:spcPts val="0"/>
+              </a:spcBef>
+              <a:spcAft>
+                <a:spcPts val="0"/>
+              </a:spcAft>
+              <a:buClrTx/>
+              <a:buSzTx/>
+              <a:buFontTx/>
+              <a:buNone/>
+              <a:tabLst/>
+              <a:defRPr/>
+            </a:pPr>
+            <a:r>
+              <a:rPr kumimoji="0" lang="ru-RU" sz="3600" b="0" i="0" u="none" strike="noStrike" kern="0" cap="none" spc="0" normalizeH="0" baseline="0" noProof="0" dirty="0" err="1">
+                <a:ln>
+                  <a:noFill/>
+                </a:ln>
+                <a:solidFill>
+                  <a:srgbClr val="00FF00"/>
+                </a:solidFill>
+                <a:effectLst/>
+                <a:uLnTx/>
+                <a:uFillTx/>
+                <a:latin typeface="Arial"/>
+                <a:cs typeface="Arial"/>
+                <a:sym typeface="Arial"/>
+              </a:rPr>
+              <a:t>lambda</a:t>
+            </a:r>
+            <a:r>
+              <a:rPr kumimoji="0" lang="ru-RU" sz="3600" b="0" i="0" u="none" strike="noStrike" kern="0" cap="none" spc="0" normalizeH="0" baseline="0" noProof="0" dirty="0">
+                <a:ln>
+                  <a:noFill/>
+                </a:ln>
+                <a:solidFill>
+                  <a:srgbClr val="000000"/>
+                </a:solidFill>
+                <a:effectLst/>
+                <a:uLnTx/>
+                <a:uFillTx/>
+                <a:latin typeface="Arial"/>
+                <a:cs typeface="Arial"/>
+                <a:sym typeface="Arial"/>
+              </a:rPr>
+              <a:t> - анонимны, то есть без имени. На практике они часто используются, как способ получить встроенную функцию  или отложить выполнение  фрагмента программного кода.</a:t>
+            </a:r>
+          </a:p>
+        </p:txBody>
+      </p:sp>
+    </p:spTree>
+    <p:extLst>
+      <p:ext uri="{BB962C8B-B14F-4D97-AF65-F5344CB8AC3E}">
+        <p14:creationId xmlns:p14="http://schemas.microsoft.com/office/powerpoint/2010/main" val="1902760024"/>
+      </p:ext>
+    </p:extLst>
+  </p:cSld>
+  <p:clrMapOvr>
+    <a:masterClrMapping/>
+  </p:clrMapOvr>
+  <p:timing>
+    <p:tnLst>
+      <p:par>
+        <p:cTn id="1" dur="indefinite" restart="never" nodeType="tmRoot"/>
+      </p:par>
+    </p:tnLst>
+  </p:timing>
+</p:sld>
+</file>
+
+<file path=ppt/slides/slide6.xml><?xml version="1.0" encoding="utf-8"?>
+<p:sld xmlns:a="http://schemas.openxmlformats.org/drawingml/2006/main" xmlns:r="http://schemas.openxmlformats.org/officeDocument/2006/relationships" xmlns:p="http://schemas.openxmlformats.org/presentationml/2006/main">
+  <p:cSld>
     <p:spTree>
       <p:nvGrpSpPr>
         <p:cNvPr id="1" name="Shape 212"/>
@@ -13917,11 +16278,19 @@
           <a:p>
             <a:r>
               <a:rPr lang="ru-RU" sz="6600" dirty="0"/>
-              <a:t>Понятие об </a:t>
+              <a:t>Различия </a:t>
             </a:r>
             <a:r>
-              <a:rPr lang="ru-RU" sz="6600" dirty="0" smtClean="0"/>
-              <a:t>исключении</a:t>
+              <a:rPr lang="ru-RU" sz="6600" dirty="0" err="1"/>
+              <a:t>lambda</a:t>
+            </a:r>
+            <a:r>
+              <a:rPr lang="ru-RU" sz="6600" dirty="0"/>
+              <a:t> от </a:t>
+            </a:r>
+            <a:r>
+              <a:rPr lang="ru-RU" sz="6600" dirty="0" err="1" smtClean="0"/>
+              <a:t>def</a:t>
             </a:r>
             <a:endParaRPr lang="ru-RU" sz="6600" dirty="0"/>
           </a:p>
@@ -13952,7 +16321,7 @@
           </a:bodyPr>
           <a:lstStyle/>
           <a:p>
-            <a:pPr marL="0" marR="0" lvl="0" indent="0" algn="ctr" rtl="0">
+            <a:pPr marL="0" marR="0" lvl="0" indent="0" algn="ctr" defTabSz="914400" rtl="0" eaLnBrk="1" fontAlgn="auto" latinLnBrk="0" hangingPunct="1">
               <a:lnSpc>
                 <a:spcPct val="100000"/>
               </a:lnSpc>
@@ -13963,17 +16332,25 @@
                 <a:spcPts val="0"/>
               </a:spcAft>
               <a:buClr>
-                <a:schemeClr val="lt1"/>
+                <a:srgbClr val="FFFFFF"/>
               </a:buClr>
               <a:buSzPct val="25000"/>
               <a:buFont typeface="Cabin"/>
               <a:buNone/>
+              <a:tabLst/>
+              <a:defRPr/>
             </a:pPr>
             <a:r>
-              <a:rPr lang="en-US" sz="3600" b="0" i="0" u="none" strike="noStrike" cap="none">
+              <a:rPr kumimoji="0" lang="en-US" sz="3600" b="0" i="0" u="none" strike="noStrike" kern="0" cap="none" spc="0" normalizeH="0" baseline="0" noProof="0">
+                <a:ln>
+                  <a:noFill/>
+                </a:ln>
                 <a:solidFill>
-                  <a:schemeClr val="lt1"/>
+                  <a:srgbClr val="FFFFFF"/>
                 </a:solidFill>
+                <a:effectLst/>
+                <a:uLnTx/>
+                <a:uFillTx/>
                 <a:latin typeface="Cabin"/>
                 <a:ea typeface="Cabin"/>
                 <a:cs typeface="Cabin"/>
@@ -13984,10 +16361,445 @@
           </a:p>
         </p:txBody>
       </p:sp>
+      <p:sp>
+        <p:nvSpPr>
+          <p:cNvPr id="5" name="Прямоугольник 4"/>
+          <p:cNvSpPr/>
+          <p:nvPr/>
+        </p:nvSpPr>
+        <p:spPr>
+          <a:xfrm>
+            <a:off x="965200" y="2539999"/>
+            <a:ext cx="14782800" cy="5632311"/>
+          </a:xfrm>
+          <a:prstGeom prst="rect">
+            <a:avLst/>
+          </a:prstGeom>
+        </p:spPr>
+        <p:txBody>
+          <a:bodyPr wrap="square">
+            <a:spAutoFit/>
+          </a:bodyPr>
+          <a:lstStyle/>
+          <a:p>
+            <a:pPr marL="0" marR="0" lvl="0" indent="0" algn="l" defTabSz="914400" rtl="0" eaLnBrk="1" fontAlgn="auto" latinLnBrk="0" hangingPunct="1">
+              <a:lnSpc>
+                <a:spcPct val="100000"/>
+              </a:lnSpc>
+              <a:spcBef>
+                <a:spcPts val="0"/>
+              </a:spcBef>
+              <a:spcAft>
+                <a:spcPts val="0"/>
+              </a:spcAft>
+              <a:buClrTx/>
+              <a:buSzTx/>
+              <a:buFontTx/>
+              <a:buNone/>
+              <a:tabLst/>
+              <a:defRPr/>
+            </a:pPr>
+            <a:r>
+              <a:rPr kumimoji="0" lang="ru-RU" sz="3600" b="0" i="0" u="none" strike="noStrike" kern="0" cap="none" spc="0" normalizeH="0" baseline="0" noProof="0" dirty="0" err="1" smtClean="0">
+                <a:ln>
+                  <a:noFill/>
+                </a:ln>
+                <a:solidFill>
+                  <a:srgbClr val="000000"/>
+                </a:solidFill>
+                <a:effectLst/>
+                <a:uLnTx/>
+                <a:uFillTx/>
+                <a:latin typeface="Arial"/>
+                <a:cs typeface="Arial"/>
+                <a:sym typeface="Arial"/>
+              </a:rPr>
+              <a:t>lambda</a:t>
+            </a:r>
+            <a:r>
+              <a:rPr kumimoji="0" lang="ru-RU" sz="3600" b="0" i="0" u="none" strike="noStrike" kern="0" cap="none" spc="0" normalizeH="0" baseline="0" noProof="0" dirty="0" smtClean="0">
+                <a:ln>
+                  <a:noFill/>
+                </a:ln>
+                <a:solidFill>
+                  <a:srgbClr val="000000"/>
+                </a:solidFill>
+                <a:effectLst/>
+                <a:uLnTx/>
+                <a:uFillTx/>
+                <a:latin typeface="Arial"/>
+                <a:cs typeface="Arial"/>
+                <a:sym typeface="Arial"/>
+              </a:rPr>
+              <a:t> </a:t>
+            </a:r>
+            <a:r>
+              <a:rPr kumimoji="0" lang="ru-RU" sz="3600" b="0" i="0" u="none" strike="noStrike" kern="0" cap="none" spc="0" normalizeH="0" baseline="0" noProof="0" dirty="0">
+                <a:ln>
+                  <a:noFill/>
+                </a:ln>
+                <a:solidFill>
+                  <a:srgbClr val="000000"/>
+                </a:solidFill>
+                <a:effectLst/>
+                <a:uLnTx/>
+                <a:uFillTx/>
+                <a:latin typeface="Arial"/>
+                <a:cs typeface="Arial"/>
+                <a:sym typeface="Arial"/>
+              </a:rPr>
+              <a:t>– это выражение, а не инструкция. По этой причине ключевое слово </a:t>
+            </a:r>
+            <a:r>
+              <a:rPr kumimoji="0" lang="ru-RU" sz="3600" b="0" i="0" u="none" strike="noStrike" kern="0" cap="none" spc="0" normalizeH="0" baseline="0" noProof="0" dirty="0" err="1">
+                <a:ln>
+                  <a:noFill/>
+                </a:ln>
+                <a:solidFill>
+                  <a:srgbClr val="000000"/>
+                </a:solidFill>
+                <a:effectLst/>
+                <a:uLnTx/>
+                <a:uFillTx/>
+                <a:latin typeface="Arial"/>
+                <a:cs typeface="Arial"/>
+                <a:sym typeface="Arial"/>
+              </a:rPr>
+              <a:t>lambda</a:t>
+            </a:r>
+            <a:r>
+              <a:rPr kumimoji="0" lang="ru-RU" sz="3600" b="0" i="0" u="none" strike="noStrike" kern="0" cap="none" spc="0" normalizeH="0" baseline="0" noProof="0" dirty="0">
+                <a:ln>
+                  <a:noFill/>
+                </a:ln>
+                <a:solidFill>
+                  <a:srgbClr val="000000"/>
+                </a:solidFill>
+                <a:effectLst/>
+                <a:uLnTx/>
+                <a:uFillTx/>
+                <a:latin typeface="Arial"/>
+                <a:cs typeface="Arial"/>
+                <a:sym typeface="Arial"/>
+              </a:rPr>
+              <a:t>  может  появляться там, где синтаксис  языка  </a:t>
+            </a:r>
+            <a:r>
+              <a:rPr kumimoji="0" lang="ru-RU" sz="3600" b="0" i="0" u="none" strike="noStrike" kern="0" cap="none" spc="0" normalizeH="0" baseline="0" noProof="0" dirty="0" err="1">
+                <a:ln>
+                  <a:noFill/>
+                </a:ln>
+                <a:solidFill>
+                  <a:srgbClr val="000000"/>
+                </a:solidFill>
+                <a:effectLst/>
+                <a:uLnTx/>
+                <a:uFillTx/>
+                <a:latin typeface="Arial"/>
+                <a:cs typeface="Arial"/>
+                <a:sym typeface="Arial"/>
+              </a:rPr>
+              <a:t>Python</a:t>
+            </a:r>
+            <a:r>
+              <a:rPr kumimoji="0" lang="ru-RU" sz="3600" b="0" i="0" u="none" strike="noStrike" kern="0" cap="none" spc="0" normalizeH="0" baseline="0" noProof="0" dirty="0">
+                <a:ln>
+                  <a:noFill/>
+                </a:ln>
+                <a:solidFill>
+                  <a:srgbClr val="000000"/>
+                </a:solidFill>
+                <a:effectLst/>
+                <a:uLnTx/>
+                <a:uFillTx/>
+                <a:latin typeface="Arial"/>
+                <a:cs typeface="Arial"/>
+                <a:sym typeface="Arial"/>
+              </a:rPr>
+              <a:t> не позволяет использовать инструкцию </a:t>
+            </a:r>
+            <a:r>
+              <a:rPr kumimoji="0" lang="ru-RU" sz="3600" b="0" i="0" u="none" strike="noStrike" kern="0" cap="none" spc="0" normalizeH="0" baseline="0" noProof="0" dirty="0" err="1">
+                <a:ln>
+                  <a:noFill/>
+                </a:ln>
+                <a:solidFill>
+                  <a:srgbClr val="000000"/>
+                </a:solidFill>
+                <a:effectLst/>
+                <a:uLnTx/>
+                <a:uFillTx/>
+                <a:latin typeface="Arial"/>
+                <a:cs typeface="Arial"/>
+                <a:sym typeface="Arial"/>
+              </a:rPr>
+              <a:t>def</a:t>
+            </a:r>
+            <a:r>
+              <a:rPr kumimoji="0" lang="ru-RU" sz="3600" b="0" i="0" u="none" strike="noStrike" kern="0" cap="none" spc="0" normalizeH="0" baseline="0" noProof="0" dirty="0">
+                <a:ln>
+                  <a:noFill/>
+                </a:ln>
+                <a:solidFill>
+                  <a:srgbClr val="000000"/>
+                </a:solidFill>
+                <a:effectLst/>
+                <a:uLnTx/>
+                <a:uFillTx/>
+                <a:latin typeface="Arial"/>
+                <a:cs typeface="Arial"/>
+                <a:sym typeface="Arial"/>
+              </a:rPr>
+              <a:t>, – внутри литералов или в вызовах функций, например.</a:t>
+            </a:r>
+          </a:p>
+          <a:p>
+            <a:pPr marL="0" marR="0" lvl="0" indent="0" algn="l" defTabSz="914400" rtl="0" eaLnBrk="1" fontAlgn="auto" latinLnBrk="0" hangingPunct="1">
+              <a:lnSpc>
+                <a:spcPct val="100000"/>
+              </a:lnSpc>
+              <a:spcBef>
+                <a:spcPts val="0"/>
+              </a:spcBef>
+              <a:spcAft>
+                <a:spcPts val="0"/>
+              </a:spcAft>
+              <a:buClrTx/>
+              <a:buSzTx/>
+              <a:buFontTx/>
+              <a:buNone/>
+              <a:tabLst/>
+              <a:defRPr/>
+            </a:pPr>
+            <a:endParaRPr kumimoji="0" lang="ru-RU" sz="3600" b="0" i="0" u="none" strike="noStrike" kern="0" cap="none" spc="0" normalizeH="0" baseline="0" noProof="0" dirty="0">
+              <a:ln>
+                <a:noFill/>
+              </a:ln>
+              <a:solidFill>
+                <a:srgbClr val="000000"/>
+              </a:solidFill>
+              <a:effectLst/>
+              <a:uLnTx/>
+              <a:uFillTx/>
+              <a:latin typeface="Arial"/>
+              <a:cs typeface="Arial"/>
+              <a:sym typeface="Arial"/>
+            </a:endParaRPr>
+          </a:p>
+          <a:p>
+            <a:pPr marL="0" marR="0" lvl="0" indent="0" algn="l" defTabSz="914400" rtl="0" eaLnBrk="1" fontAlgn="auto" latinLnBrk="0" hangingPunct="1">
+              <a:lnSpc>
+                <a:spcPct val="100000"/>
+              </a:lnSpc>
+              <a:spcBef>
+                <a:spcPts val="0"/>
+              </a:spcBef>
+              <a:spcAft>
+                <a:spcPts val="0"/>
+              </a:spcAft>
+              <a:buClrTx/>
+              <a:buSzTx/>
+              <a:buFontTx/>
+              <a:buNone/>
+              <a:tabLst/>
+              <a:defRPr/>
+            </a:pPr>
+            <a:r>
+              <a:rPr kumimoji="0" lang="en-US" sz="3600" b="0" i="0" u="none" strike="noStrike" kern="0" cap="none" spc="0" normalizeH="0" baseline="0" noProof="0" dirty="0" smtClean="0">
+                <a:ln>
+                  <a:noFill/>
+                </a:ln>
+                <a:solidFill>
+                  <a:srgbClr val="000000"/>
+                </a:solidFill>
+                <a:effectLst/>
+                <a:uLnTx/>
+                <a:uFillTx/>
+                <a:latin typeface="Arial"/>
+                <a:cs typeface="Arial"/>
+                <a:sym typeface="Arial"/>
+              </a:rPr>
+              <a:t>T</a:t>
+            </a:r>
+            <a:r>
+              <a:rPr kumimoji="0" lang="ru-RU" sz="3600" b="0" i="0" u="none" strike="noStrike" kern="0" cap="none" spc="0" normalizeH="0" baseline="0" noProof="0" dirty="0" smtClean="0">
+                <a:ln>
+                  <a:noFill/>
+                </a:ln>
+                <a:solidFill>
+                  <a:srgbClr val="000000"/>
+                </a:solidFill>
+                <a:effectLst/>
+                <a:uLnTx/>
+                <a:uFillTx/>
+                <a:latin typeface="Arial"/>
+                <a:cs typeface="Arial"/>
+                <a:sym typeface="Arial"/>
+              </a:rPr>
+              <a:t>ело  </a:t>
+            </a:r>
+            <a:r>
+              <a:rPr kumimoji="0" lang="ru-RU" sz="3600" b="0" i="0" u="none" strike="noStrike" kern="0" cap="none" spc="0" normalizeH="0" baseline="0" noProof="0" dirty="0" err="1">
+                <a:ln>
+                  <a:noFill/>
+                </a:ln>
+                <a:solidFill>
+                  <a:srgbClr val="000000"/>
+                </a:solidFill>
+                <a:effectLst/>
+                <a:uLnTx/>
+                <a:uFillTx/>
+                <a:latin typeface="Arial"/>
+                <a:cs typeface="Arial"/>
+                <a:sym typeface="Arial"/>
+              </a:rPr>
+              <a:t>lambda</a:t>
+            </a:r>
+            <a:r>
+              <a:rPr kumimoji="0" lang="ru-RU" sz="3600" b="0" i="0" u="none" strike="noStrike" kern="0" cap="none" spc="0" normalizeH="0" baseline="0" noProof="0" dirty="0">
+                <a:ln>
+                  <a:noFill/>
+                </a:ln>
+                <a:solidFill>
+                  <a:srgbClr val="000000"/>
+                </a:solidFill>
+                <a:effectLst/>
+                <a:uLnTx/>
+                <a:uFillTx/>
+                <a:latin typeface="Arial"/>
+                <a:cs typeface="Arial"/>
+                <a:sym typeface="Arial"/>
+              </a:rPr>
+              <a:t> – это не блок инструкций, а единственное выражение.  Тело</a:t>
+            </a:r>
+          </a:p>
+          <a:p>
+            <a:pPr marL="0" marR="0" lvl="0" indent="0" algn="l" defTabSz="914400" rtl="0" eaLnBrk="1" fontAlgn="auto" latinLnBrk="0" hangingPunct="1">
+              <a:lnSpc>
+                <a:spcPct val="100000"/>
+              </a:lnSpc>
+              <a:spcBef>
+                <a:spcPts val="0"/>
+              </a:spcBef>
+              <a:spcAft>
+                <a:spcPts val="0"/>
+              </a:spcAft>
+              <a:buClrTx/>
+              <a:buSzTx/>
+              <a:buFontTx/>
+              <a:buNone/>
+              <a:tabLst/>
+              <a:defRPr/>
+            </a:pPr>
+            <a:r>
+              <a:rPr kumimoji="0" lang="ru-RU" sz="3600" b="0" i="0" u="none" strike="noStrike" kern="0" cap="none" spc="0" normalizeH="0" baseline="0" noProof="0" dirty="0" err="1">
+                <a:ln>
+                  <a:noFill/>
+                </a:ln>
+                <a:solidFill>
+                  <a:srgbClr val="000000"/>
+                </a:solidFill>
+                <a:effectLst/>
+                <a:uLnTx/>
+                <a:uFillTx/>
+                <a:latin typeface="Arial"/>
+                <a:cs typeface="Arial"/>
+                <a:sym typeface="Arial"/>
+              </a:rPr>
+              <a:t>lambda</a:t>
+            </a:r>
+            <a:r>
+              <a:rPr kumimoji="0" lang="ru-RU" sz="3600" b="0" i="0" u="none" strike="noStrike" kern="0" cap="none" spc="0" normalizeH="0" baseline="0" noProof="0" dirty="0">
+                <a:ln>
+                  <a:noFill/>
+                </a:ln>
+                <a:solidFill>
+                  <a:srgbClr val="000000"/>
+                </a:solidFill>
+                <a:effectLst/>
+                <a:uLnTx/>
+                <a:uFillTx/>
+                <a:latin typeface="Arial"/>
+                <a:cs typeface="Arial"/>
+                <a:sym typeface="Arial"/>
+              </a:rPr>
+              <a:t>-выражения сродни тому, что вы помещаете в инструкцию </a:t>
+            </a:r>
+            <a:r>
+              <a:rPr kumimoji="0" lang="ru-RU" sz="3600" b="0" i="0" u="none" strike="noStrike" kern="0" cap="none" spc="0" normalizeH="0" baseline="0" noProof="0" dirty="0" err="1">
+                <a:ln>
+                  <a:noFill/>
+                </a:ln>
+                <a:solidFill>
+                  <a:srgbClr val="000000"/>
+                </a:solidFill>
+                <a:effectLst/>
+                <a:uLnTx/>
+                <a:uFillTx/>
+                <a:latin typeface="Arial"/>
+                <a:cs typeface="Arial"/>
+                <a:sym typeface="Arial"/>
+              </a:rPr>
+              <a:t>return</a:t>
+            </a:r>
+            <a:r>
+              <a:rPr kumimoji="0" lang="ru-RU" sz="3600" b="0" i="0" u="none" strike="noStrike" kern="0" cap="none" spc="0" normalizeH="0" baseline="0" noProof="0" dirty="0">
+                <a:ln>
+                  <a:noFill/>
+                </a:ln>
+                <a:solidFill>
+                  <a:srgbClr val="000000"/>
+                </a:solidFill>
+                <a:effectLst/>
+                <a:uLnTx/>
+                <a:uFillTx/>
+                <a:latin typeface="Arial"/>
+                <a:cs typeface="Arial"/>
+                <a:sym typeface="Arial"/>
+              </a:rPr>
+              <a:t> внутри определения </a:t>
+            </a:r>
+            <a:r>
+              <a:rPr kumimoji="0" lang="ru-RU" sz="3600" b="0" i="0" u="none" strike="noStrike" kern="0" cap="none" spc="0" normalizeH="0" baseline="0" noProof="0" dirty="0" err="1">
+                <a:ln>
+                  <a:noFill/>
+                </a:ln>
+                <a:solidFill>
+                  <a:srgbClr val="000000"/>
+                </a:solidFill>
+                <a:effectLst/>
+                <a:uLnTx/>
+                <a:uFillTx/>
+                <a:latin typeface="Arial"/>
+                <a:cs typeface="Arial"/>
+                <a:sym typeface="Arial"/>
+              </a:rPr>
+              <a:t>def</a:t>
+            </a:r>
+            <a:r>
+              <a:rPr kumimoji="0" lang="ru-RU" sz="3600" b="0" i="0" u="none" strike="noStrike" kern="0" cap="none" spc="0" normalizeH="0" baseline="0" noProof="0" dirty="0">
+                <a:ln>
+                  <a:noFill/>
+                </a:ln>
+                <a:solidFill>
+                  <a:srgbClr val="000000"/>
+                </a:solidFill>
+                <a:effectLst/>
+                <a:uLnTx/>
+                <a:uFillTx/>
+                <a:latin typeface="Arial"/>
+                <a:cs typeface="Arial"/>
+                <a:sym typeface="Arial"/>
+              </a:rPr>
+              <a:t>, – вы просто вводите результат в виде выражения вместо  его явного  возврата.</a:t>
+            </a:r>
+          </a:p>
+        </p:txBody>
+      </p:sp>
     </p:spTree>
     <p:extLst>
       <p:ext uri="{BB962C8B-B14F-4D97-AF65-F5344CB8AC3E}">
-        <p14:creationId xmlns:p14="http://schemas.microsoft.com/office/powerpoint/2010/main" val="1893192148"/>
+        <p14:creationId xmlns:p14="http://schemas.microsoft.com/office/powerpoint/2010/main" val="2750641273"/>
       </p:ext>
     </p:extLst>
   </p:cSld>
@@ -14004,7 +16816,351 @@
 </p:sld>
 </file>
 
-<file path=ppt/slides/slide5.xml><?xml version="1.0" encoding="utf-8"?>
+<file path=ppt/slides/slide7.xml><?xml version="1.0" encoding="utf-8"?>
+<p:sld xmlns:a="http://schemas.openxmlformats.org/drawingml/2006/main" xmlns:r="http://schemas.openxmlformats.org/officeDocument/2006/relationships" xmlns:p="http://schemas.openxmlformats.org/presentationml/2006/main">
+  <p:cSld>
+    <p:spTree>
+      <p:nvGrpSpPr>
+        <p:cNvPr id="1" name="Shape 212"/>
+        <p:cNvGrpSpPr/>
+        <p:nvPr/>
+      </p:nvGrpSpPr>
+      <p:grpSpPr>
+        <a:xfrm>
+          <a:off x="0" y="0"/>
+          <a:ext cx="0" cy="0"/>
+          <a:chOff x="0" y="0"/>
+          <a:chExt cx="0" cy="0"/>
+        </a:xfrm>
+      </p:grpSpPr>
+      <p:sp>
+        <p:nvSpPr>
+          <p:cNvPr id="213" name="Shape 213"/>
+          <p:cNvSpPr txBox="1">
+            <a:spLocks noGrp="1"/>
+          </p:cNvSpPr>
+          <p:nvPr>
+            <p:ph type="title"/>
+          </p:nvPr>
+        </p:nvSpPr>
+        <p:spPr>
+          <a:xfrm>
+            <a:off x="1155700" y="241300"/>
+            <a:ext cx="13931900" cy="2298699"/>
+          </a:xfrm>
+          <a:prstGeom prst="rect">
+            <a:avLst/>
+          </a:prstGeom>
+          <a:noFill/>
+          <a:ln>
+            <a:noFill/>
+          </a:ln>
+        </p:spPr>
+        <p:txBody>
+          <a:bodyPr lIns="38100" tIns="38100" rIns="38100" bIns="38100" anchor="ctr" anchorCtr="0">
+            <a:noAutofit/>
+          </a:bodyPr>
+          <a:lstStyle/>
+          <a:p>
+            <a:pPr marL="0" marR="0" lvl="0" indent="0" algn="ctr" rtl="0">
+              <a:lnSpc>
+                <a:spcPct val="100000"/>
+              </a:lnSpc>
+              <a:spcBef>
+                <a:spcPts val="0"/>
+              </a:spcBef>
+              <a:spcAft>
+                <a:spcPts val="0"/>
+              </a:spcAft>
+              <a:buClr>
+                <a:schemeClr val="lt1"/>
+              </a:buClr>
+              <a:buSzPct val="25000"/>
+              <a:buFont typeface="Cabin"/>
+              <a:buNone/>
+            </a:pPr>
+            <a:r>
+              <a:rPr lang="ru-RU" sz="6600" dirty="0" smtClean="0">
+                <a:solidFill>
+                  <a:schemeClr val="bg2"/>
+                </a:solidFill>
+                <a:latin typeface="Cabin"/>
+                <a:ea typeface="Cabin"/>
+                <a:cs typeface="Cabin"/>
+                <a:sym typeface="Cabin"/>
+              </a:rPr>
+              <a:t>Функция как объект</a:t>
+            </a:r>
+            <a:endParaRPr lang="en-US" sz="6600" dirty="0">
+              <a:solidFill>
+                <a:schemeClr val="bg2"/>
+              </a:solidFill>
+              <a:latin typeface="Cabin"/>
+              <a:ea typeface="Cabin"/>
+              <a:cs typeface="Cabin"/>
+              <a:sym typeface="Cabin"/>
+            </a:endParaRPr>
+          </a:p>
+        </p:txBody>
+      </p:sp>
+      <p:sp>
+        <p:nvSpPr>
+          <p:cNvPr id="229" name="Shape 229"/>
+          <p:cNvSpPr txBox="1"/>
+          <p:nvPr/>
+        </p:nvSpPr>
+        <p:spPr>
+          <a:xfrm>
+            <a:off x="5038725" y="2997200"/>
+            <a:ext cx="1409700" cy="622299"/>
+          </a:xfrm>
+          <a:prstGeom prst="rect">
+            <a:avLst/>
+          </a:prstGeom>
+          <a:noFill/>
+          <a:ln>
+            <a:noFill/>
+          </a:ln>
+        </p:spPr>
+        <p:txBody>
+          <a:bodyPr lIns="0" tIns="0" rIns="0" bIns="0" anchor="ctr" anchorCtr="0">
+            <a:noAutofit/>
+          </a:bodyPr>
+          <a:lstStyle/>
+          <a:p>
+            <a:pPr marL="0" marR="0" lvl="0" indent="0" algn="ctr" defTabSz="914400" rtl="0" eaLnBrk="1" fontAlgn="auto" latinLnBrk="0" hangingPunct="1">
+              <a:lnSpc>
+                <a:spcPct val="100000"/>
+              </a:lnSpc>
+              <a:spcBef>
+                <a:spcPts val="0"/>
+              </a:spcBef>
+              <a:spcAft>
+                <a:spcPts val="0"/>
+              </a:spcAft>
+              <a:buClr>
+                <a:srgbClr val="FFFFFF"/>
+              </a:buClr>
+              <a:buSzPct val="25000"/>
+              <a:buFont typeface="Cabin"/>
+              <a:buNone/>
+              <a:tabLst/>
+              <a:defRPr/>
+            </a:pPr>
+            <a:r>
+              <a:rPr kumimoji="0" lang="en-US" sz="3600" b="0" i="0" u="none" strike="noStrike" kern="0" cap="none" spc="0" normalizeH="0" baseline="0" noProof="0">
+                <a:ln>
+                  <a:noFill/>
+                </a:ln>
+                <a:solidFill>
+                  <a:srgbClr val="FFFFFF"/>
+                </a:solidFill>
+                <a:effectLst/>
+                <a:uLnTx/>
+                <a:uFillTx/>
+                <a:latin typeface="Cabin"/>
+                <a:ea typeface="Cabin"/>
+                <a:cs typeface="Cabin"/>
+                <a:sym typeface="Cabin"/>
+              </a:rPr>
+              <a:t>hello():</a:t>
+            </a:r>
+          </a:p>
+        </p:txBody>
+      </p:sp>
+    </p:spTree>
+    <p:extLst>
+      <p:ext uri="{BB962C8B-B14F-4D97-AF65-F5344CB8AC3E}">
+        <p14:creationId xmlns:p14="http://schemas.microsoft.com/office/powerpoint/2010/main" val="346574028"/>
+      </p:ext>
+    </p:extLst>
+  </p:cSld>
+  <p:clrMapOvr>
+    <a:masterClrMapping/>
+  </p:clrMapOvr>
+  <p:timing>
+    <p:tnLst>
+      <p:par>
+        <p:cTn id="1" dur="indefinite" restart="never" nodeType="tmRoot"/>
+      </p:par>
+    </p:tnLst>
+  </p:timing>
+</p:sld>
+</file>
+
+<file path=ppt/slides/slide8.xml><?xml version="1.0" encoding="utf-8"?>
+<p:sld xmlns:a="http://schemas.openxmlformats.org/drawingml/2006/main" xmlns:r="http://schemas.openxmlformats.org/officeDocument/2006/relationships" xmlns:p="http://schemas.openxmlformats.org/presentationml/2006/main">
+  <p:cSld>
+    <p:spTree>
+      <p:nvGrpSpPr>
+        <p:cNvPr id="1" name="Shape 212"/>
+        <p:cNvGrpSpPr/>
+        <p:nvPr/>
+      </p:nvGrpSpPr>
+      <p:grpSpPr>
+        <a:xfrm>
+          <a:off x="0" y="0"/>
+          <a:ext cx="0" cy="0"/>
+          <a:chOff x="0" y="0"/>
+          <a:chExt cx="0" cy="0"/>
+        </a:xfrm>
+      </p:grpSpPr>
+      <p:sp>
+        <p:nvSpPr>
+          <p:cNvPr id="213" name="Shape 213"/>
+          <p:cNvSpPr txBox="1">
+            <a:spLocks noGrp="1"/>
+          </p:cNvSpPr>
+          <p:nvPr>
+            <p:ph type="title"/>
+          </p:nvPr>
+        </p:nvSpPr>
+        <p:spPr>
+          <a:xfrm>
+            <a:off x="1155700" y="241300"/>
+            <a:ext cx="13931900" cy="2298699"/>
+          </a:xfrm>
+          <a:prstGeom prst="rect">
+            <a:avLst/>
+          </a:prstGeom>
+          <a:noFill/>
+          <a:ln>
+            <a:noFill/>
+          </a:ln>
+        </p:spPr>
+        <p:txBody>
+          <a:bodyPr lIns="38100" tIns="38100" rIns="38100" bIns="38100" anchor="ctr" anchorCtr="0">
+            <a:noAutofit/>
+          </a:bodyPr>
+          <a:lstStyle/>
+          <a:p>
+            <a:pPr marL="0" marR="0" lvl="0" indent="0" algn="ctr" rtl="0">
+              <a:lnSpc>
+                <a:spcPct val="100000"/>
+              </a:lnSpc>
+              <a:spcBef>
+                <a:spcPts val="0"/>
+              </a:spcBef>
+              <a:spcAft>
+                <a:spcPts val="0"/>
+              </a:spcAft>
+              <a:buClr>
+                <a:schemeClr val="lt1"/>
+              </a:buClr>
+              <a:buSzPct val="25000"/>
+              <a:buFont typeface="Cabin"/>
+              <a:buNone/>
+            </a:pPr>
+            <a:r>
+              <a:rPr lang="ru-RU" sz="6600" dirty="0" smtClean="0">
+                <a:solidFill>
+                  <a:schemeClr val="bg2"/>
+                </a:solidFill>
+                <a:latin typeface="Cabin"/>
+                <a:ea typeface="Cabin"/>
+                <a:cs typeface="Cabin"/>
+                <a:sym typeface="Cabin"/>
+              </a:rPr>
+              <a:t>Передача функции в другую функцию</a:t>
+            </a:r>
+            <a:endParaRPr lang="en-US" sz="6600" dirty="0">
+              <a:solidFill>
+                <a:schemeClr val="bg2"/>
+              </a:solidFill>
+              <a:latin typeface="Cabin"/>
+              <a:ea typeface="Cabin"/>
+              <a:cs typeface="Cabin"/>
+              <a:sym typeface="Cabin"/>
+            </a:endParaRPr>
+          </a:p>
+        </p:txBody>
+      </p:sp>
+      <p:sp>
+        <p:nvSpPr>
+          <p:cNvPr id="229" name="Shape 229"/>
+          <p:cNvSpPr txBox="1"/>
+          <p:nvPr/>
+        </p:nvSpPr>
+        <p:spPr>
+          <a:xfrm>
+            <a:off x="5038725" y="2997200"/>
+            <a:ext cx="1409700" cy="622299"/>
+          </a:xfrm>
+          <a:prstGeom prst="rect">
+            <a:avLst/>
+          </a:prstGeom>
+          <a:noFill/>
+          <a:ln>
+            <a:noFill/>
+          </a:ln>
+        </p:spPr>
+        <p:txBody>
+          <a:bodyPr lIns="0" tIns="0" rIns="0" bIns="0" anchor="ctr" anchorCtr="0">
+            <a:noAutofit/>
+          </a:bodyPr>
+          <a:lstStyle/>
+          <a:p>
+            <a:pPr marL="0" marR="0" lvl="0" indent="0" algn="ctr" defTabSz="914400" rtl="0" eaLnBrk="1" fontAlgn="auto" latinLnBrk="0" hangingPunct="1">
+              <a:lnSpc>
+                <a:spcPct val="100000"/>
+              </a:lnSpc>
+              <a:spcBef>
+                <a:spcPts val="0"/>
+              </a:spcBef>
+              <a:spcAft>
+                <a:spcPts val="0"/>
+              </a:spcAft>
+              <a:buClr>
+                <a:srgbClr val="FFFFFF"/>
+              </a:buClr>
+              <a:buSzPct val="25000"/>
+              <a:buFont typeface="Cabin"/>
+              <a:buNone/>
+              <a:tabLst/>
+              <a:defRPr/>
+            </a:pPr>
+            <a:r>
+              <a:rPr kumimoji="0" lang="en-US" sz="3600" b="0" i="0" u="none" strike="noStrike" kern="0" cap="none" spc="0" normalizeH="0" baseline="0" noProof="0">
+                <a:ln>
+                  <a:noFill/>
+                </a:ln>
+                <a:solidFill>
+                  <a:srgbClr val="FFFFFF"/>
+                </a:solidFill>
+                <a:effectLst/>
+                <a:uLnTx/>
+                <a:uFillTx/>
+                <a:latin typeface="Cabin"/>
+                <a:ea typeface="Cabin"/>
+                <a:cs typeface="Cabin"/>
+                <a:sym typeface="Cabin"/>
+              </a:rPr>
+              <a:t>hello():</a:t>
+            </a:r>
+          </a:p>
+        </p:txBody>
+      </p:sp>
+    </p:spTree>
+    <p:extLst>
+      <p:ext uri="{BB962C8B-B14F-4D97-AF65-F5344CB8AC3E}">
+        <p14:creationId xmlns:p14="http://schemas.microsoft.com/office/powerpoint/2010/main" val="3271378101"/>
+      </p:ext>
+    </p:extLst>
+  </p:cSld>
+  <p:clrMapOvr>
+    <a:masterClrMapping/>
+  </p:clrMapOvr>
+  <p:timing>
+    <p:tnLst>
+      <p:par>
+        <p:cTn id="1" dur="indefinite" restart="never" nodeType="tmRoot"/>
+      </p:par>
+    </p:tnLst>
+  </p:timing>
+</p:sld>
+</file>
+
+<file path=ppt/slides/slide9.xml><?xml version="1.0" encoding="utf-8"?>
 <p:sld xmlns:a="http://schemas.openxmlformats.org/drawingml/2006/main" xmlns:r="http://schemas.openxmlformats.org/officeDocument/2006/relationships" xmlns:p="http://schemas.openxmlformats.org/presentationml/2006/main">
   <p:cSld>
     <p:bg>
@@ -14059,150 +17215,8 @@
           <a:lstStyle/>
           <a:p>
             <a:r>
-              <a:rPr lang="ru-RU" sz="6600" dirty="0"/>
-              <a:t>Перехват исключения</a:t>
-            </a:r>
-          </a:p>
-        </p:txBody>
-      </p:sp>
-      <p:sp>
-        <p:nvSpPr>
-          <p:cNvPr id="229" name="Shape 229"/>
-          <p:cNvSpPr txBox="1"/>
-          <p:nvPr/>
-        </p:nvSpPr>
-        <p:spPr>
-          <a:xfrm>
-            <a:off x="5038725" y="2997200"/>
-            <a:ext cx="1409700" cy="622299"/>
-          </a:xfrm>
-          <a:prstGeom prst="rect">
-            <a:avLst/>
-          </a:prstGeom>
-          <a:noFill/>
-          <a:ln>
-            <a:noFill/>
-          </a:ln>
-        </p:spPr>
-        <p:txBody>
-          <a:bodyPr lIns="0" tIns="0" rIns="0" bIns="0" anchor="ctr" anchorCtr="0">
-            <a:noAutofit/>
-          </a:bodyPr>
-          <a:lstStyle/>
-          <a:p>
-            <a:pPr marL="0" marR="0" lvl="0" indent="0" algn="ctr" rtl="0">
-              <a:lnSpc>
-                <a:spcPct val="100000"/>
-              </a:lnSpc>
-              <a:spcBef>
-                <a:spcPts val="0"/>
-              </a:spcBef>
-              <a:spcAft>
-                <a:spcPts val="0"/>
-              </a:spcAft>
-              <a:buClr>
-                <a:schemeClr val="lt1"/>
-              </a:buClr>
-              <a:buSzPct val="25000"/>
-              <a:buFont typeface="Cabin"/>
-              <a:buNone/>
-            </a:pPr>
-            <a:r>
-              <a:rPr lang="en-US" sz="3600" b="0" i="0" u="none" strike="noStrike" cap="none">
-                <a:solidFill>
-                  <a:schemeClr val="lt1"/>
-                </a:solidFill>
-                <a:latin typeface="Cabin"/>
-                <a:ea typeface="Cabin"/>
-                <a:cs typeface="Cabin"/>
-                <a:sym typeface="Cabin"/>
-              </a:rPr>
-              <a:t>hello():</a:t>
-            </a:r>
-          </a:p>
-        </p:txBody>
-      </p:sp>
-    </p:spTree>
-    <p:extLst>
-      <p:ext uri="{BB962C8B-B14F-4D97-AF65-F5344CB8AC3E}">
-        <p14:creationId xmlns:p14="http://schemas.microsoft.com/office/powerpoint/2010/main" val="813838258"/>
-      </p:ext>
-    </p:extLst>
-  </p:cSld>
-  <p:clrMapOvr>
-    <a:masterClrMapping/>
-  </p:clrMapOvr>
-  <p:timing>
-    <p:tnLst>
-      <p:par>
-        <p:cTn id="1" dur="indefinite" restart="never" nodeType="tmRoot"/>
-      </p:par>
-    </p:tnLst>
-  </p:timing>
-</p:sld>
-</file>
-
-<file path=ppt/slides/slide6.xml><?xml version="1.0" encoding="utf-8"?>
-<p:sld xmlns:a="http://schemas.openxmlformats.org/drawingml/2006/main" xmlns:r="http://schemas.openxmlformats.org/officeDocument/2006/relationships" xmlns:p="http://schemas.openxmlformats.org/presentationml/2006/main">
-  <p:cSld>
-    <p:bg>
-      <p:bgPr>
-        <a:solidFill>
-          <a:schemeClr val="bg1"/>
-        </a:solidFill>
-        <a:effectLst/>
-      </p:bgPr>
-    </p:bg>
-    <p:spTree>
-      <p:nvGrpSpPr>
-        <p:cNvPr id="1" name="Shape 212"/>
-        <p:cNvGrpSpPr/>
-        <p:nvPr/>
-      </p:nvGrpSpPr>
-      <p:grpSpPr>
-        <a:xfrm>
-          <a:off x="0" y="0"/>
-          <a:ext cx="0" cy="0"/>
-          <a:chOff x="0" y="0"/>
-          <a:chExt cx="0" cy="0"/>
-        </a:xfrm>
-      </p:grpSpPr>
-      <p:sp>
-        <p:nvSpPr>
-          <p:cNvPr id="213" name="Shape 213"/>
-          <p:cNvSpPr txBox="1">
-            <a:spLocks noGrp="1"/>
-          </p:cNvSpPr>
-          <p:nvPr>
-            <p:ph type="title"/>
-          </p:nvPr>
-        </p:nvSpPr>
-        <p:spPr>
-          <a:xfrm>
-            <a:off x="1155700" y="241300"/>
-            <a:ext cx="13931900" cy="2298699"/>
-          </a:xfrm>
-          <a:prstGeom prst="rect">
-            <a:avLst/>
-          </a:prstGeom>
-          <a:noFill/>
-          <a:ln>
-            <a:noFill/>
-          </a:ln>
-        </p:spPr>
-        <p:txBody>
-          <a:bodyPr lIns="38100" tIns="38100" rIns="38100" bIns="38100" anchor="ctr" anchorCtr="0">
-            <a:noAutofit/>
-          </a:bodyPr>
-          <a:lstStyle/>
-          <a:p>
-            <a:r>
-              <a:rPr lang="ru-RU" sz="6600" dirty="0"/>
-              <a:t>Выброс </a:t>
-            </a:r>
-            <a:r>
               <a:rPr lang="ru-RU" sz="6600" dirty="0" smtClean="0"/>
-              <a:t>исключения</a:t>
+              <a:t>Вложенные функции. Замыкания</a:t>
             </a:r>
             <a:endParaRPr lang="ru-RU" sz="6600" dirty="0"/>
           </a:p>
@@ -14233,7 +17247,7 @@
           </a:bodyPr>
           <a:lstStyle/>
           <a:p>
-            <a:pPr marL="0" marR="0" lvl="0" indent="0" algn="ctr" rtl="0">
+            <a:pPr marL="0" marR="0" lvl="0" indent="0" algn="ctr" defTabSz="914400" rtl="0" eaLnBrk="1" fontAlgn="auto" latinLnBrk="0" hangingPunct="1">
               <a:lnSpc>
                 <a:spcPct val="100000"/>
               </a:lnSpc>
@@ -14244,17 +17258,25 @@
                 <a:spcPts val="0"/>
               </a:spcAft>
               <a:buClr>
-                <a:schemeClr val="lt1"/>
+                <a:srgbClr val="FFFFFF"/>
               </a:buClr>
               <a:buSzPct val="25000"/>
               <a:buFont typeface="Cabin"/>
               <a:buNone/>
+              <a:tabLst/>
+              <a:defRPr/>
             </a:pPr>
             <a:r>
-              <a:rPr lang="en-US" sz="3600" b="0" i="0" u="none" strike="noStrike" cap="none">
+              <a:rPr kumimoji="0" lang="en-US" sz="3600" b="0" i="0" u="none" strike="noStrike" kern="0" cap="none" spc="0" normalizeH="0" baseline="0" noProof="0">
+                <a:ln>
+                  <a:noFill/>
+                </a:ln>
                 <a:solidFill>
-                  <a:schemeClr val="lt1"/>
+                  <a:srgbClr val="FFFFFF"/>
                 </a:solidFill>
+                <a:effectLst/>
+                <a:uLnTx/>
+                <a:uFillTx/>
                 <a:latin typeface="Cabin"/>
                 <a:ea typeface="Cabin"/>
                 <a:cs typeface="Cabin"/>
@@ -14268,150 +17290,7 @@
     </p:spTree>
     <p:extLst>
       <p:ext uri="{BB962C8B-B14F-4D97-AF65-F5344CB8AC3E}">
-        <p14:creationId xmlns:p14="http://schemas.microsoft.com/office/powerpoint/2010/main" val="1928126494"/>
-      </p:ext>
-    </p:extLst>
-  </p:cSld>
-  <p:clrMapOvr>
-    <a:masterClrMapping/>
-  </p:clrMapOvr>
-  <p:timing>
-    <p:tnLst>
-      <p:par>
-        <p:cTn id="1" dur="indefinite" restart="never" nodeType="tmRoot"/>
-      </p:par>
-    </p:tnLst>
-  </p:timing>
-</p:sld>
-</file>
-
-<file path=ppt/slides/slide7.xml><?xml version="1.0" encoding="utf-8"?>
-<p:sld xmlns:a="http://schemas.openxmlformats.org/drawingml/2006/main" xmlns:r="http://schemas.openxmlformats.org/officeDocument/2006/relationships" xmlns:p="http://schemas.openxmlformats.org/presentationml/2006/main">
-  <p:cSld>
-    <p:bg>
-      <p:bgPr>
-        <a:solidFill>
-          <a:schemeClr val="bg1"/>
-        </a:solidFill>
-        <a:effectLst/>
-      </p:bgPr>
-    </p:bg>
-    <p:spTree>
-      <p:nvGrpSpPr>
-        <p:cNvPr id="1" name="Shape 212"/>
-        <p:cNvGrpSpPr/>
-        <p:nvPr/>
-      </p:nvGrpSpPr>
-      <p:grpSpPr>
-        <a:xfrm>
-          <a:off x="0" y="0"/>
-          <a:ext cx="0" cy="0"/>
-          <a:chOff x="0" y="0"/>
-          <a:chExt cx="0" cy="0"/>
-        </a:xfrm>
-      </p:grpSpPr>
-      <p:sp>
-        <p:nvSpPr>
-          <p:cNvPr id="213" name="Shape 213"/>
-          <p:cNvSpPr txBox="1">
-            <a:spLocks noGrp="1"/>
-          </p:cNvSpPr>
-          <p:nvPr>
-            <p:ph type="title"/>
-          </p:nvPr>
-        </p:nvSpPr>
-        <p:spPr>
-          <a:xfrm>
-            <a:off x="1155700" y="241300"/>
-            <a:ext cx="13931900" cy="2298699"/>
-          </a:xfrm>
-          <a:prstGeom prst="rect">
-            <a:avLst/>
-          </a:prstGeom>
-          <a:noFill/>
-          <a:ln>
-            <a:noFill/>
-          </a:ln>
-        </p:spPr>
-        <p:txBody>
-          <a:bodyPr lIns="38100" tIns="38100" rIns="38100" bIns="38100" anchor="ctr" anchorCtr="0">
-            <a:noAutofit/>
-          </a:bodyPr>
-          <a:lstStyle/>
-          <a:p>
-            <a:r>
-              <a:rPr lang="ru-RU" sz="6600" dirty="0"/>
-              <a:t>Стандартные </a:t>
-            </a:r>
-            <a:r>
-              <a:rPr lang="ru-RU" sz="6600" dirty="0" smtClean="0"/>
-              <a:t>исключения</a:t>
-            </a:r>
-            <a:endParaRPr lang="ru-RU" sz="6600" dirty="0"/>
-          </a:p>
-        </p:txBody>
-      </p:sp>
-      <p:sp>
-        <p:nvSpPr>
-          <p:cNvPr id="229" name="Shape 229"/>
-          <p:cNvSpPr txBox="1"/>
-          <p:nvPr/>
-        </p:nvSpPr>
-        <p:spPr>
-          <a:xfrm>
-            <a:off x="5038725" y="2997200"/>
-            <a:ext cx="1409700" cy="622299"/>
-          </a:xfrm>
-          <a:prstGeom prst="rect">
-            <a:avLst/>
-          </a:prstGeom>
-          <a:noFill/>
-          <a:ln>
-            <a:noFill/>
-          </a:ln>
-        </p:spPr>
-        <p:txBody>
-          <a:bodyPr lIns="0" tIns="0" rIns="0" bIns="0" anchor="ctr" anchorCtr="0">
-            <a:noAutofit/>
-          </a:bodyPr>
-          <a:lstStyle/>
-          <a:p>
-            <a:pPr marL="0" marR="0" lvl="0" indent="0" algn="ctr" rtl="0">
-              <a:lnSpc>
-                <a:spcPct val="100000"/>
-              </a:lnSpc>
-              <a:spcBef>
-                <a:spcPts val="0"/>
-              </a:spcBef>
-              <a:spcAft>
-                <a:spcPts val="0"/>
-              </a:spcAft>
-              <a:buClr>
-                <a:schemeClr val="lt1"/>
-              </a:buClr>
-              <a:buSzPct val="25000"/>
-              <a:buFont typeface="Cabin"/>
-              <a:buNone/>
-            </a:pPr>
-            <a:r>
-              <a:rPr lang="en-US" sz="3600" b="0" i="0" u="none" strike="noStrike" cap="none">
-                <a:solidFill>
-                  <a:schemeClr val="lt1"/>
-                </a:solidFill>
-                <a:latin typeface="Cabin"/>
-                <a:ea typeface="Cabin"/>
-                <a:cs typeface="Cabin"/>
-                <a:sym typeface="Cabin"/>
-              </a:rPr>
-              <a:t>hello():</a:t>
-            </a:r>
-          </a:p>
-        </p:txBody>
-      </p:sp>
-    </p:spTree>
-    <p:extLst>
-      <p:ext uri="{BB962C8B-B14F-4D97-AF65-F5344CB8AC3E}">
-        <p14:creationId xmlns:p14="http://schemas.microsoft.com/office/powerpoint/2010/main" val="1499807822"/>
+        <p14:creationId xmlns:p14="http://schemas.microsoft.com/office/powerpoint/2010/main" val="136280292"/>
       </p:ext>
     </p:extLst>
   </p:cSld>

--- a/week05/Exceptions.pptx
+++ b/week05/Exceptions.pptx
@@ -7,33 +7,39 @@
     <p:sldMasterId id="2147483731" r:id="rId3"/>
   </p:sldMasterIdLst>
   <p:notesMasterIdLst>
-    <p:notesMasterId r:id="rId18"/>
+    <p:notesMasterId r:id="rId24"/>
   </p:notesMasterIdLst>
   <p:sldIdLst>
     <p:sldId id="285" r:id="rId4"/>
     <p:sldId id="283" r:id="rId5"/>
     <p:sldId id="311" r:id="rId6"/>
-    <p:sldId id="323" r:id="rId7"/>
-    <p:sldId id="324" r:id="rId8"/>
-    <p:sldId id="325" r:id="rId9"/>
-    <p:sldId id="326" r:id="rId10"/>
-    <p:sldId id="327" r:id="rId11"/>
-    <p:sldId id="328" r:id="rId12"/>
-    <p:sldId id="329" r:id="rId13"/>
-    <p:sldId id="318" r:id="rId14"/>
-    <p:sldId id="320" r:id="rId15"/>
-    <p:sldId id="321" r:id="rId16"/>
-    <p:sldId id="322" r:id="rId17"/>
+    <p:sldId id="330" r:id="rId7"/>
+    <p:sldId id="331" r:id="rId8"/>
+    <p:sldId id="332" r:id="rId9"/>
+    <p:sldId id="333" r:id="rId10"/>
+    <p:sldId id="334" r:id="rId11"/>
+    <p:sldId id="335" r:id="rId12"/>
+    <p:sldId id="323" r:id="rId13"/>
+    <p:sldId id="324" r:id="rId14"/>
+    <p:sldId id="325" r:id="rId15"/>
+    <p:sldId id="326" r:id="rId16"/>
+    <p:sldId id="327" r:id="rId17"/>
+    <p:sldId id="328" r:id="rId18"/>
+    <p:sldId id="329" r:id="rId19"/>
+    <p:sldId id="318" r:id="rId20"/>
+    <p:sldId id="320" r:id="rId21"/>
+    <p:sldId id="321" r:id="rId22"/>
+    <p:sldId id="322" r:id="rId23"/>
   </p:sldIdLst>
   <p:sldSz cx="16256000" cy="9144000"/>
   <p:notesSz cx="6858000" cy="9144000"/>
   <p:embeddedFontLst>
     <p:embeddedFont>
       <p:font typeface="Cabin" panose="020B0604020202020204" charset="0"/>
-      <p:regular r:id="rId19"/>
-      <p:bold r:id="rId20"/>
-      <p:italic r:id="rId21"/>
-      <p:boldItalic r:id="rId22"/>
+      <p:regular r:id="rId25"/>
+      <p:bold r:id="rId26"/>
+      <p:italic r:id="rId27"/>
+      <p:boldItalic r:id="rId28"/>
     </p:embeddedFont>
   </p:embeddedFontLst>
   <p:defaultTextStyle>
@@ -259,7 +265,7 @@
 
 <file path=ppt/commentAuthors.xml><?xml version="1.0" encoding="utf-8"?>
 <p:cmAuthorLst xmlns:a="http://schemas.openxmlformats.org/drawingml/2006/main" xmlns:r="http://schemas.openxmlformats.org/officeDocument/2006/relationships" xmlns:p="http://schemas.openxmlformats.org/presentationml/2006/main">
-  <p:cmAuthor id="1" name="max" initials="m" lastIdx="2" clrIdx="0">
+  <p:cmAuthor id="1" name="max" initials="m" lastIdx="3" clrIdx="0">
     <p:extLst/>
   </p:cmAuthor>
 </p:cmAuthorLst>
@@ -737,6 +743,666 @@
     </p:spTree>
     <p:extLst>
       <p:ext uri="{BB962C8B-B14F-4D97-AF65-F5344CB8AC3E}">
+        <p14:creationId xmlns:p14="http://schemas.microsoft.com/office/powerpoint/2010/main" val="1947399170"/>
+      </p:ext>
+    </p:extLst>
+  </p:cSld>
+  <p:clrMapOvr>
+    <a:masterClrMapping/>
+  </p:clrMapOvr>
+</p:notes>
+</file>
+
+<file path=ppt/notesSlides/notesSlide11.xml><?xml version="1.0" encoding="utf-8"?>
+<p:notes xmlns:a="http://schemas.openxmlformats.org/drawingml/2006/main" xmlns:r="http://schemas.openxmlformats.org/officeDocument/2006/relationships" xmlns:p="http://schemas.openxmlformats.org/presentationml/2006/main" showMasterSp="0" showMasterPhAnim="0">
+  <p:cSld>
+    <p:spTree>
+      <p:nvGrpSpPr>
+        <p:cNvPr id="1" name="Shape 209"/>
+        <p:cNvGrpSpPr/>
+        <p:nvPr/>
+      </p:nvGrpSpPr>
+      <p:grpSpPr>
+        <a:xfrm>
+          <a:off x="0" y="0"/>
+          <a:ext cx="0" cy="0"/>
+          <a:chOff x="0" y="0"/>
+          <a:chExt cx="0" cy="0"/>
+        </a:xfrm>
+      </p:grpSpPr>
+      <p:sp>
+        <p:nvSpPr>
+          <p:cNvPr id="210" name="Shape 210"/>
+          <p:cNvSpPr txBox="1">
+            <a:spLocks noGrp="1"/>
+          </p:cNvSpPr>
+          <p:nvPr>
+            <p:ph type="body" idx="1"/>
+          </p:nvPr>
+        </p:nvSpPr>
+        <p:spPr>
+          <a:xfrm>
+            <a:off x="685800" y="4343400"/>
+            <a:ext cx="5486399" cy="4114800"/>
+          </a:xfrm>
+          <a:prstGeom prst="rect">
+            <a:avLst/>
+          </a:prstGeom>
+          <a:noFill/>
+          <a:ln>
+            <a:noFill/>
+          </a:ln>
+        </p:spPr>
+        <p:txBody>
+          <a:bodyPr lIns="91425" tIns="91425" rIns="91425" bIns="91425" anchor="ctr" anchorCtr="0">
+            <a:noAutofit/>
+          </a:bodyPr>
+          <a:lstStyle/>
+          <a:p>
+            <a:pPr lvl="0">
+              <a:spcBef>
+                <a:spcPts val="0"/>
+              </a:spcBef>
+              <a:buNone/>
+            </a:pPr>
+            <a:endParaRPr/>
+          </a:p>
+        </p:txBody>
+      </p:sp>
+      <p:sp>
+        <p:nvSpPr>
+          <p:cNvPr id="211" name="Shape 211"/>
+          <p:cNvSpPr>
+            <a:spLocks noGrp="1" noRot="1" noChangeAspect="1"/>
+          </p:cNvSpPr>
+          <p:nvPr>
+            <p:ph type="sldImg" idx="2"/>
+          </p:nvPr>
+        </p:nvSpPr>
+        <p:spPr>
+          <a:xfrm>
+            <a:off x="381000" y="685800"/>
+            <a:ext cx="6096000" cy="3429000"/>
+          </a:xfrm>
+          <a:custGeom>
+            <a:avLst/>
+            <a:gdLst/>
+            <a:ahLst/>
+            <a:cxnLst/>
+            <a:rect l="0" t="0" r="0" b="0"/>
+            <a:pathLst>
+              <a:path w="120000" h="120000" extrusionOk="0">
+                <a:moveTo>
+                  <a:pt x="0" y="0"/>
+                </a:moveTo>
+                <a:lnTo>
+                  <a:pt x="120000" y="0"/>
+                </a:lnTo>
+                <a:lnTo>
+                  <a:pt x="120000" y="120000"/>
+                </a:lnTo>
+                <a:lnTo>
+                  <a:pt x="0" y="120000"/>
+                </a:lnTo>
+                <a:close/>
+              </a:path>
+            </a:pathLst>
+          </a:custGeom>
+        </p:spPr>
+      </p:sp>
+    </p:spTree>
+    <p:extLst>
+      <p:ext uri="{BB962C8B-B14F-4D97-AF65-F5344CB8AC3E}">
+        <p14:creationId xmlns:p14="http://schemas.microsoft.com/office/powerpoint/2010/main" val="2241784799"/>
+      </p:ext>
+    </p:extLst>
+  </p:cSld>
+  <p:clrMapOvr>
+    <a:masterClrMapping/>
+  </p:clrMapOvr>
+</p:notes>
+</file>
+
+<file path=ppt/notesSlides/notesSlide12.xml><?xml version="1.0" encoding="utf-8"?>
+<p:notes xmlns:a="http://schemas.openxmlformats.org/drawingml/2006/main" xmlns:r="http://schemas.openxmlformats.org/officeDocument/2006/relationships" xmlns:p="http://schemas.openxmlformats.org/presentationml/2006/main" showMasterSp="0" showMasterPhAnim="0">
+  <p:cSld>
+    <p:spTree>
+      <p:nvGrpSpPr>
+        <p:cNvPr id="1" name="Shape 209"/>
+        <p:cNvGrpSpPr/>
+        <p:nvPr/>
+      </p:nvGrpSpPr>
+      <p:grpSpPr>
+        <a:xfrm>
+          <a:off x="0" y="0"/>
+          <a:ext cx="0" cy="0"/>
+          <a:chOff x="0" y="0"/>
+          <a:chExt cx="0" cy="0"/>
+        </a:xfrm>
+      </p:grpSpPr>
+      <p:sp>
+        <p:nvSpPr>
+          <p:cNvPr id="210" name="Shape 210"/>
+          <p:cNvSpPr txBox="1">
+            <a:spLocks noGrp="1"/>
+          </p:cNvSpPr>
+          <p:nvPr>
+            <p:ph type="body" idx="1"/>
+          </p:nvPr>
+        </p:nvSpPr>
+        <p:spPr>
+          <a:xfrm>
+            <a:off x="685800" y="4343400"/>
+            <a:ext cx="5486399" cy="4114800"/>
+          </a:xfrm>
+          <a:prstGeom prst="rect">
+            <a:avLst/>
+          </a:prstGeom>
+          <a:noFill/>
+          <a:ln>
+            <a:noFill/>
+          </a:ln>
+        </p:spPr>
+        <p:txBody>
+          <a:bodyPr lIns="91425" tIns="91425" rIns="91425" bIns="91425" anchor="ctr" anchorCtr="0">
+            <a:noAutofit/>
+          </a:bodyPr>
+          <a:lstStyle/>
+          <a:p>
+            <a:pPr lvl="0">
+              <a:spcBef>
+                <a:spcPts val="0"/>
+              </a:spcBef>
+              <a:buNone/>
+            </a:pPr>
+            <a:endParaRPr/>
+          </a:p>
+        </p:txBody>
+      </p:sp>
+      <p:sp>
+        <p:nvSpPr>
+          <p:cNvPr id="211" name="Shape 211"/>
+          <p:cNvSpPr>
+            <a:spLocks noGrp="1" noRot="1" noChangeAspect="1"/>
+          </p:cNvSpPr>
+          <p:nvPr>
+            <p:ph type="sldImg" idx="2"/>
+          </p:nvPr>
+        </p:nvSpPr>
+        <p:spPr>
+          <a:xfrm>
+            <a:off x="381000" y="685800"/>
+            <a:ext cx="6096000" cy="3429000"/>
+          </a:xfrm>
+          <a:custGeom>
+            <a:avLst/>
+            <a:gdLst/>
+            <a:ahLst/>
+            <a:cxnLst/>
+            <a:rect l="0" t="0" r="0" b="0"/>
+            <a:pathLst>
+              <a:path w="120000" h="120000" extrusionOk="0">
+                <a:moveTo>
+                  <a:pt x="0" y="0"/>
+                </a:moveTo>
+                <a:lnTo>
+                  <a:pt x="120000" y="0"/>
+                </a:lnTo>
+                <a:lnTo>
+                  <a:pt x="120000" y="120000"/>
+                </a:lnTo>
+                <a:lnTo>
+                  <a:pt x="0" y="120000"/>
+                </a:lnTo>
+                <a:close/>
+              </a:path>
+            </a:pathLst>
+          </a:custGeom>
+        </p:spPr>
+      </p:sp>
+    </p:spTree>
+    <p:extLst>
+      <p:ext uri="{BB962C8B-B14F-4D97-AF65-F5344CB8AC3E}">
+        <p14:creationId xmlns:p14="http://schemas.microsoft.com/office/powerpoint/2010/main" val="3590681068"/>
+      </p:ext>
+    </p:extLst>
+  </p:cSld>
+  <p:clrMapOvr>
+    <a:masterClrMapping/>
+  </p:clrMapOvr>
+</p:notes>
+</file>
+
+<file path=ppt/notesSlides/notesSlide13.xml><?xml version="1.0" encoding="utf-8"?>
+<p:notes xmlns:a="http://schemas.openxmlformats.org/drawingml/2006/main" xmlns:r="http://schemas.openxmlformats.org/officeDocument/2006/relationships" xmlns:p="http://schemas.openxmlformats.org/presentationml/2006/main" showMasterSp="0" showMasterPhAnim="0">
+  <p:cSld>
+    <p:spTree>
+      <p:nvGrpSpPr>
+        <p:cNvPr id="1" name="Shape 209"/>
+        <p:cNvGrpSpPr/>
+        <p:nvPr/>
+      </p:nvGrpSpPr>
+      <p:grpSpPr>
+        <a:xfrm>
+          <a:off x="0" y="0"/>
+          <a:ext cx="0" cy="0"/>
+          <a:chOff x="0" y="0"/>
+          <a:chExt cx="0" cy="0"/>
+        </a:xfrm>
+      </p:grpSpPr>
+      <p:sp>
+        <p:nvSpPr>
+          <p:cNvPr id="210" name="Shape 210"/>
+          <p:cNvSpPr txBox="1">
+            <a:spLocks noGrp="1"/>
+          </p:cNvSpPr>
+          <p:nvPr>
+            <p:ph type="body" idx="1"/>
+          </p:nvPr>
+        </p:nvSpPr>
+        <p:spPr>
+          <a:xfrm>
+            <a:off x="685800" y="4343400"/>
+            <a:ext cx="5486399" cy="4114800"/>
+          </a:xfrm>
+          <a:prstGeom prst="rect">
+            <a:avLst/>
+          </a:prstGeom>
+          <a:noFill/>
+          <a:ln>
+            <a:noFill/>
+          </a:ln>
+        </p:spPr>
+        <p:txBody>
+          <a:bodyPr lIns="91425" tIns="91425" rIns="91425" bIns="91425" anchor="ctr" anchorCtr="0">
+            <a:noAutofit/>
+          </a:bodyPr>
+          <a:lstStyle/>
+          <a:p>
+            <a:pPr lvl="0">
+              <a:spcBef>
+                <a:spcPts val="0"/>
+              </a:spcBef>
+              <a:buNone/>
+            </a:pPr>
+            <a:endParaRPr/>
+          </a:p>
+        </p:txBody>
+      </p:sp>
+      <p:sp>
+        <p:nvSpPr>
+          <p:cNvPr id="211" name="Shape 211"/>
+          <p:cNvSpPr>
+            <a:spLocks noGrp="1" noRot="1" noChangeAspect="1"/>
+          </p:cNvSpPr>
+          <p:nvPr>
+            <p:ph type="sldImg" idx="2"/>
+          </p:nvPr>
+        </p:nvSpPr>
+        <p:spPr>
+          <a:xfrm>
+            <a:off x="381000" y="685800"/>
+            <a:ext cx="6096000" cy="3429000"/>
+          </a:xfrm>
+          <a:custGeom>
+            <a:avLst/>
+            <a:gdLst/>
+            <a:ahLst/>
+            <a:cxnLst/>
+            <a:rect l="0" t="0" r="0" b="0"/>
+            <a:pathLst>
+              <a:path w="120000" h="120000" extrusionOk="0">
+                <a:moveTo>
+                  <a:pt x="0" y="0"/>
+                </a:moveTo>
+                <a:lnTo>
+                  <a:pt x="120000" y="0"/>
+                </a:lnTo>
+                <a:lnTo>
+                  <a:pt x="120000" y="120000"/>
+                </a:lnTo>
+                <a:lnTo>
+                  <a:pt x="0" y="120000"/>
+                </a:lnTo>
+                <a:close/>
+              </a:path>
+            </a:pathLst>
+          </a:custGeom>
+        </p:spPr>
+      </p:sp>
+    </p:spTree>
+    <p:extLst>
+      <p:ext uri="{BB962C8B-B14F-4D97-AF65-F5344CB8AC3E}">
+        <p14:creationId xmlns:p14="http://schemas.microsoft.com/office/powerpoint/2010/main" val="3577381200"/>
+      </p:ext>
+    </p:extLst>
+  </p:cSld>
+  <p:clrMapOvr>
+    <a:masterClrMapping/>
+  </p:clrMapOvr>
+</p:notes>
+</file>
+
+<file path=ppt/notesSlides/notesSlide14.xml><?xml version="1.0" encoding="utf-8"?>
+<p:notes xmlns:a="http://schemas.openxmlformats.org/drawingml/2006/main" xmlns:r="http://schemas.openxmlformats.org/officeDocument/2006/relationships" xmlns:p="http://schemas.openxmlformats.org/presentationml/2006/main" showMasterSp="0" showMasterPhAnim="0">
+  <p:cSld>
+    <p:spTree>
+      <p:nvGrpSpPr>
+        <p:cNvPr id="1" name="Shape 209"/>
+        <p:cNvGrpSpPr/>
+        <p:nvPr/>
+      </p:nvGrpSpPr>
+      <p:grpSpPr>
+        <a:xfrm>
+          <a:off x="0" y="0"/>
+          <a:ext cx="0" cy="0"/>
+          <a:chOff x="0" y="0"/>
+          <a:chExt cx="0" cy="0"/>
+        </a:xfrm>
+      </p:grpSpPr>
+      <p:sp>
+        <p:nvSpPr>
+          <p:cNvPr id="210" name="Shape 210"/>
+          <p:cNvSpPr txBox="1">
+            <a:spLocks noGrp="1"/>
+          </p:cNvSpPr>
+          <p:nvPr>
+            <p:ph type="body" idx="1"/>
+          </p:nvPr>
+        </p:nvSpPr>
+        <p:spPr>
+          <a:xfrm>
+            <a:off x="685800" y="4343400"/>
+            <a:ext cx="5486399" cy="4114800"/>
+          </a:xfrm>
+          <a:prstGeom prst="rect">
+            <a:avLst/>
+          </a:prstGeom>
+          <a:noFill/>
+          <a:ln>
+            <a:noFill/>
+          </a:ln>
+        </p:spPr>
+        <p:txBody>
+          <a:bodyPr lIns="91425" tIns="91425" rIns="91425" bIns="91425" anchor="ctr" anchorCtr="0">
+            <a:noAutofit/>
+          </a:bodyPr>
+          <a:lstStyle/>
+          <a:p>
+            <a:pPr lvl="0">
+              <a:spcBef>
+                <a:spcPts val="0"/>
+              </a:spcBef>
+              <a:buNone/>
+            </a:pPr>
+            <a:endParaRPr/>
+          </a:p>
+        </p:txBody>
+      </p:sp>
+      <p:sp>
+        <p:nvSpPr>
+          <p:cNvPr id="211" name="Shape 211"/>
+          <p:cNvSpPr>
+            <a:spLocks noGrp="1" noRot="1" noChangeAspect="1"/>
+          </p:cNvSpPr>
+          <p:nvPr>
+            <p:ph type="sldImg" idx="2"/>
+          </p:nvPr>
+        </p:nvSpPr>
+        <p:spPr>
+          <a:xfrm>
+            <a:off x="381000" y="685800"/>
+            <a:ext cx="6096000" cy="3429000"/>
+          </a:xfrm>
+          <a:custGeom>
+            <a:avLst/>
+            <a:gdLst/>
+            <a:ahLst/>
+            <a:cxnLst/>
+            <a:rect l="0" t="0" r="0" b="0"/>
+            <a:pathLst>
+              <a:path w="120000" h="120000" extrusionOk="0">
+                <a:moveTo>
+                  <a:pt x="0" y="0"/>
+                </a:moveTo>
+                <a:lnTo>
+                  <a:pt x="120000" y="0"/>
+                </a:lnTo>
+                <a:lnTo>
+                  <a:pt x="120000" y="120000"/>
+                </a:lnTo>
+                <a:lnTo>
+                  <a:pt x="0" y="120000"/>
+                </a:lnTo>
+                <a:close/>
+              </a:path>
+            </a:pathLst>
+          </a:custGeom>
+        </p:spPr>
+      </p:sp>
+    </p:spTree>
+    <p:extLst>
+      <p:ext uri="{BB962C8B-B14F-4D97-AF65-F5344CB8AC3E}">
+        <p14:creationId xmlns:p14="http://schemas.microsoft.com/office/powerpoint/2010/main" val="2188512029"/>
+      </p:ext>
+    </p:extLst>
+  </p:cSld>
+  <p:clrMapOvr>
+    <a:masterClrMapping/>
+  </p:clrMapOvr>
+</p:notes>
+</file>
+
+<file path=ppt/notesSlides/notesSlide15.xml><?xml version="1.0" encoding="utf-8"?>
+<p:notes xmlns:a="http://schemas.openxmlformats.org/drawingml/2006/main" xmlns:r="http://schemas.openxmlformats.org/officeDocument/2006/relationships" xmlns:p="http://schemas.openxmlformats.org/presentationml/2006/main" showMasterSp="0" showMasterPhAnim="0">
+  <p:cSld>
+    <p:spTree>
+      <p:nvGrpSpPr>
+        <p:cNvPr id="1" name="Shape 209"/>
+        <p:cNvGrpSpPr/>
+        <p:nvPr/>
+      </p:nvGrpSpPr>
+      <p:grpSpPr>
+        <a:xfrm>
+          <a:off x="0" y="0"/>
+          <a:ext cx="0" cy="0"/>
+          <a:chOff x="0" y="0"/>
+          <a:chExt cx="0" cy="0"/>
+        </a:xfrm>
+      </p:grpSpPr>
+      <p:sp>
+        <p:nvSpPr>
+          <p:cNvPr id="210" name="Shape 210"/>
+          <p:cNvSpPr txBox="1">
+            <a:spLocks noGrp="1"/>
+          </p:cNvSpPr>
+          <p:nvPr>
+            <p:ph type="body" idx="1"/>
+          </p:nvPr>
+        </p:nvSpPr>
+        <p:spPr>
+          <a:xfrm>
+            <a:off x="685800" y="4343400"/>
+            <a:ext cx="5486399" cy="4114800"/>
+          </a:xfrm>
+          <a:prstGeom prst="rect">
+            <a:avLst/>
+          </a:prstGeom>
+          <a:noFill/>
+          <a:ln>
+            <a:noFill/>
+          </a:ln>
+        </p:spPr>
+        <p:txBody>
+          <a:bodyPr lIns="91425" tIns="91425" rIns="91425" bIns="91425" anchor="ctr" anchorCtr="0">
+            <a:noAutofit/>
+          </a:bodyPr>
+          <a:lstStyle/>
+          <a:p>
+            <a:pPr lvl="0">
+              <a:spcBef>
+                <a:spcPts val="0"/>
+              </a:spcBef>
+              <a:buNone/>
+            </a:pPr>
+            <a:endParaRPr/>
+          </a:p>
+        </p:txBody>
+      </p:sp>
+      <p:sp>
+        <p:nvSpPr>
+          <p:cNvPr id="211" name="Shape 211"/>
+          <p:cNvSpPr>
+            <a:spLocks noGrp="1" noRot="1" noChangeAspect="1"/>
+          </p:cNvSpPr>
+          <p:nvPr>
+            <p:ph type="sldImg" idx="2"/>
+          </p:nvPr>
+        </p:nvSpPr>
+        <p:spPr>
+          <a:xfrm>
+            <a:off x="381000" y="685800"/>
+            <a:ext cx="6096000" cy="3429000"/>
+          </a:xfrm>
+          <a:custGeom>
+            <a:avLst/>
+            <a:gdLst/>
+            <a:ahLst/>
+            <a:cxnLst/>
+            <a:rect l="0" t="0" r="0" b="0"/>
+            <a:pathLst>
+              <a:path w="120000" h="120000" extrusionOk="0">
+                <a:moveTo>
+                  <a:pt x="0" y="0"/>
+                </a:moveTo>
+                <a:lnTo>
+                  <a:pt x="120000" y="0"/>
+                </a:lnTo>
+                <a:lnTo>
+                  <a:pt x="120000" y="120000"/>
+                </a:lnTo>
+                <a:lnTo>
+                  <a:pt x="0" y="120000"/>
+                </a:lnTo>
+                <a:close/>
+              </a:path>
+            </a:pathLst>
+          </a:custGeom>
+        </p:spPr>
+      </p:sp>
+    </p:spTree>
+    <p:extLst>
+      <p:ext uri="{BB962C8B-B14F-4D97-AF65-F5344CB8AC3E}">
+        <p14:creationId xmlns:p14="http://schemas.microsoft.com/office/powerpoint/2010/main" val="1515860995"/>
+      </p:ext>
+    </p:extLst>
+  </p:cSld>
+  <p:clrMapOvr>
+    <a:masterClrMapping/>
+  </p:clrMapOvr>
+</p:notes>
+</file>
+
+<file path=ppt/notesSlides/notesSlide16.xml><?xml version="1.0" encoding="utf-8"?>
+<p:notes xmlns:a="http://schemas.openxmlformats.org/drawingml/2006/main" xmlns:r="http://schemas.openxmlformats.org/officeDocument/2006/relationships" xmlns:p="http://schemas.openxmlformats.org/presentationml/2006/main" showMasterSp="0" showMasterPhAnim="0">
+  <p:cSld>
+    <p:spTree>
+      <p:nvGrpSpPr>
+        <p:cNvPr id="1" name="Shape 209"/>
+        <p:cNvGrpSpPr/>
+        <p:nvPr/>
+      </p:nvGrpSpPr>
+      <p:grpSpPr>
+        <a:xfrm>
+          <a:off x="0" y="0"/>
+          <a:ext cx="0" cy="0"/>
+          <a:chOff x="0" y="0"/>
+          <a:chExt cx="0" cy="0"/>
+        </a:xfrm>
+      </p:grpSpPr>
+      <p:sp>
+        <p:nvSpPr>
+          <p:cNvPr id="210" name="Shape 210"/>
+          <p:cNvSpPr txBox="1">
+            <a:spLocks noGrp="1"/>
+          </p:cNvSpPr>
+          <p:nvPr>
+            <p:ph type="body" idx="1"/>
+          </p:nvPr>
+        </p:nvSpPr>
+        <p:spPr>
+          <a:xfrm>
+            <a:off x="685800" y="4343400"/>
+            <a:ext cx="5486399" cy="4114800"/>
+          </a:xfrm>
+          <a:prstGeom prst="rect">
+            <a:avLst/>
+          </a:prstGeom>
+          <a:noFill/>
+          <a:ln>
+            <a:noFill/>
+          </a:ln>
+        </p:spPr>
+        <p:txBody>
+          <a:bodyPr lIns="91425" tIns="91425" rIns="91425" bIns="91425" anchor="ctr" anchorCtr="0">
+            <a:noAutofit/>
+          </a:bodyPr>
+          <a:lstStyle/>
+          <a:p>
+            <a:pPr lvl="0">
+              <a:spcBef>
+                <a:spcPts val="0"/>
+              </a:spcBef>
+              <a:buNone/>
+            </a:pPr>
+            <a:endParaRPr/>
+          </a:p>
+        </p:txBody>
+      </p:sp>
+      <p:sp>
+        <p:nvSpPr>
+          <p:cNvPr id="211" name="Shape 211"/>
+          <p:cNvSpPr>
+            <a:spLocks noGrp="1" noRot="1" noChangeAspect="1"/>
+          </p:cNvSpPr>
+          <p:nvPr>
+            <p:ph type="sldImg" idx="2"/>
+          </p:nvPr>
+        </p:nvSpPr>
+        <p:spPr>
+          <a:xfrm>
+            <a:off x="381000" y="685800"/>
+            <a:ext cx="6096000" cy="3429000"/>
+          </a:xfrm>
+          <a:custGeom>
+            <a:avLst/>
+            <a:gdLst/>
+            <a:ahLst/>
+            <a:cxnLst/>
+            <a:rect l="0" t="0" r="0" b="0"/>
+            <a:pathLst>
+              <a:path w="120000" h="120000" extrusionOk="0">
+                <a:moveTo>
+                  <a:pt x="0" y="0"/>
+                </a:moveTo>
+                <a:lnTo>
+                  <a:pt x="120000" y="0"/>
+                </a:lnTo>
+                <a:lnTo>
+                  <a:pt x="120000" y="120000"/>
+                </a:lnTo>
+                <a:lnTo>
+                  <a:pt x="0" y="120000"/>
+                </a:lnTo>
+                <a:close/>
+              </a:path>
+            </a:pathLst>
+          </a:custGeom>
+        </p:spPr>
+      </p:sp>
+    </p:spTree>
+    <p:extLst>
+      <p:ext uri="{BB962C8B-B14F-4D97-AF65-F5344CB8AC3E}">
         <p14:creationId xmlns:p14="http://schemas.microsoft.com/office/powerpoint/2010/main" val="324783794"/>
       </p:ext>
     </p:extLst>
@@ -747,7 +1413,7 @@
 </p:notes>
 </file>
 
-<file path=ppt/notesSlides/notesSlide11.xml><?xml version="1.0" encoding="utf-8"?>
+<file path=ppt/notesSlides/notesSlide17.xml><?xml version="1.0" encoding="utf-8"?>
 <p:notes xmlns:a="http://schemas.openxmlformats.org/drawingml/2006/main" xmlns:r="http://schemas.openxmlformats.org/officeDocument/2006/relationships" xmlns:p="http://schemas.openxmlformats.org/presentationml/2006/main" showMasterSp="0" showMasterPhAnim="0">
   <p:cSld>
     <p:spTree>
@@ -862,6 +1528,666 @@
   <p:cSld>
     <p:spTree>
       <p:nvGrpSpPr>
+        <p:cNvPr id="1" name="Shape 394"/>
+        <p:cNvGrpSpPr/>
+        <p:nvPr/>
+      </p:nvGrpSpPr>
+      <p:grpSpPr>
+        <a:xfrm>
+          <a:off x="0" y="0"/>
+          <a:ext cx="0" cy="0"/>
+          <a:chOff x="0" y="0"/>
+          <a:chExt cx="0" cy="0"/>
+        </a:xfrm>
+      </p:grpSpPr>
+      <p:sp>
+        <p:nvSpPr>
+          <p:cNvPr id="395" name="Shape 395"/>
+          <p:cNvSpPr txBox="1">
+            <a:spLocks noGrp="1"/>
+          </p:cNvSpPr>
+          <p:nvPr>
+            <p:ph type="body" idx="1"/>
+          </p:nvPr>
+        </p:nvSpPr>
+        <p:spPr>
+          <a:xfrm>
+            <a:off x="685800" y="4343400"/>
+            <a:ext cx="5486399" cy="4114800"/>
+          </a:xfrm>
+          <a:prstGeom prst="rect">
+            <a:avLst/>
+          </a:prstGeom>
+          <a:noFill/>
+          <a:ln>
+            <a:noFill/>
+          </a:ln>
+        </p:spPr>
+        <p:txBody>
+          <a:bodyPr lIns="91425" tIns="91425" rIns="91425" bIns="91425" anchor="ctr" anchorCtr="0">
+            <a:noAutofit/>
+          </a:bodyPr>
+          <a:lstStyle/>
+          <a:p>
+            <a:pPr lvl="0">
+              <a:spcBef>
+                <a:spcPts val="0"/>
+              </a:spcBef>
+              <a:buNone/>
+            </a:pPr>
+            <a:endParaRPr/>
+          </a:p>
+        </p:txBody>
+      </p:sp>
+      <p:sp>
+        <p:nvSpPr>
+          <p:cNvPr id="396" name="Shape 396"/>
+          <p:cNvSpPr>
+            <a:spLocks noGrp="1" noRot="1" noChangeAspect="1"/>
+          </p:cNvSpPr>
+          <p:nvPr>
+            <p:ph type="sldImg" idx="2"/>
+          </p:nvPr>
+        </p:nvSpPr>
+        <p:spPr>
+          <a:xfrm>
+            <a:off x="381000" y="685800"/>
+            <a:ext cx="6096000" cy="3429000"/>
+          </a:xfrm>
+          <a:custGeom>
+            <a:avLst/>
+            <a:gdLst/>
+            <a:ahLst/>
+            <a:cxnLst/>
+            <a:rect l="0" t="0" r="0" b="0"/>
+            <a:pathLst>
+              <a:path w="120000" h="120000" extrusionOk="0">
+                <a:moveTo>
+                  <a:pt x="0" y="0"/>
+                </a:moveTo>
+                <a:lnTo>
+                  <a:pt x="120000" y="0"/>
+                </a:lnTo>
+                <a:lnTo>
+                  <a:pt x="120000" y="120000"/>
+                </a:lnTo>
+                <a:lnTo>
+                  <a:pt x="0" y="120000"/>
+                </a:lnTo>
+                <a:close/>
+              </a:path>
+            </a:pathLst>
+          </a:custGeom>
+        </p:spPr>
+      </p:sp>
+    </p:spTree>
+    <p:extLst>
+      <p:ext uri="{BB962C8B-B14F-4D97-AF65-F5344CB8AC3E}">
+        <p14:creationId xmlns:p14="http://schemas.microsoft.com/office/powerpoint/2010/main" val="531546751"/>
+      </p:ext>
+    </p:extLst>
+  </p:cSld>
+  <p:clrMapOvr>
+    <a:masterClrMapping/>
+  </p:clrMapOvr>
+</p:notes>
+</file>
+
+<file path=ppt/notesSlides/notesSlide3.xml><?xml version="1.0" encoding="utf-8"?>
+<p:notes xmlns:a="http://schemas.openxmlformats.org/drawingml/2006/main" xmlns:r="http://schemas.openxmlformats.org/officeDocument/2006/relationships" xmlns:p="http://schemas.openxmlformats.org/presentationml/2006/main" showMasterSp="0" showMasterPhAnim="0">
+  <p:cSld>
+    <p:spTree>
+      <p:nvGrpSpPr>
+        <p:cNvPr id="1" name="Shape 394"/>
+        <p:cNvGrpSpPr/>
+        <p:nvPr/>
+      </p:nvGrpSpPr>
+      <p:grpSpPr>
+        <a:xfrm>
+          <a:off x="0" y="0"/>
+          <a:ext cx="0" cy="0"/>
+          <a:chOff x="0" y="0"/>
+          <a:chExt cx="0" cy="0"/>
+        </a:xfrm>
+      </p:grpSpPr>
+      <p:sp>
+        <p:nvSpPr>
+          <p:cNvPr id="395" name="Shape 395"/>
+          <p:cNvSpPr txBox="1">
+            <a:spLocks noGrp="1"/>
+          </p:cNvSpPr>
+          <p:nvPr>
+            <p:ph type="body" idx="1"/>
+          </p:nvPr>
+        </p:nvSpPr>
+        <p:spPr>
+          <a:xfrm>
+            <a:off x="685800" y="4343400"/>
+            <a:ext cx="5486399" cy="4114800"/>
+          </a:xfrm>
+          <a:prstGeom prst="rect">
+            <a:avLst/>
+          </a:prstGeom>
+          <a:noFill/>
+          <a:ln>
+            <a:noFill/>
+          </a:ln>
+        </p:spPr>
+        <p:txBody>
+          <a:bodyPr lIns="91425" tIns="91425" rIns="91425" bIns="91425" anchor="ctr" anchorCtr="0">
+            <a:noAutofit/>
+          </a:bodyPr>
+          <a:lstStyle/>
+          <a:p>
+            <a:pPr lvl="0">
+              <a:spcBef>
+                <a:spcPts val="0"/>
+              </a:spcBef>
+              <a:buNone/>
+            </a:pPr>
+            <a:endParaRPr/>
+          </a:p>
+        </p:txBody>
+      </p:sp>
+      <p:sp>
+        <p:nvSpPr>
+          <p:cNvPr id="396" name="Shape 396"/>
+          <p:cNvSpPr>
+            <a:spLocks noGrp="1" noRot="1" noChangeAspect="1"/>
+          </p:cNvSpPr>
+          <p:nvPr>
+            <p:ph type="sldImg" idx="2"/>
+          </p:nvPr>
+        </p:nvSpPr>
+        <p:spPr>
+          <a:xfrm>
+            <a:off x="381000" y="685800"/>
+            <a:ext cx="6096000" cy="3429000"/>
+          </a:xfrm>
+          <a:custGeom>
+            <a:avLst/>
+            <a:gdLst/>
+            <a:ahLst/>
+            <a:cxnLst/>
+            <a:rect l="0" t="0" r="0" b="0"/>
+            <a:pathLst>
+              <a:path w="120000" h="120000" extrusionOk="0">
+                <a:moveTo>
+                  <a:pt x="0" y="0"/>
+                </a:moveTo>
+                <a:lnTo>
+                  <a:pt x="120000" y="0"/>
+                </a:lnTo>
+                <a:lnTo>
+                  <a:pt x="120000" y="120000"/>
+                </a:lnTo>
+                <a:lnTo>
+                  <a:pt x="0" y="120000"/>
+                </a:lnTo>
+                <a:close/>
+              </a:path>
+            </a:pathLst>
+          </a:custGeom>
+        </p:spPr>
+      </p:sp>
+    </p:spTree>
+    <p:extLst>
+      <p:ext uri="{BB962C8B-B14F-4D97-AF65-F5344CB8AC3E}">
+        <p14:creationId xmlns:p14="http://schemas.microsoft.com/office/powerpoint/2010/main" val="441734547"/>
+      </p:ext>
+    </p:extLst>
+  </p:cSld>
+  <p:clrMapOvr>
+    <a:masterClrMapping/>
+  </p:clrMapOvr>
+</p:notes>
+</file>
+
+<file path=ppt/notesSlides/notesSlide4.xml><?xml version="1.0" encoding="utf-8"?>
+<p:notes xmlns:a="http://schemas.openxmlformats.org/drawingml/2006/main" xmlns:r="http://schemas.openxmlformats.org/officeDocument/2006/relationships" xmlns:p="http://schemas.openxmlformats.org/presentationml/2006/main" showMasterSp="0" showMasterPhAnim="0">
+  <p:cSld>
+    <p:spTree>
+      <p:nvGrpSpPr>
+        <p:cNvPr id="1" name="Shape 394"/>
+        <p:cNvGrpSpPr/>
+        <p:nvPr/>
+      </p:nvGrpSpPr>
+      <p:grpSpPr>
+        <a:xfrm>
+          <a:off x="0" y="0"/>
+          <a:ext cx="0" cy="0"/>
+          <a:chOff x="0" y="0"/>
+          <a:chExt cx="0" cy="0"/>
+        </a:xfrm>
+      </p:grpSpPr>
+      <p:sp>
+        <p:nvSpPr>
+          <p:cNvPr id="395" name="Shape 395"/>
+          <p:cNvSpPr txBox="1">
+            <a:spLocks noGrp="1"/>
+          </p:cNvSpPr>
+          <p:nvPr>
+            <p:ph type="body" idx="1"/>
+          </p:nvPr>
+        </p:nvSpPr>
+        <p:spPr>
+          <a:xfrm>
+            <a:off x="685800" y="4343400"/>
+            <a:ext cx="5486399" cy="4114800"/>
+          </a:xfrm>
+          <a:prstGeom prst="rect">
+            <a:avLst/>
+          </a:prstGeom>
+          <a:noFill/>
+          <a:ln>
+            <a:noFill/>
+          </a:ln>
+        </p:spPr>
+        <p:txBody>
+          <a:bodyPr lIns="91425" tIns="91425" rIns="91425" bIns="91425" anchor="ctr" anchorCtr="0">
+            <a:noAutofit/>
+          </a:bodyPr>
+          <a:lstStyle/>
+          <a:p>
+            <a:pPr lvl="0">
+              <a:spcBef>
+                <a:spcPts val="0"/>
+              </a:spcBef>
+              <a:buNone/>
+            </a:pPr>
+            <a:endParaRPr/>
+          </a:p>
+        </p:txBody>
+      </p:sp>
+      <p:sp>
+        <p:nvSpPr>
+          <p:cNvPr id="396" name="Shape 396"/>
+          <p:cNvSpPr>
+            <a:spLocks noGrp="1" noRot="1" noChangeAspect="1"/>
+          </p:cNvSpPr>
+          <p:nvPr>
+            <p:ph type="sldImg" idx="2"/>
+          </p:nvPr>
+        </p:nvSpPr>
+        <p:spPr>
+          <a:xfrm>
+            <a:off x="381000" y="685800"/>
+            <a:ext cx="6096000" cy="3429000"/>
+          </a:xfrm>
+          <a:custGeom>
+            <a:avLst/>
+            <a:gdLst/>
+            <a:ahLst/>
+            <a:cxnLst/>
+            <a:rect l="0" t="0" r="0" b="0"/>
+            <a:pathLst>
+              <a:path w="120000" h="120000" extrusionOk="0">
+                <a:moveTo>
+                  <a:pt x="0" y="0"/>
+                </a:moveTo>
+                <a:lnTo>
+                  <a:pt x="120000" y="0"/>
+                </a:lnTo>
+                <a:lnTo>
+                  <a:pt x="120000" y="120000"/>
+                </a:lnTo>
+                <a:lnTo>
+                  <a:pt x="0" y="120000"/>
+                </a:lnTo>
+                <a:close/>
+              </a:path>
+            </a:pathLst>
+          </a:custGeom>
+        </p:spPr>
+      </p:sp>
+    </p:spTree>
+    <p:extLst>
+      <p:ext uri="{BB962C8B-B14F-4D97-AF65-F5344CB8AC3E}">
+        <p14:creationId xmlns:p14="http://schemas.microsoft.com/office/powerpoint/2010/main" val="3954608551"/>
+      </p:ext>
+    </p:extLst>
+  </p:cSld>
+  <p:clrMapOvr>
+    <a:masterClrMapping/>
+  </p:clrMapOvr>
+</p:notes>
+</file>
+
+<file path=ppt/notesSlides/notesSlide5.xml><?xml version="1.0" encoding="utf-8"?>
+<p:notes xmlns:a="http://schemas.openxmlformats.org/drawingml/2006/main" xmlns:r="http://schemas.openxmlformats.org/officeDocument/2006/relationships" xmlns:p="http://schemas.openxmlformats.org/presentationml/2006/main" showMasterSp="0" showMasterPhAnim="0">
+  <p:cSld>
+    <p:spTree>
+      <p:nvGrpSpPr>
+        <p:cNvPr id="1" name="Shape 394"/>
+        <p:cNvGrpSpPr/>
+        <p:nvPr/>
+      </p:nvGrpSpPr>
+      <p:grpSpPr>
+        <a:xfrm>
+          <a:off x="0" y="0"/>
+          <a:ext cx="0" cy="0"/>
+          <a:chOff x="0" y="0"/>
+          <a:chExt cx="0" cy="0"/>
+        </a:xfrm>
+      </p:grpSpPr>
+      <p:sp>
+        <p:nvSpPr>
+          <p:cNvPr id="395" name="Shape 395"/>
+          <p:cNvSpPr txBox="1">
+            <a:spLocks noGrp="1"/>
+          </p:cNvSpPr>
+          <p:nvPr>
+            <p:ph type="body" idx="1"/>
+          </p:nvPr>
+        </p:nvSpPr>
+        <p:spPr>
+          <a:xfrm>
+            <a:off x="685800" y="4343400"/>
+            <a:ext cx="5486399" cy="4114800"/>
+          </a:xfrm>
+          <a:prstGeom prst="rect">
+            <a:avLst/>
+          </a:prstGeom>
+          <a:noFill/>
+          <a:ln>
+            <a:noFill/>
+          </a:ln>
+        </p:spPr>
+        <p:txBody>
+          <a:bodyPr lIns="91425" tIns="91425" rIns="91425" bIns="91425" anchor="ctr" anchorCtr="0">
+            <a:noAutofit/>
+          </a:bodyPr>
+          <a:lstStyle/>
+          <a:p>
+            <a:pPr lvl="0">
+              <a:spcBef>
+                <a:spcPts val="0"/>
+              </a:spcBef>
+              <a:buNone/>
+            </a:pPr>
+            <a:endParaRPr/>
+          </a:p>
+        </p:txBody>
+      </p:sp>
+      <p:sp>
+        <p:nvSpPr>
+          <p:cNvPr id="396" name="Shape 396"/>
+          <p:cNvSpPr>
+            <a:spLocks noGrp="1" noRot="1" noChangeAspect="1"/>
+          </p:cNvSpPr>
+          <p:nvPr>
+            <p:ph type="sldImg" idx="2"/>
+          </p:nvPr>
+        </p:nvSpPr>
+        <p:spPr>
+          <a:xfrm>
+            <a:off x="381000" y="685800"/>
+            <a:ext cx="6096000" cy="3429000"/>
+          </a:xfrm>
+          <a:custGeom>
+            <a:avLst/>
+            <a:gdLst/>
+            <a:ahLst/>
+            <a:cxnLst/>
+            <a:rect l="0" t="0" r="0" b="0"/>
+            <a:pathLst>
+              <a:path w="120000" h="120000" extrusionOk="0">
+                <a:moveTo>
+                  <a:pt x="0" y="0"/>
+                </a:moveTo>
+                <a:lnTo>
+                  <a:pt x="120000" y="0"/>
+                </a:lnTo>
+                <a:lnTo>
+                  <a:pt x="120000" y="120000"/>
+                </a:lnTo>
+                <a:lnTo>
+                  <a:pt x="0" y="120000"/>
+                </a:lnTo>
+                <a:close/>
+              </a:path>
+            </a:pathLst>
+          </a:custGeom>
+        </p:spPr>
+      </p:sp>
+    </p:spTree>
+    <p:extLst>
+      <p:ext uri="{BB962C8B-B14F-4D97-AF65-F5344CB8AC3E}">
+        <p14:creationId xmlns:p14="http://schemas.microsoft.com/office/powerpoint/2010/main" val="2463794631"/>
+      </p:ext>
+    </p:extLst>
+  </p:cSld>
+  <p:clrMapOvr>
+    <a:masterClrMapping/>
+  </p:clrMapOvr>
+</p:notes>
+</file>
+
+<file path=ppt/notesSlides/notesSlide6.xml><?xml version="1.0" encoding="utf-8"?>
+<p:notes xmlns:a="http://schemas.openxmlformats.org/drawingml/2006/main" xmlns:r="http://schemas.openxmlformats.org/officeDocument/2006/relationships" xmlns:p="http://schemas.openxmlformats.org/presentationml/2006/main" showMasterSp="0" showMasterPhAnim="0">
+  <p:cSld>
+    <p:spTree>
+      <p:nvGrpSpPr>
+        <p:cNvPr id="1" name="Shape 394"/>
+        <p:cNvGrpSpPr/>
+        <p:nvPr/>
+      </p:nvGrpSpPr>
+      <p:grpSpPr>
+        <a:xfrm>
+          <a:off x="0" y="0"/>
+          <a:ext cx="0" cy="0"/>
+          <a:chOff x="0" y="0"/>
+          <a:chExt cx="0" cy="0"/>
+        </a:xfrm>
+      </p:grpSpPr>
+      <p:sp>
+        <p:nvSpPr>
+          <p:cNvPr id="395" name="Shape 395"/>
+          <p:cNvSpPr txBox="1">
+            <a:spLocks noGrp="1"/>
+          </p:cNvSpPr>
+          <p:nvPr>
+            <p:ph type="body" idx="1"/>
+          </p:nvPr>
+        </p:nvSpPr>
+        <p:spPr>
+          <a:xfrm>
+            <a:off x="685800" y="4343400"/>
+            <a:ext cx="5486399" cy="4114800"/>
+          </a:xfrm>
+          <a:prstGeom prst="rect">
+            <a:avLst/>
+          </a:prstGeom>
+          <a:noFill/>
+          <a:ln>
+            <a:noFill/>
+          </a:ln>
+        </p:spPr>
+        <p:txBody>
+          <a:bodyPr lIns="91425" tIns="91425" rIns="91425" bIns="91425" anchor="ctr" anchorCtr="0">
+            <a:noAutofit/>
+          </a:bodyPr>
+          <a:lstStyle/>
+          <a:p>
+            <a:pPr lvl="0">
+              <a:spcBef>
+                <a:spcPts val="0"/>
+              </a:spcBef>
+              <a:buNone/>
+            </a:pPr>
+            <a:endParaRPr/>
+          </a:p>
+        </p:txBody>
+      </p:sp>
+      <p:sp>
+        <p:nvSpPr>
+          <p:cNvPr id="396" name="Shape 396"/>
+          <p:cNvSpPr>
+            <a:spLocks noGrp="1" noRot="1" noChangeAspect="1"/>
+          </p:cNvSpPr>
+          <p:nvPr>
+            <p:ph type="sldImg" idx="2"/>
+          </p:nvPr>
+        </p:nvSpPr>
+        <p:spPr>
+          <a:xfrm>
+            <a:off x="381000" y="685800"/>
+            <a:ext cx="6096000" cy="3429000"/>
+          </a:xfrm>
+          <a:custGeom>
+            <a:avLst/>
+            <a:gdLst/>
+            <a:ahLst/>
+            <a:cxnLst/>
+            <a:rect l="0" t="0" r="0" b="0"/>
+            <a:pathLst>
+              <a:path w="120000" h="120000" extrusionOk="0">
+                <a:moveTo>
+                  <a:pt x="0" y="0"/>
+                </a:moveTo>
+                <a:lnTo>
+                  <a:pt x="120000" y="0"/>
+                </a:lnTo>
+                <a:lnTo>
+                  <a:pt x="120000" y="120000"/>
+                </a:lnTo>
+                <a:lnTo>
+                  <a:pt x="0" y="120000"/>
+                </a:lnTo>
+                <a:close/>
+              </a:path>
+            </a:pathLst>
+          </a:custGeom>
+        </p:spPr>
+      </p:sp>
+    </p:spTree>
+    <p:extLst>
+      <p:ext uri="{BB962C8B-B14F-4D97-AF65-F5344CB8AC3E}">
+        <p14:creationId xmlns:p14="http://schemas.microsoft.com/office/powerpoint/2010/main" val="1983491138"/>
+      </p:ext>
+    </p:extLst>
+  </p:cSld>
+  <p:clrMapOvr>
+    <a:masterClrMapping/>
+  </p:clrMapOvr>
+</p:notes>
+</file>
+
+<file path=ppt/notesSlides/notesSlide7.xml><?xml version="1.0" encoding="utf-8"?>
+<p:notes xmlns:a="http://schemas.openxmlformats.org/drawingml/2006/main" xmlns:r="http://schemas.openxmlformats.org/officeDocument/2006/relationships" xmlns:p="http://schemas.openxmlformats.org/presentationml/2006/main" showMasterSp="0" showMasterPhAnim="0">
+  <p:cSld>
+    <p:spTree>
+      <p:nvGrpSpPr>
+        <p:cNvPr id="1" name="Shape 394"/>
+        <p:cNvGrpSpPr/>
+        <p:nvPr/>
+      </p:nvGrpSpPr>
+      <p:grpSpPr>
+        <a:xfrm>
+          <a:off x="0" y="0"/>
+          <a:ext cx="0" cy="0"/>
+          <a:chOff x="0" y="0"/>
+          <a:chExt cx="0" cy="0"/>
+        </a:xfrm>
+      </p:grpSpPr>
+      <p:sp>
+        <p:nvSpPr>
+          <p:cNvPr id="395" name="Shape 395"/>
+          <p:cNvSpPr txBox="1">
+            <a:spLocks noGrp="1"/>
+          </p:cNvSpPr>
+          <p:nvPr>
+            <p:ph type="body" idx="1"/>
+          </p:nvPr>
+        </p:nvSpPr>
+        <p:spPr>
+          <a:xfrm>
+            <a:off x="685800" y="4343400"/>
+            <a:ext cx="5486399" cy="4114800"/>
+          </a:xfrm>
+          <a:prstGeom prst="rect">
+            <a:avLst/>
+          </a:prstGeom>
+          <a:noFill/>
+          <a:ln>
+            <a:noFill/>
+          </a:ln>
+        </p:spPr>
+        <p:txBody>
+          <a:bodyPr lIns="91425" tIns="91425" rIns="91425" bIns="91425" anchor="ctr" anchorCtr="0">
+            <a:noAutofit/>
+          </a:bodyPr>
+          <a:lstStyle/>
+          <a:p>
+            <a:pPr lvl="0">
+              <a:spcBef>
+                <a:spcPts val="0"/>
+              </a:spcBef>
+              <a:buNone/>
+            </a:pPr>
+            <a:endParaRPr/>
+          </a:p>
+        </p:txBody>
+      </p:sp>
+      <p:sp>
+        <p:nvSpPr>
+          <p:cNvPr id="396" name="Shape 396"/>
+          <p:cNvSpPr>
+            <a:spLocks noGrp="1" noRot="1" noChangeAspect="1"/>
+          </p:cNvSpPr>
+          <p:nvPr>
+            <p:ph type="sldImg" idx="2"/>
+          </p:nvPr>
+        </p:nvSpPr>
+        <p:spPr>
+          <a:xfrm>
+            <a:off x="381000" y="685800"/>
+            <a:ext cx="6096000" cy="3429000"/>
+          </a:xfrm>
+          <a:custGeom>
+            <a:avLst/>
+            <a:gdLst/>
+            <a:ahLst/>
+            <a:cxnLst/>
+            <a:rect l="0" t="0" r="0" b="0"/>
+            <a:pathLst>
+              <a:path w="120000" h="120000" extrusionOk="0">
+                <a:moveTo>
+                  <a:pt x="0" y="0"/>
+                </a:moveTo>
+                <a:lnTo>
+                  <a:pt x="120000" y="0"/>
+                </a:lnTo>
+                <a:lnTo>
+                  <a:pt x="120000" y="120000"/>
+                </a:lnTo>
+                <a:lnTo>
+                  <a:pt x="0" y="120000"/>
+                </a:lnTo>
+                <a:close/>
+              </a:path>
+            </a:pathLst>
+          </a:custGeom>
+        </p:spPr>
+      </p:sp>
+    </p:spTree>
+    <p:extLst>
+      <p:ext uri="{BB962C8B-B14F-4D97-AF65-F5344CB8AC3E}">
+        <p14:creationId xmlns:p14="http://schemas.microsoft.com/office/powerpoint/2010/main" val="3594758372"/>
+      </p:ext>
+    </p:extLst>
+  </p:cSld>
+  <p:clrMapOvr>
+    <a:masterClrMapping/>
+  </p:clrMapOvr>
+</p:notes>
+</file>
+
+<file path=ppt/notesSlides/notesSlide8.xml><?xml version="1.0" encoding="utf-8"?>
+<p:notes xmlns:a="http://schemas.openxmlformats.org/drawingml/2006/main" xmlns:r="http://schemas.openxmlformats.org/officeDocument/2006/relationships" xmlns:p="http://schemas.openxmlformats.org/presentationml/2006/main" showMasterSp="0" showMasterPhAnim="0">
+  <p:cSld>
+    <p:spTree>
+      <p:nvGrpSpPr>
         <p:cNvPr id="1" name="Shape 209"/>
         <p:cNvGrpSpPr/>
         <p:nvPr/>
@@ -967,7 +2293,7 @@
 </p:notes>
 </file>
 
-<file path=ppt/notesSlides/notesSlide3.xml><?xml version="1.0" encoding="utf-8"?>
+<file path=ppt/notesSlides/notesSlide9.xml><?xml version="1.0" encoding="utf-8"?>
 <p:notes xmlns:a="http://schemas.openxmlformats.org/drawingml/2006/main" xmlns:r="http://schemas.openxmlformats.org/officeDocument/2006/relationships" xmlns:p="http://schemas.openxmlformats.org/presentationml/2006/main" showMasterSp="0" showMasterPhAnim="0">
   <p:cSld>
     <p:spTree>
@@ -1068,666 +2394,6 @@
     <p:extLst>
       <p:ext uri="{BB962C8B-B14F-4D97-AF65-F5344CB8AC3E}">
         <p14:creationId xmlns:p14="http://schemas.microsoft.com/office/powerpoint/2010/main" val="3397709497"/>
-      </p:ext>
-    </p:extLst>
-  </p:cSld>
-  <p:clrMapOvr>
-    <a:masterClrMapping/>
-  </p:clrMapOvr>
-</p:notes>
-</file>
-
-<file path=ppt/notesSlides/notesSlide4.xml><?xml version="1.0" encoding="utf-8"?>
-<p:notes xmlns:a="http://schemas.openxmlformats.org/drawingml/2006/main" xmlns:r="http://schemas.openxmlformats.org/officeDocument/2006/relationships" xmlns:p="http://schemas.openxmlformats.org/presentationml/2006/main" showMasterSp="0" showMasterPhAnim="0">
-  <p:cSld>
-    <p:spTree>
-      <p:nvGrpSpPr>
-        <p:cNvPr id="1" name="Shape 209"/>
-        <p:cNvGrpSpPr/>
-        <p:nvPr/>
-      </p:nvGrpSpPr>
-      <p:grpSpPr>
-        <a:xfrm>
-          <a:off x="0" y="0"/>
-          <a:ext cx="0" cy="0"/>
-          <a:chOff x="0" y="0"/>
-          <a:chExt cx="0" cy="0"/>
-        </a:xfrm>
-      </p:grpSpPr>
-      <p:sp>
-        <p:nvSpPr>
-          <p:cNvPr id="210" name="Shape 210"/>
-          <p:cNvSpPr txBox="1">
-            <a:spLocks noGrp="1"/>
-          </p:cNvSpPr>
-          <p:nvPr>
-            <p:ph type="body" idx="1"/>
-          </p:nvPr>
-        </p:nvSpPr>
-        <p:spPr>
-          <a:xfrm>
-            <a:off x="685800" y="4343400"/>
-            <a:ext cx="5486399" cy="4114800"/>
-          </a:xfrm>
-          <a:prstGeom prst="rect">
-            <a:avLst/>
-          </a:prstGeom>
-          <a:noFill/>
-          <a:ln>
-            <a:noFill/>
-          </a:ln>
-        </p:spPr>
-        <p:txBody>
-          <a:bodyPr lIns="91425" tIns="91425" rIns="91425" bIns="91425" anchor="ctr" anchorCtr="0">
-            <a:noAutofit/>
-          </a:bodyPr>
-          <a:lstStyle/>
-          <a:p>
-            <a:pPr lvl="0">
-              <a:spcBef>
-                <a:spcPts val="0"/>
-              </a:spcBef>
-              <a:buNone/>
-            </a:pPr>
-            <a:endParaRPr/>
-          </a:p>
-        </p:txBody>
-      </p:sp>
-      <p:sp>
-        <p:nvSpPr>
-          <p:cNvPr id="211" name="Shape 211"/>
-          <p:cNvSpPr>
-            <a:spLocks noGrp="1" noRot="1" noChangeAspect="1"/>
-          </p:cNvSpPr>
-          <p:nvPr>
-            <p:ph type="sldImg" idx="2"/>
-          </p:nvPr>
-        </p:nvSpPr>
-        <p:spPr>
-          <a:xfrm>
-            <a:off x="381000" y="685800"/>
-            <a:ext cx="6096000" cy="3429000"/>
-          </a:xfrm>
-          <a:custGeom>
-            <a:avLst/>
-            <a:gdLst/>
-            <a:ahLst/>
-            <a:cxnLst/>
-            <a:rect l="0" t="0" r="0" b="0"/>
-            <a:pathLst>
-              <a:path w="120000" h="120000" extrusionOk="0">
-                <a:moveTo>
-                  <a:pt x="0" y="0"/>
-                </a:moveTo>
-                <a:lnTo>
-                  <a:pt x="120000" y="0"/>
-                </a:lnTo>
-                <a:lnTo>
-                  <a:pt x="120000" y="120000"/>
-                </a:lnTo>
-                <a:lnTo>
-                  <a:pt x="0" y="120000"/>
-                </a:lnTo>
-                <a:close/>
-              </a:path>
-            </a:pathLst>
-          </a:custGeom>
-        </p:spPr>
-      </p:sp>
-    </p:spTree>
-    <p:extLst>
-      <p:ext uri="{BB962C8B-B14F-4D97-AF65-F5344CB8AC3E}">
-        <p14:creationId xmlns:p14="http://schemas.microsoft.com/office/powerpoint/2010/main" val="1947399170"/>
-      </p:ext>
-    </p:extLst>
-  </p:cSld>
-  <p:clrMapOvr>
-    <a:masterClrMapping/>
-  </p:clrMapOvr>
-</p:notes>
-</file>
-
-<file path=ppt/notesSlides/notesSlide5.xml><?xml version="1.0" encoding="utf-8"?>
-<p:notes xmlns:a="http://schemas.openxmlformats.org/drawingml/2006/main" xmlns:r="http://schemas.openxmlformats.org/officeDocument/2006/relationships" xmlns:p="http://schemas.openxmlformats.org/presentationml/2006/main" showMasterSp="0" showMasterPhAnim="0">
-  <p:cSld>
-    <p:spTree>
-      <p:nvGrpSpPr>
-        <p:cNvPr id="1" name="Shape 209"/>
-        <p:cNvGrpSpPr/>
-        <p:nvPr/>
-      </p:nvGrpSpPr>
-      <p:grpSpPr>
-        <a:xfrm>
-          <a:off x="0" y="0"/>
-          <a:ext cx="0" cy="0"/>
-          <a:chOff x="0" y="0"/>
-          <a:chExt cx="0" cy="0"/>
-        </a:xfrm>
-      </p:grpSpPr>
-      <p:sp>
-        <p:nvSpPr>
-          <p:cNvPr id="210" name="Shape 210"/>
-          <p:cNvSpPr txBox="1">
-            <a:spLocks noGrp="1"/>
-          </p:cNvSpPr>
-          <p:nvPr>
-            <p:ph type="body" idx="1"/>
-          </p:nvPr>
-        </p:nvSpPr>
-        <p:spPr>
-          <a:xfrm>
-            <a:off x="685800" y="4343400"/>
-            <a:ext cx="5486399" cy="4114800"/>
-          </a:xfrm>
-          <a:prstGeom prst="rect">
-            <a:avLst/>
-          </a:prstGeom>
-          <a:noFill/>
-          <a:ln>
-            <a:noFill/>
-          </a:ln>
-        </p:spPr>
-        <p:txBody>
-          <a:bodyPr lIns="91425" tIns="91425" rIns="91425" bIns="91425" anchor="ctr" anchorCtr="0">
-            <a:noAutofit/>
-          </a:bodyPr>
-          <a:lstStyle/>
-          <a:p>
-            <a:pPr lvl="0">
-              <a:spcBef>
-                <a:spcPts val="0"/>
-              </a:spcBef>
-              <a:buNone/>
-            </a:pPr>
-            <a:endParaRPr/>
-          </a:p>
-        </p:txBody>
-      </p:sp>
-      <p:sp>
-        <p:nvSpPr>
-          <p:cNvPr id="211" name="Shape 211"/>
-          <p:cNvSpPr>
-            <a:spLocks noGrp="1" noRot="1" noChangeAspect="1"/>
-          </p:cNvSpPr>
-          <p:nvPr>
-            <p:ph type="sldImg" idx="2"/>
-          </p:nvPr>
-        </p:nvSpPr>
-        <p:spPr>
-          <a:xfrm>
-            <a:off x="381000" y="685800"/>
-            <a:ext cx="6096000" cy="3429000"/>
-          </a:xfrm>
-          <a:custGeom>
-            <a:avLst/>
-            <a:gdLst/>
-            <a:ahLst/>
-            <a:cxnLst/>
-            <a:rect l="0" t="0" r="0" b="0"/>
-            <a:pathLst>
-              <a:path w="120000" h="120000" extrusionOk="0">
-                <a:moveTo>
-                  <a:pt x="0" y="0"/>
-                </a:moveTo>
-                <a:lnTo>
-                  <a:pt x="120000" y="0"/>
-                </a:lnTo>
-                <a:lnTo>
-                  <a:pt x="120000" y="120000"/>
-                </a:lnTo>
-                <a:lnTo>
-                  <a:pt x="0" y="120000"/>
-                </a:lnTo>
-                <a:close/>
-              </a:path>
-            </a:pathLst>
-          </a:custGeom>
-        </p:spPr>
-      </p:sp>
-    </p:spTree>
-    <p:extLst>
-      <p:ext uri="{BB962C8B-B14F-4D97-AF65-F5344CB8AC3E}">
-        <p14:creationId xmlns:p14="http://schemas.microsoft.com/office/powerpoint/2010/main" val="2241784799"/>
-      </p:ext>
-    </p:extLst>
-  </p:cSld>
-  <p:clrMapOvr>
-    <a:masterClrMapping/>
-  </p:clrMapOvr>
-</p:notes>
-</file>
-
-<file path=ppt/notesSlides/notesSlide6.xml><?xml version="1.0" encoding="utf-8"?>
-<p:notes xmlns:a="http://schemas.openxmlformats.org/drawingml/2006/main" xmlns:r="http://schemas.openxmlformats.org/officeDocument/2006/relationships" xmlns:p="http://schemas.openxmlformats.org/presentationml/2006/main" showMasterSp="0" showMasterPhAnim="0">
-  <p:cSld>
-    <p:spTree>
-      <p:nvGrpSpPr>
-        <p:cNvPr id="1" name="Shape 209"/>
-        <p:cNvGrpSpPr/>
-        <p:nvPr/>
-      </p:nvGrpSpPr>
-      <p:grpSpPr>
-        <a:xfrm>
-          <a:off x="0" y="0"/>
-          <a:ext cx="0" cy="0"/>
-          <a:chOff x="0" y="0"/>
-          <a:chExt cx="0" cy="0"/>
-        </a:xfrm>
-      </p:grpSpPr>
-      <p:sp>
-        <p:nvSpPr>
-          <p:cNvPr id="210" name="Shape 210"/>
-          <p:cNvSpPr txBox="1">
-            <a:spLocks noGrp="1"/>
-          </p:cNvSpPr>
-          <p:nvPr>
-            <p:ph type="body" idx="1"/>
-          </p:nvPr>
-        </p:nvSpPr>
-        <p:spPr>
-          <a:xfrm>
-            <a:off x="685800" y="4343400"/>
-            <a:ext cx="5486399" cy="4114800"/>
-          </a:xfrm>
-          <a:prstGeom prst="rect">
-            <a:avLst/>
-          </a:prstGeom>
-          <a:noFill/>
-          <a:ln>
-            <a:noFill/>
-          </a:ln>
-        </p:spPr>
-        <p:txBody>
-          <a:bodyPr lIns="91425" tIns="91425" rIns="91425" bIns="91425" anchor="ctr" anchorCtr="0">
-            <a:noAutofit/>
-          </a:bodyPr>
-          <a:lstStyle/>
-          <a:p>
-            <a:pPr lvl="0">
-              <a:spcBef>
-                <a:spcPts val="0"/>
-              </a:spcBef>
-              <a:buNone/>
-            </a:pPr>
-            <a:endParaRPr/>
-          </a:p>
-        </p:txBody>
-      </p:sp>
-      <p:sp>
-        <p:nvSpPr>
-          <p:cNvPr id="211" name="Shape 211"/>
-          <p:cNvSpPr>
-            <a:spLocks noGrp="1" noRot="1" noChangeAspect="1"/>
-          </p:cNvSpPr>
-          <p:nvPr>
-            <p:ph type="sldImg" idx="2"/>
-          </p:nvPr>
-        </p:nvSpPr>
-        <p:spPr>
-          <a:xfrm>
-            <a:off x="381000" y="685800"/>
-            <a:ext cx="6096000" cy="3429000"/>
-          </a:xfrm>
-          <a:custGeom>
-            <a:avLst/>
-            <a:gdLst/>
-            <a:ahLst/>
-            <a:cxnLst/>
-            <a:rect l="0" t="0" r="0" b="0"/>
-            <a:pathLst>
-              <a:path w="120000" h="120000" extrusionOk="0">
-                <a:moveTo>
-                  <a:pt x="0" y="0"/>
-                </a:moveTo>
-                <a:lnTo>
-                  <a:pt x="120000" y="0"/>
-                </a:lnTo>
-                <a:lnTo>
-                  <a:pt x="120000" y="120000"/>
-                </a:lnTo>
-                <a:lnTo>
-                  <a:pt x="0" y="120000"/>
-                </a:lnTo>
-                <a:close/>
-              </a:path>
-            </a:pathLst>
-          </a:custGeom>
-        </p:spPr>
-      </p:sp>
-    </p:spTree>
-    <p:extLst>
-      <p:ext uri="{BB962C8B-B14F-4D97-AF65-F5344CB8AC3E}">
-        <p14:creationId xmlns:p14="http://schemas.microsoft.com/office/powerpoint/2010/main" val="3590681068"/>
-      </p:ext>
-    </p:extLst>
-  </p:cSld>
-  <p:clrMapOvr>
-    <a:masterClrMapping/>
-  </p:clrMapOvr>
-</p:notes>
-</file>
-
-<file path=ppt/notesSlides/notesSlide7.xml><?xml version="1.0" encoding="utf-8"?>
-<p:notes xmlns:a="http://schemas.openxmlformats.org/drawingml/2006/main" xmlns:r="http://schemas.openxmlformats.org/officeDocument/2006/relationships" xmlns:p="http://schemas.openxmlformats.org/presentationml/2006/main" showMasterSp="0" showMasterPhAnim="0">
-  <p:cSld>
-    <p:spTree>
-      <p:nvGrpSpPr>
-        <p:cNvPr id="1" name="Shape 209"/>
-        <p:cNvGrpSpPr/>
-        <p:nvPr/>
-      </p:nvGrpSpPr>
-      <p:grpSpPr>
-        <a:xfrm>
-          <a:off x="0" y="0"/>
-          <a:ext cx="0" cy="0"/>
-          <a:chOff x="0" y="0"/>
-          <a:chExt cx="0" cy="0"/>
-        </a:xfrm>
-      </p:grpSpPr>
-      <p:sp>
-        <p:nvSpPr>
-          <p:cNvPr id="210" name="Shape 210"/>
-          <p:cNvSpPr txBox="1">
-            <a:spLocks noGrp="1"/>
-          </p:cNvSpPr>
-          <p:nvPr>
-            <p:ph type="body" idx="1"/>
-          </p:nvPr>
-        </p:nvSpPr>
-        <p:spPr>
-          <a:xfrm>
-            <a:off x="685800" y="4343400"/>
-            <a:ext cx="5486399" cy="4114800"/>
-          </a:xfrm>
-          <a:prstGeom prst="rect">
-            <a:avLst/>
-          </a:prstGeom>
-          <a:noFill/>
-          <a:ln>
-            <a:noFill/>
-          </a:ln>
-        </p:spPr>
-        <p:txBody>
-          <a:bodyPr lIns="91425" tIns="91425" rIns="91425" bIns="91425" anchor="ctr" anchorCtr="0">
-            <a:noAutofit/>
-          </a:bodyPr>
-          <a:lstStyle/>
-          <a:p>
-            <a:pPr lvl="0">
-              <a:spcBef>
-                <a:spcPts val="0"/>
-              </a:spcBef>
-              <a:buNone/>
-            </a:pPr>
-            <a:endParaRPr/>
-          </a:p>
-        </p:txBody>
-      </p:sp>
-      <p:sp>
-        <p:nvSpPr>
-          <p:cNvPr id="211" name="Shape 211"/>
-          <p:cNvSpPr>
-            <a:spLocks noGrp="1" noRot="1" noChangeAspect="1"/>
-          </p:cNvSpPr>
-          <p:nvPr>
-            <p:ph type="sldImg" idx="2"/>
-          </p:nvPr>
-        </p:nvSpPr>
-        <p:spPr>
-          <a:xfrm>
-            <a:off x="381000" y="685800"/>
-            <a:ext cx="6096000" cy="3429000"/>
-          </a:xfrm>
-          <a:custGeom>
-            <a:avLst/>
-            <a:gdLst/>
-            <a:ahLst/>
-            <a:cxnLst/>
-            <a:rect l="0" t="0" r="0" b="0"/>
-            <a:pathLst>
-              <a:path w="120000" h="120000" extrusionOk="0">
-                <a:moveTo>
-                  <a:pt x="0" y="0"/>
-                </a:moveTo>
-                <a:lnTo>
-                  <a:pt x="120000" y="0"/>
-                </a:lnTo>
-                <a:lnTo>
-                  <a:pt x="120000" y="120000"/>
-                </a:lnTo>
-                <a:lnTo>
-                  <a:pt x="0" y="120000"/>
-                </a:lnTo>
-                <a:close/>
-              </a:path>
-            </a:pathLst>
-          </a:custGeom>
-        </p:spPr>
-      </p:sp>
-    </p:spTree>
-    <p:extLst>
-      <p:ext uri="{BB962C8B-B14F-4D97-AF65-F5344CB8AC3E}">
-        <p14:creationId xmlns:p14="http://schemas.microsoft.com/office/powerpoint/2010/main" val="3577381200"/>
-      </p:ext>
-    </p:extLst>
-  </p:cSld>
-  <p:clrMapOvr>
-    <a:masterClrMapping/>
-  </p:clrMapOvr>
-</p:notes>
-</file>
-
-<file path=ppt/notesSlides/notesSlide8.xml><?xml version="1.0" encoding="utf-8"?>
-<p:notes xmlns:a="http://schemas.openxmlformats.org/drawingml/2006/main" xmlns:r="http://schemas.openxmlformats.org/officeDocument/2006/relationships" xmlns:p="http://schemas.openxmlformats.org/presentationml/2006/main" showMasterSp="0" showMasterPhAnim="0">
-  <p:cSld>
-    <p:spTree>
-      <p:nvGrpSpPr>
-        <p:cNvPr id="1" name="Shape 209"/>
-        <p:cNvGrpSpPr/>
-        <p:nvPr/>
-      </p:nvGrpSpPr>
-      <p:grpSpPr>
-        <a:xfrm>
-          <a:off x="0" y="0"/>
-          <a:ext cx="0" cy="0"/>
-          <a:chOff x="0" y="0"/>
-          <a:chExt cx="0" cy="0"/>
-        </a:xfrm>
-      </p:grpSpPr>
-      <p:sp>
-        <p:nvSpPr>
-          <p:cNvPr id="210" name="Shape 210"/>
-          <p:cNvSpPr txBox="1">
-            <a:spLocks noGrp="1"/>
-          </p:cNvSpPr>
-          <p:nvPr>
-            <p:ph type="body" idx="1"/>
-          </p:nvPr>
-        </p:nvSpPr>
-        <p:spPr>
-          <a:xfrm>
-            <a:off x="685800" y="4343400"/>
-            <a:ext cx="5486399" cy="4114800"/>
-          </a:xfrm>
-          <a:prstGeom prst="rect">
-            <a:avLst/>
-          </a:prstGeom>
-          <a:noFill/>
-          <a:ln>
-            <a:noFill/>
-          </a:ln>
-        </p:spPr>
-        <p:txBody>
-          <a:bodyPr lIns="91425" tIns="91425" rIns="91425" bIns="91425" anchor="ctr" anchorCtr="0">
-            <a:noAutofit/>
-          </a:bodyPr>
-          <a:lstStyle/>
-          <a:p>
-            <a:pPr lvl="0">
-              <a:spcBef>
-                <a:spcPts val="0"/>
-              </a:spcBef>
-              <a:buNone/>
-            </a:pPr>
-            <a:endParaRPr/>
-          </a:p>
-        </p:txBody>
-      </p:sp>
-      <p:sp>
-        <p:nvSpPr>
-          <p:cNvPr id="211" name="Shape 211"/>
-          <p:cNvSpPr>
-            <a:spLocks noGrp="1" noRot="1" noChangeAspect="1"/>
-          </p:cNvSpPr>
-          <p:nvPr>
-            <p:ph type="sldImg" idx="2"/>
-          </p:nvPr>
-        </p:nvSpPr>
-        <p:spPr>
-          <a:xfrm>
-            <a:off x="381000" y="685800"/>
-            <a:ext cx="6096000" cy="3429000"/>
-          </a:xfrm>
-          <a:custGeom>
-            <a:avLst/>
-            <a:gdLst/>
-            <a:ahLst/>
-            <a:cxnLst/>
-            <a:rect l="0" t="0" r="0" b="0"/>
-            <a:pathLst>
-              <a:path w="120000" h="120000" extrusionOk="0">
-                <a:moveTo>
-                  <a:pt x="0" y="0"/>
-                </a:moveTo>
-                <a:lnTo>
-                  <a:pt x="120000" y="0"/>
-                </a:lnTo>
-                <a:lnTo>
-                  <a:pt x="120000" y="120000"/>
-                </a:lnTo>
-                <a:lnTo>
-                  <a:pt x="0" y="120000"/>
-                </a:lnTo>
-                <a:close/>
-              </a:path>
-            </a:pathLst>
-          </a:custGeom>
-        </p:spPr>
-      </p:sp>
-    </p:spTree>
-    <p:extLst>
-      <p:ext uri="{BB962C8B-B14F-4D97-AF65-F5344CB8AC3E}">
-        <p14:creationId xmlns:p14="http://schemas.microsoft.com/office/powerpoint/2010/main" val="2188512029"/>
-      </p:ext>
-    </p:extLst>
-  </p:cSld>
-  <p:clrMapOvr>
-    <a:masterClrMapping/>
-  </p:clrMapOvr>
-</p:notes>
-</file>
-
-<file path=ppt/notesSlides/notesSlide9.xml><?xml version="1.0" encoding="utf-8"?>
-<p:notes xmlns:a="http://schemas.openxmlformats.org/drawingml/2006/main" xmlns:r="http://schemas.openxmlformats.org/officeDocument/2006/relationships" xmlns:p="http://schemas.openxmlformats.org/presentationml/2006/main" showMasterSp="0" showMasterPhAnim="0">
-  <p:cSld>
-    <p:spTree>
-      <p:nvGrpSpPr>
-        <p:cNvPr id="1" name="Shape 209"/>
-        <p:cNvGrpSpPr/>
-        <p:nvPr/>
-      </p:nvGrpSpPr>
-      <p:grpSpPr>
-        <a:xfrm>
-          <a:off x="0" y="0"/>
-          <a:ext cx="0" cy="0"/>
-          <a:chOff x="0" y="0"/>
-          <a:chExt cx="0" cy="0"/>
-        </a:xfrm>
-      </p:grpSpPr>
-      <p:sp>
-        <p:nvSpPr>
-          <p:cNvPr id="210" name="Shape 210"/>
-          <p:cNvSpPr txBox="1">
-            <a:spLocks noGrp="1"/>
-          </p:cNvSpPr>
-          <p:nvPr>
-            <p:ph type="body" idx="1"/>
-          </p:nvPr>
-        </p:nvSpPr>
-        <p:spPr>
-          <a:xfrm>
-            <a:off x="685800" y="4343400"/>
-            <a:ext cx="5486399" cy="4114800"/>
-          </a:xfrm>
-          <a:prstGeom prst="rect">
-            <a:avLst/>
-          </a:prstGeom>
-          <a:noFill/>
-          <a:ln>
-            <a:noFill/>
-          </a:ln>
-        </p:spPr>
-        <p:txBody>
-          <a:bodyPr lIns="91425" tIns="91425" rIns="91425" bIns="91425" anchor="ctr" anchorCtr="0">
-            <a:noAutofit/>
-          </a:bodyPr>
-          <a:lstStyle/>
-          <a:p>
-            <a:pPr lvl="0">
-              <a:spcBef>
-                <a:spcPts val="0"/>
-              </a:spcBef>
-              <a:buNone/>
-            </a:pPr>
-            <a:endParaRPr/>
-          </a:p>
-        </p:txBody>
-      </p:sp>
-      <p:sp>
-        <p:nvSpPr>
-          <p:cNvPr id="211" name="Shape 211"/>
-          <p:cNvSpPr>
-            <a:spLocks noGrp="1" noRot="1" noChangeAspect="1"/>
-          </p:cNvSpPr>
-          <p:nvPr>
-            <p:ph type="sldImg" idx="2"/>
-          </p:nvPr>
-        </p:nvSpPr>
-        <p:spPr>
-          <a:xfrm>
-            <a:off x="381000" y="685800"/>
-            <a:ext cx="6096000" cy="3429000"/>
-          </a:xfrm>
-          <a:custGeom>
-            <a:avLst/>
-            <a:gdLst/>
-            <a:ahLst/>
-            <a:cxnLst/>
-            <a:rect l="0" t="0" r="0" b="0"/>
-            <a:pathLst>
-              <a:path w="120000" h="120000" extrusionOk="0">
-                <a:moveTo>
-                  <a:pt x="0" y="0"/>
-                </a:moveTo>
-                <a:lnTo>
-                  <a:pt x="120000" y="0"/>
-                </a:lnTo>
-                <a:lnTo>
-                  <a:pt x="120000" y="120000"/>
-                </a:lnTo>
-                <a:lnTo>
-                  <a:pt x="0" y="120000"/>
-                </a:lnTo>
-                <a:close/>
-              </a:path>
-            </a:pathLst>
-          </a:custGeom>
-        </p:spPr>
-      </p:sp>
-    </p:spTree>
-    <p:extLst>
-      <p:ext uri="{BB962C8B-B14F-4D97-AF65-F5344CB8AC3E}">
-        <p14:creationId xmlns:p14="http://schemas.microsoft.com/office/powerpoint/2010/main" val="1515860995"/>
       </p:ext>
     </p:extLst>
   </p:cSld>
@@ -12625,12 +13291,20 @@
           <a:p>
             <a:pPr lvl="0"/>
             <a:r>
+              <a:rPr lang="ru-RU" sz="3200" dirty="0">
+                <a:solidFill>
+                  <a:schemeClr val="tx1"/>
+                </a:solidFill>
+              </a:rPr>
+              <a:t>Ошибки и исключения </a:t>
+            </a:r>
+            <a:r>
               <a:rPr lang="ru-RU" sz="3200" dirty="0" smtClean="0">
                 <a:solidFill>
                   <a:schemeClr val="tx1"/>
                 </a:solidFill>
               </a:rPr>
-              <a:t>Исключения (</a:t>
+              <a:t>(</a:t>
             </a:r>
             <a:r>
               <a:rPr lang="en-US" sz="3200" dirty="0" smtClean="0">
@@ -12673,2504 +13347,6 @@
 </file>
 
 <file path=ppt/slides/slide10.xml><?xml version="1.0" encoding="utf-8"?>
-<p:sld xmlns:a="http://schemas.openxmlformats.org/drawingml/2006/main" xmlns:r="http://schemas.openxmlformats.org/officeDocument/2006/relationships" xmlns:p="http://schemas.openxmlformats.org/presentationml/2006/main">
-  <p:cSld>
-    <p:spTree>
-      <p:nvGrpSpPr>
-        <p:cNvPr id="1" name=""/>
-        <p:cNvGrpSpPr/>
-        <p:nvPr/>
-      </p:nvGrpSpPr>
-      <p:grpSpPr>
-        <a:xfrm>
-          <a:off x="0" y="0"/>
-          <a:ext cx="0" cy="0"/>
-          <a:chOff x="0" y="0"/>
-          <a:chExt cx="0" cy="0"/>
-        </a:xfrm>
-      </p:grpSpPr>
-      <p:sp>
-        <p:nvSpPr>
-          <p:cNvPr id="2" name="Заголовок 1"/>
-          <p:cNvSpPr>
-            <a:spLocks noGrp="1"/>
-          </p:cNvSpPr>
-          <p:nvPr>
-            <p:ph type="title"/>
-          </p:nvPr>
-        </p:nvSpPr>
-        <p:spPr/>
-        <p:txBody>
-          <a:bodyPr/>
-          <a:lstStyle/>
-          <a:p>
-            <a:endParaRPr lang="ru-RU"/>
-          </a:p>
-        </p:txBody>
-      </p:sp>
-      <p:sp>
-        <p:nvSpPr>
-          <p:cNvPr id="3" name="Текст 2"/>
-          <p:cNvSpPr>
-            <a:spLocks noGrp="1"/>
-          </p:cNvSpPr>
-          <p:nvPr>
-            <p:ph type="body" idx="1"/>
-          </p:nvPr>
-        </p:nvSpPr>
-        <p:spPr/>
-        <p:txBody>
-          <a:bodyPr/>
-          <a:lstStyle/>
-          <a:p>
-            <a:endParaRPr lang="ru-RU"/>
-          </a:p>
-        </p:txBody>
-      </p:sp>
-    </p:spTree>
-    <p:extLst>
-      <p:ext uri="{BB962C8B-B14F-4D97-AF65-F5344CB8AC3E}">
-        <p14:creationId xmlns:p14="http://schemas.microsoft.com/office/powerpoint/2010/main" val="2584262233"/>
-      </p:ext>
-    </p:extLst>
-  </p:cSld>
-  <p:clrMapOvr>
-    <a:masterClrMapping/>
-  </p:clrMapOvr>
-  <p:timing>
-    <p:tnLst>
-      <p:par>
-        <p:cTn id="1" dur="indefinite" restart="never" nodeType="tmRoot"/>
-      </p:par>
-    </p:tnLst>
-  </p:timing>
-</p:sld>
-</file>
-
-<file path=ppt/slides/slide11.xml><?xml version="1.0" encoding="utf-8"?>
-<p:sld xmlns:a="http://schemas.openxmlformats.org/drawingml/2006/main" xmlns:r="http://schemas.openxmlformats.org/officeDocument/2006/relationships" xmlns:p="http://schemas.openxmlformats.org/presentationml/2006/main">
-  <p:cSld>
-    <p:bg>
-      <p:bgPr>
-        <a:solidFill>
-          <a:schemeClr val="bg1"/>
-        </a:solidFill>
-        <a:effectLst/>
-      </p:bgPr>
-    </p:bg>
-    <p:spTree>
-      <p:nvGrpSpPr>
-        <p:cNvPr id="1" name="Shape 212"/>
-        <p:cNvGrpSpPr/>
-        <p:nvPr/>
-      </p:nvGrpSpPr>
-      <p:grpSpPr>
-        <a:xfrm>
-          <a:off x="0" y="0"/>
-          <a:ext cx="0" cy="0"/>
-          <a:chOff x="0" y="0"/>
-          <a:chExt cx="0" cy="0"/>
-        </a:xfrm>
-      </p:grpSpPr>
-      <p:sp>
-        <p:nvSpPr>
-          <p:cNvPr id="213" name="Shape 213"/>
-          <p:cNvSpPr txBox="1">
-            <a:spLocks noGrp="1"/>
-          </p:cNvSpPr>
-          <p:nvPr>
-            <p:ph type="title"/>
-          </p:nvPr>
-        </p:nvSpPr>
-        <p:spPr>
-          <a:xfrm>
-            <a:off x="1155700" y="241300"/>
-            <a:ext cx="13931900" cy="2298699"/>
-          </a:xfrm>
-          <a:prstGeom prst="rect">
-            <a:avLst/>
-          </a:prstGeom>
-          <a:noFill/>
-          <a:ln>
-            <a:noFill/>
-          </a:ln>
-        </p:spPr>
-        <p:txBody>
-          <a:bodyPr lIns="38100" tIns="38100" rIns="38100" bIns="38100" anchor="ctr" anchorCtr="0">
-            <a:noAutofit/>
-          </a:bodyPr>
-          <a:lstStyle/>
-          <a:p>
-            <a:r>
-              <a:rPr lang="ru-RU" sz="6600" dirty="0"/>
-              <a:t>Понятие об </a:t>
-            </a:r>
-            <a:r>
-              <a:rPr lang="ru-RU" sz="6600" dirty="0" smtClean="0"/>
-              <a:t>исключении</a:t>
-            </a:r>
-            <a:endParaRPr lang="ru-RU" sz="6600" dirty="0"/>
-          </a:p>
-        </p:txBody>
-      </p:sp>
-      <p:sp>
-        <p:nvSpPr>
-          <p:cNvPr id="229" name="Shape 229"/>
-          <p:cNvSpPr txBox="1"/>
-          <p:nvPr/>
-        </p:nvSpPr>
-        <p:spPr>
-          <a:xfrm>
-            <a:off x="5038725" y="2997200"/>
-            <a:ext cx="1409700" cy="622299"/>
-          </a:xfrm>
-          <a:prstGeom prst="rect">
-            <a:avLst/>
-          </a:prstGeom>
-          <a:noFill/>
-          <a:ln>
-            <a:noFill/>
-          </a:ln>
-        </p:spPr>
-        <p:txBody>
-          <a:bodyPr lIns="0" tIns="0" rIns="0" bIns="0" anchor="ctr" anchorCtr="0">
-            <a:noAutofit/>
-          </a:bodyPr>
-          <a:lstStyle/>
-          <a:p>
-            <a:pPr marL="0" marR="0" lvl="0" indent="0" algn="ctr" rtl="0">
-              <a:lnSpc>
-                <a:spcPct val="100000"/>
-              </a:lnSpc>
-              <a:spcBef>
-                <a:spcPts val="0"/>
-              </a:spcBef>
-              <a:spcAft>
-                <a:spcPts val="0"/>
-              </a:spcAft>
-              <a:buClr>
-                <a:schemeClr val="lt1"/>
-              </a:buClr>
-              <a:buSzPct val="25000"/>
-              <a:buFont typeface="Cabin"/>
-              <a:buNone/>
-            </a:pPr>
-            <a:r>
-              <a:rPr lang="en-US" sz="3600" b="0" i="0" u="none" strike="noStrike" cap="none">
-                <a:solidFill>
-                  <a:schemeClr val="lt1"/>
-                </a:solidFill>
-                <a:latin typeface="Cabin"/>
-                <a:ea typeface="Cabin"/>
-                <a:cs typeface="Cabin"/>
-                <a:sym typeface="Cabin"/>
-              </a:rPr>
-              <a:t>hello():</a:t>
-            </a:r>
-          </a:p>
-        </p:txBody>
-      </p:sp>
-    </p:spTree>
-    <p:extLst>
-      <p:ext uri="{BB962C8B-B14F-4D97-AF65-F5344CB8AC3E}">
-        <p14:creationId xmlns:p14="http://schemas.microsoft.com/office/powerpoint/2010/main" val="1893192148"/>
-      </p:ext>
-    </p:extLst>
-  </p:cSld>
-  <p:clrMapOvr>
-    <a:masterClrMapping/>
-  </p:clrMapOvr>
-  <p:timing>
-    <p:tnLst>
-      <p:par>
-        <p:cTn id="1" dur="indefinite" restart="never" nodeType="tmRoot"/>
-      </p:par>
-    </p:tnLst>
-  </p:timing>
-</p:sld>
-</file>
-
-<file path=ppt/slides/slide12.xml><?xml version="1.0" encoding="utf-8"?>
-<p:sld xmlns:a="http://schemas.openxmlformats.org/drawingml/2006/main" xmlns:r="http://schemas.openxmlformats.org/officeDocument/2006/relationships" xmlns:p="http://schemas.openxmlformats.org/presentationml/2006/main">
-  <p:cSld>
-    <p:bg>
-      <p:bgPr>
-        <a:solidFill>
-          <a:schemeClr val="bg1"/>
-        </a:solidFill>
-        <a:effectLst/>
-      </p:bgPr>
-    </p:bg>
-    <p:spTree>
-      <p:nvGrpSpPr>
-        <p:cNvPr id="1" name="Shape 212"/>
-        <p:cNvGrpSpPr/>
-        <p:nvPr/>
-      </p:nvGrpSpPr>
-      <p:grpSpPr>
-        <a:xfrm>
-          <a:off x="0" y="0"/>
-          <a:ext cx="0" cy="0"/>
-          <a:chOff x="0" y="0"/>
-          <a:chExt cx="0" cy="0"/>
-        </a:xfrm>
-      </p:grpSpPr>
-      <p:sp>
-        <p:nvSpPr>
-          <p:cNvPr id="213" name="Shape 213"/>
-          <p:cNvSpPr txBox="1">
-            <a:spLocks noGrp="1"/>
-          </p:cNvSpPr>
-          <p:nvPr>
-            <p:ph type="title"/>
-          </p:nvPr>
-        </p:nvSpPr>
-        <p:spPr>
-          <a:xfrm>
-            <a:off x="1155700" y="241300"/>
-            <a:ext cx="13931900" cy="2298699"/>
-          </a:xfrm>
-          <a:prstGeom prst="rect">
-            <a:avLst/>
-          </a:prstGeom>
-          <a:noFill/>
-          <a:ln>
-            <a:noFill/>
-          </a:ln>
-        </p:spPr>
-        <p:txBody>
-          <a:bodyPr lIns="38100" tIns="38100" rIns="38100" bIns="38100" anchor="ctr" anchorCtr="0">
-            <a:noAutofit/>
-          </a:bodyPr>
-          <a:lstStyle/>
-          <a:p>
-            <a:r>
-              <a:rPr lang="ru-RU" sz="6600" dirty="0"/>
-              <a:t>Перехват исключения</a:t>
-            </a:r>
-          </a:p>
-        </p:txBody>
-      </p:sp>
-      <p:sp>
-        <p:nvSpPr>
-          <p:cNvPr id="229" name="Shape 229"/>
-          <p:cNvSpPr txBox="1"/>
-          <p:nvPr/>
-        </p:nvSpPr>
-        <p:spPr>
-          <a:xfrm>
-            <a:off x="5038725" y="2997200"/>
-            <a:ext cx="1409700" cy="622299"/>
-          </a:xfrm>
-          <a:prstGeom prst="rect">
-            <a:avLst/>
-          </a:prstGeom>
-          <a:noFill/>
-          <a:ln>
-            <a:noFill/>
-          </a:ln>
-        </p:spPr>
-        <p:txBody>
-          <a:bodyPr lIns="0" tIns="0" rIns="0" bIns="0" anchor="ctr" anchorCtr="0">
-            <a:noAutofit/>
-          </a:bodyPr>
-          <a:lstStyle/>
-          <a:p>
-            <a:pPr marL="0" marR="0" lvl="0" indent="0" algn="ctr" rtl="0">
-              <a:lnSpc>
-                <a:spcPct val="100000"/>
-              </a:lnSpc>
-              <a:spcBef>
-                <a:spcPts val="0"/>
-              </a:spcBef>
-              <a:spcAft>
-                <a:spcPts val="0"/>
-              </a:spcAft>
-              <a:buClr>
-                <a:schemeClr val="lt1"/>
-              </a:buClr>
-              <a:buSzPct val="25000"/>
-              <a:buFont typeface="Cabin"/>
-              <a:buNone/>
-            </a:pPr>
-            <a:r>
-              <a:rPr lang="en-US" sz="3600" b="0" i="0" u="none" strike="noStrike" cap="none">
-                <a:solidFill>
-                  <a:schemeClr val="lt1"/>
-                </a:solidFill>
-                <a:latin typeface="Cabin"/>
-                <a:ea typeface="Cabin"/>
-                <a:cs typeface="Cabin"/>
-                <a:sym typeface="Cabin"/>
-              </a:rPr>
-              <a:t>hello():</a:t>
-            </a:r>
-          </a:p>
-        </p:txBody>
-      </p:sp>
-    </p:spTree>
-    <p:extLst>
-      <p:ext uri="{BB962C8B-B14F-4D97-AF65-F5344CB8AC3E}">
-        <p14:creationId xmlns:p14="http://schemas.microsoft.com/office/powerpoint/2010/main" val="813838258"/>
-      </p:ext>
-    </p:extLst>
-  </p:cSld>
-  <p:clrMapOvr>
-    <a:masterClrMapping/>
-  </p:clrMapOvr>
-  <p:timing>
-    <p:tnLst>
-      <p:par>
-        <p:cTn id="1" dur="indefinite" restart="never" nodeType="tmRoot"/>
-      </p:par>
-    </p:tnLst>
-  </p:timing>
-</p:sld>
-</file>
-
-<file path=ppt/slides/slide13.xml><?xml version="1.0" encoding="utf-8"?>
-<p:sld xmlns:a="http://schemas.openxmlformats.org/drawingml/2006/main" xmlns:r="http://schemas.openxmlformats.org/officeDocument/2006/relationships" xmlns:p="http://schemas.openxmlformats.org/presentationml/2006/main">
-  <p:cSld>
-    <p:bg>
-      <p:bgPr>
-        <a:solidFill>
-          <a:schemeClr val="bg1"/>
-        </a:solidFill>
-        <a:effectLst/>
-      </p:bgPr>
-    </p:bg>
-    <p:spTree>
-      <p:nvGrpSpPr>
-        <p:cNvPr id="1" name="Shape 212"/>
-        <p:cNvGrpSpPr/>
-        <p:nvPr/>
-      </p:nvGrpSpPr>
-      <p:grpSpPr>
-        <a:xfrm>
-          <a:off x="0" y="0"/>
-          <a:ext cx="0" cy="0"/>
-          <a:chOff x="0" y="0"/>
-          <a:chExt cx="0" cy="0"/>
-        </a:xfrm>
-      </p:grpSpPr>
-      <p:sp>
-        <p:nvSpPr>
-          <p:cNvPr id="213" name="Shape 213"/>
-          <p:cNvSpPr txBox="1">
-            <a:spLocks noGrp="1"/>
-          </p:cNvSpPr>
-          <p:nvPr>
-            <p:ph type="title"/>
-          </p:nvPr>
-        </p:nvSpPr>
-        <p:spPr>
-          <a:xfrm>
-            <a:off x="1155700" y="241300"/>
-            <a:ext cx="13931900" cy="2298699"/>
-          </a:xfrm>
-          <a:prstGeom prst="rect">
-            <a:avLst/>
-          </a:prstGeom>
-          <a:noFill/>
-          <a:ln>
-            <a:noFill/>
-          </a:ln>
-        </p:spPr>
-        <p:txBody>
-          <a:bodyPr lIns="38100" tIns="38100" rIns="38100" bIns="38100" anchor="ctr" anchorCtr="0">
-            <a:noAutofit/>
-          </a:bodyPr>
-          <a:lstStyle/>
-          <a:p>
-            <a:r>
-              <a:rPr lang="ru-RU" sz="6600" dirty="0"/>
-              <a:t>Выброс </a:t>
-            </a:r>
-            <a:r>
-              <a:rPr lang="ru-RU" sz="6600" dirty="0" smtClean="0"/>
-              <a:t>исключения</a:t>
-            </a:r>
-            <a:endParaRPr lang="ru-RU" sz="6600" dirty="0"/>
-          </a:p>
-        </p:txBody>
-      </p:sp>
-      <p:sp>
-        <p:nvSpPr>
-          <p:cNvPr id="229" name="Shape 229"/>
-          <p:cNvSpPr txBox="1"/>
-          <p:nvPr/>
-        </p:nvSpPr>
-        <p:spPr>
-          <a:xfrm>
-            <a:off x="5038725" y="2997200"/>
-            <a:ext cx="1409700" cy="622299"/>
-          </a:xfrm>
-          <a:prstGeom prst="rect">
-            <a:avLst/>
-          </a:prstGeom>
-          <a:noFill/>
-          <a:ln>
-            <a:noFill/>
-          </a:ln>
-        </p:spPr>
-        <p:txBody>
-          <a:bodyPr lIns="0" tIns="0" rIns="0" bIns="0" anchor="ctr" anchorCtr="0">
-            <a:noAutofit/>
-          </a:bodyPr>
-          <a:lstStyle/>
-          <a:p>
-            <a:pPr marL="0" marR="0" lvl="0" indent="0" algn="ctr" rtl="0">
-              <a:lnSpc>
-                <a:spcPct val="100000"/>
-              </a:lnSpc>
-              <a:spcBef>
-                <a:spcPts val="0"/>
-              </a:spcBef>
-              <a:spcAft>
-                <a:spcPts val="0"/>
-              </a:spcAft>
-              <a:buClr>
-                <a:schemeClr val="lt1"/>
-              </a:buClr>
-              <a:buSzPct val="25000"/>
-              <a:buFont typeface="Cabin"/>
-              <a:buNone/>
-            </a:pPr>
-            <a:r>
-              <a:rPr lang="en-US" sz="3600" b="0" i="0" u="none" strike="noStrike" cap="none">
-                <a:solidFill>
-                  <a:schemeClr val="lt1"/>
-                </a:solidFill>
-                <a:latin typeface="Cabin"/>
-                <a:ea typeface="Cabin"/>
-                <a:cs typeface="Cabin"/>
-                <a:sym typeface="Cabin"/>
-              </a:rPr>
-              <a:t>hello():</a:t>
-            </a:r>
-          </a:p>
-        </p:txBody>
-      </p:sp>
-    </p:spTree>
-    <p:extLst>
-      <p:ext uri="{BB962C8B-B14F-4D97-AF65-F5344CB8AC3E}">
-        <p14:creationId xmlns:p14="http://schemas.microsoft.com/office/powerpoint/2010/main" val="1928126494"/>
-      </p:ext>
-    </p:extLst>
-  </p:cSld>
-  <p:clrMapOvr>
-    <a:masterClrMapping/>
-  </p:clrMapOvr>
-  <p:timing>
-    <p:tnLst>
-      <p:par>
-        <p:cTn id="1" dur="indefinite" restart="never" nodeType="tmRoot"/>
-      </p:par>
-    </p:tnLst>
-  </p:timing>
-</p:sld>
-</file>
-
-<file path=ppt/slides/slide14.xml><?xml version="1.0" encoding="utf-8"?>
-<p:sld xmlns:a="http://schemas.openxmlformats.org/drawingml/2006/main" xmlns:r="http://schemas.openxmlformats.org/officeDocument/2006/relationships" xmlns:p="http://schemas.openxmlformats.org/presentationml/2006/main">
-  <p:cSld>
-    <p:bg>
-      <p:bgPr>
-        <a:solidFill>
-          <a:schemeClr val="bg1"/>
-        </a:solidFill>
-        <a:effectLst/>
-      </p:bgPr>
-    </p:bg>
-    <p:spTree>
-      <p:nvGrpSpPr>
-        <p:cNvPr id="1" name="Shape 212"/>
-        <p:cNvGrpSpPr/>
-        <p:nvPr/>
-      </p:nvGrpSpPr>
-      <p:grpSpPr>
-        <a:xfrm>
-          <a:off x="0" y="0"/>
-          <a:ext cx="0" cy="0"/>
-          <a:chOff x="0" y="0"/>
-          <a:chExt cx="0" cy="0"/>
-        </a:xfrm>
-      </p:grpSpPr>
-      <p:sp>
-        <p:nvSpPr>
-          <p:cNvPr id="213" name="Shape 213"/>
-          <p:cNvSpPr txBox="1">
-            <a:spLocks noGrp="1"/>
-          </p:cNvSpPr>
-          <p:nvPr>
-            <p:ph type="title"/>
-          </p:nvPr>
-        </p:nvSpPr>
-        <p:spPr>
-          <a:xfrm>
-            <a:off x="1155700" y="241300"/>
-            <a:ext cx="13931900" cy="2298699"/>
-          </a:xfrm>
-          <a:prstGeom prst="rect">
-            <a:avLst/>
-          </a:prstGeom>
-          <a:noFill/>
-          <a:ln>
-            <a:noFill/>
-          </a:ln>
-        </p:spPr>
-        <p:txBody>
-          <a:bodyPr lIns="38100" tIns="38100" rIns="38100" bIns="38100" anchor="ctr" anchorCtr="0">
-            <a:noAutofit/>
-          </a:bodyPr>
-          <a:lstStyle/>
-          <a:p>
-            <a:r>
-              <a:rPr lang="ru-RU" sz="6600" dirty="0"/>
-              <a:t>Стандартные </a:t>
-            </a:r>
-            <a:r>
-              <a:rPr lang="ru-RU" sz="6600" dirty="0" smtClean="0"/>
-              <a:t>исключения</a:t>
-            </a:r>
-            <a:endParaRPr lang="ru-RU" sz="6600" dirty="0"/>
-          </a:p>
-        </p:txBody>
-      </p:sp>
-      <p:sp>
-        <p:nvSpPr>
-          <p:cNvPr id="229" name="Shape 229"/>
-          <p:cNvSpPr txBox="1"/>
-          <p:nvPr/>
-        </p:nvSpPr>
-        <p:spPr>
-          <a:xfrm>
-            <a:off x="5038725" y="2997200"/>
-            <a:ext cx="1409700" cy="622299"/>
-          </a:xfrm>
-          <a:prstGeom prst="rect">
-            <a:avLst/>
-          </a:prstGeom>
-          <a:noFill/>
-          <a:ln>
-            <a:noFill/>
-          </a:ln>
-        </p:spPr>
-        <p:txBody>
-          <a:bodyPr lIns="0" tIns="0" rIns="0" bIns="0" anchor="ctr" anchorCtr="0">
-            <a:noAutofit/>
-          </a:bodyPr>
-          <a:lstStyle/>
-          <a:p>
-            <a:pPr marL="0" marR="0" lvl="0" indent="0" algn="ctr" rtl="0">
-              <a:lnSpc>
-                <a:spcPct val="100000"/>
-              </a:lnSpc>
-              <a:spcBef>
-                <a:spcPts val="0"/>
-              </a:spcBef>
-              <a:spcAft>
-                <a:spcPts val="0"/>
-              </a:spcAft>
-              <a:buClr>
-                <a:schemeClr val="lt1"/>
-              </a:buClr>
-              <a:buSzPct val="25000"/>
-              <a:buFont typeface="Cabin"/>
-              <a:buNone/>
-            </a:pPr>
-            <a:r>
-              <a:rPr lang="en-US" sz="3600" b="0" i="0" u="none" strike="noStrike" cap="none">
-                <a:solidFill>
-                  <a:schemeClr val="lt1"/>
-                </a:solidFill>
-                <a:latin typeface="Cabin"/>
-                <a:ea typeface="Cabin"/>
-                <a:cs typeface="Cabin"/>
-                <a:sym typeface="Cabin"/>
-              </a:rPr>
-              <a:t>hello():</a:t>
-            </a:r>
-          </a:p>
-        </p:txBody>
-      </p:sp>
-    </p:spTree>
-    <p:extLst>
-      <p:ext uri="{BB962C8B-B14F-4D97-AF65-F5344CB8AC3E}">
-        <p14:creationId xmlns:p14="http://schemas.microsoft.com/office/powerpoint/2010/main" val="1499807822"/>
-      </p:ext>
-    </p:extLst>
-  </p:cSld>
-  <p:clrMapOvr>
-    <a:masterClrMapping/>
-  </p:clrMapOvr>
-  <p:timing>
-    <p:tnLst>
-      <p:par>
-        <p:cTn id="1" dur="indefinite" restart="never" nodeType="tmRoot"/>
-      </p:par>
-    </p:tnLst>
-  </p:timing>
-</p:sld>
-</file>
-
-<file path=ppt/slides/slide2.xml><?xml version="1.0" encoding="utf-8"?>
-<p:sld xmlns:a="http://schemas.openxmlformats.org/drawingml/2006/main" xmlns:r="http://schemas.openxmlformats.org/officeDocument/2006/relationships" xmlns:p="http://schemas.openxmlformats.org/presentationml/2006/main">
-  <p:cSld>
-    <p:bg>
-      <p:bgPr>
-        <a:solidFill>
-          <a:schemeClr val="bg1"/>
-        </a:solidFill>
-        <a:effectLst/>
-      </p:bgPr>
-    </p:bg>
-    <p:spTree>
-      <p:nvGrpSpPr>
-        <p:cNvPr id="1" name=""/>
-        <p:cNvGrpSpPr/>
-        <p:nvPr/>
-      </p:nvGrpSpPr>
-      <p:grpSpPr>
-        <a:xfrm>
-          <a:off x="0" y="0"/>
-          <a:ext cx="0" cy="0"/>
-          <a:chOff x="0" y="0"/>
-          <a:chExt cx="0" cy="0"/>
-        </a:xfrm>
-      </p:grpSpPr>
-      <p:sp>
-        <p:nvSpPr>
-          <p:cNvPr id="4" name="Заголовок 3"/>
-          <p:cNvSpPr>
-            <a:spLocks noGrp="1"/>
-          </p:cNvSpPr>
-          <p:nvPr>
-            <p:ph type="title"/>
-          </p:nvPr>
-        </p:nvSpPr>
-        <p:spPr>
-          <a:xfrm>
-            <a:off x="1155700" y="241301"/>
-            <a:ext cx="13931900" cy="698500"/>
-          </a:xfrm>
-        </p:spPr>
-        <p:txBody>
-          <a:bodyPr/>
-          <a:lstStyle/>
-          <a:p>
-            <a:r>
-              <a:rPr lang="ru-RU" sz="4400" dirty="0" smtClean="0"/>
-              <a:t>Вопросы</a:t>
-            </a:r>
-            <a:r>
-              <a:rPr lang="ru-RU" sz="3600" dirty="0" smtClean="0"/>
-              <a:t> </a:t>
-            </a:r>
-            <a:r>
-              <a:rPr lang="ru-RU" sz="4400" dirty="0" smtClean="0"/>
-              <a:t>на повторение</a:t>
-            </a:r>
-            <a:endParaRPr lang="ru-RU" sz="3600" dirty="0"/>
-          </a:p>
-        </p:txBody>
-      </p:sp>
-      <p:sp>
-        <p:nvSpPr>
-          <p:cNvPr id="5" name="Текст 4"/>
-          <p:cNvSpPr>
-            <a:spLocks noGrp="1"/>
-          </p:cNvSpPr>
-          <p:nvPr>
-            <p:ph type="body" idx="1"/>
-          </p:nvPr>
-        </p:nvSpPr>
-        <p:spPr>
-          <a:xfrm>
-            <a:off x="707923" y="1250147"/>
-            <a:ext cx="14379677" cy="7294274"/>
-          </a:xfrm>
-        </p:spPr>
-        <p:txBody>
-          <a:bodyPr>
-            <a:normAutofit/>
-          </a:bodyPr>
-          <a:lstStyle/>
-          <a:p>
-            <a:pPr marL="1083056" indent="-514350">
-              <a:lnSpc>
-                <a:spcPct val="150000"/>
-              </a:lnSpc>
-              <a:spcBef>
-                <a:spcPts val="0"/>
-              </a:spcBef>
-              <a:buClrTx/>
-              <a:buFont typeface="+mj-lt"/>
-              <a:buAutoNum type="arabicPeriod"/>
-            </a:pPr>
-            <a:endParaRPr lang="ru-RU" sz="2800" dirty="0" smtClean="0"/>
-          </a:p>
-        </p:txBody>
-      </p:sp>
-    </p:spTree>
-    <p:extLst>
-      <p:ext uri="{BB962C8B-B14F-4D97-AF65-F5344CB8AC3E}">
-        <p14:creationId xmlns:p14="http://schemas.microsoft.com/office/powerpoint/2010/main" val="2366502667"/>
-      </p:ext>
-    </p:extLst>
-  </p:cSld>
-  <p:clrMapOvr>
-    <a:masterClrMapping/>
-  </p:clrMapOvr>
-  <mc:AlternateContent xmlns:mc="http://schemas.openxmlformats.org/markup-compatibility/2006" xmlns:p14="http://schemas.microsoft.com/office/powerpoint/2010/main">
-    <mc:Choice Requires="p14">
-      <p:transition p14:dur="0"/>
-    </mc:Choice>
-    <mc:Fallback xmlns="">
-      <p:transition/>
-    </mc:Fallback>
-  </mc:AlternateContent>
-  <p:timing>
-    <p:tnLst>
-      <p:par>
-        <p:cTn id="1" dur="indefinite" restart="never" nodeType="tmRoot">
-          <p:childTnLst>
-            <p:seq concurrent="1" nextAc="seek">
-              <p:cTn id="2" dur="indefinite" nodeType="mainSeq">
-                <p:childTnLst>
-                  <p:par>
-                    <p:cTn id="3" fill="hold">
-                      <p:stCondLst>
-                        <p:cond delay="indefinite"/>
-                      </p:stCondLst>
-                      <p:childTnLst>
-                        <p:par>
-                          <p:cTn id="4" fill="hold">
-                            <p:stCondLst>
-                              <p:cond delay="0"/>
-                            </p:stCondLst>
-                            <p:childTnLst>
-                              <p:par>
-                                <p:cTn id="5" presetID="1" presetClass="entr" presetSubtype="0" fill="hold" nodeType="clickEffect" nodePh="1">
-                                  <p:stCondLst>
-                                    <p:cond delay="0"/>
-                                  </p:stCondLst>
-                                  <p:endCondLst>
-                                    <p:cond evt="begin" delay="0">
-                                      <p:tn val="5"/>
-                                    </p:cond>
-                                  </p:endCondLst>
-                                  <p:childTnLst>
-                                    <p:set>
-                                      <p:cBhvr>
-                                        <p:cTn id="6" dur="1" fill="hold">
-                                          <p:stCondLst>
-                                            <p:cond delay="0"/>
-                                          </p:stCondLst>
-                                        </p:cTn>
-                                        <p:tgtEl>
-                                          <p:spTgt spid="5">
-                                            <p:txEl>
-                                              <p:pRg st="0" end="0"/>
-                                            </p:txEl>
-                                          </p:spTgt>
-                                        </p:tgtEl>
-                                        <p:attrNameLst>
-                                          <p:attrName>style.visibility</p:attrName>
-                                        </p:attrNameLst>
-                                      </p:cBhvr>
-                                      <p:to>
-                                        <p:strVal val="visible"/>
-                                      </p:to>
-                                    </p:set>
-                                  </p:childTnLst>
-                                </p:cTn>
-                              </p:par>
-                            </p:childTnLst>
-                          </p:cTn>
-                        </p:par>
-                      </p:childTnLst>
-                    </p:cTn>
-                  </p:par>
-                </p:childTnLst>
-              </p:cTn>
-              <p:prevCondLst>
-                <p:cond evt="onPrev" delay="0">
-                  <p:tgtEl>
-                    <p:sldTgt/>
-                  </p:tgtEl>
-                </p:cond>
-              </p:prevCondLst>
-              <p:nextCondLst>
-                <p:cond evt="onNext" delay="0">
-                  <p:tgtEl>
-                    <p:sldTgt/>
-                  </p:tgtEl>
-                </p:cond>
-              </p:nextCondLst>
-            </p:seq>
-          </p:childTnLst>
-        </p:cTn>
-      </p:par>
-    </p:tnLst>
-  </p:timing>
-</p:sld>
-</file>
-
-<file path=ppt/slides/slide3.xml><?xml version="1.0" encoding="utf-8"?>
-<p:sld xmlns:a="http://schemas.openxmlformats.org/drawingml/2006/main" xmlns:r="http://schemas.openxmlformats.org/officeDocument/2006/relationships" xmlns:p="http://schemas.openxmlformats.org/presentationml/2006/main">
-  <p:cSld>
-    <p:bg>
-      <p:bgPr>
-        <a:solidFill>
-          <a:schemeClr val="bg1"/>
-        </a:solidFill>
-        <a:effectLst/>
-      </p:bgPr>
-    </p:bg>
-    <p:spTree>
-      <p:nvGrpSpPr>
-        <p:cNvPr id="1" name="Shape 397"/>
-        <p:cNvGrpSpPr/>
-        <p:nvPr/>
-      </p:nvGrpSpPr>
-      <p:grpSpPr>
-        <a:xfrm>
-          <a:off x="0" y="0"/>
-          <a:ext cx="0" cy="0"/>
-          <a:chOff x="0" y="0"/>
-          <a:chExt cx="0" cy="0"/>
-        </a:xfrm>
-      </p:grpSpPr>
-      <p:sp>
-        <p:nvSpPr>
-          <p:cNvPr id="398" name="Shape 398"/>
-          <p:cNvSpPr txBox="1"/>
-          <p:nvPr/>
-        </p:nvSpPr>
-        <p:spPr>
-          <a:xfrm>
-            <a:off x="749300" y="342900"/>
-            <a:ext cx="3692400" cy="660300"/>
-          </a:xfrm>
-          <a:prstGeom prst="rect">
-            <a:avLst/>
-          </a:prstGeom>
-          <a:noFill/>
-          <a:ln>
-            <a:noFill/>
-          </a:ln>
-        </p:spPr>
-        <p:txBody>
-          <a:bodyPr lIns="0" tIns="0" rIns="0" bIns="0" anchor="ctr" anchorCtr="0">
-            <a:noAutofit/>
-          </a:bodyPr>
-          <a:lstStyle/>
-          <a:p>
-            <a:pPr marL="0" marR="0" lvl="0" indent="0" algn="ctr" defTabSz="914400" rtl="0" eaLnBrk="1" fontAlgn="auto" latinLnBrk="0" hangingPunct="1">
-              <a:lnSpc>
-                <a:spcPct val="100000"/>
-              </a:lnSpc>
-              <a:spcBef>
-                <a:spcPts val="0"/>
-              </a:spcBef>
-              <a:spcAft>
-                <a:spcPts val="0"/>
-              </a:spcAft>
-              <a:buClr>
-                <a:srgbClr val="00FF00"/>
-              </a:buClr>
-              <a:buSzPct val="25000"/>
-              <a:buFont typeface="Cabin"/>
-              <a:buNone/>
-              <a:tabLst/>
-              <a:defRPr/>
-            </a:pPr>
-            <a:r>
-              <a:rPr kumimoji="0" lang="en-US" sz="3800" b="0" i="0" u="none" strike="noStrike" kern="0" cap="none" spc="0" normalizeH="0" baseline="0" noProof="0">
-                <a:ln>
-                  <a:noFill/>
-                </a:ln>
-                <a:solidFill>
-                  <a:srgbClr val="00FF00"/>
-                </a:solidFill>
-                <a:effectLst/>
-                <a:uLnTx/>
-                <a:uFillTx/>
-                <a:latin typeface="Cabin"/>
-                <a:ea typeface="Cabin"/>
-                <a:cs typeface="Cabin"/>
-                <a:sym typeface="Cabin"/>
-              </a:rPr>
-              <a:t>Упражнение</a:t>
-            </a:r>
-          </a:p>
-        </p:txBody>
-      </p:sp>
-      <p:sp>
-        <p:nvSpPr>
-          <p:cNvPr id="399" name="Shape 399"/>
-          <p:cNvSpPr txBox="1"/>
-          <p:nvPr/>
-        </p:nvSpPr>
-        <p:spPr>
-          <a:xfrm>
-            <a:off x="1755058" y="2000863"/>
-            <a:ext cx="13317794" cy="5815781"/>
-          </a:xfrm>
-          <a:prstGeom prst="rect">
-            <a:avLst/>
-          </a:prstGeom>
-          <a:noFill/>
-          <a:ln>
-            <a:noFill/>
-          </a:ln>
-        </p:spPr>
-        <p:txBody>
-          <a:bodyPr lIns="0" tIns="0" rIns="0" bIns="0" anchor="ctr" anchorCtr="0">
-            <a:noAutofit/>
-          </a:bodyPr>
-          <a:lstStyle/>
-          <a:p>
-            <a:pPr marL="0" marR="0" lvl="0" indent="0" algn="l" defTabSz="914400" rtl="0" eaLnBrk="1" fontAlgn="auto" latinLnBrk="0" hangingPunct="1">
-              <a:lnSpc>
-                <a:spcPct val="100000"/>
-              </a:lnSpc>
-              <a:spcBef>
-                <a:spcPts val="0"/>
-              </a:spcBef>
-              <a:spcAft>
-                <a:spcPts val="0"/>
-              </a:spcAft>
-              <a:buClr>
-                <a:srgbClr val="FFFFFF"/>
-              </a:buClr>
-              <a:buSzPct val="25000"/>
-              <a:buFontTx/>
-              <a:buNone/>
-              <a:tabLst/>
-              <a:defRPr/>
-            </a:pPr>
-            <a:r>
-              <a:rPr kumimoji="0" lang="en-US" sz="3400" b="0" i="0" u="none" strike="noStrike" kern="0" cap="none" spc="0" normalizeH="0" baseline="0" noProof="0" dirty="0" err="1" smtClean="0">
-                <a:ln>
-                  <a:noFill/>
-                </a:ln>
-                <a:solidFill>
-                  <a:srgbClr val="000000"/>
-                </a:solidFill>
-                <a:effectLst/>
-                <a:uLnTx/>
-                <a:uFillTx/>
-                <a:latin typeface="Cabin"/>
-                <a:ea typeface="Cabin"/>
-                <a:cs typeface="Cabin"/>
-                <a:sym typeface="Cabin"/>
-              </a:rPr>
-              <a:t>Cоздайте</a:t>
-            </a:r>
-            <a:r>
-              <a:rPr kumimoji="0" lang="en-US" sz="3400" b="0" i="0" u="none" strike="noStrike" kern="0" cap="none" spc="0" normalizeH="0" baseline="0" noProof="0" dirty="0" smtClean="0">
-                <a:ln>
-                  <a:noFill/>
-                </a:ln>
-                <a:solidFill>
-                  <a:srgbClr val="000000"/>
-                </a:solidFill>
-                <a:effectLst/>
-                <a:uLnTx/>
-                <a:uFillTx/>
-                <a:latin typeface="Cabin"/>
-                <a:ea typeface="Cabin"/>
-                <a:cs typeface="Cabin"/>
-                <a:sym typeface="Cabin"/>
-              </a:rPr>
-              <a:t> </a:t>
-            </a:r>
-            <a:r>
-              <a:rPr kumimoji="0" lang="en-US" sz="3400" b="0" i="0" u="none" strike="noStrike" kern="0" cap="none" spc="0" normalizeH="0" baseline="0" noProof="0" dirty="0" err="1">
-                <a:ln>
-                  <a:noFill/>
-                </a:ln>
-                <a:solidFill>
-                  <a:srgbClr val="000000"/>
-                </a:solidFill>
-                <a:effectLst/>
-                <a:uLnTx/>
-                <a:uFillTx/>
-                <a:latin typeface="Cabin"/>
-                <a:ea typeface="Cabin"/>
-                <a:cs typeface="Cabin"/>
-                <a:sym typeface="Cabin"/>
-              </a:rPr>
-              <a:t>функцию</a:t>
-            </a:r>
-            <a:r>
-              <a:rPr kumimoji="0" lang="en-US" sz="3400" b="0" i="0" u="none" strike="noStrike" kern="0" cap="none" spc="0" normalizeH="0" baseline="0" noProof="0" dirty="0">
-                <a:ln>
-                  <a:noFill/>
-                </a:ln>
-                <a:solidFill>
-                  <a:srgbClr val="000000"/>
-                </a:solidFill>
-                <a:effectLst/>
-                <a:uLnTx/>
-                <a:uFillTx/>
-                <a:latin typeface="Cabin"/>
-                <a:ea typeface="Cabin"/>
-                <a:cs typeface="Cabin"/>
-                <a:sym typeface="Cabin"/>
-              </a:rPr>
-              <a:t> </a:t>
-            </a:r>
-            <a:r>
-              <a:rPr kumimoji="0" lang="en-US" sz="3400" b="0" i="0" u="none" strike="noStrike" kern="0" cap="none" spc="0" normalizeH="0" baseline="0" noProof="0" dirty="0" err="1">
-                <a:ln>
-                  <a:noFill/>
-                </a:ln>
-                <a:solidFill>
-                  <a:srgbClr val="000000"/>
-                </a:solidFill>
-                <a:effectLst/>
-                <a:uLnTx/>
-                <a:uFillTx/>
-                <a:latin typeface="Cabin"/>
-                <a:ea typeface="Cabin"/>
-                <a:cs typeface="Cabin"/>
-                <a:sym typeface="Cabin"/>
-              </a:rPr>
-              <a:t>под</a:t>
-            </a:r>
-            <a:r>
-              <a:rPr kumimoji="0" lang="en-US" sz="3400" b="0" i="0" u="none" strike="noStrike" kern="0" cap="none" spc="0" normalizeH="0" baseline="0" noProof="0" dirty="0">
-                <a:ln>
-                  <a:noFill/>
-                </a:ln>
-                <a:solidFill>
-                  <a:srgbClr val="000000"/>
-                </a:solidFill>
-                <a:effectLst/>
-                <a:uLnTx/>
-                <a:uFillTx/>
-                <a:latin typeface="Cabin"/>
-                <a:ea typeface="Cabin"/>
-                <a:cs typeface="Cabin"/>
-                <a:sym typeface="Cabin"/>
-              </a:rPr>
-              <a:t> </a:t>
-            </a:r>
-            <a:r>
-              <a:rPr kumimoji="0" lang="en-US" sz="3400" b="0" i="0" u="none" strike="noStrike" kern="0" cap="none" spc="0" normalizeH="0" baseline="0" noProof="0" dirty="0" err="1">
-                <a:ln>
-                  <a:noFill/>
-                </a:ln>
-                <a:solidFill>
-                  <a:srgbClr val="000000"/>
-                </a:solidFill>
-                <a:effectLst/>
-                <a:uLnTx/>
-                <a:uFillTx/>
-                <a:latin typeface="Cabin"/>
-                <a:ea typeface="Cabin"/>
-                <a:cs typeface="Cabin"/>
-                <a:sym typeface="Cabin"/>
-              </a:rPr>
-              <a:t>названием</a:t>
-            </a:r>
-            <a:r>
-              <a:rPr kumimoji="0" lang="en-US" sz="3400" b="0" i="0" u="none" strike="noStrike" kern="0" cap="none" spc="0" normalizeH="0" baseline="0" noProof="0" dirty="0">
-                <a:ln>
-                  <a:noFill/>
-                </a:ln>
-                <a:solidFill>
-                  <a:srgbClr val="000000"/>
-                </a:solidFill>
-                <a:effectLst/>
-                <a:uLnTx/>
-                <a:uFillTx/>
-                <a:latin typeface="Cabin"/>
-                <a:ea typeface="Cabin"/>
-                <a:cs typeface="Cabin"/>
-                <a:sym typeface="Cabin"/>
-              </a:rPr>
-              <a:t> </a:t>
-            </a:r>
-            <a:r>
-              <a:rPr kumimoji="0" lang="en-US" sz="3400" b="0" i="0" u="none" strike="noStrike" kern="0" cap="none" spc="0" normalizeH="0" baseline="0" noProof="0" dirty="0" err="1">
-                <a:ln>
-                  <a:noFill/>
-                </a:ln>
-                <a:solidFill>
-                  <a:srgbClr val="00FF00"/>
-                </a:solidFill>
-                <a:effectLst/>
-                <a:uLnTx/>
-                <a:uFillTx/>
-                <a:latin typeface="Cabin"/>
-                <a:ea typeface="Cabin"/>
-                <a:cs typeface="Cabin"/>
-                <a:sym typeface="Cabin"/>
-              </a:rPr>
-              <a:t>computepay</a:t>
-            </a:r>
-            <a:r>
-              <a:rPr kumimoji="0" lang="en-US" sz="3400" b="0" i="0" u="none" strike="noStrike" kern="0" cap="none" spc="0" normalizeH="0" baseline="0" noProof="0" dirty="0">
-                <a:ln>
-                  <a:noFill/>
-                </a:ln>
-                <a:solidFill>
-                  <a:srgbClr val="000000"/>
-                </a:solidFill>
-                <a:effectLst/>
-                <a:uLnTx/>
-                <a:uFillTx/>
-                <a:latin typeface="Cabin"/>
-                <a:ea typeface="Cabin"/>
-                <a:cs typeface="Cabin"/>
-                <a:sym typeface="Cabin"/>
-              </a:rPr>
-              <a:t>, </a:t>
-            </a:r>
-            <a:r>
-              <a:rPr kumimoji="0" lang="en-US" sz="3400" b="0" i="0" u="none" strike="noStrike" kern="0" cap="none" spc="0" normalizeH="0" baseline="0" noProof="0" dirty="0" err="1">
-                <a:ln>
-                  <a:noFill/>
-                </a:ln>
-                <a:solidFill>
-                  <a:srgbClr val="000000"/>
-                </a:solidFill>
-                <a:effectLst/>
-                <a:uLnTx/>
-                <a:uFillTx/>
-                <a:latin typeface="Cabin"/>
-                <a:ea typeface="Cabin"/>
-                <a:cs typeface="Cabin"/>
-                <a:sym typeface="Cabin"/>
-              </a:rPr>
-              <a:t>которая</a:t>
-            </a:r>
-            <a:r>
-              <a:rPr kumimoji="0" lang="en-US" sz="3400" b="0" i="0" u="none" strike="noStrike" kern="0" cap="none" spc="0" normalizeH="0" baseline="0" noProof="0" dirty="0">
-                <a:ln>
-                  <a:noFill/>
-                </a:ln>
-                <a:solidFill>
-                  <a:srgbClr val="000000"/>
-                </a:solidFill>
-                <a:effectLst/>
-                <a:uLnTx/>
-                <a:uFillTx/>
-                <a:latin typeface="Cabin"/>
-                <a:ea typeface="Cabin"/>
-                <a:cs typeface="Cabin"/>
-                <a:sym typeface="Cabin"/>
-              </a:rPr>
-              <a:t> </a:t>
-            </a:r>
-            <a:r>
-              <a:rPr kumimoji="0" lang="en-US" sz="3400" b="0" i="0" u="none" strike="noStrike" kern="0" cap="none" spc="0" normalizeH="0" baseline="0" noProof="0" dirty="0" err="1">
-                <a:ln>
-                  <a:noFill/>
-                </a:ln>
-                <a:solidFill>
-                  <a:srgbClr val="000000"/>
-                </a:solidFill>
-                <a:effectLst/>
-                <a:uLnTx/>
-                <a:uFillTx/>
-                <a:latin typeface="Cabin"/>
-                <a:ea typeface="Cabin"/>
-                <a:cs typeface="Cabin"/>
-                <a:sym typeface="Cabin"/>
-              </a:rPr>
-              <a:t>принимает</a:t>
-            </a:r>
-            <a:r>
-              <a:rPr kumimoji="0" lang="en-US" sz="3400" b="0" i="0" u="none" strike="noStrike" kern="0" cap="none" spc="0" normalizeH="0" baseline="0" noProof="0" dirty="0">
-                <a:ln>
-                  <a:noFill/>
-                </a:ln>
-                <a:solidFill>
-                  <a:srgbClr val="000000"/>
-                </a:solidFill>
-                <a:effectLst/>
-                <a:uLnTx/>
-                <a:uFillTx/>
-                <a:latin typeface="Cabin"/>
-                <a:ea typeface="Cabin"/>
-                <a:cs typeface="Cabin"/>
-                <a:sym typeface="Cabin"/>
-              </a:rPr>
-              <a:t> </a:t>
-            </a:r>
-            <a:r>
-              <a:rPr kumimoji="0" lang="en-US" sz="3400" b="0" i="0" u="none" strike="noStrike" kern="0" cap="none" spc="0" normalizeH="0" baseline="0" noProof="0" dirty="0" err="1">
-                <a:ln>
-                  <a:noFill/>
-                </a:ln>
-                <a:solidFill>
-                  <a:srgbClr val="000000"/>
-                </a:solidFill>
-                <a:effectLst/>
-                <a:uLnTx/>
-                <a:uFillTx/>
-                <a:latin typeface="Cabin"/>
-                <a:ea typeface="Cabin"/>
-                <a:cs typeface="Cabin"/>
-                <a:sym typeface="Cabin"/>
-              </a:rPr>
-              <a:t>два</a:t>
-            </a:r>
-            <a:r>
-              <a:rPr kumimoji="0" lang="en-US" sz="3400" b="0" i="0" u="none" strike="noStrike" kern="0" cap="none" spc="0" normalizeH="0" baseline="0" noProof="0" dirty="0">
-                <a:ln>
-                  <a:noFill/>
-                </a:ln>
-                <a:solidFill>
-                  <a:srgbClr val="000000"/>
-                </a:solidFill>
-                <a:effectLst/>
-                <a:uLnTx/>
-                <a:uFillTx/>
-                <a:latin typeface="Cabin"/>
-                <a:ea typeface="Cabin"/>
-                <a:cs typeface="Cabin"/>
-                <a:sym typeface="Cabin"/>
-              </a:rPr>
-              <a:t> </a:t>
-            </a:r>
-            <a:r>
-              <a:rPr kumimoji="0" lang="en-US" sz="3400" b="0" i="0" u="none" strike="noStrike" kern="0" cap="none" spc="0" normalizeH="0" baseline="0" noProof="0" dirty="0" err="1">
-                <a:ln>
-                  <a:noFill/>
-                </a:ln>
-                <a:solidFill>
-                  <a:srgbClr val="000000"/>
-                </a:solidFill>
-                <a:effectLst/>
-                <a:uLnTx/>
-                <a:uFillTx/>
-                <a:latin typeface="Cabin"/>
-                <a:ea typeface="Cabin"/>
-                <a:cs typeface="Cabin"/>
-                <a:sym typeface="Cabin"/>
-              </a:rPr>
-              <a:t>параметра</a:t>
-            </a:r>
-            <a:r>
-              <a:rPr kumimoji="0" lang="en-US" sz="3400" b="0" i="0" u="none" strike="noStrike" kern="0" cap="none" spc="0" normalizeH="0" baseline="0" noProof="0" dirty="0">
-                <a:ln>
-                  <a:noFill/>
-                </a:ln>
-                <a:solidFill>
-                  <a:srgbClr val="000000"/>
-                </a:solidFill>
-                <a:effectLst/>
-                <a:uLnTx/>
-                <a:uFillTx/>
-                <a:latin typeface="Cabin"/>
-                <a:ea typeface="Cabin"/>
-                <a:cs typeface="Cabin"/>
-                <a:sym typeface="Cabin"/>
-              </a:rPr>
-              <a:t> (</a:t>
-            </a:r>
-            <a:r>
-              <a:rPr kumimoji="0" lang="en-US" sz="3400" b="0" i="0" u="none" strike="noStrike" kern="0" cap="none" spc="0" normalizeH="0" baseline="0" noProof="0" dirty="0" err="1">
-                <a:ln>
-                  <a:noFill/>
-                </a:ln>
-                <a:solidFill>
-                  <a:srgbClr val="000000"/>
-                </a:solidFill>
-                <a:effectLst/>
-                <a:uLnTx/>
-                <a:uFillTx/>
-                <a:latin typeface="Cabin"/>
-                <a:ea typeface="Cabin"/>
-                <a:cs typeface="Cabin"/>
-                <a:sym typeface="Cabin"/>
-              </a:rPr>
-              <a:t>часы</a:t>
-            </a:r>
-            <a:r>
-              <a:rPr kumimoji="0" lang="en-US" sz="3400" b="0" i="0" u="none" strike="noStrike" kern="0" cap="none" spc="0" normalizeH="0" baseline="0" noProof="0" dirty="0">
-                <a:ln>
-                  <a:noFill/>
-                </a:ln>
-                <a:solidFill>
-                  <a:srgbClr val="000000"/>
-                </a:solidFill>
-                <a:effectLst/>
-                <a:uLnTx/>
-                <a:uFillTx/>
-                <a:latin typeface="Cabin"/>
-                <a:ea typeface="Cabin"/>
-                <a:cs typeface="Cabin"/>
-                <a:sym typeface="Cabin"/>
-              </a:rPr>
-              <a:t> и </a:t>
-            </a:r>
-            <a:r>
-              <a:rPr kumimoji="0" lang="en-US" sz="3400" b="0" i="0" u="none" strike="noStrike" kern="0" cap="none" spc="0" normalizeH="0" baseline="0" noProof="0" dirty="0" err="1">
-                <a:ln>
-                  <a:noFill/>
-                </a:ln>
-                <a:solidFill>
-                  <a:srgbClr val="000000"/>
-                </a:solidFill>
-                <a:effectLst/>
-                <a:uLnTx/>
-                <a:uFillTx/>
-                <a:latin typeface="Cabin"/>
-                <a:ea typeface="Cabin"/>
-                <a:cs typeface="Cabin"/>
-                <a:sym typeface="Cabin"/>
-              </a:rPr>
-              <a:t>ставка</a:t>
-            </a:r>
-            <a:r>
-              <a:rPr kumimoji="0" lang="en-US" sz="3400" b="0" i="0" u="none" strike="noStrike" kern="0" cap="none" spc="0" normalizeH="0" baseline="0" noProof="0" dirty="0">
-                <a:ln>
-                  <a:noFill/>
-                </a:ln>
-                <a:solidFill>
-                  <a:srgbClr val="000000"/>
-                </a:solidFill>
-                <a:effectLst/>
-                <a:uLnTx/>
-                <a:uFillTx/>
-                <a:latin typeface="Cabin"/>
-                <a:ea typeface="Cabin"/>
-                <a:cs typeface="Cabin"/>
-                <a:sym typeface="Cabin"/>
-              </a:rPr>
-              <a:t>). </a:t>
-            </a:r>
-            <a:r>
-              <a:rPr kumimoji="0" lang="ru-RU" sz="3400" b="0" i="0" u="none" strike="noStrike" kern="0" cap="none" spc="0" normalizeH="0" baseline="0" noProof="0" dirty="0" smtClean="0">
-                <a:ln>
-                  <a:noFill/>
-                </a:ln>
-                <a:solidFill>
-                  <a:srgbClr val="000000"/>
-                </a:solidFill>
-                <a:effectLst/>
-                <a:uLnTx/>
-                <a:uFillTx/>
-                <a:latin typeface="Cabin"/>
-                <a:ea typeface="Cabin"/>
-                <a:cs typeface="Cabin"/>
-                <a:sym typeface="Cabin"/>
-              </a:rPr>
-              <a:t>Расчет </a:t>
-            </a:r>
-            <a:r>
-              <a:rPr kumimoji="0" lang="en-US" sz="3400" b="0" i="0" u="none" strike="noStrike" kern="0" cap="none" spc="0" normalizeH="0" baseline="0" noProof="0" dirty="0" err="1" smtClean="0">
-                <a:ln>
-                  <a:noFill/>
-                </a:ln>
-                <a:solidFill>
-                  <a:srgbClr val="000000"/>
-                </a:solidFill>
-                <a:effectLst/>
-                <a:uLnTx/>
-                <a:uFillTx/>
-                <a:latin typeface="Cabin"/>
-                <a:ea typeface="Cabin"/>
-                <a:cs typeface="Cabin"/>
-                <a:sym typeface="Cabin"/>
-              </a:rPr>
-              <a:t>заработной</a:t>
-            </a:r>
-            <a:r>
-              <a:rPr kumimoji="0" lang="en-US" sz="3400" b="0" i="0" u="none" strike="noStrike" kern="0" cap="none" spc="0" normalizeH="0" baseline="0" noProof="0" dirty="0" smtClean="0">
-                <a:ln>
-                  <a:noFill/>
-                </a:ln>
-                <a:solidFill>
-                  <a:srgbClr val="000000"/>
-                </a:solidFill>
-                <a:effectLst/>
-                <a:uLnTx/>
-                <a:uFillTx/>
-                <a:latin typeface="Cabin"/>
-                <a:ea typeface="Cabin"/>
-                <a:cs typeface="Cabin"/>
-                <a:sym typeface="Cabin"/>
-              </a:rPr>
-              <a:t> </a:t>
-            </a:r>
-            <a:r>
-              <a:rPr kumimoji="0" lang="en-US" sz="3400" b="0" i="0" u="none" strike="noStrike" kern="0" cap="none" spc="0" normalizeH="0" baseline="0" noProof="0" dirty="0" err="1" smtClean="0">
-                <a:ln>
-                  <a:noFill/>
-                </a:ln>
-                <a:solidFill>
-                  <a:srgbClr val="000000"/>
-                </a:solidFill>
-                <a:effectLst/>
-                <a:uLnTx/>
-                <a:uFillTx/>
-                <a:latin typeface="Cabin"/>
-                <a:ea typeface="Cabin"/>
-                <a:cs typeface="Cabin"/>
-                <a:sym typeface="Cabin"/>
-              </a:rPr>
-              <a:t>платы</a:t>
-            </a:r>
-            <a:r>
-              <a:rPr kumimoji="0" lang="ru-RU" sz="3400" b="0" i="0" u="none" strike="noStrike" kern="0" cap="none" spc="0" normalizeH="0" baseline="0" noProof="0" dirty="0" smtClean="0">
-                <a:ln>
-                  <a:noFill/>
-                </a:ln>
-                <a:solidFill>
-                  <a:srgbClr val="000000"/>
-                </a:solidFill>
-                <a:effectLst/>
-                <a:uLnTx/>
-                <a:uFillTx/>
-                <a:latin typeface="Cabin"/>
-                <a:ea typeface="Cabin"/>
-                <a:cs typeface="Cabin"/>
-                <a:sym typeface="Cabin"/>
-              </a:rPr>
-              <a:t> производится</a:t>
-            </a:r>
-            <a:r>
-              <a:rPr kumimoji="0" lang="en-US" sz="3400" b="0" i="0" u="none" strike="noStrike" kern="0" cap="none" spc="0" normalizeH="0" baseline="0" noProof="0" dirty="0" smtClean="0">
-                <a:ln>
-                  <a:noFill/>
-                </a:ln>
-                <a:solidFill>
-                  <a:srgbClr val="000000"/>
-                </a:solidFill>
-                <a:effectLst/>
-                <a:uLnTx/>
-                <a:uFillTx/>
-                <a:latin typeface="Cabin"/>
-                <a:ea typeface="Cabin"/>
-                <a:cs typeface="Cabin"/>
-                <a:sym typeface="Cabin"/>
-              </a:rPr>
-              <a:t> </a:t>
-            </a:r>
-            <a:r>
-              <a:rPr kumimoji="0" lang="en-US" sz="3400" b="0" i="0" u="none" strike="noStrike" kern="0" cap="none" spc="0" normalizeH="0" baseline="0" noProof="0" dirty="0">
-                <a:ln>
-                  <a:noFill/>
-                </a:ln>
-                <a:solidFill>
-                  <a:srgbClr val="000000"/>
-                </a:solidFill>
-                <a:effectLst/>
-                <a:uLnTx/>
-                <a:uFillTx/>
-                <a:latin typeface="Cabin"/>
-                <a:ea typeface="Cabin"/>
-                <a:cs typeface="Cabin"/>
-                <a:sym typeface="Cabin"/>
-              </a:rPr>
-              <a:t>с </a:t>
-            </a:r>
-            <a:r>
-              <a:rPr kumimoji="0" lang="en-US" sz="3400" b="0" i="0" u="none" strike="noStrike" kern="0" cap="none" spc="0" normalizeH="0" baseline="0" noProof="0" dirty="0" err="1">
-                <a:ln>
-                  <a:noFill/>
-                </a:ln>
-                <a:solidFill>
-                  <a:srgbClr val="000000"/>
-                </a:solidFill>
-                <a:effectLst/>
-                <a:uLnTx/>
-                <a:uFillTx/>
-                <a:latin typeface="Cabin"/>
-                <a:ea typeface="Cabin"/>
-                <a:cs typeface="Cabin"/>
-                <a:sym typeface="Cabin"/>
-              </a:rPr>
-              <a:t>учетом</a:t>
-            </a:r>
-            <a:r>
-              <a:rPr kumimoji="0" lang="en-US" sz="3400" b="0" i="0" u="none" strike="noStrike" kern="0" cap="none" spc="0" normalizeH="0" baseline="0" noProof="0" dirty="0">
-                <a:ln>
-                  <a:noFill/>
-                </a:ln>
-                <a:solidFill>
-                  <a:srgbClr val="000000"/>
-                </a:solidFill>
-                <a:effectLst/>
-                <a:uLnTx/>
-                <a:uFillTx/>
-                <a:latin typeface="Cabin"/>
-                <a:ea typeface="Cabin"/>
-                <a:cs typeface="Cabin"/>
-                <a:sym typeface="Cabin"/>
-              </a:rPr>
-              <a:t> </a:t>
-            </a:r>
-            <a:r>
-              <a:rPr kumimoji="0" lang="en-US" sz="3400" b="0" i="0" u="none" strike="noStrike" kern="0" cap="none" spc="0" normalizeH="0" baseline="0" noProof="0" dirty="0" err="1">
-                <a:ln>
-                  <a:noFill/>
-                </a:ln>
-                <a:solidFill>
-                  <a:srgbClr val="000000"/>
-                </a:solidFill>
-                <a:effectLst/>
-                <a:uLnTx/>
-                <a:uFillTx/>
-                <a:latin typeface="Cabin"/>
-                <a:ea typeface="Cabin"/>
-                <a:cs typeface="Cabin"/>
-                <a:sym typeface="Cabin"/>
-              </a:rPr>
-              <a:t>того</a:t>
-            </a:r>
-            <a:r>
-              <a:rPr kumimoji="0" lang="en-US" sz="3400" b="0" i="0" u="none" strike="noStrike" kern="0" cap="none" spc="0" normalizeH="0" baseline="0" noProof="0" dirty="0">
-                <a:ln>
-                  <a:noFill/>
-                </a:ln>
-                <a:solidFill>
-                  <a:srgbClr val="000000"/>
-                </a:solidFill>
-                <a:effectLst/>
-                <a:uLnTx/>
-                <a:uFillTx/>
-                <a:latin typeface="Cabin"/>
-                <a:ea typeface="Cabin"/>
-                <a:cs typeface="Cabin"/>
-                <a:sym typeface="Cabin"/>
-              </a:rPr>
-              <a:t>, </a:t>
-            </a:r>
-            <a:r>
-              <a:rPr kumimoji="0" lang="en-US" sz="3400" b="0" i="0" u="none" strike="noStrike" kern="0" cap="none" spc="0" normalizeH="0" baseline="0" noProof="0" dirty="0" err="1">
-                <a:ln>
-                  <a:noFill/>
-                </a:ln>
-                <a:solidFill>
-                  <a:srgbClr val="000000"/>
-                </a:solidFill>
-                <a:effectLst/>
-                <a:uLnTx/>
-                <a:uFillTx/>
-                <a:latin typeface="Cabin"/>
-                <a:ea typeface="Cabin"/>
-                <a:cs typeface="Cabin"/>
-                <a:sym typeface="Cabin"/>
-              </a:rPr>
-              <a:t>что</a:t>
-            </a:r>
-            <a:r>
-              <a:rPr kumimoji="0" lang="en-US" sz="3400" b="0" i="0" u="none" strike="noStrike" kern="0" cap="none" spc="0" normalizeH="0" baseline="0" noProof="0" dirty="0">
-                <a:ln>
-                  <a:noFill/>
-                </a:ln>
-                <a:solidFill>
-                  <a:srgbClr val="000000"/>
-                </a:solidFill>
-                <a:effectLst/>
-                <a:uLnTx/>
-                <a:uFillTx/>
-                <a:latin typeface="Cabin"/>
-                <a:ea typeface="Cabin"/>
-                <a:cs typeface="Cabin"/>
-                <a:sym typeface="Cabin"/>
-              </a:rPr>
-              <a:t> </a:t>
-            </a:r>
-            <a:r>
-              <a:rPr kumimoji="0" lang="en-US" sz="3400" b="0" i="0" u="none" strike="noStrike" kern="0" cap="none" spc="0" normalizeH="0" baseline="0" noProof="0" dirty="0" err="1">
-                <a:ln>
-                  <a:noFill/>
-                </a:ln>
-                <a:solidFill>
-                  <a:srgbClr val="000000"/>
-                </a:solidFill>
-                <a:effectLst/>
-                <a:uLnTx/>
-                <a:uFillTx/>
-                <a:latin typeface="Cabin"/>
-                <a:ea typeface="Cabin"/>
-                <a:cs typeface="Cabin"/>
-                <a:sym typeface="Cabin"/>
-              </a:rPr>
-              <a:t>ставка</a:t>
-            </a:r>
-            <a:r>
-              <a:rPr kumimoji="0" lang="en-US" sz="3400" b="0" i="0" u="none" strike="noStrike" kern="0" cap="none" spc="0" normalizeH="0" baseline="0" noProof="0" dirty="0">
-                <a:ln>
-                  <a:noFill/>
-                </a:ln>
-                <a:solidFill>
-                  <a:srgbClr val="000000"/>
-                </a:solidFill>
-                <a:effectLst/>
-                <a:uLnTx/>
-                <a:uFillTx/>
-                <a:latin typeface="Cabin"/>
-                <a:ea typeface="Cabin"/>
-                <a:cs typeface="Cabin"/>
-                <a:sym typeface="Cabin"/>
-              </a:rPr>
-              <a:t> </a:t>
-            </a:r>
-            <a:r>
-              <a:rPr kumimoji="0" lang="en-US" sz="3400" b="0" i="0" u="none" strike="noStrike" kern="0" cap="none" spc="0" normalizeH="0" baseline="0" noProof="0" dirty="0" err="1">
-                <a:ln>
-                  <a:noFill/>
-                </a:ln>
-                <a:solidFill>
-                  <a:srgbClr val="000000"/>
-                </a:solidFill>
-                <a:effectLst/>
-                <a:uLnTx/>
-                <a:uFillTx/>
-                <a:latin typeface="Cabin"/>
-                <a:ea typeface="Cabin"/>
-                <a:cs typeface="Cabin"/>
-                <a:sym typeface="Cabin"/>
-              </a:rPr>
-              <a:t>за</a:t>
-            </a:r>
-            <a:r>
-              <a:rPr kumimoji="0" lang="en-US" sz="3400" b="0" i="0" u="none" strike="noStrike" kern="0" cap="none" spc="0" normalizeH="0" baseline="0" noProof="0" dirty="0">
-                <a:ln>
-                  <a:noFill/>
-                </a:ln>
-                <a:solidFill>
-                  <a:srgbClr val="000000"/>
-                </a:solidFill>
-                <a:effectLst/>
-                <a:uLnTx/>
-                <a:uFillTx/>
-                <a:latin typeface="Cabin"/>
-                <a:ea typeface="Cabin"/>
-                <a:cs typeface="Cabin"/>
-                <a:sym typeface="Cabin"/>
-              </a:rPr>
-              <a:t> </a:t>
-            </a:r>
-            <a:r>
-              <a:rPr kumimoji="0" lang="en-US" sz="3400" b="0" i="0" u="none" strike="noStrike" kern="0" cap="none" spc="0" normalizeH="0" baseline="0" noProof="0" dirty="0" err="1">
-                <a:ln>
-                  <a:noFill/>
-                </a:ln>
-                <a:solidFill>
-                  <a:srgbClr val="000000"/>
-                </a:solidFill>
-                <a:effectLst/>
-                <a:uLnTx/>
-                <a:uFillTx/>
-                <a:latin typeface="Cabin"/>
-                <a:ea typeface="Cabin"/>
-                <a:cs typeface="Cabin"/>
-                <a:sym typeface="Cabin"/>
-              </a:rPr>
-              <a:t>сверхурочные</a:t>
-            </a:r>
-            <a:r>
-              <a:rPr kumimoji="0" lang="en-US" sz="3400" b="0" i="0" u="none" strike="noStrike" kern="0" cap="none" spc="0" normalizeH="0" baseline="0" noProof="0" dirty="0">
-                <a:ln>
-                  <a:noFill/>
-                </a:ln>
-                <a:solidFill>
-                  <a:srgbClr val="000000"/>
-                </a:solidFill>
-                <a:effectLst/>
-                <a:uLnTx/>
-                <a:uFillTx/>
-                <a:latin typeface="Cabin"/>
-                <a:ea typeface="Cabin"/>
-                <a:cs typeface="Cabin"/>
-                <a:sym typeface="Cabin"/>
-              </a:rPr>
-              <a:t> </a:t>
-            </a:r>
-            <a:r>
-              <a:rPr kumimoji="0" lang="en-US" sz="3400" b="0" i="0" u="none" strike="noStrike" kern="0" cap="none" spc="0" normalizeH="0" baseline="0" noProof="0" dirty="0" err="1">
-                <a:ln>
-                  <a:noFill/>
-                </a:ln>
-                <a:solidFill>
-                  <a:srgbClr val="000000"/>
-                </a:solidFill>
-                <a:effectLst/>
-                <a:uLnTx/>
-                <a:uFillTx/>
-                <a:latin typeface="Cabin"/>
-                <a:ea typeface="Cabin"/>
-                <a:cs typeface="Cabin"/>
-                <a:sym typeface="Cabin"/>
-              </a:rPr>
-              <a:t>часы</a:t>
-            </a:r>
-            <a:r>
-              <a:rPr kumimoji="0" lang="en-US" sz="3400" b="0" i="0" u="none" strike="noStrike" kern="0" cap="none" spc="0" normalizeH="0" baseline="0" noProof="0" dirty="0">
-                <a:ln>
-                  <a:noFill/>
-                </a:ln>
-                <a:solidFill>
-                  <a:srgbClr val="000000"/>
-                </a:solidFill>
-                <a:effectLst/>
-                <a:uLnTx/>
-                <a:uFillTx/>
-                <a:latin typeface="Cabin"/>
-                <a:ea typeface="Cabin"/>
-                <a:cs typeface="Cabin"/>
-                <a:sym typeface="Cabin"/>
-              </a:rPr>
-              <a:t> в </a:t>
-            </a:r>
-            <a:r>
-              <a:rPr kumimoji="0" lang="en-US" sz="3400" b="0" i="0" u="none" strike="noStrike" kern="0" cap="none" spc="0" normalizeH="0" baseline="0" noProof="0" dirty="0" err="1">
-                <a:ln>
-                  <a:noFill/>
-                </a:ln>
-                <a:solidFill>
-                  <a:srgbClr val="000000"/>
-                </a:solidFill>
-                <a:effectLst/>
-                <a:uLnTx/>
-                <a:uFillTx/>
-                <a:latin typeface="Cabin"/>
-                <a:ea typeface="Cabin"/>
-                <a:cs typeface="Cabin"/>
-                <a:sym typeface="Cabin"/>
-              </a:rPr>
-              <a:t>полтора</a:t>
-            </a:r>
-            <a:r>
-              <a:rPr kumimoji="0" lang="en-US" sz="3400" b="0" i="0" u="none" strike="noStrike" kern="0" cap="none" spc="0" normalizeH="0" baseline="0" noProof="0" dirty="0">
-                <a:ln>
-                  <a:noFill/>
-                </a:ln>
-                <a:solidFill>
-                  <a:srgbClr val="000000"/>
-                </a:solidFill>
-                <a:effectLst/>
-                <a:uLnTx/>
-                <a:uFillTx/>
-                <a:latin typeface="Cabin"/>
-                <a:ea typeface="Cabin"/>
-                <a:cs typeface="Cabin"/>
-                <a:sym typeface="Cabin"/>
-              </a:rPr>
-              <a:t> </a:t>
-            </a:r>
-            <a:r>
-              <a:rPr kumimoji="0" lang="en-US" sz="3400" b="0" i="0" u="none" strike="noStrike" kern="0" cap="none" spc="0" normalizeH="0" baseline="0" noProof="0" dirty="0" err="1">
-                <a:ln>
-                  <a:noFill/>
-                </a:ln>
-                <a:solidFill>
-                  <a:srgbClr val="000000"/>
-                </a:solidFill>
-                <a:effectLst/>
-                <a:uLnTx/>
-                <a:uFillTx/>
-                <a:latin typeface="Cabin"/>
-                <a:ea typeface="Cabin"/>
-                <a:cs typeface="Cabin"/>
-                <a:sym typeface="Cabin"/>
-              </a:rPr>
-              <a:t>раза</a:t>
-            </a:r>
-            <a:r>
-              <a:rPr kumimoji="0" lang="en-US" sz="3400" b="0" i="0" u="none" strike="noStrike" kern="0" cap="none" spc="0" normalizeH="0" baseline="0" noProof="0" dirty="0">
-                <a:ln>
-                  <a:noFill/>
-                </a:ln>
-                <a:solidFill>
-                  <a:srgbClr val="000000"/>
-                </a:solidFill>
-                <a:effectLst/>
-                <a:uLnTx/>
-                <a:uFillTx/>
-                <a:latin typeface="Cabin"/>
-                <a:ea typeface="Cabin"/>
-                <a:cs typeface="Cabin"/>
-                <a:sym typeface="Cabin"/>
-              </a:rPr>
-              <a:t> </a:t>
-            </a:r>
-            <a:r>
-              <a:rPr kumimoji="0" lang="en-US" sz="3400" b="0" i="0" u="none" strike="noStrike" kern="0" cap="none" spc="0" normalizeH="0" baseline="0" noProof="0" dirty="0" err="1">
-                <a:ln>
-                  <a:noFill/>
-                </a:ln>
-                <a:solidFill>
-                  <a:srgbClr val="000000"/>
-                </a:solidFill>
-                <a:effectLst/>
-                <a:uLnTx/>
-                <a:uFillTx/>
-                <a:latin typeface="Cabin"/>
-                <a:ea typeface="Cabin"/>
-                <a:cs typeface="Cabin"/>
-                <a:sym typeface="Cabin"/>
-              </a:rPr>
-              <a:t>выше</a:t>
-            </a:r>
-            <a:r>
-              <a:rPr kumimoji="0" lang="en-US" sz="3400" b="0" i="0" u="none" strike="noStrike" kern="0" cap="none" spc="0" normalizeH="0" baseline="0" noProof="0" dirty="0">
-                <a:ln>
-                  <a:noFill/>
-                </a:ln>
-                <a:solidFill>
-                  <a:srgbClr val="000000"/>
-                </a:solidFill>
-                <a:effectLst/>
-                <a:uLnTx/>
-                <a:uFillTx/>
-                <a:latin typeface="Cabin"/>
-                <a:ea typeface="Cabin"/>
-                <a:cs typeface="Cabin"/>
-                <a:sym typeface="Cabin"/>
-              </a:rPr>
-              <a:t> </a:t>
-            </a:r>
-            <a:r>
-              <a:rPr kumimoji="0" lang="en-US" sz="3400" b="0" i="0" u="none" strike="noStrike" kern="0" cap="none" spc="0" normalizeH="0" baseline="0" noProof="0" dirty="0" err="1">
-                <a:ln>
-                  <a:noFill/>
-                </a:ln>
-                <a:solidFill>
-                  <a:srgbClr val="000000"/>
-                </a:solidFill>
-                <a:effectLst/>
-                <a:uLnTx/>
-                <a:uFillTx/>
-                <a:latin typeface="Cabin"/>
-                <a:ea typeface="Cabin"/>
-                <a:cs typeface="Cabin"/>
-                <a:sym typeface="Cabin"/>
-              </a:rPr>
-              <a:t>обычной</a:t>
-            </a:r>
-            <a:r>
-              <a:rPr kumimoji="0" lang="en-US" sz="3400" b="0" i="0" u="none" strike="noStrike" kern="0" cap="none" spc="0" normalizeH="0" baseline="0" noProof="0" dirty="0">
-                <a:ln>
-                  <a:noFill/>
-                </a:ln>
-                <a:solidFill>
-                  <a:srgbClr val="000000"/>
-                </a:solidFill>
-                <a:effectLst/>
-                <a:uLnTx/>
-                <a:uFillTx/>
-                <a:latin typeface="Cabin"/>
-                <a:ea typeface="Cabin"/>
-                <a:cs typeface="Cabin"/>
-                <a:sym typeface="Cabin"/>
-              </a:rPr>
-              <a:t> </a:t>
-            </a:r>
-            <a:r>
-              <a:rPr kumimoji="0" lang="en-US" sz="3400" b="0" i="0" u="none" strike="noStrike" kern="0" cap="none" spc="0" normalizeH="0" baseline="0" noProof="0" dirty="0" err="1" smtClean="0">
-                <a:ln>
-                  <a:noFill/>
-                </a:ln>
-                <a:solidFill>
-                  <a:srgbClr val="000000"/>
-                </a:solidFill>
-                <a:effectLst/>
-                <a:uLnTx/>
-                <a:uFillTx/>
-                <a:latin typeface="Cabin"/>
-                <a:ea typeface="Cabin"/>
-                <a:cs typeface="Cabin"/>
-                <a:sym typeface="Cabin"/>
-              </a:rPr>
-              <a:t>ставки</a:t>
-            </a:r>
-            <a:r>
-              <a:rPr kumimoji="0" lang="ru-RU" sz="3400" b="0" i="0" u="none" strike="noStrike" kern="0" cap="none" spc="0" normalizeH="0" baseline="0" noProof="0" dirty="0" smtClean="0">
-                <a:ln>
-                  <a:noFill/>
-                </a:ln>
-                <a:solidFill>
-                  <a:srgbClr val="000000"/>
-                </a:solidFill>
-                <a:effectLst/>
-                <a:uLnTx/>
-                <a:uFillTx/>
-                <a:latin typeface="Cabin"/>
-                <a:ea typeface="Cabin"/>
-                <a:cs typeface="Cabin"/>
-                <a:sym typeface="Cabin"/>
-              </a:rPr>
-              <a:t>. Обычная ставка </a:t>
-            </a:r>
-            <a:r>
-              <a:rPr kumimoji="0" lang="ru-RU" sz="3400" b="0" i="0" u="none" strike="noStrike" kern="0" cap="none" spc="0" normalizeH="0" baseline="0" noProof="0" dirty="0" err="1" smtClean="0">
-                <a:ln>
-                  <a:noFill/>
-                </a:ln>
-                <a:solidFill>
-                  <a:srgbClr val="000000"/>
-                </a:solidFill>
-                <a:effectLst/>
-                <a:uLnTx/>
-                <a:uFillTx/>
-                <a:latin typeface="Cabin"/>
-                <a:ea typeface="Cabin"/>
-                <a:cs typeface="Cabin"/>
-                <a:sym typeface="Cabin"/>
-              </a:rPr>
-              <a:t>расчитывается</a:t>
-            </a:r>
-            <a:r>
-              <a:rPr kumimoji="0" lang="ru-RU" sz="3400" b="0" i="0" u="none" strike="noStrike" kern="0" cap="none" spc="0" normalizeH="0" baseline="0" noProof="0" dirty="0" smtClean="0">
-                <a:ln>
-                  <a:noFill/>
-                </a:ln>
-                <a:solidFill>
-                  <a:srgbClr val="000000"/>
-                </a:solidFill>
-                <a:effectLst/>
-                <a:uLnTx/>
-                <a:uFillTx/>
-                <a:latin typeface="Cabin"/>
-                <a:ea typeface="Cabin"/>
-                <a:cs typeface="Cabin"/>
-                <a:sym typeface="Cabin"/>
-              </a:rPr>
-              <a:t> исходя из 40-часовой рабочей недели.</a:t>
-            </a:r>
-          </a:p>
-          <a:p>
-            <a:pPr marL="0" marR="0" lvl="0" indent="0" algn="l" defTabSz="914400" rtl="0" eaLnBrk="1" fontAlgn="auto" latinLnBrk="0" hangingPunct="1">
-              <a:lnSpc>
-                <a:spcPct val="100000"/>
-              </a:lnSpc>
-              <a:spcBef>
-                <a:spcPts val="0"/>
-              </a:spcBef>
-              <a:spcAft>
-                <a:spcPts val="0"/>
-              </a:spcAft>
-              <a:buClr>
-                <a:srgbClr val="FFFFFF"/>
-              </a:buClr>
-              <a:buSzPct val="25000"/>
-              <a:buFontTx/>
-              <a:buNone/>
-              <a:tabLst/>
-              <a:defRPr/>
-            </a:pPr>
-            <a:endParaRPr kumimoji="0" lang="ru-RU" sz="3400" b="0" i="0" u="none" strike="noStrike" kern="0" cap="none" spc="0" normalizeH="0" baseline="0" noProof="0" dirty="0">
-              <a:ln>
-                <a:noFill/>
-              </a:ln>
-              <a:solidFill>
-                <a:srgbClr val="000000"/>
-              </a:solidFill>
-              <a:effectLst/>
-              <a:uLnTx/>
-              <a:uFillTx/>
-              <a:latin typeface="Cabin"/>
-              <a:ea typeface="Cabin"/>
-              <a:cs typeface="Cabin"/>
-              <a:sym typeface="Cabin"/>
-            </a:endParaRPr>
-          </a:p>
-          <a:p>
-            <a:pPr marL="0" marR="0" lvl="0" indent="0" algn="l" defTabSz="914400" rtl="0" eaLnBrk="1" fontAlgn="auto" latinLnBrk="0" hangingPunct="1">
-              <a:lnSpc>
-                <a:spcPct val="100000"/>
-              </a:lnSpc>
-              <a:spcBef>
-                <a:spcPts val="0"/>
-              </a:spcBef>
-              <a:spcAft>
-                <a:spcPts val="0"/>
-              </a:spcAft>
-              <a:buClr>
-                <a:srgbClr val="FFFFFF"/>
-              </a:buClr>
-              <a:buSzPct val="25000"/>
-              <a:buFontTx/>
-              <a:buNone/>
-              <a:tabLst/>
-              <a:defRPr/>
-            </a:pPr>
-            <a:r>
-              <a:rPr kumimoji="0" lang="ru-RU" sz="3400" b="0" i="0" u="none" strike="noStrike" kern="0" cap="none" spc="0" normalizeH="0" baseline="0" noProof="0" dirty="0" smtClean="0">
-                <a:ln>
-                  <a:noFill/>
-                </a:ln>
-                <a:solidFill>
-                  <a:srgbClr val="000000"/>
-                </a:solidFill>
-                <a:effectLst/>
-                <a:uLnTx/>
-                <a:uFillTx/>
-                <a:latin typeface="Cabin"/>
-                <a:ea typeface="Cabin"/>
-                <a:cs typeface="Cabin"/>
-                <a:sym typeface="Cabin"/>
-              </a:rPr>
-              <a:t>Пример окна вывода программы:</a:t>
-            </a:r>
-            <a:endParaRPr kumimoji="0" lang="en-US" sz="3400" b="0" i="0" u="none" strike="noStrike" kern="0" cap="none" spc="0" normalizeH="0" baseline="0" noProof="0" dirty="0">
-              <a:ln>
-                <a:noFill/>
-              </a:ln>
-              <a:solidFill>
-                <a:srgbClr val="000000"/>
-              </a:solidFill>
-              <a:effectLst/>
-              <a:uLnTx/>
-              <a:uFillTx/>
-              <a:latin typeface="Cabin"/>
-              <a:ea typeface="Cabin"/>
-              <a:cs typeface="Cabin"/>
-              <a:sym typeface="Cabin"/>
-            </a:endParaRPr>
-          </a:p>
-          <a:p>
-            <a:pPr marL="0" marR="0" lvl="0" indent="0" algn="l" defTabSz="914400" rtl="0" eaLnBrk="1" fontAlgn="auto" latinLnBrk="0" hangingPunct="1">
-              <a:lnSpc>
-                <a:spcPct val="100000"/>
-              </a:lnSpc>
-              <a:spcBef>
-                <a:spcPts val="0"/>
-              </a:spcBef>
-              <a:spcAft>
-                <a:spcPts val="0"/>
-              </a:spcAft>
-              <a:buClr>
-                <a:srgbClr val="FFFFFF"/>
-              </a:buClr>
-              <a:buSzTx/>
-              <a:buFont typeface="Cabin"/>
-              <a:buNone/>
-              <a:tabLst/>
-              <a:defRPr/>
-            </a:pPr>
-            <a:endParaRPr kumimoji="0" sz="3400" b="0" i="0" u="none" strike="noStrike" kern="0" cap="none" spc="0" normalizeH="0" baseline="0" noProof="0" dirty="0">
-              <a:ln>
-                <a:noFill/>
-              </a:ln>
-              <a:solidFill>
-                <a:srgbClr val="000000"/>
-              </a:solidFill>
-              <a:effectLst/>
-              <a:uLnTx/>
-              <a:uFillTx/>
-              <a:latin typeface="Cabin"/>
-              <a:ea typeface="Cabin"/>
-              <a:cs typeface="Cabin"/>
-              <a:sym typeface="Cabin"/>
-            </a:endParaRPr>
-          </a:p>
-          <a:p>
-            <a:pPr marL="0" marR="0" lvl="0" indent="0" algn="l" defTabSz="914400" rtl="0" eaLnBrk="1" fontAlgn="auto" latinLnBrk="0" hangingPunct="1">
-              <a:lnSpc>
-                <a:spcPct val="100000"/>
-              </a:lnSpc>
-              <a:spcBef>
-                <a:spcPts val="0"/>
-              </a:spcBef>
-              <a:spcAft>
-                <a:spcPts val="0"/>
-              </a:spcAft>
-              <a:buClr>
-                <a:srgbClr val="FFFFFF"/>
-              </a:buClr>
-              <a:buSzPct val="25000"/>
-              <a:buFont typeface="Cabin"/>
-              <a:buNone/>
-              <a:tabLst/>
-              <a:defRPr/>
-            </a:pPr>
-            <a:r>
-              <a:rPr kumimoji="0" lang="en-US" sz="3400" b="0" i="0" u="none" strike="noStrike" kern="0" cap="none" spc="0" normalizeH="0" baseline="0" noProof="0" dirty="0" smtClean="0">
-                <a:ln>
-                  <a:noFill/>
-                </a:ln>
-                <a:solidFill>
-                  <a:srgbClr val="000000"/>
-                </a:solidFill>
-                <a:effectLst/>
-                <a:uLnTx/>
-                <a:uFillTx/>
-                <a:latin typeface="Cabin"/>
-                <a:ea typeface="Cabin"/>
-                <a:cs typeface="Cabin"/>
-                <a:sym typeface="Cabin"/>
-              </a:rPr>
-              <a:t>&gt;&gt;&gt; </a:t>
-            </a:r>
-            <a:r>
-              <a:rPr kumimoji="0" lang="en-US" sz="3400" b="0" i="0" u="none" strike="noStrike" kern="0" cap="none" spc="0" normalizeH="0" baseline="0" noProof="0" dirty="0" err="1" smtClean="0">
-                <a:ln>
-                  <a:noFill/>
-                </a:ln>
-                <a:solidFill>
-                  <a:srgbClr val="000000"/>
-                </a:solidFill>
-                <a:effectLst/>
-                <a:uLnTx/>
-                <a:uFillTx/>
-                <a:latin typeface="Cabin"/>
-                <a:ea typeface="Cabin"/>
-                <a:cs typeface="Cabin"/>
-                <a:sym typeface="Cabin"/>
-              </a:rPr>
-              <a:t>Введите</a:t>
-            </a:r>
-            <a:r>
-              <a:rPr kumimoji="0" lang="en-US" sz="3400" b="0" i="0" u="none" strike="noStrike" kern="0" cap="none" spc="0" normalizeH="0" baseline="0" noProof="0" dirty="0" smtClean="0">
-                <a:ln>
-                  <a:noFill/>
-                </a:ln>
-                <a:solidFill>
-                  <a:srgbClr val="000000"/>
-                </a:solidFill>
-                <a:effectLst/>
-                <a:uLnTx/>
-                <a:uFillTx/>
-                <a:latin typeface="Cabin"/>
-                <a:ea typeface="Cabin"/>
-                <a:cs typeface="Cabin"/>
-                <a:sym typeface="Cabin"/>
-              </a:rPr>
-              <a:t> </a:t>
-            </a:r>
-            <a:r>
-              <a:rPr kumimoji="0" lang="en-US" sz="3400" b="0" i="0" u="none" strike="noStrike" kern="0" cap="none" spc="0" normalizeH="0" baseline="0" noProof="0" dirty="0" err="1">
-                <a:ln>
-                  <a:noFill/>
-                </a:ln>
-                <a:solidFill>
-                  <a:srgbClr val="000000"/>
-                </a:solidFill>
-                <a:effectLst/>
-                <a:uLnTx/>
-                <a:uFillTx/>
-                <a:latin typeface="Cabin"/>
-                <a:ea typeface="Cabin"/>
-                <a:cs typeface="Cabin"/>
-                <a:sym typeface="Cabin"/>
-              </a:rPr>
-              <a:t>часы</a:t>
-            </a:r>
-            <a:r>
-              <a:rPr kumimoji="0" lang="en-US" sz="3400" b="0" i="0" u="none" strike="noStrike" kern="0" cap="none" spc="0" normalizeH="0" baseline="0" noProof="0" dirty="0">
-                <a:ln>
-                  <a:noFill/>
-                </a:ln>
-                <a:solidFill>
-                  <a:srgbClr val="000000"/>
-                </a:solidFill>
-                <a:effectLst/>
-                <a:uLnTx/>
-                <a:uFillTx/>
-                <a:latin typeface="Cabin"/>
-                <a:ea typeface="Cabin"/>
-                <a:cs typeface="Cabin"/>
-                <a:sym typeface="Cabin"/>
-              </a:rPr>
-              <a:t>: </a:t>
-            </a:r>
-            <a:r>
-              <a:rPr kumimoji="0" lang="en-US" sz="3400" b="0" i="0" u="none" strike="noStrike" kern="0" cap="none" spc="0" normalizeH="0" baseline="0" noProof="0" dirty="0">
-                <a:ln>
-                  <a:noFill/>
-                </a:ln>
-                <a:solidFill>
-                  <a:srgbClr val="0070C0"/>
-                </a:solidFill>
-                <a:effectLst/>
-                <a:uLnTx/>
-                <a:uFillTx/>
-                <a:latin typeface="Cabin"/>
-                <a:ea typeface="Cabin"/>
-                <a:cs typeface="Cabin"/>
-                <a:sym typeface="Cabin"/>
-              </a:rPr>
-              <a:t>45</a:t>
-            </a:r>
-          </a:p>
-          <a:p>
-            <a:pPr marL="0" marR="0" lvl="0" indent="0" algn="l" defTabSz="914400" rtl="0" eaLnBrk="1" fontAlgn="auto" latinLnBrk="0" hangingPunct="1">
-              <a:lnSpc>
-                <a:spcPct val="100000"/>
-              </a:lnSpc>
-              <a:spcBef>
-                <a:spcPts val="0"/>
-              </a:spcBef>
-              <a:spcAft>
-                <a:spcPts val="0"/>
-              </a:spcAft>
-              <a:buClr>
-                <a:srgbClr val="FFFFFF"/>
-              </a:buClr>
-              <a:buSzPct val="25000"/>
-              <a:buFont typeface="Cabin"/>
-              <a:buNone/>
-              <a:tabLst/>
-              <a:defRPr/>
-            </a:pPr>
-            <a:r>
-              <a:rPr kumimoji="0" lang="en-US" sz="3400" b="0" i="0" u="none" strike="noStrike" kern="0" cap="none" spc="0" normalizeH="0" baseline="0" noProof="0" dirty="0" smtClean="0">
-                <a:ln>
-                  <a:noFill/>
-                </a:ln>
-                <a:solidFill>
-                  <a:srgbClr val="000000"/>
-                </a:solidFill>
-                <a:effectLst/>
-                <a:uLnTx/>
-                <a:uFillTx/>
-                <a:latin typeface="Cabin"/>
-                <a:ea typeface="Cabin"/>
-                <a:cs typeface="Cabin"/>
-                <a:sym typeface="Cabin"/>
-              </a:rPr>
-              <a:t>&gt;&gt;&gt; </a:t>
-            </a:r>
-            <a:r>
-              <a:rPr kumimoji="0" lang="en-US" sz="3400" b="0" i="0" u="none" strike="noStrike" kern="0" cap="none" spc="0" normalizeH="0" baseline="0" noProof="0" dirty="0" err="1" smtClean="0">
-                <a:ln>
-                  <a:noFill/>
-                </a:ln>
-                <a:solidFill>
-                  <a:srgbClr val="000000"/>
-                </a:solidFill>
-                <a:effectLst/>
-                <a:uLnTx/>
-                <a:uFillTx/>
-                <a:latin typeface="Cabin"/>
-                <a:ea typeface="Cabin"/>
-                <a:cs typeface="Cabin"/>
-                <a:sym typeface="Cabin"/>
-              </a:rPr>
-              <a:t>Введите</a:t>
-            </a:r>
-            <a:r>
-              <a:rPr kumimoji="0" lang="en-US" sz="3400" b="0" i="0" u="none" strike="noStrike" kern="0" cap="none" spc="0" normalizeH="0" baseline="0" noProof="0" dirty="0" smtClean="0">
-                <a:ln>
-                  <a:noFill/>
-                </a:ln>
-                <a:solidFill>
-                  <a:srgbClr val="000000"/>
-                </a:solidFill>
-                <a:effectLst/>
-                <a:uLnTx/>
-                <a:uFillTx/>
-                <a:latin typeface="Cabin"/>
-                <a:ea typeface="Cabin"/>
-                <a:cs typeface="Cabin"/>
-                <a:sym typeface="Cabin"/>
-              </a:rPr>
-              <a:t> </a:t>
-            </a:r>
-            <a:r>
-              <a:rPr kumimoji="0" lang="en-US" sz="3400" b="0" i="0" u="none" strike="noStrike" kern="0" cap="none" spc="0" normalizeH="0" baseline="0" noProof="0" dirty="0" err="1">
-                <a:ln>
-                  <a:noFill/>
-                </a:ln>
-                <a:solidFill>
-                  <a:srgbClr val="000000"/>
-                </a:solidFill>
-                <a:effectLst/>
-                <a:uLnTx/>
-                <a:uFillTx/>
-                <a:latin typeface="Cabin"/>
-                <a:ea typeface="Cabin"/>
-                <a:cs typeface="Cabin"/>
-                <a:sym typeface="Cabin"/>
-              </a:rPr>
-              <a:t>ставку</a:t>
-            </a:r>
-            <a:r>
-              <a:rPr kumimoji="0" lang="en-US" sz="3400" b="0" i="0" u="none" strike="noStrike" kern="0" cap="none" spc="0" normalizeH="0" baseline="0" noProof="0" dirty="0">
-                <a:ln>
-                  <a:noFill/>
-                </a:ln>
-                <a:solidFill>
-                  <a:srgbClr val="FFFFFF"/>
-                </a:solidFill>
-                <a:effectLst/>
-                <a:uLnTx/>
-                <a:uFillTx/>
-                <a:latin typeface="Cabin"/>
-                <a:ea typeface="Cabin"/>
-                <a:cs typeface="Cabin"/>
-                <a:sym typeface="Cabin"/>
-              </a:rPr>
-              <a:t>: </a:t>
-            </a:r>
-            <a:r>
-              <a:rPr kumimoji="0" lang="en-US" sz="3400" b="0" i="0" u="none" strike="noStrike" kern="0" cap="none" spc="0" normalizeH="0" baseline="0" noProof="0" dirty="0">
-                <a:ln>
-                  <a:noFill/>
-                </a:ln>
-                <a:solidFill>
-                  <a:srgbClr val="0070C0"/>
-                </a:solidFill>
-                <a:effectLst/>
-                <a:uLnTx/>
-                <a:uFillTx/>
-                <a:latin typeface="Cabin"/>
-                <a:ea typeface="Cabin"/>
-                <a:cs typeface="Cabin"/>
-                <a:sym typeface="Cabin"/>
-              </a:rPr>
-              <a:t>10 </a:t>
-            </a:r>
-          </a:p>
-          <a:p>
-            <a:pPr marL="0" marR="0" lvl="0" indent="0" algn="l" defTabSz="914400" rtl="0" eaLnBrk="1" fontAlgn="auto" latinLnBrk="0" hangingPunct="1">
-              <a:lnSpc>
-                <a:spcPct val="100000"/>
-              </a:lnSpc>
-              <a:spcBef>
-                <a:spcPts val="0"/>
-              </a:spcBef>
-              <a:spcAft>
-                <a:spcPts val="0"/>
-              </a:spcAft>
-              <a:buClr>
-                <a:srgbClr val="FFFFFF"/>
-              </a:buClr>
-              <a:buSzPct val="25000"/>
-              <a:buFont typeface="Cabin"/>
-              <a:buNone/>
-              <a:tabLst/>
-              <a:defRPr/>
-            </a:pPr>
-            <a:r>
-              <a:rPr kumimoji="0" lang="en-US" sz="3400" b="0" i="0" u="none" strike="noStrike" kern="0" cap="none" spc="0" normalizeH="0" baseline="0" noProof="0" dirty="0" err="1" smtClean="0">
-                <a:ln>
-                  <a:noFill/>
-                </a:ln>
-                <a:solidFill>
-                  <a:srgbClr val="000000"/>
-                </a:solidFill>
-                <a:effectLst/>
-                <a:uLnTx/>
-                <a:uFillTx/>
-                <a:latin typeface="Cabin"/>
-                <a:ea typeface="Cabin"/>
-                <a:cs typeface="Cabin"/>
-                <a:sym typeface="Cabin"/>
-              </a:rPr>
-              <a:t>Зарплата</a:t>
-            </a:r>
-            <a:r>
-              <a:rPr kumimoji="0" lang="en-US" sz="3400" b="0" i="0" u="none" strike="noStrike" kern="0" cap="none" spc="0" normalizeH="0" baseline="0" noProof="0" dirty="0">
-                <a:ln>
-                  <a:noFill/>
-                </a:ln>
-                <a:solidFill>
-                  <a:srgbClr val="000000"/>
-                </a:solidFill>
-                <a:effectLst/>
-                <a:uLnTx/>
-                <a:uFillTx/>
-                <a:latin typeface="Cabin"/>
-                <a:ea typeface="Cabin"/>
-                <a:cs typeface="Cabin"/>
-                <a:sym typeface="Cabin"/>
-              </a:rPr>
-              <a:t>: 475.0</a:t>
-            </a:r>
-          </a:p>
-        </p:txBody>
-      </p:sp>
-      <p:sp>
-        <p:nvSpPr>
-          <p:cNvPr id="400" name="Shape 400"/>
-          <p:cNvSpPr txBox="1"/>
-          <p:nvPr/>
-        </p:nvSpPr>
-        <p:spPr>
-          <a:xfrm>
-            <a:off x="9896475" y="6731000"/>
-            <a:ext cx="4565650" cy="660400"/>
-          </a:xfrm>
-          <a:prstGeom prst="rect">
-            <a:avLst/>
-          </a:prstGeom>
-          <a:noFill/>
-          <a:ln>
-            <a:noFill/>
-          </a:ln>
-        </p:spPr>
-        <p:txBody>
-          <a:bodyPr lIns="0" tIns="0" rIns="0" bIns="0" anchor="ctr" anchorCtr="0">
-            <a:noAutofit/>
-          </a:bodyPr>
-          <a:lstStyle/>
-          <a:p>
-            <a:pPr marL="0" marR="0" lvl="0" indent="0" algn="ctr" defTabSz="914400" rtl="0" eaLnBrk="1" fontAlgn="auto" latinLnBrk="0" hangingPunct="1">
-              <a:lnSpc>
-                <a:spcPct val="100000"/>
-              </a:lnSpc>
-              <a:spcBef>
-                <a:spcPts val="0"/>
-              </a:spcBef>
-              <a:spcAft>
-                <a:spcPts val="0"/>
-              </a:spcAft>
-              <a:buClr>
-                <a:srgbClr val="FFFFFF"/>
-              </a:buClr>
-              <a:buSzPct val="25000"/>
-              <a:buFont typeface="Cabin"/>
-              <a:buNone/>
-              <a:tabLst/>
-              <a:defRPr/>
-            </a:pPr>
-            <a:r>
-              <a:rPr kumimoji="0" lang="en-US" sz="3800" b="0" i="0" u="none" strike="noStrike" kern="0" cap="none" spc="0" normalizeH="0" baseline="0" noProof="0" dirty="0">
-                <a:ln>
-                  <a:noFill/>
-                </a:ln>
-                <a:solidFill>
-                  <a:srgbClr val="0070C0"/>
-                </a:solidFill>
-                <a:effectLst/>
-                <a:uLnTx/>
-                <a:uFillTx/>
-                <a:latin typeface="Cabin"/>
-                <a:ea typeface="Cabin"/>
-                <a:cs typeface="Cabin"/>
-                <a:sym typeface="Cabin"/>
-              </a:rPr>
-              <a:t>475 = 40 * 10 + 5 * 15</a:t>
-            </a:r>
-          </a:p>
-        </p:txBody>
-      </p:sp>
-    </p:spTree>
-    <p:extLst>
-      <p:ext uri="{BB962C8B-B14F-4D97-AF65-F5344CB8AC3E}">
-        <p14:creationId xmlns:p14="http://schemas.microsoft.com/office/powerpoint/2010/main" val="1152816502"/>
-      </p:ext>
-    </p:extLst>
-  </p:cSld>
-  <p:clrMapOvr>
-    <a:masterClrMapping/>
-  </p:clrMapOvr>
-  <p:timing>
-    <p:tnLst>
-      <p:par>
-        <p:cTn id="1" dur="indefinite" restart="never" nodeType="tmRoot"/>
-      </p:par>
-    </p:tnLst>
-  </p:timing>
-</p:sld>
-</file>
-
-<file path=ppt/slides/slide4.xml><?xml version="1.0" encoding="utf-8"?>
 <p:sld xmlns:a="http://schemas.openxmlformats.org/drawingml/2006/main" xmlns:r="http://schemas.openxmlformats.org/officeDocument/2006/relationships" xmlns:p="http://schemas.openxmlformats.org/presentationml/2006/main">
   <p:cSld>
     <p:spTree>
@@ -15709,7 +13885,7 @@
 </p:sld>
 </file>
 
-<file path=ppt/slides/slide5.xml><?xml version="1.0" encoding="utf-8"?>
+<file path=ppt/slides/slide11.xml><?xml version="1.0" encoding="utf-8"?>
 <p:sld xmlns:a="http://schemas.openxmlformats.org/drawingml/2006/main" xmlns:r="http://schemas.openxmlformats.org/officeDocument/2006/relationships" xmlns:p="http://schemas.openxmlformats.org/presentationml/2006/main">
   <p:cSld>
     <p:spTree>
@@ -16230,7 +14406,7 @@
 </p:sld>
 </file>
 
-<file path=ppt/slides/slide6.xml><?xml version="1.0" encoding="utf-8"?>
+<file path=ppt/slides/slide12.xml><?xml version="1.0" encoding="utf-8"?>
 <p:sld xmlns:a="http://schemas.openxmlformats.org/drawingml/2006/main" xmlns:r="http://schemas.openxmlformats.org/officeDocument/2006/relationships" xmlns:p="http://schemas.openxmlformats.org/presentationml/2006/main">
   <p:cSld>
     <p:spTree>
@@ -16816,7 +14992,7 @@
 </p:sld>
 </file>
 
-<file path=ppt/slides/slide7.xml><?xml version="1.0" encoding="utf-8"?>
+<file path=ppt/slides/slide13.xml><?xml version="1.0" encoding="utf-8"?>
 <p:sld xmlns:a="http://schemas.openxmlformats.org/drawingml/2006/main" xmlns:r="http://schemas.openxmlformats.org/officeDocument/2006/relationships" xmlns:p="http://schemas.openxmlformats.org/presentationml/2006/main">
   <p:cSld>
     <p:spTree>
@@ -16988,7 +15164,7 @@
 </p:sld>
 </file>
 
-<file path=ppt/slides/slide8.xml><?xml version="1.0" encoding="utf-8"?>
+<file path=ppt/slides/slide14.xml><?xml version="1.0" encoding="utf-8"?>
 <p:sld xmlns:a="http://schemas.openxmlformats.org/drawingml/2006/main" xmlns:r="http://schemas.openxmlformats.org/officeDocument/2006/relationships" xmlns:p="http://schemas.openxmlformats.org/presentationml/2006/main">
   <p:cSld>
     <p:spTree>
@@ -17160,7 +15336,7 @@
 </p:sld>
 </file>
 
-<file path=ppt/slides/slide9.xml><?xml version="1.0" encoding="utf-8"?>
+<file path=ppt/slides/slide15.xml><?xml version="1.0" encoding="utf-8"?>
 <p:sld xmlns:a="http://schemas.openxmlformats.org/drawingml/2006/main" xmlns:r="http://schemas.openxmlformats.org/officeDocument/2006/relationships" xmlns:p="http://schemas.openxmlformats.org/presentationml/2006/main">
   <p:cSld>
     <p:bg>
@@ -17291,6 +15467,3634 @@
     <p:extLst>
       <p:ext uri="{BB962C8B-B14F-4D97-AF65-F5344CB8AC3E}">
         <p14:creationId xmlns:p14="http://schemas.microsoft.com/office/powerpoint/2010/main" val="136280292"/>
+      </p:ext>
+    </p:extLst>
+  </p:cSld>
+  <p:clrMapOvr>
+    <a:masterClrMapping/>
+  </p:clrMapOvr>
+  <p:timing>
+    <p:tnLst>
+      <p:par>
+        <p:cTn id="1" dur="indefinite" restart="never" nodeType="tmRoot"/>
+      </p:par>
+    </p:tnLst>
+  </p:timing>
+</p:sld>
+</file>
+
+<file path=ppt/slides/slide16.xml><?xml version="1.0" encoding="utf-8"?>
+<p:sld xmlns:a="http://schemas.openxmlformats.org/drawingml/2006/main" xmlns:r="http://schemas.openxmlformats.org/officeDocument/2006/relationships" xmlns:p="http://schemas.openxmlformats.org/presentationml/2006/main">
+  <p:cSld>
+    <p:spTree>
+      <p:nvGrpSpPr>
+        <p:cNvPr id="1" name=""/>
+        <p:cNvGrpSpPr/>
+        <p:nvPr/>
+      </p:nvGrpSpPr>
+      <p:grpSpPr>
+        <a:xfrm>
+          <a:off x="0" y="0"/>
+          <a:ext cx="0" cy="0"/>
+          <a:chOff x="0" y="0"/>
+          <a:chExt cx="0" cy="0"/>
+        </a:xfrm>
+      </p:grpSpPr>
+      <p:sp>
+        <p:nvSpPr>
+          <p:cNvPr id="2" name="Заголовок 1"/>
+          <p:cNvSpPr>
+            <a:spLocks noGrp="1"/>
+          </p:cNvSpPr>
+          <p:nvPr>
+            <p:ph type="title"/>
+          </p:nvPr>
+        </p:nvSpPr>
+        <p:spPr/>
+        <p:txBody>
+          <a:bodyPr/>
+          <a:lstStyle/>
+          <a:p>
+            <a:endParaRPr lang="ru-RU"/>
+          </a:p>
+        </p:txBody>
+      </p:sp>
+      <p:sp>
+        <p:nvSpPr>
+          <p:cNvPr id="3" name="Текст 2"/>
+          <p:cNvSpPr>
+            <a:spLocks noGrp="1"/>
+          </p:cNvSpPr>
+          <p:nvPr>
+            <p:ph type="body" idx="1"/>
+          </p:nvPr>
+        </p:nvSpPr>
+        <p:spPr/>
+        <p:txBody>
+          <a:bodyPr/>
+          <a:lstStyle/>
+          <a:p>
+            <a:endParaRPr lang="ru-RU"/>
+          </a:p>
+        </p:txBody>
+      </p:sp>
+    </p:spTree>
+    <p:extLst>
+      <p:ext uri="{BB962C8B-B14F-4D97-AF65-F5344CB8AC3E}">
+        <p14:creationId xmlns:p14="http://schemas.microsoft.com/office/powerpoint/2010/main" val="2584262233"/>
+      </p:ext>
+    </p:extLst>
+  </p:cSld>
+  <p:clrMapOvr>
+    <a:masterClrMapping/>
+  </p:clrMapOvr>
+  <p:timing>
+    <p:tnLst>
+      <p:par>
+        <p:cTn id="1" dur="indefinite" restart="never" nodeType="tmRoot"/>
+      </p:par>
+    </p:tnLst>
+  </p:timing>
+</p:sld>
+</file>
+
+<file path=ppt/slides/slide17.xml><?xml version="1.0" encoding="utf-8"?>
+<p:sld xmlns:a="http://schemas.openxmlformats.org/drawingml/2006/main" xmlns:r="http://schemas.openxmlformats.org/officeDocument/2006/relationships" xmlns:p="http://schemas.openxmlformats.org/presentationml/2006/main">
+  <p:cSld>
+    <p:bg>
+      <p:bgPr>
+        <a:solidFill>
+          <a:schemeClr val="bg1"/>
+        </a:solidFill>
+        <a:effectLst/>
+      </p:bgPr>
+    </p:bg>
+    <p:spTree>
+      <p:nvGrpSpPr>
+        <p:cNvPr id="1" name="Shape 212"/>
+        <p:cNvGrpSpPr/>
+        <p:nvPr/>
+      </p:nvGrpSpPr>
+      <p:grpSpPr>
+        <a:xfrm>
+          <a:off x="0" y="0"/>
+          <a:ext cx="0" cy="0"/>
+          <a:chOff x="0" y="0"/>
+          <a:chExt cx="0" cy="0"/>
+        </a:xfrm>
+      </p:grpSpPr>
+      <p:sp>
+        <p:nvSpPr>
+          <p:cNvPr id="213" name="Shape 213"/>
+          <p:cNvSpPr txBox="1">
+            <a:spLocks noGrp="1"/>
+          </p:cNvSpPr>
+          <p:nvPr>
+            <p:ph type="title"/>
+          </p:nvPr>
+        </p:nvSpPr>
+        <p:spPr>
+          <a:xfrm>
+            <a:off x="1155700" y="241300"/>
+            <a:ext cx="13931900" cy="2298699"/>
+          </a:xfrm>
+          <a:prstGeom prst="rect">
+            <a:avLst/>
+          </a:prstGeom>
+          <a:noFill/>
+          <a:ln>
+            <a:noFill/>
+          </a:ln>
+        </p:spPr>
+        <p:txBody>
+          <a:bodyPr lIns="38100" tIns="38100" rIns="38100" bIns="38100" anchor="ctr" anchorCtr="0">
+            <a:noAutofit/>
+          </a:bodyPr>
+          <a:lstStyle/>
+          <a:p>
+            <a:r>
+              <a:rPr lang="ru-RU" sz="6600" dirty="0"/>
+              <a:t>Понятие об </a:t>
+            </a:r>
+            <a:r>
+              <a:rPr lang="ru-RU" sz="6600" dirty="0" smtClean="0"/>
+              <a:t>исключении</a:t>
+            </a:r>
+            <a:endParaRPr lang="ru-RU" sz="6600" dirty="0"/>
+          </a:p>
+        </p:txBody>
+      </p:sp>
+      <p:sp>
+        <p:nvSpPr>
+          <p:cNvPr id="229" name="Shape 229"/>
+          <p:cNvSpPr txBox="1"/>
+          <p:nvPr/>
+        </p:nvSpPr>
+        <p:spPr>
+          <a:xfrm>
+            <a:off x="5038725" y="2997200"/>
+            <a:ext cx="1409700" cy="622299"/>
+          </a:xfrm>
+          <a:prstGeom prst="rect">
+            <a:avLst/>
+          </a:prstGeom>
+          <a:noFill/>
+          <a:ln>
+            <a:noFill/>
+          </a:ln>
+        </p:spPr>
+        <p:txBody>
+          <a:bodyPr lIns="0" tIns="0" rIns="0" bIns="0" anchor="ctr" anchorCtr="0">
+            <a:noAutofit/>
+          </a:bodyPr>
+          <a:lstStyle/>
+          <a:p>
+            <a:pPr marL="0" marR="0" lvl="0" indent="0" algn="ctr" rtl="0">
+              <a:lnSpc>
+                <a:spcPct val="100000"/>
+              </a:lnSpc>
+              <a:spcBef>
+                <a:spcPts val="0"/>
+              </a:spcBef>
+              <a:spcAft>
+                <a:spcPts val="0"/>
+              </a:spcAft>
+              <a:buClr>
+                <a:schemeClr val="lt1"/>
+              </a:buClr>
+              <a:buSzPct val="25000"/>
+              <a:buFont typeface="Cabin"/>
+              <a:buNone/>
+            </a:pPr>
+            <a:r>
+              <a:rPr lang="en-US" sz="3600" b="0" i="0" u="none" strike="noStrike" cap="none">
+                <a:solidFill>
+                  <a:schemeClr val="lt1"/>
+                </a:solidFill>
+                <a:latin typeface="Cabin"/>
+                <a:ea typeface="Cabin"/>
+                <a:cs typeface="Cabin"/>
+                <a:sym typeface="Cabin"/>
+              </a:rPr>
+              <a:t>hello():</a:t>
+            </a:r>
+          </a:p>
+        </p:txBody>
+      </p:sp>
+    </p:spTree>
+    <p:extLst>
+      <p:ext uri="{BB962C8B-B14F-4D97-AF65-F5344CB8AC3E}">
+        <p14:creationId xmlns:p14="http://schemas.microsoft.com/office/powerpoint/2010/main" val="1893192148"/>
+      </p:ext>
+    </p:extLst>
+  </p:cSld>
+  <p:clrMapOvr>
+    <a:masterClrMapping/>
+  </p:clrMapOvr>
+  <p:timing>
+    <p:tnLst>
+      <p:par>
+        <p:cTn id="1" dur="indefinite" restart="never" nodeType="tmRoot"/>
+      </p:par>
+    </p:tnLst>
+  </p:timing>
+</p:sld>
+</file>
+
+<file path=ppt/slides/slide18.xml><?xml version="1.0" encoding="utf-8"?>
+<p:sld xmlns:a="http://schemas.openxmlformats.org/drawingml/2006/main" xmlns:r="http://schemas.openxmlformats.org/officeDocument/2006/relationships" xmlns:p="http://schemas.openxmlformats.org/presentationml/2006/main">
+  <p:cSld>
+    <p:bg>
+      <p:bgPr>
+        <a:solidFill>
+          <a:schemeClr val="bg1"/>
+        </a:solidFill>
+        <a:effectLst/>
+      </p:bgPr>
+    </p:bg>
+    <p:spTree>
+      <p:nvGrpSpPr>
+        <p:cNvPr id="1" name="Shape 212"/>
+        <p:cNvGrpSpPr/>
+        <p:nvPr/>
+      </p:nvGrpSpPr>
+      <p:grpSpPr>
+        <a:xfrm>
+          <a:off x="0" y="0"/>
+          <a:ext cx="0" cy="0"/>
+          <a:chOff x="0" y="0"/>
+          <a:chExt cx="0" cy="0"/>
+        </a:xfrm>
+      </p:grpSpPr>
+      <p:sp>
+        <p:nvSpPr>
+          <p:cNvPr id="213" name="Shape 213"/>
+          <p:cNvSpPr txBox="1">
+            <a:spLocks noGrp="1"/>
+          </p:cNvSpPr>
+          <p:nvPr>
+            <p:ph type="title"/>
+          </p:nvPr>
+        </p:nvSpPr>
+        <p:spPr>
+          <a:xfrm>
+            <a:off x="1155700" y="241300"/>
+            <a:ext cx="13931900" cy="2298699"/>
+          </a:xfrm>
+          <a:prstGeom prst="rect">
+            <a:avLst/>
+          </a:prstGeom>
+          <a:noFill/>
+          <a:ln>
+            <a:noFill/>
+          </a:ln>
+        </p:spPr>
+        <p:txBody>
+          <a:bodyPr lIns="38100" tIns="38100" rIns="38100" bIns="38100" anchor="ctr" anchorCtr="0">
+            <a:noAutofit/>
+          </a:bodyPr>
+          <a:lstStyle/>
+          <a:p>
+            <a:r>
+              <a:rPr lang="ru-RU" sz="6600" dirty="0"/>
+              <a:t>Перехват исключения</a:t>
+            </a:r>
+          </a:p>
+        </p:txBody>
+      </p:sp>
+      <p:sp>
+        <p:nvSpPr>
+          <p:cNvPr id="229" name="Shape 229"/>
+          <p:cNvSpPr txBox="1"/>
+          <p:nvPr/>
+        </p:nvSpPr>
+        <p:spPr>
+          <a:xfrm>
+            <a:off x="5038725" y="2997200"/>
+            <a:ext cx="1409700" cy="622299"/>
+          </a:xfrm>
+          <a:prstGeom prst="rect">
+            <a:avLst/>
+          </a:prstGeom>
+          <a:noFill/>
+          <a:ln>
+            <a:noFill/>
+          </a:ln>
+        </p:spPr>
+        <p:txBody>
+          <a:bodyPr lIns="0" tIns="0" rIns="0" bIns="0" anchor="ctr" anchorCtr="0">
+            <a:noAutofit/>
+          </a:bodyPr>
+          <a:lstStyle/>
+          <a:p>
+            <a:pPr marL="0" marR="0" lvl="0" indent="0" algn="ctr" rtl="0">
+              <a:lnSpc>
+                <a:spcPct val="100000"/>
+              </a:lnSpc>
+              <a:spcBef>
+                <a:spcPts val="0"/>
+              </a:spcBef>
+              <a:spcAft>
+                <a:spcPts val="0"/>
+              </a:spcAft>
+              <a:buClr>
+                <a:schemeClr val="lt1"/>
+              </a:buClr>
+              <a:buSzPct val="25000"/>
+              <a:buFont typeface="Cabin"/>
+              <a:buNone/>
+            </a:pPr>
+            <a:r>
+              <a:rPr lang="en-US" sz="3600" b="0" i="0" u="none" strike="noStrike" cap="none">
+                <a:solidFill>
+                  <a:schemeClr val="lt1"/>
+                </a:solidFill>
+                <a:latin typeface="Cabin"/>
+                <a:ea typeface="Cabin"/>
+                <a:cs typeface="Cabin"/>
+                <a:sym typeface="Cabin"/>
+              </a:rPr>
+              <a:t>hello():</a:t>
+            </a:r>
+          </a:p>
+        </p:txBody>
+      </p:sp>
+    </p:spTree>
+    <p:extLst>
+      <p:ext uri="{BB962C8B-B14F-4D97-AF65-F5344CB8AC3E}">
+        <p14:creationId xmlns:p14="http://schemas.microsoft.com/office/powerpoint/2010/main" val="813838258"/>
+      </p:ext>
+    </p:extLst>
+  </p:cSld>
+  <p:clrMapOvr>
+    <a:masterClrMapping/>
+  </p:clrMapOvr>
+  <p:timing>
+    <p:tnLst>
+      <p:par>
+        <p:cTn id="1" dur="indefinite" restart="never" nodeType="tmRoot"/>
+      </p:par>
+    </p:tnLst>
+  </p:timing>
+</p:sld>
+</file>
+
+<file path=ppt/slides/slide19.xml><?xml version="1.0" encoding="utf-8"?>
+<p:sld xmlns:a="http://schemas.openxmlformats.org/drawingml/2006/main" xmlns:r="http://schemas.openxmlformats.org/officeDocument/2006/relationships" xmlns:p="http://schemas.openxmlformats.org/presentationml/2006/main">
+  <p:cSld>
+    <p:bg>
+      <p:bgPr>
+        <a:solidFill>
+          <a:schemeClr val="bg1"/>
+        </a:solidFill>
+        <a:effectLst/>
+      </p:bgPr>
+    </p:bg>
+    <p:spTree>
+      <p:nvGrpSpPr>
+        <p:cNvPr id="1" name="Shape 212"/>
+        <p:cNvGrpSpPr/>
+        <p:nvPr/>
+      </p:nvGrpSpPr>
+      <p:grpSpPr>
+        <a:xfrm>
+          <a:off x="0" y="0"/>
+          <a:ext cx="0" cy="0"/>
+          <a:chOff x="0" y="0"/>
+          <a:chExt cx="0" cy="0"/>
+        </a:xfrm>
+      </p:grpSpPr>
+      <p:sp>
+        <p:nvSpPr>
+          <p:cNvPr id="213" name="Shape 213"/>
+          <p:cNvSpPr txBox="1">
+            <a:spLocks noGrp="1"/>
+          </p:cNvSpPr>
+          <p:nvPr>
+            <p:ph type="title"/>
+          </p:nvPr>
+        </p:nvSpPr>
+        <p:spPr>
+          <a:xfrm>
+            <a:off x="1155700" y="241300"/>
+            <a:ext cx="13931900" cy="2298699"/>
+          </a:xfrm>
+          <a:prstGeom prst="rect">
+            <a:avLst/>
+          </a:prstGeom>
+          <a:noFill/>
+          <a:ln>
+            <a:noFill/>
+          </a:ln>
+        </p:spPr>
+        <p:txBody>
+          <a:bodyPr lIns="38100" tIns="38100" rIns="38100" bIns="38100" anchor="ctr" anchorCtr="0">
+            <a:noAutofit/>
+          </a:bodyPr>
+          <a:lstStyle/>
+          <a:p>
+            <a:r>
+              <a:rPr lang="ru-RU" sz="6600" dirty="0"/>
+              <a:t>Выброс </a:t>
+            </a:r>
+            <a:r>
+              <a:rPr lang="ru-RU" sz="6600" dirty="0" smtClean="0"/>
+              <a:t>исключения</a:t>
+            </a:r>
+            <a:endParaRPr lang="ru-RU" sz="6600" dirty="0"/>
+          </a:p>
+        </p:txBody>
+      </p:sp>
+      <p:sp>
+        <p:nvSpPr>
+          <p:cNvPr id="229" name="Shape 229"/>
+          <p:cNvSpPr txBox="1"/>
+          <p:nvPr/>
+        </p:nvSpPr>
+        <p:spPr>
+          <a:xfrm>
+            <a:off x="5038725" y="2997200"/>
+            <a:ext cx="1409700" cy="622299"/>
+          </a:xfrm>
+          <a:prstGeom prst="rect">
+            <a:avLst/>
+          </a:prstGeom>
+          <a:noFill/>
+          <a:ln>
+            <a:noFill/>
+          </a:ln>
+        </p:spPr>
+        <p:txBody>
+          <a:bodyPr lIns="0" tIns="0" rIns="0" bIns="0" anchor="ctr" anchorCtr="0">
+            <a:noAutofit/>
+          </a:bodyPr>
+          <a:lstStyle/>
+          <a:p>
+            <a:pPr marL="0" marR="0" lvl="0" indent="0" algn="ctr" rtl="0">
+              <a:lnSpc>
+                <a:spcPct val="100000"/>
+              </a:lnSpc>
+              <a:spcBef>
+                <a:spcPts val="0"/>
+              </a:spcBef>
+              <a:spcAft>
+                <a:spcPts val="0"/>
+              </a:spcAft>
+              <a:buClr>
+                <a:schemeClr val="lt1"/>
+              </a:buClr>
+              <a:buSzPct val="25000"/>
+              <a:buFont typeface="Cabin"/>
+              <a:buNone/>
+            </a:pPr>
+            <a:r>
+              <a:rPr lang="en-US" sz="3600" b="0" i="0" u="none" strike="noStrike" cap="none">
+                <a:solidFill>
+                  <a:schemeClr val="lt1"/>
+                </a:solidFill>
+                <a:latin typeface="Cabin"/>
+                <a:ea typeface="Cabin"/>
+                <a:cs typeface="Cabin"/>
+                <a:sym typeface="Cabin"/>
+              </a:rPr>
+              <a:t>hello():</a:t>
+            </a:r>
+          </a:p>
+        </p:txBody>
+      </p:sp>
+    </p:spTree>
+    <p:extLst>
+      <p:ext uri="{BB962C8B-B14F-4D97-AF65-F5344CB8AC3E}">
+        <p14:creationId xmlns:p14="http://schemas.microsoft.com/office/powerpoint/2010/main" val="1928126494"/>
+      </p:ext>
+    </p:extLst>
+  </p:cSld>
+  <p:clrMapOvr>
+    <a:masterClrMapping/>
+  </p:clrMapOvr>
+  <p:timing>
+    <p:tnLst>
+      <p:par>
+        <p:cTn id="1" dur="indefinite" restart="never" nodeType="tmRoot"/>
+      </p:par>
+    </p:tnLst>
+  </p:timing>
+</p:sld>
+</file>
+
+<file path=ppt/slides/slide2.xml><?xml version="1.0" encoding="utf-8"?>
+<p:sld xmlns:a="http://schemas.openxmlformats.org/drawingml/2006/main" xmlns:r="http://schemas.openxmlformats.org/officeDocument/2006/relationships" xmlns:p="http://schemas.openxmlformats.org/presentationml/2006/main">
+  <p:cSld>
+    <p:bg>
+      <p:bgPr>
+        <a:solidFill>
+          <a:schemeClr val="bg1"/>
+        </a:solidFill>
+        <a:effectLst/>
+      </p:bgPr>
+    </p:bg>
+    <p:spTree>
+      <p:nvGrpSpPr>
+        <p:cNvPr id="1" name=""/>
+        <p:cNvGrpSpPr/>
+        <p:nvPr/>
+      </p:nvGrpSpPr>
+      <p:grpSpPr>
+        <a:xfrm>
+          <a:off x="0" y="0"/>
+          <a:ext cx="0" cy="0"/>
+          <a:chOff x="0" y="0"/>
+          <a:chExt cx="0" cy="0"/>
+        </a:xfrm>
+      </p:grpSpPr>
+      <p:sp>
+        <p:nvSpPr>
+          <p:cNvPr id="4" name="Заголовок 3"/>
+          <p:cNvSpPr>
+            <a:spLocks noGrp="1"/>
+          </p:cNvSpPr>
+          <p:nvPr>
+            <p:ph type="title"/>
+          </p:nvPr>
+        </p:nvSpPr>
+        <p:spPr>
+          <a:xfrm>
+            <a:off x="1155700" y="241301"/>
+            <a:ext cx="13931900" cy="698500"/>
+          </a:xfrm>
+        </p:spPr>
+        <p:txBody>
+          <a:bodyPr/>
+          <a:lstStyle/>
+          <a:p>
+            <a:r>
+              <a:rPr lang="ru-RU" sz="4400" dirty="0" smtClean="0"/>
+              <a:t>Вопросы</a:t>
+            </a:r>
+            <a:r>
+              <a:rPr lang="ru-RU" sz="3600" dirty="0" smtClean="0"/>
+              <a:t> </a:t>
+            </a:r>
+            <a:r>
+              <a:rPr lang="ru-RU" sz="4400" dirty="0" smtClean="0"/>
+              <a:t>на повторение</a:t>
+            </a:r>
+            <a:endParaRPr lang="ru-RU" sz="3600" dirty="0"/>
+          </a:p>
+        </p:txBody>
+      </p:sp>
+      <p:sp>
+        <p:nvSpPr>
+          <p:cNvPr id="5" name="Текст 4"/>
+          <p:cNvSpPr>
+            <a:spLocks noGrp="1"/>
+          </p:cNvSpPr>
+          <p:nvPr>
+            <p:ph type="body" idx="1"/>
+          </p:nvPr>
+        </p:nvSpPr>
+        <p:spPr>
+          <a:xfrm>
+            <a:off x="707923" y="1250147"/>
+            <a:ext cx="14379677" cy="7294274"/>
+          </a:xfrm>
+        </p:spPr>
+        <p:txBody>
+          <a:bodyPr>
+            <a:normAutofit/>
+          </a:bodyPr>
+          <a:lstStyle/>
+          <a:p>
+            <a:pPr marL="1083056" indent="-514350">
+              <a:lnSpc>
+                <a:spcPct val="150000"/>
+              </a:lnSpc>
+              <a:spcBef>
+                <a:spcPts val="0"/>
+              </a:spcBef>
+              <a:buClrTx/>
+              <a:buFont typeface="+mj-lt"/>
+              <a:buAutoNum type="arabicPeriod"/>
+            </a:pPr>
+            <a:endParaRPr lang="ru-RU" sz="2800" dirty="0" smtClean="0"/>
+          </a:p>
+        </p:txBody>
+      </p:sp>
+    </p:spTree>
+    <p:extLst>
+      <p:ext uri="{BB962C8B-B14F-4D97-AF65-F5344CB8AC3E}">
+        <p14:creationId xmlns:p14="http://schemas.microsoft.com/office/powerpoint/2010/main" val="2366502667"/>
+      </p:ext>
+    </p:extLst>
+  </p:cSld>
+  <p:clrMapOvr>
+    <a:masterClrMapping/>
+  </p:clrMapOvr>
+  <mc:AlternateContent xmlns:mc="http://schemas.openxmlformats.org/markup-compatibility/2006" xmlns:p14="http://schemas.microsoft.com/office/powerpoint/2010/main">
+    <mc:Choice Requires="p14">
+      <p:transition p14:dur="0"/>
+    </mc:Choice>
+    <mc:Fallback xmlns="">
+      <p:transition/>
+    </mc:Fallback>
+  </mc:AlternateContent>
+  <p:timing>
+    <p:tnLst>
+      <p:par>
+        <p:cTn id="1" dur="indefinite" restart="never" nodeType="tmRoot">
+          <p:childTnLst>
+            <p:seq concurrent="1" nextAc="seek">
+              <p:cTn id="2" dur="indefinite" nodeType="mainSeq">
+                <p:childTnLst>
+                  <p:par>
+                    <p:cTn id="3" fill="hold">
+                      <p:stCondLst>
+                        <p:cond delay="indefinite"/>
+                      </p:stCondLst>
+                      <p:childTnLst>
+                        <p:par>
+                          <p:cTn id="4" fill="hold">
+                            <p:stCondLst>
+                              <p:cond delay="0"/>
+                            </p:stCondLst>
+                            <p:childTnLst>
+                              <p:par>
+                                <p:cTn id="5" presetID="1" presetClass="entr" presetSubtype="0" fill="hold" nodeType="clickEffect" nodePh="1">
+                                  <p:stCondLst>
+                                    <p:cond delay="0"/>
+                                  </p:stCondLst>
+                                  <p:endCondLst>
+                                    <p:cond evt="begin" delay="0">
+                                      <p:tn val="5"/>
+                                    </p:cond>
+                                  </p:endCondLst>
+                                  <p:childTnLst>
+                                    <p:set>
+                                      <p:cBhvr>
+                                        <p:cTn id="6" dur="1" fill="hold">
+                                          <p:stCondLst>
+                                            <p:cond delay="0"/>
+                                          </p:stCondLst>
+                                        </p:cTn>
+                                        <p:tgtEl>
+                                          <p:spTgt spid="5">
+                                            <p:txEl>
+                                              <p:pRg st="0" end="0"/>
+                                            </p:txEl>
+                                          </p:spTgt>
+                                        </p:tgtEl>
+                                        <p:attrNameLst>
+                                          <p:attrName>style.visibility</p:attrName>
+                                        </p:attrNameLst>
+                                      </p:cBhvr>
+                                      <p:to>
+                                        <p:strVal val="visible"/>
+                                      </p:to>
+                                    </p:set>
+                                  </p:childTnLst>
+                                </p:cTn>
+                              </p:par>
+                            </p:childTnLst>
+                          </p:cTn>
+                        </p:par>
+                      </p:childTnLst>
+                    </p:cTn>
+                  </p:par>
+                </p:childTnLst>
+              </p:cTn>
+              <p:prevCondLst>
+                <p:cond evt="onPrev" delay="0">
+                  <p:tgtEl>
+                    <p:sldTgt/>
+                  </p:tgtEl>
+                </p:cond>
+              </p:prevCondLst>
+              <p:nextCondLst>
+                <p:cond evt="onNext" delay="0">
+                  <p:tgtEl>
+                    <p:sldTgt/>
+                  </p:tgtEl>
+                </p:cond>
+              </p:nextCondLst>
+            </p:seq>
+          </p:childTnLst>
+        </p:cTn>
+      </p:par>
+    </p:tnLst>
+  </p:timing>
+</p:sld>
+</file>
+
+<file path=ppt/slides/slide20.xml><?xml version="1.0" encoding="utf-8"?>
+<p:sld xmlns:a="http://schemas.openxmlformats.org/drawingml/2006/main" xmlns:r="http://schemas.openxmlformats.org/officeDocument/2006/relationships" xmlns:p="http://schemas.openxmlformats.org/presentationml/2006/main">
+  <p:cSld>
+    <p:bg>
+      <p:bgPr>
+        <a:solidFill>
+          <a:schemeClr val="bg1"/>
+        </a:solidFill>
+        <a:effectLst/>
+      </p:bgPr>
+    </p:bg>
+    <p:spTree>
+      <p:nvGrpSpPr>
+        <p:cNvPr id="1" name="Shape 212"/>
+        <p:cNvGrpSpPr/>
+        <p:nvPr/>
+      </p:nvGrpSpPr>
+      <p:grpSpPr>
+        <a:xfrm>
+          <a:off x="0" y="0"/>
+          <a:ext cx="0" cy="0"/>
+          <a:chOff x="0" y="0"/>
+          <a:chExt cx="0" cy="0"/>
+        </a:xfrm>
+      </p:grpSpPr>
+      <p:sp>
+        <p:nvSpPr>
+          <p:cNvPr id="213" name="Shape 213"/>
+          <p:cNvSpPr txBox="1">
+            <a:spLocks noGrp="1"/>
+          </p:cNvSpPr>
+          <p:nvPr>
+            <p:ph type="title"/>
+          </p:nvPr>
+        </p:nvSpPr>
+        <p:spPr>
+          <a:xfrm>
+            <a:off x="1155700" y="241300"/>
+            <a:ext cx="13931900" cy="2298699"/>
+          </a:xfrm>
+          <a:prstGeom prst="rect">
+            <a:avLst/>
+          </a:prstGeom>
+          <a:noFill/>
+          <a:ln>
+            <a:noFill/>
+          </a:ln>
+        </p:spPr>
+        <p:txBody>
+          <a:bodyPr lIns="38100" tIns="38100" rIns="38100" bIns="38100" anchor="ctr" anchorCtr="0">
+            <a:noAutofit/>
+          </a:bodyPr>
+          <a:lstStyle/>
+          <a:p>
+            <a:r>
+              <a:rPr lang="ru-RU" sz="6600" dirty="0"/>
+              <a:t>Стандартные </a:t>
+            </a:r>
+            <a:r>
+              <a:rPr lang="ru-RU" sz="6600" dirty="0" smtClean="0"/>
+              <a:t>исключения</a:t>
+            </a:r>
+            <a:endParaRPr lang="ru-RU" sz="6600" dirty="0"/>
+          </a:p>
+        </p:txBody>
+      </p:sp>
+      <p:sp>
+        <p:nvSpPr>
+          <p:cNvPr id="229" name="Shape 229"/>
+          <p:cNvSpPr txBox="1"/>
+          <p:nvPr/>
+        </p:nvSpPr>
+        <p:spPr>
+          <a:xfrm>
+            <a:off x="5038725" y="2997200"/>
+            <a:ext cx="1409700" cy="622299"/>
+          </a:xfrm>
+          <a:prstGeom prst="rect">
+            <a:avLst/>
+          </a:prstGeom>
+          <a:noFill/>
+          <a:ln>
+            <a:noFill/>
+          </a:ln>
+        </p:spPr>
+        <p:txBody>
+          <a:bodyPr lIns="0" tIns="0" rIns="0" bIns="0" anchor="ctr" anchorCtr="0">
+            <a:noAutofit/>
+          </a:bodyPr>
+          <a:lstStyle/>
+          <a:p>
+            <a:pPr marL="0" marR="0" lvl="0" indent="0" algn="ctr" rtl="0">
+              <a:lnSpc>
+                <a:spcPct val="100000"/>
+              </a:lnSpc>
+              <a:spcBef>
+                <a:spcPts val="0"/>
+              </a:spcBef>
+              <a:spcAft>
+                <a:spcPts val="0"/>
+              </a:spcAft>
+              <a:buClr>
+                <a:schemeClr val="lt1"/>
+              </a:buClr>
+              <a:buSzPct val="25000"/>
+              <a:buFont typeface="Cabin"/>
+              <a:buNone/>
+            </a:pPr>
+            <a:r>
+              <a:rPr lang="en-US" sz="3600" b="0" i="0" u="none" strike="noStrike" cap="none">
+                <a:solidFill>
+                  <a:schemeClr val="lt1"/>
+                </a:solidFill>
+                <a:latin typeface="Cabin"/>
+                <a:ea typeface="Cabin"/>
+                <a:cs typeface="Cabin"/>
+                <a:sym typeface="Cabin"/>
+              </a:rPr>
+              <a:t>hello():</a:t>
+            </a:r>
+          </a:p>
+        </p:txBody>
+      </p:sp>
+    </p:spTree>
+    <p:extLst>
+      <p:ext uri="{BB962C8B-B14F-4D97-AF65-F5344CB8AC3E}">
+        <p14:creationId xmlns:p14="http://schemas.microsoft.com/office/powerpoint/2010/main" val="1499807822"/>
+      </p:ext>
+    </p:extLst>
+  </p:cSld>
+  <p:clrMapOvr>
+    <a:masterClrMapping/>
+  </p:clrMapOvr>
+  <p:timing>
+    <p:tnLst>
+      <p:par>
+        <p:cTn id="1" dur="indefinite" restart="never" nodeType="tmRoot"/>
+      </p:par>
+    </p:tnLst>
+  </p:timing>
+</p:sld>
+</file>
+
+<file path=ppt/slides/slide3.xml><?xml version="1.0" encoding="utf-8"?>
+<p:sld xmlns:a="http://schemas.openxmlformats.org/drawingml/2006/main" xmlns:r="http://schemas.openxmlformats.org/officeDocument/2006/relationships" xmlns:p="http://schemas.openxmlformats.org/presentationml/2006/main">
+  <p:cSld>
+    <p:bg>
+      <p:bgPr>
+        <a:solidFill>
+          <a:schemeClr val="bg1"/>
+        </a:solidFill>
+        <a:effectLst/>
+      </p:bgPr>
+    </p:bg>
+    <p:spTree>
+      <p:nvGrpSpPr>
+        <p:cNvPr id="1" name="Shape 397"/>
+        <p:cNvGrpSpPr/>
+        <p:nvPr/>
+      </p:nvGrpSpPr>
+      <p:grpSpPr>
+        <a:xfrm>
+          <a:off x="0" y="0"/>
+          <a:ext cx="0" cy="0"/>
+          <a:chOff x="0" y="0"/>
+          <a:chExt cx="0" cy="0"/>
+        </a:xfrm>
+      </p:grpSpPr>
+      <p:sp>
+        <p:nvSpPr>
+          <p:cNvPr id="398" name="Shape 398"/>
+          <p:cNvSpPr txBox="1"/>
+          <p:nvPr/>
+        </p:nvSpPr>
+        <p:spPr>
+          <a:xfrm>
+            <a:off x="749300" y="342900"/>
+            <a:ext cx="3692400" cy="660300"/>
+          </a:xfrm>
+          <a:prstGeom prst="rect">
+            <a:avLst/>
+          </a:prstGeom>
+          <a:noFill/>
+          <a:ln>
+            <a:noFill/>
+          </a:ln>
+        </p:spPr>
+        <p:txBody>
+          <a:bodyPr lIns="0" tIns="0" rIns="0" bIns="0" anchor="ctr" anchorCtr="0">
+            <a:noAutofit/>
+          </a:bodyPr>
+          <a:lstStyle/>
+          <a:p>
+            <a:pPr marL="0" marR="0" lvl="0" indent="0" algn="ctr" defTabSz="914400" rtl="0" eaLnBrk="1" fontAlgn="auto" latinLnBrk="0" hangingPunct="1">
+              <a:lnSpc>
+                <a:spcPct val="100000"/>
+              </a:lnSpc>
+              <a:spcBef>
+                <a:spcPts val="0"/>
+              </a:spcBef>
+              <a:spcAft>
+                <a:spcPts val="0"/>
+              </a:spcAft>
+              <a:buClr>
+                <a:srgbClr val="00FF00"/>
+              </a:buClr>
+              <a:buSzPct val="25000"/>
+              <a:buFont typeface="Cabin"/>
+              <a:buNone/>
+              <a:tabLst/>
+              <a:defRPr/>
+            </a:pPr>
+            <a:r>
+              <a:rPr kumimoji="0" lang="en-US" sz="3800" b="0" i="0" u="none" strike="noStrike" kern="0" cap="none" spc="0" normalizeH="0" baseline="0" noProof="0">
+                <a:ln>
+                  <a:noFill/>
+                </a:ln>
+                <a:solidFill>
+                  <a:srgbClr val="00FF00"/>
+                </a:solidFill>
+                <a:effectLst/>
+                <a:uLnTx/>
+                <a:uFillTx/>
+                <a:latin typeface="Cabin"/>
+                <a:ea typeface="Cabin"/>
+                <a:cs typeface="Cabin"/>
+                <a:sym typeface="Cabin"/>
+              </a:rPr>
+              <a:t>Упражнение</a:t>
+            </a:r>
+          </a:p>
+        </p:txBody>
+      </p:sp>
+      <p:sp>
+        <p:nvSpPr>
+          <p:cNvPr id="399" name="Shape 399"/>
+          <p:cNvSpPr txBox="1"/>
+          <p:nvPr/>
+        </p:nvSpPr>
+        <p:spPr>
+          <a:xfrm>
+            <a:off x="1755058" y="2000863"/>
+            <a:ext cx="13317794" cy="5815781"/>
+          </a:xfrm>
+          <a:prstGeom prst="rect">
+            <a:avLst/>
+          </a:prstGeom>
+          <a:noFill/>
+          <a:ln>
+            <a:noFill/>
+          </a:ln>
+        </p:spPr>
+        <p:txBody>
+          <a:bodyPr lIns="0" tIns="0" rIns="0" bIns="0" anchor="ctr" anchorCtr="0">
+            <a:noAutofit/>
+          </a:bodyPr>
+          <a:lstStyle/>
+          <a:p>
+            <a:pPr marL="0" marR="0" lvl="0" indent="0" algn="l" defTabSz="914400" rtl="0" eaLnBrk="1" fontAlgn="auto" latinLnBrk="0" hangingPunct="1">
+              <a:lnSpc>
+                <a:spcPct val="100000"/>
+              </a:lnSpc>
+              <a:spcBef>
+                <a:spcPts val="0"/>
+              </a:spcBef>
+              <a:spcAft>
+                <a:spcPts val="0"/>
+              </a:spcAft>
+              <a:buClr>
+                <a:srgbClr val="FFFFFF"/>
+              </a:buClr>
+              <a:buSzPct val="25000"/>
+              <a:buFontTx/>
+              <a:buNone/>
+              <a:tabLst/>
+              <a:defRPr/>
+            </a:pPr>
+            <a:endParaRPr kumimoji="0" lang="en-US" sz="3400" b="0" i="0" u="none" strike="noStrike" kern="0" cap="none" spc="0" normalizeH="0" baseline="0" noProof="0" dirty="0">
+              <a:ln>
+                <a:noFill/>
+              </a:ln>
+              <a:solidFill>
+                <a:srgbClr val="000000"/>
+              </a:solidFill>
+              <a:effectLst/>
+              <a:uLnTx/>
+              <a:uFillTx/>
+              <a:latin typeface="Cabin"/>
+              <a:ea typeface="Cabin"/>
+              <a:cs typeface="Cabin"/>
+              <a:sym typeface="Cabin"/>
+            </a:endParaRPr>
+          </a:p>
+        </p:txBody>
+      </p:sp>
+    </p:spTree>
+    <p:extLst>
+      <p:ext uri="{BB962C8B-B14F-4D97-AF65-F5344CB8AC3E}">
+        <p14:creationId xmlns:p14="http://schemas.microsoft.com/office/powerpoint/2010/main" val="1152816502"/>
+      </p:ext>
+    </p:extLst>
+  </p:cSld>
+  <p:clrMapOvr>
+    <a:masterClrMapping/>
+  </p:clrMapOvr>
+  <p:timing>
+    <p:tnLst>
+      <p:par>
+        <p:cTn id="1" dur="indefinite" restart="never" nodeType="tmRoot"/>
+      </p:par>
+    </p:tnLst>
+  </p:timing>
+</p:sld>
+</file>
+
+<file path=ppt/slides/slide4.xml><?xml version="1.0" encoding="utf-8"?>
+<p:sld xmlns:a="http://schemas.openxmlformats.org/drawingml/2006/main" xmlns:r="http://schemas.openxmlformats.org/officeDocument/2006/relationships" xmlns:p="http://schemas.openxmlformats.org/presentationml/2006/main">
+  <p:cSld>
+    <p:bg>
+      <p:bgPr>
+        <a:solidFill>
+          <a:schemeClr val="bg1"/>
+        </a:solidFill>
+        <a:effectLst/>
+      </p:bgPr>
+    </p:bg>
+    <p:spTree>
+      <p:nvGrpSpPr>
+        <p:cNvPr id="1" name="Shape 397"/>
+        <p:cNvGrpSpPr/>
+        <p:nvPr/>
+      </p:nvGrpSpPr>
+      <p:grpSpPr>
+        <a:xfrm>
+          <a:off x="0" y="0"/>
+          <a:ext cx="0" cy="0"/>
+          <a:chOff x="0" y="0"/>
+          <a:chExt cx="0" cy="0"/>
+        </a:xfrm>
+      </p:grpSpPr>
+      <p:sp>
+        <p:nvSpPr>
+          <p:cNvPr id="398" name="Shape 398"/>
+          <p:cNvSpPr txBox="1"/>
+          <p:nvPr/>
+        </p:nvSpPr>
+        <p:spPr>
+          <a:xfrm>
+            <a:off x="5719884" y="640962"/>
+            <a:ext cx="3692400" cy="660300"/>
+          </a:xfrm>
+          <a:prstGeom prst="rect">
+            <a:avLst/>
+          </a:prstGeom>
+          <a:noFill/>
+          <a:ln>
+            <a:noFill/>
+          </a:ln>
+        </p:spPr>
+        <p:txBody>
+          <a:bodyPr lIns="0" tIns="0" rIns="0" bIns="0" anchor="ctr" anchorCtr="0">
+            <a:noAutofit/>
+          </a:bodyPr>
+          <a:lstStyle/>
+          <a:p>
+            <a:pPr marL="0" marR="0" lvl="0" indent="0" algn="ctr" defTabSz="914400" rtl="0" eaLnBrk="1" fontAlgn="auto" latinLnBrk="0" hangingPunct="1">
+              <a:lnSpc>
+                <a:spcPct val="100000"/>
+              </a:lnSpc>
+              <a:spcBef>
+                <a:spcPts val="0"/>
+              </a:spcBef>
+              <a:spcAft>
+                <a:spcPts val="0"/>
+              </a:spcAft>
+              <a:buClr>
+                <a:srgbClr val="00FF00"/>
+              </a:buClr>
+              <a:buSzPct val="25000"/>
+              <a:buFont typeface="Cabin"/>
+              <a:buNone/>
+              <a:tabLst/>
+              <a:defRPr/>
+            </a:pPr>
+            <a:r>
+              <a:rPr kumimoji="0" lang="ru-RU" sz="4800" b="0" i="0" u="none" strike="noStrike" kern="0" cap="none" spc="0" normalizeH="0" baseline="0" noProof="0" dirty="0" smtClean="0">
+                <a:ln>
+                  <a:noFill/>
+                </a:ln>
+                <a:solidFill>
+                  <a:schemeClr val="bg2"/>
+                </a:solidFill>
+                <a:effectLst/>
+                <a:uLnTx/>
+                <a:uFillTx/>
+                <a:latin typeface="Cabin"/>
+                <a:ea typeface="Cabin"/>
+                <a:cs typeface="Cabin"/>
+                <a:sym typeface="Cabin"/>
+              </a:rPr>
+              <a:t>Виды</a:t>
+            </a:r>
+            <a:r>
+              <a:rPr kumimoji="0" lang="ru-RU" sz="4800" b="0" i="0" u="none" strike="noStrike" kern="0" cap="none" spc="0" normalizeH="0" noProof="0" dirty="0" smtClean="0">
+                <a:ln>
+                  <a:noFill/>
+                </a:ln>
+                <a:solidFill>
+                  <a:schemeClr val="bg2"/>
+                </a:solidFill>
+                <a:effectLst/>
+                <a:uLnTx/>
+                <a:uFillTx/>
+                <a:latin typeface="Cabin"/>
+                <a:ea typeface="Cabin"/>
+                <a:cs typeface="Cabin"/>
+                <a:sym typeface="Cabin"/>
+              </a:rPr>
+              <a:t> </a:t>
+            </a:r>
+            <a:r>
+              <a:rPr kumimoji="0" lang="ru-RU" sz="4800" b="0" i="0" u="none" strike="noStrike" kern="0" cap="none" spc="0" normalizeH="0" noProof="0" dirty="0" smtClean="0">
+                <a:ln>
+                  <a:noFill/>
+                </a:ln>
+                <a:solidFill>
+                  <a:srgbClr val="FF0000"/>
+                </a:solidFill>
+                <a:effectLst/>
+                <a:uLnTx/>
+                <a:uFillTx/>
+                <a:latin typeface="Cabin"/>
+                <a:ea typeface="Cabin"/>
+                <a:cs typeface="Cabin"/>
+                <a:sym typeface="Cabin"/>
+              </a:rPr>
+              <a:t>ошибок</a:t>
+            </a:r>
+            <a:endParaRPr kumimoji="0" lang="en-US" sz="4800" b="0" i="0" u="none" strike="noStrike" kern="0" cap="none" spc="0" normalizeH="0" baseline="0" noProof="0" dirty="0">
+              <a:ln>
+                <a:noFill/>
+              </a:ln>
+              <a:solidFill>
+                <a:srgbClr val="FF0000"/>
+              </a:solidFill>
+              <a:effectLst/>
+              <a:uLnTx/>
+              <a:uFillTx/>
+              <a:latin typeface="Cabin"/>
+              <a:ea typeface="Cabin"/>
+              <a:cs typeface="Cabin"/>
+              <a:sym typeface="Cabin"/>
+            </a:endParaRPr>
+          </a:p>
+        </p:txBody>
+      </p:sp>
+      <p:sp>
+        <p:nvSpPr>
+          <p:cNvPr id="2" name="TextBox 1"/>
+          <p:cNvSpPr txBox="1"/>
+          <p:nvPr/>
+        </p:nvSpPr>
+        <p:spPr>
+          <a:xfrm>
+            <a:off x="1218223" y="3329354"/>
+            <a:ext cx="14197623" cy="3416320"/>
+          </a:xfrm>
+          <a:prstGeom prst="rect">
+            <a:avLst/>
+          </a:prstGeom>
+          <a:noFill/>
+        </p:spPr>
+        <p:txBody>
+          <a:bodyPr wrap="square" rtlCol="0">
+            <a:spAutoFit/>
+          </a:bodyPr>
+          <a:lstStyle/>
+          <a:p>
+            <a:r>
+              <a:rPr lang="ru-RU" sz="3600" dirty="0"/>
+              <a:t>Существует </a:t>
+            </a:r>
+            <a:r>
+              <a:rPr lang="ru-RU" sz="3600" dirty="0" smtClean="0"/>
+              <a:t>два вида </a:t>
+            </a:r>
+            <a:r>
+              <a:rPr lang="ru-RU" sz="3600" dirty="0">
+                <a:solidFill>
+                  <a:srgbClr val="FF0000"/>
+                </a:solidFill>
+              </a:rPr>
+              <a:t>ошибок</a:t>
+            </a:r>
+            <a:r>
+              <a:rPr lang="ru-RU" sz="3600" dirty="0" smtClean="0"/>
+              <a:t>:</a:t>
+            </a:r>
+          </a:p>
+          <a:p>
+            <a:r>
+              <a:rPr lang="ru-RU" sz="3600" dirty="0" smtClean="0"/>
+              <a:t> </a:t>
+            </a:r>
+          </a:p>
+          <a:p>
+            <a:pPr marL="571500" indent="-571500">
+              <a:buFont typeface="Arial" panose="020B0604020202020204" pitchFamily="34" charset="0"/>
+              <a:buChar char="•"/>
+            </a:pPr>
+            <a:r>
+              <a:rPr lang="ru-RU" sz="3600" dirty="0"/>
+              <a:t>	</a:t>
+            </a:r>
+            <a:r>
+              <a:rPr lang="ru-RU" sz="3600" dirty="0" smtClean="0"/>
+              <a:t>синтаксические </a:t>
+            </a:r>
+            <a:r>
+              <a:rPr lang="ru-RU" sz="3600" dirty="0">
+                <a:solidFill>
+                  <a:srgbClr val="FF0000"/>
+                </a:solidFill>
+              </a:rPr>
+              <a:t>ошибки</a:t>
+            </a:r>
+            <a:r>
+              <a:rPr lang="ru-RU" sz="3600" dirty="0"/>
+              <a:t> (</a:t>
+            </a:r>
+            <a:r>
+              <a:rPr lang="ru-RU" sz="3600" dirty="0" err="1"/>
+              <a:t>syntax</a:t>
+            </a:r>
+            <a:r>
+              <a:rPr lang="ru-RU" sz="3600" dirty="0"/>
+              <a:t> </a:t>
+            </a:r>
+            <a:r>
+              <a:rPr lang="ru-RU" sz="3600" dirty="0" err="1"/>
+              <a:t>errors</a:t>
+            </a:r>
+            <a:r>
+              <a:rPr lang="ru-RU" sz="3600" dirty="0"/>
+              <a:t>) </a:t>
+            </a:r>
+          </a:p>
+          <a:p>
+            <a:pPr marL="571500" indent="-571500">
+              <a:buFont typeface="Arial" panose="020B0604020202020204" pitchFamily="34" charset="0"/>
+              <a:buChar char="•"/>
+            </a:pPr>
+            <a:r>
+              <a:rPr lang="ru-RU" sz="3600" dirty="0" smtClean="0"/>
+              <a:t>	</a:t>
+            </a:r>
+            <a:r>
+              <a:rPr lang="ru-RU" sz="3600" dirty="0" smtClean="0">
+                <a:solidFill>
+                  <a:srgbClr val="00B0F0"/>
+                </a:solidFill>
+              </a:rPr>
+              <a:t>исключения</a:t>
+            </a:r>
+            <a:r>
+              <a:rPr lang="ru-RU" sz="3600" dirty="0" smtClean="0"/>
+              <a:t> </a:t>
+            </a:r>
+            <a:r>
+              <a:rPr lang="ru-RU" sz="3600" dirty="0"/>
+              <a:t>(</a:t>
+            </a:r>
+            <a:r>
+              <a:rPr lang="ru-RU" sz="3600" dirty="0" err="1">
+                <a:solidFill>
+                  <a:srgbClr val="FFC000"/>
+                </a:solidFill>
+              </a:rPr>
+              <a:t>exceptions</a:t>
+            </a:r>
+            <a:r>
+              <a:rPr lang="ru-RU" sz="3600" dirty="0" smtClean="0"/>
+              <a:t>)</a:t>
+            </a:r>
+          </a:p>
+          <a:p>
+            <a:pPr marL="571500" indent="-571500">
+              <a:buFont typeface="Arial" panose="020B0604020202020204" pitchFamily="34" charset="0"/>
+              <a:buChar char="•"/>
+            </a:pPr>
+            <a:endParaRPr lang="ru-RU" sz="3600" dirty="0"/>
+          </a:p>
+          <a:p>
+            <a:pPr marL="571500" indent="-571500">
+              <a:buFont typeface="Arial" panose="020B0604020202020204" pitchFamily="34" charset="0"/>
+              <a:buChar char="•"/>
+            </a:pPr>
+            <a:endParaRPr lang="ru-RU" sz="3600" dirty="0"/>
+          </a:p>
+        </p:txBody>
+      </p:sp>
+    </p:spTree>
+    <p:extLst>
+      <p:ext uri="{BB962C8B-B14F-4D97-AF65-F5344CB8AC3E}">
+        <p14:creationId xmlns:p14="http://schemas.microsoft.com/office/powerpoint/2010/main" val="2915555521"/>
+      </p:ext>
+    </p:extLst>
+  </p:cSld>
+  <p:clrMapOvr>
+    <a:masterClrMapping/>
+  </p:clrMapOvr>
+  <p:timing>
+    <p:tnLst>
+      <p:par>
+        <p:cTn id="1" dur="indefinite" restart="never" nodeType="tmRoot">
+          <p:childTnLst>
+            <p:seq concurrent="1" nextAc="seek">
+              <p:cTn id="2" dur="indefinite" nodeType="mainSeq">
+                <p:childTnLst>
+                  <p:par>
+                    <p:cTn id="3" fill="hold">
+                      <p:stCondLst>
+                        <p:cond delay="indefinite"/>
+                      </p:stCondLst>
+                      <p:childTnLst>
+                        <p:par>
+                          <p:cTn id="4" fill="hold">
+                            <p:stCondLst>
+                              <p:cond delay="0"/>
+                            </p:stCondLst>
+                            <p:childTnLst>
+                              <p:par>
+                                <p:cTn id="5" presetID="1" presetClass="entr" presetSubtype="0" fill="hold" nodeType="clickEffect">
+                                  <p:stCondLst>
+                                    <p:cond delay="0"/>
+                                  </p:stCondLst>
+                                  <p:childTnLst>
+                                    <p:set>
+                                      <p:cBhvr>
+                                        <p:cTn id="6" dur="1" fill="hold">
+                                          <p:stCondLst>
+                                            <p:cond delay="0"/>
+                                          </p:stCondLst>
+                                        </p:cTn>
+                                        <p:tgtEl>
+                                          <p:spTgt spid="2">
+                                            <p:txEl>
+                                              <p:pRg st="0" end="0"/>
+                                            </p:txEl>
+                                          </p:spTgt>
+                                        </p:tgtEl>
+                                        <p:attrNameLst>
+                                          <p:attrName>style.visibility</p:attrName>
+                                        </p:attrNameLst>
+                                      </p:cBhvr>
+                                      <p:to>
+                                        <p:strVal val="visible"/>
+                                      </p:to>
+                                    </p:set>
+                                  </p:childTnLst>
+                                </p:cTn>
+                              </p:par>
+                            </p:childTnLst>
+                          </p:cTn>
+                        </p:par>
+                      </p:childTnLst>
+                    </p:cTn>
+                  </p:par>
+                  <p:par>
+                    <p:cTn id="7" fill="hold">
+                      <p:stCondLst>
+                        <p:cond delay="indefinite"/>
+                      </p:stCondLst>
+                      <p:childTnLst>
+                        <p:par>
+                          <p:cTn id="8" fill="hold">
+                            <p:stCondLst>
+                              <p:cond delay="0"/>
+                            </p:stCondLst>
+                            <p:childTnLst>
+                              <p:par>
+                                <p:cTn id="9" presetID="1" presetClass="entr" presetSubtype="0" fill="hold" nodeType="clickEffect">
+                                  <p:stCondLst>
+                                    <p:cond delay="0"/>
+                                  </p:stCondLst>
+                                  <p:childTnLst>
+                                    <p:set>
+                                      <p:cBhvr>
+                                        <p:cTn id="10" dur="1" fill="hold">
+                                          <p:stCondLst>
+                                            <p:cond delay="0"/>
+                                          </p:stCondLst>
+                                        </p:cTn>
+                                        <p:tgtEl>
+                                          <p:spTgt spid="2">
+                                            <p:txEl>
+                                              <p:pRg st="2" end="2"/>
+                                            </p:txEl>
+                                          </p:spTgt>
+                                        </p:tgtEl>
+                                        <p:attrNameLst>
+                                          <p:attrName>style.visibility</p:attrName>
+                                        </p:attrNameLst>
+                                      </p:cBhvr>
+                                      <p:to>
+                                        <p:strVal val="visible"/>
+                                      </p:to>
+                                    </p:set>
+                                  </p:childTnLst>
+                                </p:cTn>
+                              </p:par>
+                            </p:childTnLst>
+                          </p:cTn>
+                        </p:par>
+                      </p:childTnLst>
+                    </p:cTn>
+                  </p:par>
+                  <p:par>
+                    <p:cTn id="11" fill="hold">
+                      <p:stCondLst>
+                        <p:cond delay="indefinite"/>
+                      </p:stCondLst>
+                      <p:childTnLst>
+                        <p:par>
+                          <p:cTn id="12" fill="hold">
+                            <p:stCondLst>
+                              <p:cond delay="0"/>
+                            </p:stCondLst>
+                            <p:childTnLst>
+                              <p:par>
+                                <p:cTn id="13" presetID="1" presetClass="entr" presetSubtype="0" fill="hold" nodeType="clickEffect">
+                                  <p:stCondLst>
+                                    <p:cond delay="0"/>
+                                  </p:stCondLst>
+                                  <p:childTnLst>
+                                    <p:set>
+                                      <p:cBhvr>
+                                        <p:cTn id="14" dur="1" fill="hold">
+                                          <p:stCondLst>
+                                            <p:cond delay="0"/>
+                                          </p:stCondLst>
+                                        </p:cTn>
+                                        <p:tgtEl>
+                                          <p:spTgt spid="2">
+                                            <p:txEl>
+                                              <p:pRg st="3" end="3"/>
+                                            </p:txEl>
+                                          </p:spTgt>
+                                        </p:tgtEl>
+                                        <p:attrNameLst>
+                                          <p:attrName>style.visibility</p:attrName>
+                                        </p:attrNameLst>
+                                      </p:cBhvr>
+                                      <p:to>
+                                        <p:strVal val="visible"/>
+                                      </p:to>
+                                    </p:set>
+                                  </p:childTnLst>
+                                </p:cTn>
+                              </p:par>
+                            </p:childTnLst>
+                          </p:cTn>
+                        </p:par>
+                      </p:childTnLst>
+                    </p:cTn>
+                  </p:par>
+                </p:childTnLst>
+              </p:cTn>
+              <p:prevCondLst>
+                <p:cond evt="onPrev" delay="0">
+                  <p:tgtEl>
+                    <p:sldTgt/>
+                  </p:tgtEl>
+                </p:cond>
+              </p:prevCondLst>
+              <p:nextCondLst>
+                <p:cond evt="onNext" delay="0">
+                  <p:tgtEl>
+                    <p:sldTgt/>
+                  </p:tgtEl>
+                </p:cond>
+              </p:nextCondLst>
+            </p:seq>
+          </p:childTnLst>
+        </p:cTn>
+      </p:par>
+    </p:tnLst>
+  </p:timing>
+</p:sld>
+</file>
+
+<file path=ppt/slides/slide5.xml><?xml version="1.0" encoding="utf-8"?>
+<p:sld xmlns:a="http://schemas.openxmlformats.org/drawingml/2006/main" xmlns:r="http://schemas.openxmlformats.org/officeDocument/2006/relationships" xmlns:p="http://schemas.openxmlformats.org/presentationml/2006/main">
+  <p:cSld>
+    <p:bg>
+      <p:bgPr>
+        <a:solidFill>
+          <a:schemeClr val="bg1"/>
+        </a:solidFill>
+        <a:effectLst/>
+      </p:bgPr>
+    </p:bg>
+    <p:spTree>
+      <p:nvGrpSpPr>
+        <p:cNvPr id="1" name="Shape 397"/>
+        <p:cNvGrpSpPr/>
+        <p:nvPr/>
+      </p:nvGrpSpPr>
+      <p:grpSpPr>
+        <a:xfrm>
+          <a:off x="0" y="0"/>
+          <a:ext cx="0" cy="0"/>
+          <a:chOff x="0" y="0"/>
+          <a:chExt cx="0" cy="0"/>
+        </a:xfrm>
+      </p:grpSpPr>
+      <p:sp>
+        <p:nvSpPr>
+          <p:cNvPr id="398" name="Shape 398"/>
+          <p:cNvSpPr txBox="1"/>
+          <p:nvPr/>
+        </p:nvSpPr>
+        <p:spPr>
+          <a:xfrm>
+            <a:off x="3657600" y="640962"/>
+            <a:ext cx="8182708" cy="660300"/>
+          </a:xfrm>
+          <a:prstGeom prst="rect">
+            <a:avLst/>
+          </a:prstGeom>
+          <a:noFill/>
+          <a:ln>
+            <a:noFill/>
+          </a:ln>
+        </p:spPr>
+        <p:txBody>
+          <a:bodyPr lIns="0" tIns="0" rIns="0" bIns="0" anchor="ctr" anchorCtr="0">
+            <a:noAutofit/>
+          </a:bodyPr>
+          <a:lstStyle/>
+          <a:p>
+            <a:pPr lvl="0" algn="ctr">
+              <a:buClr>
+                <a:srgbClr val="00FF00"/>
+              </a:buClr>
+              <a:buSzPct val="25000"/>
+              <a:defRPr/>
+            </a:pPr>
+            <a:r>
+              <a:rPr lang="ru-RU" sz="4800" dirty="0">
+                <a:solidFill>
+                  <a:schemeClr val="bg2"/>
+                </a:solidFill>
+                <a:latin typeface="Cabin"/>
+                <a:ea typeface="Cabin"/>
+                <a:cs typeface="Cabin"/>
+                <a:sym typeface="Cabin"/>
+              </a:rPr>
+              <a:t>Синтаксические </a:t>
+            </a:r>
+            <a:r>
+              <a:rPr lang="ru-RU" sz="4800" dirty="0">
+                <a:solidFill>
+                  <a:srgbClr val="FF0000"/>
+                </a:solidFill>
+                <a:latin typeface="Cabin"/>
+                <a:ea typeface="Cabin"/>
+                <a:cs typeface="Cabin"/>
+                <a:sym typeface="Cabin"/>
+              </a:rPr>
+              <a:t>ошибки</a:t>
+            </a:r>
+            <a:endParaRPr kumimoji="0" lang="en-US" sz="4800" b="0" i="0" u="none" strike="noStrike" kern="0" cap="none" spc="0" normalizeH="0" baseline="0" noProof="0" dirty="0">
+              <a:ln>
+                <a:noFill/>
+              </a:ln>
+              <a:solidFill>
+                <a:srgbClr val="FF0000"/>
+              </a:solidFill>
+              <a:effectLst/>
+              <a:uLnTx/>
+              <a:uFillTx/>
+              <a:latin typeface="Cabin"/>
+              <a:ea typeface="Cabin"/>
+              <a:cs typeface="Cabin"/>
+              <a:sym typeface="Cabin"/>
+            </a:endParaRPr>
+          </a:p>
+        </p:txBody>
+      </p:sp>
+      <p:sp>
+        <p:nvSpPr>
+          <p:cNvPr id="2" name="TextBox 1"/>
+          <p:cNvSpPr txBox="1"/>
+          <p:nvPr/>
+        </p:nvSpPr>
+        <p:spPr>
+          <a:xfrm>
+            <a:off x="749300" y="1758462"/>
+            <a:ext cx="14197623" cy="1754326"/>
+          </a:xfrm>
+          <a:prstGeom prst="rect">
+            <a:avLst/>
+          </a:prstGeom>
+          <a:noFill/>
+        </p:spPr>
+        <p:txBody>
+          <a:bodyPr wrap="square" rtlCol="0">
+            <a:spAutoFit/>
+          </a:bodyPr>
+          <a:lstStyle/>
+          <a:p>
+            <a:r>
+              <a:rPr lang="ru-RU" sz="3600" dirty="0"/>
+              <a:t>Синтаксические </a:t>
+            </a:r>
+            <a:r>
+              <a:rPr lang="ru-RU" sz="3600" dirty="0">
+                <a:solidFill>
+                  <a:srgbClr val="FF0000"/>
+                </a:solidFill>
+              </a:rPr>
+              <a:t>ошибки</a:t>
+            </a:r>
+            <a:r>
+              <a:rPr lang="ru-RU" sz="3600" dirty="0"/>
+              <a:t>, также известные как </a:t>
+            </a:r>
+            <a:r>
+              <a:rPr lang="ru-RU" sz="3600" dirty="0">
+                <a:solidFill>
+                  <a:srgbClr val="FF0000"/>
+                </a:solidFill>
+              </a:rPr>
+              <a:t>ошибки</a:t>
+            </a:r>
+            <a:r>
+              <a:rPr lang="ru-RU" sz="3600" dirty="0"/>
+              <a:t> разбора кода (</a:t>
+            </a:r>
+            <a:r>
+              <a:rPr lang="ru-RU" sz="3600" dirty="0" err="1"/>
+              <a:t>парсинга</a:t>
+            </a:r>
+            <a:r>
+              <a:rPr lang="ru-RU" sz="3600" dirty="0"/>
+              <a:t>, </a:t>
+            </a:r>
+            <a:r>
+              <a:rPr lang="ru-RU" sz="3600" dirty="0" err="1"/>
+              <a:t>parsing</a:t>
+            </a:r>
+            <a:r>
+              <a:rPr lang="ru-RU" sz="3600" dirty="0"/>
+              <a:t>) — </a:t>
+            </a:r>
+            <a:r>
+              <a:rPr lang="ru-RU" sz="3600" dirty="0" smtClean="0">
+                <a:solidFill>
+                  <a:srgbClr val="FF0000"/>
+                </a:solidFill>
+              </a:rPr>
+              <a:t>ошибки</a:t>
+            </a:r>
+            <a:r>
+              <a:rPr lang="ru-RU" sz="3600" dirty="0" smtClean="0"/>
+              <a:t>, которые допускает программист при наборе кода:</a:t>
+            </a:r>
+          </a:p>
+        </p:txBody>
+      </p:sp>
+      <p:sp>
+        <p:nvSpPr>
+          <p:cNvPr id="4" name="TextBox 3"/>
+          <p:cNvSpPr txBox="1"/>
+          <p:nvPr/>
+        </p:nvSpPr>
+        <p:spPr>
+          <a:xfrm>
+            <a:off x="749300" y="7764811"/>
+            <a:ext cx="14197623" cy="646331"/>
+          </a:xfrm>
+          <a:prstGeom prst="rect">
+            <a:avLst/>
+          </a:prstGeom>
+          <a:noFill/>
+        </p:spPr>
+        <p:txBody>
+          <a:bodyPr wrap="square" rtlCol="0">
+            <a:spAutoFit/>
+          </a:bodyPr>
+          <a:lstStyle/>
+          <a:p>
+            <a:r>
+              <a:rPr lang="ru-RU" sz="3600" dirty="0" smtClean="0"/>
+              <a:t>Такие </a:t>
+            </a:r>
+            <a:r>
+              <a:rPr lang="ru-RU" sz="3600" dirty="0" smtClean="0">
+                <a:solidFill>
+                  <a:srgbClr val="FF0000"/>
+                </a:solidFill>
+              </a:rPr>
+              <a:t>ошибки</a:t>
+            </a:r>
+            <a:r>
+              <a:rPr lang="ru-RU" sz="3600" dirty="0" smtClean="0"/>
+              <a:t> </a:t>
+            </a:r>
+            <a:r>
+              <a:rPr lang="ru-RU" sz="3600" dirty="0" smtClean="0">
+                <a:solidFill>
+                  <a:srgbClr val="00B050"/>
+                </a:solidFill>
+              </a:rPr>
+              <a:t>выявляются</a:t>
+            </a:r>
+            <a:r>
+              <a:rPr lang="ru-RU" sz="3600" dirty="0" smtClean="0"/>
+              <a:t> </a:t>
+            </a:r>
+            <a:r>
+              <a:rPr lang="ru-RU" sz="3600" u="sng" dirty="0" smtClean="0"/>
+              <a:t>до выполнения </a:t>
+            </a:r>
+            <a:r>
+              <a:rPr lang="ru-RU" sz="3600" dirty="0" smtClean="0"/>
+              <a:t>скрипта</a:t>
+            </a:r>
+          </a:p>
+        </p:txBody>
+      </p:sp>
+      <p:pic>
+        <p:nvPicPr>
+          <p:cNvPr id="6" name="Рисунок 5"/>
+          <p:cNvPicPr>
+            <a:picLocks noChangeAspect="1"/>
+          </p:cNvPicPr>
+          <p:nvPr/>
+        </p:nvPicPr>
+        <p:blipFill rotWithShape="1">
+          <a:blip r:embed="rId3"/>
+          <a:srcRect l="19274" t="41452" r="49188" b="39516"/>
+          <a:stretch/>
+        </p:blipFill>
+        <p:spPr>
+          <a:xfrm>
+            <a:off x="3657600" y="4149969"/>
+            <a:ext cx="8772505" cy="2977661"/>
+          </a:xfrm>
+          <a:prstGeom prst="rect">
+            <a:avLst/>
+          </a:prstGeom>
+        </p:spPr>
+      </p:pic>
+    </p:spTree>
+    <p:extLst>
+      <p:ext uri="{BB962C8B-B14F-4D97-AF65-F5344CB8AC3E}">
+        <p14:creationId xmlns:p14="http://schemas.microsoft.com/office/powerpoint/2010/main" val="3614818604"/>
+      </p:ext>
+    </p:extLst>
+  </p:cSld>
+  <p:clrMapOvr>
+    <a:masterClrMapping/>
+  </p:clrMapOvr>
+  <p:timing>
+    <p:tnLst>
+      <p:par>
+        <p:cTn id="1" dur="indefinite" restart="never" nodeType="tmRoot">
+          <p:childTnLst>
+            <p:seq concurrent="1" nextAc="seek">
+              <p:cTn id="2" dur="indefinite" nodeType="mainSeq">
+                <p:childTnLst>
+                  <p:par>
+                    <p:cTn id="3" fill="hold">
+                      <p:stCondLst>
+                        <p:cond delay="indefinite"/>
+                      </p:stCondLst>
+                      <p:childTnLst>
+                        <p:par>
+                          <p:cTn id="4" fill="hold">
+                            <p:stCondLst>
+                              <p:cond delay="0"/>
+                            </p:stCondLst>
+                            <p:childTnLst>
+                              <p:par>
+                                <p:cTn id="5" presetID="1" presetClass="entr" presetSubtype="0" fill="hold" grpId="0" nodeType="clickEffect">
+                                  <p:stCondLst>
+                                    <p:cond delay="0"/>
+                                  </p:stCondLst>
+                                  <p:childTnLst>
+                                    <p:set>
+                                      <p:cBhvr>
+                                        <p:cTn id="6" dur="1" fill="hold">
+                                          <p:stCondLst>
+                                            <p:cond delay="0"/>
+                                          </p:stCondLst>
+                                        </p:cTn>
+                                        <p:tgtEl>
+                                          <p:spTgt spid="2"/>
+                                        </p:tgtEl>
+                                        <p:attrNameLst>
+                                          <p:attrName>style.visibility</p:attrName>
+                                        </p:attrNameLst>
+                                      </p:cBhvr>
+                                      <p:to>
+                                        <p:strVal val="visible"/>
+                                      </p:to>
+                                    </p:set>
+                                  </p:childTnLst>
+                                </p:cTn>
+                              </p:par>
+                            </p:childTnLst>
+                          </p:cTn>
+                        </p:par>
+                      </p:childTnLst>
+                    </p:cTn>
+                  </p:par>
+                  <p:par>
+                    <p:cTn id="7" fill="hold">
+                      <p:stCondLst>
+                        <p:cond delay="indefinite"/>
+                      </p:stCondLst>
+                      <p:childTnLst>
+                        <p:par>
+                          <p:cTn id="8" fill="hold">
+                            <p:stCondLst>
+                              <p:cond delay="0"/>
+                            </p:stCondLst>
+                            <p:childTnLst>
+                              <p:par>
+                                <p:cTn id="9" presetID="1" presetClass="entr" presetSubtype="0" fill="hold" nodeType="clickEffect">
+                                  <p:stCondLst>
+                                    <p:cond delay="0"/>
+                                  </p:stCondLst>
+                                  <p:childTnLst>
+                                    <p:set>
+                                      <p:cBhvr>
+                                        <p:cTn id="10" dur="1" fill="hold">
+                                          <p:stCondLst>
+                                            <p:cond delay="0"/>
+                                          </p:stCondLst>
+                                        </p:cTn>
+                                        <p:tgtEl>
+                                          <p:spTgt spid="6"/>
+                                        </p:tgtEl>
+                                        <p:attrNameLst>
+                                          <p:attrName>style.visibility</p:attrName>
+                                        </p:attrNameLst>
+                                      </p:cBhvr>
+                                      <p:to>
+                                        <p:strVal val="visible"/>
+                                      </p:to>
+                                    </p:set>
+                                  </p:childTnLst>
+                                </p:cTn>
+                              </p:par>
+                            </p:childTnLst>
+                          </p:cTn>
+                        </p:par>
+                      </p:childTnLst>
+                    </p:cTn>
+                  </p:par>
+                  <p:par>
+                    <p:cTn id="11" fill="hold">
+                      <p:stCondLst>
+                        <p:cond delay="indefinite"/>
+                      </p:stCondLst>
+                      <p:childTnLst>
+                        <p:par>
+                          <p:cTn id="12" fill="hold">
+                            <p:stCondLst>
+                              <p:cond delay="0"/>
+                            </p:stCondLst>
+                            <p:childTnLst>
+                              <p:par>
+                                <p:cTn id="13" presetID="1" presetClass="entr" presetSubtype="0" fill="hold" grpId="0" nodeType="clickEffect">
+                                  <p:stCondLst>
+                                    <p:cond delay="0"/>
+                                  </p:stCondLst>
+                                  <p:childTnLst>
+                                    <p:set>
+                                      <p:cBhvr>
+                                        <p:cTn id="14" dur="1" fill="hold">
+                                          <p:stCondLst>
+                                            <p:cond delay="0"/>
+                                          </p:stCondLst>
+                                        </p:cTn>
+                                        <p:tgtEl>
+                                          <p:spTgt spid="4"/>
+                                        </p:tgtEl>
+                                        <p:attrNameLst>
+                                          <p:attrName>style.visibility</p:attrName>
+                                        </p:attrNameLst>
+                                      </p:cBhvr>
+                                      <p:to>
+                                        <p:strVal val="visible"/>
+                                      </p:to>
+                                    </p:set>
+                                  </p:childTnLst>
+                                </p:cTn>
+                              </p:par>
+                            </p:childTnLst>
+                          </p:cTn>
+                        </p:par>
+                      </p:childTnLst>
+                    </p:cTn>
+                  </p:par>
+                </p:childTnLst>
+              </p:cTn>
+              <p:prevCondLst>
+                <p:cond evt="onPrev" delay="0">
+                  <p:tgtEl>
+                    <p:sldTgt/>
+                  </p:tgtEl>
+                </p:cond>
+              </p:prevCondLst>
+              <p:nextCondLst>
+                <p:cond evt="onNext" delay="0">
+                  <p:tgtEl>
+                    <p:sldTgt/>
+                  </p:tgtEl>
+                </p:cond>
+              </p:nextCondLst>
+            </p:seq>
+          </p:childTnLst>
+        </p:cTn>
+      </p:par>
+    </p:tnLst>
+    <p:bldLst>
+      <p:bldP spid="2" grpId="0"/>
+      <p:bldP spid="4" grpId="0"/>
+    </p:bldLst>
+  </p:timing>
+</p:sld>
+</file>
+
+<file path=ppt/slides/slide6.xml><?xml version="1.0" encoding="utf-8"?>
+<p:sld xmlns:a="http://schemas.openxmlformats.org/drawingml/2006/main" xmlns:r="http://schemas.openxmlformats.org/officeDocument/2006/relationships" xmlns:p="http://schemas.openxmlformats.org/presentationml/2006/main">
+  <p:cSld>
+    <p:bg>
+      <p:bgPr>
+        <a:solidFill>
+          <a:schemeClr val="bg1"/>
+        </a:solidFill>
+        <a:effectLst/>
+      </p:bgPr>
+    </p:bg>
+    <p:spTree>
+      <p:nvGrpSpPr>
+        <p:cNvPr id="1" name="Shape 397"/>
+        <p:cNvGrpSpPr/>
+        <p:nvPr/>
+      </p:nvGrpSpPr>
+      <p:grpSpPr>
+        <a:xfrm>
+          <a:off x="0" y="0"/>
+          <a:ext cx="0" cy="0"/>
+          <a:chOff x="0" y="0"/>
+          <a:chExt cx="0" cy="0"/>
+        </a:xfrm>
+      </p:grpSpPr>
+      <p:sp>
+        <p:nvSpPr>
+          <p:cNvPr id="398" name="Shape 398"/>
+          <p:cNvSpPr txBox="1"/>
+          <p:nvPr/>
+        </p:nvSpPr>
+        <p:spPr>
+          <a:xfrm>
+            <a:off x="3657600" y="640962"/>
+            <a:ext cx="8182708" cy="660300"/>
+          </a:xfrm>
+          <a:prstGeom prst="rect">
+            <a:avLst/>
+          </a:prstGeom>
+          <a:noFill/>
+          <a:ln>
+            <a:noFill/>
+          </a:ln>
+        </p:spPr>
+        <p:txBody>
+          <a:bodyPr lIns="0" tIns="0" rIns="0" bIns="0" anchor="ctr" anchorCtr="0">
+            <a:noAutofit/>
+          </a:bodyPr>
+          <a:lstStyle/>
+          <a:p>
+            <a:pPr lvl="0" algn="ctr">
+              <a:buClr>
+                <a:srgbClr val="00FF00"/>
+              </a:buClr>
+              <a:buSzPct val="25000"/>
+              <a:defRPr/>
+            </a:pPr>
+            <a:r>
+              <a:rPr lang="ru-RU" sz="4800" dirty="0">
+                <a:solidFill>
+                  <a:srgbClr val="00B0F0"/>
+                </a:solidFill>
+                <a:latin typeface="Cabin"/>
+                <a:ea typeface="Cabin"/>
+                <a:cs typeface="Cabin"/>
+                <a:sym typeface="Cabin"/>
+              </a:rPr>
+              <a:t>Исключения</a:t>
+            </a:r>
+            <a:endParaRPr kumimoji="0" lang="en-US" sz="4800" b="0" i="0" u="none" strike="noStrike" kern="0" cap="none" spc="0" normalizeH="0" baseline="0" noProof="0" dirty="0">
+              <a:ln>
+                <a:noFill/>
+              </a:ln>
+              <a:solidFill>
+                <a:srgbClr val="00B0F0"/>
+              </a:solidFill>
+              <a:effectLst/>
+              <a:uLnTx/>
+              <a:uFillTx/>
+              <a:latin typeface="Cabin"/>
+              <a:ea typeface="Cabin"/>
+              <a:cs typeface="Cabin"/>
+              <a:sym typeface="Cabin"/>
+            </a:endParaRPr>
+          </a:p>
+        </p:txBody>
+      </p:sp>
+      <p:sp>
+        <p:nvSpPr>
+          <p:cNvPr id="2" name="TextBox 1"/>
+          <p:cNvSpPr txBox="1"/>
+          <p:nvPr/>
+        </p:nvSpPr>
+        <p:spPr>
+          <a:xfrm>
+            <a:off x="945040" y="1571453"/>
+            <a:ext cx="14197623" cy="2308324"/>
+          </a:xfrm>
+          <a:prstGeom prst="rect">
+            <a:avLst/>
+          </a:prstGeom>
+          <a:noFill/>
+        </p:spPr>
+        <p:txBody>
+          <a:bodyPr wrap="square" rtlCol="0">
+            <a:spAutoFit/>
+          </a:bodyPr>
+          <a:lstStyle/>
+          <a:p>
+            <a:r>
+              <a:rPr lang="ru-RU" sz="3600" dirty="0"/>
+              <a:t>Даже если выражение или оператор синтаксически верны, они могут вызвать </a:t>
+            </a:r>
+            <a:r>
+              <a:rPr lang="ru-RU" sz="3600" dirty="0">
+                <a:solidFill>
+                  <a:srgbClr val="FF0000"/>
+                </a:solidFill>
+              </a:rPr>
+              <a:t>ошибку</a:t>
+            </a:r>
+            <a:r>
+              <a:rPr lang="ru-RU" sz="3600" dirty="0"/>
+              <a:t> при попытке их исполнения. </a:t>
+            </a:r>
+            <a:r>
+              <a:rPr lang="ru-RU" sz="3600" dirty="0">
+                <a:solidFill>
+                  <a:srgbClr val="FF0000"/>
+                </a:solidFill>
+              </a:rPr>
+              <a:t>Ошибки</a:t>
+            </a:r>
+            <a:r>
+              <a:rPr lang="ru-RU" sz="3600" dirty="0"/>
+              <a:t>, обнаруженные при исполнении, называются </a:t>
+            </a:r>
+            <a:r>
+              <a:rPr lang="ru-RU" sz="3600" dirty="0">
+                <a:solidFill>
+                  <a:srgbClr val="00B0F0"/>
+                </a:solidFill>
+              </a:rPr>
+              <a:t>исключениями</a:t>
+            </a:r>
+            <a:r>
+              <a:rPr lang="ru-RU" sz="3600" dirty="0"/>
+              <a:t> (</a:t>
+            </a:r>
+            <a:r>
+              <a:rPr lang="ru-RU" sz="3600" dirty="0" err="1">
+                <a:solidFill>
+                  <a:srgbClr val="FFC000"/>
+                </a:solidFill>
+              </a:rPr>
+              <a:t>exceptions</a:t>
+            </a:r>
+            <a:r>
+              <a:rPr lang="ru-RU" sz="3600" dirty="0"/>
+              <a:t>)</a:t>
+            </a:r>
+            <a:endParaRPr lang="ru-RU" sz="3600" dirty="0" smtClean="0"/>
+          </a:p>
+        </p:txBody>
+      </p:sp>
+      <p:pic>
+        <p:nvPicPr>
+          <p:cNvPr id="3" name="Рисунок 2"/>
+          <p:cNvPicPr>
+            <a:picLocks noChangeAspect="1"/>
+          </p:cNvPicPr>
+          <p:nvPr/>
+        </p:nvPicPr>
+        <p:blipFill rotWithShape="1">
+          <a:blip r:embed="rId3"/>
+          <a:srcRect l="19465" t="35983" r="27842" b="24815"/>
+          <a:stretch/>
+        </p:blipFill>
+        <p:spPr>
+          <a:xfrm>
+            <a:off x="3202220" y="4046361"/>
+            <a:ext cx="11065022" cy="4630617"/>
+          </a:xfrm>
+          <a:prstGeom prst="rect">
+            <a:avLst/>
+          </a:prstGeom>
+        </p:spPr>
+      </p:pic>
+      <p:sp>
+        <p:nvSpPr>
+          <p:cNvPr id="5" name="Прямоугольник 4"/>
+          <p:cNvSpPr/>
+          <p:nvPr/>
+        </p:nvSpPr>
+        <p:spPr>
+          <a:xfrm>
+            <a:off x="3329354" y="5380892"/>
+            <a:ext cx="8358554" cy="339970"/>
+          </a:xfrm>
+          <a:prstGeom prst="rect">
+            <a:avLst/>
+          </a:prstGeom>
+          <a:noFill/>
+          <a:ln>
+            <a:solidFill>
+              <a:srgbClr val="FF0000"/>
+            </a:solidFill>
+          </a:ln>
+        </p:spPr>
+        <p:style>
+          <a:lnRef idx="2">
+            <a:schemeClr val="accent1">
+              <a:shade val="50000"/>
+            </a:schemeClr>
+          </a:lnRef>
+          <a:fillRef idx="1">
+            <a:schemeClr val="accent1"/>
+          </a:fillRef>
+          <a:effectRef idx="0">
+            <a:schemeClr val="accent1"/>
+          </a:effectRef>
+          <a:fontRef idx="minor">
+            <a:schemeClr val="lt1"/>
+          </a:fontRef>
+        </p:style>
+        <p:txBody>
+          <a:bodyPr rtlCol="0" anchor="ctr"/>
+          <a:lstStyle/>
+          <a:p>
+            <a:pPr algn="ctr"/>
+            <a:endParaRPr lang="ru-RU"/>
+          </a:p>
+        </p:txBody>
+      </p:sp>
+      <p:sp>
+        <p:nvSpPr>
+          <p:cNvPr id="8" name="Прямоугольник 7"/>
+          <p:cNvSpPr/>
+          <p:nvPr/>
+        </p:nvSpPr>
+        <p:spPr>
+          <a:xfrm>
+            <a:off x="3329354" y="6858950"/>
+            <a:ext cx="6370700" cy="339970"/>
+          </a:xfrm>
+          <a:prstGeom prst="rect">
+            <a:avLst/>
+          </a:prstGeom>
+          <a:noFill/>
+          <a:ln>
+            <a:solidFill>
+              <a:srgbClr val="FF0000"/>
+            </a:solidFill>
+          </a:ln>
+        </p:spPr>
+        <p:style>
+          <a:lnRef idx="2">
+            <a:schemeClr val="accent1">
+              <a:shade val="50000"/>
+            </a:schemeClr>
+          </a:lnRef>
+          <a:fillRef idx="1">
+            <a:schemeClr val="accent1"/>
+          </a:fillRef>
+          <a:effectRef idx="0">
+            <a:schemeClr val="accent1"/>
+          </a:effectRef>
+          <a:fontRef idx="minor">
+            <a:schemeClr val="lt1"/>
+          </a:fontRef>
+        </p:style>
+        <p:txBody>
+          <a:bodyPr rtlCol="0" anchor="ctr"/>
+          <a:lstStyle/>
+          <a:p>
+            <a:pPr algn="ctr"/>
+            <a:endParaRPr lang="ru-RU"/>
+          </a:p>
+        </p:txBody>
+      </p:sp>
+      <p:sp>
+        <p:nvSpPr>
+          <p:cNvPr id="9" name="Прямоугольник 8"/>
+          <p:cNvSpPr/>
+          <p:nvPr/>
+        </p:nvSpPr>
+        <p:spPr>
+          <a:xfrm>
+            <a:off x="3331343" y="8287580"/>
+            <a:ext cx="10782062" cy="339970"/>
+          </a:xfrm>
+          <a:prstGeom prst="rect">
+            <a:avLst/>
+          </a:prstGeom>
+          <a:noFill/>
+          <a:ln>
+            <a:solidFill>
+              <a:srgbClr val="FF0000"/>
+            </a:solidFill>
+          </a:ln>
+        </p:spPr>
+        <p:style>
+          <a:lnRef idx="2">
+            <a:schemeClr val="accent1">
+              <a:shade val="50000"/>
+            </a:schemeClr>
+          </a:lnRef>
+          <a:fillRef idx="1">
+            <a:schemeClr val="accent1"/>
+          </a:fillRef>
+          <a:effectRef idx="0">
+            <a:schemeClr val="accent1"/>
+          </a:effectRef>
+          <a:fontRef idx="minor">
+            <a:schemeClr val="lt1"/>
+          </a:fontRef>
+        </p:style>
+        <p:txBody>
+          <a:bodyPr rtlCol="0" anchor="ctr"/>
+          <a:lstStyle/>
+          <a:p>
+            <a:pPr algn="ctr"/>
+            <a:endParaRPr lang="ru-RU"/>
+          </a:p>
+        </p:txBody>
+      </p:sp>
+      <p:sp>
+        <p:nvSpPr>
+          <p:cNvPr id="7" name="TextBox 6"/>
+          <p:cNvSpPr txBox="1"/>
+          <p:nvPr/>
+        </p:nvSpPr>
+        <p:spPr>
+          <a:xfrm>
+            <a:off x="11840308" y="5311648"/>
+            <a:ext cx="3037227" cy="461665"/>
+          </a:xfrm>
+          <a:prstGeom prst="rect">
+            <a:avLst/>
+          </a:prstGeom>
+          <a:noFill/>
+        </p:spPr>
+        <p:txBody>
+          <a:bodyPr wrap="square" rtlCol="0">
+            <a:spAutoFit/>
+          </a:bodyPr>
+          <a:lstStyle/>
+          <a:p>
+            <a:r>
+              <a:rPr lang="ru-RU" sz="2400" dirty="0" smtClean="0"/>
+              <a:t>Деление на ноль</a:t>
+            </a:r>
+            <a:endParaRPr lang="ru-RU" sz="2400" dirty="0"/>
+          </a:p>
+        </p:txBody>
+      </p:sp>
+      <p:sp>
+        <p:nvSpPr>
+          <p:cNvPr id="11" name="TextBox 10"/>
+          <p:cNvSpPr txBox="1"/>
+          <p:nvPr/>
+        </p:nvSpPr>
+        <p:spPr>
+          <a:xfrm>
+            <a:off x="9827188" y="6773388"/>
+            <a:ext cx="5495190" cy="461665"/>
+          </a:xfrm>
+          <a:prstGeom prst="rect">
+            <a:avLst/>
+          </a:prstGeom>
+          <a:noFill/>
+        </p:spPr>
+        <p:txBody>
+          <a:bodyPr wrap="square" rtlCol="0">
+            <a:spAutoFit/>
+          </a:bodyPr>
+          <a:lstStyle/>
+          <a:p>
+            <a:r>
+              <a:rPr lang="ru-RU" sz="2400" dirty="0" smtClean="0"/>
+              <a:t>Переменная </a:t>
+            </a:r>
+            <a:r>
+              <a:rPr lang="en-US" sz="2400" dirty="0" smtClean="0"/>
+              <a:t>spam </a:t>
+            </a:r>
+            <a:r>
+              <a:rPr lang="ru-RU" sz="2400" dirty="0" smtClean="0"/>
+              <a:t>не определена</a:t>
+            </a:r>
+            <a:endParaRPr lang="ru-RU" sz="2400" dirty="0"/>
+          </a:p>
+        </p:txBody>
+      </p:sp>
+      <p:sp>
+        <p:nvSpPr>
+          <p:cNvPr id="12" name="TextBox 11"/>
+          <p:cNvSpPr txBox="1"/>
+          <p:nvPr/>
+        </p:nvSpPr>
+        <p:spPr>
+          <a:xfrm>
+            <a:off x="10103156" y="8705443"/>
+            <a:ext cx="5495190" cy="461665"/>
+          </a:xfrm>
+          <a:prstGeom prst="rect">
+            <a:avLst/>
+          </a:prstGeom>
+          <a:noFill/>
+        </p:spPr>
+        <p:txBody>
+          <a:bodyPr wrap="square" rtlCol="0">
+            <a:spAutoFit/>
+          </a:bodyPr>
+          <a:lstStyle/>
+          <a:p>
+            <a:r>
+              <a:rPr lang="ru-RU" sz="2400" dirty="0" smtClean="0"/>
+              <a:t>Конкатенация строки и числа</a:t>
+            </a:r>
+            <a:endParaRPr lang="ru-RU" sz="2400" dirty="0"/>
+          </a:p>
+        </p:txBody>
+      </p:sp>
+    </p:spTree>
+    <p:extLst>
+      <p:ext uri="{BB962C8B-B14F-4D97-AF65-F5344CB8AC3E}">
+        <p14:creationId xmlns:p14="http://schemas.microsoft.com/office/powerpoint/2010/main" val="1412822387"/>
+      </p:ext>
+    </p:extLst>
+  </p:cSld>
+  <p:clrMapOvr>
+    <a:masterClrMapping/>
+  </p:clrMapOvr>
+  <p:timing>
+    <p:tnLst>
+      <p:par>
+        <p:cTn id="1" dur="indefinite" restart="never" nodeType="tmRoot">
+          <p:childTnLst>
+            <p:seq concurrent="1" nextAc="seek">
+              <p:cTn id="2" dur="indefinite" nodeType="mainSeq">
+                <p:childTnLst>
+                  <p:par>
+                    <p:cTn id="3" fill="hold">
+                      <p:stCondLst>
+                        <p:cond delay="indefinite"/>
+                      </p:stCondLst>
+                      <p:childTnLst>
+                        <p:par>
+                          <p:cTn id="4" fill="hold">
+                            <p:stCondLst>
+                              <p:cond delay="0"/>
+                            </p:stCondLst>
+                            <p:childTnLst>
+                              <p:par>
+                                <p:cTn id="5" presetID="1" presetClass="entr" presetSubtype="0" fill="hold" grpId="0" nodeType="clickEffect">
+                                  <p:stCondLst>
+                                    <p:cond delay="0"/>
+                                  </p:stCondLst>
+                                  <p:childTnLst>
+                                    <p:set>
+                                      <p:cBhvr>
+                                        <p:cTn id="6" dur="1" fill="hold">
+                                          <p:stCondLst>
+                                            <p:cond delay="0"/>
+                                          </p:stCondLst>
+                                        </p:cTn>
+                                        <p:tgtEl>
+                                          <p:spTgt spid="2"/>
+                                        </p:tgtEl>
+                                        <p:attrNameLst>
+                                          <p:attrName>style.visibility</p:attrName>
+                                        </p:attrNameLst>
+                                      </p:cBhvr>
+                                      <p:to>
+                                        <p:strVal val="visible"/>
+                                      </p:to>
+                                    </p:set>
+                                  </p:childTnLst>
+                                </p:cTn>
+                              </p:par>
+                            </p:childTnLst>
+                          </p:cTn>
+                        </p:par>
+                      </p:childTnLst>
+                    </p:cTn>
+                  </p:par>
+                  <p:par>
+                    <p:cTn id="7" fill="hold">
+                      <p:stCondLst>
+                        <p:cond delay="indefinite"/>
+                      </p:stCondLst>
+                      <p:childTnLst>
+                        <p:par>
+                          <p:cTn id="8" fill="hold">
+                            <p:stCondLst>
+                              <p:cond delay="0"/>
+                            </p:stCondLst>
+                            <p:childTnLst>
+                              <p:par>
+                                <p:cTn id="9" presetID="1" presetClass="entr" presetSubtype="0" fill="hold" nodeType="clickEffect">
+                                  <p:stCondLst>
+                                    <p:cond delay="0"/>
+                                  </p:stCondLst>
+                                  <p:childTnLst>
+                                    <p:set>
+                                      <p:cBhvr>
+                                        <p:cTn id="10" dur="1" fill="hold">
+                                          <p:stCondLst>
+                                            <p:cond delay="0"/>
+                                          </p:stCondLst>
+                                        </p:cTn>
+                                        <p:tgtEl>
+                                          <p:spTgt spid="3"/>
+                                        </p:tgtEl>
+                                        <p:attrNameLst>
+                                          <p:attrName>style.visibility</p:attrName>
+                                        </p:attrNameLst>
+                                      </p:cBhvr>
+                                      <p:to>
+                                        <p:strVal val="visible"/>
+                                      </p:to>
+                                    </p:set>
+                                  </p:childTnLst>
+                                </p:cTn>
+                              </p:par>
+                            </p:childTnLst>
+                          </p:cTn>
+                        </p:par>
+                      </p:childTnLst>
+                    </p:cTn>
+                  </p:par>
+                  <p:par>
+                    <p:cTn id="11" fill="hold">
+                      <p:stCondLst>
+                        <p:cond delay="indefinite"/>
+                      </p:stCondLst>
+                      <p:childTnLst>
+                        <p:par>
+                          <p:cTn id="12" fill="hold">
+                            <p:stCondLst>
+                              <p:cond delay="0"/>
+                            </p:stCondLst>
+                            <p:childTnLst>
+                              <p:par>
+                                <p:cTn id="13" presetID="1" presetClass="entr" presetSubtype="0" fill="hold" grpId="0" nodeType="clickEffect">
+                                  <p:stCondLst>
+                                    <p:cond delay="0"/>
+                                  </p:stCondLst>
+                                  <p:childTnLst>
+                                    <p:set>
+                                      <p:cBhvr>
+                                        <p:cTn id="14" dur="1" fill="hold">
+                                          <p:stCondLst>
+                                            <p:cond delay="0"/>
+                                          </p:stCondLst>
+                                        </p:cTn>
+                                        <p:tgtEl>
+                                          <p:spTgt spid="5"/>
+                                        </p:tgtEl>
+                                        <p:attrNameLst>
+                                          <p:attrName>style.visibility</p:attrName>
+                                        </p:attrNameLst>
+                                      </p:cBhvr>
+                                      <p:to>
+                                        <p:strVal val="visible"/>
+                                      </p:to>
+                                    </p:set>
+                                  </p:childTnLst>
+                                </p:cTn>
+                              </p:par>
+                            </p:childTnLst>
+                          </p:cTn>
+                        </p:par>
+                      </p:childTnLst>
+                    </p:cTn>
+                  </p:par>
+                  <p:par>
+                    <p:cTn id="15" fill="hold">
+                      <p:stCondLst>
+                        <p:cond delay="indefinite"/>
+                      </p:stCondLst>
+                      <p:childTnLst>
+                        <p:par>
+                          <p:cTn id="16" fill="hold">
+                            <p:stCondLst>
+                              <p:cond delay="0"/>
+                            </p:stCondLst>
+                            <p:childTnLst>
+                              <p:par>
+                                <p:cTn id="17" presetID="1" presetClass="entr" presetSubtype="0" fill="hold" grpId="0" nodeType="clickEffect">
+                                  <p:stCondLst>
+                                    <p:cond delay="0"/>
+                                  </p:stCondLst>
+                                  <p:childTnLst>
+                                    <p:set>
+                                      <p:cBhvr>
+                                        <p:cTn id="18" dur="1" fill="hold">
+                                          <p:stCondLst>
+                                            <p:cond delay="0"/>
+                                          </p:stCondLst>
+                                        </p:cTn>
+                                        <p:tgtEl>
+                                          <p:spTgt spid="7"/>
+                                        </p:tgtEl>
+                                        <p:attrNameLst>
+                                          <p:attrName>style.visibility</p:attrName>
+                                        </p:attrNameLst>
+                                      </p:cBhvr>
+                                      <p:to>
+                                        <p:strVal val="visible"/>
+                                      </p:to>
+                                    </p:set>
+                                  </p:childTnLst>
+                                </p:cTn>
+                              </p:par>
+                            </p:childTnLst>
+                          </p:cTn>
+                        </p:par>
+                      </p:childTnLst>
+                    </p:cTn>
+                  </p:par>
+                  <p:par>
+                    <p:cTn id="19" fill="hold">
+                      <p:stCondLst>
+                        <p:cond delay="indefinite"/>
+                      </p:stCondLst>
+                      <p:childTnLst>
+                        <p:par>
+                          <p:cTn id="20" fill="hold">
+                            <p:stCondLst>
+                              <p:cond delay="0"/>
+                            </p:stCondLst>
+                            <p:childTnLst>
+                              <p:par>
+                                <p:cTn id="21" presetID="1" presetClass="entr" presetSubtype="0" fill="hold" grpId="0" nodeType="clickEffect">
+                                  <p:stCondLst>
+                                    <p:cond delay="0"/>
+                                  </p:stCondLst>
+                                  <p:childTnLst>
+                                    <p:set>
+                                      <p:cBhvr>
+                                        <p:cTn id="22" dur="1" fill="hold">
+                                          <p:stCondLst>
+                                            <p:cond delay="0"/>
+                                          </p:stCondLst>
+                                        </p:cTn>
+                                        <p:tgtEl>
+                                          <p:spTgt spid="8"/>
+                                        </p:tgtEl>
+                                        <p:attrNameLst>
+                                          <p:attrName>style.visibility</p:attrName>
+                                        </p:attrNameLst>
+                                      </p:cBhvr>
+                                      <p:to>
+                                        <p:strVal val="visible"/>
+                                      </p:to>
+                                    </p:set>
+                                  </p:childTnLst>
+                                </p:cTn>
+                              </p:par>
+                            </p:childTnLst>
+                          </p:cTn>
+                        </p:par>
+                      </p:childTnLst>
+                    </p:cTn>
+                  </p:par>
+                  <p:par>
+                    <p:cTn id="23" fill="hold">
+                      <p:stCondLst>
+                        <p:cond delay="indefinite"/>
+                      </p:stCondLst>
+                      <p:childTnLst>
+                        <p:par>
+                          <p:cTn id="24" fill="hold">
+                            <p:stCondLst>
+                              <p:cond delay="0"/>
+                            </p:stCondLst>
+                            <p:childTnLst>
+                              <p:par>
+                                <p:cTn id="25" presetID="1" presetClass="entr" presetSubtype="0" fill="hold" grpId="0" nodeType="clickEffect">
+                                  <p:stCondLst>
+                                    <p:cond delay="0"/>
+                                  </p:stCondLst>
+                                  <p:childTnLst>
+                                    <p:set>
+                                      <p:cBhvr>
+                                        <p:cTn id="26" dur="1" fill="hold">
+                                          <p:stCondLst>
+                                            <p:cond delay="0"/>
+                                          </p:stCondLst>
+                                        </p:cTn>
+                                        <p:tgtEl>
+                                          <p:spTgt spid="11"/>
+                                        </p:tgtEl>
+                                        <p:attrNameLst>
+                                          <p:attrName>style.visibility</p:attrName>
+                                        </p:attrNameLst>
+                                      </p:cBhvr>
+                                      <p:to>
+                                        <p:strVal val="visible"/>
+                                      </p:to>
+                                    </p:set>
+                                  </p:childTnLst>
+                                </p:cTn>
+                              </p:par>
+                            </p:childTnLst>
+                          </p:cTn>
+                        </p:par>
+                      </p:childTnLst>
+                    </p:cTn>
+                  </p:par>
+                  <p:par>
+                    <p:cTn id="27" fill="hold">
+                      <p:stCondLst>
+                        <p:cond delay="indefinite"/>
+                      </p:stCondLst>
+                      <p:childTnLst>
+                        <p:par>
+                          <p:cTn id="28" fill="hold">
+                            <p:stCondLst>
+                              <p:cond delay="0"/>
+                            </p:stCondLst>
+                            <p:childTnLst>
+                              <p:par>
+                                <p:cTn id="29" presetID="1" presetClass="entr" presetSubtype="0" fill="hold" grpId="0" nodeType="clickEffect">
+                                  <p:stCondLst>
+                                    <p:cond delay="0"/>
+                                  </p:stCondLst>
+                                  <p:childTnLst>
+                                    <p:set>
+                                      <p:cBhvr>
+                                        <p:cTn id="30" dur="1" fill="hold">
+                                          <p:stCondLst>
+                                            <p:cond delay="0"/>
+                                          </p:stCondLst>
+                                        </p:cTn>
+                                        <p:tgtEl>
+                                          <p:spTgt spid="9"/>
+                                        </p:tgtEl>
+                                        <p:attrNameLst>
+                                          <p:attrName>style.visibility</p:attrName>
+                                        </p:attrNameLst>
+                                      </p:cBhvr>
+                                      <p:to>
+                                        <p:strVal val="visible"/>
+                                      </p:to>
+                                    </p:set>
+                                  </p:childTnLst>
+                                </p:cTn>
+                              </p:par>
+                            </p:childTnLst>
+                          </p:cTn>
+                        </p:par>
+                      </p:childTnLst>
+                    </p:cTn>
+                  </p:par>
+                  <p:par>
+                    <p:cTn id="31" fill="hold">
+                      <p:stCondLst>
+                        <p:cond delay="indefinite"/>
+                      </p:stCondLst>
+                      <p:childTnLst>
+                        <p:par>
+                          <p:cTn id="32" fill="hold">
+                            <p:stCondLst>
+                              <p:cond delay="0"/>
+                            </p:stCondLst>
+                            <p:childTnLst>
+                              <p:par>
+                                <p:cTn id="33" presetID="1" presetClass="entr" presetSubtype="0" fill="hold" grpId="0" nodeType="clickEffect">
+                                  <p:stCondLst>
+                                    <p:cond delay="0"/>
+                                  </p:stCondLst>
+                                  <p:childTnLst>
+                                    <p:set>
+                                      <p:cBhvr>
+                                        <p:cTn id="34" dur="1" fill="hold">
+                                          <p:stCondLst>
+                                            <p:cond delay="0"/>
+                                          </p:stCondLst>
+                                        </p:cTn>
+                                        <p:tgtEl>
+                                          <p:spTgt spid="12"/>
+                                        </p:tgtEl>
+                                        <p:attrNameLst>
+                                          <p:attrName>style.visibility</p:attrName>
+                                        </p:attrNameLst>
+                                      </p:cBhvr>
+                                      <p:to>
+                                        <p:strVal val="visible"/>
+                                      </p:to>
+                                    </p:set>
+                                  </p:childTnLst>
+                                </p:cTn>
+                              </p:par>
+                            </p:childTnLst>
+                          </p:cTn>
+                        </p:par>
+                      </p:childTnLst>
+                    </p:cTn>
+                  </p:par>
+                </p:childTnLst>
+              </p:cTn>
+              <p:prevCondLst>
+                <p:cond evt="onPrev" delay="0">
+                  <p:tgtEl>
+                    <p:sldTgt/>
+                  </p:tgtEl>
+                </p:cond>
+              </p:prevCondLst>
+              <p:nextCondLst>
+                <p:cond evt="onNext" delay="0">
+                  <p:tgtEl>
+                    <p:sldTgt/>
+                  </p:tgtEl>
+                </p:cond>
+              </p:nextCondLst>
+            </p:seq>
+          </p:childTnLst>
+        </p:cTn>
+      </p:par>
+    </p:tnLst>
+    <p:bldLst>
+      <p:bldP spid="2" grpId="0"/>
+      <p:bldP spid="5" grpId="0" animBg="1"/>
+      <p:bldP spid="8" grpId="0" animBg="1"/>
+      <p:bldP spid="9" grpId="0" animBg="1"/>
+      <p:bldP spid="7" grpId="0"/>
+      <p:bldP spid="11" grpId="0"/>
+      <p:bldP spid="12" grpId="0"/>
+    </p:bldLst>
+  </p:timing>
+</p:sld>
+</file>
+
+<file path=ppt/slides/slide7.xml><?xml version="1.0" encoding="utf-8"?>
+<p:sld xmlns:a="http://schemas.openxmlformats.org/drawingml/2006/main" xmlns:r="http://schemas.openxmlformats.org/officeDocument/2006/relationships" xmlns:p="http://schemas.openxmlformats.org/presentationml/2006/main">
+  <p:cSld>
+    <p:bg>
+      <p:bgPr>
+        <a:solidFill>
+          <a:schemeClr val="bg1"/>
+        </a:solidFill>
+        <a:effectLst/>
+      </p:bgPr>
+    </p:bg>
+    <p:spTree>
+      <p:nvGrpSpPr>
+        <p:cNvPr id="1" name="Shape 397"/>
+        <p:cNvGrpSpPr/>
+        <p:nvPr/>
+      </p:nvGrpSpPr>
+      <p:grpSpPr>
+        <a:xfrm>
+          <a:off x="0" y="0"/>
+          <a:ext cx="0" cy="0"/>
+          <a:chOff x="0" y="0"/>
+          <a:chExt cx="0" cy="0"/>
+        </a:xfrm>
+      </p:grpSpPr>
+      <p:sp>
+        <p:nvSpPr>
+          <p:cNvPr id="398" name="Shape 398"/>
+          <p:cNvSpPr txBox="1"/>
+          <p:nvPr/>
+        </p:nvSpPr>
+        <p:spPr>
+          <a:xfrm>
+            <a:off x="3657600" y="640962"/>
+            <a:ext cx="8182708" cy="660300"/>
+          </a:xfrm>
+          <a:prstGeom prst="rect">
+            <a:avLst/>
+          </a:prstGeom>
+          <a:noFill/>
+          <a:ln>
+            <a:noFill/>
+          </a:ln>
+        </p:spPr>
+        <p:txBody>
+          <a:bodyPr lIns="0" tIns="0" rIns="0" bIns="0" anchor="ctr" anchorCtr="0">
+            <a:noAutofit/>
+          </a:bodyPr>
+          <a:lstStyle/>
+          <a:p>
+            <a:pPr lvl="0" algn="ctr">
+              <a:buClr>
+                <a:srgbClr val="00FF00"/>
+              </a:buClr>
+              <a:buSzPct val="25000"/>
+              <a:defRPr/>
+            </a:pPr>
+            <a:r>
+              <a:rPr lang="ru-RU" sz="4800" dirty="0" smtClean="0">
+                <a:solidFill>
+                  <a:srgbClr val="00B0F0"/>
+                </a:solidFill>
+                <a:latin typeface="Cabin"/>
+                <a:ea typeface="Cabin"/>
+                <a:cs typeface="Cabin"/>
+                <a:sym typeface="Cabin"/>
+              </a:rPr>
+              <a:t>Исключени</a:t>
+            </a:r>
+            <a:r>
+              <a:rPr lang="ru-RU" sz="4800" dirty="0" smtClean="0">
+                <a:solidFill>
+                  <a:srgbClr val="00B0F0"/>
+                </a:solidFill>
+                <a:latin typeface="Cabin"/>
+                <a:ea typeface="Cabin"/>
+                <a:cs typeface="Cabin"/>
+                <a:sym typeface="Cabin"/>
+              </a:rPr>
+              <a:t>е</a:t>
+            </a:r>
+            <a:r>
+              <a:rPr lang="ru-RU" sz="4800" dirty="0" smtClean="0">
+                <a:solidFill>
+                  <a:schemeClr val="bg2"/>
+                </a:solidFill>
+                <a:latin typeface="Cabin"/>
+                <a:ea typeface="Cabin"/>
+                <a:cs typeface="Cabin"/>
+                <a:sym typeface="Cabin"/>
+              </a:rPr>
+              <a:t> – тип данных</a:t>
+            </a:r>
+            <a:endParaRPr kumimoji="0" lang="en-US" sz="4800" b="0" i="0" u="none" strike="noStrike" kern="0" cap="none" spc="0" normalizeH="0" baseline="0" noProof="0" dirty="0">
+              <a:ln>
+                <a:noFill/>
+              </a:ln>
+              <a:solidFill>
+                <a:schemeClr val="bg2"/>
+              </a:solidFill>
+              <a:effectLst/>
+              <a:uLnTx/>
+              <a:uFillTx/>
+              <a:latin typeface="Cabin"/>
+              <a:ea typeface="Cabin"/>
+              <a:cs typeface="Cabin"/>
+              <a:sym typeface="Cabin"/>
+            </a:endParaRPr>
+          </a:p>
+        </p:txBody>
+      </p:sp>
+      <p:sp>
+        <p:nvSpPr>
+          <p:cNvPr id="2" name="TextBox 1"/>
+          <p:cNvSpPr txBox="1"/>
+          <p:nvPr/>
+        </p:nvSpPr>
+        <p:spPr>
+          <a:xfrm>
+            <a:off x="997783" y="2238925"/>
+            <a:ext cx="14197623" cy="1200329"/>
+          </a:xfrm>
+          <a:prstGeom prst="rect">
+            <a:avLst/>
+          </a:prstGeom>
+          <a:noFill/>
+        </p:spPr>
+        <p:txBody>
+          <a:bodyPr wrap="square" rtlCol="0">
+            <a:spAutoFit/>
+          </a:bodyPr>
+          <a:lstStyle/>
+          <a:p>
+            <a:r>
+              <a:rPr lang="ru-RU" sz="3600" dirty="0">
+                <a:solidFill>
+                  <a:srgbClr val="00B0F0"/>
+                </a:solidFill>
+              </a:rPr>
+              <a:t>Исключения</a:t>
+            </a:r>
+            <a:r>
+              <a:rPr lang="ru-RU" sz="3600" dirty="0"/>
+              <a:t> (</a:t>
+            </a:r>
+            <a:r>
+              <a:rPr lang="ru-RU" sz="3600" dirty="0" err="1">
+                <a:solidFill>
+                  <a:srgbClr val="FFC000"/>
+                </a:solidFill>
+              </a:rPr>
+              <a:t>exceptions</a:t>
+            </a:r>
+            <a:r>
+              <a:rPr lang="ru-RU" sz="3600" dirty="0"/>
+              <a:t>) - </a:t>
+            </a:r>
+            <a:r>
+              <a:rPr lang="ru-RU" sz="3600" dirty="0" smtClean="0"/>
+              <a:t>это </a:t>
+            </a:r>
+            <a:r>
+              <a:rPr lang="ru-RU" sz="3600" dirty="0"/>
+              <a:t>тип данных в </a:t>
+            </a:r>
+            <a:r>
+              <a:rPr lang="en-US" sz="3600" dirty="0" smtClean="0"/>
+              <a:t>P</a:t>
+            </a:r>
+            <a:r>
+              <a:rPr lang="ru-RU" sz="3600" dirty="0" err="1" smtClean="0"/>
+              <a:t>ython</a:t>
+            </a:r>
+            <a:r>
+              <a:rPr lang="ru-RU" sz="3600" dirty="0" smtClean="0"/>
+              <a:t> (как </a:t>
+            </a:r>
+            <a:r>
+              <a:rPr lang="en-US" sz="3600" dirty="0" err="1" smtClean="0">
+                <a:solidFill>
+                  <a:srgbClr val="FFC000"/>
+                </a:solidFill>
+              </a:rPr>
+              <a:t>int</a:t>
+            </a:r>
+            <a:r>
+              <a:rPr lang="en-US" sz="3600" dirty="0" smtClean="0"/>
+              <a:t>, </a:t>
+            </a:r>
+            <a:r>
+              <a:rPr lang="en-US" sz="3600" dirty="0" smtClean="0">
+                <a:solidFill>
+                  <a:srgbClr val="FFC000"/>
+                </a:solidFill>
+              </a:rPr>
+              <a:t>bool</a:t>
+            </a:r>
+            <a:r>
+              <a:rPr lang="en-US" sz="3600" dirty="0" smtClean="0"/>
+              <a:t>, </a:t>
+            </a:r>
+            <a:r>
+              <a:rPr lang="en-US" sz="3600" dirty="0" smtClean="0">
+                <a:solidFill>
+                  <a:srgbClr val="FFC000"/>
+                </a:solidFill>
+              </a:rPr>
+              <a:t>float</a:t>
+            </a:r>
+            <a:r>
+              <a:rPr lang="en-US" sz="3600" dirty="0" smtClean="0"/>
+              <a:t> </a:t>
+            </a:r>
+            <a:r>
+              <a:rPr lang="ru-RU" sz="3600" dirty="0" smtClean="0"/>
+              <a:t>и т.д.). </a:t>
+            </a:r>
+            <a:endParaRPr lang="en-US" sz="3600" dirty="0"/>
+          </a:p>
+        </p:txBody>
+      </p:sp>
+      <p:sp>
+        <p:nvSpPr>
+          <p:cNvPr id="3" name="Прямоугольник 2"/>
+          <p:cNvSpPr/>
+          <p:nvPr/>
+        </p:nvSpPr>
+        <p:spPr>
+          <a:xfrm>
+            <a:off x="997783" y="6293804"/>
+            <a:ext cx="12381916" cy="1200329"/>
+          </a:xfrm>
+          <a:prstGeom prst="rect">
+            <a:avLst/>
+          </a:prstGeom>
+        </p:spPr>
+        <p:txBody>
+          <a:bodyPr wrap="none">
+            <a:spAutoFit/>
+          </a:bodyPr>
+          <a:lstStyle/>
+          <a:p>
+            <a:r>
+              <a:rPr lang="ru-RU" sz="3600" dirty="0"/>
+              <a:t>Если </a:t>
+            </a:r>
+            <a:r>
+              <a:rPr lang="ru-RU" sz="3600" dirty="0" smtClean="0">
+                <a:solidFill>
+                  <a:srgbClr val="00B0F0"/>
+                </a:solidFill>
+              </a:rPr>
+              <a:t>исключения</a:t>
+            </a:r>
+            <a:r>
+              <a:rPr lang="ru-RU" sz="3600" dirty="0" smtClean="0"/>
+              <a:t> помогают выявить </a:t>
+            </a:r>
+            <a:r>
+              <a:rPr lang="ru-RU" sz="3600" dirty="0" smtClean="0">
+                <a:solidFill>
+                  <a:srgbClr val="FF0000"/>
+                </a:solidFill>
+              </a:rPr>
+              <a:t>ошибки</a:t>
+            </a:r>
+            <a:r>
+              <a:rPr lang="ru-RU" sz="3600" dirty="0" smtClean="0"/>
+              <a:t>, </a:t>
+            </a:r>
+            <a:r>
+              <a:rPr lang="ru-RU" sz="3600" dirty="0"/>
+              <a:t>то должен </a:t>
+            </a:r>
+            <a:endParaRPr lang="ru-RU" sz="3600" dirty="0" smtClean="0"/>
+          </a:p>
+          <a:p>
+            <a:r>
+              <a:rPr lang="ru-RU" sz="3600" dirty="0" smtClean="0"/>
+              <a:t>существовать </a:t>
+            </a:r>
+            <a:r>
+              <a:rPr lang="ru-RU" sz="3600" dirty="0"/>
+              <a:t>и способ их </a:t>
+            </a:r>
+            <a:r>
+              <a:rPr lang="ru-RU" sz="3600" dirty="0" smtClean="0"/>
+              <a:t>отлавливания.</a:t>
+            </a:r>
+            <a:endParaRPr lang="ru-RU" sz="3600" dirty="0"/>
+          </a:p>
+        </p:txBody>
+      </p:sp>
+      <p:sp>
+        <p:nvSpPr>
+          <p:cNvPr id="5" name="Прямоугольник 4"/>
+          <p:cNvSpPr/>
+          <p:nvPr/>
+        </p:nvSpPr>
+        <p:spPr>
+          <a:xfrm>
+            <a:off x="997783" y="4140315"/>
+            <a:ext cx="13762893" cy="1200329"/>
+          </a:xfrm>
+          <a:prstGeom prst="rect">
+            <a:avLst/>
+          </a:prstGeom>
+        </p:spPr>
+        <p:txBody>
+          <a:bodyPr wrap="square">
+            <a:spAutoFit/>
+          </a:bodyPr>
+          <a:lstStyle/>
+          <a:p>
+            <a:pPr lvl="0"/>
+            <a:r>
+              <a:rPr lang="ru-RU" sz="3600" dirty="0">
+                <a:solidFill>
+                  <a:srgbClr val="00B0F0"/>
+                </a:solidFill>
+              </a:rPr>
+              <a:t>Исключения</a:t>
+            </a:r>
+            <a:r>
+              <a:rPr lang="ru-RU" sz="3600" dirty="0"/>
+              <a:t> необходимы для того, чтобы сообщать программисту об </a:t>
+            </a:r>
+            <a:r>
+              <a:rPr lang="ru-RU" sz="3600" dirty="0">
+                <a:solidFill>
+                  <a:srgbClr val="FF0000"/>
+                </a:solidFill>
+              </a:rPr>
+              <a:t>ошибках</a:t>
+            </a:r>
+            <a:r>
+              <a:rPr lang="ru-RU" sz="3600" dirty="0"/>
+              <a:t>.</a:t>
+            </a:r>
+            <a:endParaRPr lang="en-US" sz="3600" dirty="0"/>
+          </a:p>
+        </p:txBody>
+      </p:sp>
+    </p:spTree>
+    <p:extLst>
+      <p:ext uri="{BB962C8B-B14F-4D97-AF65-F5344CB8AC3E}">
+        <p14:creationId xmlns:p14="http://schemas.microsoft.com/office/powerpoint/2010/main" val="1235930524"/>
+      </p:ext>
+    </p:extLst>
+  </p:cSld>
+  <p:clrMapOvr>
+    <a:masterClrMapping/>
+  </p:clrMapOvr>
+  <p:timing>
+    <p:tnLst>
+      <p:par>
+        <p:cTn id="1" dur="indefinite" restart="never" nodeType="tmRoot">
+          <p:childTnLst>
+            <p:seq concurrent="1" nextAc="seek">
+              <p:cTn id="2" dur="indefinite" nodeType="mainSeq">
+                <p:childTnLst>
+                  <p:par>
+                    <p:cTn id="3" fill="hold">
+                      <p:stCondLst>
+                        <p:cond delay="indefinite"/>
+                      </p:stCondLst>
+                      <p:childTnLst>
+                        <p:par>
+                          <p:cTn id="4" fill="hold">
+                            <p:stCondLst>
+                              <p:cond delay="0"/>
+                            </p:stCondLst>
+                            <p:childTnLst>
+                              <p:par>
+                                <p:cTn id="5" presetID="1" presetClass="entr" presetSubtype="0" fill="hold" grpId="0" nodeType="clickEffect">
+                                  <p:stCondLst>
+                                    <p:cond delay="0"/>
+                                  </p:stCondLst>
+                                  <p:childTnLst>
+                                    <p:set>
+                                      <p:cBhvr>
+                                        <p:cTn id="6" dur="1" fill="hold">
+                                          <p:stCondLst>
+                                            <p:cond delay="0"/>
+                                          </p:stCondLst>
+                                        </p:cTn>
+                                        <p:tgtEl>
+                                          <p:spTgt spid="2"/>
+                                        </p:tgtEl>
+                                        <p:attrNameLst>
+                                          <p:attrName>style.visibility</p:attrName>
+                                        </p:attrNameLst>
+                                      </p:cBhvr>
+                                      <p:to>
+                                        <p:strVal val="visible"/>
+                                      </p:to>
+                                    </p:set>
+                                  </p:childTnLst>
+                                </p:cTn>
+                              </p:par>
+                            </p:childTnLst>
+                          </p:cTn>
+                        </p:par>
+                      </p:childTnLst>
+                    </p:cTn>
+                  </p:par>
+                  <p:par>
+                    <p:cTn id="7" fill="hold">
+                      <p:stCondLst>
+                        <p:cond delay="indefinite"/>
+                      </p:stCondLst>
+                      <p:childTnLst>
+                        <p:par>
+                          <p:cTn id="8" fill="hold">
+                            <p:stCondLst>
+                              <p:cond delay="0"/>
+                            </p:stCondLst>
+                            <p:childTnLst>
+                              <p:par>
+                                <p:cTn id="9" presetID="1" presetClass="entr" presetSubtype="0" fill="hold" grpId="0" nodeType="clickEffect">
+                                  <p:stCondLst>
+                                    <p:cond delay="0"/>
+                                  </p:stCondLst>
+                                  <p:childTnLst>
+                                    <p:set>
+                                      <p:cBhvr>
+                                        <p:cTn id="10" dur="1" fill="hold">
+                                          <p:stCondLst>
+                                            <p:cond delay="0"/>
+                                          </p:stCondLst>
+                                        </p:cTn>
+                                        <p:tgtEl>
+                                          <p:spTgt spid="5"/>
+                                        </p:tgtEl>
+                                        <p:attrNameLst>
+                                          <p:attrName>style.visibility</p:attrName>
+                                        </p:attrNameLst>
+                                      </p:cBhvr>
+                                      <p:to>
+                                        <p:strVal val="visible"/>
+                                      </p:to>
+                                    </p:set>
+                                  </p:childTnLst>
+                                </p:cTn>
+                              </p:par>
+                            </p:childTnLst>
+                          </p:cTn>
+                        </p:par>
+                      </p:childTnLst>
+                    </p:cTn>
+                  </p:par>
+                  <p:par>
+                    <p:cTn id="11" fill="hold">
+                      <p:stCondLst>
+                        <p:cond delay="indefinite"/>
+                      </p:stCondLst>
+                      <p:childTnLst>
+                        <p:par>
+                          <p:cTn id="12" fill="hold">
+                            <p:stCondLst>
+                              <p:cond delay="0"/>
+                            </p:stCondLst>
+                            <p:childTnLst>
+                              <p:par>
+                                <p:cTn id="13" presetID="1" presetClass="entr" presetSubtype="0" fill="hold" grpId="0" nodeType="clickEffect">
+                                  <p:stCondLst>
+                                    <p:cond delay="0"/>
+                                  </p:stCondLst>
+                                  <p:childTnLst>
+                                    <p:set>
+                                      <p:cBhvr>
+                                        <p:cTn id="14" dur="1" fill="hold">
+                                          <p:stCondLst>
+                                            <p:cond delay="0"/>
+                                          </p:stCondLst>
+                                        </p:cTn>
+                                        <p:tgtEl>
+                                          <p:spTgt spid="3"/>
+                                        </p:tgtEl>
+                                        <p:attrNameLst>
+                                          <p:attrName>style.visibility</p:attrName>
+                                        </p:attrNameLst>
+                                      </p:cBhvr>
+                                      <p:to>
+                                        <p:strVal val="visible"/>
+                                      </p:to>
+                                    </p:set>
+                                  </p:childTnLst>
+                                </p:cTn>
+                              </p:par>
+                            </p:childTnLst>
+                          </p:cTn>
+                        </p:par>
+                      </p:childTnLst>
+                    </p:cTn>
+                  </p:par>
+                </p:childTnLst>
+              </p:cTn>
+              <p:prevCondLst>
+                <p:cond evt="onPrev" delay="0">
+                  <p:tgtEl>
+                    <p:sldTgt/>
+                  </p:tgtEl>
+                </p:cond>
+              </p:prevCondLst>
+              <p:nextCondLst>
+                <p:cond evt="onNext" delay="0">
+                  <p:tgtEl>
+                    <p:sldTgt/>
+                  </p:tgtEl>
+                </p:cond>
+              </p:nextCondLst>
+            </p:seq>
+          </p:childTnLst>
+        </p:cTn>
+      </p:par>
+    </p:tnLst>
+    <p:bldLst>
+      <p:bldP spid="2" grpId="0"/>
+      <p:bldP spid="3" grpId="0"/>
+      <p:bldP spid="5" grpId="0"/>
+    </p:bldLst>
+  </p:timing>
+</p:sld>
+</file>
+
+<file path=ppt/slides/slide8.xml><?xml version="1.0" encoding="utf-8"?>
+<p:sld xmlns:a="http://schemas.openxmlformats.org/drawingml/2006/main" xmlns:r="http://schemas.openxmlformats.org/officeDocument/2006/relationships" xmlns:p="http://schemas.openxmlformats.org/presentationml/2006/main">
+  <p:cSld>
+    <p:bg>
+      <p:bgPr>
+        <a:solidFill>
+          <a:schemeClr val="bg1"/>
+        </a:solidFill>
+        <a:effectLst/>
+      </p:bgPr>
+    </p:bg>
+    <p:spTree>
+      <p:nvGrpSpPr>
+        <p:cNvPr id="1" name="Shape 397"/>
+        <p:cNvGrpSpPr/>
+        <p:nvPr/>
+      </p:nvGrpSpPr>
+      <p:grpSpPr>
+        <a:xfrm>
+          <a:off x="0" y="0"/>
+          <a:ext cx="0" cy="0"/>
+          <a:chOff x="0" y="0"/>
+          <a:chExt cx="0" cy="0"/>
+        </a:xfrm>
+      </p:grpSpPr>
+      <p:sp>
+        <p:nvSpPr>
+          <p:cNvPr id="398" name="Shape 398"/>
+          <p:cNvSpPr txBox="1"/>
+          <p:nvPr/>
+        </p:nvSpPr>
+        <p:spPr>
+          <a:xfrm>
+            <a:off x="3657600" y="640962"/>
+            <a:ext cx="8182708" cy="660300"/>
+          </a:xfrm>
+          <a:prstGeom prst="rect">
+            <a:avLst/>
+          </a:prstGeom>
+          <a:noFill/>
+          <a:ln>
+            <a:noFill/>
+          </a:ln>
+        </p:spPr>
+        <p:txBody>
+          <a:bodyPr lIns="0" tIns="0" rIns="0" bIns="0" anchor="ctr" anchorCtr="0">
+            <a:noAutofit/>
+          </a:bodyPr>
+          <a:lstStyle/>
+          <a:p>
+            <a:pPr lvl="0" algn="ctr">
+              <a:buClr>
+                <a:srgbClr val="00FF00"/>
+              </a:buClr>
+              <a:buSzPct val="25000"/>
+              <a:defRPr/>
+            </a:pPr>
+            <a:r>
+              <a:rPr lang="ru-RU" sz="4800" dirty="0">
+                <a:solidFill>
+                  <a:schemeClr val="bg2"/>
+                </a:solidFill>
+                <a:latin typeface="Cabin"/>
+                <a:ea typeface="Cabin"/>
+                <a:cs typeface="Cabin"/>
+                <a:sym typeface="Cabin"/>
+              </a:rPr>
+              <a:t>Обработка исключений</a:t>
+            </a:r>
+            <a:endParaRPr kumimoji="0" lang="en-US" sz="4800" b="0" i="0" u="none" strike="noStrike" kern="0" cap="none" spc="0" normalizeH="0" baseline="0" noProof="0" dirty="0">
+              <a:ln>
+                <a:noFill/>
+              </a:ln>
+              <a:solidFill>
+                <a:schemeClr val="bg2"/>
+              </a:solidFill>
+              <a:effectLst/>
+              <a:uLnTx/>
+              <a:uFillTx/>
+              <a:latin typeface="Cabin"/>
+              <a:ea typeface="Cabin"/>
+              <a:cs typeface="Cabin"/>
+              <a:sym typeface="Cabin"/>
+            </a:endParaRPr>
+          </a:p>
+        </p:txBody>
+      </p:sp>
+      <p:sp>
+        <p:nvSpPr>
+          <p:cNvPr id="2" name="TextBox 1"/>
+          <p:cNvSpPr txBox="1"/>
+          <p:nvPr/>
+        </p:nvSpPr>
+        <p:spPr>
+          <a:xfrm>
+            <a:off x="945040" y="1571453"/>
+            <a:ext cx="14197623" cy="1200329"/>
+          </a:xfrm>
+          <a:prstGeom prst="rect">
+            <a:avLst/>
+          </a:prstGeom>
+          <a:noFill/>
+        </p:spPr>
+        <p:txBody>
+          <a:bodyPr wrap="square" rtlCol="0">
+            <a:spAutoFit/>
+          </a:bodyPr>
+          <a:lstStyle/>
+          <a:p>
+            <a:r>
+              <a:rPr lang="ru-RU" sz="3600" dirty="0"/>
+              <a:t>Существует возможность </a:t>
+            </a:r>
+            <a:r>
+              <a:rPr lang="ru-RU" sz="3600" dirty="0" smtClean="0">
+                <a:solidFill>
+                  <a:srgbClr val="00B0F0"/>
+                </a:solidFill>
+              </a:rPr>
+              <a:t>перехватывать</a:t>
+            </a:r>
+            <a:r>
+              <a:rPr lang="ru-RU" sz="3600" dirty="0" smtClean="0"/>
+              <a:t> исключения при помощи конструкции </a:t>
+            </a:r>
+            <a:r>
+              <a:rPr lang="en-US" sz="3600" dirty="0" smtClean="0">
+                <a:solidFill>
+                  <a:srgbClr val="00B050"/>
+                </a:solidFill>
+                <a:latin typeface="Courier New" panose="02070309020205020404" pitchFamily="49" charset="0"/>
+                <a:cs typeface="Courier New" panose="02070309020205020404" pitchFamily="49" charset="0"/>
+              </a:rPr>
+              <a:t>try</a:t>
+            </a:r>
+            <a:r>
+              <a:rPr lang="en-US" sz="3600" dirty="0" smtClean="0">
+                <a:latin typeface="Courier New" panose="02070309020205020404" pitchFamily="49" charset="0"/>
+                <a:cs typeface="Courier New" panose="02070309020205020404" pitchFamily="49" charset="0"/>
+              </a:rPr>
+              <a:t>… </a:t>
+            </a:r>
+            <a:r>
+              <a:rPr lang="en-US" sz="3600" dirty="0" smtClean="0">
+                <a:solidFill>
+                  <a:srgbClr val="00B050"/>
+                </a:solidFill>
+                <a:latin typeface="Courier New" panose="02070309020205020404" pitchFamily="49" charset="0"/>
+                <a:cs typeface="Courier New" panose="02070309020205020404" pitchFamily="49" charset="0"/>
+              </a:rPr>
+              <a:t>exception</a:t>
+            </a:r>
+            <a:r>
+              <a:rPr lang="ru-RU" sz="3600" dirty="0" smtClean="0">
+                <a:latin typeface="Courier New" panose="02070309020205020404" pitchFamily="49" charset="0"/>
+                <a:cs typeface="Courier New" panose="02070309020205020404" pitchFamily="49" charset="0"/>
+              </a:rPr>
+              <a:t> </a:t>
+            </a:r>
+          </a:p>
+        </p:txBody>
+      </p:sp>
+    </p:spTree>
+    <p:extLst>
+      <p:ext uri="{BB962C8B-B14F-4D97-AF65-F5344CB8AC3E}">
+        <p14:creationId xmlns:p14="http://schemas.microsoft.com/office/powerpoint/2010/main" val="2946116787"/>
+      </p:ext>
+    </p:extLst>
+  </p:cSld>
+  <p:clrMapOvr>
+    <a:masterClrMapping/>
+  </p:clrMapOvr>
+  <p:timing>
+    <p:tnLst>
+      <p:par>
+        <p:cTn id="1" dur="indefinite" restart="never" nodeType="tmRoot"/>
+      </p:par>
+    </p:tnLst>
+  </p:timing>
+</p:sld>
+</file>
+
+<file path=ppt/slides/slide9.xml><?xml version="1.0" encoding="utf-8"?>
+<p:sld xmlns:a="http://schemas.openxmlformats.org/drawingml/2006/main" xmlns:r="http://schemas.openxmlformats.org/officeDocument/2006/relationships" xmlns:p="http://schemas.openxmlformats.org/presentationml/2006/main">
+  <p:cSld>
+    <p:bg>
+      <p:bgPr>
+        <a:solidFill>
+          <a:schemeClr val="bg1"/>
+        </a:solidFill>
+        <a:effectLst/>
+      </p:bgPr>
+    </p:bg>
+    <p:spTree>
+      <p:nvGrpSpPr>
+        <p:cNvPr id="1" name="Shape 397"/>
+        <p:cNvGrpSpPr/>
+        <p:nvPr/>
+      </p:nvGrpSpPr>
+      <p:grpSpPr>
+        <a:xfrm>
+          <a:off x="0" y="0"/>
+          <a:ext cx="0" cy="0"/>
+          <a:chOff x="0" y="0"/>
+          <a:chExt cx="0" cy="0"/>
+        </a:xfrm>
+      </p:grpSpPr>
+      <p:sp>
+        <p:nvSpPr>
+          <p:cNvPr id="398" name="Shape 398"/>
+          <p:cNvSpPr txBox="1"/>
+          <p:nvPr/>
+        </p:nvSpPr>
+        <p:spPr>
+          <a:xfrm>
+            <a:off x="3657600" y="640962"/>
+            <a:ext cx="8182708" cy="660300"/>
+          </a:xfrm>
+          <a:prstGeom prst="rect">
+            <a:avLst/>
+          </a:prstGeom>
+          <a:noFill/>
+          <a:ln>
+            <a:noFill/>
+          </a:ln>
+        </p:spPr>
+        <p:txBody>
+          <a:bodyPr lIns="0" tIns="0" rIns="0" bIns="0" anchor="ctr" anchorCtr="0">
+            <a:noAutofit/>
+          </a:bodyPr>
+          <a:lstStyle/>
+          <a:p>
+            <a:pPr lvl="0" algn="ctr">
+              <a:buClr>
+                <a:srgbClr val="00FF00"/>
+              </a:buClr>
+              <a:buSzPct val="25000"/>
+              <a:defRPr/>
+            </a:pPr>
+            <a:r>
+              <a:rPr lang="ru-RU" sz="4800" dirty="0">
+                <a:solidFill>
+                  <a:schemeClr val="bg2"/>
+                </a:solidFill>
+                <a:latin typeface="Cabin"/>
+                <a:ea typeface="Cabin"/>
+                <a:cs typeface="Cabin"/>
+                <a:sym typeface="Cabin"/>
+              </a:rPr>
+              <a:t>Порождение исключений</a:t>
+            </a:r>
+            <a:endParaRPr kumimoji="0" lang="en-US" sz="4800" b="0" i="0" u="none" strike="noStrike" kern="0" cap="none" spc="0" normalizeH="0" baseline="0" noProof="0" dirty="0">
+              <a:ln>
+                <a:noFill/>
+              </a:ln>
+              <a:solidFill>
+                <a:schemeClr val="bg2"/>
+              </a:solidFill>
+              <a:effectLst/>
+              <a:uLnTx/>
+              <a:uFillTx/>
+              <a:latin typeface="Cabin"/>
+              <a:ea typeface="Cabin"/>
+              <a:cs typeface="Cabin"/>
+              <a:sym typeface="Cabin"/>
+            </a:endParaRPr>
+          </a:p>
+        </p:txBody>
+      </p:sp>
+      <p:sp>
+        <p:nvSpPr>
+          <p:cNvPr id="2" name="TextBox 1"/>
+          <p:cNvSpPr txBox="1"/>
+          <p:nvPr/>
+        </p:nvSpPr>
+        <p:spPr>
+          <a:xfrm>
+            <a:off x="945040" y="1571453"/>
+            <a:ext cx="14197623" cy="1200329"/>
+          </a:xfrm>
+          <a:prstGeom prst="rect">
+            <a:avLst/>
+          </a:prstGeom>
+          <a:noFill/>
+        </p:spPr>
+        <p:txBody>
+          <a:bodyPr wrap="square" rtlCol="0">
+            <a:spAutoFit/>
+          </a:bodyPr>
+          <a:lstStyle/>
+          <a:p>
+            <a:r>
+              <a:rPr lang="ru-RU" sz="3600" dirty="0"/>
+              <a:t>Оператор </a:t>
+            </a:r>
+            <a:r>
+              <a:rPr lang="ru-RU" sz="3600" dirty="0" err="1"/>
+              <a:t>raise</a:t>
+            </a:r>
+            <a:r>
+              <a:rPr lang="ru-RU" sz="3600" dirty="0"/>
+              <a:t> позволяет программисту принудительно породить исключение. Например:</a:t>
+            </a:r>
+            <a:endParaRPr lang="ru-RU" sz="3600" dirty="0" smtClean="0"/>
+          </a:p>
+        </p:txBody>
+      </p:sp>
+    </p:spTree>
+    <p:extLst>
+      <p:ext uri="{BB962C8B-B14F-4D97-AF65-F5344CB8AC3E}">
+        <p14:creationId xmlns:p14="http://schemas.microsoft.com/office/powerpoint/2010/main" val="2423463002"/>
       </p:ext>
     </p:extLst>
   </p:cSld>

--- a/week05/Exceptions.pptx
+++ b/week05/Exceptions.pptx
@@ -7,7 +7,7 @@
     <p:sldMasterId id="2147483731" r:id="rId3"/>
   </p:sldMasterIdLst>
   <p:notesMasterIdLst>
-    <p:notesMasterId r:id="rId24"/>
+    <p:notesMasterId r:id="rId29"/>
   </p:notesMasterIdLst>
   <p:sldIdLst>
     <p:sldId id="285" r:id="rId4"/>
@@ -18,28 +18,33 @@
     <p:sldId id="332" r:id="rId9"/>
     <p:sldId id="333" r:id="rId10"/>
     <p:sldId id="334" r:id="rId11"/>
-    <p:sldId id="335" r:id="rId12"/>
-    <p:sldId id="323" r:id="rId13"/>
-    <p:sldId id="324" r:id="rId14"/>
-    <p:sldId id="325" r:id="rId15"/>
-    <p:sldId id="326" r:id="rId16"/>
-    <p:sldId id="327" r:id="rId17"/>
-    <p:sldId id="328" r:id="rId18"/>
-    <p:sldId id="329" r:id="rId19"/>
-    <p:sldId id="318" r:id="rId20"/>
-    <p:sldId id="320" r:id="rId21"/>
-    <p:sldId id="321" r:id="rId22"/>
-    <p:sldId id="322" r:id="rId23"/>
+    <p:sldId id="336" r:id="rId12"/>
+    <p:sldId id="335" r:id="rId13"/>
+    <p:sldId id="338" r:id="rId14"/>
+    <p:sldId id="339" r:id="rId15"/>
+    <p:sldId id="340" r:id="rId16"/>
+    <p:sldId id="337" r:id="rId17"/>
+    <p:sldId id="323" r:id="rId18"/>
+    <p:sldId id="324" r:id="rId19"/>
+    <p:sldId id="325" r:id="rId20"/>
+    <p:sldId id="326" r:id="rId21"/>
+    <p:sldId id="327" r:id="rId22"/>
+    <p:sldId id="328" r:id="rId23"/>
+    <p:sldId id="329" r:id="rId24"/>
+    <p:sldId id="318" r:id="rId25"/>
+    <p:sldId id="320" r:id="rId26"/>
+    <p:sldId id="321" r:id="rId27"/>
+    <p:sldId id="322" r:id="rId28"/>
   </p:sldIdLst>
   <p:sldSz cx="16256000" cy="9144000"/>
   <p:notesSz cx="6858000" cy="9144000"/>
   <p:embeddedFontLst>
     <p:embeddedFont>
-      <p:font typeface="Cabin" panose="020B0604020202020204" charset="0"/>
-      <p:regular r:id="rId25"/>
-      <p:bold r:id="rId26"/>
-      <p:italic r:id="rId27"/>
-      <p:boldItalic r:id="rId28"/>
+      <p:font typeface="Cabin" charset="0"/>
+      <p:regular r:id="rId30"/>
+      <p:bold r:id="rId31"/>
+      <p:italic r:id="rId32"/>
+      <p:boldItalic r:id="rId33"/>
     </p:embeddedFont>
   </p:embeddedFontLst>
   <p:defaultTextStyle>
@@ -246,7 +251,7 @@
   </p:defaultTextStyle>
   <p:extLst>
     <p:ext uri="{EFAFB233-063F-42B5-8137-9DF3F51BA10A}">
-      <p15:sldGuideLst xmlns:p15="http://schemas.microsoft.com/office/powerpoint/2012/main">
+      <p15:sldGuideLst xmlns:p15="http://schemas.microsoft.com/office/powerpoint/2012/main" xmlns="">
         <p15:guide id="1" orient="horz" pos="2880">
           <p15:clr>
             <a:srgbClr val="A4A3A4"/>
@@ -648,6 +653,556 @@
   <p:cSld>
     <p:spTree>
       <p:nvGrpSpPr>
+        <p:cNvPr id="1" name="Shape 394"/>
+        <p:cNvGrpSpPr/>
+        <p:nvPr/>
+      </p:nvGrpSpPr>
+      <p:grpSpPr>
+        <a:xfrm>
+          <a:off x="0" y="0"/>
+          <a:ext cx="0" cy="0"/>
+          <a:chOff x="0" y="0"/>
+          <a:chExt cx="0" cy="0"/>
+        </a:xfrm>
+      </p:grpSpPr>
+      <p:sp>
+        <p:nvSpPr>
+          <p:cNvPr id="395" name="Shape 395"/>
+          <p:cNvSpPr txBox="1">
+            <a:spLocks noGrp="1"/>
+          </p:cNvSpPr>
+          <p:nvPr>
+            <p:ph type="body" idx="1"/>
+          </p:nvPr>
+        </p:nvSpPr>
+        <p:spPr>
+          <a:xfrm>
+            <a:off x="685800" y="4343400"/>
+            <a:ext cx="5486399" cy="4114800"/>
+          </a:xfrm>
+          <a:prstGeom prst="rect">
+            <a:avLst/>
+          </a:prstGeom>
+          <a:noFill/>
+          <a:ln>
+            <a:noFill/>
+          </a:ln>
+        </p:spPr>
+        <p:txBody>
+          <a:bodyPr lIns="91425" tIns="91425" rIns="91425" bIns="91425" anchor="ctr" anchorCtr="0">
+            <a:noAutofit/>
+          </a:bodyPr>
+          <a:lstStyle/>
+          <a:p>
+            <a:pPr lvl="0">
+              <a:spcBef>
+                <a:spcPts val="0"/>
+              </a:spcBef>
+              <a:buNone/>
+            </a:pPr>
+            <a:endParaRPr/>
+          </a:p>
+        </p:txBody>
+      </p:sp>
+      <p:sp>
+        <p:nvSpPr>
+          <p:cNvPr id="396" name="Shape 396"/>
+          <p:cNvSpPr>
+            <a:spLocks noGrp="1" noRot="1" noChangeAspect="1"/>
+          </p:cNvSpPr>
+          <p:nvPr>
+            <p:ph type="sldImg" idx="2"/>
+          </p:nvPr>
+        </p:nvSpPr>
+        <p:spPr>
+          <a:xfrm>
+            <a:off x="381000" y="685800"/>
+            <a:ext cx="6096000" cy="3429000"/>
+          </a:xfrm>
+          <a:custGeom>
+            <a:avLst/>
+            <a:gdLst/>
+            <a:ahLst/>
+            <a:cxnLst/>
+            <a:rect l="0" t="0" r="0" b="0"/>
+            <a:pathLst>
+              <a:path w="120000" h="120000" extrusionOk="0">
+                <a:moveTo>
+                  <a:pt x="0" y="0"/>
+                </a:moveTo>
+                <a:lnTo>
+                  <a:pt x="120000" y="0"/>
+                </a:lnTo>
+                <a:lnTo>
+                  <a:pt x="120000" y="120000"/>
+                </a:lnTo>
+                <a:lnTo>
+                  <a:pt x="0" y="120000"/>
+                </a:lnTo>
+                <a:close/>
+              </a:path>
+            </a:pathLst>
+          </a:custGeom>
+        </p:spPr>
+      </p:sp>
+    </p:spTree>
+    <p:extLst>
+      <p:ext uri="{BB962C8B-B14F-4D97-AF65-F5344CB8AC3E}">
+        <p14:creationId xmlns:p14="http://schemas.microsoft.com/office/powerpoint/2010/main" val="3594758372"/>
+      </p:ext>
+    </p:extLst>
+  </p:cSld>
+  <p:clrMapOvr>
+    <a:masterClrMapping/>
+  </p:clrMapOvr>
+</p:notes>
+</file>
+
+<file path=ppt/notesSlides/notesSlide11.xml><?xml version="1.0" encoding="utf-8"?>
+<p:notes xmlns:a="http://schemas.openxmlformats.org/drawingml/2006/main" xmlns:r="http://schemas.openxmlformats.org/officeDocument/2006/relationships" xmlns:p="http://schemas.openxmlformats.org/presentationml/2006/main" showMasterSp="0" showMasterPhAnim="0">
+  <p:cSld>
+    <p:spTree>
+      <p:nvGrpSpPr>
+        <p:cNvPr id="1" name="Shape 394"/>
+        <p:cNvGrpSpPr/>
+        <p:nvPr/>
+      </p:nvGrpSpPr>
+      <p:grpSpPr>
+        <a:xfrm>
+          <a:off x="0" y="0"/>
+          <a:ext cx="0" cy="0"/>
+          <a:chOff x="0" y="0"/>
+          <a:chExt cx="0" cy="0"/>
+        </a:xfrm>
+      </p:grpSpPr>
+      <p:sp>
+        <p:nvSpPr>
+          <p:cNvPr id="395" name="Shape 395"/>
+          <p:cNvSpPr txBox="1">
+            <a:spLocks noGrp="1"/>
+          </p:cNvSpPr>
+          <p:nvPr>
+            <p:ph type="body" idx="1"/>
+          </p:nvPr>
+        </p:nvSpPr>
+        <p:spPr>
+          <a:xfrm>
+            <a:off x="685800" y="4343400"/>
+            <a:ext cx="5486399" cy="4114800"/>
+          </a:xfrm>
+          <a:prstGeom prst="rect">
+            <a:avLst/>
+          </a:prstGeom>
+          <a:noFill/>
+          <a:ln>
+            <a:noFill/>
+          </a:ln>
+        </p:spPr>
+        <p:txBody>
+          <a:bodyPr lIns="91425" tIns="91425" rIns="91425" bIns="91425" anchor="ctr" anchorCtr="0">
+            <a:noAutofit/>
+          </a:bodyPr>
+          <a:lstStyle/>
+          <a:p>
+            <a:pPr lvl="0">
+              <a:spcBef>
+                <a:spcPts val="0"/>
+              </a:spcBef>
+              <a:buNone/>
+            </a:pPr>
+            <a:endParaRPr/>
+          </a:p>
+        </p:txBody>
+      </p:sp>
+      <p:sp>
+        <p:nvSpPr>
+          <p:cNvPr id="396" name="Shape 396"/>
+          <p:cNvSpPr>
+            <a:spLocks noGrp="1" noRot="1" noChangeAspect="1"/>
+          </p:cNvSpPr>
+          <p:nvPr>
+            <p:ph type="sldImg" idx="2"/>
+          </p:nvPr>
+        </p:nvSpPr>
+        <p:spPr>
+          <a:xfrm>
+            <a:off x="381000" y="685800"/>
+            <a:ext cx="6096000" cy="3429000"/>
+          </a:xfrm>
+          <a:custGeom>
+            <a:avLst/>
+            <a:gdLst/>
+            <a:ahLst/>
+            <a:cxnLst/>
+            <a:rect l="0" t="0" r="0" b="0"/>
+            <a:pathLst>
+              <a:path w="120000" h="120000" extrusionOk="0">
+                <a:moveTo>
+                  <a:pt x="0" y="0"/>
+                </a:moveTo>
+                <a:lnTo>
+                  <a:pt x="120000" y="0"/>
+                </a:lnTo>
+                <a:lnTo>
+                  <a:pt x="120000" y="120000"/>
+                </a:lnTo>
+                <a:lnTo>
+                  <a:pt x="0" y="120000"/>
+                </a:lnTo>
+                <a:close/>
+              </a:path>
+            </a:pathLst>
+          </a:custGeom>
+        </p:spPr>
+      </p:sp>
+    </p:spTree>
+    <p:extLst>
+      <p:ext uri="{BB962C8B-B14F-4D97-AF65-F5344CB8AC3E}">
+        <p14:creationId xmlns:p14="http://schemas.microsoft.com/office/powerpoint/2010/main" val="3594758372"/>
+      </p:ext>
+    </p:extLst>
+  </p:cSld>
+  <p:clrMapOvr>
+    <a:masterClrMapping/>
+  </p:clrMapOvr>
+</p:notes>
+</file>
+
+<file path=ppt/notesSlides/notesSlide12.xml><?xml version="1.0" encoding="utf-8"?>
+<p:notes xmlns:a="http://schemas.openxmlformats.org/drawingml/2006/main" xmlns:r="http://schemas.openxmlformats.org/officeDocument/2006/relationships" xmlns:p="http://schemas.openxmlformats.org/presentationml/2006/main" showMasterSp="0" showMasterPhAnim="0">
+  <p:cSld>
+    <p:spTree>
+      <p:nvGrpSpPr>
+        <p:cNvPr id="1" name="Shape 394"/>
+        <p:cNvGrpSpPr/>
+        <p:nvPr/>
+      </p:nvGrpSpPr>
+      <p:grpSpPr>
+        <a:xfrm>
+          <a:off x="0" y="0"/>
+          <a:ext cx="0" cy="0"/>
+          <a:chOff x="0" y="0"/>
+          <a:chExt cx="0" cy="0"/>
+        </a:xfrm>
+      </p:grpSpPr>
+      <p:sp>
+        <p:nvSpPr>
+          <p:cNvPr id="395" name="Shape 395"/>
+          <p:cNvSpPr txBox="1">
+            <a:spLocks noGrp="1"/>
+          </p:cNvSpPr>
+          <p:nvPr>
+            <p:ph type="body" idx="1"/>
+          </p:nvPr>
+        </p:nvSpPr>
+        <p:spPr>
+          <a:xfrm>
+            <a:off x="685800" y="4343400"/>
+            <a:ext cx="5486399" cy="4114800"/>
+          </a:xfrm>
+          <a:prstGeom prst="rect">
+            <a:avLst/>
+          </a:prstGeom>
+          <a:noFill/>
+          <a:ln>
+            <a:noFill/>
+          </a:ln>
+        </p:spPr>
+        <p:txBody>
+          <a:bodyPr lIns="91425" tIns="91425" rIns="91425" bIns="91425" anchor="ctr" anchorCtr="0">
+            <a:noAutofit/>
+          </a:bodyPr>
+          <a:lstStyle/>
+          <a:p>
+            <a:pPr lvl="0">
+              <a:spcBef>
+                <a:spcPts val="0"/>
+              </a:spcBef>
+              <a:buNone/>
+            </a:pPr>
+            <a:endParaRPr/>
+          </a:p>
+        </p:txBody>
+      </p:sp>
+      <p:sp>
+        <p:nvSpPr>
+          <p:cNvPr id="396" name="Shape 396"/>
+          <p:cNvSpPr>
+            <a:spLocks noGrp="1" noRot="1" noChangeAspect="1"/>
+          </p:cNvSpPr>
+          <p:nvPr>
+            <p:ph type="sldImg" idx="2"/>
+          </p:nvPr>
+        </p:nvSpPr>
+        <p:spPr>
+          <a:xfrm>
+            <a:off x="381000" y="685800"/>
+            <a:ext cx="6096000" cy="3429000"/>
+          </a:xfrm>
+          <a:custGeom>
+            <a:avLst/>
+            <a:gdLst/>
+            <a:ahLst/>
+            <a:cxnLst/>
+            <a:rect l="0" t="0" r="0" b="0"/>
+            <a:pathLst>
+              <a:path w="120000" h="120000" extrusionOk="0">
+                <a:moveTo>
+                  <a:pt x="0" y="0"/>
+                </a:moveTo>
+                <a:lnTo>
+                  <a:pt x="120000" y="0"/>
+                </a:lnTo>
+                <a:lnTo>
+                  <a:pt x="120000" y="120000"/>
+                </a:lnTo>
+                <a:lnTo>
+                  <a:pt x="0" y="120000"/>
+                </a:lnTo>
+                <a:close/>
+              </a:path>
+            </a:pathLst>
+          </a:custGeom>
+        </p:spPr>
+      </p:sp>
+    </p:spTree>
+    <p:extLst>
+      <p:ext uri="{BB962C8B-B14F-4D97-AF65-F5344CB8AC3E}">
+        <p14:creationId xmlns:p14="http://schemas.microsoft.com/office/powerpoint/2010/main" val="3594758372"/>
+      </p:ext>
+    </p:extLst>
+  </p:cSld>
+  <p:clrMapOvr>
+    <a:masterClrMapping/>
+  </p:clrMapOvr>
+</p:notes>
+</file>
+
+<file path=ppt/notesSlides/notesSlide13.xml><?xml version="1.0" encoding="utf-8"?>
+<p:notes xmlns:a="http://schemas.openxmlformats.org/drawingml/2006/main" xmlns:r="http://schemas.openxmlformats.org/officeDocument/2006/relationships" xmlns:p="http://schemas.openxmlformats.org/presentationml/2006/main" showMasterSp="0" showMasterPhAnim="0">
+  <p:cSld>
+    <p:spTree>
+      <p:nvGrpSpPr>
+        <p:cNvPr id="1" name="Shape 209"/>
+        <p:cNvGrpSpPr/>
+        <p:nvPr/>
+      </p:nvGrpSpPr>
+      <p:grpSpPr>
+        <a:xfrm>
+          <a:off x="0" y="0"/>
+          <a:ext cx="0" cy="0"/>
+          <a:chOff x="0" y="0"/>
+          <a:chExt cx="0" cy="0"/>
+        </a:xfrm>
+      </p:grpSpPr>
+      <p:sp>
+        <p:nvSpPr>
+          <p:cNvPr id="210" name="Shape 210"/>
+          <p:cNvSpPr txBox="1">
+            <a:spLocks noGrp="1"/>
+          </p:cNvSpPr>
+          <p:nvPr>
+            <p:ph type="body" idx="1"/>
+          </p:nvPr>
+        </p:nvSpPr>
+        <p:spPr>
+          <a:xfrm>
+            <a:off x="685800" y="4343400"/>
+            <a:ext cx="5486399" cy="4114800"/>
+          </a:xfrm>
+          <a:prstGeom prst="rect">
+            <a:avLst/>
+          </a:prstGeom>
+          <a:noFill/>
+          <a:ln>
+            <a:noFill/>
+          </a:ln>
+        </p:spPr>
+        <p:txBody>
+          <a:bodyPr lIns="91425" tIns="91425" rIns="91425" bIns="91425" anchor="ctr" anchorCtr="0">
+            <a:noAutofit/>
+          </a:bodyPr>
+          <a:lstStyle/>
+          <a:p>
+            <a:pPr lvl="0">
+              <a:spcBef>
+                <a:spcPts val="0"/>
+              </a:spcBef>
+              <a:buNone/>
+            </a:pPr>
+            <a:endParaRPr/>
+          </a:p>
+        </p:txBody>
+      </p:sp>
+      <p:sp>
+        <p:nvSpPr>
+          <p:cNvPr id="211" name="Shape 211"/>
+          <p:cNvSpPr>
+            <a:spLocks noGrp="1" noRot="1" noChangeAspect="1"/>
+          </p:cNvSpPr>
+          <p:nvPr>
+            <p:ph type="sldImg" idx="2"/>
+          </p:nvPr>
+        </p:nvSpPr>
+        <p:spPr>
+          <a:xfrm>
+            <a:off x="381000" y="685800"/>
+            <a:ext cx="6096000" cy="3429000"/>
+          </a:xfrm>
+          <a:custGeom>
+            <a:avLst/>
+            <a:gdLst/>
+            <a:ahLst/>
+            <a:cxnLst/>
+            <a:rect l="0" t="0" r="0" b="0"/>
+            <a:pathLst>
+              <a:path w="120000" h="120000" extrusionOk="0">
+                <a:moveTo>
+                  <a:pt x="0" y="0"/>
+                </a:moveTo>
+                <a:lnTo>
+                  <a:pt x="120000" y="0"/>
+                </a:lnTo>
+                <a:lnTo>
+                  <a:pt x="120000" y="120000"/>
+                </a:lnTo>
+                <a:lnTo>
+                  <a:pt x="0" y="120000"/>
+                </a:lnTo>
+                <a:close/>
+              </a:path>
+            </a:pathLst>
+          </a:custGeom>
+        </p:spPr>
+      </p:sp>
+    </p:spTree>
+    <p:extLst>
+      <p:ext uri="{BB962C8B-B14F-4D97-AF65-F5344CB8AC3E}">
+        <p14:creationId xmlns:p14="http://schemas.microsoft.com/office/powerpoint/2010/main" val="2930511012"/>
+      </p:ext>
+    </p:extLst>
+  </p:cSld>
+  <p:clrMapOvr>
+    <a:masterClrMapping/>
+  </p:clrMapOvr>
+</p:notes>
+</file>
+
+<file path=ppt/notesSlides/notesSlide14.xml><?xml version="1.0" encoding="utf-8"?>
+<p:notes xmlns:a="http://schemas.openxmlformats.org/drawingml/2006/main" xmlns:r="http://schemas.openxmlformats.org/officeDocument/2006/relationships" xmlns:p="http://schemas.openxmlformats.org/presentationml/2006/main" showMasterSp="0" showMasterPhAnim="0">
+  <p:cSld>
+    <p:spTree>
+      <p:nvGrpSpPr>
+        <p:cNvPr id="1" name="Shape 209"/>
+        <p:cNvGrpSpPr/>
+        <p:nvPr/>
+      </p:nvGrpSpPr>
+      <p:grpSpPr>
+        <a:xfrm>
+          <a:off x="0" y="0"/>
+          <a:ext cx="0" cy="0"/>
+          <a:chOff x="0" y="0"/>
+          <a:chExt cx="0" cy="0"/>
+        </a:xfrm>
+      </p:grpSpPr>
+      <p:sp>
+        <p:nvSpPr>
+          <p:cNvPr id="210" name="Shape 210"/>
+          <p:cNvSpPr txBox="1">
+            <a:spLocks noGrp="1"/>
+          </p:cNvSpPr>
+          <p:nvPr>
+            <p:ph type="body" idx="1"/>
+          </p:nvPr>
+        </p:nvSpPr>
+        <p:spPr>
+          <a:xfrm>
+            <a:off x="685800" y="4343400"/>
+            <a:ext cx="5486399" cy="4114800"/>
+          </a:xfrm>
+          <a:prstGeom prst="rect">
+            <a:avLst/>
+          </a:prstGeom>
+          <a:noFill/>
+          <a:ln>
+            <a:noFill/>
+          </a:ln>
+        </p:spPr>
+        <p:txBody>
+          <a:bodyPr lIns="91425" tIns="91425" rIns="91425" bIns="91425" anchor="ctr" anchorCtr="0">
+            <a:noAutofit/>
+          </a:bodyPr>
+          <a:lstStyle/>
+          <a:p>
+            <a:pPr lvl="0">
+              <a:spcBef>
+                <a:spcPts val="0"/>
+              </a:spcBef>
+              <a:buNone/>
+            </a:pPr>
+            <a:endParaRPr/>
+          </a:p>
+        </p:txBody>
+      </p:sp>
+      <p:sp>
+        <p:nvSpPr>
+          <p:cNvPr id="211" name="Shape 211"/>
+          <p:cNvSpPr>
+            <a:spLocks noGrp="1" noRot="1" noChangeAspect="1"/>
+          </p:cNvSpPr>
+          <p:nvPr>
+            <p:ph type="sldImg" idx="2"/>
+          </p:nvPr>
+        </p:nvSpPr>
+        <p:spPr>
+          <a:xfrm>
+            <a:off x="381000" y="685800"/>
+            <a:ext cx="6096000" cy="3429000"/>
+          </a:xfrm>
+          <a:custGeom>
+            <a:avLst/>
+            <a:gdLst/>
+            <a:ahLst/>
+            <a:cxnLst/>
+            <a:rect l="0" t="0" r="0" b="0"/>
+            <a:pathLst>
+              <a:path w="120000" h="120000" extrusionOk="0">
+                <a:moveTo>
+                  <a:pt x="0" y="0"/>
+                </a:moveTo>
+                <a:lnTo>
+                  <a:pt x="120000" y="0"/>
+                </a:lnTo>
+                <a:lnTo>
+                  <a:pt x="120000" y="120000"/>
+                </a:lnTo>
+                <a:lnTo>
+                  <a:pt x="0" y="120000"/>
+                </a:lnTo>
+                <a:close/>
+              </a:path>
+            </a:pathLst>
+          </a:custGeom>
+        </p:spPr>
+      </p:sp>
+    </p:spTree>
+    <p:extLst>
+      <p:ext uri="{BB962C8B-B14F-4D97-AF65-F5344CB8AC3E}">
+        <p14:creationId xmlns:p14="http://schemas.microsoft.com/office/powerpoint/2010/main" val="3397709497"/>
+      </p:ext>
+    </p:extLst>
+  </p:cSld>
+  <p:clrMapOvr>
+    <a:masterClrMapping/>
+  </p:clrMapOvr>
+</p:notes>
+</file>
+
+<file path=ppt/notesSlides/notesSlide15.xml><?xml version="1.0" encoding="utf-8"?>
+<p:notes xmlns:a="http://schemas.openxmlformats.org/drawingml/2006/main" xmlns:r="http://schemas.openxmlformats.org/officeDocument/2006/relationships" xmlns:p="http://schemas.openxmlformats.org/presentationml/2006/main" showMasterSp="0" showMasterPhAnim="0">
+  <p:cSld>
+    <p:spTree>
+      <p:nvGrpSpPr>
         <p:cNvPr id="1" name="Shape 209"/>
         <p:cNvGrpSpPr/>
         <p:nvPr/>
@@ -753,7 +1308,7 @@
 </p:notes>
 </file>
 
-<file path=ppt/notesSlides/notesSlide11.xml><?xml version="1.0" encoding="utf-8"?>
+<file path=ppt/notesSlides/notesSlide16.xml><?xml version="1.0" encoding="utf-8"?>
 <p:notes xmlns:a="http://schemas.openxmlformats.org/drawingml/2006/main" xmlns:r="http://schemas.openxmlformats.org/officeDocument/2006/relationships" xmlns:p="http://schemas.openxmlformats.org/presentationml/2006/main" showMasterSp="0" showMasterPhAnim="0">
   <p:cSld>
     <p:spTree>
@@ -863,7 +1418,7 @@
 </p:notes>
 </file>
 
-<file path=ppt/notesSlides/notesSlide12.xml><?xml version="1.0" encoding="utf-8"?>
+<file path=ppt/notesSlides/notesSlide17.xml><?xml version="1.0" encoding="utf-8"?>
 <p:notes xmlns:a="http://schemas.openxmlformats.org/drawingml/2006/main" xmlns:r="http://schemas.openxmlformats.org/officeDocument/2006/relationships" xmlns:p="http://schemas.openxmlformats.org/presentationml/2006/main" showMasterSp="0" showMasterPhAnim="0">
   <p:cSld>
     <p:spTree>
@@ -973,7 +1528,7 @@
 </p:notes>
 </file>
 
-<file path=ppt/notesSlides/notesSlide13.xml><?xml version="1.0" encoding="utf-8"?>
+<file path=ppt/notesSlides/notesSlide18.xml><?xml version="1.0" encoding="utf-8"?>
 <p:notes xmlns:a="http://schemas.openxmlformats.org/drawingml/2006/main" xmlns:r="http://schemas.openxmlformats.org/officeDocument/2006/relationships" xmlns:p="http://schemas.openxmlformats.org/presentationml/2006/main" showMasterSp="0" showMasterPhAnim="0">
   <p:cSld>
     <p:spTree>
@@ -1083,7 +1638,7 @@
 </p:notes>
 </file>
 
-<file path=ppt/notesSlides/notesSlide14.xml><?xml version="1.0" encoding="utf-8"?>
+<file path=ppt/notesSlides/notesSlide19.xml><?xml version="1.0" encoding="utf-8"?>
 <p:notes xmlns:a="http://schemas.openxmlformats.org/drawingml/2006/main" xmlns:r="http://schemas.openxmlformats.org/officeDocument/2006/relationships" xmlns:p="http://schemas.openxmlformats.org/presentationml/2006/main" showMasterSp="0" showMasterPhAnim="0">
   <p:cSld>
     <p:spTree>
@@ -1193,7 +1748,117 @@
 </p:notes>
 </file>
 
-<file path=ppt/notesSlides/notesSlide15.xml><?xml version="1.0" encoding="utf-8"?>
+<file path=ppt/notesSlides/notesSlide2.xml><?xml version="1.0" encoding="utf-8"?>
+<p:notes xmlns:a="http://schemas.openxmlformats.org/drawingml/2006/main" xmlns:r="http://schemas.openxmlformats.org/officeDocument/2006/relationships" xmlns:p="http://schemas.openxmlformats.org/presentationml/2006/main" showMasterSp="0" showMasterPhAnim="0">
+  <p:cSld>
+    <p:spTree>
+      <p:nvGrpSpPr>
+        <p:cNvPr id="1" name="Shape 394"/>
+        <p:cNvGrpSpPr/>
+        <p:nvPr/>
+      </p:nvGrpSpPr>
+      <p:grpSpPr>
+        <a:xfrm>
+          <a:off x="0" y="0"/>
+          <a:ext cx="0" cy="0"/>
+          <a:chOff x="0" y="0"/>
+          <a:chExt cx="0" cy="0"/>
+        </a:xfrm>
+      </p:grpSpPr>
+      <p:sp>
+        <p:nvSpPr>
+          <p:cNvPr id="395" name="Shape 395"/>
+          <p:cNvSpPr txBox="1">
+            <a:spLocks noGrp="1"/>
+          </p:cNvSpPr>
+          <p:nvPr>
+            <p:ph type="body" idx="1"/>
+          </p:nvPr>
+        </p:nvSpPr>
+        <p:spPr>
+          <a:xfrm>
+            <a:off x="685800" y="4343400"/>
+            <a:ext cx="5486399" cy="4114800"/>
+          </a:xfrm>
+          <a:prstGeom prst="rect">
+            <a:avLst/>
+          </a:prstGeom>
+          <a:noFill/>
+          <a:ln>
+            <a:noFill/>
+          </a:ln>
+        </p:spPr>
+        <p:txBody>
+          <a:bodyPr lIns="91425" tIns="91425" rIns="91425" bIns="91425" anchor="ctr" anchorCtr="0">
+            <a:noAutofit/>
+          </a:bodyPr>
+          <a:lstStyle/>
+          <a:p>
+            <a:pPr lvl="0">
+              <a:spcBef>
+                <a:spcPts val="0"/>
+              </a:spcBef>
+              <a:buNone/>
+            </a:pPr>
+            <a:endParaRPr/>
+          </a:p>
+        </p:txBody>
+      </p:sp>
+      <p:sp>
+        <p:nvSpPr>
+          <p:cNvPr id="396" name="Shape 396"/>
+          <p:cNvSpPr>
+            <a:spLocks noGrp="1" noRot="1" noChangeAspect="1"/>
+          </p:cNvSpPr>
+          <p:nvPr>
+            <p:ph type="sldImg" idx="2"/>
+          </p:nvPr>
+        </p:nvSpPr>
+        <p:spPr>
+          <a:xfrm>
+            <a:off x="381000" y="685800"/>
+            <a:ext cx="6096000" cy="3429000"/>
+          </a:xfrm>
+          <a:custGeom>
+            <a:avLst/>
+            <a:gdLst/>
+            <a:ahLst/>
+            <a:cxnLst/>
+            <a:rect l="0" t="0" r="0" b="0"/>
+            <a:pathLst>
+              <a:path w="120000" h="120000" extrusionOk="0">
+                <a:moveTo>
+                  <a:pt x="0" y="0"/>
+                </a:moveTo>
+                <a:lnTo>
+                  <a:pt x="120000" y="0"/>
+                </a:lnTo>
+                <a:lnTo>
+                  <a:pt x="120000" y="120000"/>
+                </a:lnTo>
+                <a:lnTo>
+                  <a:pt x="0" y="120000"/>
+                </a:lnTo>
+                <a:close/>
+              </a:path>
+            </a:pathLst>
+          </a:custGeom>
+        </p:spPr>
+      </p:sp>
+    </p:spTree>
+    <p:extLst>
+      <p:ext uri="{BB962C8B-B14F-4D97-AF65-F5344CB8AC3E}">
+        <p14:creationId xmlns:p14="http://schemas.microsoft.com/office/powerpoint/2010/main" val="531546751"/>
+      </p:ext>
+    </p:extLst>
+  </p:cSld>
+  <p:clrMapOvr>
+    <a:masterClrMapping/>
+  </p:clrMapOvr>
+</p:notes>
+</file>
+
+<file path=ppt/notesSlides/notesSlide20.xml><?xml version="1.0" encoding="utf-8"?>
 <p:notes xmlns:a="http://schemas.openxmlformats.org/drawingml/2006/main" xmlns:r="http://schemas.openxmlformats.org/officeDocument/2006/relationships" xmlns:p="http://schemas.openxmlformats.org/presentationml/2006/main" showMasterSp="0" showMasterPhAnim="0">
   <p:cSld>
     <p:spTree>
@@ -1303,7 +1968,7 @@
 </p:notes>
 </file>
 
-<file path=ppt/notesSlides/notesSlide16.xml><?xml version="1.0" encoding="utf-8"?>
+<file path=ppt/notesSlides/notesSlide21.xml><?xml version="1.0" encoding="utf-8"?>
 <p:notes xmlns:a="http://schemas.openxmlformats.org/drawingml/2006/main" xmlns:r="http://schemas.openxmlformats.org/officeDocument/2006/relationships" xmlns:p="http://schemas.openxmlformats.org/presentationml/2006/main" showMasterSp="0" showMasterPhAnim="0">
   <p:cSld>
     <p:spTree>
@@ -1413,7 +2078,7 @@
 </p:notes>
 </file>
 
-<file path=ppt/notesSlides/notesSlide17.xml><?xml version="1.0" encoding="utf-8"?>
+<file path=ppt/notesSlides/notesSlide22.xml><?xml version="1.0" encoding="utf-8"?>
 <p:notes xmlns:a="http://schemas.openxmlformats.org/drawingml/2006/main" xmlns:r="http://schemas.openxmlformats.org/officeDocument/2006/relationships" xmlns:p="http://schemas.openxmlformats.org/presentationml/2006/main" showMasterSp="0" showMasterPhAnim="0">
   <p:cSld>
     <p:spTree>
@@ -1514,116 +2179,6 @@
     <p:extLst>
       <p:ext uri="{BB962C8B-B14F-4D97-AF65-F5344CB8AC3E}">
         <p14:creationId xmlns:p14="http://schemas.microsoft.com/office/powerpoint/2010/main" val="1337526625"/>
-      </p:ext>
-    </p:extLst>
-  </p:cSld>
-  <p:clrMapOvr>
-    <a:masterClrMapping/>
-  </p:clrMapOvr>
-</p:notes>
-</file>
-
-<file path=ppt/notesSlides/notesSlide2.xml><?xml version="1.0" encoding="utf-8"?>
-<p:notes xmlns:a="http://schemas.openxmlformats.org/drawingml/2006/main" xmlns:r="http://schemas.openxmlformats.org/officeDocument/2006/relationships" xmlns:p="http://schemas.openxmlformats.org/presentationml/2006/main" showMasterSp="0" showMasterPhAnim="0">
-  <p:cSld>
-    <p:spTree>
-      <p:nvGrpSpPr>
-        <p:cNvPr id="1" name="Shape 394"/>
-        <p:cNvGrpSpPr/>
-        <p:nvPr/>
-      </p:nvGrpSpPr>
-      <p:grpSpPr>
-        <a:xfrm>
-          <a:off x="0" y="0"/>
-          <a:ext cx="0" cy="0"/>
-          <a:chOff x="0" y="0"/>
-          <a:chExt cx="0" cy="0"/>
-        </a:xfrm>
-      </p:grpSpPr>
-      <p:sp>
-        <p:nvSpPr>
-          <p:cNvPr id="395" name="Shape 395"/>
-          <p:cNvSpPr txBox="1">
-            <a:spLocks noGrp="1"/>
-          </p:cNvSpPr>
-          <p:nvPr>
-            <p:ph type="body" idx="1"/>
-          </p:nvPr>
-        </p:nvSpPr>
-        <p:spPr>
-          <a:xfrm>
-            <a:off x="685800" y="4343400"/>
-            <a:ext cx="5486399" cy="4114800"/>
-          </a:xfrm>
-          <a:prstGeom prst="rect">
-            <a:avLst/>
-          </a:prstGeom>
-          <a:noFill/>
-          <a:ln>
-            <a:noFill/>
-          </a:ln>
-        </p:spPr>
-        <p:txBody>
-          <a:bodyPr lIns="91425" tIns="91425" rIns="91425" bIns="91425" anchor="ctr" anchorCtr="0">
-            <a:noAutofit/>
-          </a:bodyPr>
-          <a:lstStyle/>
-          <a:p>
-            <a:pPr lvl="0">
-              <a:spcBef>
-                <a:spcPts val="0"/>
-              </a:spcBef>
-              <a:buNone/>
-            </a:pPr>
-            <a:endParaRPr/>
-          </a:p>
-        </p:txBody>
-      </p:sp>
-      <p:sp>
-        <p:nvSpPr>
-          <p:cNvPr id="396" name="Shape 396"/>
-          <p:cNvSpPr>
-            <a:spLocks noGrp="1" noRot="1" noChangeAspect="1"/>
-          </p:cNvSpPr>
-          <p:nvPr>
-            <p:ph type="sldImg" idx="2"/>
-          </p:nvPr>
-        </p:nvSpPr>
-        <p:spPr>
-          <a:xfrm>
-            <a:off x="381000" y="685800"/>
-            <a:ext cx="6096000" cy="3429000"/>
-          </a:xfrm>
-          <a:custGeom>
-            <a:avLst/>
-            <a:gdLst/>
-            <a:ahLst/>
-            <a:cxnLst/>
-            <a:rect l="0" t="0" r="0" b="0"/>
-            <a:pathLst>
-              <a:path w="120000" h="120000" extrusionOk="0">
-                <a:moveTo>
-                  <a:pt x="0" y="0"/>
-                </a:moveTo>
-                <a:lnTo>
-                  <a:pt x="120000" y="0"/>
-                </a:lnTo>
-                <a:lnTo>
-                  <a:pt x="120000" y="120000"/>
-                </a:lnTo>
-                <a:lnTo>
-                  <a:pt x="0" y="120000"/>
-                </a:lnTo>
-                <a:close/>
-              </a:path>
-            </a:pathLst>
-          </a:custGeom>
-        </p:spPr>
-      </p:sp>
-    </p:spTree>
-    <p:extLst>
-      <p:ext uri="{BB962C8B-B14F-4D97-AF65-F5344CB8AC3E}">
-        <p14:creationId xmlns:p14="http://schemas.microsoft.com/office/powerpoint/2010/main" val="531546751"/>
       </p:ext>
     </p:extLst>
   </p:cSld>
@@ -2173,7 +2728,7 @@
     </p:spTree>
     <p:extLst>
       <p:ext uri="{BB962C8B-B14F-4D97-AF65-F5344CB8AC3E}">
-        <p14:creationId xmlns:p14="http://schemas.microsoft.com/office/powerpoint/2010/main" val="3594758372"/>
+        <p14:creationId xmlns:p14="http://schemas.microsoft.com/office/powerpoint/2010/main" val="1983491138"/>
       </p:ext>
     </p:extLst>
   </p:cSld>
@@ -2188,7 +2743,7 @@
   <p:cSld>
     <p:spTree>
       <p:nvGrpSpPr>
-        <p:cNvPr id="1" name="Shape 209"/>
+        <p:cNvPr id="1" name="Shape 394"/>
         <p:cNvGrpSpPr/>
         <p:nvPr/>
       </p:nvGrpSpPr>
@@ -2202,7 +2757,7 @@
       </p:grpSpPr>
       <p:sp>
         <p:nvSpPr>
-          <p:cNvPr id="210" name="Shape 210"/>
+          <p:cNvPr id="395" name="Shape 395"/>
           <p:cNvSpPr txBox="1">
             <a:spLocks noGrp="1"/>
           </p:cNvSpPr>
@@ -2241,7 +2796,7 @@
       </p:sp>
       <p:sp>
         <p:nvSpPr>
-          <p:cNvPr id="211" name="Shape 211"/>
+          <p:cNvPr id="396" name="Shape 396"/>
           <p:cNvSpPr>
             <a:spLocks noGrp="1" noRot="1" noChangeAspect="1"/>
           </p:cNvSpPr>
@@ -2283,7 +2838,7 @@
     </p:spTree>
     <p:extLst>
       <p:ext uri="{BB962C8B-B14F-4D97-AF65-F5344CB8AC3E}">
-        <p14:creationId xmlns:p14="http://schemas.microsoft.com/office/powerpoint/2010/main" val="2930511012"/>
+        <p14:creationId xmlns:p14="http://schemas.microsoft.com/office/powerpoint/2010/main" val="3594758372"/>
       </p:ext>
     </p:extLst>
   </p:cSld>
@@ -2298,7 +2853,7 @@
   <p:cSld>
     <p:spTree>
       <p:nvGrpSpPr>
-        <p:cNvPr id="1" name="Shape 209"/>
+        <p:cNvPr id="1" name="Shape 394"/>
         <p:cNvGrpSpPr/>
         <p:nvPr/>
       </p:nvGrpSpPr>
@@ -2312,7 +2867,7 @@
       </p:grpSpPr>
       <p:sp>
         <p:nvSpPr>
-          <p:cNvPr id="210" name="Shape 210"/>
+          <p:cNvPr id="395" name="Shape 395"/>
           <p:cNvSpPr txBox="1">
             <a:spLocks noGrp="1"/>
           </p:cNvSpPr>
@@ -2351,7 +2906,7 @@
       </p:sp>
       <p:sp>
         <p:nvSpPr>
-          <p:cNvPr id="211" name="Shape 211"/>
+          <p:cNvPr id="396" name="Shape 396"/>
           <p:cNvSpPr>
             <a:spLocks noGrp="1" noRot="1" noChangeAspect="1"/>
           </p:cNvSpPr>
@@ -2393,7 +2948,7 @@
     </p:spTree>
     <p:extLst>
       <p:ext uri="{BB962C8B-B14F-4D97-AF65-F5344CB8AC3E}">
-        <p14:creationId xmlns:p14="http://schemas.microsoft.com/office/powerpoint/2010/main" val="3397709497"/>
+        <p14:creationId xmlns:p14="http://schemas.microsoft.com/office/powerpoint/2010/main" val="3594758372"/>
       </p:ext>
     </p:extLst>
   </p:cSld>
@@ -13349,6 +13904,4958 @@
 <file path=ppt/slides/slide10.xml><?xml version="1.0" encoding="utf-8"?>
 <p:sld xmlns:a="http://schemas.openxmlformats.org/drawingml/2006/main" xmlns:r="http://schemas.openxmlformats.org/officeDocument/2006/relationships" xmlns:p="http://schemas.openxmlformats.org/presentationml/2006/main">
   <p:cSld>
+    <p:bg>
+      <p:bgPr>
+        <a:solidFill>
+          <a:schemeClr val="bg1"/>
+        </a:solidFill>
+        <a:effectLst/>
+      </p:bgPr>
+    </p:bg>
+    <p:spTree>
+      <p:nvGrpSpPr>
+        <p:cNvPr id="1" name="Shape 397"/>
+        <p:cNvGrpSpPr/>
+        <p:nvPr/>
+      </p:nvGrpSpPr>
+      <p:grpSpPr>
+        <a:xfrm>
+          <a:off x="0" y="0"/>
+          <a:ext cx="0" cy="0"/>
+          <a:chOff x="0" y="0"/>
+          <a:chExt cx="0" cy="0"/>
+        </a:xfrm>
+      </p:grpSpPr>
+      <p:sp>
+        <p:nvSpPr>
+          <p:cNvPr id="398" name="Shape 398"/>
+          <p:cNvSpPr txBox="1"/>
+          <p:nvPr/>
+        </p:nvSpPr>
+        <p:spPr>
+          <a:xfrm>
+            <a:off x="2052735" y="628781"/>
+            <a:ext cx="12465697" cy="660300"/>
+          </a:xfrm>
+          <a:prstGeom prst="rect">
+            <a:avLst/>
+          </a:prstGeom>
+          <a:noFill/>
+          <a:ln>
+            <a:noFill/>
+          </a:ln>
+        </p:spPr>
+        <p:txBody>
+          <a:bodyPr lIns="0" tIns="0" rIns="0" bIns="0" anchor="ctr" anchorCtr="0">
+            <a:noAutofit/>
+          </a:bodyPr>
+          <a:lstStyle/>
+          <a:p>
+            <a:pPr lvl="0" algn="ctr">
+              <a:buClr>
+                <a:srgbClr val="00FF00"/>
+              </a:buClr>
+              <a:buSzPct val="25000"/>
+              <a:defRPr/>
+            </a:pPr>
+            <a:r>
+              <a:rPr lang="ru-RU" sz="4800" dirty="0" smtClean="0">
+                <a:solidFill>
+                  <a:schemeClr val="bg2"/>
+                </a:solidFill>
+                <a:latin typeface="Cabin"/>
+                <a:ea typeface="Cabin"/>
+                <a:cs typeface="Cabin"/>
+                <a:sym typeface="Cabin"/>
+              </a:rPr>
+              <a:t>Различные типы исключений</a:t>
+            </a:r>
+            <a:endParaRPr kumimoji="0" lang="en-US" sz="4800" b="0" i="0" u="none" strike="noStrike" kern="0" cap="none" spc="0" normalizeH="0" baseline="0" noProof="0" dirty="0">
+              <a:ln>
+                <a:noFill/>
+              </a:ln>
+              <a:solidFill>
+                <a:schemeClr val="bg2"/>
+              </a:solidFill>
+              <a:effectLst/>
+              <a:uLnTx/>
+              <a:uFillTx/>
+              <a:latin typeface="Cabin"/>
+              <a:ea typeface="Cabin"/>
+              <a:cs typeface="Cabin"/>
+              <a:sym typeface="Cabin"/>
+            </a:endParaRPr>
+          </a:p>
+        </p:txBody>
+      </p:sp>
+      <p:sp>
+        <p:nvSpPr>
+          <p:cNvPr id="2" name="TextBox 1"/>
+          <p:cNvSpPr txBox="1"/>
+          <p:nvPr/>
+        </p:nvSpPr>
+        <p:spPr>
+          <a:xfrm>
+            <a:off x="945040" y="1571453"/>
+            <a:ext cx="14197623" cy="646331"/>
+          </a:xfrm>
+          <a:prstGeom prst="rect">
+            <a:avLst/>
+          </a:prstGeom>
+          <a:noFill/>
+        </p:spPr>
+        <p:txBody>
+          <a:bodyPr wrap="square" rtlCol="0">
+            <a:spAutoFit/>
+          </a:bodyPr>
+          <a:lstStyle/>
+          <a:p>
+            <a:r>
+              <a:rPr lang="ru-RU" sz="3600" dirty="0" smtClean="0"/>
+              <a:t>При работе программы возможны исключения различных типов</a:t>
+            </a:r>
+            <a:endParaRPr lang="ru-RU" sz="3600" dirty="0" smtClean="0"/>
+          </a:p>
+        </p:txBody>
+      </p:sp>
+      <p:pic>
+        <p:nvPicPr>
+          <p:cNvPr id="3074" name="Picture 2"/>
+          <p:cNvPicPr>
+            <a:picLocks noChangeAspect="1" noChangeArrowheads="1"/>
+          </p:cNvPicPr>
+          <p:nvPr/>
+        </p:nvPicPr>
+        <p:blipFill rotWithShape="1">
+          <a:blip r:embed="rId3">
+            <a:extLst>
+              <a:ext uri="{28A0092B-C50C-407E-A947-70E740481C1C}">
+                <a14:useLocalDpi xmlns:a14="http://schemas.microsoft.com/office/drawing/2010/main" val="0"/>
+              </a:ext>
+            </a:extLst>
+          </a:blip>
+          <a:srcRect b="20043"/>
+          <a:stretch/>
+        </p:blipFill>
+        <p:spPr bwMode="auto">
+          <a:xfrm>
+            <a:off x="8658808" y="2671877"/>
+            <a:ext cx="6888954" cy="564809"/>
+          </a:xfrm>
+          <a:prstGeom prst="rect">
+            <a:avLst/>
+          </a:prstGeom>
+          <a:noFill/>
+          <a:ln w="9525">
+            <a:solidFill>
+              <a:schemeClr val="tx1"/>
+            </a:solidFill>
+            <a:miter lim="800000"/>
+            <a:headEnd/>
+            <a:tailEnd/>
+          </a:ln>
+          <a:effectLst/>
+          <a:extLst>
+            <a:ext uri="{909E8E84-426E-40DD-AFC4-6F175D3DCCD1}">
+              <a14:hiddenFill xmlns:a14="http://schemas.microsoft.com/office/drawing/2010/main">
+                <a:solidFill>
+                  <a:schemeClr val="accent1"/>
+                </a:solidFill>
+              </a14:hiddenFill>
+            </a:ext>
+            <a:ext uri="{AF507438-7753-43E0-B8FC-AC1667EBCBE1}">
+              <a14:hiddenEffects xmlns:a14="http://schemas.microsoft.com/office/drawing/2010/main">
+                <a:effectLst>
+                  <a:outerShdw dist="35921" dir="2700000" algn="ctr" rotWithShape="0">
+                    <a:schemeClr val="bg2"/>
+                  </a:outerShdw>
+                </a:effectLst>
+              </a14:hiddenEffects>
+            </a:ext>
+          </a:extLst>
+        </p:spPr>
+      </p:pic>
+      <p:pic>
+        <p:nvPicPr>
+          <p:cNvPr id="3075" name="Picture 3"/>
+          <p:cNvPicPr>
+            <a:picLocks noChangeAspect="1" noChangeArrowheads="1"/>
+          </p:cNvPicPr>
+          <p:nvPr/>
+        </p:nvPicPr>
+        <p:blipFill rotWithShape="1">
+          <a:blip r:embed="rId4">
+            <a:extLst>
+              <a:ext uri="{28A0092B-C50C-407E-A947-70E740481C1C}">
+                <a14:useLocalDpi xmlns:a14="http://schemas.microsoft.com/office/drawing/2010/main" val="0"/>
+              </a:ext>
+            </a:extLst>
+          </a:blip>
+          <a:srcRect r="2188" b="86270"/>
+          <a:stretch/>
+        </p:blipFill>
+        <p:spPr bwMode="auto">
+          <a:xfrm>
+            <a:off x="691128" y="3491615"/>
+            <a:ext cx="14856634" cy="371258"/>
+          </a:xfrm>
+          <a:prstGeom prst="rect">
+            <a:avLst/>
+          </a:prstGeom>
+          <a:noFill/>
+          <a:ln>
+            <a:noFill/>
+          </a:ln>
+          <a:effectLst/>
+          <a:extLst>
+            <a:ext uri="{909E8E84-426E-40DD-AFC4-6F175D3DCCD1}">
+              <a14:hiddenFill xmlns:a14="http://schemas.microsoft.com/office/drawing/2010/main">
+                <a:solidFill>
+                  <a:schemeClr val="accent1"/>
+                </a:solidFill>
+              </a14:hiddenFill>
+            </a:ext>
+            <a:ext uri="{91240B29-F687-4F45-9708-019B960494DF}">
+              <a14:hiddenLine xmlns:a14="http://schemas.microsoft.com/office/drawing/2010/main" w="9525">
+                <a:solidFill>
+                  <a:schemeClr val="tx1"/>
+                </a:solidFill>
+                <a:miter lim="800000"/>
+                <a:headEnd/>
+                <a:tailEnd/>
+              </a14:hiddenLine>
+            </a:ext>
+            <a:ext uri="{AF507438-7753-43E0-B8FC-AC1667EBCBE1}">
+              <a14:hiddenEffects xmlns:a14="http://schemas.microsoft.com/office/drawing/2010/main">
+                <a:effectLst>
+                  <a:outerShdw dist="35921" dir="2700000" algn="ctr" rotWithShape="0">
+                    <a:schemeClr val="bg2"/>
+                  </a:outerShdw>
+                </a:effectLst>
+              </a14:hiddenEffects>
+            </a:ext>
+          </a:extLst>
+        </p:spPr>
+      </p:pic>
+      <p:sp>
+        <p:nvSpPr>
+          <p:cNvPr id="3" name="Облако 2"/>
+          <p:cNvSpPr/>
+          <p:nvPr/>
+        </p:nvSpPr>
+        <p:spPr>
+          <a:xfrm>
+            <a:off x="4105469" y="2852412"/>
+            <a:ext cx="4180114" cy="1051715"/>
+          </a:xfrm>
+          <a:prstGeom prst="cloud">
+            <a:avLst/>
+          </a:prstGeom>
+        </p:spPr>
+        <p:style>
+          <a:lnRef idx="2">
+            <a:schemeClr val="accent1">
+              <a:shade val="50000"/>
+            </a:schemeClr>
+          </a:lnRef>
+          <a:fillRef idx="1">
+            <a:schemeClr val="accent1"/>
+          </a:fillRef>
+          <a:effectRef idx="0">
+            <a:schemeClr val="accent1"/>
+          </a:effectRef>
+          <a:fontRef idx="minor">
+            <a:schemeClr val="lt1"/>
+          </a:fontRef>
+        </p:style>
+        <p:txBody>
+          <a:bodyPr rtlCol="0" anchor="ctr"/>
+          <a:lstStyle/>
+          <a:p>
+            <a:pPr algn="ctr"/>
+            <a:r>
+              <a:rPr lang="ru-RU" sz="2000" dirty="0" smtClean="0">
+                <a:solidFill>
+                  <a:schemeClr val="bg2"/>
+                </a:solidFill>
+              </a:rPr>
+              <a:t>Нажимаем </a:t>
+            </a:r>
+            <a:r>
+              <a:rPr lang="en-US" sz="2000" dirty="0" smtClean="0">
+                <a:solidFill>
+                  <a:schemeClr val="bg2"/>
+                </a:solidFill>
+              </a:rPr>
+              <a:t>Ctrl-D</a:t>
+            </a:r>
+            <a:endParaRPr lang="ru-RU" sz="2000" dirty="0">
+              <a:solidFill>
+                <a:schemeClr val="bg2"/>
+              </a:solidFill>
+            </a:endParaRPr>
+          </a:p>
+        </p:txBody>
+      </p:sp>
+      <p:pic>
+        <p:nvPicPr>
+          <p:cNvPr id="8" name="Picture 3"/>
+          <p:cNvPicPr>
+            <a:picLocks noChangeAspect="1" noChangeArrowheads="1"/>
+          </p:cNvPicPr>
+          <p:nvPr/>
+        </p:nvPicPr>
+        <p:blipFill rotWithShape="1">
+          <a:blip r:embed="rId4">
+            <a:extLst>
+              <a:ext uri="{28A0092B-C50C-407E-A947-70E740481C1C}">
+                <a14:useLocalDpi xmlns:a14="http://schemas.microsoft.com/office/drawing/2010/main" val="0"/>
+              </a:ext>
+            </a:extLst>
+          </a:blip>
+          <a:srcRect t="12235" r="2188" b="809"/>
+          <a:stretch/>
+        </p:blipFill>
+        <p:spPr bwMode="auto">
+          <a:xfrm>
+            <a:off x="691128" y="4017472"/>
+            <a:ext cx="14856634" cy="2351314"/>
+          </a:xfrm>
+          <a:prstGeom prst="rect">
+            <a:avLst/>
+          </a:prstGeom>
+          <a:noFill/>
+          <a:ln>
+            <a:noFill/>
+          </a:ln>
+          <a:effectLst/>
+          <a:extLst>
+            <a:ext uri="{909E8E84-426E-40DD-AFC4-6F175D3DCCD1}">
+              <a14:hiddenFill xmlns:a14="http://schemas.microsoft.com/office/drawing/2010/main">
+                <a:solidFill>
+                  <a:schemeClr val="accent1"/>
+                </a:solidFill>
+              </a14:hiddenFill>
+            </a:ext>
+            <a:ext uri="{91240B29-F687-4F45-9708-019B960494DF}">
+              <a14:hiddenLine xmlns:a14="http://schemas.microsoft.com/office/drawing/2010/main" w="9525">
+                <a:solidFill>
+                  <a:schemeClr val="tx1"/>
+                </a:solidFill>
+                <a:miter lim="800000"/>
+                <a:headEnd/>
+                <a:tailEnd/>
+              </a14:hiddenLine>
+            </a:ext>
+            <a:ext uri="{AF507438-7753-43E0-B8FC-AC1667EBCBE1}">
+              <a14:hiddenEffects xmlns:a14="http://schemas.microsoft.com/office/drawing/2010/main">
+                <a:effectLst>
+                  <a:outerShdw dist="35921" dir="2700000" algn="ctr" rotWithShape="0">
+                    <a:schemeClr val="bg2"/>
+                  </a:outerShdw>
+                </a:effectLst>
+              </a14:hiddenEffects>
+            </a:ext>
+          </a:extLst>
+        </p:spPr>
+      </p:pic>
+      <p:pic>
+        <p:nvPicPr>
+          <p:cNvPr id="3077" name="Picture 5"/>
+          <p:cNvPicPr>
+            <a:picLocks noChangeAspect="1" noChangeArrowheads="1"/>
+          </p:cNvPicPr>
+          <p:nvPr/>
+        </p:nvPicPr>
+        <p:blipFill rotWithShape="1">
+          <a:blip r:embed="rId5">
+            <a:extLst>
+              <a:ext uri="{28A0092B-C50C-407E-A947-70E740481C1C}">
+                <a14:useLocalDpi xmlns:a14="http://schemas.microsoft.com/office/drawing/2010/main" val="0"/>
+              </a:ext>
+            </a:extLst>
+          </a:blip>
+          <a:srcRect t="6479" b="78833"/>
+          <a:stretch/>
+        </p:blipFill>
+        <p:spPr bwMode="auto">
+          <a:xfrm>
+            <a:off x="691128" y="6596612"/>
+            <a:ext cx="11783496" cy="254131"/>
+          </a:xfrm>
+          <a:prstGeom prst="rect">
+            <a:avLst/>
+          </a:prstGeom>
+          <a:noFill/>
+          <a:ln>
+            <a:noFill/>
+          </a:ln>
+          <a:effectLst/>
+          <a:extLst>
+            <a:ext uri="{909E8E84-426E-40DD-AFC4-6F175D3DCCD1}">
+              <a14:hiddenFill xmlns:a14="http://schemas.microsoft.com/office/drawing/2010/main">
+                <a:solidFill>
+                  <a:schemeClr val="accent1"/>
+                </a:solidFill>
+              </a14:hiddenFill>
+            </a:ext>
+            <a:ext uri="{91240B29-F687-4F45-9708-019B960494DF}">
+              <a14:hiddenLine xmlns:a14="http://schemas.microsoft.com/office/drawing/2010/main" w="9525">
+                <a:solidFill>
+                  <a:schemeClr val="tx1"/>
+                </a:solidFill>
+                <a:miter lim="800000"/>
+                <a:headEnd/>
+                <a:tailEnd/>
+              </a14:hiddenLine>
+            </a:ext>
+            <a:ext uri="{AF507438-7753-43E0-B8FC-AC1667EBCBE1}">
+              <a14:hiddenEffects xmlns:a14="http://schemas.microsoft.com/office/drawing/2010/main">
+                <a:effectLst>
+                  <a:outerShdw dist="35921" dir="2700000" algn="ctr" rotWithShape="0">
+                    <a:schemeClr val="bg2"/>
+                  </a:outerShdw>
+                </a:effectLst>
+              </a14:hiddenEffects>
+            </a:ext>
+          </a:extLst>
+        </p:spPr>
+      </p:pic>
+      <p:pic>
+        <p:nvPicPr>
+          <p:cNvPr id="10" name="Picture 5"/>
+          <p:cNvPicPr>
+            <a:picLocks noChangeAspect="1" noChangeArrowheads="1"/>
+          </p:cNvPicPr>
+          <p:nvPr/>
+        </p:nvPicPr>
+        <p:blipFill rotWithShape="1">
+          <a:blip r:embed="rId5">
+            <a:extLst>
+              <a:ext uri="{28A0092B-C50C-407E-A947-70E740481C1C}">
+                <a14:useLocalDpi xmlns:a14="http://schemas.microsoft.com/office/drawing/2010/main" val="0"/>
+              </a:ext>
+            </a:extLst>
+          </a:blip>
+          <a:srcRect t="23048" b="-1903"/>
+          <a:stretch/>
+        </p:blipFill>
+        <p:spPr bwMode="auto">
+          <a:xfrm>
+            <a:off x="691128" y="6850743"/>
+            <a:ext cx="11783496" cy="1364343"/>
+          </a:xfrm>
+          <a:prstGeom prst="rect">
+            <a:avLst/>
+          </a:prstGeom>
+          <a:noFill/>
+          <a:ln>
+            <a:noFill/>
+          </a:ln>
+          <a:effectLst/>
+          <a:extLst>
+            <a:ext uri="{909E8E84-426E-40DD-AFC4-6F175D3DCCD1}">
+              <a14:hiddenFill xmlns:a14="http://schemas.microsoft.com/office/drawing/2010/main">
+                <a:solidFill>
+                  <a:schemeClr val="accent1"/>
+                </a:solidFill>
+              </a14:hiddenFill>
+            </a:ext>
+            <a:ext uri="{91240B29-F687-4F45-9708-019B960494DF}">
+              <a14:hiddenLine xmlns:a14="http://schemas.microsoft.com/office/drawing/2010/main" w="9525">
+                <a:solidFill>
+                  <a:schemeClr val="tx1"/>
+                </a:solidFill>
+                <a:miter lim="800000"/>
+                <a:headEnd/>
+                <a:tailEnd/>
+              </a14:hiddenLine>
+            </a:ext>
+            <a:ext uri="{AF507438-7753-43E0-B8FC-AC1667EBCBE1}">
+              <a14:hiddenEffects xmlns:a14="http://schemas.microsoft.com/office/drawing/2010/main">
+                <a:effectLst>
+                  <a:outerShdw dist="35921" dir="2700000" algn="ctr" rotWithShape="0">
+                    <a:schemeClr val="bg2"/>
+                  </a:outerShdw>
+                </a:effectLst>
+              </a14:hiddenEffects>
+            </a:ext>
+          </a:extLst>
+        </p:spPr>
+      </p:pic>
+      <p:sp>
+        <p:nvSpPr>
+          <p:cNvPr id="4" name="Прямоугольник 3"/>
+          <p:cNvSpPr/>
+          <p:nvPr/>
+        </p:nvSpPr>
+        <p:spPr>
+          <a:xfrm>
+            <a:off x="691128" y="4017472"/>
+            <a:ext cx="14856634" cy="2020471"/>
+          </a:xfrm>
+          <a:prstGeom prst="rect">
+            <a:avLst/>
+          </a:prstGeom>
+          <a:solidFill>
+            <a:srgbClr val="000000">
+              <a:alpha val="45098"/>
+            </a:srgbClr>
+          </a:solidFill>
+          <a:ln>
+            <a:noFill/>
+          </a:ln>
+        </p:spPr>
+        <p:style>
+          <a:lnRef idx="2">
+            <a:schemeClr val="accent1">
+              <a:shade val="50000"/>
+            </a:schemeClr>
+          </a:lnRef>
+          <a:fillRef idx="1">
+            <a:schemeClr val="accent1"/>
+          </a:fillRef>
+          <a:effectRef idx="0">
+            <a:schemeClr val="accent1"/>
+          </a:effectRef>
+          <a:fontRef idx="minor">
+            <a:schemeClr val="lt1"/>
+          </a:fontRef>
+        </p:style>
+        <p:txBody>
+          <a:bodyPr rtlCol="0" anchor="ctr"/>
+          <a:lstStyle/>
+          <a:p>
+            <a:pPr algn="ctr"/>
+            <a:endParaRPr lang="ru-RU">
+              <a:solidFill>
+                <a:schemeClr val="bg1"/>
+              </a:solidFill>
+            </a:endParaRPr>
+          </a:p>
+        </p:txBody>
+      </p:sp>
+      <p:sp>
+        <p:nvSpPr>
+          <p:cNvPr id="12" name="Прямоугольник 11"/>
+          <p:cNvSpPr/>
+          <p:nvPr/>
+        </p:nvSpPr>
+        <p:spPr>
+          <a:xfrm>
+            <a:off x="691128" y="6850743"/>
+            <a:ext cx="14856634" cy="1010235"/>
+          </a:xfrm>
+          <a:prstGeom prst="rect">
+            <a:avLst/>
+          </a:prstGeom>
+          <a:solidFill>
+            <a:srgbClr val="000000">
+              <a:alpha val="45098"/>
+            </a:srgbClr>
+          </a:solidFill>
+          <a:ln>
+            <a:noFill/>
+          </a:ln>
+        </p:spPr>
+        <p:style>
+          <a:lnRef idx="2">
+            <a:schemeClr val="accent1">
+              <a:shade val="50000"/>
+            </a:schemeClr>
+          </a:lnRef>
+          <a:fillRef idx="1">
+            <a:schemeClr val="accent1"/>
+          </a:fillRef>
+          <a:effectRef idx="0">
+            <a:schemeClr val="accent1"/>
+          </a:effectRef>
+          <a:fontRef idx="minor">
+            <a:schemeClr val="lt1"/>
+          </a:fontRef>
+        </p:style>
+        <p:txBody>
+          <a:bodyPr rtlCol="0" anchor="ctr"/>
+          <a:lstStyle/>
+          <a:p>
+            <a:pPr algn="ctr"/>
+            <a:endParaRPr lang="ru-RU">
+              <a:solidFill>
+                <a:schemeClr val="bg1"/>
+              </a:solidFill>
+            </a:endParaRPr>
+          </a:p>
+        </p:txBody>
+      </p:sp>
+      <p:sp>
+        <p:nvSpPr>
+          <p:cNvPr id="5" name="Прямоугольник 4"/>
+          <p:cNvSpPr/>
+          <p:nvPr/>
+        </p:nvSpPr>
+        <p:spPr>
+          <a:xfrm>
+            <a:off x="691128" y="6037943"/>
+            <a:ext cx="3414341" cy="330843"/>
+          </a:xfrm>
+          <a:prstGeom prst="rect">
+            <a:avLst/>
+          </a:prstGeom>
+          <a:noFill/>
+          <a:ln>
+            <a:solidFill>
+              <a:srgbClr val="FF0000"/>
+            </a:solidFill>
+          </a:ln>
+        </p:spPr>
+        <p:style>
+          <a:lnRef idx="2">
+            <a:schemeClr val="accent1">
+              <a:shade val="50000"/>
+            </a:schemeClr>
+          </a:lnRef>
+          <a:fillRef idx="1">
+            <a:schemeClr val="accent1"/>
+          </a:fillRef>
+          <a:effectRef idx="0">
+            <a:schemeClr val="accent1"/>
+          </a:effectRef>
+          <a:fontRef idx="minor">
+            <a:schemeClr val="lt1"/>
+          </a:fontRef>
+        </p:style>
+        <p:txBody>
+          <a:bodyPr rtlCol="0" anchor="ctr"/>
+          <a:lstStyle/>
+          <a:p>
+            <a:pPr algn="ctr"/>
+            <a:endParaRPr lang="ru-RU"/>
+          </a:p>
+        </p:txBody>
+      </p:sp>
+      <p:sp>
+        <p:nvSpPr>
+          <p:cNvPr id="14" name="Прямоугольник 13"/>
+          <p:cNvSpPr/>
+          <p:nvPr/>
+        </p:nvSpPr>
+        <p:spPr>
+          <a:xfrm>
+            <a:off x="691128" y="7860978"/>
+            <a:ext cx="2320587" cy="378865"/>
+          </a:xfrm>
+          <a:prstGeom prst="rect">
+            <a:avLst/>
+          </a:prstGeom>
+          <a:noFill/>
+          <a:ln>
+            <a:solidFill>
+              <a:srgbClr val="FF0000"/>
+            </a:solidFill>
+          </a:ln>
+        </p:spPr>
+        <p:style>
+          <a:lnRef idx="2">
+            <a:schemeClr val="accent1">
+              <a:shade val="50000"/>
+            </a:schemeClr>
+          </a:lnRef>
+          <a:fillRef idx="1">
+            <a:schemeClr val="accent1"/>
+          </a:fillRef>
+          <a:effectRef idx="0">
+            <a:schemeClr val="accent1"/>
+          </a:effectRef>
+          <a:fontRef idx="minor">
+            <a:schemeClr val="lt1"/>
+          </a:fontRef>
+        </p:style>
+        <p:txBody>
+          <a:bodyPr rtlCol="0" anchor="ctr"/>
+          <a:lstStyle/>
+          <a:p>
+            <a:pPr algn="ctr"/>
+            <a:endParaRPr lang="ru-RU"/>
+          </a:p>
+        </p:txBody>
+      </p:sp>
+      <p:sp>
+        <p:nvSpPr>
+          <p:cNvPr id="6" name="TextBox 5"/>
+          <p:cNvSpPr txBox="1"/>
+          <p:nvPr/>
+        </p:nvSpPr>
+        <p:spPr>
+          <a:xfrm>
+            <a:off x="5503851" y="6323567"/>
+            <a:ext cx="2362892" cy="400110"/>
+          </a:xfrm>
+          <a:prstGeom prst="rect">
+            <a:avLst/>
+          </a:prstGeom>
+          <a:noFill/>
+          <a:ln w="28575">
+            <a:solidFill>
+              <a:srgbClr val="FF0000"/>
+            </a:solidFill>
+          </a:ln>
+        </p:spPr>
+        <p:txBody>
+          <a:bodyPr wrap="square" rtlCol="0">
+            <a:spAutoFit/>
+          </a:bodyPr>
+          <a:lstStyle/>
+          <a:p>
+            <a:r>
+              <a:rPr lang="ru-RU" sz="2000" dirty="0" smtClean="0"/>
+              <a:t>Типы исключений</a:t>
+            </a:r>
+            <a:endParaRPr lang="ru-RU" sz="2000" dirty="0"/>
+          </a:p>
+        </p:txBody>
+      </p:sp>
+      <p:cxnSp>
+        <p:nvCxnSpPr>
+          <p:cNvPr id="16" name="Прямая со стрелкой 15"/>
+          <p:cNvCxnSpPr/>
+          <p:nvPr/>
+        </p:nvCxnSpPr>
+        <p:spPr>
+          <a:xfrm flipH="1" flipV="1">
+            <a:off x="4105469" y="6204468"/>
+            <a:ext cx="1398382" cy="119099"/>
+          </a:xfrm>
+          <a:prstGeom prst="straightConnector1">
+            <a:avLst/>
+          </a:prstGeom>
+          <a:ln w="28575">
+            <a:solidFill>
+              <a:srgbClr val="FF0000"/>
+            </a:solidFill>
+            <a:headEnd type="none" w="med" len="med"/>
+            <a:tailEnd type="arrow" w="med" len="med"/>
+          </a:ln>
+        </p:spPr>
+        <p:style>
+          <a:lnRef idx="1">
+            <a:schemeClr val="accent1"/>
+          </a:lnRef>
+          <a:fillRef idx="0">
+            <a:schemeClr val="accent1"/>
+          </a:fillRef>
+          <a:effectRef idx="0">
+            <a:schemeClr val="accent1"/>
+          </a:effectRef>
+          <a:fontRef idx="minor">
+            <a:schemeClr val="tx1"/>
+          </a:fontRef>
+        </p:style>
+      </p:cxnSp>
+      <p:cxnSp>
+        <p:nvCxnSpPr>
+          <p:cNvPr id="18" name="Прямая со стрелкой 17"/>
+          <p:cNvCxnSpPr/>
+          <p:nvPr/>
+        </p:nvCxnSpPr>
+        <p:spPr>
+          <a:xfrm flipH="1">
+            <a:off x="3011715" y="6723677"/>
+            <a:ext cx="2492136" cy="1326733"/>
+          </a:xfrm>
+          <a:prstGeom prst="straightConnector1">
+            <a:avLst/>
+          </a:prstGeom>
+          <a:ln w="28575">
+            <a:solidFill>
+              <a:srgbClr val="FF0000"/>
+            </a:solidFill>
+            <a:headEnd type="none" w="med" len="med"/>
+            <a:tailEnd type="arrow" w="med" len="med"/>
+          </a:ln>
+        </p:spPr>
+        <p:style>
+          <a:lnRef idx="1">
+            <a:schemeClr val="accent1"/>
+          </a:lnRef>
+          <a:fillRef idx="0">
+            <a:schemeClr val="accent1"/>
+          </a:fillRef>
+          <a:effectRef idx="0">
+            <a:schemeClr val="accent1"/>
+          </a:effectRef>
+          <a:fontRef idx="minor">
+            <a:schemeClr val="tx1"/>
+          </a:fontRef>
+        </p:style>
+      </p:cxnSp>
+    </p:spTree>
+    <p:extLst>
+      <p:ext uri="{BB962C8B-B14F-4D97-AF65-F5344CB8AC3E}">
+        <p14:creationId xmlns:p14="http://schemas.microsoft.com/office/powerpoint/2010/main" val="2423463002"/>
+      </p:ext>
+    </p:extLst>
+  </p:cSld>
+  <p:clrMapOvr>
+    <a:masterClrMapping/>
+  </p:clrMapOvr>
+  <p:timing>
+    <p:tnLst>
+      <p:par>
+        <p:cTn id="1" dur="indefinite" restart="never" nodeType="tmRoot">
+          <p:childTnLst>
+            <p:seq concurrent="1" nextAc="seek">
+              <p:cTn id="2" dur="indefinite" nodeType="mainSeq">
+                <p:childTnLst>
+                  <p:par>
+                    <p:cTn id="3" fill="hold">
+                      <p:stCondLst>
+                        <p:cond delay="indefinite"/>
+                      </p:stCondLst>
+                      <p:childTnLst>
+                        <p:par>
+                          <p:cTn id="4" fill="hold">
+                            <p:stCondLst>
+                              <p:cond delay="0"/>
+                            </p:stCondLst>
+                            <p:childTnLst>
+                              <p:par>
+                                <p:cTn id="5" presetID="1" presetClass="entr" presetSubtype="0" fill="hold" grpId="0" nodeType="clickEffect">
+                                  <p:stCondLst>
+                                    <p:cond delay="0"/>
+                                  </p:stCondLst>
+                                  <p:childTnLst>
+                                    <p:set>
+                                      <p:cBhvr>
+                                        <p:cTn id="6" dur="1" fill="hold">
+                                          <p:stCondLst>
+                                            <p:cond delay="0"/>
+                                          </p:stCondLst>
+                                        </p:cTn>
+                                        <p:tgtEl>
+                                          <p:spTgt spid="2"/>
+                                        </p:tgtEl>
+                                        <p:attrNameLst>
+                                          <p:attrName>style.visibility</p:attrName>
+                                        </p:attrNameLst>
+                                      </p:cBhvr>
+                                      <p:to>
+                                        <p:strVal val="visible"/>
+                                      </p:to>
+                                    </p:set>
+                                  </p:childTnLst>
+                                </p:cTn>
+                              </p:par>
+                            </p:childTnLst>
+                          </p:cTn>
+                        </p:par>
+                      </p:childTnLst>
+                    </p:cTn>
+                  </p:par>
+                  <p:par>
+                    <p:cTn id="7" fill="hold">
+                      <p:stCondLst>
+                        <p:cond delay="indefinite"/>
+                      </p:stCondLst>
+                      <p:childTnLst>
+                        <p:par>
+                          <p:cTn id="8" fill="hold">
+                            <p:stCondLst>
+                              <p:cond delay="0"/>
+                            </p:stCondLst>
+                            <p:childTnLst>
+                              <p:par>
+                                <p:cTn id="9" presetID="1" presetClass="entr" presetSubtype="0" fill="hold" nodeType="clickEffect">
+                                  <p:stCondLst>
+                                    <p:cond delay="0"/>
+                                  </p:stCondLst>
+                                  <p:childTnLst>
+                                    <p:set>
+                                      <p:cBhvr>
+                                        <p:cTn id="10" dur="1" fill="hold">
+                                          <p:stCondLst>
+                                            <p:cond delay="0"/>
+                                          </p:stCondLst>
+                                        </p:cTn>
+                                        <p:tgtEl>
+                                          <p:spTgt spid="3074"/>
+                                        </p:tgtEl>
+                                        <p:attrNameLst>
+                                          <p:attrName>style.visibility</p:attrName>
+                                        </p:attrNameLst>
+                                      </p:cBhvr>
+                                      <p:to>
+                                        <p:strVal val="visible"/>
+                                      </p:to>
+                                    </p:set>
+                                  </p:childTnLst>
+                                </p:cTn>
+                              </p:par>
+                            </p:childTnLst>
+                          </p:cTn>
+                        </p:par>
+                      </p:childTnLst>
+                    </p:cTn>
+                  </p:par>
+                  <p:par>
+                    <p:cTn id="11" fill="hold">
+                      <p:stCondLst>
+                        <p:cond delay="indefinite"/>
+                      </p:stCondLst>
+                      <p:childTnLst>
+                        <p:par>
+                          <p:cTn id="12" fill="hold">
+                            <p:stCondLst>
+                              <p:cond delay="0"/>
+                            </p:stCondLst>
+                            <p:childTnLst>
+                              <p:par>
+                                <p:cTn id="13" presetID="1" presetClass="entr" presetSubtype="0" fill="hold" nodeType="clickEffect">
+                                  <p:stCondLst>
+                                    <p:cond delay="0"/>
+                                  </p:stCondLst>
+                                  <p:childTnLst>
+                                    <p:set>
+                                      <p:cBhvr>
+                                        <p:cTn id="14" dur="1" fill="hold">
+                                          <p:stCondLst>
+                                            <p:cond delay="0"/>
+                                          </p:stCondLst>
+                                        </p:cTn>
+                                        <p:tgtEl>
+                                          <p:spTgt spid="3075"/>
+                                        </p:tgtEl>
+                                        <p:attrNameLst>
+                                          <p:attrName>style.visibility</p:attrName>
+                                        </p:attrNameLst>
+                                      </p:cBhvr>
+                                      <p:to>
+                                        <p:strVal val="visible"/>
+                                      </p:to>
+                                    </p:set>
+                                  </p:childTnLst>
+                                </p:cTn>
+                              </p:par>
+                            </p:childTnLst>
+                          </p:cTn>
+                        </p:par>
+                      </p:childTnLst>
+                    </p:cTn>
+                  </p:par>
+                  <p:par>
+                    <p:cTn id="15" fill="hold">
+                      <p:stCondLst>
+                        <p:cond delay="indefinite"/>
+                      </p:stCondLst>
+                      <p:childTnLst>
+                        <p:par>
+                          <p:cTn id="16" fill="hold">
+                            <p:stCondLst>
+                              <p:cond delay="0"/>
+                            </p:stCondLst>
+                            <p:childTnLst>
+                              <p:par>
+                                <p:cTn id="17" presetID="1" presetClass="entr" presetSubtype="0" fill="hold" grpId="0" nodeType="clickEffect">
+                                  <p:stCondLst>
+                                    <p:cond delay="0"/>
+                                  </p:stCondLst>
+                                  <p:childTnLst>
+                                    <p:set>
+                                      <p:cBhvr>
+                                        <p:cTn id="18" dur="1" fill="hold">
+                                          <p:stCondLst>
+                                            <p:cond delay="0"/>
+                                          </p:stCondLst>
+                                        </p:cTn>
+                                        <p:tgtEl>
+                                          <p:spTgt spid="3"/>
+                                        </p:tgtEl>
+                                        <p:attrNameLst>
+                                          <p:attrName>style.visibility</p:attrName>
+                                        </p:attrNameLst>
+                                      </p:cBhvr>
+                                      <p:to>
+                                        <p:strVal val="visible"/>
+                                      </p:to>
+                                    </p:set>
+                                  </p:childTnLst>
+                                </p:cTn>
+                              </p:par>
+                            </p:childTnLst>
+                          </p:cTn>
+                        </p:par>
+                      </p:childTnLst>
+                    </p:cTn>
+                  </p:par>
+                  <p:par>
+                    <p:cTn id="19" fill="hold">
+                      <p:stCondLst>
+                        <p:cond delay="indefinite"/>
+                      </p:stCondLst>
+                      <p:childTnLst>
+                        <p:par>
+                          <p:cTn id="20" fill="hold">
+                            <p:stCondLst>
+                              <p:cond delay="0"/>
+                            </p:stCondLst>
+                            <p:childTnLst>
+                              <p:par>
+                                <p:cTn id="21" presetID="1" presetClass="entr" presetSubtype="0" fill="hold" nodeType="clickEffect">
+                                  <p:stCondLst>
+                                    <p:cond delay="0"/>
+                                  </p:stCondLst>
+                                  <p:childTnLst>
+                                    <p:set>
+                                      <p:cBhvr>
+                                        <p:cTn id="22" dur="1" fill="hold">
+                                          <p:stCondLst>
+                                            <p:cond delay="0"/>
+                                          </p:stCondLst>
+                                        </p:cTn>
+                                        <p:tgtEl>
+                                          <p:spTgt spid="8"/>
+                                        </p:tgtEl>
+                                        <p:attrNameLst>
+                                          <p:attrName>style.visibility</p:attrName>
+                                        </p:attrNameLst>
+                                      </p:cBhvr>
+                                      <p:to>
+                                        <p:strVal val="visible"/>
+                                      </p:to>
+                                    </p:set>
+                                  </p:childTnLst>
+                                </p:cTn>
+                              </p:par>
+                            </p:childTnLst>
+                          </p:cTn>
+                        </p:par>
+                      </p:childTnLst>
+                    </p:cTn>
+                  </p:par>
+                  <p:par>
+                    <p:cTn id="23" fill="hold">
+                      <p:stCondLst>
+                        <p:cond delay="indefinite"/>
+                      </p:stCondLst>
+                      <p:childTnLst>
+                        <p:par>
+                          <p:cTn id="24" fill="hold">
+                            <p:stCondLst>
+                              <p:cond delay="0"/>
+                            </p:stCondLst>
+                            <p:childTnLst>
+                              <p:par>
+                                <p:cTn id="25" presetID="1" presetClass="entr" presetSubtype="0" fill="hold" nodeType="clickEffect">
+                                  <p:stCondLst>
+                                    <p:cond delay="0"/>
+                                  </p:stCondLst>
+                                  <p:childTnLst>
+                                    <p:set>
+                                      <p:cBhvr>
+                                        <p:cTn id="26" dur="1" fill="hold">
+                                          <p:stCondLst>
+                                            <p:cond delay="0"/>
+                                          </p:stCondLst>
+                                        </p:cTn>
+                                        <p:tgtEl>
+                                          <p:spTgt spid="3077"/>
+                                        </p:tgtEl>
+                                        <p:attrNameLst>
+                                          <p:attrName>style.visibility</p:attrName>
+                                        </p:attrNameLst>
+                                      </p:cBhvr>
+                                      <p:to>
+                                        <p:strVal val="visible"/>
+                                      </p:to>
+                                    </p:set>
+                                  </p:childTnLst>
+                                </p:cTn>
+                              </p:par>
+                            </p:childTnLst>
+                          </p:cTn>
+                        </p:par>
+                      </p:childTnLst>
+                    </p:cTn>
+                  </p:par>
+                  <p:par>
+                    <p:cTn id="27" fill="hold">
+                      <p:stCondLst>
+                        <p:cond delay="indefinite"/>
+                      </p:stCondLst>
+                      <p:childTnLst>
+                        <p:par>
+                          <p:cTn id="28" fill="hold">
+                            <p:stCondLst>
+                              <p:cond delay="0"/>
+                            </p:stCondLst>
+                            <p:childTnLst>
+                              <p:par>
+                                <p:cTn id="29" presetID="1" presetClass="entr" presetSubtype="0" fill="hold" nodeType="clickEffect">
+                                  <p:stCondLst>
+                                    <p:cond delay="0"/>
+                                  </p:stCondLst>
+                                  <p:childTnLst>
+                                    <p:set>
+                                      <p:cBhvr>
+                                        <p:cTn id="30" dur="1" fill="hold">
+                                          <p:stCondLst>
+                                            <p:cond delay="0"/>
+                                          </p:stCondLst>
+                                        </p:cTn>
+                                        <p:tgtEl>
+                                          <p:spTgt spid="10"/>
+                                        </p:tgtEl>
+                                        <p:attrNameLst>
+                                          <p:attrName>style.visibility</p:attrName>
+                                        </p:attrNameLst>
+                                      </p:cBhvr>
+                                      <p:to>
+                                        <p:strVal val="visible"/>
+                                      </p:to>
+                                    </p:set>
+                                  </p:childTnLst>
+                                </p:cTn>
+                              </p:par>
+                            </p:childTnLst>
+                          </p:cTn>
+                        </p:par>
+                      </p:childTnLst>
+                    </p:cTn>
+                  </p:par>
+                  <p:par>
+                    <p:cTn id="31" fill="hold">
+                      <p:stCondLst>
+                        <p:cond delay="indefinite"/>
+                      </p:stCondLst>
+                      <p:childTnLst>
+                        <p:par>
+                          <p:cTn id="32" fill="hold">
+                            <p:stCondLst>
+                              <p:cond delay="0"/>
+                            </p:stCondLst>
+                            <p:childTnLst>
+                              <p:par>
+                                <p:cTn id="33" presetID="1" presetClass="entr" presetSubtype="0" fill="hold" grpId="0" nodeType="clickEffect">
+                                  <p:stCondLst>
+                                    <p:cond delay="0"/>
+                                  </p:stCondLst>
+                                  <p:childTnLst>
+                                    <p:set>
+                                      <p:cBhvr>
+                                        <p:cTn id="34" dur="1" fill="hold">
+                                          <p:stCondLst>
+                                            <p:cond delay="0"/>
+                                          </p:stCondLst>
+                                        </p:cTn>
+                                        <p:tgtEl>
+                                          <p:spTgt spid="4"/>
+                                        </p:tgtEl>
+                                        <p:attrNameLst>
+                                          <p:attrName>style.visibility</p:attrName>
+                                        </p:attrNameLst>
+                                      </p:cBhvr>
+                                      <p:to>
+                                        <p:strVal val="visible"/>
+                                      </p:to>
+                                    </p:set>
+                                  </p:childTnLst>
+                                </p:cTn>
+                              </p:par>
+                              <p:par>
+                                <p:cTn id="35" presetID="1" presetClass="entr" presetSubtype="0" fill="hold" grpId="0" nodeType="withEffect">
+                                  <p:stCondLst>
+                                    <p:cond delay="0"/>
+                                  </p:stCondLst>
+                                  <p:childTnLst>
+                                    <p:set>
+                                      <p:cBhvr>
+                                        <p:cTn id="36" dur="1" fill="hold">
+                                          <p:stCondLst>
+                                            <p:cond delay="0"/>
+                                          </p:stCondLst>
+                                        </p:cTn>
+                                        <p:tgtEl>
+                                          <p:spTgt spid="12"/>
+                                        </p:tgtEl>
+                                        <p:attrNameLst>
+                                          <p:attrName>style.visibility</p:attrName>
+                                        </p:attrNameLst>
+                                      </p:cBhvr>
+                                      <p:to>
+                                        <p:strVal val="visible"/>
+                                      </p:to>
+                                    </p:set>
+                                  </p:childTnLst>
+                                </p:cTn>
+                              </p:par>
+                              <p:par>
+                                <p:cTn id="37" presetID="1" presetClass="entr" presetSubtype="0" fill="hold" nodeType="withEffect">
+                                  <p:stCondLst>
+                                    <p:cond delay="0"/>
+                                  </p:stCondLst>
+                                  <p:childTnLst>
+                                    <p:set>
+                                      <p:cBhvr>
+                                        <p:cTn id="38" dur="1" fill="hold">
+                                          <p:stCondLst>
+                                            <p:cond delay="0"/>
+                                          </p:stCondLst>
+                                        </p:cTn>
+                                        <p:tgtEl>
+                                          <p:spTgt spid="16"/>
+                                        </p:tgtEl>
+                                        <p:attrNameLst>
+                                          <p:attrName>style.visibility</p:attrName>
+                                        </p:attrNameLst>
+                                      </p:cBhvr>
+                                      <p:to>
+                                        <p:strVal val="visible"/>
+                                      </p:to>
+                                    </p:set>
+                                  </p:childTnLst>
+                                </p:cTn>
+                              </p:par>
+                              <p:par>
+                                <p:cTn id="39" presetID="1" presetClass="entr" presetSubtype="0" fill="hold" nodeType="withEffect">
+                                  <p:stCondLst>
+                                    <p:cond delay="0"/>
+                                  </p:stCondLst>
+                                  <p:childTnLst>
+                                    <p:set>
+                                      <p:cBhvr>
+                                        <p:cTn id="40" dur="1" fill="hold">
+                                          <p:stCondLst>
+                                            <p:cond delay="0"/>
+                                          </p:stCondLst>
+                                        </p:cTn>
+                                        <p:tgtEl>
+                                          <p:spTgt spid="18"/>
+                                        </p:tgtEl>
+                                        <p:attrNameLst>
+                                          <p:attrName>style.visibility</p:attrName>
+                                        </p:attrNameLst>
+                                      </p:cBhvr>
+                                      <p:to>
+                                        <p:strVal val="visible"/>
+                                      </p:to>
+                                    </p:set>
+                                  </p:childTnLst>
+                                </p:cTn>
+                              </p:par>
+                              <p:par>
+                                <p:cTn id="41" presetID="1" presetClass="entr" presetSubtype="0" fill="hold" grpId="0" nodeType="withEffect">
+                                  <p:stCondLst>
+                                    <p:cond delay="0"/>
+                                  </p:stCondLst>
+                                  <p:childTnLst>
+                                    <p:set>
+                                      <p:cBhvr>
+                                        <p:cTn id="42" dur="1" fill="hold">
+                                          <p:stCondLst>
+                                            <p:cond delay="0"/>
+                                          </p:stCondLst>
+                                        </p:cTn>
+                                        <p:tgtEl>
+                                          <p:spTgt spid="6"/>
+                                        </p:tgtEl>
+                                        <p:attrNameLst>
+                                          <p:attrName>style.visibility</p:attrName>
+                                        </p:attrNameLst>
+                                      </p:cBhvr>
+                                      <p:to>
+                                        <p:strVal val="visible"/>
+                                      </p:to>
+                                    </p:set>
+                                  </p:childTnLst>
+                                </p:cTn>
+                              </p:par>
+                              <p:par>
+                                <p:cTn id="43" presetID="1" presetClass="entr" presetSubtype="0" fill="hold" grpId="0" nodeType="withEffect">
+                                  <p:stCondLst>
+                                    <p:cond delay="0"/>
+                                  </p:stCondLst>
+                                  <p:childTnLst>
+                                    <p:set>
+                                      <p:cBhvr>
+                                        <p:cTn id="44" dur="1" fill="hold">
+                                          <p:stCondLst>
+                                            <p:cond delay="0"/>
+                                          </p:stCondLst>
+                                        </p:cTn>
+                                        <p:tgtEl>
+                                          <p:spTgt spid="5"/>
+                                        </p:tgtEl>
+                                        <p:attrNameLst>
+                                          <p:attrName>style.visibility</p:attrName>
+                                        </p:attrNameLst>
+                                      </p:cBhvr>
+                                      <p:to>
+                                        <p:strVal val="visible"/>
+                                      </p:to>
+                                    </p:set>
+                                  </p:childTnLst>
+                                </p:cTn>
+                              </p:par>
+                              <p:par>
+                                <p:cTn id="45" presetID="1" presetClass="entr" presetSubtype="0" fill="hold" grpId="0" nodeType="withEffect">
+                                  <p:stCondLst>
+                                    <p:cond delay="0"/>
+                                  </p:stCondLst>
+                                  <p:childTnLst>
+                                    <p:set>
+                                      <p:cBhvr>
+                                        <p:cTn id="46" dur="1" fill="hold">
+                                          <p:stCondLst>
+                                            <p:cond delay="0"/>
+                                          </p:stCondLst>
+                                        </p:cTn>
+                                        <p:tgtEl>
+                                          <p:spTgt spid="14"/>
+                                        </p:tgtEl>
+                                        <p:attrNameLst>
+                                          <p:attrName>style.visibility</p:attrName>
+                                        </p:attrNameLst>
+                                      </p:cBhvr>
+                                      <p:to>
+                                        <p:strVal val="visible"/>
+                                      </p:to>
+                                    </p:set>
+                                  </p:childTnLst>
+                                </p:cTn>
+                              </p:par>
+                            </p:childTnLst>
+                          </p:cTn>
+                        </p:par>
+                      </p:childTnLst>
+                    </p:cTn>
+                  </p:par>
+                </p:childTnLst>
+              </p:cTn>
+              <p:prevCondLst>
+                <p:cond evt="onPrev" delay="0">
+                  <p:tgtEl>
+                    <p:sldTgt/>
+                  </p:tgtEl>
+                </p:cond>
+              </p:prevCondLst>
+              <p:nextCondLst>
+                <p:cond evt="onNext" delay="0">
+                  <p:tgtEl>
+                    <p:sldTgt/>
+                  </p:tgtEl>
+                </p:cond>
+              </p:nextCondLst>
+            </p:seq>
+          </p:childTnLst>
+        </p:cTn>
+      </p:par>
+    </p:tnLst>
+    <p:bldLst>
+      <p:bldP spid="2" grpId="0"/>
+      <p:bldP spid="3" grpId="0" animBg="1"/>
+      <p:bldP spid="4" grpId="0" animBg="1"/>
+      <p:bldP spid="12" grpId="0" animBg="1"/>
+      <p:bldP spid="5" grpId="0" animBg="1"/>
+      <p:bldP spid="14" grpId="0" animBg="1"/>
+      <p:bldP spid="6" grpId="0" animBg="1"/>
+    </p:bldLst>
+  </p:timing>
+</p:sld>
+</file>
+
+<file path=ppt/slides/slide11.xml><?xml version="1.0" encoding="utf-8"?>
+<p:sld xmlns:a="http://schemas.openxmlformats.org/drawingml/2006/main" xmlns:r="http://schemas.openxmlformats.org/officeDocument/2006/relationships" xmlns:p="http://schemas.openxmlformats.org/presentationml/2006/main">
+  <p:cSld>
+    <p:bg>
+      <p:bgPr>
+        <a:solidFill>
+          <a:schemeClr val="bg1"/>
+        </a:solidFill>
+        <a:effectLst/>
+      </p:bgPr>
+    </p:bg>
+    <p:spTree>
+      <p:nvGrpSpPr>
+        <p:cNvPr id="1" name="Shape 397"/>
+        <p:cNvGrpSpPr/>
+        <p:nvPr/>
+      </p:nvGrpSpPr>
+      <p:grpSpPr>
+        <a:xfrm>
+          <a:off x="0" y="0"/>
+          <a:ext cx="0" cy="0"/>
+          <a:chOff x="0" y="0"/>
+          <a:chExt cx="0" cy="0"/>
+        </a:xfrm>
+      </p:grpSpPr>
+      <p:sp>
+        <p:nvSpPr>
+          <p:cNvPr id="398" name="Shape 398"/>
+          <p:cNvSpPr txBox="1"/>
+          <p:nvPr/>
+        </p:nvSpPr>
+        <p:spPr>
+          <a:xfrm>
+            <a:off x="2052735" y="628781"/>
+            <a:ext cx="12465697" cy="660300"/>
+          </a:xfrm>
+          <a:prstGeom prst="rect">
+            <a:avLst/>
+          </a:prstGeom>
+          <a:noFill/>
+          <a:ln>
+            <a:noFill/>
+          </a:ln>
+        </p:spPr>
+        <p:txBody>
+          <a:bodyPr lIns="0" tIns="0" rIns="0" bIns="0" anchor="ctr" anchorCtr="0">
+            <a:noAutofit/>
+          </a:bodyPr>
+          <a:lstStyle/>
+          <a:p>
+            <a:pPr lvl="0" algn="ctr">
+              <a:buClr>
+                <a:srgbClr val="00FF00"/>
+              </a:buClr>
+              <a:buSzPct val="25000"/>
+              <a:defRPr/>
+            </a:pPr>
+            <a:r>
+              <a:rPr lang="ru-RU" sz="4800" dirty="0" smtClean="0">
+                <a:solidFill>
+                  <a:schemeClr val="bg2"/>
+                </a:solidFill>
+                <a:latin typeface="Cabin"/>
+                <a:ea typeface="Cabin"/>
+                <a:cs typeface="Cabin"/>
+                <a:sym typeface="Cabin"/>
+              </a:rPr>
+              <a:t>Перехват исключений заданного типа</a:t>
+            </a:r>
+            <a:endParaRPr kumimoji="0" lang="en-US" sz="4800" b="0" i="0" u="none" strike="noStrike" kern="0" cap="none" spc="0" normalizeH="0" baseline="0" noProof="0" dirty="0">
+              <a:ln>
+                <a:noFill/>
+              </a:ln>
+              <a:solidFill>
+                <a:schemeClr val="bg2"/>
+              </a:solidFill>
+              <a:effectLst/>
+              <a:uLnTx/>
+              <a:uFillTx/>
+              <a:latin typeface="Cabin"/>
+              <a:ea typeface="Cabin"/>
+              <a:cs typeface="Cabin"/>
+              <a:sym typeface="Cabin"/>
+            </a:endParaRPr>
+          </a:p>
+        </p:txBody>
+      </p:sp>
+      <p:sp>
+        <p:nvSpPr>
+          <p:cNvPr id="2" name="TextBox 1"/>
+          <p:cNvSpPr txBox="1"/>
+          <p:nvPr/>
+        </p:nvSpPr>
+        <p:spPr>
+          <a:xfrm>
+            <a:off x="945040" y="1571453"/>
+            <a:ext cx="14197623" cy="1200329"/>
+          </a:xfrm>
+          <a:prstGeom prst="rect">
+            <a:avLst/>
+          </a:prstGeom>
+          <a:noFill/>
+        </p:spPr>
+        <p:txBody>
+          <a:bodyPr wrap="square" rtlCol="0">
+            <a:spAutoFit/>
+          </a:bodyPr>
+          <a:lstStyle/>
+          <a:p>
+            <a:r>
+              <a:rPr lang="ru-RU" sz="3600" dirty="0" smtClean="0"/>
+              <a:t>Для перехватывания исключений определенного типа можно использовать несколько блоков </a:t>
+            </a:r>
+            <a:r>
+              <a:rPr lang="en-US" sz="3600" dirty="0" smtClean="0">
+                <a:solidFill>
+                  <a:srgbClr val="00B050"/>
+                </a:solidFill>
+                <a:latin typeface="Courier New" pitchFamily="49" charset="0"/>
+                <a:cs typeface="Courier New" pitchFamily="49" charset="0"/>
+              </a:rPr>
+              <a:t>except</a:t>
+            </a:r>
+            <a:r>
+              <a:rPr lang="en-US" sz="3600" dirty="0" smtClean="0"/>
+              <a:t>:</a:t>
+            </a:r>
+            <a:endParaRPr lang="ru-RU" sz="3600" dirty="0" smtClean="0"/>
+          </a:p>
+        </p:txBody>
+      </p:sp>
+      <p:pic>
+        <p:nvPicPr>
+          <p:cNvPr id="4098" name="Picture 2"/>
+          <p:cNvPicPr>
+            <a:picLocks noChangeAspect="1" noChangeArrowheads="1"/>
+          </p:cNvPicPr>
+          <p:nvPr/>
+        </p:nvPicPr>
+        <p:blipFill rotWithShape="1">
+          <a:blip r:embed="rId3">
+            <a:extLst>
+              <a:ext uri="{28A0092B-C50C-407E-A947-70E740481C1C}">
+                <a14:useLocalDpi xmlns:a14="http://schemas.microsoft.com/office/drawing/2010/main" val="0"/>
+              </a:ext>
+            </a:extLst>
+          </a:blip>
+          <a:srcRect b="7926"/>
+          <a:stretch/>
+        </p:blipFill>
+        <p:spPr bwMode="auto">
+          <a:xfrm>
+            <a:off x="8285583" y="2891641"/>
+            <a:ext cx="7501369" cy="2173845"/>
+          </a:xfrm>
+          <a:prstGeom prst="rect">
+            <a:avLst/>
+          </a:prstGeom>
+          <a:noFill/>
+          <a:ln w="9525">
+            <a:solidFill>
+              <a:schemeClr val="tx1"/>
+            </a:solidFill>
+            <a:miter lim="800000"/>
+            <a:headEnd/>
+            <a:tailEnd/>
+          </a:ln>
+          <a:effectLst/>
+          <a:extLst>
+            <a:ext uri="{909E8E84-426E-40DD-AFC4-6F175D3DCCD1}">
+              <a14:hiddenFill xmlns:a14="http://schemas.microsoft.com/office/drawing/2010/main">
+                <a:solidFill>
+                  <a:schemeClr val="accent1"/>
+                </a:solidFill>
+              </a14:hiddenFill>
+            </a:ext>
+            <a:ext uri="{AF507438-7753-43E0-B8FC-AC1667EBCBE1}">
+              <a14:hiddenEffects xmlns:a14="http://schemas.microsoft.com/office/drawing/2010/main">
+                <a:effectLst>
+                  <a:outerShdw dist="35921" dir="2700000" algn="ctr" rotWithShape="0">
+                    <a:schemeClr val="bg2"/>
+                  </a:outerShdw>
+                </a:effectLst>
+              </a14:hiddenEffects>
+            </a:ext>
+          </a:extLst>
+        </p:spPr>
+      </p:pic>
+      <p:pic>
+        <p:nvPicPr>
+          <p:cNvPr id="4099" name="Picture 3"/>
+          <p:cNvPicPr>
+            <a:picLocks noChangeAspect="1" noChangeArrowheads="1"/>
+          </p:cNvPicPr>
+          <p:nvPr/>
+        </p:nvPicPr>
+        <p:blipFill rotWithShape="1">
+          <a:blip r:embed="rId4">
+            <a:extLst>
+              <a:ext uri="{28A0092B-C50C-407E-A947-70E740481C1C}">
+                <a14:useLocalDpi xmlns:a14="http://schemas.microsoft.com/office/drawing/2010/main" val="0"/>
+              </a:ext>
+            </a:extLst>
+          </a:blip>
+          <a:srcRect b="78270"/>
+          <a:stretch/>
+        </p:blipFill>
+        <p:spPr bwMode="auto">
+          <a:xfrm>
+            <a:off x="945040" y="5196115"/>
+            <a:ext cx="8155417" cy="449942"/>
+          </a:xfrm>
+          <a:prstGeom prst="rect">
+            <a:avLst/>
+          </a:prstGeom>
+          <a:noFill/>
+          <a:ln>
+            <a:noFill/>
+          </a:ln>
+          <a:effectLst/>
+          <a:extLst>
+            <a:ext uri="{909E8E84-426E-40DD-AFC4-6F175D3DCCD1}">
+              <a14:hiddenFill xmlns:a14="http://schemas.microsoft.com/office/drawing/2010/main">
+                <a:solidFill>
+                  <a:schemeClr val="accent1"/>
+                </a:solidFill>
+              </a14:hiddenFill>
+            </a:ext>
+            <a:ext uri="{91240B29-F687-4F45-9708-019B960494DF}">
+              <a14:hiddenLine xmlns:a14="http://schemas.microsoft.com/office/drawing/2010/main" w="9525">
+                <a:solidFill>
+                  <a:schemeClr val="tx1"/>
+                </a:solidFill>
+                <a:miter lim="800000"/>
+                <a:headEnd/>
+                <a:tailEnd/>
+              </a14:hiddenLine>
+            </a:ext>
+            <a:ext uri="{AF507438-7753-43E0-B8FC-AC1667EBCBE1}">
+              <a14:hiddenEffects xmlns:a14="http://schemas.microsoft.com/office/drawing/2010/main">
+                <a:effectLst>
+                  <a:outerShdw dist="35921" dir="2700000" algn="ctr" rotWithShape="0">
+                    <a:schemeClr val="bg2"/>
+                  </a:outerShdw>
+                </a:effectLst>
+              </a14:hiddenEffects>
+            </a:ext>
+          </a:extLst>
+        </p:spPr>
+      </p:pic>
+      <p:pic>
+        <p:nvPicPr>
+          <p:cNvPr id="19" name="Picture 3"/>
+          <p:cNvPicPr>
+            <a:picLocks noChangeAspect="1" noChangeArrowheads="1"/>
+          </p:cNvPicPr>
+          <p:nvPr/>
+        </p:nvPicPr>
+        <p:blipFill rotWithShape="1">
+          <a:blip r:embed="rId4">
+            <a:extLst>
+              <a:ext uri="{28A0092B-C50C-407E-A947-70E740481C1C}">
+                <a14:useLocalDpi xmlns:a14="http://schemas.microsoft.com/office/drawing/2010/main" val="0"/>
+              </a:ext>
+            </a:extLst>
+          </a:blip>
+          <a:srcRect t="19802" b="60396"/>
+          <a:stretch/>
+        </p:blipFill>
+        <p:spPr bwMode="auto">
+          <a:xfrm>
+            <a:off x="945039" y="5646057"/>
+            <a:ext cx="8155417" cy="410029"/>
+          </a:xfrm>
+          <a:prstGeom prst="rect">
+            <a:avLst/>
+          </a:prstGeom>
+          <a:noFill/>
+          <a:ln>
+            <a:noFill/>
+          </a:ln>
+          <a:effectLst/>
+          <a:extLst>
+            <a:ext uri="{909E8E84-426E-40DD-AFC4-6F175D3DCCD1}">
+              <a14:hiddenFill xmlns:a14="http://schemas.microsoft.com/office/drawing/2010/main">
+                <a:solidFill>
+                  <a:schemeClr val="accent1"/>
+                </a:solidFill>
+              </a14:hiddenFill>
+            </a:ext>
+            <a:ext uri="{91240B29-F687-4F45-9708-019B960494DF}">
+              <a14:hiddenLine xmlns:a14="http://schemas.microsoft.com/office/drawing/2010/main" w="9525">
+                <a:solidFill>
+                  <a:schemeClr val="tx1"/>
+                </a:solidFill>
+                <a:miter lim="800000"/>
+                <a:headEnd/>
+                <a:tailEnd/>
+              </a14:hiddenLine>
+            </a:ext>
+            <a:ext uri="{AF507438-7753-43E0-B8FC-AC1667EBCBE1}">
+              <a14:hiddenEffects xmlns:a14="http://schemas.microsoft.com/office/drawing/2010/main">
+                <a:effectLst>
+                  <a:outerShdw dist="35921" dir="2700000" algn="ctr" rotWithShape="0">
+                    <a:schemeClr val="bg2"/>
+                  </a:outerShdw>
+                </a:effectLst>
+              </a14:hiddenEffects>
+            </a:ext>
+          </a:extLst>
+        </p:spPr>
+      </p:pic>
+      <p:sp>
+        <p:nvSpPr>
+          <p:cNvPr id="20" name="Облако 19"/>
+          <p:cNvSpPr/>
+          <p:nvPr/>
+        </p:nvSpPr>
+        <p:spPr>
+          <a:xfrm>
+            <a:off x="3863737" y="4326735"/>
+            <a:ext cx="4180114" cy="1051715"/>
+          </a:xfrm>
+          <a:prstGeom prst="cloud">
+            <a:avLst/>
+          </a:prstGeom>
+        </p:spPr>
+        <p:style>
+          <a:lnRef idx="2">
+            <a:schemeClr val="accent1">
+              <a:shade val="50000"/>
+            </a:schemeClr>
+          </a:lnRef>
+          <a:fillRef idx="1">
+            <a:schemeClr val="accent1"/>
+          </a:fillRef>
+          <a:effectRef idx="0">
+            <a:schemeClr val="accent1"/>
+          </a:effectRef>
+          <a:fontRef idx="minor">
+            <a:schemeClr val="lt1"/>
+          </a:fontRef>
+        </p:style>
+        <p:txBody>
+          <a:bodyPr rtlCol="0" anchor="ctr"/>
+          <a:lstStyle/>
+          <a:p>
+            <a:pPr algn="ctr"/>
+            <a:r>
+              <a:rPr lang="ru-RU" sz="2000" dirty="0" smtClean="0">
+                <a:solidFill>
+                  <a:schemeClr val="bg2"/>
+                </a:solidFill>
+              </a:rPr>
+              <a:t>Нажимаем </a:t>
+            </a:r>
+            <a:r>
+              <a:rPr lang="en-US" sz="2000" dirty="0" smtClean="0">
+                <a:solidFill>
+                  <a:schemeClr val="bg2"/>
+                </a:solidFill>
+              </a:rPr>
+              <a:t>Ctrl-D</a:t>
+            </a:r>
+            <a:endParaRPr lang="ru-RU" sz="2000" dirty="0">
+              <a:solidFill>
+                <a:schemeClr val="bg2"/>
+              </a:solidFill>
+            </a:endParaRPr>
+          </a:p>
+        </p:txBody>
+      </p:sp>
+      <p:cxnSp>
+        <p:nvCxnSpPr>
+          <p:cNvPr id="21" name="Прямая со стрелкой 20"/>
+          <p:cNvCxnSpPr/>
+          <p:nvPr/>
+        </p:nvCxnSpPr>
+        <p:spPr>
+          <a:xfrm flipV="1">
+            <a:off x="5965371" y="4542971"/>
+            <a:ext cx="3672115" cy="1308100"/>
+          </a:xfrm>
+          <a:prstGeom prst="straightConnector1">
+            <a:avLst/>
+          </a:prstGeom>
+          <a:ln w="28575">
+            <a:solidFill>
+              <a:srgbClr val="FF0000"/>
+            </a:solidFill>
+            <a:headEnd type="none" w="med" len="med"/>
+            <a:tailEnd type="arrow" w="med" len="med"/>
+          </a:ln>
+        </p:spPr>
+        <p:style>
+          <a:lnRef idx="1">
+            <a:schemeClr val="accent1"/>
+          </a:lnRef>
+          <a:fillRef idx="0">
+            <a:schemeClr val="accent1"/>
+          </a:fillRef>
+          <a:effectRef idx="0">
+            <a:schemeClr val="accent1"/>
+          </a:effectRef>
+          <a:fontRef idx="minor">
+            <a:schemeClr val="tx1"/>
+          </a:fontRef>
+        </p:style>
+      </p:cxnSp>
+      <p:sp>
+        <p:nvSpPr>
+          <p:cNvPr id="11" name="TextBox 10"/>
+          <p:cNvSpPr txBox="1"/>
+          <p:nvPr/>
+        </p:nvSpPr>
+        <p:spPr>
+          <a:xfrm rot="20427560">
+            <a:off x="6074776" y="5396190"/>
+            <a:ext cx="3014582" cy="646331"/>
+          </a:xfrm>
+          <a:prstGeom prst="rect">
+            <a:avLst/>
+          </a:prstGeom>
+          <a:noFill/>
+        </p:spPr>
+        <p:txBody>
+          <a:bodyPr wrap="square" rtlCol="0">
+            <a:spAutoFit/>
+          </a:bodyPr>
+          <a:lstStyle/>
+          <a:p>
+            <a:pPr algn="ctr"/>
+            <a:r>
+              <a:rPr lang="ru-RU" sz="1800" dirty="0" smtClean="0"/>
+              <a:t>Перехватили исключение</a:t>
+            </a:r>
+            <a:endParaRPr lang="en-US" sz="1800" dirty="0" smtClean="0"/>
+          </a:p>
+          <a:p>
+            <a:pPr algn="ctr"/>
+            <a:r>
+              <a:rPr lang="ru-RU" sz="1800" dirty="0" smtClean="0"/>
+              <a:t> типа </a:t>
+            </a:r>
+            <a:r>
+              <a:rPr lang="en-US" sz="1800" dirty="0" err="1" smtClean="0"/>
+              <a:t>KeyboardInterrupt</a:t>
+            </a:r>
+            <a:endParaRPr lang="ru-RU" sz="1800" dirty="0"/>
+          </a:p>
+        </p:txBody>
+      </p:sp>
+      <p:pic>
+        <p:nvPicPr>
+          <p:cNvPr id="25" name="Picture 3"/>
+          <p:cNvPicPr>
+            <a:picLocks noChangeAspect="1" noChangeArrowheads="1"/>
+          </p:cNvPicPr>
+          <p:nvPr/>
+        </p:nvPicPr>
+        <p:blipFill rotWithShape="1">
+          <a:blip r:embed="rId4">
+            <a:extLst>
+              <a:ext uri="{28A0092B-C50C-407E-A947-70E740481C1C}">
+                <a14:useLocalDpi xmlns:a14="http://schemas.microsoft.com/office/drawing/2010/main" val="0"/>
+              </a:ext>
+            </a:extLst>
+          </a:blip>
+          <a:srcRect t="59429" b="18841"/>
+          <a:stretch/>
+        </p:blipFill>
+        <p:spPr bwMode="auto">
+          <a:xfrm>
+            <a:off x="955218" y="6814456"/>
+            <a:ext cx="8155417" cy="449943"/>
+          </a:xfrm>
+          <a:prstGeom prst="rect">
+            <a:avLst/>
+          </a:prstGeom>
+          <a:noFill/>
+          <a:ln>
+            <a:noFill/>
+          </a:ln>
+          <a:effectLst/>
+          <a:extLst>
+            <a:ext uri="{909E8E84-426E-40DD-AFC4-6F175D3DCCD1}">
+              <a14:hiddenFill xmlns:a14="http://schemas.microsoft.com/office/drawing/2010/main">
+                <a:solidFill>
+                  <a:schemeClr val="accent1"/>
+                </a:solidFill>
+              </a14:hiddenFill>
+            </a:ext>
+            <a:ext uri="{91240B29-F687-4F45-9708-019B960494DF}">
+              <a14:hiddenLine xmlns:a14="http://schemas.microsoft.com/office/drawing/2010/main" w="9525">
+                <a:solidFill>
+                  <a:schemeClr val="tx1"/>
+                </a:solidFill>
+                <a:miter lim="800000"/>
+                <a:headEnd/>
+                <a:tailEnd/>
+              </a14:hiddenLine>
+            </a:ext>
+            <a:ext uri="{AF507438-7753-43E0-B8FC-AC1667EBCBE1}">
+              <a14:hiddenEffects xmlns:a14="http://schemas.microsoft.com/office/drawing/2010/main">
+                <a:effectLst>
+                  <a:outerShdw dist="35921" dir="2700000" algn="ctr" rotWithShape="0">
+                    <a:schemeClr val="bg2"/>
+                  </a:outerShdw>
+                </a:effectLst>
+              </a14:hiddenEffects>
+            </a:ext>
+          </a:extLst>
+        </p:spPr>
+      </p:pic>
+      <p:pic>
+        <p:nvPicPr>
+          <p:cNvPr id="26" name="Picture 3"/>
+          <p:cNvPicPr>
+            <a:picLocks noChangeAspect="1" noChangeArrowheads="1"/>
+          </p:cNvPicPr>
+          <p:nvPr/>
+        </p:nvPicPr>
+        <p:blipFill rotWithShape="1">
+          <a:blip r:embed="rId4">
+            <a:extLst>
+              <a:ext uri="{28A0092B-C50C-407E-A947-70E740481C1C}">
+                <a14:useLocalDpi xmlns:a14="http://schemas.microsoft.com/office/drawing/2010/main" val="0"/>
+              </a:ext>
+            </a:extLst>
+          </a:blip>
+          <a:srcRect t="80259" b="-3390"/>
+          <a:stretch/>
+        </p:blipFill>
+        <p:spPr bwMode="auto">
+          <a:xfrm>
+            <a:off x="945037" y="7300684"/>
+            <a:ext cx="8155417" cy="478971"/>
+          </a:xfrm>
+          <a:prstGeom prst="rect">
+            <a:avLst/>
+          </a:prstGeom>
+          <a:noFill/>
+          <a:ln>
+            <a:noFill/>
+          </a:ln>
+          <a:effectLst/>
+          <a:extLst>
+            <a:ext uri="{909E8E84-426E-40DD-AFC4-6F175D3DCCD1}">
+              <a14:hiddenFill xmlns:a14="http://schemas.microsoft.com/office/drawing/2010/main">
+                <a:solidFill>
+                  <a:schemeClr val="accent1"/>
+                </a:solidFill>
+              </a14:hiddenFill>
+            </a:ext>
+            <a:ext uri="{91240B29-F687-4F45-9708-019B960494DF}">
+              <a14:hiddenLine xmlns:a14="http://schemas.microsoft.com/office/drawing/2010/main" w="9525">
+                <a:solidFill>
+                  <a:schemeClr val="tx1"/>
+                </a:solidFill>
+                <a:miter lim="800000"/>
+                <a:headEnd/>
+                <a:tailEnd/>
+              </a14:hiddenLine>
+            </a:ext>
+            <a:ext uri="{AF507438-7753-43E0-B8FC-AC1667EBCBE1}">
+              <a14:hiddenEffects xmlns:a14="http://schemas.microsoft.com/office/drawing/2010/main">
+                <a:effectLst>
+                  <a:outerShdw dist="35921" dir="2700000" algn="ctr" rotWithShape="0">
+                    <a:schemeClr val="bg2"/>
+                  </a:outerShdw>
+                </a:effectLst>
+              </a14:hiddenEffects>
+            </a:ext>
+          </a:extLst>
+        </p:spPr>
+      </p:pic>
+      <p:cxnSp>
+        <p:nvCxnSpPr>
+          <p:cNvPr id="27" name="Прямая со стрелкой 26"/>
+          <p:cNvCxnSpPr/>
+          <p:nvPr/>
+        </p:nvCxnSpPr>
+        <p:spPr>
+          <a:xfrm flipV="1">
+            <a:off x="6320970" y="3978563"/>
+            <a:ext cx="4898573" cy="3513172"/>
+          </a:xfrm>
+          <a:prstGeom prst="straightConnector1">
+            <a:avLst/>
+          </a:prstGeom>
+          <a:ln w="28575">
+            <a:solidFill>
+              <a:srgbClr val="FF0000"/>
+            </a:solidFill>
+            <a:headEnd type="none" w="med" len="med"/>
+            <a:tailEnd type="arrow" w="med" len="med"/>
+          </a:ln>
+        </p:spPr>
+        <p:style>
+          <a:lnRef idx="1">
+            <a:schemeClr val="accent1"/>
+          </a:lnRef>
+          <a:fillRef idx="0">
+            <a:schemeClr val="accent1"/>
+          </a:fillRef>
+          <a:effectRef idx="0">
+            <a:schemeClr val="accent1"/>
+          </a:effectRef>
+          <a:fontRef idx="minor">
+            <a:schemeClr val="tx1"/>
+          </a:fontRef>
+        </p:style>
+      </p:cxnSp>
+      <p:sp>
+        <p:nvSpPr>
+          <p:cNvPr id="28" name="TextBox 27"/>
+          <p:cNvSpPr txBox="1"/>
+          <p:nvPr/>
+        </p:nvSpPr>
+        <p:spPr>
+          <a:xfrm rot="19464590">
+            <a:off x="5267625" y="6116217"/>
+            <a:ext cx="6268142" cy="369332"/>
+          </a:xfrm>
+          <a:prstGeom prst="rect">
+            <a:avLst/>
+          </a:prstGeom>
+          <a:noFill/>
+        </p:spPr>
+        <p:txBody>
+          <a:bodyPr wrap="square" rtlCol="0">
+            <a:spAutoFit/>
+          </a:bodyPr>
+          <a:lstStyle/>
+          <a:p>
+            <a:pPr algn="ctr"/>
+            <a:r>
+              <a:rPr lang="ru-RU" sz="1800" dirty="0" smtClean="0"/>
+              <a:t>Перехватили исключение</a:t>
+            </a:r>
+            <a:r>
+              <a:rPr lang="en-US" sz="1800" dirty="0" smtClean="0"/>
+              <a:t> </a:t>
+            </a:r>
+            <a:r>
+              <a:rPr lang="ru-RU" sz="1800" dirty="0" smtClean="0"/>
+              <a:t>типа </a:t>
+            </a:r>
+            <a:r>
+              <a:rPr lang="en-US" sz="1800" dirty="0" err="1" smtClean="0"/>
+              <a:t>ValueError</a:t>
+            </a:r>
+            <a:endParaRPr lang="ru-RU" sz="1800" dirty="0"/>
+          </a:p>
+        </p:txBody>
+      </p:sp>
+    </p:spTree>
+    <p:extLst>
+      <p:ext uri="{BB962C8B-B14F-4D97-AF65-F5344CB8AC3E}">
+        <p14:creationId xmlns:p14="http://schemas.microsoft.com/office/powerpoint/2010/main" val="3714806100"/>
+      </p:ext>
+    </p:extLst>
+  </p:cSld>
+  <p:clrMapOvr>
+    <a:masterClrMapping/>
+  </p:clrMapOvr>
+  <p:timing>
+    <p:tnLst>
+      <p:par>
+        <p:cTn id="1" dur="indefinite" restart="never" nodeType="tmRoot">
+          <p:childTnLst>
+            <p:seq concurrent="1" nextAc="seek">
+              <p:cTn id="2" dur="indefinite" nodeType="mainSeq">
+                <p:childTnLst>
+                  <p:par>
+                    <p:cTn id="3" fill="hold">
+                      <p:stCondLst>
+                        <p:cond delay="indefinite"/>
+                      </p:stCondLst>
+                      <p:childTnLst>
+                        <p:par>
+                          <p:cTn id="4" fill="hold">
+                            <p:stCondLst>
+                              <p:cond delay="0"/>
+                            </p:stCondLst>
+                            <p:childTnLst>
+                              <p:par>
+                                <p:cTn id="5" presetID="1" presetClass="entr" presetSubtype="0" fill="hold" grpId="0" nodeType="clickEffect">
+                                  <p:stCondLst>
+                                    <p:cond delay="0"/>
+                                  </p:stCondLst>
+                                  <p:childTnLst>
+                                    <p:set>
+                                      <p:cBhvr>
+                                        <p:cTn id="6" dur="1" fill="hold">
+                                          <p:stCondLst>
+                                            <p:cond delay="0"/>
+                                          </p:stCondLst>
+                                        </p:cTn>
+                                        <p:tgtEl>
+                                          <p:spTgt spid="2"/>
+                                        </p:tgtEl>
+                                        <p:attrNameLst>
+                                          <p:attrName>style.visibility</p:attrName>
+                                        </p:attrNameLst>
+                                      </p:cBhvr>
+                                      <p:to>
+                                        <p:strVal val="visible"/>
+                                      </p:to>
+                                    </p:set>
+                                  </p:childTnLst>
+                                </p:cTn>
+                              </p:par>
+                            </p:childTnLst>
+                          </p:cTn>
+                        </p:par>
+                      </p:childTnLst>
+                    </p:cTn>
+                  </p:par>
+                  <p:par>
+                    <p:cTn id="7" fill="hold">
+                      <p:stCondLst>
+                        <p:cond delay="indefinite"/>
+                      </p:stCondLst>
+                      <p:childTnLst>
+                        <p:par>
+                          <p:cTn id="8" fill="hold">
+                            <p:stCondLst>
+                              <p:cond delay="0"/>
+                            </p:stCondLst>
+                            <p:childTnLst>
+                              <p:par>
+                                <p:cTn id="9" presetID="1" presetClass="entr" presetSubtype="0" fill="hold" nodeType="clickEffect">
+                                  <p:stCondLst>
+                                    <p:cond delay="0"/>
+                                  </p:stCondLst>
+                                  <p:childTnLst>
+                                    <p:set>
+                                      <p:cBhvr>
+                                        <p:cTn id="10" dur="1" fill="hold">
+                                          <p:stCondLst>
+                                            <p:cond delay="0"/>
+                                          </p:stCondLst>
+                                        </p:cTn>
+                                        <p:tgtEl>
+                                          <p:spTgt spid="4098"/>
+                                        </p:tgtEl>
+                                        <p:attrNameLst>
+                                          <p:attrName>style.visibility</p:attrName>
+                                        </p:attrNameLst>
+                                      </p:cBhvr>
+                                      <p:to>
+                                        <p:strVal val="visible"/>
+                                      </p:to>
+                                    </p:set>
+                                  </p:childTnLst>
+                                </p:cTn>
+                              </p:par>
+                            </p:childTnLst>
+                          </p:cTn>
+                        </p:par>
+                      </p:childTnLst>
+                    </p:cTn>
+                  </p:par>
+                  <p:par>
+                    <p:cTn id="11" fill="hold">
+                      <p:stCondLst>
+                        <p:cond delay="indefinite"/>
+                      </p:stCondLst>
+                      <p:childTnLst>
+                        <p:par>
+                          <p:cTn id="12" fill="hold">
+                            <p:stCondLst>
+                              <p:cond delay="0"/>
+                            </p:stCondLst>
+                            <p:childTnLst>
+                              <p:par>
+                                <p:cTn id="13" presetID="1" presetClass="entr" presetSubtype="0" fill="hold" nodeType="clickEffect">
+                                  <p:stCondLst>
+                                    <p:cond delay="0"/>
+                                  </p:stCondLst>
+                                  <p:childTnLst>
+                                    <p:set>
+                                      <p:cBhvr>
+                                        <p:cTn id="14" dur="1" fill="hold">
+                                          <p:stCondLst>
+                                            <p:cond delay="0"/>
+                                          </p:stCondLst>
+                                        </p:cTn>
+                                        <p:tgtEl>
+                                          <p:spTgt spid="4099"/>
+                                        </p:tgtEl>
+                                        <p:attrNameLst>
+                                          <p:attrName>style.visibility</p:attrName>
+                                        </p:attrNameLst>
+                                      </p:cBhvr>
+                                      <p:to>
+                                        <p:strVal val="visible"/>
+                                      </p:to>
+                                    </p:set>
+                                  </p:childTnLst>
+                                </p:cTn>
+                              </p:par>
+                            </p:childTnLst>
+                          </p:cTn>
+                        </p:par>
+                      </p:childTnLst>
+                    </p:cTn>
+                  </p:par>
+                  <p:par>
+                    <p:cTn id="15" fill="hold">
+                      <p:stCondLst>
+                        <p:cond delay="indefinite"/>
+                      </p:stCondLst>
+                      <p:childTnLst>
+                        <p:par>
+                          <p:cTn id="16" fill="hold">
+                            <p:stCondLst>
+                              <p:cond delay="0"/>
+                            </p:stCondLst>
+                            <p:childTnLst>
+                              <p:par>
+                                <p:cTn id="17" presetID="1" presetClass="entr" presetSubtype="0" fill="hold" grpId="0" nodeType="clickEffect">
+                                  <p:stCondLst>
+                                    <p:cond delay="0"/>
+                                  </p:stCondLst>
+                                  <p:childTnLst>
+                                    <p:set>
+                                      <p:cBhvr>
+                                        <p:cTn id="18" dur="1" fill="hold">
+                                          <p:stCondLst>
+                                            <p:cond delay="0"/>
+                                          </p:stCondLst>
+                                        </p:cTn>
+                                        <p:tgtEl>
+                                          <p:spTgt spid="20"/>
+                                        </p:tgtEl>
+                                        <p:attrNameLst>
+                                          <p:attrName>style.visibility</p:attrName>
+                                        </p:attrNameLst>
+                                      </p:cBhvr>
+                                      <p:to>
+                                        <p:strVal val="visible"/>
+                                      </p:to>
+                                    </p:set>
+                                  </p:childTnLst>
+                                </p:cTn>
+                              </p:par>
+                            </p:childTnLst>
+                          </p:cTn>
+                        </p:par>
+                      </p:childTnLst>
+                    </p:cTn>
+                  </p:par>
+                  <p:par>
+                    <p:cTn id="19" fill="hold">
+                      <p:stCondLst>
+                        <p:cond delay="indefinite"/>
+                      </p:stCondLst>
+                      <p:childTnLst>
+                        <p:par>
+                          <p:cTn id="20" fill="hold">
+                            <p:stCondLst>
+                              <p:cond delay="0"/>
+                            </p:stCondLst>
+                            <p:childTnLst>
+                              <p:par>
+                                <p:cTn id="21" presetID="1" presetClass="entr" presetSubtype="0" fill="hold" nodeType="clickEffect">
+                                  <p:stCondLst>
+                                    <p:cond delay="0"/>
+                                  </p:stCondLst>
+                                  <p:childTnLst>
+                                    <p:set>
+                                      <p:cBhvr>
+                                        <p:cTn id="22" dur="1" fill="hold">
+                                          <p:stCondLst>
+                                            <p:cond delay="0"/>
+                                          </p:stCondLst>
+                                        </p:cTn>
+                                        <p:tgtEl>
+                                          <p:spTgt spid="19"/>
+                                        </p:tgtEl>
+                                        <p:attrNameLst>
+                                          <p:attrName>style.visibility</p:attrName>
+                                        </p:attrNameLst>
+                                      </p:cBhvr>
+                                      <p:to>
+                                        <p:strVal val="visible"/>
+                                      </p:to>
+                                    </p:set>
+                                  </p:childTnLst>
+                                </p:cTn>
+                              </p:par>
+                            </p:childTnLst>
+                          </p:cTn>
+                        </p:par>
+                      </p:childTnLst>
+                    </p:cTn>
+                  </p:par>
+                  <p:par>
+                    <p:cTn id="23" fill="hold">
+                      <p:stCondLst>
+                        <p:cond delay="indefinite"/>
+                      </p:stCondLst>
+                      <p:childTnLst>
+                        <p:par>
+                          <p:cTn id="24" fill="hold">
+                            <p:stCondLst>
+                              <p:cond delay="0"/>
+                            </p:stCondLst>
+                            <p:childTnLst>
+                              <p:par>
+                                <p:cTn id="25" presetID="1" presetClass="entr" presetSubtype="0" fill="hold" nodeType="clickEffect">
+                                  <p:stCondLst>
+                                    <p:cond delay="0"/>
+                                  </p:stCondLst>
+                                  <p:childTnLst>
+                                    <p:set>
+                                      <p:cBhvr>
+                                        <p:cTn id="26" dur="1" fill="hold">
+                                          <p:stCondLst>
+                                            <p:cond delay="0"/>
+                                          </p:stCondLst>
+                                        </p:cTn>
+                                        <p:tgtEl>
+                                          <p:spTgt spid="21"/>
+                                        </p:tgtEl>
+                                        <p:attrNameLst>
+                                          <p:attrName>style.visibility</p:attrName>
+                                        </p:attrNameLst>
+                                      </p:cBhvr>
+                                      <p:to>
+                                        <p:strVal val="visible"/>
+                                      </p:to>
+                                    </p:set>
+                                  </p:childTnLst>
+                                </p:cTn>
+                              </p:par>
+                              <p:par>
+                                <p:cTn id="27" presetID="1" presetClass="entr" presetSubtype="0" fill="hold" grpId="0" nodeType="withEffect">
+                                  <p:stCondLst>
+                                    <p:cond delay="0"/>
+                                  </p:stCondLst>
+                                  <p:childTnLst>
+                                    <p:set>
+                                      <p:cBhvr>
+                                        <p:cTn id="28" dur="1" fill="hold">
+                                          <p:stCondLst>
+                                            <p:cond delay="0"/>
+                                          </p:stCondLst>
+                                        </p:cTn>
+                                        <p:tgtEl>
+                                          <p:spTgt spid="11"/>
+                                        </p:tgtEl>
+                                        <p:attrNameLst>
+                                          <p:attrName>style.visibility</p:attrName>
+                                        </p:attrNameLst>
+                                      </p:cBhvr>
+                                      <p:to>
+                                        <p:strVal val="visible"/>
+                                      </p:to>
+                                    </p:set>
+                                  </p:childTnLst>
+                                </p:cTn>
+                              </p:par>
+                            </p:childTnLst>
+                          </p:cTn>
+                        </p:par>
+                      </p:childTnLst>
+                    </p:cTn>
+                  </p:par>
+                  <p:par>
+                    <p:cTn id="29" fill="hold">
+                      <p:stCondLst>
+                        <p:cond delay="indefinite"/>
+                      </p:stCondLst>
+                      <p:childTnLst>
+                        <p:par>
+                          <p:cTn id="30" fill="hold">
+                            <p:stCondLst>
+                              <p:cond delay="0"/>
+                            </p:stCondLst>
+                            <p:childTnLst>
+                              <p:par>
+                                <p:cTn id="31" presetID="1" presetClass="entr" presetSubtype="0" fill="hold" nodeType="clickEffect">
+                                  <p:stCondLst>
+                                    <p:cond delay="0"/>
+                                  </p:stCondLst>
+                                  <p:childTnLst>
+                                    <p:set>
+                                      <p:cBhvr>
+                                        <p:cTn id="32" dur="1" fill="hold">
+                                          <p:stCondLst>
+                                            <p:cond delay="0"/>
+                                          </p:stCondLst>
+                                        </p:cTn>
+                                        <p:tgtEl>
+                                          <p:spTgt spid="25"/>
+                                        </p:tgtEl>
+                                        <p:attrNameLst>
+                                          <p:attrName>style.visibility</p:attrName>
+                                        </p:attrNameLst>
+                                      </p:cBhvr>
+                                      <p:to>
+                                        <p:strVal val="visible"/>
+                                      </p:to>
+                                    </p:set>
+                                  </p:childTnLst>
+                                </p:cTn>
+                              </p:par>
+                            </p:childTnLst>
+                          </p:cTn>
+                        </p:par>
+                      </p:childTnLst>
+                    </p:cTn>
+                  </p:par>
+                  <p:par>
+                    <p:cTn id="33" fill="hold">
+                      <p:stCondLst>
+                        <p:cond delay="indefinite"/>
+                      </p:stCondLst>
+                      <p:childTnLst>
+                        <p:par>
+                          <p:cTn id="34" fill="hold">
+                            <p:stCondLst>
+                              <p:cond delay="0"/>
+                            </p:stCondLst>
+                            <p:childTnLst>
+                              <p:par>
+                                <p:cTn id="35" presetID="1" presetClass="entr" presetSubtype="0" fill="hold" nodeType="clickEffect">
+                                  <p:stCondLst>
+                                    <p:cond delay="0"/>
+                                  </p:stCondLst>
+                                  <p:childTnLst>
+                                    <p:set>
+                                      <p:cBhvr>
+                                        <p:cTn id="36" dur="1" fill="hold">
+                                          <p:stCondLst>
+                                            <p:cond delay="0"/>
+                                          </p:stCondLst>
+                                        </p:cTn>
+                                        <p:tgtEl>
+                                          <p:spTgt spid="26"/>
+                                        </p:tgtEl>
+                                        <p:attrNameLst>
+                                          <p:attrName>style.visibility</p:attrName>
+                                        </p:attrNameLst>
+                                      </p:cBhvr>
+                                      <p:to>
+                                        <p:strVal val="visible"/>
+                                      </p:to>
+                                    </p:set>
+                                  </p:childTnLst>
+                                </p:cTn>
+                              </p:par>
+                            </p:childTnLst>
+                          </p:cTn>
+                        </p:par>
+                      </p:childTnLst>
+                    </p:cTn>
+                  </p:par>
+                  <p:par>
+                    <p:cTn id="37" fill="hold">
+                      <p:stCondLst>
+                        <p:cond delay="indefinite"/>
+                      </p:stCondLst>
+                      <p:childTnLst>
+                        <p:par>
+                          <p:cTn id="38" fill="hold">
+                            <p:stCondLst>
+                              <p:cond delay="0"/>
+                            </p:stCondLst>
+                            <p:childTnLst>
+                              <p:par>
+                                <p:cTn id="39" presetID="1" presetClass="entr" presetSubtype="0" fill="hold" grpId="0" nodeType="clickEffect">
+                                  <p:stCondLst>
+                                    <p:cond delay="0"/>
+                                  </p:stCondLst>
+                                  <p:childTnLst>
+                                    <p:set>
+                                      <p:cBhvr>
+                                        <p:cTn id="40" dur="1" fill="hold">
+                                          <p:stCondLst>
+                                            <p:cond delay="0"/>
+                                          </p:stCondLst>
+                                        </p:cTn>
+                                        <p:tgtEl>
+                                          <p:spTgt spid="28"/>
+                                        </p:tgtEl>
+                                        <p:attrNameLst>
+                                          <p:attrName>style.visibility</p:attrName>
+                                        </p:attrNameLst>
+                                      </p:cBhvr>
+                                      <p:to>
+                                        <p:strVal val="visible"/>
+                                      </p:to>
+                                    </p:set>
+                                  </p:childTnLst>
+                                </p:cTn>
+                              </p:par>
+                              <p:par>
+                                <p:cTn id="41" presetID="1" presetClass="entr" presetSubtype="0" fill="hold" nodeType="withEffect">
+                                  <p:stCondLst>
+                                    <p:cond delay="0"/>
+                                  </p:stCondLst>
+                                  <p:childTnLst>
+                                    <p:set>
+                                      <p:cBhvr>
+                                        <p:cTn id="42" dur="1" fill="hold">
+                                          <p:stCondLst>
+                                            <p:cond delay="0"/>
+                                          </p:stCondLst>
+                                        </p:cTn>
+                                        <p:tgtEl>
+                                          <p:spTgt spid="27"/>
+                                        </p:tgtEl>
+                                        <p:attrNameLst>
+                                          <p:attrName>style.visibility</p:attrName>
+                                        </p:attrNameLst>
+                                      </p:cBhvr>
+                                      <p:to>
+                                        <p:strVal val="visible"/>
+                                      </p:to>
+                                    </p:set>
+                                  </p:childTnLst>
+                                </p:cTn>
+                              </p:par>
+                            </p:childTnLst>
+                          </p:cTn>
+                        </p:par>
+                      </p:childTnLst>
+                    </p:cTn>
+                  </p:par>
+                </p:childTnLst>
+              </p:cTn>
+              <p:prevCondLst>
+                <p:cond evt="onPrev" delay="0">
+                  <p:tgtEl>
+                    <p:sldTgt/>
+                  </p:tgtEl>
+                </p:cond>
+              </p:prevCondLst>
+              <p:nextCondLst>
+                <p:cond evt="onNext" delay="0">
+                  <p:tgtEl>
+                    <p:sldTgt/>
+                  </p:tgtEl>
+                </p:cond>
+              </p:nextCondLst>
+            </p:seq>
+          </p:childTnLst>
+        </p:cTn>
+      </p:par>
+    </p:tnLst>
+    <p:bldLst>
+      <p:bldP spid="2" grpId="0"/>
+      <p:bldP spid="20" grpId="0" animBg="1"/>
+      <p:bldP spid="11" grpId="0"/>
+      <p:bldP spid="28" grpId="0"/>
+    </p:bldLst>
+  </p:timing>
+</p:sld>
+</file>
+
+<file path=ppt/slides/slide12.xml><?xml version="1.0" encoding="utf-8"?>
+<p:sld xmlns:a="http://schemas.openxmlformats.org/drawingml/2006/main" xmlns:r="http://schemas.openxmlformats.org/officeDocument/2006/relationships" xmlns:p="http://schemas.openxmlformats.org/presentationml/2006/main">
+  <p:cSld>
+    <p:bg>
+      <p:bgPr>
+        <a:solidFill>
+          <a:schemeClr val="bg1"/>
+        </a:solidFill>
+        <a:effectLst/>
+      </p:bgPr>
+    </p:bg>
+    <p:spTree>
+      <p:nvGrpSpPr>
+        <p:cNvPr id="1" name="Shape 397"/>
+        <p:cNvGrpSpPr/>
+        <p:nvPr/>
+      </p:nvGrpSpPr>
+      <p:grpSpPr>
+        <a:xfrm>
+          <a:off x="0" y="0"/>
+          <a:ext cx="0" cy="0"/>
+          <a:chOff x="0" y="0"/>
+          <a:chExt cx="0" cy="0"/>
+        </a:xfrm>
+      </p:grpSpPr>
+      <p:sp>
+        <p:nvSpPr>
+          <p:cNvPr id="398" name="Shape 398"/>
+          <p:cNvSpPr txBox="1"/>
+          <p:nvPr/>
+        </p:nvSpPr>
+        <p:spPr>
+          <a:xfrm>
+            <a:off x="2052735" y="628781"/>
+            <a:ext cx="12465697" cy="660300"/>
+          </a:xfrm>
+          <a:prstGeom prst="rect">
+            <a:avLst/>
+          </a:prstGeom>
+          <a:noFill/>
+          <a:ln>
+            <a:noFill/>
+          </a:ln>
+        </p:spPr>
+        <p:txBody>
+          <a:bodyPr lIns="0" tIns="0" rIns="0" bIns="0" anchor="ctr" anchorCtr="0">
+            <a:noAutofit/>
+          </a:bodyPr>
+          <a:lstStyle/>
+          <a:p>
+            <a:pPr lvl="0" algn="ctr">
+              <a:buClr>
+                <a:srgbClr val="00FF00"/>
+              </a:buClr>
+              <a:buSzPct val="25000"/>
+              <a:defRPr/>
+            </a:pPr>
+            <a:r>
+              <a:rPr lang="ru-RU" sz="4800" dirty="0" smtClean="0">
+                <a:solidFill>
+                  <a:schemeClr val="bg2"/>
+                </a:solidFill>
+                <a:latin typeface="Cabin"/>
+                <a:ea typeface="Cabin"/>
+                <a:cs typeface="Cabin"/>
+                <a:sym typeface="Cabin"/>
+              </a:rPr>
+              <a:t>Блок </a:t>
+            </a:r>
+            <a:r>
+              <a:rPr lang="en-US" sz="4800" dirty="0" smtClean="0">
+                <a:solidFill>
+                  <a:srgbClr val="00B050"/>
+                </a:solidFill>
+                <a:latin typeface="Courier New" pitchFamily="49" charset="0"/>
+                <a:ea typeface="Cabin"/>
+                <a:cs typeface="Courier New" pitchFamily="49" charset="0"/>
+                <a:sym typeface="Cabin"/>
+              </a:rPr>
+              <a:t>else</a:t>
+            </a:r>
+            <a:endParaRPr kumimoji="0" lang="en-US" sz="4800" b="0" i="0" u="none" strike="noStrike" kern="0" cap="none" spc="0" normalizeH="0" baseline="0" noProof="0" dirty="0">
+              <a:ln>
+                <a:noFill/>
+              </a:ln>
+              <a:solidFill>
+                <a:srgbClr val="00B050"/>
+              </a:solidFill>
+              <a:effectLst/>
+              <a:uLnTx/>
+              <a:uFillTx/>
+              <a:latin typeface="Courier New" pitchFamily="49" charset="0"/>
+              <a:ea typeface="Cabin"/>
+              <a:cs typeface="Courier New" pitchFamily="49" charset="0"/>
+              <a:sym typeface="Cabin"/>
+            </a:endParaRPr>
+          </a:p>
+        </p:txBody>
+      </p:sp>
+      <p:sp>
+        <p:nvSpPr>
+          <p:cNvPr id="2" name="TextBox 1"/>
+          <p:cNvSpPr txBox="1"/>
+          <p:nvPr/>
+        </p:nvSpPr>
+        <p:spPr>
+          <a:xfrm>
+            <a:off x="546427" y="1400804"/>
+            <a:ext cx="15163145" cy="1200329"/>
+          </a:xfrm>
+          <a:prstGeom prst="rect">
+            <a:avLst/>
+          </a:prstGeom>
+          <a:noFill/>
+        </p:spPr>
+        <p:txBody>
+          <a:bodyPr wrap="square" rtlCol="0">
+            <a:spAutoFit/>
+          </a:bodyPr>
+          <a:lstStyle/>
+          <a:p>
+            <a:r>
+              <a:rPr lang="ru-RU" sz="3600" dirty="0"/>
+              <a:t>Можно также добавить пункт </a:t>
+            </a:r>
+            <a:r>
+              <a:rPr lang="ru-RU" sz="3600" dirty="0" err="1">
+                <a:solidFill>
+                  <a:srgbClr val="00B050"/>
+                </a:solidFill>
+                <a:latin typeface="Courier New" pitchFamily="49" charset="0"/>
+                <a:cs typeface="Courier New" pitchFamily="49" charset="0"/>
+              </a:rPr>
+              <a:t>else</a:t>
+            </a:r>
+            <a:r>
+              <a:rPr lang="ru-RU" sz="3600" dirty="0">
+                <a:solidFill>
+                  <a:srgbClr val="00B050"/>
+                </a:solidFill>
+              </a:rPr>
+              <a:t> </a:t>
+            </a:r>
+            <a:r>
+              <a:rPr lang="ru-RU" sz="3600" dirty="0"/>
+              <a:t>к соответствующему блоку </a:t>
+            </a:r>
+            <a:r>
+              <a:rPr lang="ru-RU" sz="3600" dirty="0" err="1">
+                <a:solidFill>
+                  <a:srgbClr val="00B050"/>
+                </a:solidFill>
+                <a:latin typeface="Courier New" pitchFamily="49" charset="0"/>
+                <a:cs typeface="Courier New" pitchFamily="49" charset="0"/>
+              </a:rPr>
+              <a:t>try</a:t>
+            </a:r>
+            <a:r>
+              <a:rPr lang="ru-RU" sz="3600" dirty="0">
+                <a:solidFill>
+                  <a:srgbClr val="00B050"/>
+                </a:solidFill>
+                <a:latin typeface="Courier New" pitchFamily="49" charset="0"/>
+                <a:cs typeface="Courier New" pitchFamily="49" charset="0"/>
+              </a:rPr>
+              <a:t>..</a:t>
+            </a:r>
+            <a:r>
+              <a:rPr lang="ru-RU" sz="3600" dirty="0" err="1">
+                <a:solidFill>
+                  <a:srgbClr val="00B050"/>
+                </a:solidFill>
+                <a:latin typeface="Courier New" pitchFamily="49" charset="0"/>
+                <a:cs typeface="Courier New" pitchFamily="49" charset="0"/>
+              </a:rPr>
+              <a:t>except</a:t>
+            </a:r>
+            <a:r>
+              <a:rPr lang="ru-RU" sz="3600" dirty="0" smtClean="0"/>
+              <a:t>.</a:t>
+            </a:r>
+            <a:endParaRPr lang="ru-RU" sz="3600" dirty="0" smtClean="0"/>
+          </a:p>
+        </p:txBody>
+      </p:sp>
+      <p:sp>
+        <p:nvSpPr>
+          <p:cNvPr id="3" name="Прямоугольник 2"/>
+          <p:cNvSpPr/>
+          <p:nvPr/>
+        </p:nvSpPr>
+        <p:spPr>
+          <a:xfrm>
+            <a:off x="593025" y="2601133"/>
+            <a:ext cx="12922127" cy="584775"/>
+          </a:xfrm>
+          <a:prstGeom prst="rect">
+            <a:avLst/>
+          </a:prstGeom>
+        </p:spPr>
+        <p:txBody>
+          <a:bodyPr wrap="none">
+            <a:spAutoFit/>
+          </a:bodyPr>
+          <a:lstStyle/>
+          <a:p>
+            <a:r>
+              <a:rPr lang="ru-RU" sz="3200" dirty="0"/>
+              <a:t>Этот пункт будет выполнен тогда, когда исключений не возникает.</a:t>
+            </a:r>
+          </a:p>
+        </p:txBody>
+      </p:sp>
+      <p:pic>
+        <p:nvPicPr>
+          <p:cNvPr id="5122" name="Picture 2"/>
+          <p:cNvPicPr>
+            <a:picLocks noChangeAspect="1" noChangeArrowheads="1"/>
+          </p:cNvPicPr>
+          <p:nvPr/>
+        </p:nvPicPr>
+        <p:blipFill>
+          <a:blip r:embed="rId3">
+            <a:extLst>
+              <a:ext uri="{28A0092B-C50C-407E-A947-70E740481C1C}">
+                <a14:useLocalDpi xmlns:a14="http://schemas.microsoft.com/office/drawing/2010/main" val="0"/>
+              </a:ext>
+            </a:extLst>
+          </a:blip>
+          <a:srcRect/>
+          <a:stretch>
+            <a:fillRect/>
+          </a:stretch>
+        </p:blipFill>
+        <p:spPr bwMode="auto">
+          <a:xfrm>
+            <a:off x="7877492" y="3403621"/>
+            <a:ext cx="7832079" cy="3165129"/>
+          </a:xfrm>
+          <a:prstGeom prst="rect">
+            <a:avLst/>
+          </a:prstGeom>
+          <a:noFill/>
+          <a:ln w="9525">
+            <a:solidFill>
+              <a:schemeClr val="tx1"/>
+            </a:solidFill>
+            <a:miter lim="800000"/>
+            <a:headEnd/>
+            <a:tailEnd/>
+          </a:ln>
+          <a:effectLst/>
+          <a:extLst>
+            <a:ext uri="{909E8E84-426E-40DD-AFC4-6F175D3DCCD1}">
+              <a14:hiddenFill xmlns:a14="http://schemas.microsoft.com/office/drawing/2010/main">
+                <a:solidFill>
+                  <a:schemeClr val="accent1"/>
+                </a:solidFill>
+              </a14:hiddenFill>
+            </a:ext>
+            <a:ext uri="{AF507438-7753-43E0-B8FC-AC1667EBCBE1}">
+              <a14:hiddenEffects xmlns:a14="http://schemas.microsoft.com/office/drawing/2010/main">
+                <a:effectLst>
+                  <a:outerShdw dist="35921" dir="2700000" algn="ctr" rotWithShape="0">
+                    <a:schemeClr val="bg2"/>
+                  </a:outerShdw>
+                </a:effectLst>
+              </a14:hiddenEffects>
+            </a:ext>
+          </a:extLst>
+        </p:spPr>
+      </p:pic>
+      <p:pic>
+        <p:nvPicPr>
+          <p:cNvPr id="5123" name="Picture 3"/>
+          <p:cNvPicPr>
+            <a:picLocks noChangeAspect="1" noChangeArrowheads="1"/>
+          </p:cNvPicPr>
+          <p:nvPr/>
+        </p:nvPicPr>
+        <p:blipFill rotWithShape="1">
+          <a:blip r:embed="rId4">
+            <a:extLst>
+              <a:ext uri="{28A0092B-C50C-407E-A947-70E740481C1C}">
+                <a14:useLocalDpi xmlns:a14="http://schemas.microsoft.com/office/drawing/2010/main" val="0"/>
+              </a:ext>
+            </a:extLst>
+          </a:blip>
+          <a:srcRect b="50000"/>
+          <a:stretch/>
+        </p:blipFill>
+        <p:spPr bwMode="auto">
+          <a:xfrm>
+            <a:off x="859744" y="6540910"/>
+            <a:ext cx="4122803" cy="382707"/>
+          </a:xfrm>
+          <a:prstGeom prst="rect">
+            <a:avLst/>
+          </a:prstGeom>
+          <a:noFill/>
+          <a:ln>
+            <a:noFill/>
+          </a:ln>
+          <a:effectLst/>
+          <a:extLst>
+            <a:ext uri="{909E8E84-426E-40DD-AFC4-6F175D3DCCD1}">
+              <a14:hiddenFill xmlns:a14="http://schemas.microsoft.com/office/drawing/2010/main">
+                <a:solidFill>
+                  <a:schemeClr val="accent1"/>
+                </a:solidFill>
+              </a14:hiddenFill>
+            </a:ext>
+            <a:ext uri="{91240B29-F687-4F45-9708-019B960494DF}">
+              <a14:hiddenLine xmlns:a14="http://schemas.microsoft.com/office/drawing/2010/main" w="9525">
+                <a:solidFill>
+                  <a:schemeClr val="tx1"/>
+                </a:solidFill>
+                <a:miter lim="800000"/>
+                <a:headEnd/>
+                <a:tailEnd/>
+              </a14:hiddenLine>
+            </a:ext>
+            <a:ext uri="{AF507438-7753-43E0-B8FC-AC1667EBCBE1}">
+              <a14:hiddenEffects xmlns:a14="http://schemas.microsoft.com/office/drawing/2010/main">
+                <a:effectLst>
+                  <a:outerShdw dist="35921" dir="2700000" algn="ctr" rotWithShape="0">
+                    <a:schemeClr val="bg2"/>
+                  </a:outerShdw>
+                </a:effectLst>
+              </a14:hiddenEffects>
+            </a:ext>
+          </a:extLst>
+        </p:spPr>
+      </p:pic>
+      <p:pic>
+        <p:nvPicPr>
+          <p:cNvPr id="17" name="Picture 3"/>
+          <p:cNvPicPr>
+            <a:picLocks noChangeAspect="1" noChangeArrowheads="1"/>
+          </p:cNvPicPr>
+          <p:nvPr/>
+        </p:nvPicPr>
+        <p:blipFill rotWithShape="1">
+          <a:blip r:embed="rId4">
+            <a:extLst>
+              <a:ext uri="{28A0092B-C50C-407E-A947-70E740481C1C}">
+                <a14:useLocalDpi xmlns:a14="http://schemas.microsoft.com/office/drawing/2010/main" val="0"/>
+              </a:ext>
+            </a:extLst>
+          </a:blip>
+          <a:srcRect t="55853" b="-11705"/>
+          <a:stretch/>
+        </p:blipFill>
+        <p:spPr bwMode="auto">
+          <a:xfrm>
+            <a:off x="859742" y="7076016"/>
+            <a:ext cx="4122803" cy="427502"/>
+          </a:xfrm>
+          <a:prstGeom prst="rect">
+            <a:avLst/>
+          </a:prstGeom>
+          <a:noFill/>
+          <a:ln>
+            <a:noFill/>
+          </a:ln>
+          <a:effectLst/>
+          <a:extLst>
+            <a:ext uri="{909E8E84-426E-40DD-AFC4-6F175D3DCCD1}">
+              <a14:hiddenFill xmlns:a14="http://schemas.microsoft.com/office/drawing/2010/main">
+                <a:solidFill>
+                  <a:schemeClr val="accent1"/>
+                </a:solidFill>
+              </a14:hiddenFill>
+            </a:ext>
+            <a:ext uri="{91240B29-F687-4F45-9708-019B960494DF}">
+              <a14:hiddenLine xmlns:a14="http://schemas.microsoft.com/office/drawing/2010/main" w="9525">
+                <a:solidFill>
+                  <a:schemeClr val="tx1"/>
+                </a:solidFill>
+                <a:miter lim="800000"/>
+                <a:headEnd/>
+                <a:tailEnd/>
+              </a14:hiddenLine>
+            </a:ext>
+            <a:ext uri="{AF507438-7753-43E0-B8FC-AC1667EBCBE1}">
+              <a14:hiddenEffects xmlns:a14="http://schemas.microsoft.com/office/drawing/2010/main">
+                <a:effectLst>
+                  <a:outerShdw dist="35921" dir="2700000" algn="ctr" rotWithShape="0">
+                    <a:schemeClr val="bg2"/>
+                  </a:outerShdw>
+                </a:effectLst>
+              </a14:hiddenEffects>
+            </a:ext>
+          </a:extLst>
+        </p:spPr>
+      </p:pic>
+      <p:cxnSp>
+        <p:nvCxnSpPr>
+          <p:cNvPr id="18" name="Прямая со стрелкой 17"/>
+          <p:cNvCxnSpPr/>
+          <p:nvPr/>
+        </p:nvCxnSpPr>
+        <p:spPr>
+          <a:xfrm flipV="1">
+            <a:off x="4907381" y="6083559"/>
+            <a:ext cx="3220618" cy="1206209"/>
+          </a:xfrm>
+          <a:prstGeom prst="straightConnector1">
+            <a:avLst/>
+          </a:prstGeom>
+          <a:ln w="28575">
+            <a:solidFill>
+              <a:srgbClr val="00B050"/>
+            </a:solidFill>
+            <a:headEnd type="none" w="med" len="med"/>
+            <a:tailEnd type="arrow" w="med" len="med"/>
+          </a:ln>
+        </p:spPr>
+        <p:style>
+          <a:lnRef idx="1">
+            <a:schemeClr val="accent1"/>
+          </a:lnRef>
+          <a:fillRef idx="0">
+            <a:schemeClr val="accent1"/>
+          </a:fillRef>
+          <a:effectRef idx="0">
+            <a:schemeClr val="accent1"/>
+          </a:effectRef>
+          <a:fontRef idx="minor">
+            <a:schemeClr val="tx1"/>
+          </a:fontRef>
+        </p:style>
+      </p:cxnSp>
+      <p:sp>
+        <p:nvSpPr>
+          <p:cNvPr id="22" name="TextBox 21"/>
+          <p:cNvSpPr txBox="1"/>
+          <p:nvPr/>
+        </p:nvSpPr>
+        <p:spPr>
+          <a:xfrm rot="20344704">
+            <a:off x="3718743" y="6692784"/>
+            <a:ext cx="6268142" cy="461665"/>
+          </a:xfrm>
+          <a:prstGeom prst="rect">
+            <a:avLst/>
+          </a:prstGeom>
+          <a:noFill/>
+        </p:spPr>
+        <p:txBody>
+          <a:bodyPr wrap="square" rtlCol="0">
+            <a:spAutoFit/>
+          </a:bodyPr>
+          <a:lstStyle/>
+          <a:p>
+            <a:pPr algn="ctr"/>
+            <a:r>
+              <a:rPr lang="ru-RU" sz="2400" dirty="0" smtClean="0">
+                <a:solidFill>
+                  <a:schemeClr val="bg2"/>
+                </a:solidFill>
+              </a:rPr>
+              <a:t>Все </a:t>
+            </a:r>
+            <a:r>
+              <a:rPr lang="en-US" sz="2400" dirty="0" smtClean="0">
+                <a:solidFill>
+                  <a:schemeClr val="bg2"/>
+                </a:solidFill>
+              </a:rPr>
+              <a:t>OK</a:t>
+            </a:r>
+            <a:endParaRPr lang="ru-RU" sz="2400" dirty="0">
+              <a:solidFill>
+                <a:schemeClr val="bg2"/>
+              </a:solidFill>
+            </a:endParaRPr>
+          </a:p>
+        </p:txBody>
+      </p:sp>
+      <p:pic>
+        <p:nvPicPr>
+          <p:cNvPr id="23" name="Picture 3"/>
+          <p:cNvPicPr>
+            <a:picLocks noChangeAspect="1" noChangeArrowheads="1"/>
+          </p:cNvPicPr>
+          <p:nvPr/>
+        </p:nvPicPr>
+        <p:blipFill rotWithShape="1">
+          <a:blip r:embed="rId5">
+            <a:extLst>
+              <a:ext uri="{28A0092B-C50C-407E-A947-70E740481C1C}">
+                <a14:useLocalDpi xmlns:a14="http://schemas.microsoft.com/office/drawing/2010/main" val="0"/>
+              </a:ext>
+            </a:extLst>
+          </a:blip>
+          <a:srcRect t="59429" r="49078" b="18841"/>
+          <a:stretch/>
+        </p:blipFill>
+        <p:spPr bwMode="auto">
+          <a:xfrm>
+            <a:off x="829672" y="5411754"/>
+            <a:ext cx="4152873" cy="449943"/>
+          </a:xfrm>
+          <a:prstGeom prst="rect">
+            <a:avLst/>
+          </a:prstGeom>
+          <a:noFill/>
+          <a:ln>
+            <a:noFill/>
+          </a:ln>
+          <a:effectLst/>
+          <a:extLst>
+            <a:ext uri="{909E8E84-426E-40DD-AFC4-6F175D3DCCD1}">
+              <a14:hiddenFill xmlns:a14="http://schemas.microsoft.com/office/drawing/2010/main">
+                <a:solidFill>
+                  <a:schemeClr val="accent1"/>
+                </a:solidFill>
+              </a14:hiddenFill>
+            </a:ext>
+            <a:ext uri="{91240B29-F687-4F45-9708-019B960494DF}">
+              <a14:hiddenLine xmlns:a14="http://schemas.microsoft.com/office/drawing/2010/main" w="9525">
+                <a:solidFill>
+                  <a:schemeClr val="tx1"/>
+                </a:solidFill>
+                <a:miter lim="800000"/>
+                <a:headEnd/>
+                <a:tailEnd/>
+              </a14:hiddenLine>
+            </a:ext>
+            <a:ext uri="{AF507438-7753-43E0-B8FC-AC1667EBCBE1}">
+              <a14:hiddenEffects xmlns:a14="http://schemas.microsoft.com/office/drawing/2010/main">
+                <a:effectLst>
+                  <a:outerShdw dist="35921" dir="2700000" algn="ctr" rotWithShape="0">
+                    <a:schemeClr val="bg2"/>
+                  </a:outerShdw>
+                </a:effectLst>
+              </a14:hiddenEffects>
+            </a:ext>
+          </a:extLst>
+        </p:spPr>
+      </p:pic>
+      <p:pic>
+        <p:nvPicPr>
+          <p:cNvPr id="24" name="Picture 3"/>
+          <p:cNvPicPr>
+            <a:picLocks noChangeAspect="1" noChangeArrowheads="1"/>
+          </p:cNvPicPr>
+          <p:nvPr/>
+        </p:nvPicPr>
+        <p:blipFill rotWithShape="1">
+          <a:blip r:embed="rId5">
+            <a:extLst>
+              <a:ext uri="{28A0092B-C50C-407E-A947-70E740481C1C}">
+                <a14:useLocalDpi xmlns:a14="http://schemas.microsoft.com/office/drawing/2010/main" val="0"/>
+              </a:ext>
+            </a:extLst>
+          </a:blip>
+          <a:srcRect t="80259" r="32249" b="-3390"/>
+          <a:stretch/>
+        </p:blipFill>
+        <p:spPr bwMode="auto">
+          <a:xfrm>
+            <a:off x="819491" y="5897982"/>
+            <a:ext cx="5525325" cy="478971"/>
+          </a:xfrm>
+          <a:prstGeom prst="rect">
+            <a:avLst/>
+          </a:prstGeom>
+          <a:noFill/>
+          <a:ln>
+            <a:noFill/>
+          </a:ln>
+          <a:effectLst/>
+          <a:extLst>
+            <a:ext uri="{909E8E84-426E-40DD-AFC4-6F175D3DCCD1}">
+              <a14:hiddenFill xmlns:a14="http://schemas.microsoft.com/office/drawing/2010/main">
+                <a:solidFill>
+                  <a:schemeClr val="accent1"/>
+                </a:solidFill>
+              </a14:hiddenFill>
+            </a:ext>
+            <a:ext uri="{91240B29-F687-4F45-9708-019B960494DF}">
+              <a14:hiddenLine xmlns:a14="http://schemas.microsoft.com/office/drawing/2010/main" w="9525">
+                <a:solidFill>
+                  <a:schemeClr val="tx1"/>
+                </a:solidFill>
+                <a:miter lim="800000"/>
+                <a:headEnd/>
+                <a:tailEnd/>
+              </a14:hiddenLine>
+            </a:ext>
+            <a:ext uri="{AF507438-7753-43E0-B8FC-AC1667EBCBE1}">
+              <a14:hiddenEffects xmlns:a14="http://schemas.microsoft.com/office/drawing/2010/main">
+                <a:effectLst>
+                  <a:outerShdw dist="35921" dir="2700000" algn="ctr" rotWithShape="0">
+                    <a:schemeClr val="bg2"/>
+                  </a:outerShdw>
+                </a:effectLst>
+              </a14:hiddenEffects>
+            </a:ext>
+          </a:extLst>
+        </p:spPr>
+      </p:pic>
+      <p:cxnSp>
+        <p:nvCxnSpPr>
+          <p:cNvPr id="29" name="Прямая со стрелкой 28"/>
+          <p:cNvCxnSpPr/>
+          <p:nvPr/>
+        </p:nvCxnSpPr>
+        <p:spPr>
+          <a:xfrm flipV="1">
+            <a:off x="6064898" y="4553339"/>
+            <a:ext cx="3191069" cy="1584128"/>
+          </a:xfrm>
+          <a:prstGeom prst="straightConnector1">
+            <a:avLst/>
+          </a:prstGeom>
+          <a:ln w="28575">
+            <a:solidFill>
+              <a:srgbClr val="FF0000"/>
+            </a:solidFill>
+            <a:headEnd type="none" w="med" len="med"/>
+            <a:tailEnd type="arrow" w="med" len="med"/>
+          </a:ln>
+        </p:spPr>
+        <p:style>
+          <a:lnRef idx="1">
+            <a:schemeClr val="accent1"/>
+          </a:lnRef>
+          <a:fillRef idx="0">
+            <a:schemeClr val="accent1"/>
+          </a:fillRef>
+          <a:effectRef idx="0">
+            <a:schemeClr val="accent1"/>
+          </a:effectRef>
+          <a:fontRef idx="minor">
+            <a:schemeClr val="tx1"/>
+          </a:fontRef>
+        </p:style>
+      </p:cxnSp>
+    </p:spTree>
+    <p:extLst>
+      <p:ext uri="{BB962C8B-B14F-4D97-AF65-F5344CB8AC3E}">
+        <p14:creationId xmlns:p14="http://schemas.microsoft.com/office/powerpoint/2010/main" val="200904785"/>
+      </p:ext>
+    </p:extLst>
+  </p:cSld>
+  <p:clrMapOvr>
+    <a:masterClrMapping/>
+  </p:clrMapOvr>
+  <p:timing>
+    <p:tnLst>
+      <p:par>
+        <p:cTn id="1" dur="indefinite" restart="never" nodeType="tmRoot">
+          <p:childTnLst>
+            <p:seq concurrent="1" nextAc="seek">
+              <p:cTn id="2" dur="indefinite" nodeType="mainSeq">
+                <p:childTnLst>
+                  <p:par>
+                    <p:cTn id="3" fill="hold">
+                      <p:stCondLst>
+                        <p:cond delay="indefinite"/>
+                      </p:stCondLst>
+                      <p:childTnLst>
+                        <p:par>
+                          <p:cTn id="4" fill="hold">
+                            <p:stCondLst>
+                              <p:cond delay="0"/>
+                            </p:stCondLst>
+                            <p:childTnLst>
+                              <p:par>
+                                <p:cTn id="5" presetID="1" presetClass="entr" presetSubtype="0" fill="hold" grpId="0" nodeType="clickEffect">
+                                  <p:stCondLst>
+                                    <p:cond delay="0"/>
+                                  </p:stCondLst>
+                                  <p:childTnLst>
+                                    <p:set>
+                                      <p:cBhvr>
+                                        <p:cTn id="6" dur="1" fill="hold">
+                                          <p:stCondLst>
+                                            <p:cond delay="0"/>
+                                          </p:stCondLst>
+                                        </p:cTn>
+                                        <p:tgtEl>
+                                          <p:spTgt spid="2"/>
+                                        </p:tgtEl>
+                                        <p:attrNameLst>
+                                          <p:attrName>style.visibility</p:attrName>
+                                        </p:attrNameLst>
+                                      </p:cBhvr>
+                                      <p:to>
+                                        <p:strVal val="visible"/>
+                                      </p:to>
+                                    </p:set>
+                                  </p:childTnLst>
+                                </p:cTn>
+                              </p:par>
+                            </p:childTnLst>
+                          </p:cTn>
+                        </p:par>
+                      </p:childTnLst>
+                    </p:cTn>
+                  </p:par>
+                  <p:par>
+                    <p:cTn id="7" fill="hold">
+                      <p:stCondLst>
+                        <p:cond delay="indefinite"/>
+                      </p:stCondLst>
+                      <p:childTnLst>
+                        <p:par>
+                          <p:cTn id="8" fill="hold">
+                            <p:stCondLst>
+                              <p:cond delay="0"/>
+                            </p:stCondLst>
+                            <p:childTnLst>
+                              <p:par>
+                                <p:cTn id="9" presetID="1" presetClass="entr" presetSubtype="0" fill="hold" grpId="0" nodeType="clickEffect">
+                                  <p:stCondLst>
+                                    <p:cond delay="0"/>
+                                  </p:stCondLst>
+                                  <p:childTnLst>
+                                    <p:set>
+                                      <p:cBhvr>
+                                        <p:cTn id="10" dur="1" fill="hold">
+                                          <p:stCondLst>
+                                            <p:cond delay="0"/>
+                                          </p:stCondLst>
+                                        </p:cTn>
+                                        <p:tgtEl>
+                                          <p:spTgt spid="3"/>
+                                        </p:tgtEl>
+                                        <p:attrNameLst>
+                                          <p:attrName>style.visibility</p:attrName>
+                                        </p:attrNameLst>
+                                      </p:cBhvr>
+                                      <p:to>
+                                        <p:strVal val="visible"/>
+                                      </p:to>
+                                    </p:set>
+                                  </p:childTnLst>
+                                </p:cTn>
+                              </p:par>
+                            </p:childTnLst>
+                          </p:cTn>
+                        </p:par>
+                      </p:childTnLst>
+                    </p:cTn>
+                  </p:par>
+                  <p:par>
+                    <p:cTn id="11" fill="hold">
+                      <p:stCondLst>
+                        <p:cond delay="indefinite"/>
+                      </p:stCondLst>
+                      <p:childTnLst>
+                        <p:par>
+                          <p:cTn id="12" fill="hold">
+                            <p:stCondLst>
+                              <p:cond delay="0"/>
+                            </p:stCondLst>
+                            <p:childTnLst>
+                              <p:par>
+                                <p:cTn id="13" presetID="1" presetClass="entr" presetSubtype="0" fill="hold" nodeType="clickEffect">
+                                  <p:stCondLst>
+                                    <p:cond delay="0"/>
+                                  </p:stCondLst>
+                                  <p:childTnLst>
+                                    <p:set>
+                                      <p:cBhvr>
+                                        <p:cTn id="14" dur="1" fill="hold">
+                                          <p:stCondLst>
+                                            <p:cond delay="0"/>
+                                          </p:stCondLst>
+                                        </p:cTn>
+                                        <p:tgtEl>
+                                          <p:spTgt spid="5122"/>
+                                        </p:tgtEl>
+                                        <p:attrNameLst>
+                                          <p:attrName>style.visibility</p:attrName>
+                                        </p:attrNameLst>
+                                      </p:cBhvr>
+                                      <p:to>
+                                        <p:strVal val="visible"/>
+                                      </p:to>
+                                    </p:set>
+                                  </p:childTnLst>
+                                </p:cTn>
+                              </p:par>
+                            </p:childTnLst>
+                          </p:cTn>
+                        </p:par>
+                      </p:childTnLst>
+                    </p:cTn>
+                  </p:par>
+                  <p:par>
+                    <p:cTn id="15" fill="hold">
+                      <p:stCondLst>
+                        <p:cond delay="indefinite"/>
+                      </p:stCondLst>
+                      <p:childTnLst>
+                        <p:par>
+                          <p:cTn id="16" fill="hold">
+                            <p:stCondLst>
+                              <p:cond delay="0"/>
+                            </p:stCondLst>
+                            <p:childTnLst>
+                              <p:par>
+                                <p:cTn id="17" presetID="1" presetClass="entr" presetSubtype="0" fill="hold" nodeType="clickEffect">
+                                  <p:stCondLst>
+                                    <p:cond delay="0"/>
+                                  </p:stCondLst>
+                                  <p:childTnLst>
+                                    <p:set>
+                                      <p:cBhvr>
+                                        <p:cTn id="18" dur="1" fill="hold">
+                                          <p:stCondLst>
+                                            <p:cond delay="0"/>
+                                          </p:stCondLst>
+                                        </p:cTn>
+                                        <p:tgtEl>
+                                          <p:spTgt spid="23"/>
+                                        </p:tgtEl>
+                                        <p:attrNameLst>
+                                          <p:attrName>style.visibility</p:attrName>
+                                        </p:attrNameLst>
+                                      </p:cBhvr>
+                                      <p:to>
+                                        <p:strVal val="visible"/>
+                                      </p:to>
+                                    </p:set>
+                                  </p:childTnLst>
+                                </p:cTn>
+                              </p:par>
+                            </p:childTnLst>
+                          </p:cTn>
+                        </p:par>
+                      </p:childTnLst>
+                    </p:cTn>
+                  </p:par>
+                  <p:par>
+                    <p:cTn id="19" fill="hold">
+                      <p:stCondLst>
+                        <p:cond delay="indefinite"/>
+                      </p:stCondLst>
+                      <p:childTnLst>
+                        <p:par>
+                          <p:cTn id="20" fill="hold">
+                            <p:stCondLst>
+                              <p:cond delay="0"/>
+                            </p:stCondLst>
+                            <p:childTnLst>
+                              <p:par>
+                                <p:cTn id="21" presetID="1" presetClass="entr" presetSubtype="0" fill="hold" nodeType="clickEffect">
+                                  <p:stCondLst>
+                                    <p:cond delay="0"/>
+                                  </p:stCondLst>
+                                  <p:childTnLst>
+                                    <p:set>
+                                      <p:cBhvr>
+                                        <p:cTn id="22" dur="1" fill="hold">
+                                          <p:stCondLst>
+                                            <p:cond delay="0"/>
+                                          </p:stCondLst>
+                                        </p:cTn>
+                                        <p:tgtEl>
+                                          <p:spTgt spid="24"/>
+                                        </p:tgtEl>
+                                        <p:attrNameLst>
+                                          <p:attrName>style.visibility</p:attrName>
+                                        </p:attrNameLst>
+                                      </p:cBhvr>
+                                      <p:to>
+                                        <p:strVal val="visible"/>
+                                      </p:to>
+                                    </p:set>
+                                  </p:childTnLst>
+                                </p:cTn>
+                              </p:par>
+                              <p:par>
+                                <p:cTn id="23" presetID="1" presetClass="entr" presetSubtype="0" fill="hold" nodeType="withEffect">
+                                  <p:stCondLst>
+                                    <p:cond delay="0"/>
+                                  </p:stCondLst>
+                                  <p:childTnLst>
+                                    <p:set>
+                                      <p:cBhvr>
+                                        <p:cTn id="24" dur="1" fill="hold">
+                                          <p:stCondLst>
+                                            <p:cond delay="0"/>
+                                          </p:stCondLst>
+                                        </p:cTn>
+                                        <p:tgtEl>
+                                          <p:spTgt spid="29"/>
+                                        </p:tgtEl>
+                                        <p:attrNameLst>
+                                          <p:attrName>style.visibility</p:attrName>
+                                        </p:attrNameLst>
+                                      </p:cBhvr>
+                                      <p:to>
+                                        <p:strVal val="visible"/>
+                                      </p:to>
+                                    </p:set>
+                                  </p:childTnLst>
+                                </p:cTn>
+                              </p:par>
+                            </p:childTnLst>
+                          </p:cTn>
+                        </p:par>
+                      </p:childTnLst>
+                    </p:cTn>
+                  </p:par>
+                  <p:par>
+                    <p:cTn id="25" fill="hold">
+                      <p:stCondLst>
+                        <p:cond delay="indefinite"/>
+                      </p:stCondLst>
+                      <p:childTnLst>
+                        <p:par>
+                          <p:cTn id="26" fill="hold">
+                            <p:stCondLst>
+                              <p:cond delay="0"/>
+                            </p:stCondLst>
+                            <p:childTnLst>
+                              <p:par>
+                                <p:cTn id="27" presetID="1" presetClass="entr" presetSubtype="0" fill="hold" nodeType="clickEffect">
+                                  <p:stCondLst>
+                                    <p:cond delay="0"/>
+                                  </p:stCondLst>
+                                  <p:childTnLst>
+                                    <p:set>
+                                      <p:cBhvr>
+                                        <p:cTn id="28" dur="1" fill="hold">
+                                          <p:stCondLst>
+                                            <p:cond delay="0"/>
+                                          </p:stCondLst>
+                                        </p:cTn>
+                                        <p:tgtEl>
+                                          <p:spTgt spid="5123"/>
+                                        </p:tgtEl>
+                                        <p:attrNameLst>
+                                          <p:attrName>style.visibility</p:attrName>
+                                        </p:attrNameLst>
+                                      </p:cBhvr>
+                                      <p:to>
+                                        <p:strVal val="visible"/>
+                                      </p:to>
+                                    </p:set>
+                                  </p:childTnLst>
+                                </p:cTn>
+                              </p:par>
+                            </p:childTnLst>
+                          </p:cTn>
+                        </p:par>
+                      </p:childTnLst>
+                    </p:cTn>
+                  </p:par>
+                  <p:par>
+                    <p:cTn id="29" fill="hold">
+                      <p:stCondLst>
+                        <p:cond delay="indefinite"/>
+                      </p:stCondLst>
+                      <p:childTnLst>
+                        <p:par>
+                          <p:cTn id="30" fill="hold">
+                            <p:stCondLst>
+                              <p:cond delay="0"/>
+                            </p:stCondLst>
+                            <p:childTnLst>
+                              <p:par>
+                                <p:cTn id="31" presetID="1" presetClass="entr" presetSubtype="0" fill="hold" nodeType="clickEffect">
+                                  <p:stCondLst>
+                                    <p:cond delay="0"/>
+                                  </p:stCondLst>
+                                  <p:childTnLst>
+                                    <p:set>
+                                      <p:cBhvr>
+                                        <p:cTn id="32" dur="1" fill="hold">
+                                          <p:stCondLst>
+                                            <p:cond delay="0"/>
+                                          </p:stCondLst>
+                                        </p:cTn>
+                                        <p:tgtEl>
+                                          <p:spTgt spid="17"/>
+                                        </p:tgtEl>
+                                        <p:attrNameLst>
+                                          <p:attrName>style.visibility</p:attrName>
+                                        </p:attrNameLst>
+                                      </p:cBhvr>
+                                      <p:to>
+                                        <p:strVal val="visible"/>
+                                      </p:to>
+                                    </p:set>
+                                  </p:childTnLst>
+                                </p:cTn>
+                              </p:par>
+                            </p:childTnLst>
+                          </p:cTn>
+                        </p:par>
+                      </p:childTnLst>
+                    </p:cTn>
+                  </p:par>
+                  <p:par>
+                    <p:cTn id="33" fill="hold">
+                      <p:stCondLst>
+                        <p:cond delay="indefinite"/>
+                      </p:stCondLst>
+                      <p:childTnLst>
+                        <p:par>
+                          <p:cTn id="34" fill="hold">
+                            <p:stCondLst>
+                              <p:cond delay="0"/>
+                            </p:stCondLst>
+                            <p:childTnLst>
+                              <p:par>
+                                <p:cTn id="35" presetID="1" presetClass="entr" presetSubtype="0" fill="hold" grpId="0" nodeType="clickEffect">
+                                  <p:stCondLst>
+                                    <p:cond delay="0"/>
+                                  </p:stCondLst>
+                                  <p:childTnLst>
+                                    <p:set>
+                                      <p:cBhvr>
+                                        <p:cTn id="36" dur="1" fill="hold">
+                                          <p:stCondLst>
+                                            <p:cond delay="0"/>
+                                          </p:stCondLst>
+                                        </p:cTn>
+                                        <p:tgtEl>
+                                          <p:spTgt spid="22"/>
+                                        </p:tgtEl>
+                                        <p:attrNameLst>
+                                          <p:attrName>style.visibility</p:attrName>
+                                        </p:attrNameLst>
+                                      </p:cBhvr>
+                                      <p:to>
+                                        <p:strVal val="visible"/>
+                                      </p:to>
+                                    </p:set>
+                                  </p:childTnLst>
+                                </p:cTn>
+                              </p:par>
+                              <p:par>
+                                <p:cTn id="37" presetID="1" presetClass="entr" presetSubtype="0" fill="hold" nodeType="withEffect">
+                                  <p:stCondLst>
+                                    <p:cond delay="0"/>
+                                  </p:stCondLst>
+                                  <p:childTnLst>
+                                    <p:set>
+                                      <p:cBhvr>
+                                        <p:cTn id="38" dur="1" fill="hold">
+                                          <p:stCondLst>
+                                            <p:cond delay="0"/>
+                                          </p:stCondLst>
+                                        </p:cTn>
+                                        <p:tgtEl>
+                                          <p:spTgt spid="18"/>
+                                        </p:tgtEl>
+                                        <p:attrNameLst>
+                                          <p:attrName>style.visibility</p:attrName>
+                                        </p:attrNameLst>
+                                      </p:cBhvr>
+                                      <p:to>
+                                        <p:strVal val="visible"/>
+                                      </p:to>
+                                    </p:set>
+                                  </p:childTnLst>
+                                </p:cTn>
+                              </p:par>
+                            </p:childTnLst>
+                          </p:cTn>
+                        </p:par>
+                      </p:childTnLst>
+                    </p:cTn>
+                  </p:par>
+                </p:childTnLst>
+              </p:cTn>
+              <p:prevCondLst>
+                <p:cond evt="onPrev" delay="0">
+                  <p:tgtEl>
+                    <p:sldTgt/>
+                  </p:tgtEl>
+                </p:cond>
+              </p:prevCondLst>
+              <p:nextCondLst>
+                <p:cond evt="onNext" delay="0">
+                  <p:tgtEl>
+                    <p:sldTgt/>
+                  </p:tgtEl>
+                </p:cond>
+              </p:nextCondLst>
+            </p:seq>
+          </p:childTnLst>
+        </p:cTn>
+      </p:par>
+    </p:tnLst>
+    <p:bldLst>
+      <p:bldP spid="2" grpId="0"/>
+      <p:bldP spid="3" grpId="0"/>
+      <p:bldP spid="22" grpId="0"/>
+    </p:bldLst>
+  </p:timing>
+</p:sld>
+</file>
+
+<file path=ppt/slides/slide13.xml><?xml version="1.0" encoding="utf-8"?>
+<p:sld xmlns:a="http://schemas.openxmlformats.org/drawingml/2006/main" xmlns:r="http://schemas.openxmlformats.org/officeDocument/2006/relationships" xmlns:p="http://schemas.openxmlformats.org/presentationml/2006/main">
+  <p:cSld>
+    <p:bg>
+      <p:bgPr>
+        <a:solidFill>
+          <a:schemeClr val="bg1"/>
+        </a:solidFill>
+        <a:effectLst/>
+      </p:bgPr>
+    </p:bg>
+    <p:spTree>
+      <p:nvGrpSpPr>
+        <p:cNvPr id="1" name="Shape 397"/>
+        <p:cNvGrpSpPr/>
+        <p:nvPr/>
+      </p:nvGrpSpPr>
+      <p:grpSpPr>
+        <a:xfrm>
+          <a:off x="0" y="0"/>
+          <a:ext cx="0" cy="0"/>
+          <a:chOff x="0" y="0"/>
+          <a:chExt cx="0" cy="0"/>
+        </a:xfrm>
+      </p:grpSpPr>
+      <p:sp>
+        <p:nvSpPr>
+          <p:cNvPr id="398" name="Shape 398"/>
+          <p:cNvSpPr txBox="1"/>
+          <p:nvPr/>
+        </p:nvSpPr>
+        <p:spPr>
+          <a:xfrm>
+            <a:off x="2052735" y="628781"/>
+            <a:ext cx="12465697" cy="660300"/>
+          </a:xfrm>
+          <a:prstGeom prst="rect">
+            <a:avLst/>
+          </a:prstGeom>
+          <a:noFill/>
+          <a:ln>
+            <a:noFill/>
+          </a:ln>
+        </p:spPr>
+        <p:txBody>
+          <a:bodyPr lIns="0" tIns="0" rIns="0" bIns="0" anchor="ctr" anchorCtr="0">
+            <a:noAutofit/>
+          </a:bodyPr>
+          <a:lstStyle/>
+          <a:p>
+            <a:pPr lvl="0" algn="ctr">
+              <a:buClr>
+                <a:srgbClr val="00FF00"/>
+              </a:buClr>
+              <a:buSzPct val="25000"/>
+              <a:defRPr/>
+            </a:pPr>
+            <a:r>
+              <a:rPr lang="ru-RU" sz="4800" dirty="0" smtClean="0">
+                <a:solidFill>
+                  <a:schemeClr val="bg2"/>
+                </a:solidFill>
+                <a:latin typeface="Cabin"/>
+                <a:ea typeface="Cabin"/>
+                <a:cs typeface="Cabin"/>
+                <a:sym typeface="Cabin"/>
+              </a:rPr>
+              <a:t>Блок </a:t>
+            </a:r>
+            <a:r>
+              <a:rPr lang="en-US" sz="4800" dirty="0" smtClean="0">
+                <a:solidFill>
+                  <a:srgbClr val="00B050"/>
+                </a:solidFill>
+                <a:latin typeface="Courier New" pitchFamily="49" charset="0"/>
+                <a:ea typeface="Cabin"/>
+                <a:cs typeface="Courier New" pitchFamily="49" charset="0"/>
+                <a:sym typeface="Cabin"/>
+              </a:rPr>
+              <a:t>finally</a:t>
+            </a:r>
+            <a:endParaRPr kumimoji="0" lang="en-US" sz="4800" b="0" i="0" u="none" strike="noStrike" kern="0" cap="none" spc="0" normalizeH="0" baseline="0" noProof="0" dirty="0">
+              <a:ln>
+                <a:noFill/>
+              </a:ln>
+              <a:solidFill>
+                <a:srgbClr val="00B050"/>
+              </a:solidFill>
+              <a:effectLst/>
+              <a:uLnTx/>
+              <a:uFillTx/>
+              <a:latin typeface="Courier New" pitchFamily="49" charset="0"/>
+              <a:ea typeface="Cabin"/>
+              <a:cs typeface="Courier New" pitchFamily="49" charset="0"/>
+              <a:sym typeface="Cabin"/>
+            </a:endParaRPr>
+          </a:p>
+        </p:txBody>
+      </p:sp>
+      <p:sp>
+        <p:nvSpPr>
+          <p:cNvPr id="2" name="TextBox 1"/>
+          <p:cNvSpPr txBox="1"/>
+          <p:nvPr/>
+        </p:nvSpPr>
+        <p:spPr>
+          <a:xfrm>
+            <a:off x="704010" y="1607813"/>
+            <a:ext cx="15163145" cy="1754326"/>
+          </a:xfrm>
+          <a:prstGeom prst="rect">
+            <a:avLst/>
+          </a:prstGeom>
+          <a:noFill/>
+        </p:spPr>
+        <p:txBody>
+          <a:bodyPr wrap="square" rtlCol="0">
+            <a:spAutoFit/>
+          </a:bodyPr>
+          <a:lstStyle/>
+          <a:p>
+            <a:r>
+              <a:rPr lang="ru-RU" sz="3600" dirty="0" smtClean="0"/>
+              <a:t>Если </a:t>
+            </a:r>
+            <a:r>
+              <a:rPr lang="ru-RU" sz="3600" dirty="0"/>
+              <a:t>необходимо гарантированное выполнение </a:t>
+            </a:r>
+            <a:r>
+              <a:rPr lang="ru-RU" sz="3600" dirty="0" smtClean="0"/>
+              <a:t>кода вне </a:t>
+            </a:r>
+            <a:r>
+              <a:rPr lang="ru-RU" sz="3600" dirty="0"/>
+              <a:t>зависимости от то </a:t>
+            </a:r>
+            <a:r>
+              <a:rPr lang="ru-RU" sz="3600" dirty="0">
+                <a:solidFill>
+                  <a:srgbClr val="FF0000"/>
+                </a:solidFill>
+              </a:rPr>
+              <a:t>возникло</a:t>
+            </a:r>
+            <a:r>
+              <a:rPr lang="ru-RU" sz="3600" dirty="0"/>
+              <a:t> ли исключение или </a:t>
+            </a:r>
+            <a:r>
+              <a:rPr lang="ru-RU" sz="3600" dirty="0" smtClean="0">
+                <a:solidFill>
+                  <a:srgbClr val="00B050"/>
+                </a:solidFill>
+              </a:rPr>
+              <a:t>нет</a:t>
+            </a:r>
+            <a:r>
+              <a:rPr lang="ru-RU" sz="3600" dirty="0" smtClean="0"/>
+              <a:t>, то нужно добавить </a:t>
+            </a:r>
+            <a:r>
+              <a:rPr lang="ru-RU" sz="3600" dirty="0"/>
+              <a:t>пункт </a:t>
+            </a:r>
+            <a:r>
+              <a:rPr lang="en-US" sz="3600" dirty="0" smtClean="0">
+                <a:solidFill>
+                  <a:srgbClr val="00B050"/>
+                </a:solidFill>
+                <a:latin typeface="Courier New" pitchFamily="49" charset="0"/>
+                <a:cs typeface="Courier New" pitchFamily="49" charset="0"/>
+              </a:rPr>
+              <a:t>finally </a:t>
+            </a:r>
+            <a:r>
+              <a:rPr lang="ru-RU" sz="3600" dirty="0" smtClean="0"/>
+              <a:t>к </a:t>
+            </a:r>
+            <a:r>
+              <a:rPr lang="ru-RU" sz="3600" dirty="0"/>
+              <a:t>соответствующему блоку </a:t>
+            </a:r>
+            <a:r>
+              <a:rPr lang="ru-RU" sz="3600" dirty="0" err="1">
+                <a:solidFill>
+                  <a:srgbClr val="00B050"/>
+                </a:solidFill>
+                <a:latin typeface="Courier New" pitchFamily="49" charset="0"/>
+                <a:cs typeface="Courier New" pitchFamily="49" charset="0"/>
+              </a:rPr>
+              <a:t>try</a:t>
+            </a:r>
+            <a:r>
+              <a:rPr lang="ru-RU" sz="3600" dirty="0">
+                <a:solidFill>
+                  <a:srgbClr val="00B050"/>
+                </a:solidFill>
+                <a:latin typeface="Courier New" pitchFamily="49" charset="0"/>
+                <a:cs typeface="Courier New" pitchFamily="49" charset="0"/>
+              </a:rPr>
+              <a:t>..</a:t>
+            </a:r>
+            <a:r>
+              <a:rPr lang="ru-RU" sz="3600" dirty="0" err="1" smtClean="0">
+                <a:solidFill>
+                  <a:srgbClr val="00B050"/>
+                </a:solidFill>
+                <a:latin typeface="Courier New" pitchFamily="49" charset="0"/>
+                <a:cs typeface="Courier New" pitchFamily="49" charset="0"/>
+              </a:rPr>
+              <a:t>except</a:t>
+            </a:r>
+            <a:endParaRPr lang="ru-RU" sz="3600" dirty="0" smtClean="0"/>
+          </a:p>
+        </p:txBody>
+      </p:sp>
+      <p:pic>
+        <p:nvPicPr>
+          <p:cNvPr id="5123" name="Picture 3"/>
+          <p:cNvPicPr>
+            <a:picLocks noChangeAspect="1" noChangeArrowheads="1"/>
+          </p:cNvPicPr>
+          <p:nvPr/>
+        </p:nvPicPr>
+        <p:blipFill rotWithShape="1">
+          <a:blip r:embed="rId3">
+            <a:extLst>
+              <a:ext uri="{28A0092B-C50C-407E-A947-70E740481C1C}">
+                <a14:useLocalDpi xmlns:a14="http://schemas.microsoft.com/office/drawing/2010/main" val="0"/>
+              </a:ext>
+            </a:extLst>
+          </a:blip>
+          <a:srcRect b="50000"/>
+          <a:stretch/>
+        </p:blipFill>
+        <p:spPr bwMode="auto">
+          <a:xfrm>
+            <a:off x="479510" y="6536470"/>
+            <a:ext cx="4122803" cy="382707"/>
+          </a:xfrm>
+          <a:prstGeom prst="rect">
+            <a:avLst/>
+          </a:prstGeom>
+          <a:noFill/>
+          <a:ln>
+            <a:noFill/>
+          </a:ln>
+          <a:effectLst/>
+          <a:extLst>
+            <a:ext uri="{909E8E84-426E-40DD-AFC4-6F175D3DCCD1}">
+              <a14:hiddenFill xmlns:a14="http://schemas.microsoft.com/office/drawing/2010/main">
+                <a:solidFill>
+                  <a:schemeClr val="accent1"/>
+                </a:solidFill>
+              </a14:hiddenFill>
+            </a:ext>
+            <a:ext uri="{91240B29-F687-4F45-9708-019B960494DF}">
+              <a14:hiddenLine xmlns:a14="http://schemas.microsoft.com/office/drawing/2010/main" w="9525">
+                <a:solidFill>
+                  <a:schemeClr val="tx1"/>
+                </a:solidFill>
+                <a:miter lim="800000"/>
+                <a:headEnd/>
+                <a:tailEnd/>
+              </a14:hiddenLine>
+            </a:ext>
+            <a:ext uri="{AF507438-7753-43E0-B8FC-AC1667EBCBE1}">
+              <a14:hiddenEffects xmlns:a14="http://schemas.microsoft.com/office/drawing/2010/main">
+                <a:effectLst>
+                  <a:outerShdw dist="35921" dir="2700000" algn="ctr" rotWithShape="0">
+                    <a:schemeClr val="bg2"/>
+                  </a:outerShdw>
+                </a:effectLst>
+              </a14:hiddenEffects>
+            </a:ext>
+          </a:extLst>
+        </p:spPr>
+      </p:pic>
+      <p:pic>
+        <p:nvPicPr>
+          <p:cNvPr id="17" name="Picture 3"/>
+          <p:cNvPicPr>
+            <a:picLocks noChangeAspect="1" noChangeArrowheads="1"/>
+          </p:cNvPicPr>
+          <p:nvPr/>
+        </p:nvPicPr>
+        <p:blipFill rotWithShape="1">
+          <a:blip r:embed="rId3">
+            <a:extLst>
+              <a:ext uri="{28A0092B-C50C-407E-A947-70E740481C1C}">
+                <a14:useLocalDpi xmlns:a14="http://schemas.microsoft.com/office/drawing/2010/main" val="0"/>
+              </a:ext>
+            </a:extLst>
+          </a:blip>
+          <a:srcRect t="55853" b="-11705"/>
+          <a:stretch/>
+        </p:blipFill>
+        <p:spPr bwMode="auto">
+          <a:xfrm>
+            <a:off x="479508" y="7071576"/>
+            <a:ext cx="4122803" cy="427502"/>
+          </a:xfrm>
+          <a:prstGeom prst="rect">
+            <a:avLst/>
+          </a:prstGeom>
+          <a:noFill/>
+          <a:ln>
+            <a:noFill/>
+          </a:ln>
+          <a:effectLst/>
+          <a:extLst>
+            <a:ext uri="{909E8E84-426E-40DD-AFC4-6F175D3DCCD1}">
+              <a14:hiddenFill xmlns:a14="http://schemas.microsoft.com/office/drawing/2010/main">
+                <a:solidFill>
+                  <a:schemeClr val="accent1"/>
+                </a:solidFill>
+              </a14:hiddenFill>
+            </a:ext>
+            <a:ext uri="{91240B29-F687-4F45-9708-019B960494DF}">
+              <a14:hiddenLine xmlns:a14="http://schemas.microsoft.com/office/drawing/2010/main" w="9525">
+                <a:solidFill>
+                  <a:schemeClr val="tx1"/>
+                </a:solidFill>
+                <a:miter lim="800000"/>
+                <a:headEnd/>
+                <a:tailEnd/>
+              </a14:hiddenLine>
+            </a:ext>
+            <a:ext uri="{AF507438-7753-43E0-B8FC-AC1667EBCBE1}">
+              <a14:hiddenEffects xmlns:a14="http://schemas.microsoft.com/office/drawing/2010/main">
+                <a:effectLst>
+                  <a:outerShdw dist="35921" dir="2700000" algn="ctr" rotWithShape="0">
+                    <a:schemeClr val="bg2"/>
+                  </a:outerShdw>
+                </a:effectLst>
+              </a14:hiddenEffects>
+            </a:ext>
+          </a:extLst>
+        </p:spPr>
+      </p:pic>
+      <p:pic>
+        <p:nvPicPr>
+          <p:cNvPr id="6146" name="Picture 2"/>
+          <p:cNvPicPr>
+            <a:picLocks noChangeAspect="1" noChangeArrowheads="1"/>
+          </p:cNvPicPr>
+          <p:nvPr/>
+        </p:nvPicPr>
+        <p:blipFill>
+          <a:blip r:embed="rId4">
+            <a:extLst>
+              <a:ext uri="{28A0092B-C50C-407E-A947-70E740481C1C}">
+                <a14:useLocalDpi xmlns:a14="http://schemas.microsoft.com/office/drawing/2010/main" val="0"/>
+              </a:ext>
+            </a:extLst>
+          </a:blip>
+          <a:srcRect/>
+          <a:stretch>
+            <a:fillRect/>
+          </a:stretch>
+        </p:blipFill>
+        <p:spPr bwMode="auto">
+          <a:xfrm>
+            <a:off x="7139699" y="3405187"/>
+            <a:ext cx="8681770" cy="4098331"/>
+          </a:xfrm>
+          <a:prstGeom prst="rect">
+            <a:avLst/>
+          </a:prstGeom>
+          <a:noFill/>
+          <a:ln w="9525">
+            <a:solidFill>
+              <a:schemeClr val="tx1"/>
+            </a:solidFill>
+            <a:miter lim="800000"/>
+            <a:headEnd/>
+            <a:tailEnd/>
+          </a:ln>
+          <a:effectLst/>
+          <a:extLst>
+            <a:ext uri="{909E8E84-426E-40DD-AFC4-6F175D3DCCD1}">
+              <a14:hiddenFill xmlns:a14="http://schemas.microsoft.com/office/drawing/2010/main">
+                <a:solidFill>
+                  <a:schemeClr val="accent1"/>
+                </a:solidFill>
+              </a14:hiddenFill>
+            </a:ext>
+            <a:ext uri="{AF507438-7753-43E0-B8FC-AC1667EBCBE1}">
+              <a14:hiddenEffects xmlns:a14="http://schemas.microsoft.com/office/drawing/2010/main">
+                <a:effectLst>
+                  <a:outerShdw dist="35921" dir="2700000" algn="ctr" rotWithShape="0">
+                    <a:schemeClr val="bg2"/>
+                  </a:outerShdw>
+                </a:effectLst>
+              </a14:hiddenEffects>
+            </a:ext>
+          </a:extLst>
+        </p:spPr>
+      </p:pic>
+      <p:pic>
+        <p:nvPicPr>
+          <p:cNvPr id="11" name="Picture 3"/>
+          <p:cNvPicPr>
+            <a:picLocks noChangeAspect="1" noChangeArrowheads="1"/>
+          </p:cNvPicPr>
+          <p:nvPr/>
+        </p:nvPicPr>
+        <p:blipFill rotWithShape="1">
+          <a:blip r:embed="rId5">
+            <a:extLst>
+              <a:ext uri="{28A0092B-C50C-407E-A947-70E740481C1C}">
+                <a14:useLocalDpi xmlns:a14="http://schemas.microsoft.com/office/drawing/2010/main" val="0"/>
+              </a:ext>
+            </a:extLst>
+          </a:blip>
+          <a:srcRect t="59429" r="49078" b="18841"/>
+          <a:stretch/>
+        </p:blipFill>
+        <p:spPr bwMode="auto">
+          <a:xfrm>
+            <a:off x="449440" y="4771842"/>
+            <a:ext cx="4152873" cy="449943"/>
+          </a:xfrm>
+          <a:prstGeom prst="rect">
+            <a:avLst/>
+          </a:prstGeom>
+          <a:noFill/>
+          <a:ln>
+            <a:noFill/>
+          </a:ln>
+          <a:effectLst/>
+          <a:extLst>
+            <a:ext uri="{909E8E84-426E-40DD-AFC4-6F175D3DCCD1}">
+              <a14:hiddenFill xmlns:a14="http://schemas.microsoft.com/office/drawing/2010/main">
+                <a:solidFill>
+                  <a:schemeClr val="accent1"/>
+                </a:solidFill>
+              </a14:hiddenFill>
+            </a:ext>
+            <a:ext uri="{91240B29-F687-4F45-9708-019B960494DF}">
+              <a14:hiddenLine xmlns:a14="http://schemas.microsoft.com/office/drawing/2010/main" w="9525">
+                <a:solidFill>
+                  <a:schemeClr val="tx1"/>
+                </a:solidFill>
+                <a:miter lim="800000"/>
+                <a:headEnd/>
+                <a:tailEnd/>
+              </a14:hiddenLine>
+            </a:ext>
+            <a:ext uri="{AF507438-7753-43E0-B8FC-AC1667EBCBE1}">
+              <a14:hiddenEffects xmlns:a14="http://schemas.microsoft.com/office/drawing/2010/main">
+                <a:effectLst>
+                  <a:outerShdw dist="35921" dir="2700000" algn="ctr" rotWithShape="0">
+                    <a:schemeClr val="bg2"/>
+                  </a:outerShdw>
+                </a:effectLst>
+              </a14:hiddenEffects>
+            </a:ext>
+          </a:extLst>
+        </p:spPr>
+      </p:pic>
+      <p:pic>
+        <p:nvPicPr>
+          <p:cNvPr id="12" name="Picture 3"/>
+          <p:cNvPicPr>
+            <a:picLocks noChangeAspect="1" noChangeArrowheads="1"/>
+          </p:cNvPicPr>
+          <p:nvPr/>
+        </p:nvPicPr>
+        <p:blipFill rotWithShape="1">
+          <a:blip r:embed="rId5">
+            <a:extLst>
+              <a:ext uri="{28A0092B-C50C-407E-A947-70E740481C1C}">
+                <a14:useLocalDpi xmlns:a14="http://schemas.microsoft.com/office/drawing/2010/main" val="0"/>
+              </a:ext>
+            </a:extLst>
+          </a:blip>
+          <a:srcRect t="80259" r="32249" b="-3390"/>
+          <a:stretch/>
+        </p:blipFill>
+        <p:spPr bwMode="auto">
+          <a:xfrm>
+            <a:off x="449440" y="5258070"/>
+            <a:ext cx="5525325" cy="478971"/>
+          </a:xfrm>
+          <a:prstGeom prst="rect">
+            <a:avLst/>
+          </a:prstGeom>
+          <a:noFill/>
+          <a:ln>
+            <a:noFill/>
+          </a:ln>
+          <a:effectLst/>
+          <a:extLst>
+            <a:ext uri="{909E8E84-426E-40DD-AFC4-6F175D3DCCD1}">
+              <a14:hiddenFill xmlns:a14="http://schemas.microsoft.com/office/drawing/2010/main">
+                <a:solidFill>
+                  <a:schemeClr val="accent1"/>
+                </a:solidFill>
+              </a14:hiddenFill>
+            </a:ext>
+            <a:ext uri="{91240B29-F687-4F45-9708-019B960494DF}">
+              <a14:hiddenLine xmlns:a14="http://schemas.microsoft.com/office/drawing/2010/main" w="9525">
+                <a:solidFill>
+                  <a:schemeClr val="tx1"/>
+                </a:solidFill>
+                <a:miter lim="800000"/>
+                <a:headEnd/>
+                <a:tailEnd/>
+              </a14:hiddenLine>
+            </a:ext>
+            <a:ext uri="{AF507438-7753-43E0-B8FC-AC1667EBCBE1}">
+              <a14:hiddenEffects xmlns:a14="http://schemas.microsoft.com/office/drawing/2010/main">
+                <a:effectLst>
+                  <a:outerShdw dist="35921" dir="2700000" algn="ctr" rotWithShape="0">
+                    <a:schemeClr val="bg2"/>
+                  </a:outerShdw>
+                </a:effectLst>
+              </a14:hiddenEffects>
+            </a:ext>
+          </a:extLst>
+        </p:spPr>
+      </p:pic>
+      <p:cxnSp>
+        <p:nvCxnSpPr>
+          <p:cNvPr id="13" name="Прямая со стрелкой 12"/>
+          <p:cNvCxnSpPr/>
+          <p:nvPr/>
+        </p:nvCxnSpPr>
+        <p:spPr>
+          <a:xfrm flipV="1">
+            <a:off x="6385069" y="4534678"/>
+            <a:ext cx="2143111" cy="919674"/>
+          </a:xfrm>
+          <a:prstGeom prst="straightConnector1">
+            <a:avLst/>
+          </a:prstGeom>
+          <a:ln w="28575">
+            <a:solidFill>
+              <a:srgbClr val="FF0000"/>
+            </a:solidFill>
+            <a:headEnd type="none" w="med" len="med"/>
+            <a:tailEnd type="arrow" w="med" len="med"/>
+          </a:ln>
+        </p:spPr>
+        <p:style>
+          <a:lnRef idx="1">
+            <a:schemeClr val="accent1"/>
+          </a:lnRef>
+          <a:fillRef idx="0">
+            <a:schemeClr val="accent1"/>
+          </a:fillRef>
+          <a:effectRef idx="0">
+            <a:schemeClr val="accent1"/>
+          </a:effectRef>
+          <a:fontRef idx="minor">
+            <a:schemeClr val="tx1"/>
+          </a:fontRef>
+        </p:style>
+      </p:cxnSp>
+      <p:pic>
+        <p:nvPicPr>
+          <p:cNvPr id="6147" name="Picture 3"/>
+          <p:cNvPicPr>
+            <a:picLocks noChangeAspect="1" noChangeArrowheads="1"/>
+          </p:cNvPicPr>
+          <p:nvPr/>
+        </p:nvPicPr>
+        <p:blipFill>
+          <a:blip r:embed="rId6">
+            <a:extLst>
+              <a:ext uri="{28A0092B-C50C-407E-A947-70E740481C1C}">
+                <a14:useLocalDpi xmlns:a14="http://schemas.microsoft.com/office/drawing/2010/main" val="0"/>
+              </a:ext>
+            </a:extLst>
+          </a:blip>
+          <a:srcRect/>
+          <a:stretch>
+            <a:fillRect/>
+          </a:stretch>
+        </p:blipFill>
+        <p:spPr bwMode="auto">
+          <a:xfrm>
+            <a:off x="393457" y="5737041"/>
+            <a:ext cx="6449303" cy="371718"/>
+          </a:xfrm>
+          <a:prstGeom prst="rect">
+            <a:avLst/>
+          </a:prstGeom>
+          <a:noFill/>
+          <a:ln>
+            <a:noFill/>
+          </a:ln>
+          <a:effectLst/>
+          <a:extLst>
+            <a:ext uri="{909E8E84-426E-40DD-AFC4-6F175D3DCCD1}">
+              <a14:hiddenFill xmlns:a14="http://schemas.microsoft.com/office/drawing/2010/main">
+                <a:solidFill>
+                  <a:schemeClr val="accent1"/>
+                </a:solidFill>
+              </a14:hiddenFill>
+            </a:ext>
+            <a:ext uri="{91240B29-F687-4F45-9708-019B960494DF}">
+              <a14:hiddenLine xmlns:a14="http://schemas.microsoft.com/office/drawing/2010/main" w="9525">
+                <a:solidFill>
+                  <a:schemeClr val="tx1"/>
+                </a:solidFill>
+                <a:miter lim="800000"/>
+                <a:headEnd/>
+                <a:tailEnd/>
+              </a14:hiddenLine>
+            </a:ext>
+            <a:ext uri="{AF507438-7753-43E0-B8FC-AC1667EBCBE1}">
+              <a14:hiddenEffects xmlns:a14="http://schemas.microsoft.com/office/drawing/2010/main">
+                <a:effectLst>
+                  <a:outerShdw dist="35921" dir="2700000" algn="ctr" rotWithShape="0">
+                    <a:schemeClr val="bg2"/>
+                  </a:outerShdw>
+                </a:effectLst>
+              </a14:hiddenEffects>
+            </a:ext>
+          </a:extLst>
+        </p:spPr>
+      </p:pic>
+      <p:pic>
+        <p:nvPicPr>
+          <p:cNvPr id="19" name="Picture 3"/>
+          <p:cNvPicPr>
+            <a:picLocks noChangeAspect="1" noChangeArrowheads="1"/>
+          </p:cNvPicPr>
+          <p:nvPr/>
+        </p:nvPicPr>
+        <p:blipFill>
+          <a:blip r:embed="rId6">
+            <a:extLst>
+              <a:ext uri="{28A0092B-C50C-407E-A947-70E740481C1C}">
+                <a14:useLocalDpi xmlns:a14="http://schemas.microsoft.com/office/drawing/2010/main" val="0"/>
+              </a:ext>
+            </a:extLst>
+          </a:blip>
+          <a:srcRect/>
+          <a:stretch>
+            <a:fillRect/>
+          </a:stretch>
+        </p:blipFill>
+        <p:spPr bwMode="auto">
+          <a:xfrm>
+            <a:off x="479510" y="7539137"/>
+            <a:ext cx="6449303" cy="371718"/>
+          </a:xfrm>
+          <a:prstGeom prst="rect">
+            <a:avLst/>
+          </a:prstGeom>
+          <a:noFill/>
+          <a:ln>
+            <a:noFill/>
+          </a:ln>
+          <a:effectLst/>
+          <a:extLst>
+            <a:ext uri="{909E8E84-426E-40DD-AFC4-6F175D3DCCD1}">
+              <a14:hiddenFill xmlns:a14="http://schemas.microsoft.com/office/drawing/2010/main">
+                <a:solidFill>
+                  <a:schemeClr val="accent1"/>
+                </a:solidFill>
+              </a14:hiddenFill>
+            </a:ext>
+            <a:ext uri="{91240B29-F687-4F45-9708-019B960494DF}">
+              <a14:hiddenLine xmlns:a14="http://schemas.microsoft.com/office/drawing/2010/main" w="9525">
+                <a:solidFill>
+                  <a:schemeClr val="tx1"/>
+                </a:solidFill>
+                <a:miter lim="800000"/>
+                <a:headEnd/>
+                <a:tailEnd/>
+              </a14:hiddenLine>
+            </a:ext>
+            <a:ext uri="{AF507438-7753-43E0-B8FC-AC1667EBCBE1}">
+              <a14:hiddenEffects xmlns:a14="http://schemas.microsoft.com/office/drawing/2010/main">
+                <a:effectLst>
+                  <a:outerShdw dist="35921" dir="2700000" algn="ctr" rotWithShape="0">
+                    <a:schemeClr val="bg2"/>
+                  </a:outerShdw>
+                </a:effectLst>
+              </a14:hiddenEffects>
+            </a:ext>
+          </a:extLst>
+        </p:spPr>
+      </p:pic>
+      <p:cxnSp>
+        <p:nvCxnSpPr>
+          <p:cNvPr id="20" name="Прямая со стрелкой 19"/>
+          <p:cNvCxnSpPr/>
+          <p:nvPr/>
+        </p:nvCxnSpPr>
+        <p:spPr>
+          <a:xfrm flipV="1">
+            <a:off x="4602311" y="6108759"/>
+            <a:ext cx="3284389" cy="1078901"/>
+          </a:xfrm>
+          <a:prstGeom prst="straightConnector1">
+            <a:avLst/>
+          </a:prstGeom>
+          <a:ln w="28575">
+            <a:solidFill>
+              <a:srgbClr val="00B050"/>
+            </a:solidFill>
+            <a:headEnd type="none" w="med" len="med"/>
+            <a:tailEnd type="arrow" w="med" len="med"/>
+          </a:ln>
+        </p:spPr>
+        <p:style>
+          <a:lnRef idx="1">
+            <a:schemeClr val="accent1"/>
+          </a:lnRef>
+          <a:fillRef idx="0">
+            <a:schemeClr val="accent1"/>
+          </a:fillRef>
+          <a:effectRef idx="0">
+            <a:schemeClr val="accent1"/>
+          </a:effectRef>
+          <a:fontRef idx="minor">
+            <a:schemeClr val="tx1"/>
+          </a:fontRef>
+        </p:style>
+      </p:cxnSp>
+      <p:cxnSp>
+        <p:nvCxnSpPr>
+          <p:cNvPr id="21" name="Прямая со стрелкой 20"/>
+          <p:cNvCxnSpPr/>
+          <p:nvPr/>
+        </p:nvCxnSpPr>
+        <p:spPr>
+          <a:xfrm>
+            <a:off x="4998162" y="6127569"/>
+            <a:ext cx="2710738" cy="520640"/>
+          </a:xfrm>
+          <a:prstGeom prst="straightConnector1">
+            <a:avLst/>
+          </a:prstGeom>
+          <a:ln w="28575">
+            <a:solidFill>
+              <a:srgbClr val="00B0F0"/>
+            </a:solidFill>
+            <a:headEnd type="none" w="med" len="med"/>
+            <a:tailEnd type="arrow" w="med" len="med"/>
+          </a:ln>
+        </p:spPr>
+        <p:style>
+          <a:lnRef idx="1">
+            <a:schemeClr val="accent1"/>
+          </a:lnRef>
+          <a:fillRef idx="0">
+            <a:schemeClr val="accent1"/>
+          </a:fillRef>
+          <a:effectRef idx="0">
+            <a:schemeClr val="accent1"/>
+          </a:effectRef>
+          <a:fontRef idx="minor">
+            <a:schemeClr val="tx1"/>
+          </a:fontRef>
+        </p:style>
+      </p:cxnSp>
+      <p:cxnSp>
+        <p:nvCxnSpPr>
+          <p:cNvPr id="23" name="Прямая со стрелкой 22"/>
+          <p:cNvCxnSpPr/>
+          <p:nvPr/>
+        </p:nvCxnSpPr>
+        <p:spPr>
+          <a:xfrm flipV="1">
+            <a:off x="5814429" y="6727823"/>
+            <a:ext cx="1894471" cy="887549"/>
+          </a:xfrm>
+          <a:prstGeom prst="straightConnector1">
+            <a:avLst/>
+          </a:prstGeom>
+          <a:ln w="28575">
+            <a:solidFill>
+              <a:srgbClr val="00B0F0"/>
+            </a:solidFill>
+            <a:headEnd type="none" w="med" len="med"/>
+            <a:tailEnd type="arrow" w="med" len="med"/>
+          </a:ln>
+        </p:spPr>
+        <p:style>
+          <a:lnRef idx="1">
+            <a:schemeClr val="accent1"/>
+          </a:lnRef>
+          <a:fillRef idx="0">
+            <a:schemeClr val="accent1"/>
+          </a:fillRef>
+          <a:effectRef idx="0">
+            <a:schemeClr val="accent1"/>
+          </a:effectRef>
+          <a:fontRef idx="minor">
+            <a:schemeClr val="tx1"/>
+          </a:fontRef>
+        </p:style>
+      </p:cxnSp>
+    </p:spTree>
+    <p:extLst>
+      <p:ext uri="{BB962C8B-B14F-4D97-AF65-F5344CB8AC3E}">
+        <p14:creationId xmlns:p14="http://schemas.microsoft.com/office/powerpoint/2010/main" val="2783302115"/>
+      </p:ext>
+    </p:extLst>
+  </p:cSld>
+  <p:clrMapOvr>
+    <a:masterClrMapping/>
+  </p:clrMapOvr>
+  <p:timing>
+    <p:tnLst>
+      <p:par>
+        <p:cTn id="1" dur="indefinite" restart="never" nodeType="tmRoot">
+          <p:childTnLst>
+            <p:seq concurrent="1" nextAc="seek">
+              <p:cTn id="2" dur="indefinite" nodeType="mainSeq">
+                <p:childTnLst>
+                  <p:par>
+                    <p:cTn id="3" fill="hold">
+                      <p:stCondLst>
+                        <p:cond delay="indefinite"/>
+                      </p:stCondLst>
+                      <p:childTnLst>
+                        <p:par>
+                          <p:cTn id="4" fill="hold">
+                            <p:stCondLst>
+                              <p:cond delay="0"/>
+                            </p:stCondLst>
+                            <p:childTnLst>
+                              <p:par>
+                                <p:cTn id="5" presetID="1" presetClass="entr" presetSubtype="0" fill="hold" grpId="0" nodeType="clickEffect">
+                                  <p:stCondLst>
+                                    <p:cond delay="0"/>
+                                  </p:stCondLst>
+                                  <p:childTnLst>
+                                    <p:set>
+                                      <p:cBhvr>
+                                        <p:cTn id="6" dur="1" fill="hold">
+                                          <p:stCondLst>
+                                            <p:cond delay="0"/>
+                                          </p:stCondLst>
+                                        </p:cTn>
+                                        <p:tgtEl>
+                                          <p:spTgt spid="2"/>
+                                        </p:tgtEl>
+                                        <p:attrNameLst>
+                                          <p:attrName>style.visibility</p:attrName>
+                                        </p:attrNameLst>
+                                      </p:cBhvr>
+                                      <p:to>
+                                        <p:strVal val="visible"/>
+                                      </p:to>
+                                    </p:set>
+                                  </p:childTnLst>
+                                </p:cTn>
+                              </p:par>
+                            </p:childTnLst>
+                          </p:cTn>
+                        </p:par>
+                      </p:childTnLst>
+                    </p:cTn>
+                  </p:par>
+                  <p:par>
+                    <p:cTn id="7" fill="hold">
+                      <p:stCondLst>
+                        <p:cond delay="indefinite"/>
+                      </p:stCondLst>
+                      <p:childTnLst>
+                        <p:par>
+                          <p:cTn id="8" fill="hold">
+                            <p:stCondLst>
+                              <p:cond delay="0"/>
+                            </p:stCondLst>
+                            <p:childTnLst>
+                              <p:par>
+                                <p:cTn id="9" presetID="1" presetClass="entr" presetSubtype="0" fill="hold" nodeType="clickEffect">
+                                  <p:stCondLst>
+                                    <p:cond delay="0"/>
+                                  </p:stCondLst>
+                                  <p:childTnLst>
+                                    <p:set>
+                                      <p:cBhvr>
+                                        <p:cTn id="10" dur="1" fill="hold">
+                                          <p:stCondLst>
+                                            <p:cond delay="0"/>
+                                          </p:stCondLst>
+                                        </p:cTn>
+                                        <p:tgtEl>
+                                          <p:spTgt spid="5123"/>
+                                        </p:tgtEl>
+                                        <p:attrNameLst>
+                                          <p:attrName>style.visibility</p:attrName>
+                                        </p:attrNameLst>
+                                      </p:cBhvr>
+                                      <p:to>
+                                        <p:strVal val="visible"/>
+                                      </p:to>
+                                    </p:set>
+                                  </p:childTnLst>
+                                </p:cTn>
+                              </p:par>
+                            </p:childTnLst>
+                          </p:cTn>
+                        </p:par>
+                      </p:childTnLst>
+                    </p:cTn>
+                  </p:par>
+                  <p:par>
+                    <p:cTn id="11" fill="hold">
+                      <p:stCondLst>
+                        <p:cond delay="indefinite"/>
+                      </p:stCondLst>
+                      <p:childTnLst>
+                        <p:par>
+                          <p:cTn id="12" fill="hold">
+                            <p:stCondLst>
+                              <p:cond delay="0"/>
+                            </p:stCondLst>
+                            <p:childTnLst>
+                              <p:par>
+                                <p:cTn id="13" presetID="1" presetClass="entr" presetSubtype="0" fill="hold" nodeType="clickEffect">
+                                  <p:stCondLst>
+                                    <p:cond delay="0"/>
+                                  </p:stCondLst>
+                                  <p:childTnLst>
+                                    <p:set>
+                                      <p:cBhvr>
+                                        <p:cTn id="14" dur="1" fill="hold">
+                                          <p:stCondLst>
+                                            <p:cond delay="0"/>
+                                          </p:stCondLst>
+                                        </p:cTn>
+                                        <p:tgtEl>
+                                          <p:spTgt spid="17"/>
+                                        </p:tgtEl>
+                                        <p:attrNameLst>
+                                          <p:attrName>style.visibility</p:attrName>
+                                        </p:attrNameLst>
+                                      </p:cBhvr>
+                                      <p:to>
+                                        <p:strVal val="visible"/>
+                                      </p:to>
+                                    </p:set>
+                                  </p:childTnLst>
+                                </p:cTn>
+                              </p:par>
+                            </p:childTnLst>
+                          </p:cTn>
+                        </p:par>
+                      </p:childTnLst>
+                    </p:cTn>
+                  </p:par>
+                  <p:par>
+                    <p:cTn id="15" fill="hold">
+                      <p:stCondLst>
+                        <p:cond delay="indefinite"/>
+                      </p:stCondLst>
+                      <p:childTnLst>
+                        <p:par>
+                          <p:cTn id="16" fill="hold">
+                            <p:stCondLst>
+                              <p:cond delay="0"/>
+                            </p:stCondLst>
+                            <p:childTnLst>
+                              <p:par>
+                                <p:cTn id="17" presetID="1" presetClass="entr" presetSubtype="0" fill="hold" nodeType="clickEffect">
+                                  <p:stCondLst>
+                                    <p:cond delay="0"/>
+                                  </p:stCondLst>
+                                  <p:childTnLst>
+                                    <p:set>
+                                      <p:cBhvr>
+                                        <p:cTn id="18" dur="1" fill="hold">
+                                          <p:stCondLst>
+                                            <p:cond delay="0"/>
+                                          </p:stCondLst>
+                                        </p:cTn>
+                                        <p:tgtEl>
+                                          <p:spTgt spid="11"/>
+                                        </p:tgtEl>
+                                        <p:attrNameLst>
+                                          <p:attrName>style.visibility</p:attrName>
+                                        </p:attrNameLst>
+                                      </p:cBhvr>
+                                      <p:to>
+                                        <p:strVal val="visible"/>
+                                      </p:to>
+                                    </p:set>
+                                  </p:childTnLst>
+                                </p:cTn>
+                              </p:par>
+                            </p:childTnLst>
+                          </p:cTn>
+                        </p:par>
+                      </p:childTnLst>
+                    </p:cTn>
+                  </p:par>
+                  <p:par>
+                    <p:cTn id="19" fill="hold">
+                      <p:stCondLst>
+                        <p:cond delay="indefinite"/>
+                      </p:stCondLst>
+                      <p:childTnLst>
+                        <p:par>
+                          <p:cTn id="20" fill="hold">
+                            <p:stCondLst>
+                              <p:cond delay="0"/>
+                            </p:stCondLst>
+                            <p:childTnLst>
+                              <p:par>
+                                <p:cTn id="21" presetID="1" presetClass="entr" presetSubtype="0" fill="hold" nodeType="clickEffect">
+                                  <p:stCondLst>
+                                    <p:cond delay="0"/>
+                                  </p:stCondLst>
+                                  <p:childTnLst>
+                                    <p:set>
+                                      <p:cBhvr>
+                                        <p:cTn id="22" dur="1" fill="hold">
+                                          <p:stCondLst>
+                                            <p:cond delay="0"/>
+                                          </p:stCondLst>
+                                        </p:cTn>
+                                        <p:tgtEl>
+                                          <p:spTgt spid="12"/>
+                                        </p:tgtEl>
+                                        <p:attrNameLst>
+                                          <p:attrName>style.visibility</p:attrName>
+                                        </p:attrNameLst>
+                                      </p:cBhvr>
+                                      <p:to>
+                                        <p:strVal val="visible"/>
+                                      </p:to>
+                                    </p:set>
+                                  </p:childTnLst>
+                                </p:cTn>
+                              </p:par>
+                              <p:par>
+                                <p:cTn id="23" presetID="1" presetClass="entr" presetSubtype="0" fill="hold" nodeType="withEffect">
+                                  <p:stCondLst>
+                                    <p:cond delay="0"/>
+                                  </p:stCondLst>
+                                  <p:childTnLst>
+                                    <p:set>
+                                      <p:cBhvr>
+                                        <p:cTn id="24" dur="1" fill="hold">
+                                          <p:stCondLst>
+                                            <p:cond delay="0"/>
+                                          </p:stCondLst>
+                                        </p:cTn>
+                                        <p:tgtEl>
+                                          <p:spTgt spid="13"/>
+                                        </p:tgtEl>
+                                        <p:attrNameLst>
+                                          <p:attrName>style.visibility</p:attrName>
+                                        </p:attrNameLst>
+                                      </p:cBhvr>
+                                      <p:to>
+                                        <p:strVal val="visible"/>
+                                      </p:to>
+                                    </p:set>
+                                  </p:childTnLst>
+                                </p:cTn>
+                              </p:par>
+                              <p:par>
+                                <p:cTn id="25" presetID="1" presetClass="entr" presetSubtype="0" fill="hold" nodeType="withEffect">
+                                  <p:stCondLst>
+                                    <p:cond delay="0"/>
+                                  </p:stCondLst>
+                                  <p:childTnLst>
+                                    <p:set>
+                                      <p:cBhvr>
+                                        <p:cTn id="26" dur="1" fill="hold">
+                                          <p:stCondLst>
+                                            <p:cond delay="0"/>
+                                          </p:stCondLst>
+                                        </p:cTn>
+                                        <p:tgtEl>
+                                          <p:spTgt spid="20"/>
+                                        </p:tgtEl>
+                                        <p:attrNameLst>
+                                          <p:attrName>style.visibility</p:attrName>
+                                        </p:attrNameLst>
+                                      </p:cBhvr>
+                                      <p:to>
+                                        <p:strVal val="visible"/>
+                                      </p:to>
+                                    </p:set>
+                                  </p:childTnLst>
+                                </p:cTn>
+                              </p:par>
+                              <p:par>
+                                <p:cTn id="27" presetID="1" presetClass="entr" presetSubtype="0" fill="hold" nodeType="withEffect">
+                                  <p:stCondLst>
+                                    <p:cond delay="0"/>
+                                  </p:stCondLst>
+                                  <p:childTnLst>
+                                    <p:set>
+                                      <p:cBhvr>
+                                        <p:cTn id="28" dur="1" fill="hold">
+                                          <p:stCondLst>
+                                            <p:cond delay="0"/>
+                                          </p:stCondLst>
+                                        </p:cTn>
+                                        <p:tgtEl>
+                                          <p:spTgt spid="21"/>
+                                        </p:tgtEl>
+                                        <p:attrNameLst>
+                                          <p:attrName>style.visibility</p:attrName>
+                                        </p:attrNameLst>
+                                      </p:cBhvr>
+                                      <p:to>
+                                        <p:strVal val="visible"/>
+                                      </p:to>
+                                    </p:set>
+                                  </p:childTnLst>
+                                </p:cTn>
+                              </p:par>
+                              <p:par>
+                                <p:cTn id="29" presetID="1" presetClass="entr" presetSubtype="0" fill="hold" nodeType="withEffect">
+                                  <p:stCondLst>
+                                    <p:cond delay="0"/>
+                                  </p:stCondLst>
+                                  <p:childTnLst>
+                                    <p:set>
+                                      <p:cBhvr>
+                                        <p:cTn id="30" dur="1" fill="hold">
+                                          <p:stCondLst>
+                                            <p:cond delay="0"/>
+                                          </p:stCondLst>
+                                        </p:cTn>
+                                        <p:tgtEl>
+                                          <p:spTgt spid="23"/>
+                                        </p:tgtEl>
+                                        <p:attrNameLst>
+                                          <p:attrName>style.visibility</p:attrName>
+                                        </p:attrNameLst>
+                                      </p:cBhvr>
+                                      <p:to>
+                                        <p:strVal val="visible"/>
+                                      </p:to>
+                                    </p:set>
+                                  </p:childTnLst>
+                                </p:cTn>
+                              </p:par>
+                            </p:childTnLst>
+                          </p:cTn>
+                        </p:par>
+                      </p:childTnLst>
+                    </p:cTn>
+                  </p:par>
+                </p:childTnLst>
+              </p:cTn>
+              <p:prevCondLst>
+                <p:cond evt="onPrev" delay="0">
+                  <p:tgtEl>
+                    <p:sldTgt/>
+                  </p:tgtEl>
+                </p:cond>
+              </p:prevCondLst>
+              <p:nextCondLst>
+                <p:cond evt="onNext" delay="0">
+                  <p:tgtEl>
+                    <p:sldTgt/>
+                  </p:tgtEl>
+                </p:cond>
+              </p:nextCondLst>
+            </p:seq>
+          </p:childTnLst>
+        </p:cTn>
+      </p:par>
+    </p:tnLst>
+    <p:bldLst>
+      <p:bldP spid="2" grpId="0"/>
+    </p:bldLst>
+  </p:timing>
+</p:sld>
+</file>
+
+<file path=ppt/slides/slide14.xml><?xml version="1.0" encoding="utf-8"?>
+<p:sld xmlns:a="http://schemas.openxmlformats.org/drawingml/2006/main" xmlns:r="http://schemas.openxmlformats.org/officeDocument/2006/relationships" xmlns:p="http://schemas.openxmlformats.org/presentationml/2006/main">
+  <p:cSld>
+    <p:bg>
+      <p:bgPr>
+        <a:solidFill>
+          <a:schemeClr val="bg1"/>
+        </a:solidFill>
+        <a:effectLst/>
+      </p:bgPr>
+    </p:bg>
+    <p:spTree>
+      <p:nvGrpSpPr>
+        <p:cNvPr id="1" name="Shape 397"/>
+        <p:cNvGrpSpPr/>
+        <p:nvPr/>
+      </p:nvGrpSpPr>
+      <p:grpSpPr>
+        <a:xfrm>
+          <a:off x="0" y="0"/>
+          <a:ext cx="0" cy="0"/>
+          <a:chOff x="0" y="0"/>
+          <a:chExt cx="0" cy="0"/>
+        </a:xfrm>
+      </p:grpSpPr>
+      <p:sp>
+        <p:nvSpPr>
+          <p:cNvPr id="398" name="Shape 398"/>
+          <p:cNvSpPr txBox="1"/>
+          <p:nvPr/>
+        </p:nvSpPr>
+        <p:spPr>
+          <a:xfrm>
+            <a:off x="3657600" y="640962"/>
+            <a:ext cx="8182708" cy="660300"/>
+          </a:xfrm>
+          <a:prstGeom prst="rect">
+            <a:avLst/>
+          </a:prstGeom>
+          <a:noFill/>
+          <a:ln>
+            <a:noFill/>
+          </a:ln>
+        </p:spPr>
+        <p:txBody>
+          <a:bodyPr lIns="0" tIns="0" rIns="0" bIns="0" anchor="ctr" anchorCtr="0">
+            <a:noAutofit/>
+          </a:bodyPr>
+          <a:lstStyle/>
+          <a:p>
+            <a:pPr lvl="0" algn="ctr">
+              <a:buClr>
+                <a:srgbClr val="00FF00"/>
+              </a:buClr>
+              <a:buSzPct val="25000"/>
+              <a:defRPr/>
+            </a:pPr>
+            <a:r>
+              <a:rPr lang="ru-RU" sz="4800" dirty="0">
+                <a:solidFill>
+                  <a:schemeClr val="bg2"/>
+                </a:solidFill>
+                <a:latin typeface="Cabin"/>
+                <a:ea typeface="Cabin"/>
+                <a:cs typeface="Cabin"/>
+                <a:sym typeface="Cabin"/>
+              </a:rPr>
+              <a:t>Порождение исключений</a:t>
+            </a:r>
+            <a:endParaRPr kumimoji="0" lang="en-US" sz="4800" b="0" i="0" u="none" strike="noStrike" kern="0" cap="none" spc="0" normalizeH="0" baseline="0" noProof="0" dirty="0">
+              <a:ln>
+                <a:noFill/>
+              </a:ln>
+              <a:solidFill>
+                <a:schemeClr val="bg2"/>
+              </a:solidFill>
+              <a:effectLst/>
+              <a:uLnTx/>
+              <a:uFillTx/>
+              <a:latin typeface="Cabin"/>
+              <a:ea typeface="Cabin"/>
+              <a:cs typeface="Cabin"/>
+              <a:sym typeface="Cabin"/>
+            </a:endParaRPr>
+          </a:p>
+        </p:txBody>
+      </p:sp>
+      <p:sp>
+        <p:nvSpPr>
+          <p:cNvPr id="2" name="TextBox 1"/>
+          <p:cNvSpPr txBox="1"/>
+          <p:nvPr/>
+        </p:nvSpPr>
+        <p:spPr>
+          <a:xfrm>
+            <a:off x="945040" y="1571453"/>
+            <a:ext cx="14197623" cy="1200329"/>
+          </a:xfrm>
+          <a:prstGeom prst="rect">
+            <a:avLst/>
+          </a:prstGeom>
+          <a:noFill/>
+        </p:spPr>
+        <p:txBody>
+          <a:bodyPr wrap="square" rtlCol="0">
+            <a:spAutoFit/>
+          </a:bodyPr>
+          <a:lstStyle/>
+          <a:p>
+            <a:r>
+              <a:rPr lang="ru-RU" sz="3600" dirty="0"/>
+              <a:t>Оператор </a:t>
+            </a:r>
+            <a:r>
+              <a:rPr lang="ru-RU" sz="3600" dirty="0" err="1"/>
+              <a:t>raise</a:t>
+            </a:r>
+            <a:r>
+              <a:rPr lang="ru-RU" sz="3600" dirty="0"/>
+              <a:t> позволяет программисту принудительно породить исключение. Например:</a:t>
+            </a:r>
+            <a:endParaRPr lang="ru-RU" sz="3600" dirty="0" smtClean="0"/>
+          </a:p>
+        </p:txBody>
+      </p:sp>
+    </p:spTree>
+    <p:extLst>
+      <p:ext uri="{BB962C8B-B14F-4D97-AF65-F5344CB8AC3E}">
+        <p14:creationId xmlns:p14="http://schemas.microsoft.com/office/powerpoint/2010/main" val="2210376123"/>
+      </p:ext>
+    </p:extLst>
+  </p:cSld>
+  <p:clrMapOvr>
+    <a:masterClrMapping/>
+  </p:clrMapOvr>
+  <p:timing>
+    <p:tnLst>
+      <p:par>
+        <p:cTn id="1" dur="indefinite" restart="never" nodeType="tmRoot"/>
+      </p:par>
+    </p:tnLst>
+  </p:timing>
+</p:sld>
+</file>
+
+<file path=ppt/slides/slide15.xml><?xml version="1.0" encoding="utf-8"?>
+<p:sld xmlns:a="http://schemas.openxmlformats.org/drawingml/2006/main" xmlns:r="http://schemas.openxmlformats.org/officeDocument/2006/relationships" xmlns:p="http://schemas.openxmlformats.org/presentationml/2006/main">
+  <p:cSld>
     <p:spTree>
       <p:nvGrpSpPr>
         <p:cNvPr id="1" name="Shape 212"/>
@@ -13885,7 +19392,7 @@
 </p:sld>
 </file>
 
-<file path=ppt/slides/slide11.xml><?xml version="1.0" encoding="utf-8"?>
+<file path=ppt/slides/slide16.xml><?xml version="1.0" encoding="utf-8"?>
 <p:sld xmlns:a="http://schemas.openxmlformats.org/drawingml/2006/main" xmlns:r="http://schemas.openxmlformats.org/officeDocument/2006/relationships" xmlns:p="http://schemas.openxmlformats.org/presentationml/2006/main">
   <p:cSld>
     <p:spTree>
@@ -14406,7 +19913,7 @@
 </p:sld>
 </file>
 
-<file path=ppt/slides/slide12.xml><?xml version="1.0" encoding="utf-8"?>
+<file path=ppt/slides/slide17.xml><?xml version="1.0" encoding="utf-8"?>
 <p:sld xmlns:a="http://schemas.openxmlformats.org/drawingml/2006/main" xmlns:r="http://schemas.openxmlformats.org/officeDocument/2006/relationships" xmlns:p="http://schemas.openxmlformats.org/presentationml/2006/main">
   <p:cSld>
     <p:spTree>
@@ -14992,7 +20499,7 @@
 </p:sld>
 </file>
 
-<file path=ppt/slides/slide13.xml><?xml version="1.0" encoding="utf-8"?>
+<file path=ppt/slides/slide18.xml><?xml version="1.0" encoding="utf-8"?>
 <p:sld xmlns:a="http://schemas.openxmlformats.org/drawingml/2006/main" xmlns:r="http://schemas.openxmlformats.org/officeDocument/2006/relationships" xmlns:p="http://schemas.openxmlformats.org/presentationml/2006/main">
   <p:cSld>
     <p:spTree>
@@ -15164,7 +20671,7 @@
 </p:sld>
 </file>
 
-<file path=ppt/slides/slide14.xml><?xml version="1.0" encoding="utf-8"?>
+<file path=ppt/slides/slide19.xml><?xml version="1.0" encoding="utf-8"?>
 <p:sld xmlns:a="http://schemas.openxmlformats.org/drawingml/2006/main" xmlns:r="http://schemas.openxmlformats.org/officeDocument/2006/relationships" xmlns:p="http://schemas.openxmlformats.org/presentationml/2006/main">
   <p:cSld>
     <p:spTree>
@@ -15320,652 +20827,6 @@
     <p:extLst>
       <p:ext uri="{BB962C8B-B14F-4D97-AF65-F5344CB8AC3E}">
         <p14:creationId xmlns:p14="http://schemas.microsoft.com/office/powerpoint/2010/main" val="3271378101"/>
-      </p:ext>
-    </p:extLst>
-  </p:cSld>
-  <p:clrMapOvr>
-    <a:masterClrMapping/>
-  </p:clrMapOvr>
-  <p:timing>
-    <p:tnLst>
-      <p:par>
-        <p:cTn id="1" dur="indefinite" restart="never" nodeType="tmRoot"/>
-      </p:par>
-    </p:tnLst>
-  </p:timing>
-</p:sld>
-</file>
-
-<file path=ppt/slides/slide15.xml><?xml version="1.0" encoding="utf-8"?>
-<p:sld xmlns:a="http://schemas.openxmlformats.org/drawingml/2006/main" xmlns:r="http://schemas.openxmlformats.org/officeDocument/2006/relationships" xmlns:p="http://schemas.openxmlformats.org/presentationml/2006/main">
-  <p:cSld>
-    <p:bg>
-      <p:bgPr>
-        <a:solidFill>
-          <a:schemeClr val="bg1"/>
-        </a:solidFill>
-        <a:effectLst/>
-      </p:bgPr>
-    </p:bg>
-    <p:spTree>
-      <p:nvGrpSpPr>
-        <p:cNvPr id="1" name="Shape 212"/>
-        <p:cNvGrpSpPr/>
-        <p:nvPr/>
-      </p:nvGrpSpPr>
-      <p:grpSpPr>
-        <a:xfrm>
-          <a:off x="0" y="0"/>
-          <a:ext cx="0" cy="0"/>
-          <a:chOff x="0" y="0"/>
-          <a:chExt cx="0" cy="0"/>
-        </a:xfrm>
-      </p:grpSpPr>
-      <p:sp>
-        <p:nvSpPr>
-          <p:cNvPr id="213" name="Shape 213"/>
-          <p:cNvSpPr txBox="1">
-            <a:spLocks noGrp="1"/>
-          </p:cNvSpPr>
-          <p:nvPr>
-            <p:ph type="title"/>
-          </p:nvPr>
-        </p:nvSpPr>
-        <p:spPr>
-          <a:xfrm>
-            <a:off x="1155700" y="241300"/>
-            <a:ext cx="13931900" cy="2298699"/>
-          </a:xfrm>
-          <a:prstGeom prst="rect">
-            <a:avLst/>
-          </a:prstGeom>
-          <a:noFill/>
-          <a:ln>
-            <a:noFill/>
-          </a:ln>
-        </p:spPr>
-        <p:txBody>
-          <a:bodyPr lIns="38100" tIns="38100" rIns="38100" bIns="38100" anchor="ctr" anchorCtr="0">
-            <a:noAutofit/>
-          </a:bodyPr>
-          <a:lstStyle/>
-          <a:p>
-            <a:r>
-              <a:rPr lang="ru-RU" sz="6600" dirty="0" smtClean="0"/>
-              <a:t>Вложенные функции. Замыкания</a:t>
-            </a:r>
-            <a:endParaRPr lang="ru-RU" sz="6600" dirty="0"/>
-          </a:p>
-        </p:txBody>
-      </p:sp>
-      <p:sp>
-        <p:nvSpPr>
-          <p:cNvPr id="229" name="Shape 229"/>
-          <p:cNvSpPr txBox="1"/>
-          <p:nvPr/>
-        </p:nvSpPr>
-        <p:spPr>
-          <a:xfrm>
-            <a:off x="5038725" y="2997200"/>
-            <a:ext cx="1409700" cy="622299"/>
-          </a:xfrm>
-          <a:prstGeom prst="rect">
-            <a:avLst/>
-          </a:prstGeom>
-          <a:noFill/>
-          <a:ln>
-            <a:noFill/>
-          </a:ln>
-        </p:spPr>
-        <p:txBody>
-          <a:bodyPr lIns="0" tIns="0" rIns="0" bIns="0" anchor="ctr" anchorCtr="0">
-            <a:noAutofit/>
-          </a:bodyPr>
-          <a:lstStyle/>
-          <a:p>
-            <a:pPr marL="0" marR="0" lvl="0" indent="0" algn="ctr" defTabSz="914400" rtl="0" eaLnBrk="1" fontAlgn="auto" latinLnBrk="0" hangingPunct="1">
-              <a:lnSpc>
-                <a:spcPct val="100000"/>
-              </a:lnSpc>
-              <a:spcBef>
-                <a:spcPts val="0"/>
-              </a:spcBef>
-              <a:spcAft>
-                <a:spcPts val="0"/>
-              </a:spcAft>
-              <a:buClr>
-                <a:srgbClr val="FFFFFF"/>
-              </a:buClr>
-              <a:buSzPct val="25000"/>
-              <a:buFont typeface="Cabin"/>
-              <a:buNone/>
-              <a:tabLst/>
-              <a:defRPr/>
-            </a:pPr>
-            <a:r>
-              <a:rPr kumimoji="0" lang="en-US" sz="3600" b="0" i="0" u="none" strike="noStrike" kern="0" cap="none" spc="0" normalizeH="0" baseline="0" noProof="0">
-                <a:ln>
-                  <a:noFill/>
-                </a:ln>
-                <a:solidFill>
-                  <a:srgbClr val="FFFFFF"/>
-                </a:solidFill>
-                <a:effectLst/>
-                <a:uLnTx/>
-                <a:uFillTx/>
-                <a:latin typeface="Cabin"/>
-                <a:ea typeface="Cabin"/>
-                <a:cs typeface="Cabin"/>
-                <a:sym typeface="Cabin"/>
-              </a:rPr>
-              <a:t>hello():</a:t>
-            </a:r>
-          </a:p>
-        </p:txBody>
-      </p:sp>
-    </p:spTree>
-    <p:extLst>
-      <p:ext uri="{BB962C8B-B14F-4D97-AF65-F5344CB8AC3E}">
-        <p14:creationId xmlns:p14="http://schemas.microsoft.com/office/powerpoint/2010/main" val="136280292"/>
-      </p:ext>
-    </p:extLst>
-  </p:cSld>
-  <p:clrMapOvr>
-    <a:masterClrMapping/>
-  </p:clrMapOvr>
-  <p:timing>
-    <p:tnLst>
-      <p:par>
-        <p:cTn id="1" dur="indefinite" restart="never" nodeType="tmRoot"/>
-      </p:par>
-    </p:tnLst>
-  </p:timing>
-</p:sld>
-</file>
-
-<file path=ppt/slides/slide16.xml><?xml version="1.0" encoding="utf-8"?>
-<p:sld xmlns:a="http://schemas.openxmlformats.org/drawingml/2006/main" xmlns:r="http://schemas.openxmlformats.org/officeDocument/2006/relationships" xmlns:p="http://schemas.openxmlformats.org/presentationml/2006/main">
-  <p:cSld>
-    <p:spTree>
-      <p:nvGrpSpPr>
-        <p:cNvPr id="1" name=""/>
-        <p:cNvGrpSpPr/>
-        <p:nvPr/>
-      </p:nvGrpSpPr>
-      <p:grpSpPr>
-        <a:xfrm>
-          <a:off x="0" y="0"/>
-          <a:ext cx="0" cy="0"/>
-          <a:chOff x="0" y="0"/>
-          <a:chExt cx="0" cy="0"/>
-        </a:xfrm>
-      </p:grpSpPr>
-      <p:sp>
-        <p:nvSpPr>
-          <p:cNvPr id="2" name="Заголовок 1"/>
-          <p:cNvSpPr>
-            <a:spLocks noGrp="1"/>
-          </p:cNvSpPr>
-          <p:nvPr>
-            <p:ph type="title"/>
-          </p:nvPr>
-        </p:nvSpPr>
-        <p:spPr/>
-        <p:txBody>
-          <a:bodyPr/>
-          <a:lstStyle/>
-          <a:p>
-            <a:endParaRPr lang="ru-RU"/>
-          </a:p>
-        </p:txBody>
-      </p:sp>
-      <p:sp>
-        <p:nvSpPr>
-          <p:cNvPr id="3" name="Текст 2"/>
-          <p:cNvSpPr>
-            <a:spLocks noGrp="1"/>
-          </p:cNvSpPr>
-          <p:nvPr>
-            <p:ph type="body" idx="1"/>
-          </p:nvPr>
-        </p:nvSpPr>
-        <p:spPr/>
-        <p:txBody>
-          <a:bodyPr/>
-          <a:lstStyle/>
-          <a:p>
-            <a:endParaRPr lang="ru-RU"/>
-          </a:p>
-        </p:txBody>
-      </p:sp>
-    </p:spTree>
-    <p:extLst>
-      <p:ext uri="{BB962C8B-B14F-4D97-AF65-F5344CB8AC3E}">
-        <p14:creationId xmlns:p14="http://schemas.microsoft.com/office/powerpoint/2010/main" val="2584262233"/>
-      </p:ext>
-    </p:extLst>
-  </p:cSld>
-  <p:clrMapOvr>
-    <a:masterClrMapping/>
-  </p:clrMapOvr>
-  <p:timing>
-    <p:tnLst>
-      <p:par>
-        <p:cTn id="1" dur="indefinite" restart="never" nodeType="tmRoot"/>
-      </p:par>
-    </p:tnLst>
-  </p:timing>
-</p:sld>
-</file>
-
-<file path=ppt/slides/slide17.xml><?xml version="1.0" encoding="utf-8"?>
-<p:sld xmlns:a="http://schemas.openxmlformats.org/drawingml/2006/main" xmlns:r="http://schemas.openxmlformats.org/officeDocument/2006/relationships" xmlns:p="http://schemas.openxmlformats.org/presentationml/2006/main">
-  <p:cSld>
-    <p:bg>
-      <p:bgPr>
-        <a:solidFill>
-          <a:schemeClr val="bg1"/>
-        </a:solidFill>
-        <a:effectLst/>
-      </p:bgPr>
-    </p:bg>
-    <p:spTree>
-      <p:nvGrpSpPr>
-        <p:cNvPr id="1" name="Shape 212"/>
-        <p:cNvGrpSpPr/>
-        <p:nvPr/>
-      </p:nvGrpSpPr>
-      <p:grpSpPr>
-        <a:xfrm>
-          <a:off x="0" y="0"/>
-          <a:ext cx="0" cy="0"/>
-          <a:chOff x="0" y="0"/>
-          <a:chExt cx="0" cy="0"/>
-        </a:xfrm>
-      </p:grpSpPr>
-      <p:sp>
-        <p:nvSpPr>
-          <p:cNvPr id="213" name="Shape 213"/>
-          <p:cNvSpPr txBox="1">
-            <a:spLocks noGrp="1"/>
-          </p:cNvSpPr>
-          <p:nvPr>
-            <p:ph type="title"/>
-          </p:nvPr>
-        </p:nvSpPr>
-        <p:spPr>
-          <a:xfrm>
-            <a:off x="1155700" y="241300"/>
-            <a:ext cx="13931900" cy="2298699"/>
-          </a:xfrm>
-          <a:prstGeom prst="rect">
-            <a:avLst/>
-          </a:prstGeom>
-          <a:noFill/>
-          <a:ln>
-            <a:noFill/>
-          </a:ln>
-        </p:spPr>
-        <p:txBody>
-          <a:bodyPr lIns="38100" tIns="38100" rIns="38100" bIns="38100" anchor="ctr" anchorCtr="0">
-            <a:noAutofit/>
-          </a:bodyPr>
-          <a:lstStyle/>
-          <a:p>
-            <a:r>
-              <a:rPr lang="ru-RU" sz="6600" dirty="0"/>
-              <a:t>Понятие об </a:t>
-            </a:r>
-            <a:r>
-              <a:rPr lang="ru-RU" sz="6600" dirty="0" smtClean="0"/>
-              <a:t>исключении</a:t>
-            </a:r>
-            <a:endParaRPr lang="ru-RU" sz="6600" dirty="0"/>
-          </a:p>
-        </p:txBody>
-      </p:sp>
-      <p:sp>
-        <p:nvSpPr>
-          <p:cNvPr id="229" name="Shape 229"/>
-          <p:cNvSpPr txBox="1"/>
-          <p:nvPr/>
-        </p:nvSpPr>
-        <p:spPr>
-          <a:xfrm>
-            <a:off x="5038725" y="2997200"/>
-            <a:ext cx="1409700" cy="622299"/>
-          </a:xfrm>
-          <a:prstGeom prst="rect">
-            <a:avLst/>
-          </a:prstGeom>
-          <a:noFill/>
-          <a:ln>
-            <a:noFill/>
-          </a:ln>
-        </p:spPr>
-        <p:txBody>
-          <a:bodyPr lIns="0" tIns="0" rIns="0" bIns="0" anchor="ctr" anchorCtr="0">
-            <a:noAutofit/>
-          </a:bodyPr>
-          <a:lstStyle/>
-          <a:p>
-            <a:pPr marL="0" marR="0" lvl="0" indent="0" algn="ctr" rtl="0">
-              <a:lnSpc>
-                <a:spcPct val="100000"/>
-              </a:lnSpc>
-              <a:spcBef>
-                <a:spcPts val="0"/>
-              </a:spcBef>
-              <a:spcAft>
-                <a:spcPts val="0"/>
-              </a:spcAft>
-              <a:buClr>
-                <a:schemeClr val="lt1"/>
-              </a:buClr>
-              <a:buSzPct val="25000"/>
-              <a:buFont typeface="Cabin"/>
-              <a:buNone/>
-            </a:pPr>
-            <a:r>
-              <a:rPr lang="en-US" sz="3600" b="0" i="0" u="none" strike="noStrike" cap="none">
-                <a:solidFill>
-                  <a:schemeClr val="lt1"/>
-                </a:solidFill>
-                <a:latin typeface="Cabin"/>
-                <a:ea typeface="Cabin"/>
-                <a:cs typeface="Cabin"/>
-                <a:sym typeface="Cabin"/>
-              </a:rPr>
-              <a:t>hello():</a:t>
-            </a:r>
-          </a:p>
-        </p:txBody>
-      </p:sp>
-    </p:spTree>
-    <p:extLst>
-      <p:ext uri="{BB962C8B-B14F-4D97-AF65-F5344CB8AC3E}">
-        <p14:creationId xmlns:p14="http://schemas.microsoft.com/office/powerpoint/2010/main" val="1893192148"/>
-      </p:ext>
-    </p:extLst>
-  </p:cSld>
-  <p:clrMapOvr>
-    <a:masterClrMapping/>
-  </p:clrMapOvr>
-  <p:timing>
-    <p:tnLst>
-      <p:par>
-        <p:cTn id="1" dur="indefinite" restart="never" nodeType="tmRoot"/>
-      </p:par>
-    </p:tnLst>
-  </p:timing>
-</p:sld>
-</file>
-
-<file path=ppt/slides/slide18.xml><?xml version="1.0" encoding="utf-8"?>
-<p:sld xmlns:a="http://schemas.openxmlformats.org/drawingml/2006/main" xmlns:r="http://schemas.openxmlformats.org/officeDocument/2006/relationships" xmlns:p="http://schemas.openxmlformats.org/presentationml/2006/main">
-  <p:cSld>
-    <p:bg>
-      <p:bgPr>
-        <a:solidFill>
-          <a:schemeClr val="bg1"/>
-        </a:solidFill>
-        <a:effectLst/>
-      </p:bgPr>
-    </p:bg>
-    <p:spTree>
-      <p:nvGrpSpPr>
-        <p:cNvPr id="1" name="Shape 212"/>
-        <p:cNvGrpSpPr/>
-        <p:nvPr/>
-      </p:nvGrpSpPr>
-      <p:grpSpPr>
-        <a:xfrm>
-          <a:off x="0" y="0"/>
-          <a:ext cx="0" cy="0"/>
-          <a:chOff x="0" y="0"/>
-          <a:chExt cx="0" cy="0"/>
-        </a:xfrm>
-      </p:grpSpPr>
-      <p:sp>
-        <p:nvSpPr>
-          <p:cNvPr id="213" name="Shape 213"/>
-          <p:cNvSpPr txBox="1">
-            <a:spLocks noGrp="1"/>
-          </p:cNvSpPr>
-          <p:nvPr>
-            <p:ph type="title"/>
-          </p:nvPr>
-        </p:nvSpPr>
-        <p:spPr>
-          <a:xfrm>
-            <a:off x="1155700" y="241300"/>
-            <a:ext cx="13931900" cy="2298699"/>
-          </a:xfrm>
-          <a:prstGeom prst="rect">
-            <a:avLst/>
-          </a:prstGeom>
-          <a:noFill/>
-          <a:ln>
-            <a:noFill/>
-          </a:ln>
-        </p:spPr>
-        <p:txBody>
-          <a:bodyPr lIns="38100" tIns="38100" rIns="38100" bIns="38100" anchor="ctr" anchorCtr="0">
-            <a:noAutofit/>
-          </a:bodyPr>
-          <a:lstStyle/>
-          <a:p>
-            <a:r>
-              <a:rPr lang="ru-RU" sz="6600" dirty="0"/>
-              <a:t>Перехват исключения</a:t>
-            </a:r>
-          </a:p>
-        </p:txBody>
-      </p:sp>
-      <p:sp>
-        <p:nvSpPr>
-          <p:cNvPr id="229" name="Shape 229"/>
-          <p:cNvSpPr txBox="1"/>
-          <p:nvPr/>
-        </p:nvSpPr>
-        <p:spPr>
-          <a:xfrm>
-            <a:off x="5038725" y="2997200"/>
-            <a:ext cx="1409700" cy="622299"/>
-          </a:xfrm>
-          <a:prstGeom prst="rect">
-            <a:avLst/>
-          </a:prstGeom>
-          <a:noFill/>
-          <a:ln>
-            <a:noFill/>
-          </a:ln>
-        </p:spPr>
-        <p:txBody>
-          <a:bodyPr lIns="0" tIns="0" rIns="0" bIns="0" anchor="ctr" anchorCtr="0">
-            <a:noAutofit/>
-          </a:bodyPr>
-          <a:lstStyle/>
-          <a:p>
-            <a:pPr marL="0" marR="0" lvl="0" indent="0" algn="ctr" rtl="0">
-              <a:lnSpc>
-                <a:spcPct val="100000"/>
-              </a:lnSpc>
-              <a:spcBef>
-                <a:spcPts val="0"/>
-              </a:spcBef>
-              <a:spcAft>
-                <a:spcPts val="0"/>
-              </a:spcAft>
-              <a:buClr>
-                <a:schemeClr val="lt1"/>
-              </a:buClr>
-              <a:buSzPct val="25000"/>
-              <a:buFont typeface="Cabin"/>
-              <a:buNone/>
-            </a:pPr>
-            <a:r>
-              <a:rPr lang="en-US" sz="3600" b="0" i="0" u="none" strike="noStrike" cap="none">
-                <a:solidFill>
-                  <a:schemeClr val="lt1"/>
-                </a:solidFill>
-                <a:latin typeface="Cabin"/>
-                <a:ea typeface="Cabin"/>
-                <a:cs typeface="Cabin"/>
-                <a:sym typeface="Cabin"/>
-              </a:rPr>
-              <a:t>hello():</a:t>
-            </a:r>
-          </a:p>
-        </p:txBody>
-      </p:sp>
-    </p:spTree>
-    <p:extLst>
-      <p:ext uri="{BB962C8B-B14F-4D97-AF65-F5344CB8AC3E}">
-        <p14:creationId xmlns:p14="http://schemas.microsoft.com/office/powerpoint/2010/main" val="813838258"/>
-      </p:ext>
-    </p:extLst>
-  </p:cSld>
-  <p:clrMapOvr>
-    <a:masterClrMapping/>
-  </p:clrMapOvr>
-  <p:timing>
-    <p:tnLst>
-      <p:par>
-        <p:cTn id="1" dur="indefinite" restart="never" nodeType="tmRoot"/>
-      </p:par>
-    </p:tnLst>
-  </p:timing>
-</p:sld>
-</file>
-
-<file path=ppt/slides/slide19.xml><?xml version="1.0" encoding="utf-8"?>
-<p:sld xmlns:a="http://schemas.openxmlformats.org/drawingml/2006/main" xmlns:r="http://schemas.openxmlformats.org/officeDocument/2006/relationships" xmlns:p="http://schemas.openxmlformats.org/presentationml/2006/main">
-  <p:cSld>
-    <p:bg>
-      <p:bgPr>
-        <a:solidFill>
-          <a:schemeClr val="bg1"/>
-        </a:solidFill>
-        <a:effectLst/>
-      </p:bgPr>
-    </p:bg>
-    <p:spTree>
-      <p:nvGrpSpPr>
-        <p:cNvPr id="1" name="Shape 212"/>
-        <p:cNvGrpSpPr/>
-        <p:nvPr/>
-      </p:nvGrpSpPr>
-      <p:grpSpPr>
-        <a:xfrm>
-          <a:off x="0" y="0"/>
-          <a:ext cx="0" cy="0"/>
-          <a:chOff x="0" y="0"/>
-          <a:chExt cx="0" cy="0"/>
-        </a:xfrm>
-      </p:grpSpPr>
-      <p:sp>
-        <p:nvSpPr>
-          <p:cNvPr id="213" name="Shape 213"/>
-          <p:cNvSpPr txBox="1">
-            <a:spLocks noGrp="1"/>
-          </p:cNvSpPr>
-          <p:nvPr>
-            <p:ph type="title"/>
-          </p:nvPr>
-        </p:nvSpPr>
-        <p:spPr>
-          <a:xfrm>
-            <a:off x="1155700" y="241300"/>
-            <a:ext cx="13931900" cy="2298699"/>
-          </a:xfrm>
-          <a:prstGeom prst="rect">
-            <a:avLst/>
-          </a:prstGeom>
-          <a:noFill/>
-          <a:ln>
-            <a:noFill/>
-          </a:ln>
-        </p:spPr>
-        <p:txBody>
-          <a:bodyPr lIns="38100" tIns="38100" rIns="38100" bIns="38100" anchor="ctr" anchorCtr="0">
-            <a:noAutofit/>
-          </a:bodyPr>
-          <a:lstStyle/>
-          <a:p>
-            <a:r>
-              <a:rPr lang="ru-RU" sz="6600" dirty="0"/>
-              <a:t>Выброс </a:t>
-            </a:r>
-            <a:r>
-              <a:rPr lang="ru-RU" sz="6600" dirty="0" smtClean="0"/>
-              <a:t>исключения</a:t>
-            </a:r>
-            <a:endParaRPr lang="ru-RU" sz="6600" dirty="0"/>
-          </a:p>
-        </p:txBody>
-      </p:sp>
-      <p:sp>
-        <p:nvSpPr>
-          <p:cNvPr id="229" name="Shape 229"/>
-          <p:cNvSpPr txBox="1"/>
-          <p:nvPr/>
-        </p:nvSpPr>
-        <p:spPr>
-          <a:xfrm>
-            <a:off x="5038725" y="2997200"/>
-            <a:ext cx="1409700" cy="622299"/>
-          </a:xfrm>
-          <a:prstGeom prst="rect">
-            <a:avLst/>
-          </a:prstGeom>
-          <a:noFill/>
-          <a:ln>
-            <a:noFill/>
-          </a:ln>
-        </p:spPr>
-        <p:txBody>
-          <a:bodyPr lIns="0" tIns="0" rIns="0" bIns="0" anchor="ctr" anchorCtr="0">
-            <a:noAutofit/>
-          </a:bodyPr>
-          <a:lstStyle/>
-          <a:p>
-            <a:pPr marL="0" marR="0" lvl="0" indent="0" algn="ctr" rtl="0">
-              <a:lnSpc>
-                <a:spcPct val="100000"/>
-              </a:lnSpc>
-              <a:spcBef>
-                <a:spcPts val="0"/>
-              </a:spcBef>
-              <a:spcAft>
-                <a:spcPts val="0"/>
-              </a:spcAft>
-              <a:buClr>
-                <a:schemeClr val="lt1"/>
-              </a:buClr>
-              <a:buSzPct val="25000"/>
-              <a:buFont typeface="Cabin"/>
-              <a:buNone/>
-            </a:pPr>
-            <a:r>
-              <a:rPr lang="en-US" sz="3600" b="0" i="0" u="none" strike="noStrike" cap="none">
-                <a:solidFill>
-                  <a:schemeClr val="lt1"/>
-                </a:solidFill>
-                <a:latin typeface="Cabin"/>
-                <a:ea typeface="Cabin"/>
-                <a:cs typeface="Cabin"/>
-                <a:sym typeface="Cabin"/>
-              </a:rPr>
-              <a:t>hello():</a:t>
-            </a:r>
-          </a:p>
-        </p:txBody>
-      </p:sp>
-    </p:spTree>
-    <p:extLst>
-      <p:ext uri="{BB962C8B-B14F-4D97-AF65-F5344CB8AC3E}">
-        <p14:creationId xmlns:p14="http://schemas.microsoft.com/office/powerpoint/2010/main" val="1928126494"/>
       </p:ext>
     </p:extLst>
   </p:cSld>
@@ -16076,6 +20937,171 @@
               <a:buFont typeface="+mj-lt"/>
               <a:buAutoNum type="arabicPeriod"/>
             </a:pPr>
+            <a:r>
+              <a:rPr lang="ru-RU" sz="2800" dirty="0" smtClean="0"/>
+              <a:t>Можно ли получить несколько значений возвращаемых </a:t>
+            </a:r>
+            <a:r>
+              <a:rPr lang="ru-RU" sz="2800" dirty="0" err="1" smtClean="0"/>
+              <a:t>функцие</a:t>
+            </a:r>
+            <a:r>
+              <a:rPr lang="ru-RU" sz="2800" dirty="0" smtClean="0"/>
+              <a:t>? </a:t>
+            </a:r>
+          </a:p>
+          <a:p>
+            <a:pPr marL="1083056" indent="-514350">
+              <a:lnSpc>
+                <a:spcPct val="150000"/>
+              </a:lnSpc>
+              <a:spcBef>
+                <a:spcPts val="0"/>
+              </a:spcBef>
+              <a:buClrTx/>
+              <a:buFont typeface="+mj-lt"/>
+              <a:buAutoNum type="arabicPeriod"/>
+            </a:pPr>
+            <a:r>
+              <a:rPr lang="ru-RU" sz="2800" dirty="0" smtClean="0"/>
+              <a:t>Что такое глобальная область видимости?</a:t>
+            </a:r>
+          </a:p>
+          <a:p>
+            <a:pPr marL="1083056" indent="-514350">
+              <a:lnSpc>
+                <a:spcPct val="150000"/>
+              </a:lnSpc>
+              <a:spcBef>
+                <a:spcPts val="0"/>
+              </a:spcBef>
+              <a:buClrTx/>
+              <a:buFont typeface="+mj-lt"/>
+              <a:buAutoNum type="arabicPeriod"/>
+            </a:pPr>
+            <a:r>
+              <a:rPr lang="ru-RU" sz="2800" dirty="0" smtClean="0"/>
+              <a:t>А локальная?</a:t>
+            </a:r>
+          </a:p>
+          <a:p>
+            <a:pPr marL="1083056" indent="-514350">
+              <a:lnSpc>
+                <a:spcPct val="150000"/>
+              </a:lnSpc>
+              <a:spcBef>
+                <a:spcPts val="0"/>
+              </a:spcBef>
+              <a:buClrTx/>
+              <a:buFont typeface="+mj-lt"/>
+              <a:buAutoNum type="arabicPeriod"/>
+            </a:pPr>
+            <a:r>
+              <a:rPr lang="ru-RU" sz="2800" dirty="0" smtClean="0"/>
+              <a:t>Можно ли изменить внутри функции значение глобальной переменной?</a:t>
+            </a:r>
+          </a:p>
+          <a:p>
+            <a:pPr marL="1083056" indent="-514350">
+              <a:lnSpc>
+                <a:spcPct val="150000"/>
+              </a:lnSpc>
+              <a:spcBef>
+                <a:spcPts val="0"/>
+              </a:spcBef>
+              <a:buClrTx/>
+              <a:buFont typeface="+mj-lt"/>
+              <a:buAutoNum type="arabicPeriod"/>
+            </a:pPr>
+            <a:r>
+              <a:rPr lang="ru-RU" sz="2800" dirty="0" smtClean="0"/>
+              <a:t>Возможно ли отказаться от практики изменения глобальных переменных в функциях?</a:t>
+            </a:r>
+          </a:p>
+          <a:p>
+            <a:pPr marL="1083056" indent="-514350">
+              <a:lnSpc>
+                <a:spcPct val="150000"/>
+              </a:lnSpc>
+              <a:spcBef>
+                <a:spcPts val="0"/>
+              </a:spcBef>
+              <a:buClrTx/>
+              <a:buFont typeface="+mj-lt"/>
+              <a:buAutoNum type="arabicPeriod"/>
+            </a:pPr>
+            <a:r>
+              <a:rPr lang="ru-RU" sz="2800" dirty="0" smtClean="0"/>
+              <a:t>Как получить все переменные в глобальной области видимости?</a:t>
+            </a:r>
+          </a:p>
+          <a:p>
+            <a:pPr marL="1083056" indent="-514350">
+              <a:lnSpc>
+                <a:spcPct val="150000"/>
+              </a:lnSpc>
+              <a:spcBef>
+                <a:spcPts val="0"/>
+              </a:spcBef>
+              <a:buClrTx/>
+              <a:buFont typeface="+mj-lt"/>
+              <a:buAutoNum type="arabicPeriod"/>
+            </a:pPr>
+            <a:r>
+              <a:rPr lang="ru-RU" sz="2800" dirty="0" smtClean="0"/>
+              <a:t>А в локальной?</a:t>
+            </a:r>
+          </a:p>
+          <a:p>
+            <a:pPr marL="1083056" indent="-514350">
+              <a:lnSpc>
+                <a:spcPct val="150000"/>
+              </a:lnSpc>
+              <a:spcBef>
+                <a:spcPts val="0"/>
+              </a:spcBef>
+              <a:buClrTx/>
+              <a:buFont typeface="+mj-lt"/>
+              <a:buAutoNum type="arabicPeriod"/>
+            </a:pPr>
+            <a:r>
+              <a:rPr lang="ru-RU" sz="2800" dirty="0" smtClean="0"/>
+              <a:t>Можно ли переменное количество позиционных аргументов в функцию?</a:t>
+            </a:r>
+          </a:p>
+          <a:p>
+            <a:pPr marL="1083056" indent="-514350">
+              <a:lnSpc>
+                <a:spcPct val="150000"/>
+              </a:lnSpc>
+              <a:spcBef>
+                <a:spcPts val="0"/>
+              </a:spcBef>
+              <a:buClrTx/>
+              <a:buFont typeface="+mj-lt"/>
+              <a:buAutoNum type="arabicPeriod"/>
+            </a:pPr>
+            <a:r>
+              <a:rPr lang="ru-RU" sz="2800" dirty="0" smtClean="0"/>
+              <a:t>А как на счет переменного количества именованных аргументов?</a:t>
+            </a:r>
+          </a:p>
+          <a:p>
+            <a:pPr marL="1083056" indent="-514350">
+              <a:lnSpc>
+                <a:spcPct val="150000"/>
+              </a:lnSpc>
+              <a:spcBef>
+                <a:spcPts val="0"/>
+              </a:spcBef>
+              <a:buClrTx/>
+              <a:buFont typeface="+mj-lt"/>
+              <a:buAutoNum type="arabicPeriod"/>
+            </a:pPr>
+            <a:r>
+              <a:rPr lang="ru-RU" sz="2800" dirty="0" smtClean="0"/>
+              <a:t>Что такое рекурсия?</a:t>
+            </a:r>
             <a:endParaRPr lang="ru-RU" sz="2800" dirty="0" smtClean="0"/>
           </a:p>
         </p:txBody>
@@ -16119,15 +21145,10 @@
                             </p:stCondLst>
                             <p:childTnLst>
                               <p:par>
-                                <p:cTn id="5" presetID="1" presetClass="entr" presetSubtype="0" fill="hold" nodeType="clickEffect" nodePh="1">
+                                <p:cTn id="5" presetID="1" presetClass="entr" presetSubtype="0" fill="hold" nodeType="clickEffect">
                                   <p:stCondLst>
                                     <p:cond delay="0"/>
                                   </p:stCondLst>
-                                  <p:endCondLst>
-                                    <p:cond evt="begin" delay="0">
-                                      <p:tn val="5"/>
-                                    </p:cond>
-                                  </p:endCondLst>
                                   <p:childTnLst>
                                     <p:set>
                                       <p:cBhvr>
@@ -16140,6 +21161,447 @@
                                           <p:spTgt spid="5">
                                             <p:txEl>
                                               <p:pRg st="0" end="0"/>
+                                            </p:txEl>
+                                          </p:spTgt>
+                                        </p:tgtEl>
+                                        <p:attrNameLst>
+                                          <p:attrName>style.visibility</p:attrName>
+                                        </p:attrNameLst>
+                                      </p:cBhvr>
+                                      <p:to>
+                                        <p:strVal val="visible"/>
+                                      </p:to>
+                                    </p:set>
+                                  </p:childTnLst>
+                                </p:cTn>
+                              </p:par>
+                            </p:childTnLst>
+                          </p:cTn>
+                        </p:par>
+                      </p:childTnLst>
+                    </p:cTn>
+                  </p:par>
+                  <p:par>
+                    <p:cTn id="7" fill="hold">
+                      <p:stCondLst>
+                        <p:cond delay="indefinite"/>
+                      </p:stCondLst>
+                      <p:childTnLst>
+                        <p:par>
+                          <p:cTn id="8" fill="hold">
+                            <p:stCondLst>
+                              <p:cond delay="0"/>
+                            </p:stCondLst>
+                            <p:childTnLst>
+                              <p:par>
+                                <p:cTn id="9" presetID="1" presetClass="entr" presetSubtype="0" fill="hold" nodeType="clickEffect">
+                                  <p:stCondLst>
+                                    <p:cond delay="0"/>
+                                  </p:stCondLst>
+                                  <p:childTnLst>
+                                    <p:set>
+                                      <p:cBhvr>
+                                        <p:cTn id="10" dur="1" fill="hold">
+                                          <p:stCondLst>
+                                            <p:cond delay="0"/>
+                                          </p:stCondLst>
+                                        </p:cTn>
+                                        <p:tgtEl>
+                                          <p:spTgt spid="5">
+                                            <p:txEl>
+                                              <p:pRg st="1" end="1"/>
+                                            </p:txEl>
+                                          </p:spTgt>
+                                        </p:tgtEl>
+                                        <p:attrNameLst>
+                                          <p:attrName>style.visibility</p:attrName>
+                                        </p:attrNameLst>
+                                      </p:cBhvr>
+                                      <p:to>
+                                        <p:strVal val="visible"/>
+                                      </p:to>
+                                    </p:set>
+                                  </p:childTnLst>
+                                </p:cTn>
+                              </p:par>
+                            </p:childTnLst>
+                          </p:cTn>
+                        </p:par>
+                      </p:childTnLst>
+                    </p:cTn>
+                  </p:par>
+                  <p:par>
+                    <p:cTn id="11" fill="hold">
+                      <p:stCondLst>
+                        <p:cond delay="indefinite"/>
+                      </p:stCondLst>
+                      <p:childTnLst>
+                        <p:par>
+                          <p:cTn id="12" fill="hold">
+                            <p:stCondLst>
+                              <p:cond delay="0"/>
+                            </p:stCondLst>
+                            <p:childTnLst>
+                              <p:par>
+                                <p:cTn id="13" presetID="1" presetClass="entr" presetSubtype="0" fill="hold" nodeType="clickEffect">
+                                  <p:stCondLst>
+                                    <p:cond delay="0"/>
+                                  </p:stCondLst>
+                                  <p:childTnLst>
+                                    <p:set>
+                                      <p:cBhvr>
+                                        <p:cTn id="14" dur="1" fill="hold">
+                                          <p:stCondLst>
+                                            <p:cond delay="0"/>
+                                          </p:stCondLst>
+                                        </p:cTn>
+                                        <p:tgtEl>
+                                          <p:spTgt spid="5">
+                                            <p:txEl>
+                                              <p:pRg st="2" end="2"/>
+                                            </p:txEl>
+                                          </p:spTgt>
+                                        </p:tgtEl>
+                                        <p:attrNameLst>
+                                          <p:attrName>style.visibility</p:attrName>
+                                        </p:attrNameLst>
+                                      </p:cBhvr>
+                                      <p:to>
+                                        <p:strVal val="visible"/>
+                                      </p:to>
+                                    </p:set>
+                                  </p:childTnLst>
+                                </p:cTn>
+                              </p:par>
+                            </p:childTnLst>
+                          </p:cTn>
+                        </p:par>
+                      </p:childTnLst>
+                    </p:cTn>
+                  </p:par>
+                  <p:par>
+                    <p:cTn id="15" fill="hold">
+                      <p:stCondLst>
+                        <p:cond delay="indefinite"/>
+                      </p:stCondLst>
+                      <p:childTnLst>
+                        <p:par>
+                          <p:cTn id="16" fill="hold">
+                            <p:stCondLst>
+                              <p:cond delay="0"/>
+                            </p:stCondLst>
+                            <p:childTnLst>
+                              <p:par>
+                                <p:cTn id="17" presetID="1" presetClass="entr" presetSubtype="0" fill="hold" nodeType="clickEffect">
+                                  <p:stCondLst>
+                                    <p:cond delay="0"/>
+                                  </p:stCondLst>
+                                  <p:childTnLst>
+                                    <p:set>
+                                      <p:cBhvr>
+                                        <p:cTn id="18" dur="1" fill="hold">
+                                          <p:stCondLst>
+                                            <p:cond delay="0"/>
+                                          </p:stCondLst>
+                                        </p:cTn>
+                                        <p:tgtEl>
+                                          <p:spTgt spid="5">
+                                            <p:txEl>
+                                              <p:pRg st="3" end="3"/>
+                                            </p:txEl>
+                                          </p:spTgt>
+                                        </p:tgtEl>
+                                        <p:attrNameLst>
+                                          <p:attrName>style.visibility</p:attrName>
+                                        </p:attrNameLst>
+                                      </p:cBhvr>
+                                      <p:to>
+                                        <p:strVal val="visible"/>
+                                      </p:to>
+                                    </p:set>
+                                  </p:childTnLst>
+                                </p:cTn>
+                              </p:par>
+                            </p:childTnLst>
+                          </p:cTn>
+                        </p:par>
+                      </p:childTnLst>
+                    </p:cTn>
+                  </p:par>
+                  <p:par>
+                    <p:cTn id="19" fill="hold">
+                      <p:stCondLst>
+                        <p:cond delay="indefinite"/>
+                      </p:stCondLst>
+                      <p:childTnLst>
+                        <p:par>
+                          <p:cTn id="20" fill="hold">
+                            <p:stCondLst>
+                              <p:cond delay="0"/>
+                            </p:stCondLst>
+                            <p:childTnLst>
+                              <p:par>
+                                <p:cTn id="21" presetID="1" presetClass="entr" presetSubtype="0" fill="hold" nodeType="clickEffect">
+                                  <p:stCondLst>
+                                    <p:cond delay="0"/>
+                                  </p:stCondLst>
+                                  <p:childTnLst>
+                                    <p:set>
+                                      <p:cBhvr>
+                                        <p:cTn id="22" dur="1" fill="hold">
+                                          <p:stCondLst>
+                                            <p:cond delay="0"/>
+                                          </p:stCondLst>
+                                        </p:cTn>
+                                        <p:tgtEl>
+                                          <p:spTgt spid="5">
+                                            <p:txEl>
+                                              <p:pRg st="4" end="4"/>
+                                            </p:txEl>
+                                          </p:spTgt>
+                                        </p:tgtEl>
+                                        <p:attrNameLst>
+                                          <p:attrName>style.visibility</p:attrName>
+                                        </p:attrNameLst>
+                                      </p:cBhvr>
+                                      <p:to>
+                                        <p:strVal val="visible"/>
+                                      </p:to>
+                                    </p:set>
+                                  </p:childTnLst>
+                                </p:cTn>
+                              </p:par>
+                            </p:childTnLst>
+                          </p:cTn>
+                        </p:par>
+                      </p:childTnLst>
+                    </p:cTn>
+                  </p:par>
+                  <p:par>
+                    <p:cTn id="23" fill="hold">
+                      <p:stCondLst>
+                        <p:cond delay="indefinite"/>
+                      </p:stCondLst>
+                      <p:childTnLst>
+                        <p:par>
+                          <p:cTn id="24" fill="hold">
+                            <p:stCondLst>
+                              <p:cond delay="0"/>
+                            </p:stCondLst>
+                            <p:childTnLst>
+                              <p:par>
+                                <p:cTn id="25" presetID="1" presetClass="entr" presetSubtype="0" fill="hold" nodeType="clickEffect">
+                                  <p:stCondLst>
+                                    <p:cond delay="0"/>
+                                  </p:stCondLst>
+                                  <p:childTnLst>
+                                    <p:set>
+                                      <p:cBhvr>
+                                        <p:cTn id="26" dur="1" fill="hold">
+                                          <p:stCondLst>
+                                            <p:cond delay="0"/>
+                                          </p:stCondLst>
+                                        </p:cTn>
+                                        <p:tgtEl>
+                                          <p:spTgt spid="5">
+                                            <p:txEl>
+                                              <p:pRg st="5" end="5"/>
+                                            </p:txEl>
+                                          </p:spTgt>
+                                        </p:tgtEl>
+                                        <p:attrNameLst>
+                                          <p:attrName>style.visibility</p:attrName>
+                                        </p:attrNameLst>
+                                      </p:cBhvr>
+                                      <p:to>
+                                        <p:strVal val="visible"/>
+                                      </p:to>
+                                    </p:set>
+                                  </p:childTnLst>
+                                </p:cTn>
+                              </p:par>
+                            </p:childTnLst>
+                          </p:cTn>
+                        </p:par>
+                      </p:childTnLst>
+                    </p:cTn>
+                  </p:par>
+                  <p:par>
+                    <p:cTn id="27" fill="hold">
+                      <p:stCondLst>
+                        <p:cond delay="indefinite"/>
+                      </p:stCondLst>
+                      <p:childTnLst>
+                        <p:par>
+                          <p:cTn id="28" fill="hold">
+                            <p:stCondLst>
+                              <p:cond delay="0"/>
+                            </p:stCondLst>
+                            <p:childTnLst>
+                              <p:par>
+                                <p:cTn id="29" presetID="1" presetClass="entr" presetSubtype="0" fill="hold" nodeType="clickEffect">
+                                  <p:stCondLst>
+                                    <p:cond delay="0"/>
+                                  </p:stCondLst>
+                                  <p:childTnLst>
+                                    <p:set>
+                                      <p:cBhvr>
+                                        <p:cTn id="30" dur="1" fill="hold">
+                                          <p:stCondLst>
+                                            <p:cond delay="0"/>
+                                          </p:stCondLst>
+                                        </p:cTn>
+                                        <p:tgtEl>
+                                          <p:spTgt spid="5">
+                                            <p:txEl>
+                                              <p:pRg st="6" end="6"/>
+                                            </p:txEl>
+                                          </p:spTgt>
+                                        </p:tgtEl>
+                                        <p:attrNameLst>
+                                          <p:attrName>style.visibility</p:attrName>
+                                        </p:attrNameLst>
+                                      </p:cBhvr>
+                                      <p:to>
+                                        <p:strVal val="visible"/>
+                                      </p:to>
+                                    </p:set>
+                                  </p:childTnLst>
+                                </p:cTn>
+                              </p:par>
+                            </p:childTnLst>
+                          </p:cTn>
+                        </p:par>
+                      </p:childTnLst>
+                    </p:cTn>
+                  </p:par>
+                  <p:par>
+                    <p:cTn id="31" fill="hold">
+                      <p:stCondLst>
+                        <p:cond delay="indefinite"/>
+                      </p:stCondLst>
+                      <p:childTnLst>
+                        <p:par>
+                          <p:cTn id="32" fill="hold">
+                            <p:stCondLst>
+                              <p:cond delay="0"/>
+                            </p:stCondLst>
+                            <p:childTnLst>
+                              <p:par>
+                                <p:cTn id="33" presetID="1" presetClass="entr" presetSubtype="0" fill="hold" nodeType="clickEffect">
+                                  <p:stCondLst>
+                                    <p:cond delay="0"/>
+                                  </p:stCondLst>
+                                  <p:childTnLst>
+                                    <p:set>
+                                      <p:cBhvr>
+                                        <p:cTn id="34" dur="1" fill="hold">
+                                          <p:stCondLst>
+                                            <p:cond delay="0"/>
+                                          </p:stCondLst>
+                                        </p:cTn>
+                                        <p:tgtEl>
+                                          <p:spTgt spid="5">
+                                            <p:txEl>
+                                              <p:pRg st="7" end="7"/>
+                                            </p:txEl>
+                                          </p:spTgt>
+                                        </p:tgtEl>
+                                        <p:attrNameLst>
+                                          <p:attrName>style.visibility</p:attrName>
+                                        </p:attrNameLst>
+                                      </p:cBhvr>
+                                      <p:to>
+                                        <p:strVal val="visible"/>
+                                      </p:to>
+                                    </p:set>
+                                  </p:childTnLst>
+                                </p:cTn>
+                              </p:par>
+                            </p:childTnLst>
+                          </p:cTn>
+                        </p:par>
+                      </p:childTnLst>
+                    </p:cTn>
+                  </p:par>
+                  <p:par>
+                    <p:cTn id="35" fill="hold">
+                      <p:stCondLst>
+                        <p:cond delay="indefinite"/>
+                      </p:stCondLst>
+                      <p:childTnLst>
+                        <p:par>
+                          <p:cTn id="36" fill="hold">
+                            <p:stCondLst>
+                              <p:cond delay="0"/>
+                            </p:stCondLst>
+                            <p:childTnLst>
+                              <p:par>
+                                <p:cTn id="37" presetID="1" presetClass="entr" presetSubtype="0" fill="hold" nodeType="clickEffect">
+                                  <p:stCondLst>
+                                    <p:cond delay="0"/>
+                                  </p:stCondLst>
+                                  <p:childTnLst>
+                                    <p:set>
+                                      <p:cBhvr>
+                                        <p:cTn id="38" dur="1" fill="hold">
+                                          <p:stCondLst>
+                                            <p:cond delay="0"/>
+                                          </p:stCondLst>
+                                        </p:cTn>
+                                        <p:tgtEl>
+                                          <p:spTgt spid="5">
+                                            <p:txEl>
+                                              <p:pRg st="8" end="8"/>
+                                            </p:txEl>
+                                          </p:spTgt>
+                                        </p:tgtEl>
+                                        <p:attrNameLst>
+                                          <p:attrName>style.visibility</p:attrName>
+                                        </p:attrNameLst>
+                                      </p:cBhvr>
+                                      <p:to>
+                                        <p:strVal val="visible"/>
+                                      </p:to>
+                                    </p:set>
+                                  </p:childTnLst>
+                                </p:cTn>
+                              </p:par>
+                            </p:childTnLst>
+                          </p:cTn>
+                        </p:par>
+                      </p:childTnLst>
+                    </p:cTn>
+                  </p:par>
+                  <p:par>
+                    <p:cTn id="39" fill="hold">
+                      <p:stCondLst>
+                        <p:cond delay="indefinite"/>
+                      </p:stCondLst>
+                      <p:childTnLst>
+                        <p:par>
+                          <p:cTn id="40" fill="hold">
+                            <p:stCondLst>
+                              <p:cond delay="0"/>
+                            </p:stCondLst>
+                            <p:childTnLst>
+                              <p:par>
+                                <p:cTn id="41" presetID="1" presetClass="entr" presetSubtype="0" fill="hold" nodeType="clickEffect">
+                                  <p:stCondLst>
+                                    <p:cond delay="0"/>
+                                  </p:stCondLst>
+                                  <p:childTnLst>
+                                    <p:set>
+                                      <p:cBhvr>
+                                        <p:cTn id="42" dur="1" fill="hold">
+                                          <p:stCondLst>
+                                            <p:cond delay="0"/>
+                                          </p:stCondLst>
+                                        </p:cTn>
+                                        <p:tgtEl>
+                                          <p:spTgt spid="5">
+                                            <p:txEl>
+                                              <p:pRg st="9" end="9"/>
                                             </p:txEl>
                                           </p:spTgt>
                                         </p:tgtEl>
@@ -16186,6 +21648,652 @@
 </file>
 
 <file path=ppt/slides/slide20.xml><?xml version="1.0" encoding="utf-8"?>
+<p:sld xmlns:a="http://schemas.openxmlformats.org/drawingml/2006/main" xmlns:r="http://schemas.openxmlformats.org/officeDocument/2006/relationships" xmlns:p="http://schemas.openxmlformats.org/presentationml/2006/main">
+  <p:cSld>
+    <p:bg>
+      <p:bgPr>
+        <a:solidFill>
+          <a:schemeClr val="bg1"/>
+        </a:solidFill>
+        <a:effectLst/>
+      </p:bgPr>
+    </p:bg>
+    <p:spTree>
+      <p:nvGrpSpPr>
+        <p:cNvPr id="1" name="Shape 212"/>
+        <p:cNvGrpSpPr/>
+        <p:nvPr/>
+      </p:nvGrpSpPr>
+      <p:grpSpPr>
+        <a:xfrm>
+          <a:off x="0" y="0"/>
+          <a:ext cx="0" cy="0"/>
+          <a:chOff x="0" y="0"/>
+          <a:chExt cx="0" cy="0"/>
+        </a:xfrm>
+      </p:grpSpPr>
+      <p:sp>
+        <p:nvSpPr>
+          <p:cNvPr id="213" name="Shape 213"/>
+          <p:cNvSpPr txBox="1">
+            <a:spLocks noGrp="1"/>
+          </p:cNvSpPr>
+          <p:nvPr>
+            <p:ph type="title"/>
+          </p:nvPr>
+        </p:nvSpPr>
+        <p:spPr>
+          <a:xfrm>
+            <a:off x="1155700" y="241300"/>
+            <a:ext cx="13931900" cy="2298699"/>
+          </a:xfrm>
+          <a:prstGeom prst="rect">
+            <a:avLst/>
+          </a:prstGeom>
+          <a:noFill/>
+          <a:ln>
+            <a:noFill/>
+          </a:ln>
+        </p:spPr>
+        <p:txBody>
+          <a:bodyPr lIns="38100" tIns="38100" rIns="38100" bIns="38100" anchor="ctr" anchorCtr="0">
+            <a:noAutofit/>
+          </a:bodyPr>
+          <a:lstStyle/>
+          <a:p>
+            <a:r>
+              <a:rPr lang="ru-RU" sz="6600" dirty="0" smtClean="0"/>
+              <a:t>Вложенные функции. Замыкания</a:t>
+            </a:r>
+            <a:endParaRPr lang="ru-RU" sz="6600" dirty="0"/>
+          </a:p>
+        </p:txBody>
+      </p:sp>
+      <p:sp>
+        <p:nvSpPr>
+          <p:cNvPr id="229" name="Shape 229"/>
+          <p:cNvSpPr txBox="1"/>
+          <p:nvPr/>
+        </p:nvSpPr>
+        <p:spPr>
+          <a:xfrm>
+            <a:off x="5038725" y="2997200"/>
+            <a:ext cx="1409700" cy="622299"/>
+          </a:xfrm>
+          <a:prstGeom prst="rect">
+            <a:avLst/>
+          </a:prstGeom>
+          <a:noFill/>
+          <a:ln>
+            <a:noFill/>
+          </a:ln>
+        </p:spPr>
+        <p:txBody>
+          <a:bodyPr lIns="0" tIns="0" rIns="0" bIns="0" anchor="ctr" anchorCtr="0">
+            <a:noAutofit/>
+          </a:bodyPr>
+          <a:lstStyle/>
+          <a:p>
+            <a:pPr marL="0" marR="0" lvl="0" indent="0" algn="ctr" defTabSz="914400" rtl="0" eaLnBrk="1" fontAlgn="auto" latinLnBrk="0" hangingPunct="1">
+              <a:lnSpc>
+                <a:spcPct val="100000"/>
+              </a:lnSpc>
+              <a:spcBef>
+                <a:spcPts val="0"/>
+              </a:spcBef>
+              <a:spcAft>
+                <a:spcPts val="0"/>
+              </a:spcAft>
+              <a:buClr>
+                <a:srgbClr val="FFFFFF"/>
+              </a:buClr>
+              <a:buSzPct val="25000"/>
+              <a:buFont typeface="Cabin"/>
+              <a:buNone/>
+              <a:tabLst/>
+              <a:defRPr/>
+            </a:pPr>
+            <a:r>
+              <a:rPr kumimoji="0" lang="en-US" sz="3600" b="0" i="0" u="none" strike="noStrike" kern="0" cap="none" spc="0" normalizeH="0" baseline="0" noProof="0">
+                <a:ln>
+                  <a:noFill/>
+                </a:ln>
+                <a:solidFill>
+                  <a:srgbClr val="FFFFFF"/>
+                </a:solidFill>
+                <a:effectLst/>
+                <a:uLnTx/>
+                <a:uFillTx/>
+                <a:latin typeface="Cabin"/>
+                <a:ea typeface="Cabin"/>
+                <a:cs typeface="Cabin"/>
+                <a:sym typeface="Cabin"/>
+              </a:rPr>
+              <a:t>hello():</a:t>
+            </a:r>
+          </a:p>
+        </p:txBody>
+      </p:sp>
+    </p:spTree>
+    <p:extLst>
+      <p:ext uri="{BB962C8B-B14F-4D97-AF65-F5344CB8AC3E}">
+        <p14:creationId xmlns:p14="http://schemas.microsoft.com/office/powerpoint/2010/main" val="136280292"/>
+      </p:ext>
+    </p:extLst>
+  </p:cSld>
+  <p:clrMapOvr>
+    <a:masterClrMapping/>
+  </p:clrMapOvr>
+  <p:timing>
+    <p:tnLst>
+      <p:par>
+        <p:cTn id="1" dur="indefinite" restart="never" nodeType="tmRoot"/>
+      </p:par>
+    </p:tnLst>
+  </p:timing>
+</p:sld>
+</file>
+
+<file path=ppt/slides/slide21.xml><?xml version="1.0" encoding="utf-8"?>
+<p:sld xmlns:a="http://schemas.openxmlformats.org/drawingml/2006/main" xmlns:r="http://schemas.openxmlformats.org/officeDocument/2006/relationships" xmlns:p="http://schemas.openxmlformats.org/presentationml/2006/main">
+  <p:cSld>
+    <p:spTree>
+      <p:nvGrpSpPr>
+        <p:cNvPr id="1" name=""/>
+        <p:cNvGrpSpPr/>
+        <p:nvPr/>
+      </p:nvGrpSpPr>
+      <p:grpSpPr>
+        <a:xfrm>
+          <a:off x="0" y="0"/>
+          <a:ext cx="0" cy="0"/>
+          <a:chOff x="0" y="0"/>
+          <a:chExt cx="0" cy="0"/>
+        </a:xfrm>
+      </p:grpSpPr>
+      <p:sp>
+        <p:nvSpPr>
+          <p:cNvPr id="2" name="Заголовок 1"/>
+          <p:cNvSpPr>
+            <a:spLocks noGrp="1"/>
+          </p:cNvSpPr>
+          <p:nvPr>
+            <p:ph type="title"/>
+          </p:nvPr>
+        </p:nvSpPr>
+        <p:spPr/>
+        <p:txBody>
+          <a:bodyPr/>
+          <a:lstStyle/>
+          <a:p>
+            <a:endParaRPr lang="ru-RU"/>
+          </a:p>
+        </p:txBody>
+      </p:sp>
+      <p:sp>
+        <p:nvSpPr>
+          <p:cNvPr id="3" name="Текст 2"/>
+          <p:cNvSpPr>
+            <a:spLocks noGrp="1"/>
+          </p:cNvSpPr>
+          <p:nvPr>
+            <p:ph type="body" idx="1"/>
+          </p:nvPr>
+        </p:nvSpPr>
+        <p:spPr/>
+        <p:txBody>
+          <a:bodyPr/>
+          <a:lstStyle/>
+          <a:p>
+            <a:endParaRPr lang="ru-RU"/>
+          </a:p>
+        </p:txBody>
+      </p:sp>
+    </p:spTree>
+    <p:extLst>
+      <p:ext uri="{BB962C8B-B14F-4D97-AF65-F5344CB8AC3E}">
+        <p14:creationId xmlns:p14="http://schemas.microsoft.com/office/powerpoint/2010/main" val="2584262233"/>
+      </p:ext>
+    </p:extLst>
+  </p:cSld>
+  <p:clrMapOvr>
+    <a:masterClrMapping/>
+  </p:clrMapOvr>
+  <p:timing>
+    <p:tnLst>
+      <p:par>
+        <p:cTn id="1" dur="indefinite" restart="never" nodeType="tmRoot"/>
+      </p:par>
+    </p:tnLst>
+  </p:timing>
+</p:sld>
+</file>
+
+<file path=ppt/slides/slide22.xml><?xml version="1.0" encoding="utf-8"?>
+<p:sld xmlns:a="http://schemas.openxmlformats.org/drawingml/2006/main" xmlns:r="http://schemas.openxmlformats.org/officeDocument/2006/relationships" xmlns:p="http://schemas.openxmlformats.org/presentationml/2006/main">
+  <p:cSld>
+    <p:bg>
+      <p:bgPr>
+        <a:solidFill>
+          <a:schemeClr val="bg1"/>
+        </a:solidFill>
+        <a:effectLst/>
+      </p:bgPr>
+    </p:bg>
+    <p:spTree>
+      <p:nvGrpSpPr>
+        <p:cNvPr id="1" name="Shape 212"/>
+        <p:cNvGrpSpPr/>
+        <p:nvPr/>
+      </p:nvGrpSpPr>
+      <p:grpSpPr>
+        <a:xfrm>
+          <a:off x="0" y="0"/>
+          <a:ext cx="0" cy="0"/>
+          <a:chOff x="0" y="0"/>
+          <a:chExt cx="0" cy="0"/>
+        </a:xfrm>
+      </p:grpSpPr>
+      <p:sp>
+        <p:nvSpPr>
+          <p:cNvPr id="213" name="Shape 213"/>
+          <p:cNvSpPr txBox="1">
+            <a:spLocks noGrp="1"/>
+          </p:cNvSpPr>
+          <p:nvPr>
+            <p:ph type="title"/>
+          </p:nvPr>
+        </p:nvSpPr>
+        <p:spPr>
+          <a:xfrm>
+            <a:off x="1155700" y="241300"/>
+            <a:ext cx="13931900" cy="2298699"/>
+          </a:xfrm>
+          <a:prstGeom prst="rect">
+            <a:avLst/>
+          </a:prstGeom>
+          <a:noFill/>
+          <a:ln>
+            <a:noFill/>
+          </a:ln>
+        </p:spPr>
+        <p:txBody>
+          <a:bodyPr lIns="38100" tIns="38100" rIns="38100" bIns="38100" anchor="ctr" anchorCtr="0">
+            <a:noAutofit/>
+          </a:bodyPr>
+          <a:lstStyle/>
+          <a:p>
+            <a:r>
+              <a:rPr lang="ru-RU" sz="6600" dirty="0"/>
+              <a:t>Понятие об </a:t>
+            </a:r>
+            <a:r>
+              <a:rPr lang="ru-RU" sz="6600" dirty="0" smtClean="0"/>
+              <a:t>исключении</a:t>
+            </a:r>
+            <a:endParaRPr lang="ru-RU" sz="6600" dirty="0"/>
+          </a:p>
+        </p:txBody>
+      </p:sp>
+      <p:sp>
+        <p:nvSpPr>
+          <p:cNvPr id="229" name="Shape 229"/>
+          <p:cNvSpPr txBox="1"/>
+          <p:nvPr/>
+        </p:nvSpPr>
+        <p:spPr>
+          <a:xfrm>
+            <a:off x="5038725" y="2997200"/>
+            <a:ext cx="1409700" cy="622299"/>
+          </a:xfrm>
+          <a:prstGeom prst="rect">
+            <a:avLst/>
+          </a:prstGeom>
+          <a:noFill/>
+          <a:ln>
+            <a:noFill/>
+          </a:ln>
+        </p:spPr>
+        <p:txBody>
+          <a:bodyPr lIns="0" tIns="0" rIns="0" bIns="0" anchor="ctr" anchorCtr="0">
+            <a:noAutofit/>
+          </a:bodyPr>
+          <a:lstStyle/>
+          <a:p>
+            <a:pPr marL="0" marR="0" lvl="0" indent="0" algn="ctr" rtl="0">
+              <a:lnSpc>
+                <a:spcPct val="100000"/>
+              </a:lnSpc>
+              <a:spcBef>
+                <a:spcPts val="0"/>
+              </a:spcBef>
+              <a:spcAft>
+                <a:spcPts val="0"/>
+              </a:spcAft>
+              <a:buClr>
+                <a:schemeClr val="lt1"/>
+              </a:buClr>
+              <a:buSzPct val="25000"/>
+              <a:buFont typeface="Cabin"/>
+              <a:buNone/>
+            </a:pPr>
+            <a:r>
+              <a:rPr lang="en-US" sz="3600" b="0" i="0" u="none" strike="noStrike" cap="none">
+                <a:solidFill>
+                  <a:schemeClr val="lt1"/>
+                </a:solidFill>
+                <a:latin typeface="Cabin"/>
+                <a:ea typeface="Cabin"/>
+                <a:cs typeface="Cabin"/>
+                <a:sym typeface="Cabin"/>
+              </a:rPr>
+              <a:t>hello():</a:t>
+            </a:r>
+          </a:p>
+        </p:txBody>
+      </p:sp>
+    </p:spTree>
+    <p:extLst>
+      <p:ext uri="{BB962C8B-B14F-4D97-AF65-F5344CB8AC3E}">
+        <p14:creationId xmlns:p14="http://schemas.microsoft.com/office/powerpoint/2010/main" val="1893192148"/>
+      </p:ext>
+    </p:extLst>
+  </p:cSld>
+  <p:clrMapOvr>
+    <a:masterClrMapping/>
+  </p:clrMapOvr>
+  <p:timing>
+    <p:tnLst>
+      <p:par>
+        <p:cTn id="1" dur="indefinite" restart="never" nodeType="tmRoot"/>
+      </p:par>
+    </p:tnLst>
+  </p:timing>
+</p:sld>
+</file>
+
+<file path=ppt/slides/slide23.xml><?xml version="1.0" encoding="utf-8"?>
+<p:sld xmlns:a="http://schemas.openxmlformats.org/drawingml/2006/main" xmlns:r="http://schemas.openxmlformats.org/officeDocument/2006/relationships" xmlns:p="http://schemas.openxmlformats.org/presentationml/2006/main">
+  <p:cSld>
+    <p:bg>
+      <p:bgPr>
+        <a:solidFill>
+          <a:schemeClr val="bg1"/>
+        </a:solidFill>
+        <a:effectLst/>
+      </p:bgPr>
+    </p:bg>
+    <p:spTree>
+      <p:nvGrpSpPr>
+        <p:cNvPr id="1" name="Shape 212"/>
+        <p:cNvGrpSpPr/>
+        <p:nvPr/>
+      </p:nvGrpSpPr>
+      <p:grpSpPr>
+        <a:xfrm>
+          <a:off x="0" y="0"/>
+          <a:ext cx="0" cy="0"/>
+          <a:chOff x="0" y="0"/>
+          <a:chExt cx="0" cy="0"/>
+        </a:xfrm>
+      </p:grpSpPr>
+      <p:sp>
+        <p:nvSpPr>
+          <p:cNvPr id="213" name="Shape 213"/>
+          <p:cNvSpPr txBox="1">
+            <a:spLocks noGrp="1"/>
+          </p:cNvSpPr>
+          <p:nvPr>
+            <p:ph type="title"/>
+          </p:nvPr>
+        </p:nvSpPr>
+        <p:spPr>
+          <a:xfrm>
+            <a:off x="1155700" y="241300"/>
+            <a:ext cx="13931900" cy="2298699"/>
+          </a:xfrm>
+          <a:prstGeom prst="rect">
+            <a:avLst/>
+          </a:prstGeom>
+          <a:noFill/>
+          <a:ln>
+            <a:noFill/>
+          </a:ln>
+        </p:spPr>
+        <p:txBody>
+          <a:bodyPr lIns="38100" tIns="38100" rIns="38100" bIns="38100" anchor="ctr" anchorCtr="0">
+            <a:noAutofit/>
+          </a:bodyPr>
+          <a:lstStyle/>
+          <a:p>
+            <a:r>
+              <a:rPr lang="ru-RU" sz="6600" dirty="0"/>
+              <a:t>Перехват исключения</a:t>
+            </a:r>
+          </a:p>
+        </p:txBody>
+      </p:sp>
+      <p:sp>
+        <p:nvSpPr>
+          <p:cNvPr id="229" name="Shape 229"/>
+          <p:cNvSpPr txBox="1"/>
+          <p:nvPr/>
+        </p:nvSpPr>
+        <p:spPr>
+          <a:xfrm>
+            <a:off x="5038725" y="2997200"/>
+            <a:ext cx="1409700" cy="622299"/>
+          </a:xfrm>
+          <a:prstGeom prst="rect">
+            <a:avLst/>
+          </a:prstGeom>
+          <a:noFill/>
+          <a:ln>
+            <a:noFill/>
+          </a:ln>
+        </p:spPr>
+        <p:txBody>
+          <a:bodyPr lIns="0" tIns="0" rIns="0" bIns="0" anchor="ctr" anchorCtr="0">
+            <a:noAutofit/>
+          </a:bodyPr>
+          <a:lstStyle/>
+          <a:p>
+            <a:pPr marL="0" marR="0" lvl="0" indent="0" algn="ctr" rtl="0">
+              <a:lnSpc>
+                <a:spcPct val="100000"/>
+              </a:lnSpc>
+              <a:spcBef>
+                <a:spcPts val="0"/>
+              </a:spcBef>
+              <a:spcAft>
+                <a:spcPts val="0"/>
+              </a:spcAft>
+              <a:buClr>
+                <a:schemeClr val="lt1"/>
+              </a:buClr>
+              <a:buSzPct val="25000"/>
+              <a:buFont typeface="Cabin"/>
+              <a:buNone/>
+            </a:pPr>
+            <a:r>
+              <a:rPr lang="en-US" sz="3600" b="0" i="0" u="none" strike="noStrike" cap="none">
+                <a:solidFill>
+                  <a:schemeClr val="lt1"/>
+                </a:solidFill>
+                <a:latin typeface="Cabin"/>
+                <a:ea typeface="Cabin"/>
+                <a:cs typeface="Cabin"/>
+                <a:sym typeface="Cabin"/>
+              </a:rPr>
+              <a:t>hello():</a:t>
+            </a:r>
+          </a:p>
+        </p:txBody>
+      </p:sp>
+    </p:spTree>
+    <p:extLst>
+      <p:ext uri="{BB962C8B-B14F-4D97-AF65-F5344CB8AC3E}">
+        <p14:creationId xmlns:p14="http://schemas.microsoft.com/office/powerpoint/2010/main" val="813838258"/>
+      </p:ext>
+    </p:extLst>
+  </p:cSld>
+  <p:clrMapOvr>
+    <a:masterClrMapping/>
+  </p:clrMapOvr>
+  <p:timing>
+    <p:tnLst>
+      <p:par>
+        <p:cTn id="1" dur="indefinite" restart="never" nodeType="tmRoot"/>
+      </p:par>
+    </p:tnLst>
+  </p:timing>
+</p:sld>
+</file>
+
+<file path=ppt/slides/slide24.xml><?xml version="1.0" encoding="utf-8"?>
+<p:sld xmlns:a="http://schemas.openxmlformats.org/drawingml/2006/main" xmlns:r="http://schemas.openxmlformats.org/officeDocument/2006/relationships" xmlns:p="http://schemas.openxmlformats.org/presentationml/2006/main">
+  <p:cSld>
+    <p:bg>
+      <p:bgPr>
+        <a:solidFill>
+          <a:schemeClr val="bg1"/>
+        </a:solidFill>
+        <a:effectLst/>
+      </p:bgPr>
+    </p:bg>
+    <p:spTree>
+      <p:nvGrpSpPr>
+        <p:cNvPr id="1" name="Shape 212"/>
+        <p:cNvGrpSpPr/>
+        <p:nvPr/>
+      </p:nvGrpSpPr>
+      <p:grpSpPr>
+        <a:xfrm>
+          <a:off x="0" y="0"/>
+          <a:ext cx="0" cy="0"/>
+          <a:chOff x="0" y="0"/>
+          <a:chExt cx="0" cy="0"/>
+        </a:xfrm>
+      </p:grpSpPr>
+      <p:sp>
+        <p:nvSpPr>
+          <p:cNvPr id="213" name="Shape 213"/>
+          <p:cNvSpPr txBox="1">
+            <a:spLocks noGrp="1"/>
+          </p:cNvSpPr>
+          <p:nvPr>
+            <p:ph type="title"/>
+          </p:nvPr>
+        </p:nvSpPr>
+        <p:spPr>
+          <a:xfrm>
+            <a:off x="1155700" y="241300"/>
+            <a:ext cx="13931900" cy="2298699"/>
+          </a:xfrm>
+          <a:prstGeom prst="rect">
+            <a:avLst/>
+          </a:prstGeom>
+          <a:noFill/>
+          <a:ln>
+            <a:noFill/>
+          </a:ln>
+        </p:spPr>
+        <p:txBody>
+          <a:bodyPr lIns="38100" tIns="38100" rIns="38100" bIns="38100" anchor="ctr" anchorCtr="0">
+            <a:noAutofit/>
+          </a:bodyPr>
+          <a:lstStyle/>
+          <a:p>
+            <a:r>
+              <a:rPr lang="ru-RU" sz="6600" dirty="0"/>
+              <a:t>Выброс </a:t>
+            </a:r>
+            <a:r>
+              <a:rPr lang="ru-RU" sz="6600" dirty="0" smtClean="0"/>
+              <a:t>исключения</a:t>
+            </a:r>
+            <a:endParaRPr lang="ru-RU" sz="6600" dirty="0"/>
+          </a:p>
+        </p:txBody>
+      </p:sp>
+      <p:sp>
+        <p:nvSpPr>
+          <p:cNvPr id="229" name="Shape 229"/>
+          <p:cNvSpPr txBox="1"/>
+          <p:nvPr/>
+        </p:nvSpPr>
+        <p:spPr>
+          <a:xfrm>
+            <a:off x="5038725" y="2997200"/>
+            <a:ext cx="1409700" cy="622299"/>
+          </a:xfrm>
+          <a:prstGeom prst="rect">
+            <a:avLst/>
+          </a:prstGeom>
+          <a:noFill/>
+          <a:ln>
+            <a:noFill/>
+          </a:ln>
+        </p:spPr>
+        <p:txBody>
+          <a:bodyPr lIns="0" tIns="0" rIns="0" bIns="0" anchor="ctr" anchorCtr="0">
+            <a:noAutofit/>
+          </a:bodyPr>
+          <a:lstStyle/>
+          <a:p>
+            <a:pPr marL="0" marR="0" lvl="0" indent="0" algn="ctr" rtl="0">
+              <a:lnSpc>
+                <a:spcPct val="100000"/>
+              </a:lnSpc>
+              <a:spcBef>
+                <a:spcPts val="0"/>
+              </a:spcBef>
+              <a:spcAft>
+                <a:spcPts val="0"/>
+              </a:spcAft>
+              <a:buClr>
+                <a:schemeClr val="lt1"/>
+              </a:buClr>
+              <a:buSzPct val="25000"/>
+              <a:buFont typeface="Cabin"/>
+              <a:buNone/>
+            </a:pPr>
+            <a:r>
+              <a:rPr lang="en-US" sz="3600" b="0" i="0" u="none" strike="noStrike" cap="none">
+                <a:solidFill>
+                  <a:schemeClr val="lt1"/>
+                </a:solidFill>
+                <a:latin typeface="Cabin"/>
+                <a:ea typeface="Cabin"/>
+                <a:cs typeface="Cabin"/>
+                <a:sym typeface="Cabin"/>
+              </a:rPr>
+              <a:t>hello():</a:t>
+            </a:r>
+          </a:p>
+        </p:txBody>
+      </p:sp>
+    </p:spTree>
+    <p:extLst>
+      <p:ext uri="{BB962C8B-B14F-4D97-AF65-F5344CB8AC3E}">
+        <p14:creationId xmlns:p14="http://schemas.microsoft.com/office/powerpoint/2010/main" val="1928126494"/>
+      </p:ext>
+    </p:extLst>
+  </p:cSld>
+  <p:clrMapOvr>
+    <a:masterClrMapping/>
+  </p:clrMapOvr>
+  <p:timing>
+    <p:tnLst>
+      <p:par>
+        <p:cTn id="1" dur="indefinite" restart="never" nodeType="tmRoot"/>
+      </p:par>
+    </p:tnLst>
+  </p:timing>
+</p:sld>
+</file>
+
+<file path=ppt/slides/slide25.xml><?xml version="1.0" encoding="utf-8"?>
 <p:sld xmlns:a="http://schemas.openxmlformats.org/drawingml/2006/main" xmlns:r="http://schemas.openxmlformats.org/officeDocument/2006/relationships" xmlns:p="http://schemas.openxmlformats.org/presentationml/2006/main">
   <p:cSld>
     <p:bg>
@@ -18325,19 +24433,7 @@
                 <a:cs typeface="Cabin"/>
                 <a:sym typeface="Cabin"/>
               </a:rPr>
-              <a:t>Исключени</a:t>
-            </a:r>
-            <a:r>
-              <a:rPr lang="ru-RU" sz="4800" dirty="0" smtClean="0">
-                <a:solidFill>
-                  <a:srgbClr val="00B0F0"/>
-                </a:solidFill>
-                <a:latin typeface="Cabin"/>
-                <a:ea typeface="Cabin"/>
-                <a:cs typeface="Cabin"/>
-                <a:sym typeface="Cabin"/>
-              </a:rPr>
-              <a:t>е</a:t>
+              <a:t>Исключение</a:t>
             </a:r>
             <a:r>
               <a:rPr lang="ru-RU" sz="4800" dirty="0" smtClean="0">
@@ -18817,8 +24913,8 @@
         </p:nvSpPr>
         <p:spPr>
           <a:xfrm>
-            <a:off x="3657600" y="640962"/>
-            <a:ext cx="8182708" cy="660300"/>
+            <a:off x="2796936" y="628781"/>
+            <a:ext cx="10493829" cy="660300"/>
           </a:xfrm>
           <a:prstGeom prst="rect">
             <a:avLst/>
@@ -18842,7 +24938,7 @@
               <a:defRPr/>
             </a:pPr>
             <a:r>
-              <a:rPr lang="ru-RU" sz="4800" dirty="0">
+              <a:rPr lang="ru-RU" sz="4800" dirty="0" smtClean="0">
                 <a:solidFill>
                   <a:schemeClr val="bg2"/>
                 </a:solidFill>
@@ -18851,7 +24947,7 @@
                 <a:cs typeface="Cabin"/>
                 <a:sym typeface="Cabin"/>
               </a:rPr>
-              <a:t>Обработка исключений</a:t>
+              <a:t>Перехватывание исключений</a:t>
             </a:r>
             <a:endParaRPr kumimoji="0" lang="en-US" sz="4800" b="0" i="0" u="none" strike="noStrike" kern="0" cap="none" spc="0" normalizeH="0" baseline="0" noProof="0" dirty="0">
               <a:ln>
@@ -18879,8 +24975,8 @@
         </p:nvSpPr>
         <p:spPr>
           <a:xfrm>
-            <a:off x="945040" y="1571453"/>
-            <a:ext cx="14197623" cy="1200329"/>
+            <a:off x="945038" y="1894618"/>
+            <a:ext cx="14197623" cy="646331"/>
           </a:xfrm>
           <a:prstGeom prst="rect">
             <a:avLst/>
@@ -18895,7 +24991,11 @@
           <a:p>
             <a:r>
               <a:rPr lang="ru-RU" sz="3600" dirty="0"/>
-              <a:t>Существует возможность </a:t>
+              <a:t>Существует </a:t>
+            </a:r>
+            <a:r>
+              <a:rPr lang="ru-RU" sz="3600" dirty="0" smtClean="0"/>
+              <a:t>необходимость </a:t>
             </a:r>
             <a:r>
               <a:rPr lang="ru-RU" sz="3600" dirty="0" smtClean="0">
@@ -18907,42 +25007,365 @@
             </a:r>
             <a:r>
               <a:rPr lang="ru-RU" sz="3600" dirty="0" smtClean="0"/>
-              <a:t> исключения при помощи конструкции </a:t>
+              <a:t> исключения</a:t>
             </a:r>
-            <a:r>
-              <a:rPr lang="en-US" sz="3600" dirty="0" smtClean="0">
+            <a:endParaRPr lang="ru-RU" sz="3600" dirty="0" smtClean="0">
+              <a:latin typeface="Courier New" panose="02070309020205020404" pitchFamily="49" charset="0"/>
+              <a:cs typeface="Courier New" panose="02070309020205020404" pitchFamily="49" charset="0"/>
+            </a:endParaRPr>
+          </a:p>
+        </p:txBody>
+      </p:sp>
+      <p:pic>
+        <p:nvPicPr>
+          <p:cNvPr id="1031" name="Picture 7"/>
+          <p:cNvPicPr>
+            <a:picLocks noChangeAspect="1" noChangeArrowheads="1"/>
+          </p:cNvPicPr>
+          <p:nvPr/>
+        </p:nvPicPr>
+        <p:blipFill>
+          <a:blip r:embed="rId3">
+            <a:extLst>
+              <a:ext uri="{28A0092B-C50C-407E-A947-70E740481C1C}">
+                <a14:useLocalDpi xmlns:a14="http://schemas.microsoft.com/office/drawing/2010/main" val="0"/>
+              </a:ext>
+            </a:extLst>
+          </a:blip>
+          <a:srcRect/>
+          <a:stretch>
+            <a:fillRect/>
+          </a:stretch>
+        </p:blipFill>
+        <p:spPr bwMode="auto">
+          <a:xfrm>
+            <a:off x="10630216" y="3328470"/>
+            <a:ext cx="4319036" cy="1059763"/>
+          </a:xfrm>
+          <a:prstGeom prst="rect">
+            <a:avLst/>
+          </a:prstGeom>
+          <a:noFill/>
+          <a:ln>
+            <a:noFill/>
+          </a:ln>
+          <a:effectLst/>
+          <a:extLst>
+            <a:ext uri="{909E8E84-426E-40DD-AFC4-6F175D3DCCD1}">
+              <a14:hiddenFill xmlns:a14="http://schemas.microsoft.com/office/drawing/2010/main">
                 <a:solidFill>
-                  <a:srgbClr val="00B050"/>
+                  <a:schemeClr val="accent1"/>
                 </a:solidFill>
-                <a:latin typeface="Courier New" panose="02070309020205020404" pitchFamily="49" charset="0"/>
-                <a:cs typeface="Courier New" panose="02070309020205020404" pitchFamily="49" charset="0"/>
-              </a:rPr>
-              <a:t>try</a:t>
-            </a:r>
-            <a:r>
-              <a:rPr lang="en-US" sz="3600" dirty="0" smtClean="0">
-                <a:latin typeface="Courier New" panose="02070309020205020404" pitchFamily="49" charset="0"/>
-                <a:cs typeface="Courier New" panose="02070309020205020404" pitchFamily="49" charset="0"/>
-              </a:rPr>
-              <a:t>… </a:t>
-            </a:r>
-            <a:r>
-              <a:rPr lang="en-US" sz="3600" dirty="0" smtClean="0">
+              </a14:hiddenFill>
+            </a:ext>
+            <a:ext uri="{91240B29-F687-4F45-9708-019B960494DF}">
+              <a14:hiddenLine xmlns:a14="http://schemas.microsoft.com/office/drawing/2010/main" w="9525">
                 <a:solidFill>
-                  <a:srgbClr val="00B050"/>
+                  <a:schemeClr val="tx1"/>
                 </a:solidFill>
-                <a:latin typeface="Courier New" panose="02070309020205020404" pitchFamily="49" charset="0"/>
-                <a:cs typeface="Courier New" panose="02070309020205020404" pitchFamily="49" charset="0"/>
-              </a:rPr>
-              <a:t>exception</a:t>
-            </a:r>
-            <a:r>
-              <a:rPr lang="ru-RU" sz="3600" dirty="0" smtClean="0">
-                <a:latin typeface="Courier New" panose="02070309020205020404" pitchFamily="49" charset="0"/>
-                <a:cs typeface="Courier New" panose="02070309020205020404" pitchFamily="49" charset="0"/>
-              </a:rPr>
-              <a:t> </a:t>
-            </a:r>
+                <a:miter lim="800000"/>
+                <a:headEnd/>
+                <a:tailEnd/>
+              </a14:hiddenLine>
+            </a:ext>
+            <a:ext uri="{AF507438-7753-43E0-B8FC-AC1667EBCBE1}">
+              <a14:hiddenEffects xmlns:a14="http://schemas.microsoft.com/office/drawing/2010/main">
+                <a:effectLst>
+                  <a:outerShdw dist="35921" dir="2700000" algn="ctr" rotWithShape="0">
+                    <a:schemeClr val="bg2"/>
+                  </a:outerShdw>
+                </a:effectLst>
+              </a14:hiddenEffects>
+            </a:ext>
+          </a:extLst>
+        </p:spPr>
+      </p:pic>
+      <p:pic>
+        <p:nvPicPr>
+          <p:cNvPr id="1032" name="Picture 8"/>
+          <p:cNvPicPr>
+            <a:picLocks noChangeAspect="1" noChangeArrowheads="1"/>
+          </p:cNvPicPr>
+          <p:nvPr/>
+        </p:nvPicPr>
+        <p:blipFill rotWithShape="1">
+          <a:blip r:embed="rId4">
+            <a:extLst>
+              <a:ext uri="{28A0092B-C50C-407E-A947-70E740481C1C}">
+                <a14:useLocalDpi xmlns:a14="http://schemas.microsoft.com/office/drawing/2010/main" val="0"/>
+              </a:ext>
+            </a:extLst>
+          </a:blip>
+          <a:srcRect t="1706" b="81023"/>
+          <a:stretch/>
+        </p:blipFill>
+        <p:spPr bwMode="auto">
+          <a:xfrm>
+            <a:off x="1348488" y="4257675"/>
+            <a:ext cx="12224346" cy="735239"/>
+          </a:xfrm>
+          <a:prstGeom prst="rect">
+            <a:avLst/>
+          </a:prstGeom>
+          <a:noFill/>
+          <a:ln>
+            <a:noFill/>
+          </a:ln>
+          <a:effectLst/>
+          <a:extLst>
+            <a:ext uri="{909E8E84-426E-40DD-AFC4-6F175D3DCCD1}">
+              <a14:hiddenFill xmlns:a14="http://schemas.microsoft.com/office/drawing/2010/main">
+                <a:solidFill>
+                  <a:schemeClr val="accent1"/>
+                </a:solidFill>
+              </a14:hiddenFill>
+            </a:ext>
+            <a:ext uri="{91240B29-F687-4F45-9708-019B960494DF}">
+              <a14:hiddenLine xmlns:a14="http://schemas.microsoft.com/office/drawing/2010/main" w="9525">
+                <a:solidFill>
+                  <a:schemeClr val="tx1"/>
+                </a:solidFill>
+                <a:miter lim="800000"/>
+                <a:headEnd/>
+                <a:tailEnd/>
+              </a14:hiddenLine>
+            </a:ext>
+            <a:ext uri="{AF507438-7753-43E0-B8FC-AC1667EBCBE1}">
+              <a14:hiddenEffects xmlns:a14="http://schemas.microsoft.com/office/drawing/2010/main">
+                <a:effectLst>
+                  <a:outerShdw dist="35921" dir="2700000" algn="ctr" rotWithShape="0">
+                    <a:schemeClr val="bg2"/>
+                  </a:outerShdw>
+                </a:effectLst>
+              </a14:hiddenEffects>
+            </a:ext>
+          </a:extLst>
+        </p:spPr>
+      </p:pic>
+      <p:pic>
+        <p:nvPicPr>
+          <p:cNvPr id="14" name="Picture 8"/>
+          <p:cNvPicPr>
+            <a:picLocks noChangeAspect="1" noChangeArrowheads="1"/>
+          </p:cNvPicPr>
+          <p:nvPr/>
+        </p:nvPicPr>
+        <p:blipFill rotWithShape="1">
+          <a:blip r:embed="rId4">
+            <a:extLst>
+              <a:ext uri="{28A0092B-C50C-407E-A947-70E740481C1C}">
+                <a14:useLocalDpi xmlns:a14="http://schemas.microsoft.com/office/drawing/2010/main" val="0"/>
+              </a:ext>
+            </a:extLst>
+          </a:blip>
+          <a:srcRect t="19180" b="63347"/>
+          <a:stretch/>
+        </p:blipFill>
+        <p:spPr bwMode="auto">
+          <a:xfrm>
+            <a:off x="1348488" y="4992914"/>
+            <a:ext cx="12224346" cy="743858"/>
+          </a:xfrm>
+          <a:prstGeom prst="rect">
+            <a:avLst/>
+          </a:prstGeom>
+          <a:noFill/>
+          <a:ln>
+            <a:noFill/>
+          </a:ln>
+          <a:effectLst/>
+          <a:extLst>
+            <a:ext uri="{909E8E84-426E-40DD-AFC4-6F175D3DCCD1}">
+              <a14:hiddenFill xmlns:a14="http://schemas.microsoft.com/office/drawing/2010/main">
+                <a:solidFill>
+                  <a:schemeClr val="accent1"/>
+                </a:solidFill>
+              </a14:hiddenFill>
+            </a:ext>
+            <a:ext uri="{91240B29-F687-4F45-9708-019B960494DF}">
+              <a14:hiddenLine xmlns:a14="http://schemas.microsoft.com/office/drawing/2010/main" w="9525">
+                <a:solidFill>
+                  <a:schemeClr val="tx1"/>
+                </a:solidFill>
+                <a:miter lim="800000"/>
+                <a:headEnd/>
+                <a:tailEnd/>
+              </a14:hiddenLine>
+            </a:ext>
+            <a:ext uri="{AF507438-7753-43E0-B8FC-AC1667EBCBE1}">
+              <a14:hiddenEffects xmlns:a14="http://schemas.microsoft.com/office/drawing/2010/main">
+                <a:effectLst>
+                  <a:outerShdw dist="35921" dir="2700000" algn="ctr" rotWithShape="0">
+                    <a:schemeClr val="bg2"/>
+                  </a:outerShdw>
+                </a:effectLst>
+              </a14:hiddenEffects>
+            </a:ext>
+          </a:extLst>
+        </p:spPr>
+      </p:pic>
+      <p:pic>
+        <p:nvPicPr>
+          <p:cNvPr id="15" name="Picture 8"/>
+          <p:cNvPicPr>
+            <a:picLocks noChangeAspect="1" noChangeArrowheads="1"/>
+          </p:cNvPicPr>
+          <p:nvPr/>
+        </p:nvPicPr>
+        <p:blipFill rotWithShape="1">
+          <a:blip r:embed="rId4">
+            <a:extLst>
+              <a:ext uri="{28A0092B-C50C-407E-A947-70E740481C1C}">
+                <a14:useLocalDpi xmlns:a14="http://schemas.microsoft.com/office/drawing/2010/main" val="0"/>
+              </a:ext>
+            </a:extLst>
+          </a:blip>
+          <a:srcRect t="36824" b="54397"/>
+          <a:stretch/>
+        </p:blipFill>
+        <p:spPr bwMode="auto">
+          <a:xfrm>
+            <a:off x="1348488" y="5736772"/>
+            <a:ext cx="12224346" cy="373742"/>
+          </a:xfrm>
+          <a:prstGeom prst="rect">
+            <a:avLst/>
+          </a:prstGeom>
+          <a:noFill/>
+          <a:ln>
+            <a:noFill/>
+          </a:ln>
+          <a:effectLst/>
+          <a:extLst>
+            <a:ext uri="{909E8E84-426E-40DD-AFC4-6F175D3DCCD1}">
+              <a14:hiddenFill xmlns:a14="http://schemas.microsoft.com/office/drawing/2010/main">
+                <a:solidFill>
+                  <a:schemeClr val="accent1"/>
+                </a:solidFill>
+              </a14:hiddenFill>
+            </a:ext>
+            <a:ext uri="{91240B29-F687-4F45-9708-019B960494DF}">
+              <a14:hiddenLine xmlns:a14="http://schemas.microsoft.com/office/drawing/2010/main" w="9525">
+                <a:solidFill>
+                  <a:schemeClr val="tx1"/>
+                </a:solidFill>
+                <a:miter lim="800000"/>
+                <a:headEnd/>
+                <a:tailEnd/>
+              </a14:hiddenLine>
+            </a:ext>
+            <a:ext uri="{AF507438-7753-43E0-B8FC-AC1667EBCBE1}">
+              <a14:hiddenEffects xmlns:a14="http://schemas.microsoft.com/office/drawing/2010/main">
+                <a:effectLst>
+                  <a:outerShdw dist="35921" dir="2700000" algn="ctr" rotWithShape="0">
+                    <a:schemeClr val="bg2"/>
+                  </a:outerShdw>
+                </a:effectLst>
+              </a14:hiddenEffects>
+            </a:ext>
+          </a:extLst>
+        </p:spPr>
+      </p:pic>
+      <p:pic>
+        <p:nvPicPr>
+          <p:cNvPr id="17" name="Picture 8"/>
+          <p:cNvPicPr>
+            <a:picLocks noChangeAspect="1" noChangeArrowheads="1"/>
+          </p:cNvPicPr>
+          <p:nvPr/>
+        </p:nvPicPr>
+        <p:blipFill rotWithShape="1">
+          <a:blip r:embed="rId4">
+            <a:extLst>
+              <a:ext uri="{28A0092B-C50C-407E-A947-70E740481C1C}">
+                <a14:useLocalDpi xmlns:a14="http://schemas.microsoft.com/office/drawing/2010/main" val="0"/>
+              </a:ext>
+            </a:extLst>
+          </a:blip>
+          <a:srcRect t="46800" b="356"/>
+          <a:stretch/>
+        </p:blipFill>
+        <p:spPr bwMode="auto">
+          <a:xfrm>
+            <a:off x="1348488" y="6110514"/>
+            <a:ext cx="12224346" cy="2249714"/>
+          </a:xfrm>
+          <a:prstGeom prst="rect">
+            <a:avLst/>
+          </a:prstGeom>
+          <a:noFill/>
+          <a:ln>
+            <a:noFill/>
+          </a:ln>
+          <a:effectLst/>
+          <a:extLst>
+            <a:ext uri="{909E8E84-426E-40DD-AFC4-6F175D3DCCD1}">
+              <a14:hiddenFill xmlns:a14="http://schemas.microsoft.com/office/drawing/2010/main">
+                <a:solidFill>
+                  <a:schemeClr val="accent1"/>
+                </a:solidFill>
+              </a14:hiddenFill>
+            </a:ext>
+            <a:ext uri="{91240B29-F687-4F45-9708-019B960494DF}">
+              <a14:hiddenLine xmlns:a14="http://schemas.microsoft.com/office/drawing/2010/main" w="9525">
+                <a:solidFill>
+                  <a:schemeClr val="tx1"/>
+                </a:solidFill>
+                <a:miter lim="800000"/>
+                <a:headEnd/>
+                <a:tailEnd/>
+              </a14:hiddenLine>
+            </a:ext>
+            <a:ext uri="{AF507438-7753-43E0-B8FC-AC1667EBCBE1}">
+              <a14:hiddenEffects xmlns:a14="http://schemas.microsoft.com/office/drawing/2010/main">
+                <a:effectLst>
+                  <a:outerShdw dist="35921" dir="2700000" algn="ctr" rotWithShape="0">
+                    <a:schemeClr val="bg2"/>
+                  </a:outerShdw>
+                </a:effectLst>
+              </a14:hiddenEffects>
+            </a:ext>
+          </a:extLst>
+        </p:spPr>
+      </p:pic>
+      <p:sp>
+        <p:nvSpPr>
+          <p:cNvPr id="3" name="Прямоугольник 2"/>
+          <p:cNvSpPr/>
+          <p:nvPr/>
+        </p:nvSpPr>
+        <p:spPr>
+          <a:xfrm>
+            <a:off x="10276114" y="3105988"/>
+            <a:ext cx="5181600" cy="1504723"/>
+          </a:xfrm>
+          <a:prstGeom prst="rect">
+            <a:avLst/>
+          </a:prstGeom>
+          <a:noFill/>
+        </p:spPr>
+        <p:style>
+          <a:lnRef idx="2">
+            <a:schemeClr val="accent1">
+              <a:shade val="50000"/>
+            </a:schemeClr>
+          </a:lnRef>
+          <a:fillRef idx="1">
+            <a:schemeClr val="accent1"/>
+          </a:fillRef>
+          <a:effectRef idx="0">
+            <a:schemeClr val="accent1"/>
+          </a:effectRef>
+          <a:fontRef idx="minor">
+            <a:schemeClr val="lt1"/>
+          </a:fontRef>
+        </p:style>
+        <p:txBody>
+          <a:bodyPr rtlCol="0" anchor="ctr"/>
+          <a:lstStyle/>
+          <a:p>
+            <a:pPr algn="ctr"/>
+            <a:endParaRPr lang="ru-RU"/>
           </a:p>
         </p:txBody>
       </p:sp>
@@ -18959,9 +25382,305 @@
   <p:timing>
     <p:tnLst>
       <p:par>
-        <p:cTn id="1" dur="indefinite" restart="never" nodeType="tmRoot"/>
+        <p:cTn id="1" dur="indefinite" restart="never" nodeType="tmRoot">
+          <p:childTnLst>
+            <p:seq concurrent="1" nextAc="seek">
+              <p:cTn id="2" dur="indefinite" nodeType="mainSeq">
+                <p:childTnLst>
+                  <p:par>
+                    <p:cTn id="3" fill="hold">
+                      <p:stCondLst>
+                        <p:cond delay="indefinite"/>
+                      </p:stCondLst>
+                      <p:childTnLst>
+                        <p:par>
+                          <p:cTn id="4" fill="hold">
+                            <p:stCondLst>
+                              <p:cond delay="0"/>
+                            </p:stCondLst>
+                            <p:childTnLst>
+                              <p:par>
+                                <p:cTn id="5" presetID="1" presetClass="entr" presetSubtype="0" fill="hold" grpId="0" nodeType="clickEffect">
+                                  <p:stCondLst>
+                                    <p:cond delay="0"/>
+                                  </p:stCondLst>
+                                  <p:childTnLst>
+                                    <p:set>
+                                      <p:cBhvr>
+                                        <p:cTn id="6" dur="1" fill="hold">
+                                          <p:stCondLst>
+                                            <p:cond delay="0"/>
+                                          </p:stCondLst>
+                                        </p:cTn>
+                                        <p:tgtEl>
+                                          <p:spTgt spid="2"/>
+                                        </p:tgtEl>
+                                        <p:attrNameLst>
+                                          <p:attrName>style.visibility</p:attrName>
+                                        </p:attrNameLst>
+                                      </p:cBhvr>
+                                      <p:to>
+                                        <p:strVal val="visible"/>
+                                      </p:to>
+                                    </p:set>
+                                  </p:childTnLst>
+                                </p:cTn>
+                              </p:par>
+                            </p:childTnLst>
+                          </p:cTn>
+                        </p:par>
+                      </p:childTnLst>
+                    </p:cTn>
+                  </p:par>
+                  <p:par>
+                    <p:cTn id="7" fill="hold">
+                      <p:stCondLst>
+                        <p:cond delay="indefinite"/>
+                      </p:stCondLst>
+                      <p:childTnLst>
+                        <p:par>
+                          <p:cTn id="8" fill="hold">
+                            <p:stCondLst>
+                              <p:cond delay="0"/>
+                            </p:stCondLst>
+                            <p:childTnLst>
+                              <p:par>
+                                <p:cTn id="9" presetID="1" presetClass="entr" presetSubtype="0" fill="hold" nodeType="clickEffect">
+                                  <p:stCondLst>
+                                    <p:cond delay="0"/>
+                                  </p:stCondLst>
+                                  <p:childTnLst>
+                                    <p:set>
+                                      <p:cBhvr>
+                                        <p:cTn id="10" dur="1" fill="hold">
+                                          <p:stCondLst>
+                                            <p:cond delay="0"/>
+                                          </p:stCondLst>
+                                        </p:cTn>
+                                        <p:tgtEl>
+                                          <p:spTgt spid="1031"/>
+                                        </p:tgtEl>
+                                        <p:attrNameLst>
+                                          <p:attrName>style.visibility</p:attrName>
+                                        </p:attrNameLst>
+                                      </p:cBhvr>
+                                      <p:to>
+                                        <p:strVal val="visible"/>
+                                      </p:to>
+                                    </p:set>
+                                  </p:childTnLst>
+                                </p:cTn>
+                              </p:par>
+                            </p:childTnLst>
+                          </p:cTn>
+                        </p:par>
+                      </p:childTnLst>
+                    </p:cTn>
+                  </p:par>
+                  <p:par>
+                    <p:cTn id="11" fill="hold">
+                      <p:stCondLst>
+                        <p:cond delay="indefinite"/>
+                      </p:stCondLst>
+                      <p:childTnLst>
+                        <p:par>
+                          <p:cTn id="12" fill="hold">
+                            <p:stCondLst>
+                              <p:cond delay="0"/>
+                            </p:stCondLst>
+                            <p:childTnLst>
+                              <p:par>
+                                <p:cTn id="13" presetID="1" presetClass="entr" presetSubtype="0" fill="hold" nodeType="clickEffect">
+                                  <p:stCondLst>
+                                    <p:cond delay="0"/>
+                                  </p:stCondLst>
+                                  <p:childTnLst>
+                                    <p:set>
+                                      <p:cBhvr>
+                                        <p:cTn id="14" dur="1" fill="hold">
+                                          <p:stCondLst>
+                                            <p:cond delay="0"/>
+                                          </p:stCondLst>
+                                        </p:cTn>
+                                        <p:tgtEl>
+                                          <p:spTgt spid="1032"/>
+                                        </p:tgtEl>
+                                        <p:attrNameLst>
+                                          <p:attrName>style.visibility</p:attrName>
+                                        </p:attrNameLst>
+                                      </p:cBhvr>
+                                      <p:to>
+                                        <p:strVal val="visible"/>
+                                      </p:to>
+                                    </p:set>
+                                  </p:childTnLst>
+                                </p:cTn>
+                              </p:par>
+                            </p:childTnLst>
+                          </p:cTn>
+                        </p:par>
+                      </p:childTnLst>
+                    </p:cTn>
+                  </p:par>
+                  <p:par>
+                    <p:cTn id="15" fill="hold">
+                      <p:stCondLst>
+                        <p:cond delay="indefinite"/>
+                      </p:stCondLst>
+                      <p:childTnLst>
+                        <p:par>
+                          <p:cTn id="16" fill="hold">
+                            <p:stCondLst>
+                              <p:cond delay="0"/>
+                            </p:stCondLst>
+                            <p:childTnLst>
+                              <p:par>
+                                <p:cTn id="17" presetID="1" presetClass="entr" presetSubtype="0" fill="hold" nodeType="clickEffect">
+                                  <p:stCondLst>
+                                    <p:cond delay="0"/>
+                                  </p:stCondLst>
+                                  <p:childTnLst>
+                                    <p:set>
+                                      <p:cBhvr>
+                                        <p:cTn id="18" dur="1" fill="hold">
+                                          <p:stCondLst>
+                                            <p:cond delay="0"/>
+                                          </p:stCondLst>
+                                        </p:cTn>
+                                        <p:tgtEl>
+                                          <p:spTgt spid="14"/>
+                                        </p:tgtEl>
+                                        <p:attrNameLst>
+                                          <p:attrName>style.visibility</p:attrName>
+                                        </p:attrNameLst>
+                                      </p:cBhvr>
+                                      <p:to>
+                                        <p:strVal val="visible"/>
+                                      </p:to>
+                                    </p:set>
+                                  </p:childTnLst>
+                                </p:cTn>
+                              </p:par>
+                            </p:childTnLst>
+                          </p:cTn>
+                        </p:par>
+                      </p:childTnLst>
+                    </p:cTn>
+                  </p:par>
+                  <p:par>
+                    <p:cTn id="19" fill="hold">
+                      <p:stCondLst>
+                        <p:cond delay="indefinite"/>
+                      </p:stCondLst>
+                      <p:childTnLst>
+                        <p:par>
+                          <p:cTn id="20" fill="hold">
+                            <p:stCondLst>
+                              <p:cond delay="0"/>
+                            </p:stCondLst>
+                            <p:childTnLst>
+                              <p:par>
+                                <p:cTn id="21" presetID="1" presetClass="entr" presetSubtype="0" fill="hold" nodeType="clickEffect">
+                                  <p:stCondLst>
+                                    <p:cond delay="0"/>
+                                  </p:stCondLst>
+                                  <p:childTnLst>
+                                    <p:set>
+                                      <p:cBhvr>
+                                        <p:cTn id="22" dur="1" fill="hold">
+                                          <p:stCondLst>
+                                            <p:cond delay="0"/>
+                                          </p:stCondLst>
+                                        </p:cTn>
+                                        <p:tgtEl>
+                                          <p:spTgt spid="15"/>
+                                        </p:tgtEl>
+                                        <p:attrNameLst>
+                                          <p:attrName>style.visibility</p:attrName>
+                                        </p:attrNameLst>
+                                      </p:cBhvr>
+                                      <p:to>
+                                        <p:strVal val="visible"/>
+                                      </p:to>
+                                    </p:set>
+                                  </p:childTnLst>
+                                </p:cTn>
+                              </p:par>
+                            </p:childTnLst>
+                          </p:cTn>
+                        </p:par>
+                      </p:childTnLst>
+                    </p:cTn>
+                  </p:par>
+                  <p:par>
+                    <p:cTn id="23" fill="hold">
+                      <p:stCondLst>
+                        <p:cond delay="indefinite"/>
+                      </p:stCondLst>
+                      <p:childTnLst>
+                        <p:par>
+                          <p:cTn id="24" fill="hold">
+                            <p:stCondLst>
+                              <p:cond delay="0"/>
+                            </p:stCondLst>
+                            <p:childTnLst>
+                              <p:par>
+                                <p:cTn id="25" presetID="1" presetClass="entr" presetSubtype="0" fill="hold" nodeType="clickEffect">
+                                  <p:stCondLst>
+                                    <p:cond delay="0"/>
+                                  </p:stCondLst>
+                                  <p:childTnLst>
+                                    <p:set>
+                                      <p:cBhvr>
+                                        <p:cTn id="26" dur="1" fill="hold">
+                                          <p:stCondLst>
+                                            <p:cond delay="0"/>
+                                          </p:stCondLst>
+                                        </p:cTn>
+                                        <p:tgtEl>
+                                          <p:spTgt spid="17"/>
+                                        </p:tgtEl>
+                                        <p:attrNameLst>
+                                          <p:attrName>style.visibility</p:attrName>
+                                        </p:attrNameLst>
+                                      </p:cBhvr>
+                                      <p:to>
+                                        <p:strVal val="visible"/>
+                                      </p:to>
+                                    </p:set>
+                                  </p:childTnLst>
+                                </p:cTn>
+                              </p:par>
+                            </p:childTnLst>
+                          </p:cTn>
+                        </p:par>
+                      </p:childTnLst>
+                    </p:cTn>
+                  </p:par>
+                </p:childTnLst>
+              </p:cTn>
+              <p:prevCondLst>
+                <p:cond evt="onPrev" delay="0">
+                  <p:tgtEl>
+                    <p:sldTgt/>
+                  </p:tgtEl>
+                </p:cond>
+              </p:prevCondLst>
+              <p:nextCondLst>
+                <p:cond evt="onNext" delay="0">
+                  <p:tgtEl>
+                    <p:sldTgt/>
+                  </p:tgtEl>
+                </p:cond>
+              </p:nextCondLst>
+            </p:seq>
+          </p:childTnLst>
+        </p:cTn>
       </p:par>
     </p:tnLst>
+    <p:bldLst>
+      <p:bldP spid="2" grpId="0"/>
+    </p:bldLst>
   </p:timing>
 </p:sld>
 </file>
@@ -19033,7 +25752,7 @@
                 <a:cs typeface="Cabin"/>
                 <a:sym typeface="Cabin"/>
               </a:rPr>
-              <a:t>Порождение исключений</a:t>
+              <a:t>Обработка исключений</a:t>
             </a:r>
             <a:endParaRPr kumimoji="0" lang="en-US" sz="4800" b="0" i="0" u="none" strike="noStrike" kern="0" cap="none" spc="0" normalizeH="0" baseline="0" noProof="0" dirty="0">
               <a:ln>
@@ -19076,25 +25795,619 @@
           <a:lstStyle/>
           <a:p>
             <a:r>
-              <a:rPr lang="ru-RU" sz="3600" dirty="0"/>
-              <a:t>Оператор </a:t>
+              <a:rPr lang="ru-RU" sz="3600" dirty="0" smtClean="0"/>
+              <a:t>Для </a:t>
             </a:r>
             <a:r>
-              <a:rPr lang="ru-RU" sz="3600" dirty="0" err="1"/>
-              <a:t>raise</a:t>
+              <a:rPr lang="ru-RU" sz="3600" dirty="0" smtClean="0">
+                <a:solidFill>
+                  <a:srgbClr val="00B0F0"/>
+                </a:solidFill>
+              </a:rPr>
+              <a:t>перехватывания</a:t>
             </a:r>
             <a:r>
-              <a:rPr lang="ru-RU" sz="3600" dirty="0"/>
-              <a:t> позволяет программисту принудительно породить исключение. Например:</a:t>
+              <a:rPr lang="ru-RU" sz="3600" dirty="0" smtClean="0"/>
+              <a:t> исключений используется конструкция </a:t>
             </a:r>
-            <a:endParaRPr lang="ru-RU" sz="3600" dirty="0" smtClean="0"/>
+            <a:r>
+              <a:rPr lang="en-US" sz="3600" dirty="0" smtClean="0">
+                <a:solidFill>
+                  <a:srgbClr val="00B050"/>
+                </a:solidFill>
+                <a:latin typeface="Courier New" panose="02070309020205020404" pitchFamily="49" charset="0"/>
+                <a:cs typeface="Courier New" panose="02070309020205020404" pitchFamily="49" charset="0"/>
+              </a:rPr>
+              <a:t>try</a:t>
+            </a:r>
+            <a:r>
+              <a:rPr lang="en-US" sz="3600" dirty="0" smtClean="0">
+                <a:latin typeface="Courier New" panose="02070309020205020404" pitchFamily="49" charset="0"/>
+                <a:cs typeface="Courier New" panose="02070309020205020404" pitchFamily="49" charset="0"/>
+              </a:rPr>
+              <a:t>… </a:t>
+            </a:r>
+            <a:r>
+              <a:rPr lang="en-US" sz="3600" dirty="0" smtClean="0">
+                <a:solidFill>
+                  <a:srgbClr val="00B050"/>
+                </a:solidFill>
+                <a:latin typeface="Courier New" panose="02070309020205020404" pitchFamily="49" charset="0"/>
+                <a:cs typeface="Courier New" panose="02070309020205020404" pitchFamily="49" charset="0"/>
+              </a:rPr>
+              <a:t>except</a:t>
+            </a:r>
+            <a:r>
+              <a:rPr lang="ru-RU" sz="3600" dirty="0" smtClean="0">
+                <a:latin typeface="Courier New" panose="02070309020205020404" pitchFamily="49" charset="0"/>
+                <a:cs typeface="Courier New" panose="02070309020205020404" pitchFamily="49" charset="0"/>
+              </a:rPr>
+              <a:t> </a:t>
+            </a:r>
+            <a:endParaRPr lang="ru-RU" sz="3600" dirty="0" smtClean="0">
+              <a:latin typeface="Courier New" panose="02070309020205020404" pitchFamily="49" charset="0"/>
+              <a:cs typeface="Courier New" panose="02070309020205020404" pitchFamily="49" charset="0"/>
+            </a:endParaRPr>
           </a:p>
         </p:txBody>
       </p:sp>
+      <p:pic>
+        <p:nvPicPr>
+          <p:cNvPr id="1032" name="Picture 8"/>
+          <p:cNvPicPr>
+            <a:picLocks noChangeAspect="1" noChangeArrowheads="1"/>
+          </p:cNvPicPr>
+          <p:nvPr/>
+        </p:nvPicPr>
+        <p:blipFill rotWithShape="1">
+          <a:blip r:embed="rId3">
+            <a:extLst>
+              <a:ext uri="{28A0092B-C50C-407E-A947-70E740481C1C}">
+                <a14:useLocalDpi xmlns:a14="http://schemas.microsoft.com/office/drawing/2010/main" val="0"/>
+              </a:ext>
+            </a:extLst>
+          </a:blip>
+          <a:srcRect t="1706" b="81023"/>
+          <a:stretch/>
+        </p:blipFill>
+        <p:spPr bwMode="auto">
+          <a:xfrm>
+            <a:off x="1348488" y="4257675"/>
+            <a:ext cx="12224346" cy="735239"/>
+          </a:xfrm>
+          <a:prstGeom prst="rect">
+            <a:avLst/>
+          </a:prstGeom>
+          <a:noFill/>
+          <a:ln>
+            <a:noFill/>
+          </a:ln>
+          <a:effectLst/>
+          <a:extLst>
+            <a:ext uri="{909E8E84-426E-40DD-AFC4-6F175D3DCCD1}">
+              <a14:hiddenFill xmlns:a14="http://schemas.microsoft.com/office/drawing/2010/main">
+                <a:solidFill>
+                  <a:schemeClr val="accent1"/>
+                </a:solidFill>
+              </a14:hiddenFill>
+            </a:ext>
+            <a:ext uri="{91240B29-F687-4F45-9708-019B960494DF}">
+              <a14:hiddenLine xmlns:a14="http://schemas.microsoft.com/office/drawing/2010/main" w="9525">
+                <a:solidFill>
+                  <a:schemeClr val="tx1"/>
+                </a:solidFill>
+                <a:miter lim="800000"/>
+                <a:headEnd/>
+                <a:tailEnd/>
+              </a14:hiddenLine>
+            </a:ext>
+            <a:ext uri="{AF507438-7753-43E0-B8FC-AC1667EBCBE1}">
+              <a14:hiddenEffects xmlns:a14="http://schemas.microsoft.com/office/drawing/2010/main">
+                <a:effectLst>
+                  <a:outerShdw dist="35921" dir="2700000" algn="ctr" rotWithShape="0">
+                    <a:schemeClr val="bg2"/>
+                  </a:outerShdw>
+                </a:effectLst>
+              </a14:hiddenEffects>
+            </a:ext>
+          </a:extLst>
+        </p:spPr>
+      </p:pic>
+      <p:pic>
+        <p:nvPicPr>
+          <p:cNvPr id="14" name="Picture 8"/>
+          <p:cNvPicPr>
+            <a:picLocks noChangeAspect="1" noChangeArrowheads="1"/>
+          </p:cNvPicPr>
+          <p:nvPr/>
+        </p:nvPicPr>
+        <p:blipFill rotWithShape="1">
+          <a:blip r:embed="rId3">
+            <a:extLst>
+              <a:ext uri="{28A0092B-C50C-407E-A947-70E740481C1C}">
+                <a14:useLocalDpi xmlns:a14="http://schemas.microsoft.com/office/drawing/2010/main" val="0"/>
+              </a:ext>
+            </a:extLst>
+          </a:blip>
+          <a:srcRect t="19180" b="63347"/>
+          <a:stretch/>
+        </p:blipFill>
+        <p:spPr bwMode="auto">
+          <a:xfrm>
+            <a:off x="1348488" y="4992914"/>
+            <a:ext cx="12224346" cy="743858"/>
+          </a:xfrm>
+          <a:prstGeom prst="rect">
+            <a:avLst/>
+          </a:prstGeom>
+          <a:noFill/>
+          <a:ln>
+            <a:noFill/>
+          </a:ln>
+          <a:effectLst/>
+          <a:extLst>
+            <a:ext uri="{909E8E84-426E-40DD-AFC4-6F175D3DCCD1}">
+              <a14:hiddenFill xmlns:a14="http://schemas.microsoft.com/office/drawing/2010/main">
+                <a:solidFill>
+                  <a:schemeClr val="accent1"/>
+                </a:solidFill>
+              </a14:hiddenFill>
+            </a:ext>
+            <a:ext uri="{91240B29-F687-4F45-9708-019B960494DF}">
+              <a14:hiddenLine xmlns:a14="http://schemas.microsoft.com/office/drawing/2010/main" w="9525">
+                <a:solidFill>
+                  <a:schemeClr val="tx1"/>
+                </a:solidFill>
+                <a:miter lim="800000"/>
+                <a:headEnd/>
+                <a:tailEnd/>
+              </a14:hiddenLine>
+            </a:ext>
+            <a:ext uri="{AF507438-7753-43E0-B8FC-AC1667EBCBE1}">
+              <a14:hiddenEffects xmlns:a14="http://schemas.microsoft.com/office/drawing/2010/main">
+                <a:effectLst>
+                  <a:outerShdw dist="35921" dir="2700000" algn="ctr" rotWithShape="0">
+                    <a:schemeClr val="bg2"/>
+                  </a:outerShdw>
+                </a:effectLst>
+              </a14:hiddenEffects>
+            </a:ext>
+          </a:extLst>
+        </p:spPr>
+      </p:pic>
+      <p:sp>
+        <p:nvSpPr>
+          <p:cNvPr id="9" name="Прямоугольник 8"/>
+          <p:cNvSpPr/>
+          <p:nvPr/>
+        </p:nvSpPr>
+        <p:spPr>
+          <a:xfrm>
+            <a:off x="7748954" y="3105988"/>
+            <a:ext cx="7708760" cy="2606710"/>
+          </a:xfrm>
+          <a:prstGeom prst="rect">
+            <a:avLst/>
+          </a:prstGeom>
+          <a:noFill/>
+        </p:spPr>
+        <p:style>
+          <a:lnRef idx="2">
+            <a:schemeClr val="accent1">
+              <a:shade val="50000"/>
+            </a:schemeClr>
+          </a:lnRef>
+          <a:fillRef idx="1">
+            <a:schemeClr val="accent1"/>
+          </a:fillRef>
+          <a:effectRef idx="0">
+            <a:schemeClr val="accent1"/>
+          </a:effectRef>
+          <a:fontRef idx="minor">
+            <a:schemeClr val="lt1"/>
+          </a:fontRef>
+        </p:style>
+        <p:txBody>
+          <a:bodyPr rtlCol="0" anchor="ctr"/>
+          <a:lstStyle/>
+          <a:p>
+            <a:pPr algn="ctr"/>
+            <a:endParaRPr lang="ru-RU"/>
+          </a:p>
+        </p:txBody>
+      </p:sp>
+      <p:pic>
+        <p:nvPicPr>
+          <p:cNvPr id="2050" name="Picture 2"/>
+          <p:cNvPicPr>
+            <a:picLocks noChangeAspect="1" noChangeArrowheads="1"/>
+          </p:cNvPicPr>
+          <p:nvPr/>
+        </p:nvPicPr>
+        <p:blipFill rotWithShape="1">
+          <a:blip r:embed="rId4">
+            <a:extLst>
+              <a:ext uri="{28A0092B-C50C-407E-A947-70E740481C1C}">
+                <a14:useLocalDpi xmlns:a14="http://schemas.microsoft.com/office/drawing/2010/main" val="0"/>
+              </a:ext>
+            </a:extLst>
+          </a:blip>
+          <a:srcRect l="2235"/>
+          <a:stretch/>
+        </p:blipFill>
+        <p:spPr bwMode="auto">
+          <a:xfrm>
+            <a:off x="1348488" y="5712698"/>
+            <a:ext cx="4442712" cy="807877"/>
+          </a:xfrm>
+          <a:prstGeom prst="rect">
+            <a:avLst/>
+          </a:prstGeom>
+          <a:noFill/>
+          <a:ln>
+            <a:noFill/>
+          </a:ln>
+          <a:effectLst/>
+          <a:extLst>
+            <a:ext uri="{909E8E84-426E-40DD-AFC4-6F175D3DCCD1}">
+              <a14:hiddenFill xmlns:a14="http://schemas.microsoft.com/office/drawing/2010/main">
+                <a:solidFill>
+                  <a:schemeClr val="accent1"/>
+                </a:solidFill>
+              </a14:hiddenFill>
+            </a:ext>
+            <a:ext uri="{91240B29-F687-4F45-9708-019B960494DF}">
+              <a14:hiddenLine xmlns:a14="http://schemas.microsoft.com/office/drawing/2010/main" w="9525">
+                <a:solidFill>
+                  <a:schemeClr val="tx1"/>
+                </a:solidFill>
+                <a:miter lim="800000"/>
+                <a:headEnd/>
+                <a:tailEnd/>
+              </a14:hiddenLine>
+            </a:ext>
+            <a:ext uri="{AF507438-7753-43E0-B8FC-AC1667EBCBE1}">
+              <a14:hiddenEffects xmlns:a14="http://schemas.microsoft.com/office/drawing/2010/main">
+                <a:effectLst>
+                  <a:outerShdw dist="35921" dir="2700000" algn="ctr" rotWithShape="0">
+                    <a:schemeClr val="bg2"/>
+                  </a:outerShdw>
+                </a:effectLst>
+              </a14:hiddenEffects>
+            </a:ext>
+          </a:extLst>
+        </p:spPr>
+      </p:pic>
+      <p:pic>
+        <p:nvPicPr>
+          <p:cNvPr id="2051" name="Picture 3"/>
+          <p:cNvPicPr>
+            <a:picLocks noChangeAspect="1" noChangeArrowheads="1"/>
+          </p:cNvPicPr>
+          <p:nvPr/>
+        </p:nvPicPr>
+        <p:blipFill>
+          <a:blip r:embed="rId5">
+            <a:extLst>
+              <a:ext uri="{28A0092B-C50C-407E-A947-70E740481C1C}">
+                <a14:useLocalDpi xmlns:a14="http://schemas.microsoft.com/office/drawing/2010/main" val="0"/>
+              </a:ext>
+            </a:extLst>
+          </a:blip>
+          <a:srcRect/>
+          <a:stretch>
+            <a:fillRect/>
+          </a:stretch>
+        </p:blipFill>
+        <p:spPr bwMode="auto">
+          <a:xfrm>
+            <a:off x="7928220" y="3350140"/>
+            <a:ext cx="7350227" cy="2118406"/>
+          </a:xfrm>
+          <a:prstGeom prst="rect">
+            <a:avLst/>
+          </a:prstGeom>
+          <a:noFill/>
+          <a:ln>
+            <a:noFill/>
+          </a:ln>
+          <a:effectLst/>
+          <a:extLst>
+            <a:ext uri="{909E8E84-426E-40DD-AFC4-6F175D3DCCD1}">
+              <a14:hiddenFill xmlns:a14="http://schemas.microsoft.com/office/drawing/2010/main">
+                <a:solidFill>
+                  <a:schemeClr val="accent1"/>
+                </a:solidFill>
+              </a14:hiddenFill>
+            </a:ext>
+            <a:ext uri="{91240B29-F687-4F45-9708-019B960494DF}">
+              <a14:hiddenLine xmlns:a14="http://schemas.microsoft.com/office/drawing/2010/main" w="9525">
+                <a:solidFill>
+                  <a:schemeClr val="tx1"/>
+                </a:solidFill>
+                <a:miter lim="800000"/>
+                <a:headEnd/>
+                <a:tailEnd/>
+              </a14:hiddenLine>
+            </a:ext>
+            <a:ext uri="{AF507438-7753-43E0-B8FC-AC1667EBCBE1}">
+              <a14:hiddenEffects xmlns:a14="http://schemas.microsoft.com/office/drawing/2010/main">
+                <a:effectLst>
+                  <a:outerShdw dist="35921" dir="2700000" algn="ctr" rotWithShape="0">
+                    <a:schemeClr val="bg2"/>
+                  </a:outerShdw>
+                </a:effectLst>
+              </a14:hiddenEffects>
+            </a:ext>
+          </a:extLst>
+        </p:spPr>
+      </p:pic>
+      <p:sp>
+        <p:nvSpPr>
+          <p:cNvPr id="3" name="Прямоугольник 2"/>
+          <p:cNvSpPr/>
+          <p:nvPr/>
+        </p:nvSpPr>
+        <p:spPr>
+          <a:xfrm>
+            <a:off x="2679042" y="2975429"/>
+            <a:ext cx="4781619" cy="827313"/>
+          </a:xfrm>
+          <a:prstGeom prst="rect">
+            <a:avLst/>
+          </a:prstGeom>
+          <a:solidFill>
+            <a:schemeClr val="bg1"/>
+          </a:solidFill>
+          <a:ln>
+            <a:solidFill>
+              <a:schemeClr val="bg2"/>
+            </a:solidFill>
+          </a:ln>
+        </p:spPr>
+        <p:style>
+          <a:lnRef idx="2">
+            <a:schemeClr val="dk1"/>
+          </a:lnRef>
+          <a:fillRef idx="1">
+            <a:schemeClr val="lt1"/>
+          </a:fillRef>
+          <a:effectRef idx="0">
+            <a:schemeClr val="dk1"/>
+          </a:effectRef>
+          <a:fontRef idx="minor">
+            <a:schemeClr val="dk1"/>
+          </a:fontRef>
+        </p:style>
+        <p:txBody>
+          <a:bodyPr rtlCol="0" anchor="ctr"/>
+          <a:lstStyle/>
+          <a:p>
+            <a:pPr algn="ctr"/>
+            <a:r>
+              <a:rPr lang="ru-RU" sz="2400" dirty="0" smtClean="0">
+                <a:solidFill>
+                  <a:schemeClr val="bg2"/>
+                </a:solidFill>
+              </a:rPr>
+              <a:t>В блок </a:t>
+            </a:r>
+            <a:r>
+              <a:rPr lang="en-US" sz="2800" dirty="0">
+                <a:solidFill>
+                  <a:srgbClr val="00B050"/>
+                </a:solidFill>
+                <a:latin typeface="Courier New" panose="02070309020205020404" pitchFamily="49" charset="0"/>
+                <a:ea typeface="Arial"/>
+                <a:cs typeface="Courier New" panose="02070309020205020404" pitchFamily="49" charset="0"/>
+              </a:rPr>
+              <a:t>try</a:t>
+            </a:r>
+            <a:r>
+              <a:rPr lang="en-US" sz="1800" dirty="0" smtClean="0">
+                <a:solidFill>
+                  <a:schemeClr val="bg2"/>
+                </a:solidFill>
+              </a:rPr>
+              <a:t> </a:t>
+            </a:r>
+            <a:r>
+              <a:rPr lang="ru-RU" sz="2400" dirty="0" smtClean="0">
+                <a:solidFill>
+                  <a:schemeClr val="bg2"/>
+                </a:solidFill>
+              </a:rPr>
+              <a:t>помещается потенциально </a:t>
+            </a:r>
+            <a:r>
+              <a:rPr lang="ru-RU" sz="2400" dirty="0" smtClean="0">
+                <a:solidFill>
+                  <a:srgbClr val="FF0000"/>
+                </a:solidFill>
+              </a:rPr>
+              <a:t>опасный</a:t>
+            </a:r>
+            <a:r>
+              <a:rPr lang="ru-RU" sz="2400" dirty="0" smtClean="0">
+                <a:solidFill>
+                  <a:schemeClr val="bg2"/>
+                </a:solidFill>
+              </a:rPr>
+              <a:t> код</a:t>
+            </a:r>
+            <a:endParaRPr lang="ru-RU" sz="2400" dirty="0">
+              <a:solidFill>
+                <a:schemeClr val="bg2"/>
+              </a:solidFill>
+            </a:endParaRPr>
+          </a:p>
+        </p:txBody>
+      </p:sp>
+      <p:cxnSp>
+        <p:nvCxnSpPr>
+          <p:cNvPr id="7" name="Прямая со стрелкой 6"/>
+          <p:cNvCxnSpPr/>
+          <p:nvPr/>
+        </p:nvCxnSpPr>
+        <p:spPr>
+          <a:xfrm>
+            <a:off x="7460661" y="3802742"/>
+            <a:ext cx="2147796" cy="454933"/>
+          </a:xfrm>
+          <a:prstGeom prst="straightConnector1">
+            <a:avLst/>
+          </a:prstGeom>
+          <a:ln w="28575">
+            <a:solidFill>
+              <a:srgbClr val="FF0000"/>
+            </a:solidFill>
+            <a:headEnd type="none" w="med" len="med"/>
+            <a:tailEnd type="arrow" w="med" len="med"/>
+          </a:ln>
+        </p:spPr>
+        <p:style>
+          <a:lnRef idx="1">
+            <a:schemeClr val="accent1"/>
+          </a:lnRef>
+          <a:fillRef idx="0">
+            <a:schemeClr val="accent1"/>
+          </a:fillRef>
+          <a:effectRef idx="0">
+            <a:schemeClr val="accent1"/>
+          </a:effectRef>
+          <a:fontRef idx="minor">
+            <a:schemeClr val="tx1"/>
+          </a:fontRef>
+        </p:style>
+      </p:cxnSp>
+      <p:sp>
+        <p:nvSpPr>
+          <p:cNvPr id="21" name="Прямоугольник 20"/>
+          <p:cNvSpPr/>
+          <p:nvPr/>
+        </p:nvSpPr>
+        <p:spPr>
+          <a:xfrm>
+            <a:off x="6821715" y="6698343"/>
+            <a:ext cx="6751119" cy="827313"/>
+          </a:xfrm>
+          <a:prstGeom prst="rect">
+            <a:avLst/>
+          </a:prstGeom>
+          <a:solidFill>
+            <a:schemeClr val="bg1"/>
+          </a:solidFill>
+          <a:ln>
+            <a:solidFill>
+              <a:schemeClr val="bg2"/>
+            </a:solidFill>
+          </a:ln>
+        </p:spPr>
+        <p:style>
+          <a:lnRef idx="2">
+            <a:schemeClr val="dk1"/>
+          </a:lnRef>
+          <a:fillRef idx="1">
+            <a:schemeClr val="lt1"/>
+          </a:fillRef>
+          <a:effectRef idx="0">
+            <a:schemeClr val="dk1"/>
+          </a:effectRef>
+          <a:fontRef idx="minor">
+            <a:schemeClr val="dk1"/>
+          </a:fontRef>
+        </p:style>
+        <p:txBody>
+          <a:bodyPr rtlCol="0" anchor="ctr"/>
+          <a:lstStyle/>
+          <a:p>
+            <a:pPr algn="ctr"/>
+            <a:r>
+              <a:rPr lang="ru-RU" sz="2400" dirty="0" smtClean="0">
+                <a:solidFill>
+                  <a:schemeClr val="bg2"/>
+                </a:solidFill>
+              </a:rPr>
+              <a:t>В блок </a:t>
+            </a:r>
+            <a:r>
+              <a:rPr lang="en-US" sz="2800" dirty="0" smtClean="0">
+                <a:solidFill>
+                  <a:srgbClr val="00B050"/>
+                </a:solidFill>
+                <a:latin typeface="Courier New" panose="02070309020205020404" pitchFamily="49" charset="0"/>
+                <a:ea typeface="Arial"/>
+                <a:cs typeface="Courier New" panose="02070309020205020404" pitchFamily="49" charset="0"/>
+              </a:rPr>
+              <a:t>except </a:t>
+            </a:r>
+            <a:r>
+              <a:rPr lang="ru-RU" sz="2400" dirty="0" smtClean="0">
+                <a:solidFill>
+                  <a:schemeClr val="bg2"/>
+                </a:solidFill>
+              </a:rPr>
+              <a:t>отрабатывает только при возникновении </a:t>
+            </a:r>
+            <a:r>
+              <a:rPr lang="ru-RU" sz="2400" dirty="0" smtClean="0">
+                <a:solidFill>
+                  <a:srgbClr val="FF0000"/>
+                </a:solidFill>
+              </a:rPr>
+              <a:t>исключения</a:t>
+            </a:r>
+            <a:endParaRPr lang="ru-RU" sz="2400" dirty="0">
+              <a:solidFill>
+                <a:srgbClr val="FF0000"/>
+              </a:solidFill>
+            </a:endParaRPr>
+          </a:p>
+        </p:txBody>
+      </p:sp>
+      <p:cxnSp>
+        <p:nvCxnSpPr>
+          <p:cNvPr id="22" name="Прямая со стрелкой 21"/>
+          <p:cNvCxnSpPr>
+            <a:stCxn id="21" idx="0"/>
+          </p:cNvCxnSpPr>
+          <p:nvPr/>
+        </p:nvCxnSpPr>
+        <p:spPr>
+          <a:xfrm flipH="1" flipV="1">
+            <a:off x="9724573" y="5167087"/>
+            <a:ext cx="472702" cy="1531256"/>
+          </a:xfrm>
+          <a:prstGeom prst="straightConnector1">
+            <a:avLst/>
+          </a:prstGeom>
+          <a:ln w="28575">
+            <a:solidFill>
+              <a:srgbClr val="00B050"/>
+            </a:solidFill>
+            <a:headEnd type="none" w="med" len="med"/>
+            <a:tailEnd type="arrow" w="med" len="med"/>
+          </a:ln>
+        </p:spPr>
+        <p:style>
+          <a:lnRef idx="1">
+            <a:schemeClr val="accent1"/>
+          </a:lnRef>
+          <a:fillRef idx="0">
+            <a:schemeClr val="accent1"/>
+          </a:fillRef>
+          <a:effectRef idx="0">
+            <a:schemeClr val="accent1"/>
+          </a:effectRef>
+          <a:fontRef idx="minor">
+            <a:schemeClr val="tx1"/>
+          </a:fontRef>
+        </p:style>
+      </p:cxnSp>
     </p:spTree>
     <p:extLst>
       <p:ext uri="{BB962C8B-B14F-4D97-AF65-F5344CB8AC3E}">
-        <p14:creationId xmlns:p14="http://schemas.microsoft.com/office/powerpoint/2010/main" val="2423463002"/>
+        <p14:creationId xmlns:p14="http://schemas.microsoft.com/office/powerpoint/2010/main" val="1134704246"/>
       </p:ext>
     </p:extLst>
   </p:cSld>
@@ -19104,9 +26417,434 @@
   <p:timing>
     <p:tnLst>
       <p:par>
-        <p:cTn id="1" dur="indefinite" restart="never" nodeType="tmRoot"/>
+        <p:cTn id="1" dur="indefinite" restart="never" nodeType="tmRoot">
+          <p:childTnLst>
+            <p:seq concurrent="1" nextAc="seek">
+              <p:cTn id="2" dur="indefinite" nodeType="mainSeq">
+                <p:childTnLst>
+                  <p:par>
+                    <p:cTn id="3" fill="hold">
+                      <p:stCondLst>
+                        <p:cond delay="indefinite"/>
+                      </p:stCondLst>
+                      <p:childTnLst>
+                        <p:par>
+                          <p:cTn id="4" fill="hold">
+                            <p:stCondLst>
+                              <p:cond delay="0"/>
+                            </p:stCondLst>
+                            <p:childTnLst>
+                              <p:par>
+                                <p:cTn id="5" presetID="1" presetClass="entr" presetSubtype="0" fill="hold" grpId="0" nodeType="clickEffect">
+                                  <p:stCondLst>
+                                    <p:cond delay="0"/>
+                                  </p:stCondLst>
+                                  <p:childTnLst>
+                                    <p:set>
+                                      <p:cBhvr>
+                                        <p:cTn id="6" dur="1" fill="hold">
+                                          <p:stCondLst>
+                                            <p:cond delay="0"/>
+                                          </p:stCondLst>
+                                        </p:cTn>
+                                        <p:tgtEl>
+                                          <p:spTgt spid="2"/>
+                                        </p:tgtEl>
+                                        <p:attrNameLst>
+                                          <p:attrName>style.visibility</p:attrName>
+                                        </p:attrNameLst>
+                                      </p:cBhvr>
+                                      <p:to>
+                                        <p:strVal val="visible"/>
+                                      </p:to>
+                                    </p:set>
+                                  </p:childTnLst>
+                                </p:cTn>
+                              </p:par>
+                            </p:childTnLst>
+                          </p:cTn>
+                        </p:par>
+                      </p:childTnLst>
+                    </p:cTn>
+                  </p:par>
+                  <p:par>
+                    <p:cTn id="7" fill="hold">
+                      <p:stCondLst>
+                        <p:cond delay="indefinite"/>
+                      </p:stCondLst>
+                      <p:childTnLst>
+                        <p:par>
+                          <p:cTn id="8" fill="hold">
+                            <p:stCondLst>
+                              <p:cond delay="0"/>
+                            </p:stCondLst>
+                            <p:childTnLst>
+                              <p:par>
+                                <p:cTn id="9" presetID="1" presetClass="entr" presetSubtype="0" fill="hold" grpId="0" nodeType="clickEffect">
+                                  <p:stCondLst>
+                                    <p:cond delay="0"/>
+                                  </p:stCondLst>
+                                  <p:childTnLst>
+                                    <p:set>
+                                      <p:cBhvr>
+                                        <p:cTn id="10" dur="1" fill="hold">
+                                          <p:stCondLst>
+                                            <p:cond delay="0"/>
+                                          </p:stCondLst>
+                                        </p:cTn>
+                                        <p:tgtEl>
+                                          <p:spTgt spid="9"/>
+                                        </p:tgtEl>
+                                        <p:attrNameLst>
+                                          <p:attrName>style.visibility</p:attrName>
+                                        </p:attrNameLst>
+                                      </p:cBhvr>
+                                      <p:to>
+                                        <p:strVal val="visible"/>
+                                      </p:to>
+                                    </p:set>
+                                  </p:childTnLst>
+                                </p:cTn>
+                              </p:par>
+                              <p:par>
+                                <p:cTn id="11" presetID="1" presetClass="entr" presetSubtype="0" fill="hold" nodeType="withEffect">
+                                  <p:stCondLst>
+                                    <p:cond delay="0"/>
+                                  </p:stCondLst>
+                                  <p:childTnLst>
+                                    <p:set>
+                                      <p:cBhvr>
+                                        <p:cTn id="12" dur="1" fill="hold">
+                                          <p:stCondLst>
+                                            <p:cond delay="0"/>
+                                          </p:stCondLst>
+                                        </p:cTn>
+                                        <p:tgtEl>
+                                          <p:spTgt spid="2051"/>
+                                        </p:tgtEl>
+                                        <p:attrNameLst>
+                                          <p:attrName>style.visibility</p:attrName>
+                                        </p:attrNameLst>
+                                      </p:cBhvr>
+                                      <p:to>
+                                        <p:strVal val="visible"/>
+                                      </p:to>
+                                    </p:set>
+                                  </p:childTnLst>
+                                </p:cTn>
+                              </p:par>
+                            </p:childTnLst>
+                          </p:cTn>
+                        </p:par>
+                      </p:childTnLst>
+                    </p:cTn>
+                  </p:par>
+                  <p:par>
+                    <p:cTn id="13" fill="hold">
+                      <p:stCondLst>
+                        <p:cond delay="indefinite"/>
+                      </p:stCondLst>
+                      <p:childTnLst>
+                        <p:par>
+                          <p:cTn id="14" fill="hold">
+                            <p:stCondLst>
+                              <p:cond delay="0"/>
+                            </p:stCondLst>
+                            <p:childTnLst>
+                              <p:par>
+                                <p:cTn id="15" presetID="1" presetClass="entr" presetSubtype="0" fill="hold" nodeType="clickEffect">
+                                  <p:stCondLst>
+                                    <p:cond delay="0"/>
+                                  </p:stCondLst>
+                                  <p:childTnLst>
+                                    <p:set>
+                                      <p:cBhvr>
+                                        <p:cTn id="16" dur="1" fill="hold">
+                                          <p:stCondLst>
+                                            <p:cond delay="0"/>
+                                          </p:stCondLst>
+                                        </p:cTn>
+                                        <p:tgtEl>
+                                          <p:spTgt spid="1032"/>
+                                        </p:tgtEl>
+                                        <p:attrNameLst>
+                                          <p:attrName>style.visibility</p:attrName>
+                                        </p:attrNameLst>
+                                      </p:cBhvr>
+                                      <p:to>
+                                        <p:strVal val="visible"/>
+                                      </p:to>
+                                    </p:set>
+                                  </p:childTnLst>
+                                </p:cTn>
+                              </p:par>
+                            </p:childTnLst>
+                          </p:cTn>
+                        </p:par>
+                      </p:childTnLst>
+                    </p:cTn>
+                  </p:par>
+                  <p:par>
+                    <p:cTn id="17" fill="hold">
+                      <p:stCondLst>
+                        <p:cond delay="indefinite"/>
+                      </p:stCondLst>
+                      <p:childTnLst>
+                        <p:par>
+                          <p:cTn id="18" fill="hold">
+                            <p:stCondLst>
+                              <p:cond delay="0"/>
+                            </p:stCondLst>
+                            <p:childTnLst>
+                              <p:par>
+                                <p:cTn id="19" presetID="1" presetClass="entr" presetSubtype="0" fill="hold" nodeType="clickEffect">
+                                  <p:stCondLst>
+                                    <p:cond delay="0"/>
+                                  </p:stCondLst>
+                                  <p:childTnLst>
+                                    <p:set>
+                                      <p:cBhvr>
+                                        <p:cTn id="20" dur="1" fill="hold">
+                                          <p:stCondLst>
+                                            <p:cond delay="0"/>
+                                          </p:stCondLst>
+                                        </p:cTn>
+                                        <p:tgtEl>
+                                          <p:spTgt spid="14"/>
+                                        </p:tgtEl>
+                                        <p:attrNameLst>
+                                          <p:attrName>style.visibility</p:attrName>
+                                        </p:attrNameLst>
+                                      </p:cBhvr>
+                                      <p:to>
+                                        <p:strVal val="visible"/>
+                                      </p:to>
+                                    </p:set>
+                                  </p:childTnLst>
+                                </p:cTn>
+                              </p:par>
+                            </p:childTnLst>
+                          </p:cTn>
+                        </p:par>
+                      </p:childTnLst>
+                    </p:cTn>
+                  </p:par>
+                  <p:par>
+                    <p:cTn id="21" fill="hold">
+                      <p:stCondLst>
+                        <p:cond delay="indefinite"/>
+                      </p:stCondLst>
+                      <p:childTnLst>
+                        <p:par>
+                          <p:cTn id="22" fill="hold">
+                            <p:stCondLst>
+                              <p:cond delay="0"/>
+                            </p:stCondLst>
+                            <p:childTnLst>
+                              <p:par>
+                                <p:cTn id="23" presetID="1" presetClass="entr" presetSubtype="0" fill="hold" nodeType="clickEffect">
+                                  <p:stCondLst>
+                                    <p:cond delay="0"/>
+                                  </p:stCondLst>
+                                  <p:childTnLst>
+                                    <p:set>
+                                      <p:cBhvr>
+                                        <p:cTn id="24" dur="1" fill="hold">
+                                          <p:stCondLst>
+                                            <p:cond delay="0"/>
+                                          </p:stCondLst>
+                                        </p:cTn>
+                                        <p:tgtEl>
+                                          <p:spTgt spid="2050"/>
+                                        </p:tgtEl>
+                                        <p:attrNameLst>
+                                          <p:attrName>style.visibility</p:attrName>
+                                        </p:attrNameLst>
+                                      </p:cBhvr>
+                                      <p:to>
+                                        <p:strVal val="visible"/>
+                                      </p:to>
+                                    </p:set>
+                                  </p:childTnLst>
+                                </p:cTn>
+                              </p:par>
+                            </p:childTnLst>
+                          </p:cTn>
+                        </p:par>
+                      </p:childTnLst>
+                    </p:cTn>
+                  </p:par>
+                  <p:par>
+                    <p:cTn id="25" fill="hold">
+                      <p:stCondLst>
+                        <p:cond delay="indefinite"/>
+                      </p:stCondLst>
+                      <p:childTnLst>
+                        <p:par>
+                          <p:cTn id="26" fill="hold">
+                            <p:stCondLst>
+                              <p:cond delay="0"/>
+                            </p:stCondLst>
+                            <p:childTnLst>
+                              <p:par>
+                                <p:cTn id="27" presetID="1" presetClass="entr" presetSubtype="0" fill="hold" grpId="0" nodeType="clickEffect">
+                                  <p:stCondLst>
+                                    <p:cond delay="0"/>
+                                  </p:stCondLst>
+                                  <p:childTnLst>
+                                    <p:set>
+                                      <p:cBhvr>
+                                        <p:cTn id="28" dur="1" fill="hold">
+                                          <p:stCondLst>
+                                            <p:cond delay="0"/>
+                                          </p:stCondLst>
+                                        </p:cTn>
+                                        <p:tgtEl>
+                                          <p:spTgt spid="3"/>
+                                        </p:tgtEl>
+                                        <p:attrNameLst>
+                                          <p:attrName>style.visibility</p:attrName>
+                                        </p:attrNameLst>
+                                      </p:cBhvr>
+                                      <p:to>
+                                        <p:strVal val="visible"/>
+                                      </p:to>
+                                    </p:set>
+                                  </p:childTnLst>
+                                </p:cTn>
+                              </p:par>
+                              <p:par>
+                                <p:cTn id="29" presetID="1" presetClass="entr" presetSubtype="0" fill="hold" nodeType="withEffect">
+                                  <p:stCondLst>
+                                    <p:cond delay="0"/>
+                                  </p:stCondLst>
+                                  <p:childTnLst>
+                                    <p:set>
+                                      <p:cBhvr>
+                                        <p:cTn id="30" dur="1" fill="hold">
+                                          <p:stCondLst>
+                                            <p:cond delay="0"/>
+                                          </p:stCondLst>
+                                        </p:cTn>
+                                        <p:tgtEl>
+                                          <p:spTgt spid="7"/>
+                                        </p:tgtEl>
+                                        <p:attrNameLst>
+                                          <p:attrName>style.visibility</p:attrName>
+                                        </p:attrNameLst>
+                                      </p:cBhvr>
+                                      <p:to>
+                                        <p:strVal val="visible"/>
+                                      </p:to>
+                                    </p:set>
+                                  </p:childTnLst>
+                                </p:cTn>
+                              </p:par>
+                            </p:childTnLst>
+                          </p:cTn>
+                        </p:par>
+                      </p:childTnLst>
+                    </p:cTn>
+                  </p:par>
+                  <p:par>
+                    <p:cTn id="31" fill="hold">
+                      <p:stCondLst>
+                        <p:cond delay="indefinite"/>
+                      </p:stCondLst>
+                      <p:childTnLst>
+                        <p:par>
+                          <p:cTn id="32" fill="hold">
+                            <p:stCondLst>
+                              <p:cond delay="0"/>
+                            </p:stCondLst>
+                            <p:childTnLst>
+                              <p:par>
+                                <p:cTn id="33" presetID="1" presetClass="entr" presetSubtype="0" fill="hold" nodeType="clickEffect">
+                                  <p:stCondLst>
+                                    <p:cond delay="0"/>
+                                  </p:stCondLst>
+                                  <p:childTnLst>
+                                    <p:set>
+                                      <p:cBhvr>
+                                        <p:cTn id="34" dur="1" fill="hold">
+                                          <p:stCondLst>
+                                            <p:cond delay="0"/>
+                                          </p:stCondLst>
+                                        </p:cTn>
+                                        <p:tgtEl>
+                                          <p:spTgt spid="22"/>
+                                        </p:tgtEl>
+                                        <p:attrNameLst>
+                                          <p:attrName>style.visibility</p:attrName>
+                                        </p:attrNameLst>
+                                      </p:cBhvr>
+                                      <p:to>
+                                        <p:strVal val="visible"/>
+                                      </p:to>
+                                    </p:set>
+                                  </p:childTnLst>
+                                </p:cTn>
+                              </p:par>
+                              <p:par>
+                                <p:cTn id="35" presetID="1" presetClass="entr" presetSubtype="0" fill="hold" grpId="0" nodeType="withEffect">
+                                  <p:stCondLst>
+                                    <p:cond delay="0"/>
+                                  </p:stCondLst>
+                                  <p:childTnLst>
+                                    <p:set>
+                                      <p:cBhvr>
+                                        <p:cTn id="36" dur="1" fill="hold">
+                                          <p:stCondLst>
+                                            <p:cond delay="0"/>
+                                          </p:stCondLst>
+                                        </p:cTn>
+                                        <p:tgtEl>
+                                          <p:spTgt spid="21"/>
+                                        </p:tgtEl>
+                                        <p:attrNameLst>
+                                          <p:attrName>style.visibility</p:attrName>
+                                        </p:attrNameLst>
+                                      </p:cBhvr>
+                                      <p:to>
+                                        <p:strVal val="visible"/>
+                                      </p:to>
+                                    </p:set>
+                                  </p:childTnLst>
+                                </p:cTn>
+                              </p:par>
+                            </p:childTnLst>
+                          </p:cTn>
+                        </p:par>
+                      </p:childTnLst>
+                    </p:cTn>
+                  </p:par>
+                </p:childTnLst>
+              </p:cTn>
+              <p:prevCondLst>
+                <p:cond evt="onPrev" delay="0">
+                  <p:tgtEl>
+                    <p:sldTgt/>
+                  </p:tgtEl>
+                </p:cond>
+              </p:prevCondLst>
+              <p:nextCondLst>
+                <p:cond evt="onNext" delay="0">
+                  <p:tgtEl>
+                    <p:sldTgt/>
+                  </p:tgtEl>
+                </p:cond>
+              </p:nextCondLst>
+            </p:seq>
+          </p:childTnLst>
+        </p:cTn>
       </p:par>
     </p:tnLst>
+    <p:bldLst>
+      <p:bldP spid="2" grpId="0"/>
+      <p:bldP spid="9" grpId="0" animBg="1"/>
+      <p:bldP spid="3" grpId="0" animBg="1"/>
+      <p:bldP spid="21" grpId="0" animBg="1"/>
+    </p:bldLst>
   </p:timing>
 </p:sld>
 </file>

--- a/week05/Exceptions.pptx
+++ b/week05/Exceptions.pptx
@@ -7,7 +7,7 @@
     <p:sldMasterId id="2147483731" r:id="rId3"/>
   </p:sldMasterIdLst>
   <p:notesMasterIdLst>
-    <p:notesMasterId r:id="rId29"/>
+    <p:notesMasterId r:id="rId26"/>
   </p:notesMasterIdLst>
   <p:sldIdLst>
     <p:sldId id="285" r:id="rId4"/>
@@ -21,30 +21,27 @@
     <p:sldId id="336" r:id="rId12"/>
     <p:sldId id="335" r:id="rId13"/>
     <p:sldId id="338" r:id="rId14"/>
-    <p:sldId id="339" r:id="rId15"/>
-    <p:sldId id="340" r:id="rId16"/>
-    <p:sldId id="337" r:id="rId17"/>
-    <p:sldId id="323" r:id="rId18"/>
-    <p:sldId id="324" r:id="rId19"/>
-    <p:sldId id="325" r:id="rId20"/>
-    <p:sldId id="326" r:id="rId21"/>
-    <p:sldId id="327" r:id="rId22"/>
-    <p:sldId id="328" r:id="rId23"/>
-    <p:sldId id="329" r:id="rId24"/>
-    <p:sldId id="318" r:id="rId25"/>
-    <p:sldId id="320" r:id="rId26"/>
-    <p:sldId id="321" r:id="rId27"/>
-    <p:sldId id="322" r:id="rId28"/>
+    <p:sldId id="341" r:id="rId15"/>
+    <p:sldId id="339" r:id="rId16"/>
+    <p:sldId id="340" r:id="rId17"/>
+    <p:sldId id="337" r:id="rId18"/>
+    <p:sldId id="323" r:id="rId19"/>
+    <p:sldId id="324" r:id="rId20"/>
+    <p:sldId id="325" r:id="rId21"/>
+    <p:sldId id="326" r:id="rId22"/>
+    <p:sldId id="327" r:id="rId23"/>
+    <p:sldId id="328" r:id="rId24"/>
+    <p:sldId id="329" r:id="rId25"/>
   </p:sldIdLst>
   <p:sldSz cx="16256000" cy="9144000"/>
   <p:notesSz cx="6858000" cy="9144000"/>
   <p:embeddedFontLst>
     <p:embeddedFont>
-      <p:font typeface="Cabin" charset="0"/>
-      <p:regular r:id="rId30"/>
-      <p:bold r:id="rId31"/>
-      <p:italic r:id="rId32"/>
-      <p:boldItalic r:id="rId33"/>
+      <p:font typeface="Cabin" panose="020B0604020202020204" charset="0"/>
+      <p:regular r:id="rId27"/>
+      <p:bold r:id="rId28"/>
+      <p:italic r:id="rId29"/>
+      <p:boldItalic r:id="rId30"/>
     </p:embeddedFont>
   </p:embeddedFontLst>
   <p:defaultTextStyle>
@@ -251,7 +248,7 @@
   </p:defaultTextStyle>
   <p:extLst>
     <p:ext uri="{EFAFB233-063F-42B5-8137-9DF3F51BA10A}">
-      <p15:sldGuideLst xmlns:p15="http://schemas.microsoft.com/office/powerpoint/2012/main" xmlns="">
+      <p15:sldGuideLst xmlns:p15="http://schemas.microsoft.com/office/powerpoint/2012/main">
         <p15:guide id="1" orient="horz" pos="2880">
           <p15:clr>
             <a:srgbClr val="A4A3A4"/>
@@ -748,7 +745,7 @@
     </p:spTree>
     <p:extLst>
       <p:ext uri="{BB962C8B-B14F-4D97-AF65-F5344CB8AC3E}">
-        <p14:creationId xmlns:p14="http://schemas.microsoft.com/office/powerpoint/2010/main" val="3594758372"/>
+        <p14:creationId xmlns:p14="http://schemas.microsoft.com/office/powerpoint/2010/main" val="1227206460"/>
       </p:ext>
     </p:extLst>
   </p:cSld>
@@ -983,6 +980,116 @@
   <p:cSld>
     <p:spTree>
       <p:nvGrpSpPr>
+        <p:cNvPr id="1" name="Shape 394"/>
+        <p:cNvGrpSpPr/>
+        <p:nvPr/>
+      </p:nvGrpSpPr>
+      <p:grpSpPr>
+        <a:xfrm>
+          <a:off x="0" y="0"/>
+          <a:ext cx="0" cy="0"/>
+          <a:chOff x="0" y="0"/>
+          <a:chExt cx="0" cy="0"/>
+        </a:xfrm>
+      </p:grpSpPr>
+      <p:sp>
+        <p:nvSpPr>
+          <p:cNvPr id="395" name="Shape 395"/>
+          <p:cNvSpPr txBox="1">
+            <a:spLocks noGrp="1"/>
+          </p:cNvSpPr>
+          <p:nvPr>
+            <p:ph type="body" idx="1"/>
+          </p:nvPr>
+        </p:nvSpPr>
+        <p:spPr>
+          <a:xfrm>
+            <a:off x="685800" y="4343400"/>
+            <a:ext cx="5486399" cy="4114800"/>
+          </a:xfrm>
+          <a:prstGeom prst="rect">
+            <a:avLst/>
+          </a:prstGeom>
+          <a:noFill/>
+          <a:ln>
+            <a:noFill/>
+          </a:ln>
+        </p:spPr>
+        <p:txBody>
+          <a:bodyPr lIns="91425" tIns="91425" rIns="91425" bIns="91425" anchor="ctr" anchorCtr="0">
+            <a:noAutofit/>
+          </a:bodyPr>
+          <a:lstStyle/>
+          <a:p>
+            <a:pPr lvl="0">
+              <a:spcBef>
+                <a:spcPts val="0"/>
+              </a:spcBef>
+              <a:buNone/>
+            </a:pPr>
+            <a:endParaRPr/>
+          </a:p>
+        </p:txBody>
+      </p:sp>
+      <p:sp>
+        <p:nvSpPr>
+          <p:cNvPr id="396" name="Shape 396"/>
+          <p:cNvSpPr>
+            <a:spLocks noGrp="1" noRot="1" noChangeAspect="1"/>
+          </p:cNvSpPr>
+          <p:nvPr>
+            <p:ph type="sldImg" idx="2"/>
+          </p:nvPr>
+        </p:nvSpPr>
+        <p:spPr>
+          <a:xfrm>
+            <a:off x="381000" y="685800"/>
+            <a:ext cx="6096000" cy="3429000"/>
+          </a:xfrm>
+          <a:custGeom>
+            <a:avLst/>
+            <a:gdLst/>
+            <a:ahLst/>
+            <a:cxnLst/>
+            <a:rect l="0" t="0" r="0" b="0"/>
+            <a:pathLst>
+              <a:path w="120000" h="120000" extrusionOk="0">
+                <a:moveTo>
+                  <a:pt x="0" y="0"/>
+                </a:moveTo>
+                <a:lnTo>
+                  <a:pt x="120000" y="0"/>
+                </a:lnTo>
+                <a:lnTo>
+                  <a:pt x="120000" y="120000"/>
+                </a:lnTo>
+                <a:lnTo>
+                  <a:pt x="0" y="120000"/>
+                </a:lnTo>
+                <a:close/>
+              </a:path>
+            </a:pathLst>
+          </a:custGeom>
+        </p:spPr>
+      </p:sp>
+    </p:spTree>
+    <p:extLst>
+      <p:ext uri="{BB962C8B-B14F-4D97-AF65-F5344CB8AC3E}">
+        <p14:creationId xmlns:p14="http://schemas.microsoft.com/office/powerpoint/2010/main" val="3594758372"/>
+      </p:ext>
+    </p:extLst>
+  </p:cSld>
+  <p:clrMapOvr>
+    <a:masterClrMapping/>
+  </p:clrMapOvr>
+</p:notes>
+</file>
+
+<file path=ppt/notesSlides/notesSlide14.xml><?xml version="1.0" encoding="utf-8"?>
+<p:notes xmlns:a="http://schemas.openxmlformats.org/drawingml/2006/main" xmlns:r="http://schemas.openxmlformats.org/officeDocument/2006/relationships" xmlns:p="http://schemas.openxmlformats.org/presentationml/2006/main" showMasterSp="0" showMasterPhAnim="0">
+  <p:cSld>
+    <p:spTree>
+      <p:nvGrpSpPr>
         <p:cNvPr id="1" name="Shape 209"/>
         <p:cNvGrpSpPr/>
         <p:nvPr/>
@@ -1088,7 +1195,7 @@
 </p:notes>
 </file>
 
-<file path=ppt/notesSlides/notesSlide14.xml><?xml version="1.0" encoding="utf-8"?>
+<file path=ppt/notesSlides/notesSlide15.xml><?xml version="1.0" encoding="utf-8"?>
 <p:notes xmlns:a="http://schemas.openxmlformats.org/drawingml/2006/main" xmlns:r="http://schemas.openxmlformats.org/officeDocument/2006/relationships" xmlns:p="http://schemas.openxmlformats.org/presentationml/2006/main" showMasterSp="0" showMasterPhAnim="0">
   <p:cSld>
     <p:spTree>
@@ -1198,7 +1305,7 @@
 </p:notes>
 </file>
 
-<file path=ppt/notesSlides/notesSlide15.xml><?xml version="1.0" encoding="utf-8"?>
+<file path=ppt/notesSlides/notesSlide16.xml><?xml version="1.0" encoding="utf-8"?>
 <p:notes xmlns:a="http://schemas.openxmlformats.org/drawingml/2006/main" xmlns:r="http://schemas.openxmlformats.org/officeDocument/2006/relationships" xmlns:p="http://schemas.openxmlformats.org/presentationml/2006/main" showMasterSp="0" showMasterPhAnim="0">
   <p:cSld>
     <p:spTree>
@@ -1308,7 +1415,7 @@
 </p:notes>
 </file>
 
-<file path=ppt/notesSlides/notesSlide16.xml><?xml version="1.0" encoding="utf-8"?>
+<file path=ppt/notesSlides/notesSlide17.xml><?xml version="1.0" encoding="utf-8"?>
 <p:notes xmlns:a="http://schemas.openxmlformats.org/drawingml/2006/main" xmlns:r="http://schemas.openxmlformats.org/officeDocument/2006/relationships" xmlns:p="http://schemas.openxmlformats.org/presentationml/2006/main" showMasterSp="0" showMasterPhAnim="0">
   <p:cSld>
     <p:spTree>
@@ -1418,7 +1525,7 @@
 </p:notes>
 </file>
 
-<file path=ppt/notesSlides/notesSlide17.xml><?xml version="1.0" encoding="utf-8"?>
+<file path=ppt/notesSlides/notesSlide18.xml><?xml version="1.0" encoding="utf-8"?>
 <p:notes xmlns:a="http://schemas.openxmlformats.org/drawingml/2006/main" xmlns:r="http://schemas.openxmlformats.org/officeDocument/2006/relationships" xmlns:p="http://schemas.openxmlformats.org/presentationml/2006/main" showMasterSp="0" showMasterPhAnim="0">
   <p:cSld>
     <p:spTree>
@@ -1528,7 +1635,7 @@
 </p:notes>
 </file>
 
-<file path=ppt/notesSlides/notesSlide18.xml><?xml version="1.0" encoding="utf-8"?>
+<file path=ppt/notesSlides/notesSlide19.xml><?xml version="1.0" encoding="utf-8"?>
 <p:notes xmlns:a="http://schemas.openxmlformats.org/drawingml/2006/main" xmlns:r="http://schemas.openxmlformats.org/officeDocument/2006/relationships" xmlns:p="http://schemas.openxmlformats.org/presentationml/2006/main" showMasterSp="0" showMasterPhAnim="0">
   <p:cSld>
     <p:spTree>
@@ -1638,116 +1745,6 @@
 </p:notes>
 </file>
 
-<file path=ppt/notesSlides/notesSlide19.xml><?xml version="1.0" encoding="utf-8"?>
-<p:notes xmlns:a="http://schemas.openxmlformats.org/drawingml/2006/main" xmlns:r="http://schemas.openxmlformats.org/officeDocument/2006/relationships" xmlns:p="http://schemas.openxmlformats.org/presentationml/2006/main" showMasterSp="0" showMasterPhAnim="0">
-  <p:cSld>
-    <p:spTree>
-      <p:nvGrpSpPr>
-        <p:cNvPr id="1" name="Shape 209"/>
-        <p:cNvGrpSpPr/>
-        <p:nvPr/>
-      </p:nvGrpSpPr>
-      <p:grpSpPr>
-        <a:xfrm>
-          <a:off x="0" y="0"/>
-          <a:ext cx="0" cy="0"/>
-          <a:chOff x="0" y="0"/>
-          <a:chExt cx="0" cy="0"/>
-        </a:xfrm>
-      </p:grpSpPr>
-      <p:sp>
-        <p:nvSpPr>
-          <p:cNvPr id="210" name="Shape 210"/>
-          <p:cNvSpPr txBox="1">
-            <a:spLocks noGrp="1"/>
-          </p:cNvSpPr>
-          <p:nvPr>
-            <p:ph type="body" idx="1"/>
-          </p:nvPr>
-        </p:nvSpPr>
-        <p:spPr>
-          <a:xfrm>
-            <a:off x="685800" y="4343400"/>
-            <a:ext cx="5486399" cy="4114800"/>
-          </a:xfrm>
-          <a:prstGeom prst="rect">
-            <a:avLst/>
-          </a:prstGeom>
-          <a:noFill/>
-          <a:ln>
-            <a:noFill/>
-          </a:ln>
-        </p:spPr>
-        <p:txBody>
-          <a:bodyPr lIns="91425" tIns="91425" rIns="91425" bIns="91425" anchor="ctr" anchorCtr="0">
-            <a:noAutofit/>
-          </a:bodyPr>
-          <a:lstStyle/>
-          <a:p>
-            <a:pPr lvl="0">
-              <a:spcBef>
-                <a:spcPts val="0"/>
-              </a:spcBef>
-              <a:buNone/>
-            </a:pPr>
-            <a:endParaRPr/>
-          </a:p>
-        </p:txBody>
-      </p:sp>
-      <p:sp>
-        <p:nvSpPr>
-          <p:cNvPr id="211" name="Shape 211"/>
-          <p:cNvSpPr>
-            <a:spLocks noGrp="1" noRot="1" noChangeAspect="1"/>
-          </p:cNvSpPr>
-          <p:nvPr>
-            <p:ph type="sldImg" idx="2"/>
-          </p:nvPr>
-        </p:nvSpPr>
-        <p:spPr>
-          <a:xfrm>
-            <a:off x="381000" y="685800"/>
-            <a:ext cx="6096000" cy="3429000"/>
-          </a:xfrm>
-          <a:custGeom>
-            <a:avLst/>
-            <a:gdLst/>
-            <a:ahLst/>
-            <a:cxnLst/>
-            <a:rect l="0" t="0" r="0" b="0"/>
-            <a:pathLst>
-              <a:path w="120000" h="120000" extrusionOk="0">
-                <a:moveTo>
-                  <a:pt x="0" y="0"/>
-                </a:moveTo>
-                <a:lnTo>
-                  <a:pt x="120000" y="0"/>
-                </a:lnTo>
-                <a:lnTo>
-                  <a:pt x="120000" y="120000"/>
-                </a:lnTo>
-                <a:lnTo>
-                  <a:pt x="0" y="120000"/>
-                </a:lnTo>
-                <a:close/>
-              </a:path>
-            </a:pathLst>
-          </a:custGeom>
-        </p:spPr>
-      </p:sp>
-    </p:spTree>
-    <p:extLst>
-      <p:ext uri="{BB962C8B-B14F-4D97-AF65-F5344CB8AC3E}">
-        <p14:creationId xmlns:p14="http://schemas.microsoft.com/office/powerpoint/2010/main" val="2188512029"/>
-      </p:ext>
-    </p:extLst>
-  </p:cSld>
-  <p:clrMapOvr>
-    <a:masterClrMapping/>
-  </p:clrMapOvr>
-</p:notes>
-</file>
-
 <file path=ppt/notesSlides/notesSlide2.xml><?xml version="1.0" encoding="utf-8"?>
 <p:notes xmlns:a="http://schemas.openxmlformats.org/drawingml/2006/main" xmlns:r="http://schemas.openxmlformats.org/officeDocument/2006/relationships" xmlns:p="http://schemas.openxmlformats.org/presentationml/2006/main" showMasterSp="0" showMasterPhAnim="0">
   <p:cSld>
@@ -1849,336 +1846,6 @@
     <p:extLst>
       <p:ext uri="{BB962C8B-B14F-4D97-AF65-F5344CB8AC3E}">
         <p14:creationId xmlns:p14="http://schemas.microsoft.com/office/powerpoint/2010/main" val="531546751"/>
-      </p:ext>
-    </p:extLst>
-  </p:cSld>
-  <p:clrMapOvr>
-    <a:masterClrMapping/>
-  </p:clrMapOvr>
-</p:notes>
-</file>
-
-<file path=ppt/notesSlides/notesSlide20.xml><?xml version="1.0" encoding="utf-8"?>
-<p:notes xmlns:a="http://schemas.openxmlformats.org/drawingml/2006/main" xmlns:r="http://schemas.openxmlformats.org/officeDocument/2006/relationships" xmlns:p="http://schemas.openxmlformats.org/presentationml/2006/main" showMasterSp="0" showMasterPhAnim="0">
-  <p:cSld>
-    <p:spTree>
-      <p:nvGrpSpPr>
-        <p:cNvPr id="1" name="Shape 209"/>
-        <p:cNvGrpSpPr/>
-        <p:nvPr/>
-      </p:nvGrpSpPr>
-      <p:grpSpPr>
-        <a:xfrm>
-          <a:off x="0" y="0"/>
-          <a:ext cx="0" cy="0"/>
-          <a:chOff x="0" y="0"/>
-          <a:chExt cx="0" cy="0"/>
-        </a:xfrm>
-      </p:grpSpPr>
-      <p:sp>
-        <p:nvSpPr>
-          <p:cNvPr id="210" name="Shape 210"/>
-          <p:cNvSpPr txBox="1">
-            <a:spLocks noGrp="1"/>
-          </p:cNvSpPr>
-          <p:nvPr>
-            <p:ph type="body" idx="1"/>
-          </p:nvPr>
-        </p:nvSpPr>
-        <p:spPr>
-          <a:xfrm>
-            <a:off x="685800" y="4343400"/>
-            <a:ext cx="5486399" cy="4114800"/>
-          </a:xfrm>
-          <a:prstGeom prst="rect">
-            <a:avLst/>
-          </a:prstGeom>
-          <a:noFill/>
-          <a:ln>
-            <a:noFill/>
-          </a:ln>
-        </p:spPr>
-        <p:txBody>
-          <a:bodyPr lIns="91425" tIns="91425" rIns="91425" bIns="91425" anchor="ctr" anchorCtr="0">
-            <a:noAutofit/>
-          </a:bodyPr>
-          <a:lstStyle/>
-          <a:p>
-            <a:pPr lvl="0">
-              <a:spcBef>
-                <a:spcPts val="0"/>
-              </a:spcBef>
-              <a:buNone/>
-            </a:pPr>
-            <a:endParaRPr/>
-          </a:p>
-        </p:txBody>
-      </p:sp>
-      <p:sp>
-        <p:nvSpPr>
-          <p:cNvPr id="211" name="Shape 211"/>
-          <p:cNvSpPr>
-            <a:spLocks noGrp="1" noRot="1" noChangeAspect="1"/>
-          </p:cNvSpPr>
-          <p:nvPr>
-            <p:ph type="sldImg" idx="2"/>
-          </p:nvPr>
-        </p:nvSpPr>
-        <p:spPr>
-          <a:xfrm>
-            <a:off x="381000" y="685800"/>
-            <a:ext cx="6096000" cy="3429000"/>
-          </a:xfrm>
-          <a:custGeom>
-            <a:avLst/>
-            <a:gdLst/>
-            <a:ahLst/>
-            <a:cxnLst/>
-            <a:rect l="0" t="0" r="0" b="0"/>
-            <a:pathLst>
-              <a:path w="120000" h="120000" extrusionOk="0">
-                <a:moveTo>
-                  <a:pt x="0" y="0"/>
-                </a:moveTo>
-                <a:lnTo>
-                  <a:pt x="120000" y="0"/>
-                </a:lnTo>
-                <a:lnTo>
-                  <a:pt x="120000" y="120000"/>
-                </a:lnTo>
-                <a:lnTo>
-                  <a:pt x="0" y="120000"/>
-                </a:lnTo>
-                <a:close/>
-              </a:path>
-            </a:pathLst>
-          </a:custGeom>
-        </p:spPr>
-      </p:sp>
-    </p:spTree>
-    <p:extLst>
-      <p:ext uri="{BB962C8B-B14F-4D97-AF65-F5344CB8AC3E}">
-        <p14:creationId xmlns:p14="http://schemas.microsoft.com/office/powerpoint/2010/main" val="1515860995"/>
-      </p:ext>
-    </p:extLst>
-  </p:cSld>
-  <p:clrMapOvr>
-    <a:masterClrMapping/>
-  </p:clrMapOvr>
-</p:notes>
-</file>
-
-<file path=ppt/notesSlides/notesSlide21.xml><?xml version="1.0" encoding="utf-8"?>
-<p:notes xmlns:a="http://schemas.openxmlformats.org/drawingml/2006/main" xmlns:r="http://schemas.openxmlformats.org/officeDocument/2006/relationships" xmlns:p="http://schemas.openxmlformats.org/presentationml/2006/main" showMasterSp="0" showMasterPhAnim="0">
-  <p:cSld>
-    <p:spTree>
-      <p:nvGrpSpPr>
-        <p:cNvPr id="1" name="Shape 209"/>
-        <p:cNvGrpSpPr/>
-        <p:nvPr/>
-      </p:nvGrpSpPr>
-      <p:grpSpPr>
-        <a:xfrm>
-          <a:off x="0" y="0"/>
-          <a:ext cx="0" cy="0"/>
-          <a:chOff x="0" y="0"/>
-          <a:chExt cx="0" cy="0"/>
-        </a:xfrm>
-      </p:grpSpPr>
-      <p:sp>
-        <p:nvSpPr>
-          <p:cNvPr id="210" name="Shape 210"/>
-          <p:cNvSpPr txBox="1">
-            <a:spLocks noGrp="1"/>
-          </p:cNvSpPr>
-          <p:nvPr>
-            <p:ph type="body" idx="1"/>
-          </p:nvPr>
-        </p:nvSpPr>
-        <p:spPr>
-          <a:xfrm>
-            <a:off x="685800" y="4343400"/>
-            <a:ext cx="5486399" cy="4114800"/>
-          </a:xfrm>
-          <a:prstGeom prst="rect">
-            <a:avLst/>
-          </a:prstGeom>
-          <a:noFill/>
-          <a:ln>
-            <a:noFill/>
-          </a:ln>
-        </p:spPr>
-        <p:txBody>
-          <a:bodyPr lIns="91425" tIns="91425" rIns="91425" bIns="91425" anchor="ctr" anchorCtr="0">
-            <a:noAutofit/>
-          </a:bodyPr>
-          <a:lstStyle/>
-          <a:p>
-            <a:pPr lvl="0">
-              <a:spcBef>
-                <a:spcPts val="0"/>
-              </a:spcBef>
-              <a:buNone/>
-            </a:pPr>
-            <a:endParaRPr/>
-          </a:p>
-        </p:txBody>
-      </p:sp>
-      <p:sp>
-        <p:nvSpPr>
-          <p:cNvPr id="211" name="Shape 211"/>
-          <p:cNvSpPr>
-            <a:spLocks noGrp="1" noRot="1" noChangeAspect="1"/>
-          </p:cNvSpPr>
-          <p:nvPr>
-            <p:ph type="sldImg" idx="2"/>
-          </p:nvPr>
-        </p:nvSpPr>
-        <p:spPr>
-          <a:xfrm>
-            <a:off x="381000" y="685800"/>
-            <a:ext cx="6096000" cy="3429000"/>
-          </a:xfrm>
-          <a:custGeom>
-            <a:avLst/>
-            <a:gdLst/>
-            <a:ahLst/>
-            <a:cxnLst/>
-            <a:rect l="0" t="0" r="0" b="0"/>
-            <a:pathLst>
-              <a:path w="120000" h="120000" extrusionOk="0">
-                <a:moveTo>
-                  <a:pt x="0" y="0"/>
-                </a:moveTo>
-                <a:lnTo>
-                  <a:pt x="120000" y="0"/>
-                </a:lnTo>
-                <a:lnTo>
-                  <a:pt x="120000" y="120000"/>
-                </a:lnTo>
-                <a:lnTo>
-                  <a:pt x="0" y="120000"/>
-                </a:lnTo>
-                <a:close/>
-              </a:path>
-            </a:pathLst>
-          </a:custGeom>
-        </p:spPr>
-      </p:sp>
-    </p:spTree>
-    <p:extLst>
-      <p:ext uri="{BB962C8B-B14F-4D97-AF65-F5344CB8AC3E}">
-        <p14:creationId xmlns:p14="http://schemas.microsoft.com/office/powerpoint/2010/main" val="324783794"/>
-      </p:ext>
-    </p:extLst>
-  </p:cSld>
-  <p:clrMapOvr>
-    <a:masterClrMapping/>
-  </p:clrMapOvr>
-</p:notes>
-</file>
-
-<file path=ppt/notesSlides/notesSlide22.xml><?xml version="1.0" encoding="utf-8"?>
-<p:notes xmlns:a="http://schemas.openxmlformats.org/drawingml/2006/main" xmlns:r="http://schemas.openxmlformats.org/officeDocument/2006/relationships" xmlns:p="http://schemas.openxmlformats.org/presentationml/2006/main" showMasterSp="0" showMasterPhAnim="0">
-  <p:cSld>
-    <p:spTree>
-      <p:nvGrpSpPr>
-        <p:cNvPr id="1" name="Shape 209"/>
-        <p:cNvGrpSpPr/>
-        <p:nvPr/>
-      </p:nvGrpSpPr>
-      <p:grpSpPr>
-        <a:xfrm>
-          <a:off x="0" y="0"/>
-          <a:ext cx="0" cy="0"/>
-          <a:chOff x="0" y="0"/>
-          <a:chExt cx="0" cy="0"/>
-        </a:xfrm>
-      </p:grpSpPr>
-      <p:sp>
-        <p:nvSpPr>
-          <p:cNvPr id="210" name="Shape 210"/>
-          <p:cNvSpPr txBox="1">
-            <a:spLocks noGrp="1"/>
-          </p:cNvSpPr>
-          <p:nvPr>
-            <p:ph type="body" idx="1"/>
-          </p:nvPr>
-        </p:nvSpPr>
-        <p:spPr>
-          <a:xfrm>
-            <a:off x="685800" y="4343400"/>
-            <a:ext cx="5486399" cy="4114800"/>
-          </a:xfrm>
-          <a:prstGeom prst="rect">
-            <a:avLst/>
-          </a:prstGeom>
-          <a:noFill/>
-          <a:ln>
-            <a:noFill/>
-          </a:ln>
-        </p:spPr>
-        <p:txBody>
-          <a:bodyPr lIns="91425" tIns="91425" rIns="91425" bIns="91425" anchor="ctr" anchorCtr="0">
-            <a:noAutofit/>
-          </a:bodyPr>
-          <a:lstStyle/>
-          <a:p>
-            <a:pPr lvl="0">
-              <a:spcBef>
-                <a:spcPts val="0"/>
-              </a:spcBef>
-              <a:buNone/>
-            </a:pPr>
-            <a:endParaRPr/>
-          </a:p>
-        </p:txBody>
-      </p:sp>
-      <p:sp>
-        <p:nvSpPr>
-          <p:cNvPr id="211" name="Shape 211"/>
-          <p:cNvSpPr>
-            <a:spLocks noGrp="1" noRot="1" noChangeAspect="1"/>
-          </p:cNvSpPr>
-          <p:nvPr>
-            <p:ph type="sldImg" idx="2"/>
-          </p:nvPr>
-        </p:nvSpPr>
-        <p:spPr>
-          <a:xfrm>
-            <a:off x="381000" y="685800"/>
-            <a:ext cx="6096000" cy="3429000"/>
-          </a:xfrm>
-          <a:custGeom>
-            <a:avLst/>
-            <a:gdLst/>
-            <a:ahLst/>
-            <a:cxnLst/>
-            <a:rect l="0" t="0" r="0" b="0"/>
-            <a:pathLst>
-              <a:path w="120000" h="120000" extrusionOk="0">
-                <a:moveTo>
-                  <a:pt x="0" y="0"/>
-                </a:moveTo>
-                <a:lnTo>
-                  <a:pt x="120000" y="0"/>
-                </a:lnTo>
-                <a:lnTo>
-                  <a:pt x="120000" y="120000"/>
-                </a:lnTo>
-                <a:lnTo>
-                  <a:pt x="0" y="120000"/>
-                </a:lnTo>
-                <a:close/>
-              </a:path>
-            </a:pathLst>
-          </a:custGeom>
-        </p:spPr>
-      </p:sp>
-    </p:spTree>
-    <p:extLst>
-      <p:ext uri="{BB962C8B-B14F-4D97-AF65-F5344CB8AC3E}">
-        <p14:creationId xmlns:p14="http://schemas.microsoft.com/office/powerpoint/2010/main" val="1337526625"/>
       </p:ext>
     </p:extLst>
   </p:cSld>
@@ -14014,7 +13681,6 @@
               <a:rPr lang="ru-RU" sz="3600" dirty="0" smtClean="0"/>
               <a:t>При работе программы возможны исключения различных типов</a:t>
             </a:r>
-            <a:endParaRPr lang="ru-RU" sz="3600" dirty="0" smtClean="0"/>
           </a:p>
         </p:txBody>
       </p:sp>
@@ -16451,6 +16117,1097 @@
           <a:chExt cx="0" cy="0"/>
         </a:xfrm>
       </p:grpSpPr>
+      <p:pic>
+        <p:nvPicPr>
+          <p:cNvPr id="3" name="Рисунок 2"/>
+          <p:cNvPicPr>
+            <a:picLocks noChangeAspect="1"/>
+          </p:cNvPicPr>
+          <p:nvPr/>
+        </p:nvPicPr>
+        <p:blipFill rotWithShape="1">
+          <a:blip r:embed="rId3"/>
+          <a:srcRect l="30149" t="52716" r="40576" b="36628"/>
+          <a:stretch/>
+        </p:blipFill>
+        <p:spPr>
+          <a:xfrm>
+            <a:off x="8877300" y="3032197"/>
+            <a:ext cx="6704773" cy="1372773"/>
+          </a:xfrm>
+          <a:prstGeom prst="rect">
+            <a:avLst/>
+          </a:prstGeom>
+        </p:spPr>
+      </p:pic>
+      <p:sp>
+        <p:nvSpPr>
+          <p:cNvPr id="398" name="Shape 398"/>
+          <p:cNvSpPr txBox="1"/>
+          <p:nvPr/>
+        </p:nvSpPr>
+        <p:spPr>
+          <a:xfrm>
+            <a:off x="2052735" y="628781"/>
+            <a:ext cx="12465697" cy="660300"/>
+          </a:xfrm>
+          <a:prstGeom prst="rect">
+            <a:avLst/>
+          </a:prstGeom>
+          <a:noFill/>
+          <a:ln>
+            <a:noFill/>
+          </a:ln>
+        </p:spPr>
+        <p:txBody>
+          <a:bodyPr lIns="0" tIns="0" rIns="0" bIns="0" anchor="ctr" anchorCtr="0">
+            <a:noAutofit/>
+          </a:bodyPr>
+          <a:lstStyle/>
+          <a:p>
+            <a:pPr lvl="0" algn="ctr">
+              <a:buClr>
+                <a:srgbClr val="00FF00"/>
+              </a:buClr>
+              <a:buSzPct val="25000"/>
+              <a:defRPr/>
+            </a:pPr>
+            <a:r>
+              <a:rPr lang="ru-RU" sz="4800" dirty="0" smtClean="0">
+                <a:solidFill>
+                  <a:schemeClr val="bg2"/>
+                </a:solidFill>
+                <a:latin typeface="Cabin"/>
+                <a:ea typeface="Cabin"/>
+                <a:cs typeface="Cabin"/>
+                <a:sym typeface="Cabin"/>
+              </a:rPr>
+              <a:t>Перехват</a:t>
+            </a:r>
+            <a:r>
+              <a:rPr lang="en-US" sz="4800" dirty="0" smtClean="0">
+                <a:solidFill>
+                  <a:schemeClr val="bg2"/>
+                </a:solidFill>
+                <a:latin typeface="Cabin"/>
+                <a:ea typeface="Cabin"/>
+                <a:cs typeface="Cabin"/>
+                <a:sym typeface="Cabin"/>
+              </a:rPr>
+              <a:t> </a:t>
+            </a:r>
+            <a:r>
+              <a:rPr lang="ru-RU" sz="4800" dirty="0" smtClean="0">
+                <a:solidFill>
+                  <a:schemeClr val="bg2"/>
+                </a:solidFill>
+                <a:latin typeface="Cabin"/>
+                <a:ea typeface="Cabin"/>
+                <a:cs typeface="Cabin"/>
+                <a:sym typeface="Cabin"/>
+              </a:rPr>
+              <a:t>нескольких исключений</a:t>
+            </a:r>
+            <a:endParaRPr kumimoji="0" lang="en-US" sz="4800" b="0" i="0" u="none" strike="noStrike" kern="0" cap="none" spc="0" normalizeH="0" baseline="0" noProof="0" dirty="0">
+              <a:ln>
+                <a:noFill/>
+              </a:ln>
+              <a:solidFill>
+                <a:schemeClr val="bg2"/>
+              </a:solidFill>
+              <a:effectLst/>
+              <a:uLnTx/>
+              <a:uFillTx/>
+              <a:latin typeface="Cabin"/>
+              <a:ea typeface="Cabin"/>
+              <a:cs typeface="Cabin"/>
+              <a:sym typeface="Cabin"/>
+            </a:endParaRPr>
+          </a:p>
+        </p:txBody>
+      </p:sp>
+      <p:sp>
+        <p:nvSpPr>
+          <p:cNvPr id="2" name="TextBox 1"/>
+          <p:cNvSpPr txBox="1"/>
+          <p:nvPr/>
+        </p:nvSpPr>
+        <p:spPr>
+          <a:xfrm>
+            <a:off x="945040" y="1571453"/>
+            <a:ext cx="14197623" cy="1200329"/>
+          </a:xfrm>
+          <a:prstGeom prst="rect">
+            <a:avLst/>
+          </a:prstGeom>
+          <a:noFill/>
+        </p:spPr>
+        <p:txBody>
+          <a:bodyPr wrap="square" rtlCol="0">
+            <a:spAutoFit/>
+          </a:bodyPr>
+          <a:lstStyle/>
+          <a:p>
+            <a:r>
+              <a:rPr lang="ru-RU" sz="3600" dirty="0"/>
+              <a:t>Блок </a:t>
+            </a:r>
+            <a:r>
+              <a:rPr lang="ru-RU" sz="3600" dirty="0" err="1">
+                <a:solidFill>
+                  <a:srgbClr val="00B050"/>
+                </a:solidFill>
+                <a:latin typeface="Courier New" panose="02070309020205020404" pitchFamily="49" charset="0"/>
+                <a:cs typeface="Courier New" panose="02070309020205020404" pitchFamily="49" charset="0"/>
+              </a:rPr>
+              <a:t>except</a:t>
+            </a:r>
+            <a:r>
+              <a:rPr lang="ru-RU" sz="3600" dirty="0"/>
+              <a:t> может </a:t>
+            </a:r>
+            <a:r>
+              <a:rPr lang="ru-RU" sz="3600" dirty="0" smtClean="0"/>
+              <a:t>содержать </a:t>
+            </a:r>
+            <a:r>
+              <a:rPr lang="ru-RU" sz="3600" dirty="0"/>
+              <a:t>несколько исключений в виде заключённого в скобки </a:t>
+            </a:r>
+            <a:r>
+              <a:rPr lang="ru-RU" sz="3600" dirty="0" smtClean="0"/>
+              <a:t>кортежа</a:t>
+            </a:r>
+          </a:p>
+        </p:txBody>
+      </p:sp>
+      <p:pic>
+        <p:nvPicPr>
+          <p:cNvPr id="4099" name="Picture 3"/>
+          <p:cNvPicPr>
+            <a:picLocks noChangeAspect="1" noChangeArrowheads="1"/>
+          </p:cNvPicPr>
+          <p:nvPr/>
+        </p:nvPicPr>
+        <p:blipFill rotWithShape="1">
+          <a:blip r:embed="rId4">
+            <a:extLst>
+              <a:ext uri="{28A0092B-C50C-407E-A947-70E740481C1C}">
+                <a14:useLocalDpi xmlns:a14="http://schemas.microsoft.com/office/drawing/2010/main" val="0"/>
+              </a:ext>
+            </a:extLst>
+          </a:blip>
+          <a:srcRect b="78270"/>
+          <a:stretch/>
+        </p:blipFill>
+        <p:spPr bwMode="auto">
+          <a:xfrm>
+            <a:off x="945040" y="5196115"/>
+            <a:ext cx="8155417" cy="449942"/>
+          </a:xfrm>
+          <a:prstGeom prst="rect">
+            <a:avLst/>
+          </a:prstGeom>
+          <a:noFill/>
+          <a:ln>
+            <a:noFill/>
+          </a:ln>
+          <a:effectLst/>
+          <a:extLst>
+            <a:ext uri="{909E8E84-426E-40DD-AFC4-6F175D3DCCD1}">
+              <a14:hiddenFill xmlns:a14="http://schemas.microsoft.com/office/drawing/2010/main">
+                <a:solidFill>
+                  <a:schemeClr val="accent1"/>
+                </a:solidFill>
+              </a14:hiddenFill>
+            </a:ext>
+            <a:ext uri="{91240B29-F687-4F45-9708-019B960494DF}">
+              <a14:hiddenLine xmlns:a14="http://schemas.microsoft.com/office/drawing/2010/main" w="9525">
+                <a:solidFill>
+                  <a:schemeClr val="tx1"/>
+                </a:solidFill>
+                <a:miter lim="800000"/>
+                <a:headEnd/>
+                <a:tailEnd/>
+              </a14:hiddenLine>
+            </a:ext>
+            <a:ext uri="{AF507438-7753-43E0-B8FC-AC1667EBCBE1}">
+              <a14:hiddenEffects xmlns:a14="http://schemas.microsoft.com/office/drawing/2010/main">
+                <a:effectLst>
+                  <a:outerShdw dist="35921" dir="2700000" algn="ctr" rotWithShape="0">
+                    <a:schemeClr val="bg2"/>
+                  </a:outerShdw>
+                </a:effectLst>
+              </a14:hiddenEffects>
+            </a:ext>
+          </a:extLst>
+        </p:spPr>
+      </p:pic>
+      <p:sp>
+        <p:nvSpPr>
+          <p:cNvPr id="20" name="Облако 19"/>
+          <p:cNvSpPr/>
+          <p:nvPr/>
+        </p:nvSpPr>
+        <p:spPr>
+          <a:xfrm>
+            <a:off x="3863737" y="4326735"/>
+            <a:ext cx="4180114" cy="1051715"/>
+          </a:xfrm>
+          <a:prstGeom prst="cloud">
+            <a:avLst/>
+          </a:prstGeom>
+        </p:spPr>
+        <p:style>
+          <a:lnRef idx="2">
+            <a:schemeClr val="accent1">
+              <a:shade val="50000"/>
+            </a:schemeClr>
+          </a:lnRef>
+          <a:fillRef idx="1">
+            <a:schemeClr val="accent1"/>
+          </a:fillRef>
+          <a:effectRef idx="0">
+            <a:schemeClr val="accent1"/>
+          </a:effectRef>
+          <a:fontRef idx="minor">
+            <a:schemeClr val="lt1"/>
+          </a:fontRef>
+        </p:style>
+        <p:txBody>
+          <a:bodyPr rtlCol="0" anchor="ctr"/>
+          <a:lstStyle/>
+          <a:p>
+            <a:pPr algn="ctr"/>
+            <a:r>
+              <a:rPr lang="ru-RU" sz="2000" dirty="0" smtClean="0">
+                <a:solidFill>
+                  <a:schemeClr val="bg2"/>
+                </a:solidFill>
+              </a:rPr>
+              <a:t>Нажимаем </a:t>
+            </a:r>
+            <a:r>
+              <a:rPr lang="en-US" sz="2000" dirty="0" smtClean="0">
+                <a:solidFill>
+                  <a:schemeClr val="bg2"/>
+                </a:solidFill>
+              </a:rPr>
+              <a:t>Ctrl-D</a:t>
+            </a:r>
+            <a:endParaRPr lang="ru-RU" sz="2000" dirty="0">
+              <a:solidFill>
+                <a:schemeClr val="bg2"/>
+              </a:solidFill>
+            </a:endParaRPr>
+          </a:p>
+        </p:txBody>
+      </p:sp>
+      <p:cxnSp>
+        <p:nvCxnSpPr>
+          <p:cNvPr id="21" name="Прямая со стрелкой 20"/>
+          <p:cNvCxnSpPr>
+            <a:stCxn id="5" idx="3"/>
+          </p:cNvCxnSpPr>
+          <p:nvPr/>
+        </p:nvCxnSpPr>
+        <p:spPr>
+          <a:xfrm flipV="1">
+            <a:off x="4640610" y="3946977"/>
+            <a:ext cx="7716490" cy="1976045"/>
+          </a:xfrm>
+          <a:prstGeom prst="straightConnector1">
+            <a:avLst/>
+          </a:prstGeom>
+          <a:ln w="28575">
+            <a:solidFill>
+              <a:srgbClr val="FF0000"/>
+            </a:solidFill>
+            <a:headEnd type="none" w="med" len="med"/>
+            <a:tailEnd type="arrow" w="med" len="med"/>
+          </a:ln>
+        </p:spPr>
+        <p:style>
+          <a:lnRef idx="1">
+            <a:schemeClr val="accent1"/>
+          </a:lnRef>
+          <a:fillRef idx="0">
+            <a:schemeClr val="accent1"/>
+          </a:fillRef>
+          <a:effectRef idx="0">
+            <a:schemeClr val="accent1"/>
+          </a:effectRef>
+          <a:fontRef idx="minor">
+            <a:schemeClr val="tx1"/>
+          </a:fontRef>
+        </p:style>
+      </p:cxnSp>
+      <p:sp>
+        <p:nvSpPr>
+          <p:cNvPr id="11" name="TextBox 10"/>
+          <p:cNvSpPr txBox="1"/>
+          <p:nvPr/>
+        </p:nvSpPr>
+        <p:spPr>
+          <a:xfrm rot="20732567">
+            <a:off x="5320295" y="5266117"/>
+            <a:ext cx="3938383" cy="646331"/>
+          </a:xfrm>
+          <a:prstGeom prst="rect">
+            <a:avLst/>
+          </a:prstGeom>
+          <a:noFill/>
+        </p:spPr>
+        <p:txBody>
+          <a:bodyPr wrap="square" rtlCol="0">
+            <a:spAutoFit/>
+          </a:bodyPr>
+          <a:lstStyle/>
+          <a:p>
+            <a:pPr algn="ctr"/>
+            <a:r>
+              <a:rPr lang="ru-RU" sz="1800" dirty="0" smtClean="0"/>
+              <a:t>Перехватили исключение</a:t>
+            </a:r>
+            <a:endParaRPr lang="en-US" sz="1800" dirty="0" smtClean="0"/>
+          </a:p>
+          <a:p>
+            <a:pPr algn="ctr"/>
+            <a:r>
+              <a:rPr lang="ru-RU" sz="1800" dirty="0" smtClean="0"/>
+              <a:t> типа </a:t>
+            </a:r>
+            <a:r>
+              <a:rPr lang="en-US" sz="1800" dirty="0" err="1" smtClean="0"/>
+              <a:t>KeyboardInterrupt</a:t>
+            </a:r>
+            <a:endParaRPr lang="ru-RU" sz="1800" dirty="0"/>
+          </a:p>
+        </p:txBody>
+      </p:sp>
+      <p:pic>
+        <p:nvPicPr>
+          <p:cNvPr id="25" name="Picture 3"/>
+          <p:cNvPicPr>
+            <a:picLocks noChangeAspect="1" noChangeArrowheads="1"/>
+          </p:cNvPicPr>
+          <p:nvPr/>
+        </p:nvPicPr>
+        <p:blipFill rotWithShape="1">
+          <a:blip r:embed="rId4">
+            <a:extLst>
+              <a:ext uri="{28A0092B-C50C-407E-A947-70E740481C1C}">
+                <a14:useLocalDpi xmlns:a14="http://schemas.microsoft.com/office/drawing/2010/main" val="0"/>
+              </a:ext>
+            </a:extLst>
+          </a:blip>
+          <a:srcRect t="59429" b="18841"/>
+          <a:stretch/>
+        </p:blipFill>
+        <p:spPr bwMode="auto">
+          <a:xfrm>
+            <a:off x="955218" y="6814456"/>
+            <a:ext cx="8155417" cy="449943"/>
+          </a:xfrm>
+          <a:prstGeom prst="rect">
+            <a:avLst/>
+          </a:prstGeom>
+          <a:noFill/>
+          <a:ln>
+            <a:noFill/>
+          </a:ln>
+          <a:effectLst/>
+          <a:extLst>
+            <a:ext uri="{909E8E84-426E-40DD-AFC4-6F175D3DCCD1}">
+              <a14:hiddenFill xmlns:a14="http://schemas.microsoft.com/office/drawing/2010/main">
+                <a:solidFill>
+                  <a:schemeClr val="accent1"/>
+                </a:solidFill>
+              </a14:hiddenFill>
+            </a:ext>
+            <a:ext uri="{91240B29-F687-4F45-9708-019B960494DF}">
+              <a14:hiddenLine xmlns:a14="http://schemas.microsoft.com/office/drawing/2010/main" w="9525">
+                <a:solidFill>
+                  <a:schemeClr val="tx1"/>
+                </a:solidFill>
+                <a:miter lim="800000"/>
+                <a:headEnd/>
+                <a:tailEnd/>
+              </a14:hiddenLine>
+            </a:ext>
+            <a:ext uri="{AF507438-7753-43E0-B8FC-AC1667EBCBE1}">
+              <a14:hiddenEffects xmlns:a14="http://schemas.microsoft.com/office/drawing/2010/main">
+                <a:effectLst>
+                  <a:outerShdw dist="35921" dir="2700000" algn="ctr" rotWithShape="0">
+                    <a:schemeClr val="bg2"/>
+                  </a:outerShdw>
+                </a:effectLst>
+              </a14:hiddenEffects>
+            </a:ext>
+          </a:extLst>
+        </p:spPr>
+      </p:pic>
+      <p:cxnSp>
+        <p:nvCxnSpPr>
+          <p:cNvPr id="27" name="Прямая со стрелкой 26"/>
+          <p:cNvCxnSpPr>
+            <a:stCxn id="17" idx="3"/>
+          </p:cNvCxnSpPr>
+          <p:nvPr/>
+        </p:nvCxnSpPr>
+        <p:spPr>
+          <a:xfrm flipV="1">
+            <a:off x="4755642" y="3978563"/>
+            <a:ext cx="6463901" cy="3623342"/>
+          </a:xfrm>
+          <a:prstGeom prst="straightConnector1">
+            <a:avLst/>
+          </a:prstGeom>
+          <a:ln w="28575">
+            <a:solidFill>
+              <a:srgbClr val="FF0000"/>
+            </a:solidFill>
+            <a:headEnd type="none" w="med" len="med"/>
+            <a:tailEnd type="arrow" w="med" len="med"/>
+          </a:ln>
+        </p:spPr>
+        <p:style>
+          <a:lnRef idx="1">
+            <a:schemeClr val="accent1"/>
+          </a:lnRef>
+          <a:fillRef idx="0">
+            <a:schemeClr val="accent1"/>
+          </a:fillRef>
+          <a:effectRef idx="0">
+            <a:schemeClr val="accent1"/>
+          </a:effectRef>
+          <a:fontRef idx="minor">
+            <a:schemeClr val="tx1"/>
+          </a:fontRef>
+        </p:style>
+      </p:cxnSp>
+      <p:sp>
+        <p:nvSpPr>
+          <p:cNvPr id="28" name="TextBox 27"/>
+          <p:cNvSpPr txBox="1"/>
+          <p:nvPr/>
+        </p:nvSpPr>
+        <p:spPr>
+          <a:xfrm rot="19839005">
+            <a:off x="4759556" y="5705005"/>
+            <a:ext cx="6894956" cy="369332"/>
+          </a:xfrm>
+          <a:prstGeom prst="rect">
+            <a:avLst/>
+          </a:prstGeom>
+          <a:noFill/>
+        </p:spPr>
+        <p:txBody>
+          <a:bodyPr wrap="square" rtlCol="0">
+            <a:spAutoFit/>
+          </a:bodyPr>
+          <a:lstStyle/>
+          <a:p>
+            <a:pPr algn="ctr"/>
+            <a:r>
+              <a:rPr lang="ru-RU" sz="1800" dirty="0" smtClean="0"/>
+              <a:t>Перехватили исключение</a:t>
+            </a:r>
+            <a:r>
+              <a:rPr lang="en-US" sz="1800" dirty="0" smtClean="0"/>
+              <a:t> </a:t>
+            </a:r>
+            <a:r>
+              <a:rPr lang="ru-RU" sz="1800" dirty="0" smtClean="0"/>
+              <a:t>типа </a:t>
+            </a:r>
+            <a:r>
+              <a:rPr lang="en-US" sz="1800" dirty="0" err="1" smtClean="0"/>
+              <a:t>ValueError</a:t>
+            </a:r>
+            <a:endParaRPr lang="ru-RU" sz="1800" dirty="0"/>
+          </a:p>
+        </p:txBody>
+      </p:sp>
+      <p:pic>
+        <p:nvPicPr>
+          <p:cNvPr id="5" name="Рисунок 4"/>
+          <p:cNvPicPr>
+            <a:picLocks noChangeAspect="1"/>
+          </p:cNvPicPr>
+          <p:nvPr/>
+        </p:nvPicPr>
+        <p:blipFill rotWithShape="1">
+          <a:blip r:embed="rId5"/>
+          <a:srcRect l="70" t="89068" r="87430" b="7694"/>
+          <a:stretch/>
+        </p:blipFill>
+        <p:spPr>
+          <a:xfrm>
+            <a:off x="840186" y="5646057"/>
+            <a:ext cx="3800424" cy="553929"/>
+          </a:xfrm>
+          <a:prstGeom prst="rect">
+            <a:avLst/>
+          </a:prstGeom>
+        </p:spPr>
+      </p:pic>
+      <p:pic>
+        <p:nvPicPr>
+          <p:cNvPr id="17" name="Рисунок 16"/>
+          <p:cNvPicPr>
+            <a:picLocks noChangeAspect="1"/>
+          </p:cNvPicPr>
+          <p:nvPr/>
+        </p:nvPicPr>
+        <p:blipFill rotWithShape="1">
+          <a:blip r:embed="rId5"/>
+          <a:srcRect l="70" t="89068" r="87430" b="7694"/>
+          <a:stretch/>
+        </p:blipFill>
+        <p:spPr>
+          <a:xfrm>
+            <a:off x="955218" y="7324940"/>
+            <a:ext cx="3800424" cy="553929"/>
+          </a:xfrm>
+          <a:prstGeom prst="rect">
+            <a:avLst/>
+          </a:prstGeom>
+        </p:spPr>
+      </p:pic>
+    </p:spTree>
+    <p:extLst>
+      <p:ext uri="{BB962C8B-B14F-4D97-AF65-F5344CB8AC3E}">
+        <p14:creationId xmlns:p14="http://schemas.microsoft.com/office/powerpoint/2010/main" val="1663233770"/>
+      </p:ext>
+    </p:extLst>
+  </p:cSld>
+  <p:clrMapOvr>
+    <a:masterClrMapping/>
+  </p:clrMapOvr>
+  <p:timing>
+    <p:tnLst>
+      <p:par>
+        <p:cTn id="1" dur="indefinite" restart="never" nodeType="tmRoot">
+          <p:childTnLst>
+            <p:seq concurrent="1" nextAc="seek">
+              <p:cTn id="2" dur="indefinite" nodeType="mainSeq">
+                <p:childTnLst>
+                  <p:par>
+                    <p:cTn id="3" fill="hold">
+                      <p:stCondLst>
+                        <p:cond delay="indefinite"/>
+                      </p:stCondLst>
+                      <p:childTnLst>
+                        <p:par>
+                          <p:cTn id="4" fill="hold">
+                            <p:stCondLst>
+                              <p:cond delay="0"/>
+                            </p:stCondLst>
+                            <p:childTnLst>
+                              <p:par>
+                                <p:cTn id="5" presetID="1" presetClass="entr" presetSubtype="0" fill="hold" grpId="0" nodeType="clickEffect">
+                                  <p:stCondLst>
+                                    <p:cond delay="0"/>
+                                  </p:stCondLst>
+                                  <p:childTnLst>
+                                    <p:set>
+                                      <p:cBhvr>
+                                        <p:cTn id="6" dur="1" fill="hold">
+                                          <p:stCondLst>
+                                            <p:cond delay="0"/>
+                                          </p:stCondLst>
+                                        </p:cTn>
+                                        <p:tgtEl>
+                                          <p:spTgt spid="2"/>
+                                        </p:tgtEl>
+                                        <p:attrNameLst>
+                                          <p:attrName>style.visibility</p:attrName>
+                                        </p:attrNameLst>
+                                      </p:cBhvr>
+                                      <p:to>
+                                        <p:strVal val="visible"/>
+                                      </p:to>
+                                    </p:set>
+                                  </p:childTnLst>
+                                </p:cTn>
+                              </p:par>
+                            </p:childTnLst>
+                          </p:cTn>
+                        </p:par>
+                      </p:childTnLst>
+                    </p:cTn>
+                  </p:par>
+                  <p:par>
+                    <p:cTn id="7" fill="hold">
+                      <p:stCondLst>
+                        <p:cond delay="indefinite"/>
+                      </p:stCondLst>
+                      <p:childTnLst>
+                        <p:par>
+                          <p:cTn id="8" fill="hold">
+                            <p:stCondLst>
+                              <p:cond delay="0"/>
+                            </p:stCondLst>
+                            <p:childTnLst>
+                              <p:par>
+                                <p:cTn id="9" presetID="1" presetClass="entr" presetSubtype="0" fill="hold" nodeType="clickEffect">
+                                  <p:stCondLst>
+                                    <p:cond delay="0"/>
+                                  </p:stCondLst>
+                                  <p:childTnLst>
+                                    <p:set>
+                                      <p:cBhvr>
+                                        <p:cTn id="10" dur="1" fill="hold">
+                                          <p:stCondLst>
+                                            <p:cond delay="0"/>
+                                          </p:stCondLst>
+                                        </p:cTn>
+                                        <p:tgtEl>
+                                          <p:spTgt spid="4099"/>
+                                        </p:tgtEl>
+                                        <p:attrNameLst>
+                                          <p:attrName>style.visibility</p:attrName>
+                                        </p:attrNameLst>
+                                      </p:cBhvr>
+                                      <p:to>
+                                        <p:strVal val="visible"/>
+                                      </p:to>
+                                    </p:set>
+                                  </p:childTnLst>
+                                </p:cTn>
+                              </p:par>
+                            </p:childTnLst>
+                          </p:cTn>
+                        </p:par>
+                      </p:childTnLst>
+                    </p:cTn>
+                  </p:par>
+                  <p:par>
+                    <p:cTn id="11" fill="hold">
+                      <p:stCondLst>
+                        <p:cond delay="indefinite"/>
+                      </p:stCondLst>
+                      <p:childTnLst>
+                        <p:par>
+                          <p:cTn id="12" fill="hold">
+                            <p:stCondLst>
+                              <p:cond delay="0"/>
+                            </p:stCondLst>
+                            <p:childTnLst>
+                              <p:par>
+                                <p:cTn id="13" presetID="1" presetClass="entr" presetSubtype="0" fill="hold" nodeType="clickEffect">
+                                  <p:stCondLst>
+                                    <p:cond delay="0"/>
+                                  </p:stCondLst>
+                                  <p:childTnLst>
+                                    <p:set>
+                                      <p:cBhvr>
+                                        <p:cTn id="14" dur="1" fill="hold">
+                                          <p:stCondLst>
+                                            <p:cond delay="0"/>
+                                          </p:stCondLst>
+                                        </p:cTn>
+                                        <p:tgtEl>
+                                          <p:spTgt spid="5"/>
+                                        </p:tgtEl>
+                                        <p:attrNameLst>
+                                          <p:attrName>style.visibility</p:attrName>
+                                        </p:attrNameLst>
+                                      </p:cBhvr>
+                                      <p:to>
+                                        <p:strVal val="visible"/>
+                                      </p:to>
+                                    </p:set>
+                                  </p:childTnLst>
+                                </p:cTn>
+                              </p:par>
+                            </p:childTnLst>
+                          </p:cTn>
+                        </p:par>
+                      </p:childTnLst>
+                    </p:cTn>
+                  </p:par>
+                  <p:par>
+                    <p:cTn id="15" fill="hold">
+                      <p:stCondLst>
+                        <p:cond delay="indefinite"/>
+                      </p:stCondLst>
+                      <p:childTnLst>
+                        <p:par>
+                          <p:cTn id="16" fill="hold">
+                            <p:stCondLst>
+                              <p:cond delay="0"/>
+                            </p:stCondLst>
+                            <p:childTnLst>
+                              <p:par>
+                                <p:cTn id="17" presetID="1" presetClass="entr" presetSubtype="0" fill="hold" grpId="0" nodeType="clickEffect">
+                                  <p:stCondLst>
+                                    <p:cond delay="0"/>
+                                  </p:stCondLst>
+                                  <p:childTnLst>
+                                    <p:set>
+                                      <p:cBhvr>
+                                        <p:cTn id="18" dur="1" fill="hold">
+                                          <p:stCondLst>
+                                            <p:cond delay="0"/>
+                                          </p:stCondLst>
+                                        </p:cTn>
+                                        <p:tgtEl>
+                                          <p:spTgt spid="20"/>
+                                        </p:tgtEl>
+                                        <p:attrNameLst>
+                                          <p:attrName>style.visibility</p:attrName>
+                                        </p:attrNameLst>
+                                      </p:cBhvr>
+                                      <p:to>
+                                        <p:strVal val="visible"/>
+                                      </p:to>
+                                    </p:set>
+                                  </p:childTnLst>
+                                </p:cTn>
+                              </p:par>
+                            </p:childTnLst>
+                          </p:cTn>
+                        </p:par>
+                      </p:childTnLst>
+                    </p:cTn>
+                  </p:par>
+                  <p:par>
+                    <p:cTn id="19" fill="hold">
+                      <p:stCondLst>
+                        <p:cond delay="indefinite"/>
+                      </p:stCondLst>
+                      <p:childTnLst>
+                        <p:par>
+                          <p:cTn id="20" fill="hold">
+                            <p:stCondLst>
+                              <p:cond delay="0"/>
+                            </p:stCondLst>
+                            <p:childTnLst>
+                              <p:par>
+                                <p:cTn id="21" presetID="1" presetClass="entr" presetSubtype="0" fill="hold" nodeType="clickEffect">
+                                  <p:stCondLst>
+                                    <p:cond delay="0"/>
+                                  </p:stCondLst>
+                                  <p:childTnLst>
+                                    <p:set>
+                                      <p:cBhvr>
+                                        <p:cTn id="22" dur="1" fill="hold">
+                                          <p:stCondLst>
+                                            <p:cond delay="0"/>
+                                          </p:stCondLst>
+                                        </p:cTn>
+                                        <p:tgtEl>
+                                          <p:spTgt spid="3"/>
+                                        </p:tgtEl>
+                                        <p:attrNameLst>
+                                          <p:attrName>style.visibility</p:attrName>
+                                        </p:attrNameLst>
+                                      </p:cBhvr>
+                                      <p:to>
+                                        <p:strVal val="visible"/>
+                                      </p:to>
+                                    </p:set>
+                                  </p:childTnLst>
+                                </p:cTn>
+                              </p:par>
+                            </p:childTnLst>
+                          </p:cTn>
+                        </p:par>
+                      </p:childTnLst>
+                    </p:cTn>
+                  </p:par>
+                  <p:par>
+                    <p:cTn id="23" fill="hold">
+                      <p:stCondLst>
+                        <p:cond delay="indefinite"/>
+                      </p:stCondLst>
+                      <p:childTnLst>
+                        <p:par>
+                          <p:cTn id="24" fill="hold">
+                            <p:stCondLst>
+                              <p:cond delay="0"/>
+                            </p:stCondLst>
+                            <p:childTnLst>
+                              <p:par>
+                                <p:cTn id="25" presetID="1" presetClass="entr" presetSubtype="0" fill="hold" nodeType="clickEffect">
+                                  <p:stCondLst>
+                                    <p:cond delay="0"/>
+                                  </p:stCondLst>
+                                  <p:childTnLst>
+                                    <p:set>
+                                      <p:cBhvr>
+                                        <p:cTn id="26" dur="1" fill="hold">
+                                          <p:stCondLst>
+                                            <p:cond delay="0"/>
+                                          </p:stCondLst>
+                                        </p:cTn>
+                                        <p:tgtEl>
+                                          <p:spTgt spid="21"/>
+                                        </p:tgtEl>
+                                        <p:attrNameLst>
+                                          <p:attrName>style.visibility</p:attrName>
+                                        </p:attrNameLst>
+                                      </p:cBhvr>
+                                      <p:to>
+                                        <p:strVal val="visible"/>
+                                      </p:to>
+                                    </p:set>
+                                  </p:childTnLst>
+                                </p:cTn>
+                              </p:par>
+                              <p:par>
+                                <p:cTn id="27" presetID="1" presetClass="entr" presetSubtype="0" fill="hold" grpId="0" nodeType="withEffect">
+                                  <p:stCondLst>
+                                    <p:cond delay="0"/>
+                                  </p:stCondLst>
+                                  <p:childTnLst>
+                                    <p:set>
+                                      <p:cBhvr>
+                                        <p:cTn id="28" dur="1" fill="hold">
+                                          <p:stCondLst>
+                                            <p:cond delay="0"/>
+                                          </p:stCondLst>
+                                        </p:cTn>
+                                        <p:tgtEl>
+                                          <p:spTgt spid="11"/>
+                                        </p:tgtEl>
+                                        <p:attrNameLst>
+                                          <p:attrName>style.visibility</p:attrName>
+                                        </p:attrNameLst>
+                                      </p:cBhvr>
+                                      <p:to>
+                                        <p:strVal val="visible"/>
+                                      </p:to>
+                                    </p:set>
+                                  </p:childTnLst>
+                                </p:cTn>
+                              </p:par>
+                            </p:childTnLst>
+                          </p:cTn>
+                        </p:par>
+                      </p:childTnLst>
+                    </p:cTn>
+                  </p:par>
+                  <p:par>
+                    <p:cTn id="29" fill="hold">
+                      <p:stCondLst>
+                        <p:cond delay="indefinite"/>
+                      </p:stCondLst>
+                      <p:childTnLst>
+                        <p:par>
+                          <p:cTn id="30" fill="hold">
+                            <p:stCondLst>
+                              <p:cond delay="0"/>
+                            </p:stCondLst>
+                            <p:childTnLst>
+                              <p:par>
+                                <p:cTn id="31" presetID="1" presetClass="entr" presetSubtype="0" fill="hold" nodeType="clickEffect">
+                                  <p:stCondLst>
+                                    <p:cond delay="0"/>
+                                  </p:stCondLst>
+                                  <p:childTnLst>
+                                    <p:set>
+                                      <p:cBhvr>
+                                        <p:cTn id="32" dur="1" fill="hold">
+                                          <p:stCondLst>
+                                            <p:cond delay="0"/>
+                                          </p:stCondLst>
+                                        </p:cTn>
+                                        <p:tgtEl>
+                                          <p:spTgt spid="25"/>
+                                        </p:tgtEl>
+                                        <p:attrNameLst>
+                                          <p:attrName>style.visibility</p:attrName>
+                                        </p:attrNameLst>
+                                      </p:cBhvr>
+                                      <p:to>
+                                        <p:strVal val="visible"/>
+                                      </p:to>
+                                    </p:set>
+                                  </p:childTnLst>
+                                </p:cTn>
+                              </p:par>
+                            </p:childTnLst>
+                          </p:cTn>
+                        </p:par>
+                      </p:childTnLst>
+                    </p:cTn>
+                  </p:par>
+                  <p:par>
+                    <p:cTn id="33" fill="hold">
+                      <p:stCondLst>
+                        <p:cond delay="indefinite"/>
+                      </p:stCondLst>
+                      <p:childTnLst>
+                        <p:par>
+                          <p:cTn id="34" fill="hold">
+                            <p:stCondLst>
+                              <p:cond delay="0"/>
+                            </p:stCondLst>
+                            <p:childTnLst>
+                              <p:par>
+                                <p:cTn id="35" presetID="1" presetClass="entr" presetSubtype="0" fill="hold" nodeType="clickEffect">
+                                  <p:stCondLst>
+                                    <p:cond delay="0"/>
+                                  </p:stCondLst>
+                                  <p:childTnLst>
+                                    <p:set>
+                                      <p:cBhvr>
+                                        <p:cTn id="36" dur="1" fill="hold">
+                                          <p:stCondLst>
+                                            <p:cond delay="0"/>
+                                          </p:stCondLst>
+                                        </p:cTn>
+                                        <p:tgtEl>
+                                          <p:spTgt spid="17"/>
+                                        </p:tgtEl>
+                                        <p:attrNameLst>
+                                          <p:attrName>style.visibility</p:attrName>
+                                        </p:attrNameLst>
+                                      </p:cBhvr>
+                                      <p:to>
+                                        <p:strVal val="visible"/>
+                                      </p:to>
+                                    </p:set>
+                                  </p:childTnLst>
+                                </p:cTn>
+                              </p:par>
+                            </p:childTnLst>
+                          </p:cTn>
+                        </p:par>
+                      </p:childTnLst>
+                    </p:cTn>
+                  </p:par>
+                  <p:par>
+                    <p:cTn id="37" fill="hold">
+                      <p:stCondLst>
+                        <p:cond delay="indefinite"/>
+                      </p:stCondLst>
+                      <p:childTnLst>
+                        <p:par>
+                          <p:cTn id="38" fill="hold">
+                            <p:stCondLst>
+                              <p:cond delay="0"/>
+                            </p:stCondLst>
+                            <p:childTnLst>
+                              <p:par>
+                                <p:cTn id="39" presetID="1" presetClass="entr" presetSubtype="0" fill="hold" grpId="0" nodeType="clickEffect">
+                                  <p:stCondLst>
+                                    <p:cond delay="0"/>
+                                  </p:stCondLst>
+                                  <p:childTnLst>
+                                    <p:set>
+                                      <p:cBhvr>
+                                        <p:cTn id="40" dur="1" fill="hold">
+                                          <p:stCondLst>
+                                            <p:cond delay="0"/>
+                                          </p:stCondLst>
+                                        </p:cTn>
+                                        <p:tgtEl>
+                                          <p:spTgt spid="28"/>
+                                        </p:tgtEl>
+                                        <p:attrNameLst>
+                                          <p:attrName>style.visibility</p:attrName>
+                                        </p:attrNameLst>
+                                      </p:cBhvr>
+                                      <p:to>
+                                        <p:strVal val="visible"/>
+                                      </p:to>
+                                    </p:set>
+                                  </p:childTnLst>
+                                </p:cTn>
+                              </p:par>
+                              <p:par>
+                                <p:cTn id="41" presetID="1" presetClass="entr" presetSubtype="0" fill="hold" nodeType="withEffect">
+                                  <p:stCondLst>
+                                    <p:cond delay="0"/>
+                                  </p:stCondLst>
+                                  <p:childTnLst>
+                                    <p:set>
+                                      <p:cBhvr>
+                                        <p:cTn id="42" dur="1" fill="hold">
+                                          <p:stCondLst>
+                                            <p:cond delay="0"/>
+                                          </p:stCondLst>
+                                        </p:cTn>
+                                        <p:tgtEl>
+                                          <p:spTgt spid="27"/>
+                                        </p:tgtEl>
+                                        <p:attrNameLst>
+                                          <p:attrName>style.visibility</p:attrName>
+                                        </p:attrNameLst>
+                                      </p:cBhvr>
+                                      <p:to>
+                                        <p:strVal val="visible"/>
+                                      </p:to>
+                                    </p:set>
+                                  </p:childTnLst>
+                                </p:cTn>
+                              </p:par>
+                            </p:childTnLst>
+                          </p:cTn>
+                        </p:par>
+                      </p:childTnLst>
+                    </p:cTn>
+                  </p:par>
+                </p:childTnLst>
+              </p:cTn>
+              <p:prevCondLst>
+                <p:cond evt="onPrev" delay="0">
+                  <p:tgtEl>
+                    <p:sldTgt/>
+                  </p:tgtEl>
+                </p:cond>
+              </p:prevCondLst>
+              <p:nextCondLst>
+                <p:cond evt="onNext" delay="0">
+                  <p:tgtEl>
+                    <p:sldTgt/>
+                  </p:tgtEl>
+                </p:cond>
+              </p:nextCondLst>
+            </p:seq>
+          </p:childTnLst>
+        </p:cTn>
+      </p:par>
+    </p:tnLst>
+    <p:bldLst>
+      <p:bldP spid="2" grpId="0"/>
+      <p:bldP spid="20" grpId="0" animBg="1"/>
+      <p:bldP spid="11" grpId="0"/>
+      <p:bldP spid="28" grpId="0"/>
+    </p:bldLst>
+  </p:timing>
+</p:sld>
+</file>
+
+<file path=ppt/slides/slide13.xml><?xml version="1.0" encoding="utf-8"?>
+<p:sld xmlns:a="http://schemas.openxmlformats.org/drawingml/2006/main" xmlns:r="http://schemas.openxmlformats.org/officeDocument/2006/relationships" xmlns:p="http://schemas.openxmlformats.org/presentationml/2006/main">
+  <p:cSld>
+    <p:bg>
+      <p:bgPr>
+        <a:solidFill>
+          <a:schemeClr val="bg1"/>
+        </a:solidFill>
+        <a:effectLst/>
+      </p:bgPr>
+    </p:bg>
+    <p:spTree>
+      <p:nvGrpSpPr>
+        <p:cNvPr id="1" name="Shape 397"/>
+        <p:cNvGrpSpPr/>
+        <p:nvPr/>
+      </p:nvGrpSpPr>
+      <p:grpSpPr>
+        <a:xfrm>
+          <a:off x="0" y="0"/>
+          <a:ext cx="0" cy="0"/>
+          <a:chOff x="0" y="0"/>
+          <a:chExt cx="0" cy="0"/>
+        </a:xfrm>
+      </p:grpSpPr>
       <p:sp>
         <p:nvSpPr>
           <p:cNvPr id="398" name="Shape 398"/>
@@ -16607,7 +17364,6 @@
               <a:rPr lang="ru-RU" sz="3600" dirty="0" smtClean="0"/>
               <a:t>.</a:t>
             </a:r>
-            <a:endParaRPr lang="ru-RU" sz="3600" dirty="0" smtClean="0"/>
           </a:p>
         </p:txBody>
       </p:sp>
@@ -17529,7 +18285,7 @@
 </p:sld>
 </file>
 
-<file path=ppt/slides/slide13.xml><?xml version="1.0" encoding="utf-8"?>
+<file path=ppt/slides/slide14.xml><?xml version="1.0" encoding="utf-8"?>
 <p:sld xmlns:a="http://schemas.openxmlformats.org/drawingml/2006/main" xmlns:r="http://schemas.openxmlformats.org/officeDocument/2006/relationships" xmlns:p="http://schemas.openxmlformats.org/presentationml/2006/main">
   <p:cSld>
     <p:bg>
@@ -18418,7 +19174,7 @@
                                           </p:stCondLst>
                                         </p:cTn>
                                         <p:tgtEl>
-                                          <p:spTgt spid="5123"/>
+                                          <p:spTgt spid="6146"/>
                                         </p:tgtEl>
                                         <p:attrNameLst>
                                           <p:attrName>style.visibility</p:attrName>
@@ -18463,7 +19219,7 @@
                                           </p:stCondLst>
                                         </p:cTn>
                                         <p:tgtEl>
-                                          <p:spTgt spid="17"/>
+                                          <p:spTgt spid="11"/>
                                         </p:tgtEl>
                                         <p:attrNameLst>
                                           <p:attrName>style.visibility</p:attrName>
@@ -18508,7 +19264,7 @@
                                           </p:stCondLst>
                                         </p:cTn>
                                         <p:tgtEl>
-                                          <p:spTgt spid="11"/>
+                                          <p:spTgt spid="12"/>
                                         </p:tgtEl>
                                         <p:attrNameLst>
                                           <p:attrName>style.visibility</p:attrName>
@@ -18553,7 +19309,7 @@
                                           </p:stCondLst>
                                         </p:cTn>
                                         <p:tgtEl>
-                                          <p:spTgt spid="12"/>
+                                          <p:spTgt spid="6147"/>
                                         </p:tgtEl>
                                         <p:attrNameLst>
                                           <p:attrName>style.visibility</p:attrName>
@@ -18566,15 +19322,33 @@
                                   </p:childTnLst>
                                 </p:cTn>
                               </p:par>
+                            </p:childTnLst>
+                          </p:cTn>
+                        </p:par>
+                      </p:childTnLst>
+                    </p:cTn>
+                  </p:par>
+                  <p:par>
+                    <p:cTn id="23" fill="hold">
+                      <p:stCondLst>
+                        <p:cond delay="indefinite"/>
+                      </p:stCondLst>
+                      <p:childTnLst>
+                        <p:par>
+                          <p:cTn id="24" fill="hold">
+                            <p:stCondLst>
+                              <p:cond delay="0"/>
+                            </p:stCondLst>
+                            <p:childTnLst>
                               <p:par>
-                                <p:cTn id="23" presetID="1" presetClass="entr" presetSubtype="0" fill="hold" nodeType="withEffect">
+                                <p:cTn id="25" presetID="1" presetClass="entr" presetSubtype="0" fill="hold" nodeType="clickEffect">
                                   <p:stCondLst>
                                     <p:cond delay="0"/>
                                   </p:stCondLst>
                                   <p:childTnLst>
                                     <p:set>
                                       <p:cBhvr>
-                                        <p:cTn id="24" dur="1" fill="hold">
+                                        <p:cTn id="26" dur="1" fill="hold">
                                           <p:stCondLst>
                                             <p:cond delay="0"/>
                                           </p:stCondLst>
@@ -18593,15 +19367,213 @@
                                   </p:childTnLst>
                                 </p:cTn>
                               </p:par>
+                            </p:childTnLst>
+                          </p:cTn>
+                        </p:par>
+                      </p:childTnLst>
+                    </p:cTn>
+                  </p:par>
+                  <p:par>
+                    <p:cTn id="27" fill="hold">
+                      <p:stCondLst>
+                        <p:cond delay="indefinite"/>
+                      </p:stCondLst>
+                      <p:childTnLst>
+                        <p:par>
+                          <p:cTn id="28" fill="hold">
+                            <p:stCondLst>
+                              <p:cond delay="0"/>
+                            </p:stCondLst>
+                            <p:childTnLst>
                               <p:par>
-                                <p:cTn id="25" presetID="1" presetClass="entr" presetSubtype="0" fill="hold" nodeType="withEffect">
+                                <p:cTn id="29" presetID="1" presetClass="entr" presetSubtype="0" fill="hold" nodeType="clickEffect">
                                   <p:stCondLst>
                                     <p:cond delay="0"/>
                                   </p:stCondLst>
                                   <p:childTnLst>
                                     <p:set>
                                       <p:cBhvr>
-                                        <p:cTn id="26" dur="1" fill="hold">
+                                        <p:cTn id="30" dur="1" fill="hold">
+                                          <p:stCondLst>
+                                            <p:cond delay="0"/>
+                                          </p:stCondLst>
+                                        </p:cTn>
+                                        <p:tgtEl>
+                                          <p:spTgt spid="21"/>
+                                        </p:tgtEl>
+                                        <p:attrNameLst>
+                                          <p:attrName>style.visibility</p:attrName>
+                                        </p:attrNameLst>
+                                      </p:cBhvr>
+                                      <p:to>
+                                        <p:strVal val="visible"/>
+                                      </p:to>
+                                    </p:set>
+                                  </p:childTnLst>
+                                </p:cTn>
+                              </p:par>
+                            </p:childTnLst>
+                          </p:cTn>
+                        </p:par>
+                      </p:childTnLst>
+                    </p:cTn>
+                  </p:par>
+                  <p:par>
+                    <p:cTn id="31" fill="hold">
+                      <p:stCondLst>
+                        <p:cond delay="indefinite"/>
+                      </p:stCondLst>
+                      <p:childTnLst>
+                        <p:par>
+                          <p:cTn id="32" fill="hold">
+                            <p:stCondLst>
+                              <p:cond delay="0"/>
+                            </p:stCondLst>
+                            <p:childTnLst>
+                              <p:par>
+                                <p:cTn id="33" presetID="1" presetClass="entr" presetSubtype="0" fill="hold" nodeType="clickEffect">
+                                  <p:stCondLst>
+                                    <p:cond delay="0"/>
+                                  </p:stCondLst>
+                                  <p:childTnLst>
+                                    <p:set>
+                                      <p:cBhvr>
+                                        <p:cTn id="34" dur="1" fill="hold">
+                                          <p:stCondLst>
+                                            <p:cond delay="0"/>
+                                          </p:stCondLst>
+                                        </p:cTn>
+                                        <p:tgtEl>
+                                          <p:spTgt spid="5123"/>
+                                        </p:tgtEl>
+                                        <p:attrNameLst>
+                                          <p:attrName>style.visibility</p:attrName>
+                                        </p:attrNameLst>
+                                      </p:cBhvr>
+                                      <p:to>
+                                        <p:strVal val="visible"/>
+                                      </p:to>
+                                    </p:set>
+                                  </p:childTnLst>
+                                </p:cTn>
+                              </p:par>
+                            </p:childTnLst>
+                          </p:cTn>
+                        </p:par>
+                      </p:childTnLst>
+                    </p:cTn>
+                  </p:par>
+                  <p:par>
+                    <p:cTn id="35" fill="hold">
+                      <p:stCondLst>
+                        <p:cond delay="indefinite"/>
+                      </p:stCondLst>
+                      <p:childTnLst>
+                        <p:par>
+                          <p:cTn id="36" fill="hold">
+                            <p:stCondLst>
+                              <p:cond delay="0"/>
+                            </p:stCondLst>
+                            <p:childTnLst>
+                              <p:par>
+                                <p:cTn id="37" presetID="1" presetClass="entr" presetSubtype="0" fill="hold" nodeType="clickEffect">
+                                  <p:stCondLst>
+                                    <p:cond delay="0"/>
+                                  </p:stCondLst>
+                                  <p:childTnLst>
+                                    <p:set>
+                                      <p:cBhvr>
+                                        <p:cTn id="38" dur="1" fill="hold">
+                                          <p:stCondLst>
+                                            <p:cond delay="0"/>
+                                          </p:stCondLst>
+                                        </p:cTn>
+                                        <p:tgtEl>
+                                          <p:spTgt spid="17"/>
+                                        </p:tgtEl>
+                                        <p:attrNameLst>
+                                          <p:attrName>style.visibility</p:attrName>
+                                        </p:attrNameLst>
+                                      </p:cBhvr>
+                                      <p:to>
+                                        <p:strVal val="visible"/>
+                                      </p:to>
+                                    </p:set>
+                                  </p:childTnLst>
+                                </p:cTn>
+                              </p:par>
+                            </p:childTnLst>
+                          </p:cTn>
+                        </p:par>
+                      </p:childTnLst>
+                    </p:cTn>
+                  </p:par>
+                  <p:par>
+                    <p:cTn id="39" fill="hold">
+                      <p:stCondLst>
+                        <p:cond delay="indefinite"/>
+                      </p:stCondLst>
+                      <p:childTnLst>
+                        <p:par>
+                          <p:cTn id="40" fill="hold">
+                            <p:stCondLst>
+                              <p:cond delay="0"/>
+                            </p:stCondLst>
+                            <p:childTnLst>
+                              <p:par>
+                                <p:cTn id="41" presetID="1" presetClass="entr" presetSubtype="0" fill="hold" nodeType="clickEffect">
+                                  <p:stCondLst>
+                                    <p:cond delay="0"/>
+                                  </p:stCondLst>
+                                  <p:childTnLst>
+                                    <p:set>
+                                      <p:cBhvr>
+                                        <p:cTn id="42" dur="1" fill="hold">
+                                          <p:stCondLst>
+                                            <p:cond delay="0"/>
+                                          </p:stCondLst>
+                                        </p:cTn>
+                                        <p:tgtEl>
+                                          <p:spTgt spid="19"/>
+                                        </p:tgtEl>
+                                        <p:attrNameLst>
+                                          <p:attrName>style.visibility</p:attrName>
+                                        </p:attrNameLst>
+                                      </p:cBhvr>
+                                      <p:to>
+                                        <p:strVal val="visible"/>
+                                      </p:to>
+                                    </p:set>
+                                  </p:childTnLst>
+                                </p:cTn>
+                              </p:par>
+                            </p:childTnLst>
+                          </p:cTn>
+                        </p:par>
+                      </p:childTnLst>
+                    </p:cTn>
+                  </p:par>
+                  <p:par>
+                    <p:cTn id="43" fill="hold">
+                      <p:stCondLst>
+                        <p:cond delay="indefinite"/>
+                      </p:stCondLst>
+                      <p:childTnLst>
+                        <p:par>
+                          <p:cTn id="44" fill="hold">
+                            <p:stCondLst>
+                              <p:cond delay="0"/>
+                            </p:stCondLst>
+                            <p:childTnLst>
+                              <p:par>
+                                <p:cTn id="45" presetID="1" presetClass="entr" presetSubtype="0" fill="hold" nodeType="clickEffect">
+                                  <p:stCondLst>
+                                    <p:cond delay="0"/>
+                                  </p:stCondLst>
+                                  <p:childTnLst>
+                                    <p:set>
+                                      <p:cBhvr>
+                                        <p:cTn id="46" dur="1" fill="hold">
                                           <p:stCondLst>
                                             <p:cond delay="0"/>
                                           </p:stCondLst>
@@ -18620,42 +19592,33 @@
                                   </p:childTnLst>
                                 </p:cTn>
                               </p:par>
+                            </p:childTnLst>
+                          </p:cTn>
+                        </p:par>
+                      </p:childTnLst>
+                    </p:cTn>
+                  </p:par>
+                  <p:par>
+                    <p:cTn id="47" fill="hold">
+                      <p:stCondLst>
+                        <p:cond delay="indefinite"/>
+                      </p:stCondLst>
+                      <p:childTnLst>
+                        <p:par>
+                          <p:cTn id="48" fill="hold">
+                            <p:stCondLst>
+                              <p:cond delay="0"/>
+                            </p:stCondLst>
+                            <p:childTnLst>
                               <p:par>
-                                <p:cTn id="27" presetID="1" presetClass="entr" presetSubtype="0" fill="hold" nodeType="withEffect">
+                                <p:cTn id="49" presetID="1" presetClass="entr" presetSubtype="0" fill="hold" nodeType="clickEffect">
                                   <p:stCondLst>
                                     <p:cond delay="0"/>
                                   </p:stCondLst>
                                   <p:childTnLst>
                                     <p:set>
                                       <p:cBhvr>
-                                        <p:cTn id="28" dur="1" fill="hold">
-                                          <p:stCondLst>
-                                            <p:cond delay="0"/>
-                                          </p:stCondLst>
-                                        </p:cTn>
-                                        <p:tgtEl>
-                                          <p:spTgt spid="21"/>
-                                        </p:tgtEl>
-                                        <p:attrNameLst>
-                                          <p:attrName>style.visibility</p:attrName>
-                                        </p:attrNameLst>
-                                      </p:cBhvr>
-                                      <p:to>
-                                        <p:strVal val="visible"/>
-                                      </p:to>
-                                    </p:set>
-                                  </p:childTnLst>
-                                </p:cTn>
-                              </p:par>
-                              <p:par>
-                                <p:cTn id="29" presetID="1" presetClass="entr" presetSubtype="0" fill="hold" nodeType="withEffect">
-                                  <p:stCondLst>
-                                    <p:cond delay="0"/>
-                                  </p:stCondLst>
-                                  <p:childTnLst>
-                                    <p:set>
-                                      <p:cBhvr>
-                                        <p:cTn id="30" dur="1" fill="hold">
+                                        <p:cTn id="50" dur="1" fill="hold">
                                           <p:stCondLst>
                                             <p:cond delay="0"/>
                                           </p:stCondLst>
@@ -18708,7 +19671,7 @@
 </p:sld>
 </file>
 
-<file path=ppt/slides/slide14.xml><?xml version="1.0" encoding="utf-8"?>
+<file path=ppt/slides/slide15.xml><?xml version="1.0" encoding="utf-8"?>
 <p:sld xmlns:a="http://schemas.openxmlformats.org/drawingml/2006/main" xmlns:r="http://schemas.openxmlformats.org/officeDocument/2006/relationships" xmlns:p="http://schemas.openxmlformats.org/presentationml/2006/main">
   <p:cSld>
     <p:bg>
@@ -18822,17 +19785,96 @@
               <a:t>Оператор </a:t>
             </a:r>
             <a:r>
-              <a:rPr lang="ru-RU" sz="3600" dirty="0" err="1"/>
+              <a:rPr lang="ru-RU" sz="3600" dirty="0" err="1">
+                <a:solidFill>
+                  <a:srgbClr val="00B050"/>
+                </a:solidFill>
+                <a:latin typeface="Courier New" panose="02070309020205020404" pitchFamily="49" charset="0"/>
+                <a:cs typeface="Courier New" panose="02070309020205020404" pitchFamily="49" charset="0"/>
+              </a:rPr>
               <a:t>raise</a:t>
             </a:r>
             <a:r>
               <a:rPr lang="ru-RU" sz="3600" dirty="0"/>
-              <a:t> позволяет программисту принудительно породить исключение. Например:</a:t>
+              <a:t> позволяет программисту принудительно породить исключение. </a:t>
             </a:r>
             <a:endParaRPr lang="ru-RU" sz="3600" dirty="0" smtClean="0"/>
           </a:p>
         </p:txBody>
       </p:sp>
+      <p:sp>
+        <p:nvSpPr>
+          <p:cNvPr id="3" name="Прямоугольник 2"/>
+          <p:cNvSpPr/>
+          <p:nvPr/>
+        </p:nvSpPr>
+        <p:spPr>
+          <a:xfrm>
+            <a:off x="945040" y="2771782"/>
+            <a:ext cx="14274800" cy="1508105"/>
+          </a:xfrm>
+          <a:prstGeom prst="rect">
+            <a:avLst/>
+          </a:prstGeom>
+        </p:spPr>
+        <p:txBody>
+          <a:bodyPr wrap="square">
+            <a:spAutoFit/>
+          </a:bodyPr>
+          <a:lstStyle/>
+          <a:p>
+            <a:r>
+              <a:rPr lang="ru-RU" sz="2800" dirty="0"/>
+              <a:t>Единственный аргумент оператора </a:t>
+            </a:r>
+            <a:r>
+              <a:rPr lang="ru-RU" sz="3600" dirty="0" err="1">
+                <a:solidFill>
+                  <a:srgbClr val="00B050"/>
+                </a:solidFill>
+                <a:latin typeface="Courier New" panose="02070309020205020404" pitchFamily="49" charset="0"/>
+                <a:cs typeface="Courier New" panose="02070309020205020404" pitchFamily="49" charset="0"/>
+              </a:rPr>
+              <a:t>raise</a:t>
+            </a:r>
+            <a:r>
+              <a:rPr lang="ru-RU" sz="2800" dirty="0"/>
+              <a:t> определяет исключение, которое нужно возбудить. Им может быть либо экземпляр исключения, либо класс исключения (класс, дочерний к классу </a:t>
+            </a:r>
+            <a:r>
+              <a:rPr lang="ru-RU" sz="2800" dirty="0" err="1"/>
+              <a:t>Exception</a:t>
+            </a:r>
+            <a:r>
+              <a:rPr lang="ru-RU" sz="2800" dirty="0"/>
+              <a:t>).</a:t>
+            </a:r>
+          </a:p>
+        </p:txBody>
+      </p:sp>
+      <p:pic>
+        <p:nvPicPr>
+          <p:cNvPr id="4" name="Рисунок 3"/>
+          <p:cNvPicPr>
+            <a:picLocks noChangeAspect="1"/>
+          </p:cNvPicPr>
+          <p:nvPr/>
+        </p:nvPicPr>
+        <p:blipFill rotWithShape="1">
+          <a:blip r:embed="rId3"/>
+          <a:srcRect l="42019" t="69444" r="33403" b="19816"/>
+          <a:stretch/>
+        </p:blipFill>
+        <p:spPr>
+          <a:xfrm>
+            <a:off x="3352800" y="5314950"/>
+            <a:ext cx="10617418" cy="2609850"/>
+          </a:xfrm>
+          <a:prstGeom prst="rect">
+            <a:avLst/>
+          </a:prstGeom>
+        </p:spPr>
+      </p:pic>
     </p:spTree>
     <p:extLst>
       <p:ext uri="{BB962C8B-B14F-4D97-AF65-F5344CB8AC3E}">
@@ -18846,548 +19888,80 @@
   <p:timing>
     <p:tnLst>
       <p:par>
-        <p:cTn id="1" dur="indefinite" restart="never" nodeType="tmRoot"/>
+        <p:cTn id="1" dur="indefinite" restart="never" nodeType="tmRoot">
+          <p:childTnLst>
+            <p:seq concurrent="1" nextAc="seek">
+              <p:cTn id="2" dur="indefinite" nodeType="mainSeq">
+                <p:childTnLst>
+                  <p:par>
+                    <p:cTn id="3" fill="hold">
+                      <p:stCondLst>
+                        <p:cond delay="indefinite"/>
+                      </p:stCondLst>
+                      <p:childTnLst>
+                        <p:par>
+                          <p:cTn id="4" fill="hold">
+                            <p:stCondLst>
+                              <p:cond delay="0"/>
+                            </p:stCondLst>
+                            <p:childTnLst>
+                              <p:par>
+                                <p:cTn id="5" presetID="1" presetClass="entr" presetSubtype="0" fill="hold" grpId="0" nodeType="clickEffect">
+                                  <p:stCondLst>
+                                    <p:cond delay="0"/>
+                                  </p:stCondLst>
+                                  <p:childTnLst>
+                                    <p:set>
+                                      <p:cBhvr>
+                                        <p:cTn id="6" dur="1" fill="hold">
+                                          <p:stCondLst>
+                                            <p:cond delay="0"/>
+                                          </p:stCondLst>
+                                        </p:cTn>
+                                        <p:tgtEl>
+                                          <p:spTgt spid="3"/>
+                                        </p:tgtEl>
+                                        <p:attrNameLst>
+                                          <p:attrName>style.visibility</p:attrName>
+                                        </p:attrNameLst>
+                                      </p:cBhvr>
+                                      <p:to>
+                                        <p:strVal val="visible"/>
+                                      </p:to>
+                                    </p:set>
+                                  </p:childTnLst>
+                                </p:cTn>
+                              </p:par>
+                            </p:childTnLst>
+                          </p:cTn>
+                        </p:par>
+                      </p:childTnLst>
+                    </p:cTn>
+                  </p:par>
+                </p:childTnLst>
+              </p:cTn>
+              <p:prevCondLst>
+                <p:cond evt="onPrev" delay="0">
+                  <p:tgtEl>
+                    <p:sldTgt/>
+                  </p:tgtEl>
+                </p:cond>
+              </p:prevCondLst>
+              <p:nextCondLst>
+                <p:cond evt="onNext" delay="0">
+                  <p:tgtEl>
+                    <p:sldTgt/>
+                  </p:tgtEl>
+                </p:cond>
+              </p:nextCondLst>
+            </p:seq>
+          </p:childTnLst>
+        </p:cTn>
       </p:par>
     </p:tnLst>
-  </p:timing>
-</p:sld>
-</file>
-
-<file path=ppt/slides/slide15.xml><?xml version="1.0" encoding="utf-8"?>
-<p:sld xmlns:a="http://schemas.openxmlformats.org/drawingml/2006/main" xmlns:r="http://schemas.openxmlformats.org/officeDocument/2006/relationships" xmlns:p="http://schemas.openxmlformats.org/presentationml/2006/main">
-  <p:cSld>
-    <p:spTree>
-      <p:nvGrpSpPr>
-        <p:cNvPr id="1" name="Shape 212"/>
-        <p:cNvGrpSpPr/>
-        <p:nvPr/>
-      </p:nvGrpSpPr>
-      <p:grpSpPr>
-        <a:xfrm>
-          <a:off x="0" y="0"/>
-          <a:ext cx="0" cy="0"/>
-          <a:chOff x="0" y="0"/>
-          <a:chExt cx="0" cy="0"/>
-        </a:xfrm>
-      </p:grpSpPr>
-      <p:sp>
-        <p:nvSpPr>
-          <p:cNvPr id="213" name="Shape 213"/>
-          <p:cNvSpPr txBox="1">
-            <a:spLocks noGrp="1"/>
-          </p:cNvSpPr>
-          <p:nvPr>
-            <p:ph type="title"/>
-          </p:nvPr>
-        </p:nvSpPr>
-        <p:spPr>
-          <a:xfrm>
-            <a:off x="1155700" y="241300"/>
-            <a:ext cx="13931900" cy="2298699"/>
-          </a:xfrm>
-          <a:prstGeom prst="rect">
-            <a:avLst/>
-          </a:prstGeom>
-          <a:noFill/>
-          <a:ln>
-            <a:noFill/>
-          </a:ln>
-        </p:spPr>
-        <p:txBody>
-          <a:bodyPr lIns="38100" tIns="38100" rIns="38100" bIns="38100" anchor="ctr" anchorCtr="0">
-            <a:noAutofit/>
-          </a:bodyPr>
-          <a:lstStyle/>
-          <a:p>
-            <a:pPr lvl="0">
-              <a:buClr>
-                <a:schemeClr val="lt1"/>
-              </a:buClr>
-              <a:buSzPct val="25000"/>
-            </a:pPr>
-            <a:r>
-              <a:rPr lang="ru-RU" sz="6600" dirty="0" smtClean="0">
-                <a:solidFill>
-                  <a:schemeClr val="bg2"/>
-                </a:solidFill>
-                <a:latin typeface="Cabin"/>
-                <a:ea typeface="Cabin"/>
-                <a:cs typeface="Cabin"/>
-                <a:sym typeface="Cabin"/>
-              </a:rPr>
-              <a:t>Лямбда выражения</a:t>
-            </a:r>
-            <a:endParaRPr lang="en-US" sz="6600" dirty="0">
-              <a:solidFill>
-                <a:schemeClr val="bg2"/>
-              </a:solidFill>
-              <a:latin typeface="Cabin"/>
-              <a:ea typeface="Cabin"/>
-              <a:cs typeface="Cabin"/>
-              <a:sym typeface="Cabin"/>
-            </a:endParaRPr>
-          </a:p>
-        </p:txBody>
-      </p:sp>
-      <p:sp>
-        <p:nvSpPr>
-          <p:cNvPr id="229" name="Shape 229"/>
-          <p:cNvSpPr txBox="1"/>
-          <p:nvPr/>
-        </p:nvSpPr>
-        <p:spPr>
-          <a:xfrm>
-            <a:off x="5038725" y="2997200"/>
-            <a:ext cx="1409700" cy="622299"/>
-          </a:xfrm>
-          <a:prstGeom prst="rect">
-            <a:avLst/>
-          </a:prstGeom>
-          <a:noFill/>
-          <a:ln>
-            <a:noFill/>
-          </a:ln>
-        </p:spPr>
-        <p:txBody>
-          <a:bodyPr lIns="0" tIns="0" rIns="0" bIns="0" anchor="ctr" anchorCtr="0">
-            <a:noAutofit/>
-          </a:bodyPr>
-          <a:lstStyle/>
-          <a:p>
-            <a:pPr marL="0" marR="0" lvl="0" indent="0" algn="ctr" defTabSz="914400" rtl="0" eaLnBrk="1" fontAlgn="auto" latinLnBrk="0" hangingPunct="1">
-              <a:lnSpc>
-                <a:spcPct val="100000"/>
-              </a:lnSpc>
-              <a:spcBef>
-                <a:spcPts val="0"/>
-              </a:spcBef>
-              <a:spcAft>
-                <a:spcPts val="0"/>
-              </a:spcAft>
-              <a:buClr>
-                <a:srgbClr val="FFFFFF"/>
-              </a:buClr>
-              <a:buSzPct val="25000"/>
-              <a:buFont typeface="Cabin"/>
-              <a:buNone/>
-              <a:tabLst/>
-              <a:defRPr/>
-            </a:pPr>
-            <a:r>
-              <a:rPr kumimoji="0" lang="en-US" sz="3600" b="0" i="0" u="none" strike="noStrike" kern="0" cap="none" spc="0" normalizeH="0" baseline="0" noProof="0">
-                <a:ln>
-                  <a:noFill/>
-                </a:ln>
-                <a:solidFill>
-                  <a:srgbClr val="FFFFFF"/>
-                </a:solidFill>
-                <a:effectLst/>
-                <a:uLnTx/>
-                <a:uFillTx/>
-                <a:latin typeface="Cabin"/>
-                <a:ea typeface="Cabin"/>
-                <a:cs typeface="Cabin"/>
-                <a:sym typeface="Cabin"/>
-              </a:rPr>
-              <a:t>hello():</a:t>
-            </a:r>
-          </a:p>
-        </p:txBody>
-      </p:sp>
-      <p:sp>
-        <p:nvSpPr>
-          <p:cNvPr id="2" name="Прямоугольник 1"/>
-          <p:cNvSpPr/>
-          <p:nvPr/>
-        </p:nvSpPr>
-        <p:spPr>
-          <a:xfrm>
-            <a:off x="1155700" y="2547049"/>
-            <a:ext cx="14046200" cy="1938992"/>
-          </a:xfrm>
-          <a:prstGeom prst="rect">
-            <a:avLst/>
-          </a:prstGeom>
-        </p:spPr>
-        <p:txBody>
-          <a:bodyPr wrap="square">
-            <a:spAutoFit/>
-          </a:bodyPr>
-          <a:lstStyle/>
-          <a:p>
-            <a:pPr marL="0" marR="0" lvl="0" indent="0" algn="l" defTabSz="914400" rtl="0" eaLnBrk="1" fontAlgn="auto" latinLnBrk="0" hangingPunct="1">
-              <a:lnSpc>
-                <a:spcPct val="100000"/>
-              </a:lnSpc>
-              <a:spcBef>
-                <a:spcPts val="0"/>
-              </a:spcBef>
-              <a:spcAft>
-                <a:spcPts val="0"/>
-              </a:spcAft>
-              <a:buClrTx/>
-              <a:buSzTx/>
-              <a:buFontTx/>
-              <a:buNone/>
-              <a:tabLst/>
-              <a:defRPr/>
-            </a:pPr>
-            <a:r>
-              <a:rPr kumimoji="0" lang="ru-RU" sz="4000" b="0" i="0" u="none" strike="noStrike" kern="0" cap="none" spc="0" normalizeH="0" baseline="0" noProof="0" dirty="0">
-                <a:ln>
-                  <a:noFill/>
-                </a:ln>
-                <a:solidFill>
-                  <a:srgbClr val="00B050"/>
-                </a:solidFill>
-                <a:effectLst/>
-                <a:uLnTx/>
-                <a:uFillTx/>
-                <a:latin typeface="Arial"/>
-                <a:cs typeface="Arial"/>
-                <a:sym typeface="Arial"/>
-              </a:rPr>
-              <a:t>Лямбда-выражение</a:t>
-            </a:r>
-            <a:r>
-              <a:rPr kumimoji="0" lang="ru-RU" sz="4000" b="0" i="0" u="none" strike="noStrike" kern="0" cap="none" spc="0" normalizeH="0" baseline="0" noProof="0" dirty="0">
-                <a:ln>
-                  <a:noFill/>
-                </a:ln>
-                <a:solidFill>
-                  <a:srgbClr val="000000"/>
-                </a:solidFill>
-                <a:effectLst/>
-                <a:uLnTx/>
-                <a:uFillTx/>
-                <a:latin typeface="Arial"/>
-                <a:cs typeface="Arial"/>
-                <a:sym typeface="Arial"/>
-              </a:rPr>
-              <a:t> в программировании — специальный синтаксис для определения функциональных объектов, заимствованный из </a:t>
-            </a:r>
-            <a:r>
-              <a:rPr kumimoji="0" lang="ru-RU" sz="4000" b="0" i="0" u="none" strike="noStrike" kern="0" cap="none" spc="0" normalizeH="0" baseline="0" noProof="0" dirty="0">
-                <a:ln>
-                  <a:noFill/>
-                </a:ln>
-                <a:solidFill>
-                  <a:srgbClr val="00B050"/>
-                </a:solidFill>
-                <a:effectLst/>
-                <a:uLnTx/>
-                <a:uFillTx/>
-                <a:latin typeface="Arial"/>
-                <a:cs typeface="Arial"/>
-                <a:sym typeface="Arial"/>
-              </a:rPr>
-              <a:t>λ</a:t>
-            </a:r>
-            <a:r>
-              <a:rPr kumimoji="0" lang="ru-RU" sz="4000" b="0" i="0" u="none" strike="noStrike" kern="0" cap="none" spc="0" normalizeH="0" baseline="0" noProof="0" dirty="0">
-                <a:ln>
-                  <a:noFill/>
-                </a:ln>
-                <a:solidFill>
-                  <a:srgbClr val="000000"/>
-                </a:solidFill>
-                <a:effectLst/>
-                <a:uLnTx/>
-                <a:uFillTx/>
-                <a:latin typeface="Arial"/>
-                <a:cs typeface="Arial"/>
-                <a:sym typeface="Arial"/>
-              </a:rPr>
-              <a:t>-исчисления.</a:t>
-            </a:r>
-          </a:p>
-        </p:txBody>
-      </p:sp>
-      <p:sp>
-        <p:nvSpPr>
-          <p:cNvPr id="3" name="Прямоугольник 2"/>
-          <p:cNvSpPr/>
-          <p:nvPr/>
-        </p:nvSpPr>
-        <p:spPr>
-          <a:xfrm>
-            <a:off x="1155700" y="5415662"/>
-            <a:ext cx="13830300" cy="1815882"/>
-          </a:xfrm>
-          <a:prstGeom prst="rect">
-            <a:avLst/>
-          </a:prstGeom>
-        </p:spPr>
-        <p:txBody>
-          <a:bodyPr wrap="square">
-            <a:spAutoFit/>
-          </a:bodyPr>
-          <a:lstStyle/>
-          <a:p>
-            <a:pPr marL="0" marR="0" lvl="0" indent="0" algn="l" defTabSz="914400" rtl="0" eaLnBrk="1" fontAlgn="auto" latinLnBrk="0" hangingPunct="1">
-              <a:lnSpc>
-                <a:spcPct val="100000"/>
-              </a:lnSpc>
-              <a:spcBef>
-                <a:spcPts val="0"/>
-              </a:spcBef>
-              <a:spcAft>
-                <a:spcPts val="0"/>
-              </a:spcAft>
-              <a:buClrTx/>
-              <a:buSzTx/>
-              <a:buFontTx/>
-              <a:buNone/>
-              <a:tabLst/>
-              <a:defRPr/>
-            </a:pPr>
-            <a:r>
-              <a:rPr kumimoji="0" lang="ru-RU" sz="3600" b="0" i="0" u="none" strike="noStrike" kern="0" cap="none" spc="0" normalizeH="0" baseline="0" noProof="0" dirty="0" err="1">
-                <a:ln>
-                  <a:noFill/>
-                </a:ln>
-                <a:solidFill>
-                  <a:srgbClr val="00B050"/>
-                </a:solidFill>
-                <a:effectLst/>
-                <a:uLnTx/>
-                <a:uFillTx/>
-                <a:latin typeface="Arial"/>
-                <a:cs typeface="Arial"/>
-                <a:sym typeface="Arial"/>
-              </a:rPr>
-              <a:t>Ля́мбда-исчисле́ние</a:t>
-            </a:r>
-            <a:r>
-              <a:rPr kumimoji="0" lang="ru-RU" sz="3600" b="0" i="0" u="none" strike="noStrike" kern="0" cap="none" spc="0" normalizeH="0" baseline="0" noProof="0" dirty="0">
-                <a:ln>
-                  <a:noFill/>
-                </a:ln>
-                <a:solidFill>
-                  <a:srgbClr val="000000"/>
-                </a:solidFill>
-                <a:effectLst/>
-                <a:uLnTx/>
-                <a:uFillTx/>
-                <a:latin typeface="Arial"/>
-                <a:cs typeface="Arial"/>
-                <a:sym typeface="Arial"/>
-              </a:rPr>
-              <a:t> (</a:t>
-            </a:r>
-            <a:r>
-              <a:rPr kumimoji="0" lang="ru-RU" sz="4000" b="0" i="0" u="none" strike="noStrike" kern="0" cap="none" spc="0" normalizeH="0" baseline="0" noProof="0" dirty="0">
-                <a:ln>
-                  <a:noFill/>
-                </a:ln>
-                <a:solidFill>
-                  <a:srgbClr val="00B050"/>
-                </a:solidFill>
-                <a:effectLst/>
-                <a:uLnTx/>
-                <a:uFillTx/>
-                <a:latin typeface="Arial"/>
-                <a:cs typeface="Arial"/>
-                <a:sym typeface="Arial"/>
-              </a:rPr>
-              <a:t>λ</a:t>
-            </a:r>
-            <a:r>
-              <a:rPr kumimoji="0" lang="ru-RU" sz="4000" b="0" i="0" u="none" strike="noStrike" kern="0" cap="none" spc="0" normalizeH="0" baseline="0" noProof="0" dirty="0">
-                <a:ln>
-                  <a:noFill/>
-                </a:ln>
-                <a:solidFill>
-                  <a:srgbClr val="000000"/>
-                </a:solidFill>
-                <a:effectLst/>
-                <a:uLnTx/>
-                <a:uFillTx/>
-                <a:latin typeface="Arial"/>
-                <a:cs typeface="Arial"/>
-                <a:sym typeface="Arial"/>
-              </a:rPr>
-              <a:t>-исчисление</a:t>
-            </a:r>
-            <a:r>
-              <a:rPr kumimoji="0" lang="ru-RU" sz="3600" b="0" i="0" u="none" strike="noStrike" kern="0" cap="none" spc="0" normalizeH="0" baseline="0" noProof="0" dirty="0">
-                <a:ln>
-                  <a:noFill/>
-                </a:ln>
-                <a:solidFill>
-                  <a:srgbClr val="000000"/>
-                </a:solidFill>
-                <a:effectLst/>
-                <a:uLnTx/>
-                <a:uFillTx/>
-                <a:latin typeface="Arial"/>
-                <a:cs typeface="Arial"/>
-                <a:sym typeface="Arial"/>
-              </a:rPr>
-              <a:t>) — формальная система, разработанная американским математиком </a:t>
-            </a:r>
-            <a:r>
-              <a:rPr kumimoji="0" lang="ru-RU" sz="3600" b="0" i="0" u="none" strike="noStrike" kern="0" cap="none" spc="0" normalizeH="0" baseline="0" noProof="0" dirty="0" err="1">
-                <a:ln>
-                  <a:noFill/>
-                </a:ln>
-                <a:solidFill>
-                  <a:srgbClr val="0070C0"/>
-                </a:solidFill>
-                <a:effectLst/>
-                <a:uLnTx/>
-                <a:uFillTx/>
-                <a:latin typeface="Arial"/>
-                <a:cs typeface="Arial"/>
-                <a:sym typeface="Arial"/>
-              </a:rPr>
-              <a:t>Алонзо</a:t>
-            </a:r>
-            <a:r>
-              <a:rPr kumimoji="0" lang="ru-RU" sz="3600" b="0" i="0" u="none" strike="noStrike" kern="0" cap="none" spc="0" normalizeH="0" baseline="0" noProof="0" dirty="0">
-                <a:ln>
-                  <a:noFill/>
-                </a:ln>
-                <a:solidFill>
-                  <a:srgbClr val="0070C0"/>
-                </a:solidFill>
-                <a:effectLst/>
-                <a:uLnTx/>
-                <a:uFillTx/>
-                <a:latin typeface="Arial"/>
-                <a:cs typeface="Arial"/>
-                <a:sym typeface="Arial"/>
-              </a:rPr>
-              <a:t> </a:t>
-            </a:r>
-            <a:r>
-              <a:rPr kumimoji="0" lang="ru-RU" sz="3600" b="0" i="0" u="none" strike="noStrike" kern="0" cap="none" spc="0" normalizeH="0" baseline="0" noProof="0" dirty="0" err="1">
-                <a:ln>
-                  <a:noFill/>
-                </a:ln>
-                <a:solidFill>
-                  <a:srgbClr val="0070C0"/>
-                </a:solidFill>
-                <a:effectLst/>
-                <a:uLnTx/>
-                <a:uFillTx/>
-                <a:latin typeface="Arial"/>
-                <a:cs typeface="Arial"/>
-                <a:sym typeface="Arial"/>
-              </a:rPr>
-              <a:t>Чёрчем</a:t>
-            </a:r>
-            <a:r>
-              <a:rPr kumimoji="0" lang="ru-RU" sz="3600" b="0" i="0" u="none" strike="noStrike" kern="0" cap="none" spc="0" normalizeH="0" baseline="0" noProof="0" dirty="0">
-                <a:ln>
-                  <a:noFill/>
-                </a:ln>
-                <a:solidFill>
-                  <a:srgbClr val="000000"/>
-                </a:solidFill>
-                <a:effectLst/>
-                <a:uLnTx/>
-                <a:uFillTx/>
-                <a:latin typeface="Arial"/>
-                <a:cs typeface="Arial"/>
-                <a:sym typeface="Arial"/>
-              </a:rPr>
-              <a:t>, для формализации и анализа понятия вычислимости.</a:t>
-            </a:r>
-          </a:p>
-        </p:txBody>
-      </p:sp>
-      <p:sp>
-        <p:nvSpPr>
-          <p:cNvPr id="4" name="Прямоугольник 3"/>
-          <p:cNvSpPr/>
-          <p:nvPr/>
-        </p:nvSpPr>
-        <p:spPr>
-          <a:xfrm>
-            <a:off x="9026327" y="8177312"/>
-            <a:ext cx="6579045" cy="400110"/>
-          </a:xfrm>
-          <a:prstGeom prst="rect">
-            <a:avLst/>
-          </a:prstGeom>
-        </p:spPr>
-        <p:txBody>
-          <a:bodyPr wrap="none">
-            <a:spAutoFit/>
-          </a:bodyPr>
-          <a:lstStyle/>
-          <a:p>
-            <a:pPr marL="0" marR="0" lvl="0" indent="0" algn="l" defTabSz="914400" rtl="0" eaLnBrk="1" fontAlgn="auto" latinLnBrk="0" hangingPunct="1">
-              <a:lnSpc>
-                <a:spcPct val="100000"/>
-              </a:lnSpc>
-              <a:spcBef>
-                <a:spcPts val="0"/>
-              </a:spcBef>
-              <a:spcAft>
-                <a:spcPts val="0"/>
-              </a:spcAft>
-              <a:buClrTx/>
-              <a:buSzTx/>
-              <a:buFontTx/>
-              <a:buNone/>
-              <a:tabLst/>
-              <a:defRPr/>
-            </a:pPr>
-            <a:r>
-              <a:rPr kumimoji="0" lang="ru-RU" sz="2000" b="0" i="1" u="none" strike="noStrike" kern="0" cap="none" spc="0" normalizeH="0" baseline="0" noProof="0" dirty="0">
-                <a:ln>
-                  <a:noFill/>
-                </a:ln>
-                <a:solidFill>
-                  <a:srgbClr val="000000"/>
-                </a:solidFill>
-                <a:effectLst/>
-                <a:uLnTx/>
-                <a:uFillTx/>
-                <a:latin typeface="Arial"/>
-                <a:cs typeface="Arial"/>
-                <a:sym typeface="Arial"/>
-              </a:rPr>
-              <a:t>Материал</a:t>
-            </a:r>
-            <a:r>
-              <a:rPr kumimoji="0" lang="ru-RU" sz="2000" b="0" i="0" u="none" strike="noStrike" kern="0" cap="none" spc="0" normalizeH="0" baseline="0" noProof="0" dirty="0">
-                <a:ln>
-                  <a:noFill/>
-                </a:ln>
-                <a:solidFill>
-                  <a:srgbClr val="000000"/>
-                </a:solidFill>
-                <a:effectLst/>
-                <a:uLnTx/>
-                <a:uFillTx/>
-                <a:latin typeface="Arial"/>
-                <a:cs typeface="Arial"/>
-                <a:sym typeface="Arial"/>
-              </a:rPr>
-              <a:t> из Википедии — свободной энциклопедии</a:t>
-            </a:r>
-          </a:p>
-        </p:txBody>
-      </p:sp>
-    </p:spTree>
-    <p:extLst>
-      <p:ext uri="{BB962C8B-B14F-4D97-AF65-F5344CB8AC3E}">
-        <p14:creationId xmlns:p14="http://schemas.microsoft.com/office/powerpoint/2010/main" val="1488643196"/>
-      </p:ext>
-    </p:extLst>
-  </p:cSld>
-  <p:clrMapOvr>
-    <a:masterClrMapping/>
-  </p:clrMapOvr>
-  <p:timing>
-    <p:tnLst>
-      <p:par>
-        <p:cTn id="1" dur="indefinite" restart="never" nodeType="tmRoot"/>
-      </p:par>
-    </p:tnLst>
+    <p:bldLst>
+      <p:bldP spid="3" grpId="0"/>
+    </p:bldLst>
   </p:timing>
 </p:sld>
 </file>
@@ -19535,14 +20109,14 @@
       </p:sp>
       <p:sp>
         <p:nvSpPr>
-          <p:cNvPr id="5" name="Прямоугольник 4"/>
+          <p:cNvPr id="2" name="Прямоугольник 1"/>
           <p:cNvSpPr/>
           <p:nvPr/>
         </p:nvSpPr>
         <p:spPr>
           <a:xfrm>
-            <a:off x="965200" y="2539999"/>
-            <a:ext cx="14782800" cy="5078313"/>
+            <a:off x="1155700" y="2547049"/>
+            <a:ext cx="14046200" cy="1938992"/>
           </a:xfrm>
           <a:prstGeom prst="rect">
             <a:avLst/>
@@ -19572,6 +20146,132 @@
               <a:defRPr/>
             </a:pPr>
             <a:r>
+              <a:rPr kumimoji="0" lang="ru-RU" sz="4000" b="0" i="0" u="none" strike="noStrike" kern="0" cap="none" spc="0" normalizeH="0" baseline="0" noProof="0" dirty="0">
+                <a:ln>
+                  <a:noFill/>
+                </a:ln>
+                <a:solidFill>
+                  <a:srgbClr val="00B050"/>
+                </a:solidFill>
+                <a:effectLst/>
+                <a:uLnTx/>
+                <a:uFillTx/>
+                <a:latin typeface="Arial"/>
+                <a:cs typeface="Arial"/>
+                <a:sym typeface="Arial"/>
+              </a:rPr>
+              <a:t>Лямбда-выражение</a:t>
+            </a:r>
+            <a:r>
+              <a:rPr kumimoji="0" lang="ru-RU" sz="4000" b="0" i="0" u="none" strike="noStrike" kern="0" cap="none" spc="0" normalizeH="0" baseline="0" noProof="0" dirty="0">
+                <a:ln>
+                  <a:noFill/>
+                </a:ln>
+                <a:solidFill>
+                  <a:srgbClr val="000000"/>
+                </a:solidFill>
+                <a:effectLst/>
+                <a:uLnTx/>
+                <a:uFillTx/>
+                <a:latin typeface="Arial"/>
+                <a:cs typeface="Arial"/>
+                <a:sym typeface="Arial"/>
+              </a:rPr>
+              <a:t> в программировании — специальный синтаксис для определения функциональных объектов, заимствованный из </a:t>
+            </a:r>
+            <a:r>
+              <a:rPr kumimoji="0" lang="ru-RU" sz="4000" b="0" i="0" u="none" strike="noStrike" kern="0" cap="none" spc="0" normalizeH="0" baseline="0" noProof="0" dirty="0">
+                <a:ln>
+                  <a:noFill/>
+                </a:ln>
+                <a:solidFill>
+                  <a:srgbClr val="00B050"/>
+                </a:solidFill>
+                <a:effectLst/>
+                <a:uLnTx/>
+                <a:uFillTx/>
+                <a:latin typeface="Arial"/>
+                <a:cs typeface="Arial"/>
+                <a:sym typeface="Arial"/>
+              </a:rPr>
+              <a:t>λ</a:t>
+            </a:r>
+            <a:r>
+              <a:rPr kumimoji="0" lang="ru-RU" sz="4000" b="0" i="0" u="none" strike="noStrike" kern="0" cap="none" spc="0" normalizeH="0" baseline="0" noProof="0" dirty="0">
+                <a:ln>
+                  <a:noFill/>
+                </a:ln>
+                <a:solidFill>
+                  <a:srgbClr val="000000"/>
+                </a:solidFill>
+                <a:effectLst/>
+                <a:uLnTx/>
+                <a:uFillTx/>
+                <a:latin typeface="Arial"/>
+                <a:cs typeface="Arial"/>
+                <a:sym typeface="Arial"/>
+              </a:rPr>
+              <a:t>-исчисления.</a:t>
+            </a:r>
+          </a:p>
+        </p:txBody>
+      </p:sp>
+      <p:sp>
+        <p:nvSpPr>
+          <p:cNvPr id="3" name="Прямоугольник 2"/>
+          <p:cNvSpPr/>
+          <p:nvPr/>
+        </p:nvSpPr>
+        <p:spPr>
+          <a:xfrm>
+            <a:off x="1155700" y="5415662"/>
+            <a:ext cx="13830300" cy="1815882"/>
+          </a:xfrm>
+          <a:prstGeom prst="rect">
+            <a:avLst/>
+          </a:prstGeom>
+        </p:spPr>
+        <p:txBody>
+          <a:bodyPr wrap="square">
+            <a:spAutoFit/>
+          </a:bodyPr>
+          <a:lstStyle/>
+          <a:p>
+            <a:pPr marL="0" marR="0" lvl="0" indent="0" algn="l" defTabSz="914400" rtl="0" eaLnBrk="1" fontAlgn="auto" latinLnBrk="0" hangingPunct="1">
+              <a:lnSpc>
+                <a:spcPct val="100000"/>
+              </a:lnSpc>
+              <a:spcBef>
+                <a:spcPts val="0"/>
+              </a:spcBef>
+              <a:spcAft>
+                <a:spcPts val="0"/>
+              </a:spcAft>
+              <a:buClrTx/>
+              <a:buSzTx/>
+              <a:buFontTx/>
+              <a:buNone/>
+              <a:tabLst/>
+              <a:defRPr/>
+            </a:pPr>
+            <a:r>
+              <a:rPr kumimoji="0" lang="ru-RU" sz="3600" b="0" i="0" u="none" strike="noStrike" kern="0" cap="none" spc="0" normalizeH="0" baseline="0" noProof="0" dirty="0" err="1">
+                <a:ln>
+                  <a:noFill/>
+                </a:ln>
+                <a:solidFill>
+                  <a:srgbClr val="00B050"/>
+                </a:solidFill>
+                <a:effectLst/>
+                <a:uLnTx/>
+                <a:uFillTx/>
+                <a:latin typeface="Arial"/>
+                <a:cs typeface="Arial"/>
+                <a:sym typeface="Arial"/>
+              </a:rPr>
+              <a:t>Ля́мбда-исчисле́ние</a:t>
+            </a:r>
+            <a:r>
               <a:rPr kumimoji="0" lang="ru-RU" sz="3600" b="0" i="0" u="none" strike="noStrike" kern="0" cap="none" spc="0" normalizeH="0" baseline="0" noProof="0" dirty="0">
                 <a:ln>
                   <a:noFill/>
@@ -19586,15 +20286,15 @@
                 <a:cs typeface="Arial"/>
                 <a:sym typeface="Arial"/>
               </a:rPr>
-              <a:t>Выражение </a:t>
-            </a:r>
-            <a:r>
-              <a:rPr kumimoji="0" lang="ru-RU" sz="3600" b="0" i="0" u="none" strike="noStrike" kern="0" cap="none" spc="0" normalizeH="0" baseline="0" noProof="0" dirty="0" err="1">
+              <a:t> (</a:t>
+            </a:r>
+            <a:r>
+              <a:rPr kumimoji="0" lang="ru-RU" sz="4000" b="0" i="0" u="none" strike="noStrike" kern="0" cap="none" spc="0" normalizeH="0" baseline="0" noProof="0" dirty="0">
                 <a:ln>
                   <a:noFill/>
                 </a:ln>
                 <a:solidFill>
-                  <a:srgbClr val="00FF00"/>
+                  <a:srgbClr val="00B050"/>
                 </a:solidFill>
                 <a:effectLst/>
                 <a:uLnTx/>
@@ -19603,15 +20303,15 @@
                 <a:cs typeface="Arial"/>
                 <a:sym typeface="Arial"/>
               </a:rPr>
-              <a:t>lambda</a:t>
-            </a:r>
-            <a:r>
-              <a:rPr kumimoji="0" lang="ru-RU" sz="3600" b="0" i="0" u="none" strike="noStrike" kern="0" cap="none" spc="0" normalizeH="0" baseline="0" noProof="0" dirty="0">
+              <a:t>λ</a:t>
+            </a:r>
+            <a:r>
+              <a:rPr kumimoji="0" lang="ru-RU" sz="4000" b="0" i="0" u="none" strike="noStrike" kern="0" cap="none" spc="0" normalizeH="0" baseline="0" noProof="0" dirty="0">
                 <a:ln>
                   <a:noFill/>
                 </a:ln>
                 <a:solidFill>
-                  <a:srgbClr val="00FF00"/>
+                  <a:srgbClr val="000000"/>
                 </a:solidFill>
                 <a:effectLst/>
                 <a:uLnTx/>
@@ -19620,7 +20320,7 @@
                 <a:cs typeface="Arial"/>
                 <a:sym typeface="Arial"/>
               </a:rPr>
-              <a:t> </a:t>
+              <a:t>-исчисление</a:t>
             </a:r>
             <a:r>
               <a:rPr kumimoji="0" lang="ru-RU" sz="3600" b="0" i="0" u="none" strike="noStrike" kern="0" cap="none" spc="0" normalizeH="0" baseline="0" noProof="0" dirty="0">
@@ -19637,7 +20337,7 @@
                 <a:cs typeface="Arial"/>
                 <a:sym typeface="Arial"/>
               </a:rPr>
-              <a:t>создает функцию, которая будет вызываться позднее, но в отличие от инструкции </a:t>
+              <a:t>) — формальная система, разработанная американским математиком </a:t>
             </a:r>
             <a:r>
               <a:rPr kumimoji="0" lang="ru-RU" sz="3600" b="0" i="0" u="none" strike="noStrike" kern="0" cap="none" spc="0" normalizeH="0" baseline="0" noProof="0" dirty="0" err="1">
@@ -19645,7 +20345,7 @@
                   <a:noFill/>
                 </a:ln>
                 <a:solidFill>
-                  <a:srgbClr val="333399"/>
+                  <a:srgbClr val="0070C0"/>
                 </a:solidFill>
                 <a:effectLst/>
                 <a:uLnTx/>
@@ -19654,7 +20354,41 @@
                 <a:cs typeface="Arial"/>
                 <a:sym typeface="Arial"/>
               </a:rPr>
-              <a:t>def</a:t>
+              <a:t>Алонзо</a:t>
+            </a:r>
+            <a:r>
+              <a:rPr kumimoji="0" lang="ru-RU" sz="3600" b="0" i="0" u="none" strike="noStrike" kern="0" cap="none" spc="0" normalizeH="0" baseline="0" noProof="0" dirty="0">
+                <a:ln>
+                  <a:noFill/>
+                </a:ln>
+                <a:solidFill>
+                  <a:srgbClr val="0070C0"/>
+                </a:solidFill>
+                <a:effectLst/>
+                <a:uLnTx/>
+                <a:uFillTx/>
+                <a:latin typeface="Arial"/>
+                <a:cs typeface="Arial"/>
+                <a:sym typeface="Arial"/>
+              </a:rPr>
+              <a:t> </a:t>
+            </a:r>
+            <a:r>
+              <a:rPr kumimoji="0" lang="ru-RU" sz="3600" b="0" i="0" u="none" strike="noStrike" kern="0" cap="none" spc="0" normalizeH="0" baseline="0" noProof="0" dirty="0" err="1">
+                <a:ln>
+                  <a:noFill/>
+                </a:ln>
+                <a:solidFill>
+                  <a:srgbClr val="0070C0"/>
+                </a:solidFill>
+                <a:effectLst/>
+                <a:uLnTx/>
+                <a:uFillTx/>
+                <a:latin typeface="Arial"/>
+                <a:cs typeface="Arial"/>
+                <a:sym typeface="Arial"/>
+              </a:rPr>
+              <a:t>Чёрчем</a:t>
             </a:r>
             <a:r>
               <a:rPr kumimoji="0" lang="ru-RU" sz="3600" b="0" i="0" u="none" strike="noStrike" kern="0" cap="none" spc="0" normalizeH="0" baseline="0" noProof="0" dirty="0">
@@ -19671,10 +20405,51 @@
                 <a:cs typeface="Arial"/>
                 <a:sym typeface="Arial"/>
               </a:rPr>
-              <a:t>, выражение </a:t>
-            </a:r>
-            <a:r>
-              <a:rPr kumimoji="0" lang="ru-RU" sz="3600" b="0" i="0" u="sng" strike="noStrike" kern="0" cap="none" spc="0" normalizeH="0" baseline="0" noProof="0" dirty="0">
+              <a:t>, для формализации и анализа понятия вычислимости.</a:t>
+            </a:r>
+          </a:p>
+        </p:txBody>
+      </p:sp>
+      <p:sp>
+        <p:nvSpPr>
+          <p:cNvPr id="4" name="Прямоугольник 3"/>
+          <p:cNvSpPr/>
+          <p:nvPr/>
+        </p:nvSpPr>
+        <p:spPr>
+          <a:xfrm>
+            <a:off x="9026327" y="8177312"/>
+            <a:ext cx="6579045" cy="400110"/>
+          </a:xfrm>
+          <a:prstGeom prst="rect">
+            <a:avLst/>
+          </a:prstGeom>
+        </p:spPr>
+        <p:txBody>
+          <a:bodyPr wrap="none">
+            <a:spAutoFit/>
+          </a:bodyPr>
+          <a:lstStyle/>
+          <a:p>
+            <a:pPr marL="0" marR="0" lvl="0" indent="0" algn="l" defTabSz="914400" rtl="0" eaLnBrk="1" fontAlgn="auto" latinLnBrk="0" hangingPunct="1">
+              <a:lnSpc>
+                <a:spcPct val="100000"/>
+              </a:lnSpc>
+              <a:spcBef>
+                <a:spcPts val="0"/>
+              </a:spcBef>
+              <a:spcAft>
+                <a:spcPts val="0"/>
+              </a:spcAft>
+              <a:buClrTx/>
+              <a:buSzTx/>
+              <a:buFontTx/>
+              <a:buNone/>
+              <a:tabLst/>
+              <a:defRPr/>
+            </a:pPr>
+            <a:r>
+              <a:rPr kumimoji="0" lang="ru-RU" sz="2000" b="0" i="1" u="none" strike="noStrike" kern="0" cap="none" spc="0" normalizeH="0" baseline="0" noProof="0" dirty="0">
                 <a:ln>
                   <a:noFill/>
                 </a:ln>
@@ -19688,10 +20463,10 @@
                 <a:cs typeface="Arial"/>
                 <a:sym typeface="Arial"/>
               </a:rPr>
-              <a:t>возвращает</a:t>
-            </a:r>
-            <a:r>
-              <a:rPr kumimoji="0" lang="ru-RU" sz="3600" b="0" i="0" u="none" strike="noStrike" kern="0" cap="none" spc="0" normalizeH="0" baseline="0" noProof="0" dirty="0">
+              <a:t>Материал</a:t>
+            </a:r>
+            <a:r>
+              <a:rPr kumimoji="0" lang="ru-RU" sz="2000" b="0" i="0" u="none" strike="noStrike" kern="0" cap="none" spc="0" normalizeH="0" baseline="0" noProof="0" dirty="0">
                 <a:ln>
                   <a:noFill/>
                 </a:ln>
@@ -19705,190 +20480,7 @@
                 <a:cs typeface="Arial"/>
                 <a:sym typeface="Arial"/>
               </a:rPr>
-              <a:t> функцию, а не связывает ее с именем</a:t>
-            </a:r>
-            <a:r>
-              <a:rPr kumimoji="0" lang="ru-RU" sz="3600" b="0" i="0" u="none" strike="noStrike" kern="0" cap="none" spc="0" normalizeH="0" baseline="0" noProof="0" dirty="0" smtClean="0">
-                <a:ln>
-                  <a:noFill/>
-                </a:ln>
-                <a:solidFill>
-                  <a:srgbClr val="000000"/>
-                </a:solidFill>
-                <a:effectLst/>
-                <a:uLnTx/>
-                <a:uFillTx/>
-                <a:latin typeface="Arial"/>
-                <a:cs typeface="Arial"/>
-                <a:sym typeface="Arial"/>
-              </a:rPr>
-              <a:t>.</a:t>
-            </a:r>
-            <a:endParaRPr kumimoji="0" lang="en-US" sz="3600" b="0" i="0" u="none" strike="noStrike" kern="0" cap="none" spc="0" normalizeH="0" baseline="0" noProof="0" dirty="0" smtClean="0">
-              <a:ln>
-                <a:noFill/>
-              </a:ln>
-              <a:solidFill>
-                <a:srgbClr val="000000"/>
-              </a:solidFill>
-              <a:effectLst/>
-              <a:uLnTx/>
-              <a:uFillTx/>
-              <a:latin typeface="Arial"/>
-              <a:cs typeface="Arial"/>
-              <a:sym typeface="Arial"/>
-            </a:endParaRPr>
-          </a:p>
-          <a:p>
-            <a:pPr marL="0" marR="0" lvl="0" indent="0" algn="l" defTabSz="914400" rtl="0" eaLnBrk="1" fontAlgn="auto" latinLnBrk="0" hangingPunct="1">
-              <a:lnSpc>
-                <a:spcPct val="100000"/>
-              </a:lnSpc>
-              <a:spcBef>
-                <a:spcPts val="0"/>
-              </a:spcBef>
-              <a:spcAft>
-                <a:spcPts val="0"/>
-              </a:spcAft>
-              <a:buClrTx/>
-              <a:buSzTx/>
-              <a:buFontTx/>
-              <a:buNone/>
-              <a:tabLst/>
-              <a:defRPr/>
-            </a:pPr>
-            <a:endParaRPr kumimoji="0" lang="en-US" sz="3600" b="0" i="0" u="none" strike="noStrike" kern="0" cap="none" spc="0" normalizeH="0" baseline="0" noProof="0" dirty="0">
-              <a:ln>
-                <a:noFill/>
-              </a:ln>
-              <a:solidFill>
-                <a:srgbClr val="000000"/>
-              </a:solidFill>
-              <a:effectLst/>
-              <a:uLnTx/>
-              <a:uFillTx/>
-              <a:latin typeface="Arial"/>
-              <a:cs typeface="Arial"/>
-              <a:sym typeface="Arial"/>
-            </a:endParaRPr>
-          </a:p>
-          <a:p>
-            <a:pPr marL="0" marR="0" lvl="0" indent="0" algn="l" defTabSz="914400" rtl="0" eaLnBrk="1" fontAlgn="auto" latinLnBrk="0" hangingPunct="1">
-              <a:lnSpc>
-                <a:spcPct val="100000"/>
-              </a:lnSpc>
-              <a:spcBef>
-                <a:spcPts val="0"/>
-              </a:spcBef>
-              <a:spcAft>
-                <a:spcPts val="0"/>
-              </a:spcAft>
-              <a:buClrTx/>
-              <a:buSzTx/>
-              <a:buFontTx/>
-              <a:buNone/>
-              <a:tabLst/>
-              <a:defRPr/>
-            </a:pPr>
-            <a:endParaRPr kumimoji="0" lang="en-US" sz="3600" b="0" i="0" u="none" strike="noStrike" kern="0" cap="none" spc="0" normalizeH="0" baseline="0" noProof="0" dirty="0" smtClean="0">
-              <a:ln>
-                <a:noFill/>
-              </a:ln>
-              <a:solidFill>
-                <a:srgbClr val="000000"/>
-              </a:solidFill>
-              <a:effectLst/>
-              <a:uLnTx/>
-              <a:uFillTx/>
-              <a:latin typeface="Arial"/>
-              <a:cs typeface="Arial"/>
-              <a:sym typeface="Arial"/>
-            </a:endParaRPr>
-          </a:p>
-          <a:p>
-            <a:pPr marL="0" marR="0" lvl="0" indent="0" algn="l" defTabSz="914400" rtl="0" eaLnBrk="1" fontAlgn="auto" latinLnBrk="0" hangingPunct="1">
-              <a:lnSpc>
-                <a:spcPct val="100000"/>
-              </a:lnSpc>
-              <a:spcBef>
-                <a:spcPts val="0"/>
-              </a:spcBef>
-              <a:spcAft>
-                <a:spcPts val="0"/>
-              </a:spcAft>
-              <a:buClrTx/>
-              <a:buSzTx/>
-              <a:buFontTx/>
-              <a:buNone/>
-              <a:tabLst/>
-              <a:defRPr/>
-            </a:pPr>
-            <a:endParaRPr kumimoji="0" lang="en-US" sz="3600" b="0" i="0" u="none" strike="noStrike" kern="0" cap="none" spc="0" normalizeH="0" baseline="0" noProof="0" dirty="0">
-              <a:ln>
-                <a:noFill/>
-              </a:ln>
-              <a:solidFill>
-                <a:srgbClr val="000000"/>
-              </a:solidFill>
-              <a:effectLst/>
-              <a:uLnTx/>
-              <a:uFillTx/>
-              <a:latin typeface="Arial"/>
-              <a:cs typeface="Arial"/>
-              <a:sym typeface="Arial"/>
-            </a:endParaRPr>
-          </a:p>
-          <a:p>
-            <a:pPr marL="0" marR="0" lvl="0" indent="0" algn="l" defTabSz="914400" rtl="0" eaLnBrk="1" fontAlgn="auto" latinLnBrk="0" hangingPunct="1">
-              <a:lnSpc>
-                <a:spcPct val="100000"/>
-              </a:lnSpc>
-              <a:spcBef>
-                <a:spcPts val="0"/>
-              </a:spcBef>
-              <a:spcAft>
-                <a:spcPts val="0"/>
-              </a:spcAft>
-              <a:buClrTx/>
-              <a:buSzTx/>
-              <a:buFontTx/>
-              <a:buNone/>
-              <a:tabLst/>
-              <a:defRPr/>
-            </a:pPr>
-            <a:r>
-              <a:rPr kumimoji="0" lang="ru-RU" sz="3600" b="0" i="0" u="none" strike="noStrike" kern="0" cap="none" spc="0" normalizeH="0" baseline="0" noProof="0" dirty="0" err="1">
-                <a:ln>
-                  <a:noFill/>
-                </a:ln>
-                <a:solidFill>
-                  <a:srgbClr val="00FF00"/>
-                </a:solidFill>
-                <a:effectLst/>
-                <a:uLnTx/>
-                <a:uFillTx/>
-                <a:latin typeface="Arial"/>
-                <a:cs typeface="Arial"/>
-                <a:sym typeface="Arial"/>
-              </a:rPr>
-              <a:t>lambda</a:t>
-            </a:r>
-            <a:r>
-              <a:rPr kumimoji="0" lang="ru-RU" sz="3600" b="0" i="0" u="none" strike="noStrike" kern="0" cap="none" spc="0" normalizeH="0" baseline="0" noProof="0" dirty="0">
-                <a:ln>
-                  <a:noFill/>
-                </a:ln>
-                <a:solidFill>
-                  <a:srgbClr val="000000"/>
-                </a:solidFill>
-                <a:effectLst/>
-                <a:uLnTx/>
-                <a:uFillTx/>
-                <a:latin typeface="Arial"/>
-                <a:cs typeface="Arial"/>
-                <a:sym typeface="Arial"/>
-              </a:rPr>
-              <a:t> - анонимны, то есть без имени. На практике они часто используются, как способ получить встроенную функцию  или отложить выполнение  фрагмента программного кода.</a:t>
+              <a:t> из Википедии — свободной энциклопедии</a:t>
             </a:r>
           </a:p>
         </p:txBody>
@@ -19896,7 +20488,7 @@
     </p:spTree>
     <p:extLst>
       <p:ext uri="{BB962C8B-B14F-4D97-AF65-F5344CB8AC3E}">
-        <p14:creationId xmlns:p14="http://schemas.microsoft.com/office/powerpoint/2010/main" val="1902760024"/>
+        <p14:creationId xmlns:p14="http://schemas.microsoft.com/office/powerpoint/2010/main" val="1488643196"/>
       </p:ext>
     </p:extLst>
   </p:cSld>
@@ -19959,23 +20551,33 @@
           </a:bodyPr>
           <a:lstStyle/>
           <a:p>
-            <a:r>
-              <a:rPr lang="ru-RU" sz="6600" dirty="0"/>
-              <a:t>Различия </a:t>
-            </a:r>
-            <a:r>
-              <a:rPr lang="ru-RU" sz="6600" dirty="0" err="1"/>
-              <a:t>lambda</a:t>
-            </a:r>
-            <a:r>
-              <a:rPr lang="ru-RU" sz="6600" dirty="0"/>
-              <a:t> от </a:t>
-            </a:r>
-            <a:r>
-              <a:rPr lang="ru-RU" sz="6600" dirty="0" err="1" smtClean="0"/>
-              <a:t>def</a:t>
-            </a:r>
-            <a:endParaRPr lang="ru-RU" sz="6600" dirty="0"/>
+            <a:pPr lvl="0">
+              <a:buClr>
+                <a:schemeClr val="lt1"/>
+              </a:buClr>
+              <a:buSzPct val="25000"/>
+            </a:pPr>
+            <a:r>
+              <a:rPr lang="ru-RU" sz="6600" dirty="0" smtClean="0">
+                <a:solidFill>
+                  <a:schemeClr val="bg2"/>
+                </a:solidFill>
+                <a:latin typeface="Cabin"/>
+                <a:ea typeface="Cabin"/>
+                <a:cs typeface="Cabin"/>
+                <a:sym typeface="Cabin"/>
+              </a:rPr>
+              <a:t>Лямбда выражения</a:t>
+            </a:r>
+            <a:endParaRPr lang="en-US" sz="6600" dirty="0">
+              <a:solidFill>
+                <a:schemeClr val="bg2"/>
+              </a:solidFill>
+              <a:latin typeface="Cabin"/>
+              <a:ea typeface="Cabin"/>
+              <a:cs typeface="Cabin"/>
+              <a:sym typeface="Cabin"/>
+            </a:endParaRPr>
           </a:p>
         </p:txBody>
       </p:sp>
@@ -20053,7 +20655,7 @@
         <p:spPr>
           <a:xfrm>
             <a:off x="965200" y="2539999"/>
-            <a:ext cx="14782800" cy="5632311"/>
+            <a:ext cx="14782800" cy="5078313"/>
           </a:xfrm>
           <a:prstGeom prst="rect">
             <a:avLst/>
@@ -20083,7 +20685,7 @@
               <a:defRPr/>
             </a:pPr>
             <a:r>
-              <a:rPr kumimoji="0" lang="ru-RU" sz="3600" b="0" i="0" u="none" strike="noStrike" kern="0" cap="none" spc="0" normalizeH="0" baseline="0" noProof="0" dirty="0" err="1" smtClean="0">
+              <a:rPr kumimoji="0" lang="ru-RU" sz="3600" b="0" i="0" u="none" strike="noStrike" kern="0" cap="none" spc="0" normalizeH="0" baseline="0" noProof="0" dirty="0">
                 <a:ln>
                   <a:noFill/>
                 </a:ln>
@@ -20097,7 +20699,126 @@
                 <a:cs typeface="Arial"/>
                 <a:sym typeface="Arial"/>
               </a:rPr>
+              <a:t>Выражение </a:t>
+            </a:r>
+            <a:r>
+              <a:rPr kumimoji="0" lang="ru-RU" sz="3600" b="0" i="0" u="none" strike="noStrike" kern="0" cap="none" spc="0" normalizeH="0" baseline="0" noProof="0" dirty="0" err="1">
+                <a:ln>
+                  <a:noFill/>
+                </a:ln>
+                <a:solidFill>
+                  <a:srgbClr val="00FF00"/>
+                </a:solidFill>
+                <a:effectLst/>
+                <a:uLnTx/>
+                <a:uFillTx/>
+                <a:latin typeface="Arial"/>
+                <a:cs typeface="Arial"/>
+                <a:sym typeface="Arial"/>
+              </a:rPr>
               <a:t>lambda</a:t>
+            </a:r>
+            <a:r>
+              <a:rPr kumimoji="0" lang="ru-RU" sz="3600" b="0" i="0" u="none" strike="noStrike" kern="0" cap="none" spc="0" normalizeH="0" baseline="0" noProof="0" dirty="0">
+                <a:ln>
+                  <a:noFill/>
+                </a:ln>
+                <a:solidFill>
+                  <a:srgbClr val="00FF00"/>
+                </a:solidFill>
+                <a:effectLst/>
+                <a:uLnTx/>
+                <a:uFillTx/>
+                <a:latin typeface="Arial"/>
+                <a:cs typeface="Arial"/>
+                <a:sym typeface="Arial"/>
+              </a:rPr>
+              <a:t> </a:t>
+            </a:r>
+            <a:r>
+              <a:rPr kumimoji="0" lang="ru-RU" sz="3600" b="0" i="0" u="none" strike="noStrike" kern="0" cap="none" spc="0" normalizeH="0" baseline="0" noProof="0" dirty="0">
+                <a:ln>
+                  <a:noFill/>
+                </a:ln>
+                <a:solidFill>
+                  <a:srgbClr val="000000"/>
+                </a:solidFill>
+                <a:effectLst/>
+                <a:uLnTx/>
+                <a:uFillTx/>
+                <a:latin typeface="Arial"/>
+                <a:cs typeface="Arial"/>
+                <a:sym typeface="Arial"/>
+              </a:rPr>
+              <a:t>создает функцию, которая будет вызываться позднее, но в отличие от инструкции </a:t>
+            </a:r>
+            <a:r>
+              <a:rPr kumimoji="0" lang="ru-RU" sz="3600" b="0" i="0" u="none" strike="noStrike" kern="0" cap="none" spc="0" normalizeH="0" baseline="0" noProof="0" dirty="0" err="1">
+                <a:ln>
+                  <a:noFill/>
+                </a:ln>
+                <a:solidFill>
+                  <a:srgbClr val="333399"/>
+                </a:solidFill>
+                <a:effectLst/>
+                <a:uLnTx/>
+                <a:uFillTx/>
+                <a:latin typeface="Arial"/>
+                <a:cs typeface="Arial"/>
+                <a:sym typeface="Arial"/>
+              </a:rPr>
+              <a:t>def</a:t>
+            </a:r>
+            <a:r>
+              <a:rPr kumimoji="0" lang="ru-RU" sz="3600" b="0" i="0" u="none" strike="noStrike" kern="0" cap="none" spc="0" normalizeH="0" baseline="0" noProof="0" dirty="0">
+                <a:ln>
+                  <a:noFill/>
+                </a:ln>
+                <a:solidFill>
+                  <a:srgbClr val="000000"/>
+                </a:solidFill>
+                <a:effectLst/>
+                <a:uLnTx/>
+                <a:uFillTx/>
+                <a:latin typeface="Arial"/>
+                <a:cs typeface="Arial"/>
+                <a:sym typeface="Arial"/>
+              </a:rPr>
+              <a:t>, выражение </a:t>
+            </a:r>
+            <a:r>
+              <a:rPr kumimoji="0" lang="ru-RU" sz="3600" b="0" i="0" u="sng" strike="noStrike" kern="0" cap="none" spc="0" normalizeH="0" baseline="0" noProof="0" dirty="0">
+                <a:ln>
+                  <a:noFill/>
+                </a:ln>
+                <a:solidFill>
+                  <a:srgbClr val="000000"/>
+                </a:solidFill>
+                <a:effectLst/>
+                <a:uLnTx/>
+                <a:uFillTx/>
+                <a:latin typeface="Arial"/>
+                <a:cs typeface="Arial"/>
+                <a:sym typeface="Arial"/>
+              </a:rPr>
+              <a:t>возвращает</a:t>
+            </a:r>
+            <a:r>
+              <a:rPr kumimoji="0" lang="ru-RU" sz="3600" b="0" i="0" u="none" strike="noStrike" kern="0" cap="none" spc="0" normalizeH="0" baseline="0" noProof="0" dirty="0">
+                <a:ln>
+                  <a:noFill/>
+                </a:ln>
+                <a:solidFill>
+                  <a:srgbClr val="000000"/>
+                </a:solidFill>
+                <a:effectLst/>
+                <a:uLnTx/>
+                <a:uFillTx/>
+                <a:latin typeface="Arial"/>
+                <a:cs typeface="Arial"/>
+                <a:sym typeface="Arial"/>
+              </a:rPr>
+              <a:t> функцию, а не связывает ее с именем</a:t>
             </a:r>
             <a:r>
               <a:rPr kumimoji="0" lang="ru-RU" sz="3600" b="0" i="0" u="none" strike="noStrike" kern="0" cap="none" spc="0" normalizeH="0" baseline="0" noProof="0" dirty="0" smtClean="0">
@@ -20114,147 +20835,9 @@
                 <a:cs typeface="Arial"/>
                 <a:sym typeface="Arial"/>
               </a:rPr>
-              <a:t> </a:t>
-            </a:r>
-            <a:r>
-              <a:rPr kumimoji="0" lang="ru-RU" sz="3600" b="0" i="0" u="none" strike="noStrike" kern="0" cap="none" spc="0" normalizeH="0" baseline="0" noProof="0" dirty="0">
-                <a:ln>
-                  <a:noFill/>
-                </a:ln>
-                <a:solidFill>
-                  <a:srgbClr val="000000"/>
-                </a:solidFill>
-                <a:effectLst/>
-                <a:uLnTx/>
-                <a:uFillTx/>
-                <a:latin typeface="Arial"/>
-                <a:cs typeface="Arial"/>
-                <a:sym typeface="Arial"/>
-              </a:rPr>
-              <a:t>– это выражение, а не инструкция. По этой причине ключевое слово </a:t>
-            </a:r>
-            <a:r>
-              <a:rPr kumimoji="0" lang="ru-RU" sz="3600" b="0" i="0" u="none" strike="noStrike" kern="0" cap="none" spc="0" normalizeH="0" baseline="0" noProof="0" dirty="0" err="1">
-                <a:ln>
-                  <a:noFill/>
-                </a:ln>
-                <a:solidFill>
-                  <a:srgbClr val="000000"/>
-                </a:solidFill>
-                <a:effectLst/>
-                <a:uLnTx/>
-                <a:uFillTx/>
-                <a:latin typeface="Arial"/>
-                <a:cs typeface="Arial"/>
-                <a:sym typeface="Arial"/>
-              </a:rPr>
-              <a:t>lambda</a:t>
-            </a:r>
-            <a:r>
-              <a:rPr kumimoji="0" lang="ru-RU" sz="3600" b="0" i="0" u="none" strike="noStrike" kern="0" cap="none" spc="0" normalizeH="0" baseline="0" noProof="0" dirty="0">
-                <a:ln>
-                  <a:noFill/>
-                </a:ln>
-                <a:solidFill>
-                  <a:srgbClr val="000000"/>
-                </a:solidFill>
-                <a:effectLst/>
-                <a:uLnTx/>
-                <a:uFillTx/>
-                <a:latin typeface="Arial"/>
-                <a:cs typeface="Arial"/>
-                <a:sym typeface="Arial"/>
-              </a:rPr>
-              <a:t>  может  появляться там, где синтаксис  языка  </a:t>
-            </a:r>
-            <a:r>
-              <a:rPr kumimoji="0" lang="ru-RU" sz="3600" b="0" i="0" u="none" strike="noStrike" kern="0" cap="none" spc="0" normalizeH="0" baseline="0" noProof="0" dirty="0" err="1">
-                <a:ln>
-                  <a:noFill/>
-                </a:ln>
-                <a:solidFill>
-                  <a:srgbClr val="000000"/>
-                </a:solidFill>
-                <a:effectLst/>
-                <a:uLnTx/>
-                <a:uFillTx/>
-                <a:latin typeface="Arial"/>
-                <a:cs typeface="Arial"/>
-                <a:sym typeface="Arial"/>
-              </a:rPr>
-              <a:t>Python</a:t>
-            </a:r>
-            <a:r>
-              <a:rPr kumimoji="0" lang="ru-RU" sz="3600" b="0" i="0" u="none" strike="noStrike" kern="0" cap="none" spc="0" normalizeH="0" baseline="0" noProof="0" dirty="0">
-                <a:ln>
-                  <a:noFill/>
-                </a:ln>
-                <a:solidFill>
-                  <a:srgbClr val="000000"/>
-                </a:solidFill>
-                <a:effectLst/>
-                <a:uLnTx/>
-                <a:uFillTx/>
-                <a:latin typeface="Arial"/>
-                <a:cs typeface="Arial"/>
-                <a:sym typeface="Arial"/>
-              </a:rPr>
-              <a:t> не позволяет использовать инструкцию </a:t>
-            </a:r>
-            <a:r>
-              <a:rPr kumimoji="0" lang="ru-RU" sz="3600" b="0" i="0" u="none" strike="noStrike" kern="0" cap="none" spc="0" normalizeH="0" baseline="0" noProof="0" dirty="0" err="1">
-                <a:ln>
-                  <a:noFill/>
-                </a:ln>
-                <a:solidFill>
-                  <a:srgbClr val="000000"/>
-                </a:solidFill>
-                <a:effectLst/>
-                <a:uLnTx/>
-                <a:uFillTx/>
-                <a:latin typeface="Arial"/>
-                <a:cs typeface="Arial"/>
-                <a:sym typeface="Arial"/>
-              </a:rPr>
-              <a:t>def</a:t>
-            </a:r>
-            <a:r>
-              <a:rPr kumimoji="0" lang="ru-RU" sz="3600" b="0" i="0" u="none" strike="noStrike" kern="0" cap="none" spc="0" normalizeH="0" baseline="0" noProof="0" dirty="0">
-                <a:ln>
-                  <a:noFill/>
-                </a:ln>
-                <a:solidFill>
-                  <a:srgbClr val="000000"/>
-                </a:solidFill>
-                <a:effectLst/>
-                <a:uLnTx/>
-                <a:uFillTx/>
-                <a:latin typeface="Arial"/>
-                <a:cs typeface="Arial"/>
-                <a:sym typeface="Arial"/>
-              </a:rPr>
-              <a:t>, – внутри литералов или в вызовах функций, например.</a:t>
-            </a:r>
-          </a:p>
-          <a:p>
-            <a:pPr marL="0" marR="0" lvl="0" indent="0" algn="l" defTabSz="914400" rtl="0" eaLnBrk="1" fontAlgn="auto" latinLnBrk="0" hangingPunct="1">
-              <a:lnSpc>
-                <a:spcPct val="100000"/>
-              </a:lnSpc>
-              <a:spcBef>
-                <a:spcPts val="0"/>
-              </a:spcBef>
-              <a:spcAft>
-                <a:spcPts val="0"/>
-              </a:spcAft>
-              <a:buClrTx/>
-              <a:buSzTx/>
-              <a:buFontTx/>
-              <a:buNone/>
-              <a:tabLst/>
-              <a:defRPr/>
-            </a:pPr>
-            <a:endParaRPr kumimoji="0" lang="ru-RU" sz="3600" b="0" i="0" u="none" strike="noStrike" kern="0" cap="none" spc="0" normalizeH="0" baseline="0" noProof="0" dirty="0">
+              <a:t>.</a:t>
+            </a:r>
+            <a:endParaRPr kumimoji="0" lang="en-US" sz="3600" b="0" i="0" u="none" strike="noStrike" kern="0" cap="none" spc="0" normalizeH="0" baseline="0" noProof="0" dirty="0" smtClean="0">
               <a:ln>
                 <a:noFill/>
               </a:ln>
@@ -20287,47 +20870,112 @@
               <a:tabLst/>
               <a:defRPr/>
             </a:pPr>
-            <a:r>
-              <a:rPr kumimoji="0" lang="en-US" sz="3600" b="0" i="0" u="none" strike="noStrike" kern="0" cap="none" spc="0" normalizeH="0" baseline="0" noProof="0" dirty="0" smtClean="0">
-                <a:ln>
-                  <a:noFill/>
-                </a:ln>
-                <a:solidFill>
-                  <a:srgbClr val="000000"/>
-                </a:solidFill>
-                <a:effectLst/>
-                <a:uLnTx/>
-                <a:uFillTx/>
-                <a:latin typeface="Arial"/>
-                <a:cs typeface="Arial"/>
-                <a:sym typeface="Arial"/>
-              </a:rPr>
-              <a:t>T</a:t>
-            </a:r>
-            <a:r>
-              <a:rPr kumimoji="0" lang="ru-RU" sz="3600" b="0" i="0" u="none" strike="noStrike" kern="0" cap="none" spc="0" normalizeH="0" baseline="0" noProof="0" dirty="0" smtClean="0">
-                <a:ln>
-                  <a:noFill/>
-                </a:ln>
-                <a:solidFill>
-                  <a:srgbClr val="000000"/>
-                </a:solidFill>
-                <a:effectLst/>
-                <a:uLnTx/>
-                <a:uFillTx/>
-                <a:latin typeface="Arial"/>
-                <a:cs typeface="Arial"/>
-                <a:sym typeface="Arial"/>
-              </a:rPr>
-              <a:t>ело  </a:t>
-            </a:r>
+            <a:endParaRPr kumimoji="0" lang="en-US" sz="3600" b="0" i="0" u="none" strike="noStrike" kern="0" cap="none" spc="0" normalizeH="0" baseline="0" noProof="0" dirty="0">
+              <a:ln>
+                <a:noFill/>
+              </a:ln>
+              <a:solidFill>
+                <a:srgbClr val="000000"/>
+              </a:solidFill>
+              <a:effectLst/>
+              <a:uLnTx/>
+              <a:uFillTx/>
+              <a:latin typeface="Arial"/>
+              <a:cs typeface="Arial"/>
+              <a:sym typeface="Arial"/>
+            </a:endParaRPr>
+          </a:p>
+          <a:p>
+            <a:pPr marL="0" marR="0" lvl="0" indent="0" algn="l" defTabSz="914400" rtl="0" eaLnBrk="1" fontAlgn="auto" latinLnBrk="0" hangingPunct="1">
+              <a:lnSpc>
+                <a:spcPct val="100000"/>
+              </a:lnSpc>
+              <a:spcBef>
+                <a:spcPts val="0"/>
+              </a:spcBef>
+              <a:spcAft>
+                <a:spcPts val="0"/>
+              </a:spcAft>
+              <a:buClrTx/>
+              <a:buSzTx/>
+              <a:buFontTx/>
+              <a:buNone/>
+              <a:tabLst/>
+              <a:defRPr/>
+            </a:pPr>
+            <a:endParaRPr kumimoji="0" lang="en-US" sz="3600" b="0" i="0" u="none" strike="noStrike" kern="0" cap="none" spc="0" normalizeH="0" baseline="0" noProof="0" dirty="0" smtClean="0">
+              <a:ln>
+                <a:noFill/>
+              </a:ln>
+              <a:solidFill>
+                <a:srgbClr val="000000"/>
+              </a:solidFill>
+              <a:effectLst/>
+              <a:uLnTx/>
+              <a:uFillTx/>
+              <a:latin typeface="Arial"/>
+              <a:cs typeface="Arial"/>
+              <a:sym typeface="Arial"/>
+            </a:endParaRPr>
+          </a:p>
+          <a:p>
+            <a:pPr marL="0" marR="0" lvl="0" indent="0" algn="l" defTabSz="914400" rtl="0" eaLnBrk="1" fontAlgn="auto" latinLnBrk="0" hangingPunct="1">
+              <a:lnSpc>
+                <a:spcPct val="100000"/>
+              </a:lnSpc>
+              <a:spcBef>
+                <a:spcPts val="0"/>
+              </a:spcBef>
+              <a:spcAft>
+                <a:spcPts val="0"/>
+              </a:spcAft>
+              <a:buClrTx/>
+              <a:buSzTx/>
+              <a:buFontTx/>
+              <a:buNone/>
+              <a:tabLst/>
+              <a:defRPr/>
+            </a:pPr>
+            <a:endParaRPr kumimoji="0" lang="en-US" sz="3600" b="0" i="0" u="none" strike="noStrike" kern="0" cap="none" spc="0" normalizeH="0" baseline="0" noProof="0" dirty="0">
+              <a:ln>
+                <a:noFill/>
+              </a:ln>
+              <a:solidFill>
+                <a:srgbClr val="000000"/>
+              </a:solidFill>
+              <a:effectLst/>
+              <a:uLnTx/>
+              <a:uFillTx/>
+              <a:latin typeface="Arial"/>
+              <a:cs typeface="Arial"/>
+              <a:sym typeface="Arial"/>
+            </a:endParaRPr>
+          </a:p>
+          <a:p>
+            <a:pPr marL="0" marR="0" lvl="0" indent="0" algn="l" defTabSz="914400" rtl="0" eaLnBrk="1" fontAlgn="auto" latinLnBrk="0" hangingPunct="1">
+              <a:lnSpc>
+                <a:spcPct val="100000"/>
+              </a:lnSpc>
+              <a:spcBef>
+                <a:spcPts val="0"/>
+              </a:spcBef>
+              <a:spcAft>
+                <a:spcPts val="0"/>
+              </a:spcAft>
+              <a:buClrTx/>
+              <a:buSzTx/>
+              <a:buFontTx/>
+              <a:buNone/>
+              <a:tabLst/>
+              <a:defRPr/>
+            </a:pPr>
             <a:r>
               <a:rPr kumimoji="0" lang="ru-RU" sz="3600" b="0" i="0" u="none" strike="noStrike" kern="0" cap="none" spc="0" normalizeH="0" baseline="0" noProof="0" dirty="0" err="1">
                 <a:ln>
                   <a:noFill/>
                 </a:ln>
                 <a:solidFill>
-                  <a:srgbClr val="000000"/>
+                  <a:srgbClr val="00FF00"/>
                 </a:solidFill>
                 <a:effectLst/>
                 <a:uLnTx/>
@@ -20353,128 +21001,7 @@
                 <a:cs typeface="Arial"/>
                 <a:sym typeface="Arial"/>
               </a:rPr>
-              <a:t> – это не блок инструкций, а единственное выражение.  Тело</a:t>
-            </a:r>
-          </a:p>
-          <a:p>
-            <a:pPr marL="0" marR="0" lvl="0" indent="0" algn="l" defTabSz="914400" rtl="0" eaLnBrk="1" fontAlgn="auto" latinLnBrk="0" hangingPunct="1">
-              <a:lnSpc>
-                <a:spcPct val="100000"/>
-              </a:lnSpc>
-              <a:spcBef>
-                <a:spcPts val="0"/>
-              </a:spcBef>
-              <a:spcAft>
-                <a:spcPts val="0"/>
-              </a:spcAft>
-              <a:buClrTx/>
-              <a:buSzTx/>
-              <a:buFontTx/>
-              <a:buNone/>
-              <a:tabLst/>
-              <a:defRPr/>
-            </a:pPr>
-            <a:r>
-              <a:rPr kumimoji="0" lang="ru-RU" sz="3600" b="0" i="0" u="none" strike="noStrike" kern="0" cap="none" spc="0" normalizeH="0" baseline="0" noProof="0" dirty="0" err="1">
-                <a:ln>
-                  <a:noFill/>
-                </a:ln>
-                <a:solidFill>
-                  <a:srgbClr val="000000"/>
-                </a:solidFill>
-                <a:effectLst/>
-                <a:uLnTx/>
-                <a:uFillTx/>
-                <a:latin typeface="Arial"/>
-                <a:cs typeface="Arial"/>
-                <a:sym typeface="Arial"/>
-              </a:rPr>
-              <a:t>lambda</a:t>
-            </a:r>
-            <a:r>
-              <a:rPr kumimoji="0" lang="ru-RU" sz="3600" b="0" i="0" u="none" strike="noStrike" kern="0" cap="none" spc="0" normalizeH="0" baseline="0" noProof="0" dirty="0">
-                <a:ln>
-                  <a:noFill/>
-                </a:ln>
-                <a:solidFill>
-                  <a:srgbClr val="000000"/>
-                </a:solidFill>
-                <a:effectLst/>
-                <a:uLnTx/>
-                <a:uFillTx/>
-                <a:latin typeface="Arial"/>
-                <a:cs typeface="Arial"/>
-                <a:sym typeface="Arial"/>
-              </a:rPr>
-              <a:t>-выражения сродни тому, что вы помещаете в инструкцию </a:t>
-            </a:r>
-            <a:r>
-              <a:rPr kumimoji="0" lang="ru-RU" sz="3600" b="0" i="0" u="none" strike="noStrike" kern="0" cap="none" spc="0" normalizeH="0" baseline="0" noProof="0" dirty="0" err="1">
-                <a:ln>
-                  <a:noFill/>
-                </a:ln>
-                <a:solidFill>
-                  <a:srgbClr val="000000"/>
-                </a:solidFill>
-                <a:effectLst/>
-                <a:uLnTx/>
-                <a:uFillTx/>
-                <a:latin typeface="Arial"/>
-                <a:cs typeface="Arial"/>
-                <a:sym typeface="Arial"/>
-              </a:rPr>
-              <a:t>return</a:t>
-            </a:r>
-            <a:r>
-              <a:rPr kumimoji="0" lang="ru-RU" sz="3600" b="0" i="0" u="none" strike="noStrike" kern="0" cap="none" spc="0" normalizeH="0" baseline="0" noProof="0" dirty="0">
-                <a:ln>
-                  <a:noFill/>
-                </a:ln>
-                <a:solidFill>
-                  <a:srgbClr val="000000"/>
-                </a:solidFill>
-                <a:effectLst/>
-                <a:uLnTx/>
-                <a:uFillTx/>
-                <a:latin typeface="Arial"/>
-                <a:cs typeface="Arial"/>
-                <a:sym typeface="Arial"/>
-              </a:rPr>
-              <a:t> внутри определения </a:t>
-            </a:r>
-            <a:r>
-              <a:rPr kumimoji="0" lang="ru-RU" sz="3600" b="0" i="0" u="none" strike="noStrike" kern="0" cap="none" spc="0" normalizeH="0" baseline="0" noProof="0" dirty="0" err="1">
-                <a:ln>
-                  <a:noFill/>
-                </a:ln>
-                <a:solidFill>
-                  <a:srgbClr val="000000"/>
-                </a:solidFill>
-                <a:effectLst/>
-                <a:uLnTx/>
-                <a:uFillTx/>
-                <a:latin typeface="Arial"/>
-                <a:cs typeface="Arial"/>
-                <a:sym typeface="Arial"/>
-              </a:rPr>
-              <a:t>def</a:t>
-            </a:r>
-            <a:r>
-              <a:rPr kumimoji="0" lang="ru-RU" sz="3600" b="0" i="0" u="none" strike="noStrike" kern="0" cap="none" spc="0" normalizeH="0" baseline="0" noProof="0" dirty="0">
-                <a:ln>
-                  <a:noFill/>
-                </a:ln>
-                <a:solidFill>
-                  <a:srgbClr val="000000"/>
-                </a:solidFill>
-                <a:effectLst/>
-                <a:uLnTx/>
-                <a:uFillTx/>
-                <a:latin typeface="Arial"/>
-                <a:cs typeface="Arial"/>
-                <a:sym typeface="Arial"/>
-              </a:rPr>
-              <a:t>, – вы просто вводите результат в виде выражения вместо  его явного  возврата.</a:t>
+              <a:t> - анонимны, то есть без имени. На практике они часто используются, как способ получить встроенную функцию  или отложить выполнение  фрагмента программного кода.</a:t>
             </a:r>
           </a:p>
         </p:txBody>
@@ -20482,7 +21009,7 @@
     </p:spTree>
     <p:extLst>
       <p:ext uri="{BB962C8B-B14F-4D97-AF65-F5344CB8AC3E}">
-        <p14:creationId xmlns:p14="http://schemas.microsoft.com/office/powerpoint/2010/main" val="2750641273"/>
+        <p14:creationId xmlns:p14="http://schemas.microsoft.com/office/powerpoint/2010/main" val="1902760024"/>
       </p:ext>
     </p:extLst>
   </p:cSld>
@@ -20545,44 +21072,23 @@
           </a:bodyPr>
           <a:lstStyle/>
           <a:p>
-            <a:pPr marL="0" marR="0" lvl="0" indent="0" algn="ctr" rtl="0">
-              <a:lnSpc>
-                <a:spcPct val="100000"/>
-              </a:lnSpc>
-              <a:spcBef>
-                <a:spcPts val="0"/>
-              </a:spcBef>
-              <a:spcAft>
-                <a:spcPts val="0"/>
-              </a:spcAft>
-              <a:buClr>
-                <a:schemeClr val="lt1"/>
-              </a:buClr>
-              <a:buSzPct val="25000"/>
-              <a:buFont typeface="Cabin"/>
-              <a:buNone/>
-            </a:pPr>
-            <a:r>
-              <a:rPr lang="ru-RU" sz="6600" dirty="0" smtClean="0">
-                <a:solidFill>
-                  <a:schemeClr val="bg2"/>
-                </a:solidFill>
-                <a:latin typeface="Cabin"/>
-                <a:ea typeface="Cabin"/>
-                <a:cs typeface="Cabin"/>
-                <a:sym typeface="Cabin"/>
-              </a:rPr>
-              <a:t>Функция как объект</a:t>
-            </a:r>
-            <a:endParaRPr lang="en-US" sz="6600" dirty="0">
-              <a:solidFill>
-                <a:schemeClr val="bg2"/>
-              </a:solidFill>
-              <a:latin typeface="Cabin"/>
-              <a:ea typeface="Cabin"/>
-              <a:cs typeface="Cabin"/>
-              <a:sym typeface="Cabin"/>
-            </a:endParaRPr>
+            <a:r>
+              <a:rPr lang="ru-RU" sz="6600" dirty="0"/>
+              <a:t>Различия </a:t>
+            </a:r>
+            <a:r>
+              <a:rPr lang="ru-RU" sz="6600" dirty="0" err="1"/>
+              <a:t>lambda</a:t>
+            </a:r>
+            <a:r>
+              <a:rPr lang="ru-RU" sz="6600" dirty="0"/>
+              <a:t> от </a:t>
+            </a:r>
+            <a:r>
+              <a:rPr lang="ru-RU" sz="6600" dirty="0" err="1" smtClean="0"/>
+              <a:t>def</a:t>
+            </a:r>
+            <a:endParaRPr lang="ru-RU" sz="6600" dirty="0"/>
           </a:p>
         </p:txBody>
       </p:sp>
@@ -20651,10 +21157,445 @@
           </a:p>
         </p:txBody>
       </p:sp>
+      <p:sp>
+        <p:nvSpPr>
+          <p:cNvPr id="5" name="Прямоугольник 4"/>
+          <p:cNvSpPr/>
+          <p:nvPr/>
+        </p:nvSpPr>
+        <p:spPr>
+          <a:xfrm>
+            <a:off x="965200" y="2539999"/>
+            <a:ext cx="14782800" cy="5632311"/>
+          </a:xfrm>
+          <a:prstGeom prst="rect">
+            <a:avLst/>
+          </a:prstGeom>
+        </p:spPr>
+        <p:txBody>
+          <a:bodyPr wrap="square">
+            <a:spAutoFit/>
+          </a:bodyPr>
+          <a:lstStyle/>
+          <a:p>
+            <a:pPr marL="0" marR="0" lvl="0" indent="0" algn="l" defTabSz="914400" rtl="0" eaLnBrk="1" fontAlgn="auto" latinLnBrk="0" hangingPunct="1">
+              <a:lnSpc>
+                <a:spcPct val="100000"/>
+              </a:lnSpc>
+              <a:spcBef>
+                <a:spcPts val="0"/>
+              </a:spcBef>
+              <a:spcAft>
+                <a:spcPts val="0"/>
+              </a:spcAft>
+              <a:buClrTx/>
+              <a:buSzTx/>
+              <a:buFontTx/>
+              <a:buNone/>
+              <a:tabLst/>
+              <a:defRPr/>
+            </a:pPr>
+            <a:r>
+              <a:rPr kumimoji="0" lang="ru-RU" sz="3600" b="0" i="0" u="none" strike="noStrike" kern="0" cap="none" spc="0" normalizeH="0" baseline="0" noProof="0" dirty="0" err="1" smtClean="0">
+                <a:ln>
+                  <a:noFill/>
+                </a:ln>
+                <a:solidFill>
+                  <a:srgbClr val="000000"/>
+                </a:solidFill>
+                <a:effectLst/>
+                <a:uLnTx/>
+                <a:uFillTx/>
+                <a:latin typeface="Arial"/>
+                <a:cs typeface="Arial"/>
+                <a:sym typeface="Arial"/>
+              </a:rPr>
+              <a:t>lambda</a:t>
+            </a:r>
+            <a:r>
+              <a:rPr kumimoji="0" lang="ru-RU" sz="3600" b="0" i="0" u="none" strike="noStrike" kern="0" cap="none" spc="0" normalizeH="0" baseline="0" noProof="0" dirty="0" smtClean="0">
+                <a:ln>
+                  <a:noFill/>
+                </a:ln>
+                <a:solidFill>
+                  <a:srgbClr val="000000"/>
+                </a:solidFill>
+                <a:effectLst/>
+                <a:uLnTx/>
+                <a:uFillTx/>
+                <a:latin typeface="Arial"/>
+                <a:cs typeface="Arial"/>
+                <a:sym typeface="Arial"/>
+              </a:rPr>
+              <a:t> </a:t>
+            </a:r>
+            <a:r>
+              <a:rPr kumimoji="0" lang="ru-RU" sz="3600" b="0" i="0" u="none" strike="noStrike" kern="0" cap="none" spc="0" normalizeH="0" baseline="0" noProof="0" dirty="0">
+                <a:ln>
+                  <a:noFill/>
+                </a:ln>
+                <a:solidFill>
+                  <a:srgbClr val="000000"/>
+                </a:solidFill>
+                <a:effectLst/>
+                <a:uLnTx/>
+                <a:uFillTx/>
+                <a:latin typeface="Arial"/>
+                <a:cs typeface="Arial"/>
+                <a:sym typeface="Arial"/>
+              </a:rPr>
+              <a:t>– это выражение, а не инструкция. По этой причине ключевое слово </a:t>
+            </a:r>
+            <a:r>
+              <a:rPr kumimoji="0" lang="ru-RU" sz="3600" b="0" i="0" u="none" strike="noStrike" kern="0" cap="none" spc="0" normalizeH="0" baseline="0" noProof="0" dirty="0" err="1">
+                <a:ln>
+                  <a:noFill/>
+                </a:ln>
+                <a:solidFill>
+                  <a:srgbClr val="000000"/>
+                </a:solidFill>
+                <a:effectLst/>
+                <a:uLnTx/>
+                <a:uFillTx/>
+                <a:latin typeface="Arial"/>
+                <a:cs typeface="Arial"/>
+                <a:sym typeface="Arial"/>
+              </a:rPr>
+              <a:t>lambda</a:t>
+            </a:r>
+            <a:r>
+              <a:rPr kumimoji="0" lang="ru-RU" sz="3600" b="0" i="0" u="none" strike="noStrike" kern="0" cap="none" spc="0" normalizeH="0" baseline="0" noProof="0" dirty="0">
+                <a:ln>
+                  <a:noFill/>
+                </a:ln>
+                <a:solidFill>
+                  <a:srgbClr val="000000"/>
+                </a:solidFill>
+                <a:effectLst/>
+                <a:uLnTx/>
+                <a:uFillTx/>
+                <a:latin typeface="Arial"/>
+                <a:cs typeface="Arial"/>
+                <a:sym typeface="Arial"/>
+              </a:rPr>
+              <a:t>  может  появляться там, где синтаксис  языка  </a:t>
+            </a:r>
+            <a:r>
+              <a:rPr kumimoji="0" lang="ru-RU" sz="3600" b="0" i="0" u="none" strike="noStrike" kern="0" cap="none" spc="0" normalizeH="0" baseline="0" noProof="0" dirty="0" err="1">
+                <a:ln>
+                  <a:noFill/>
+                </a:ln>
+                <a:solidFill>
+                  <a:srgbClr val="000000"/>
+                </a:solidFill>
+                <a:effectLst/>
+                <a:uLnTx/>
+                <a:uFillTx/>
+                <a:latin typeface="Arial"/>
+                <a:cs typeface="Arial"/>
+                <a:sym typeface="Arial"/>
+              </a:rPr>
+              <a:t>Python</a:t>
+            </a:r>
+            <a:r>
+              <a:rPr kumimoji="0" lang="ru-RU" sz="3600" b="0" i="0" u="none" strike="noStrike" kern="0" cap="none" spc="0" normalizeH="0" baseline="0" noProof="0" dirty="0">
+                <a:ln>
+                  <a:noFill/>
+                </a:ln>
+                <a:solidFill>
+                  <a:srgbClr val="000000"/>
+                </a:solidFill>
+                <a:effectLst/>
+                <a:uLnTx/>
+                <a:uFillTx/>
+                <a:latin typeface="Arial"/>
+                <a:cs typeface="Arial"/>
+                <a:sym typeface="Arial"/>
+              </a:rPr>
+              <a:t> не позволяет использовать инструкцию </a:t>
+            </a:r>
+            <a:r>
+              <a:rPr kumimoji="0" lang="ru-RU" sz="3600" b="0" i="0" u="none" strike="noStrike" kern="0" cap="none" spc="0" normalizeH="0" baseline="0" noProof="0" dirty="0" err="1">
+                <a:ln>
+                  <a:noFill/>
+                </a:ln>
+                <a:solidFill>
+                  <a:srgbClr val="000000"/>
+                </a:solidFill>
+                <a:effectLst/>
+                <a:uLnTx/>
+                <a:uFillTx/>
+                <a:latin typeface="Arial"/>
+                <a:cs typeface="Arial"/>
+                <a:sym typeface="Arial"/>
+              </a:rPr>
+              <a:t>def</a:t>
+            </a:r>
+            <a:r>
+              <a:rPr kumimoji="0" lang="ru-RU" sz="3600" b="0" i="0" u="none" strike="noStrike" kern="0" cap="none" spc="0" normalizeH="0" baseline="0" noProof="0" dirty="0">
+                <a:ln>
+                  <a:noFill/>
+                </a:ln>
+                <a:solidFill>
+                  <a:srgbClr val="000000"/>
+                </a:solidFill>
+                <a:effectLst/>
+                <a:uLnTx/>
+                <a:uFillTx/>
+                <a:latin typeface="Arial"/>
+                <a:cs typeface="Arial"/>
+                <a:sym typeface="Arial"/>
+              </a:rPr>
+              <a:t>, – внутри литералов или в вызовах функций, например.</a:t>
+            </a:r>
+          </a:p>
+          <a:p>
+            <a:pPr marL="0" marR="0" lvl="0" indent="0" algn="l" defTabSz="914400" rtl="0" eaLnBrk="1" fontAlgn="auto" latinLnBrk="0" hangingPunct="1">
+              <a:lnSpc>
+                <a:spcPct val="100000"/>
+              </a:lnSpc>
+              <a:spcBef>
+                <a:spcPts val="0"/>
+              </a:spcBef>
+              <a:spcAft>
+                <a:spcPts val="0"/>
+              </a:spcAft>
+              <a:buClrTx/>
+              <a:buSzTx/>
+              <a:buFontTx/>
+              <a:buNone/>
+              <a:tabLst/>
+              <a:defRPr/>
+            </a:pPr>
+            <a:endParaRPr kumimoji="0" lang="ru-RU" sz="3600" b="0" i="0" u="none" strike="noStrike" kern="0" cap="none" spc="0" normalizeH="0" baseline="0" noProof="0" dirty="0">
+              <a:ln>
+                <a:noFill/>
+              </a:ln>
+              <a:solidFill>
+                <a:srgbClr val="000000"/>
+              </a:solidFill>
+              <a:effectLst/>
+              <a:uLnTx/>
+              <a:uFillTx/>
+              <a:latin typeface="Arial"/>
+              <a:cs typeface="Arial"/>
+              <a:sym typeface="Arial"/>
+            </a:endParaRPr>
+          </a:p>
+          <a:p>
+            <a:pPr marL="0" marR="0" lvl="0" indent="0" algn="l" defTabSz="914400" rtl="0" eaLnBrk="1" fontAlgn="auto" latinLnBrk="0" hangingPunct="1">
+              <a:lnSpc>
+                <a:spcPct val="100000"/>
+              </a:lnSpc>
+              <a:spcBef>
+                <a:spcPts val="0"/>
+              </a:spcBef>
+              <a:spcAft>
+                <a:spcPts val="0"/>
+              </a:spcAft>
+              <a:buClrTx/>
+              <a:buSzTx/>
+              <a:buFontTx/>
+              <a:buNone/>
+              <a:tabLst/>
+              <a:defRPr/>
+            </a:pPr>
+            <a:r>
+              <a:rPr kumimoji="0" lang="en-US" sz="3600" b="0" i="0" u="none" strike="noStrike" kern="0" cap="none" spc="0" normalizeH="0" baseline="0" noProof="0" dirty="0" smtClean="0">
+                <a:ln>
+                  <a:noFill/>
+                </a:ln>
+                <a:solidFill>
+                  <a:srgbClr val="000000"/>
+                </a:solidFill>
+                <a:effectLst/>
+                <a:uLnTx/>
+                <a:uFillTx/>
+                <a:latin typeface="Arial"/>
+                <a:cs typeface="Arial"/>
+                <a:sym typeface="Arial"/>
+              </a:rPr>
+              <a:t>T</a:t>
+            </a:r>
+            <a:r>
+              <a:rPr kumimoji="0" lang="ru-RU" sz="3600" b="0" i="0" u="none" strike="noStrike" kern="0" cap="none" spc="0" normalizeH="0" baseline="0" noProof="0" dirty="0" smtClean="0">
+                <a:ln>
+                  <a:noFill/>
+                </a:ln>
+                <a:solidFill>
+                  <a:srgbClr val="000000"/>
+                </a:solidFill>
+                <a:effectLst/>
+                <a:uLnTx/>
+                <a:uFillTx/>
+                <a:latin typeface="Arial"/>
+                <a:cs typeface="Arial"/>
+                <a:sym typeface="Arial"/>
+              </a:rPr>
+              <a:t>ело  </a:t>
+            </a:r>
+            <a:r>
+              <a:rPr kumimoji="0" lang="ru-RU" sz="3600" b="0" i="0" u="none" strike="noStrike" kern="0" cap="none" spc="0" normalizeH="0" baseline="0" noProof="0" dirty="0" err="1">
+                <a:ln>
+                  <a:noFill/>
+                </a:ln>
+                <a:solidFill>
+                  <a:srgbClr val="000000"/>
+                </a:solidFill>
+                <a:effectLst/>
+                <a:uLnTx/>
+                <a:uFillTx/>
+                <a:latin typeface="Arial"/>
+                <a:cs typeface="Arial"/>
+                <a:sym typeface="Arial"/>
+              </a:rPr>
+              <a:t>lambda</a:t>
+            </a:r>
+            <a:r>
+              <a:rPr kumimoji="0" lang="ru-RU" sz="3600" b="0" i="0" u="none" strike="noStrike" kern="0" cap="none" spc="0" normalizeH="0" baseline="0" noProof="0" dirty="0">
+                <a:ln>
+                  <a:noFill/>
+                </a:ln>
+                <a:solidFill>
+                  <a:srgbClr val="000000"/>
+                </a:solidFill>
+                <a:effectLst/>
+                <a:uLnTx/>
+                <a:uFillTx/>
+                <a:latin typeface="Arial"/>
+                <a:cs typeface="Arial"/>
+                <a:sym typeface="Arial"/>
+              </a:rPr>
+              <a:t> – это не блок инструкций, а единственное выражение.  Тело</a:t>
+            </a:r>
+          </a:p>
+          <a:p>
+            <a:pPr marL="0" marR="0" lvl="0" indent="0" algn="l" defTabSz="914400" rtl="0" eaLnBrk="1" fontAlgn="auto" latinLnBrk="0" hangingPunct="1">
+              <a:lnSpc>
+                <a:spcPct val="100000"/>
+              </a:lnSpc>
+              <a:spcBef>
+                <a:spcPts val="0"/>
+              </a:spcBef>
+              <a:spcAft>
+                <a:spcPts val="0"/>
+              </a:spcAft>
+              <a:buClrTx/>
+              <a:buSzTx/>
+              <a:buFontTx/>
+              <a:buNone/>
+              <a:tabLst/>
+              <a:defRPr/>
+            </a:pPr>
+            <a:r>
+              <a:rPr kumimoji="0" lang="ru-RU" sz="3600" b="0" i="0" u="none" strike="noStrike" kern="0" cap="none" spc="0" normalizeH="0" baseline="0" noProof="0" dirty="0" err="1">
+                <a:ln>
+                  <a:noFill/>
+                </a:ln>
+                <a:solidFill>
+                  <a:srgbClr val="000000"/>
+                </a:solidFill>
+                <a:effectLst/>
+                <a:uLnTx/>
+                <a:uFillTx/>
+                <a:latin typeface="Arial"/>
+                <a:cs typeface="Arial"/>
+                <a:sym typeface="Arial"/>
+              </a:rPr>
+              <a:t>lambda</a:t>
+            </a:r>
+            <a:r>
+              <a:rPr kumimoji="0" lang="ru-RU" sz="3600" b="0" i="0" u="none" strike="noStrike" kern="0" cap="none" spc="0" normalizeH="0" baseline="0" noProof="0" dirty="0">
+                <a:ln>
+                  <a:noFill/>
+                </a:ln>
+                <a:solidFill>
+                  <a:srgbClr val="000000"/>
+                </a:solidFill>
+                <a:effectLst/>
+                <a:uLnTx/>
+                <a:uFillTx/>
+                <a:latin typeface="Arial"/>
+                <a:cs typeface="Arial"/>
+                <a:sym typeface="Arial"/>
+              </a:rPr>
+              <a:t>-выражения сродни тому, что вы помещаете в инструкцию </a:t>
+            </a:r>
+            <a:r>
+              <a:rPr kumimoji="0" lang="ru-RU" sz="3600" b="0" i="0" u="none" strike="noStrike" kern="0" cap="none" spc="0" normalizeH="0" baseline="0" noProof="0" dirty="0" err="1">
+                <a:ln>
+                  <a:noFill/>
+                </a:ln>
+                <a:solidFill>
+                  <a:srgbClr val="000000"/>
+                </a:solidFill>
+                <a:effectLst/>
+                <a:uLnTx/>
+                <a:uFillTx/>
+                <a:latin typeface="Arial"/>
+                <a:cs typeface="Arial"/>
+                <a:sym typeface="Arial"/>
+              </a:rPr>
+              <a:t>return</a:t>
+            </a:r>
+            <a:r>
+              <a:rPr kumimoji="0" lang="ru-RU" sz="3600" b="0" i="0" u="none" strike="noStrike" kern="0" cap="none" spc="0" normalizeH="0" baseline="0" noProof="0" dirty="0">
+                <a:ln>
+                  <a:noFill/>
+                </a:ln>
+                <a:solidFill>
+                  <a:srgbClr val="000000"/>
+                </a:solidFill>
+                <a:effectLst/>
+                <a:uLnTx/>
+                <a:uFillTx/>
+                <a:latin typeface="Arial"/>
+                <a:cs typeface="Arial"/>
+                <a:sym typeface="Arial"/>
+              </a:rPr>
+              <a:t> внутри определения </a:t>
+            </a:r>
+            <a:r>
+              <a:rPr kumimoji="0" lang="ru-RU" sz="3600" b="0" i="0" u="none" strike="noStrike" kern="0" cap="none" spc="0" normalizeH="0" baseline="0" noProof="0" dirty="0" err="1">
+                <a:ln>
+                  <a:noFill/>
+                </a:ln>
+                <a:solidFill>
+                  <a:srgbClr val="000000"/>
+                </a:solidFill>
+                <a:effectLst/>
+                <a:uLnTx/>
+                <a:uFillTx/>
+                <a:latin typeface="Arial"/>
+                <a:cs typeface="Arial"/>
+                <a:sym typeface="Arial"/>
+              </a:rPr>
+              <a:t>def</a:t>
+            </a:r>
+            <a:r>
+              <a:rPr kumimoji="0" lang="ru-RU" sz="3600" b="0" i="0" u="none" strike="noStrike" kern="0" cap="none" spc="0" normalizeH="0" baseline="0" noProof="0" dirty="0">
+                <a:ln>
+                  <a:noFill/>
+                </a:ln>
+                <a:solidFill>
+                  <a:srgbClr val="000000"/>
+                </a:solidFill>
+                <a:effectLst/>
+                <a:uLnTx/>
+                <a:uFillTx/>
+                <a:latin typeface="Arial"/>
+                <a:cs typeface="Arial"/>
+                <a:sym typeface="Arial"/>
+              </a:rPr>
+              <a:t>, – вы просто вводите результат в виде выражения вместо  его явного  возврата.</a:t>
+            </a:r>
+          </a:p>
+        </p:txBody>
+      </p:sp>
     </p:spTree>
     <p:extLst>
       <p:ext uri="{BB962C8B-B14F-4D97-AF65-F5344CB8AC3E}">
-        <p14:creationId xmlns:p14="http://schemas.microsoft.com/office/powerpoint/2010/main" val="346574028"/>
+        <p14:creationId xmlns:p14="http://schemas.microsoft.com/office/powerpoint/2010/main" val="2750641273"/>
       </p:ext>
     </p:extLst>
   </p:cSld>
@@ -20744,7 +21685,7 @@
                 <a:cs typeface="Cabin"/>
                 <a:sym typeface="Cabin"/>
               </a:rPr>
-              <a:t>Передача функции в другую функцию</a:t>
+              <a:t>Функция как объект</a:t>
             </a:r>
             <a:endParaRPr lang="en-US" sz="6600" dirty="0">
               <a:solidFill>
@@ -20826,7 +21767,7 @@
     </p:spTree>
     <p:extLst>
       <p:ext uri="{BB962C8B-B14F-4D97-AF65-F5344CB8AC3E}">
-        <p14:creationId xmlns:p14="http://schemas.microsoft.com/office/powerpoint/2010/main" val="3271378101"/>
+        <p14:creationId xmlns:p14="http://schemas.microsoft.com/office/powerpoint/2010/main" val="346574028"/>
       </p:ext>
     </p:extLst>
   </p:cSld>
@@ -20939,15 +21880,7 @@
             </a:pPr>
             <a:r>
               <a:rPr lang="ru-RU" sz="2800" dirty="0" smtClean="0"/>
-              <a:t>Можно ли получить несколько значений возвращаемых </a:t>
-            </a:r>
-            <a:r>
-              <a:rPr lang="ru-RU" sz="2800" dirty="0" err="1" smtClean="0"/>
-              <a:t>функцие</a:t>
-            </a:r>
-            <a:r>
-              <a:rPr lang="ru-RU" sz="2800" dirty="0" smtClean="0"/>
-              <a:t>? </a:t>
+              <a:t>Можно ли получить несколько значений возвращаемых функцией? </a:t>
             </a:r>
           </a:p>
           <a:p>
@@ -21102,7 +22035,6 @@
               <a:rPr lang="ru-RU" sz="2800" dirty="0" smtClean="0"/>
               <a:t>Что такое рекурсия?</a:t>
             </a:r>
-            <a:endParaRPr lang="ru-RU" sz="2800" dirty="0" smtClean="0"/>
           </a:p>
         </p:txBody>
       </p:sp>
@@ -21650,6 +22582,178 @@
 <file path=ppt/slides/slide20.xml><?xml version="1.0" encoding="utf-8"?>
 <p:sld xmlns:a="http://schemas.openxmlformats.org/drawingml/2006/main" xmlns:r="http://schemas.openxmlformats.org/officeDocument/2006/relationships" xmlns:p="http://schemas.openxmlformats.org/presentationml/2006/main">
   <p:cSld>
+    <p:spTree>
+      <p:nvGrpSpPr>
+        <p:cNvPr id="1" name="Shape 212"/>
+        <p:cNvGrpSpPr/>
+        <p:nvPr/>
+      </p:nvGrpSpPr>
+      <p:grpSpPr>
+        <a:xfrm>
+          <a:off x="0" y="0"/>
+          <a:ext cx="0" cy="0"/>
+          <a:chOff x="0" y="0"/>
+          <a:chExt cx="0" cy="0"/>
+        </a:xfrm>
+      </p:grpSpPr>
+      <p:sp>
+        <p:nvSpPr>
+          <p:cNvPr id="213" name="Shape 213"/>
+          <p:cNvSpPr txBox="1">
+            <a:spLocks noGrp="1"/>
+          </p:cNvSpPr>
+          <p:nvPr>
+            <p:ph type="title"/>
+          </p:nvPr>
+        </p:nvSpPr>
+        <p:spPr>
+          <a:xfrm>
+            <a:off x="1155700" y="241300"/>
+            <a:ext cx="13931900" cy="2298699"/>
+          </a:xfrm>
+          <a:prstGeom prst="rect">
+            <a:avLst/>
+          </a:prstGeom>
+          <a:noFill/>
+          <a:ln>
+            <a:noFill/>
+          </a:ln>
+        </p:spPr>
+        <p:txBody>
+          <a:bodyPr lIns="38100" tIns="38100" rIns="38100" bIns="38100" anchor="ctr" anchorCtr="0">
+            <a:noAutofit/>
+          </a:bodyPr>
+          <a:lstStyle/>
+          <a:p>
+            <a:pPr marL="0" marR="0" lvl="0" indent="0" algn="ctr" rtl="0">
+              <a:lnSpc>
+                <a:spcPct val="100000"/>
+              </a:lnSpc>
+              <a:spcBef>
+                <a:spcPts val="0"/>
+              </a:spcBef>
+              <a:spcAft>
+                <a:spcPts val="0"/>
+              </a:spcAft>
+              <a:buClr>
+                <a:schemeClr val="lt1"/>
+              </a:buClr>
+              <a:buSzPct val="25000"/>
+              <a:buFont typeface="Cabin"/>
+              <a:buNone/>
+            </a:pPr>
+            <a:r>
+              <a:rPr lang="ru-RU" sz="6600" dirty="0" smtClean="0">
+                <a:solidFill>
+                  <a:schemeClr val="bg2"/>
+                </a:solidFill>
+                <a:latin typeface="Cabin"/>
+                <a:ea typeface="Cabin"/>
+                <a:cs typeface="Cabin"/>
+                <a:sym typeface="Cabin"/>
+              </a:rPr>
+              <a:t>Передача функции в другую функцию</a:t>
+            </a:r>
+            <a:endParaRPr lang="en-US" sz="6600" dirty="0">
+              <a:solidFill>
+                <a:schemeClr val="bg2"/>
+              </a:solidFill>
+              <a:latin typeface="Cabin"/>
+              <a:ea typeface="Cabin"/>
+              <a:cs typeface="Cabin"/>
+              <a:sym typeface="Cabin"/>
+            </a:endParaRPr>
+          </a:p>
+        </p:txBody>
+      </p:sp>
+      <p:sp>
+        <p:nvSpPr>
+          <p:cNvPr id="229" name="Shape 229"/>
+          <p:cNvSpPr txBox="1"/>
+          <p:nvPr/>
+        </p:nvSpPr>
+        <p:spPr>
+          <a:xfrm>
+            <a:off x="5038725" y="2997200"/>
+            <a:ext cx="1409700" cy="622299"/>
+          </a:xfrm>
+          <a:prstGeom prst="rect">
+            <a:avLst/>
+          </a:prstGeom>
+          <a:noFill/>
+          <a:ln>
+            <a:noFill/>
+          </a:ln>
+        </p:spPr>
+        <p:txBody>
+          <a:bodyPr lIns="0" tIns="0" rIns="0" bIns="0" anchor="ctr" anchorCtr="0">
+            <a:noAutofit/>
+          </a:bodyPr>
+          <a:lstStyle/>
+          <a:p>
+            <a:pPr marL="0" marR="0" lvl="0" indent="0" algn="ctr" defTabSz="914400" rtl="0" eaLnBrk="1" fontAlgn="auto" latinLnBrk="0" hangingPunct="1">
+              <a:lnSpc>
+                <a:spcPct val="100000"/>
+              </a:lnSpc>
+              <a:spcBef>
+                <a:spcPts val="0"/>
+              </a:spcBef>
+              <a:spcAft>
+                <a:spcPts val="0"/>
+              </a:spcAft>
+              <a:buClr>
+                <a:srgbClr val="FFFFFF"/>
+              </a:buClr>
+              <a:buSzPct val="25000"/>
+              <a:buFont typeface="Cabin"/>
+              <a:buNone/>
+              <a:tabLst/>
+              <a:defRPr/>
+            </a:pPr>
+            <a:r>
+              <a:rPr kumimoji="0" lang="en-US" sz="3600" b="0" i="0" u="none" strike="noStrike" kern="0" cap="none" spc="0" normalizeH="0" baseline="0" noProof="0">
+                <a:ln>
+                  <a:noFill/>
+                </a:ln>
+                <a:solidFill>
+                  <a:srgbClr val="FFFFFF"/>
+                </a:solidFill>
+                <a:effectLst/>
+                <a:uLnTx/>
+                <a:uFillTx/>
+                <a:latin typeface="Cabin"/>
+                <a:ea typeface="Cabin"/>
+                <a:cs typeface="Cabin"/>
+                <a:sym typeface="Cabin"/>
+              </a:rPr>
+              <a:t>hello():</a:t>
+            </a:r>
+          </a:p>
+        </p:txBody>
+      </p:sp>
+    </p:spTree>
+    <p:extLst>
+      <p:ext uri="{BB962C8B-B14F-4D97-AF65-F5344CB8AC3E}">
+        <p14:creationId xmlns:p14="http://schemas.microsoft.com/office/powerpoint/2010/main" val="3271378101"/>
+      </p:ext>
+    </p:extLst>
+  </p:cSld>
+  <p:clrMapOvr>
+    <a:masterClrMapping/>
+  </p:clrMapOvr>
+  <p:timing>
+    <p:tnLst>
+      <p:par>
+        <p:cTn id="1" dur="indefinite" restart="never" nodeType="tmRoot"/>
+      </p:par>
+    </p:tnLst>
+  </p:timing>
+</p:sld>
+</file>
+
+<file path=ppt/slides/slide21.xml><?xml version="1.0" encoding="utf-8"?>
+<p:sld xmlns:a="http://schemas.openxmlformats.org/drawingml/2006/main" xmlns:r="http://schemas.openxmlformats.org/officeDocument/2006/relationships" xmlns:p="http://schemas.openxmlformats.org/presentationml/2006/main">
+  <p:cSld>
     <p:bg>
       <p:bgPr>
         <a:solidFill>
@@ -21794,7 +22898,7 @@
 </p:sld>
 </file>
 
-<file path=ppt/slides/slide21.xml><?xml version="1.0" encoding="utf-8"?>
+<file path=ppt/slides/slide22.xml><?xml version="1.0" encoding="utf-8"?>
 <p:sld xmlns:a="http://schemas.openxmlformats.org/drawingml/2006/main" xmlns:r="http://schemas.openxmlformats.org/officeDocument/2006/relationships" xmlns:p="http://schemas.openxmlformats.org/presentationml/2006/main">
   <p:cSld>
     <p:spTree>
@@ -21869,573 +22973,6 @@
 </p:sld>
 </file>
 
-<file path=ppt/slides/slide22.xml><?xml version="1.0" encoding="utf-8"?>
-<p:sld xmlns:a="http://schemas.openxmlformats.org/drawingml/2006/main" xmlns:r="http://schemas.openxmlformats.org/officeDocument/2006/relationships" xmlns:p="http://schemas.openxmlformats.org/presentationml/2006/main">
-  <p:cSld>
-    <p:bg>
-      <p:bgPr>
-        <a:solidFill>
-          <a:schemeClr val="bg1"/>
-        </a:solidFill>
-        <a:effectLst/>
-      </p:bgPr>
-    </p:bg>
-    <p:spTree>
-      <p:nvGrpSpPr>
-        <p:cNvPr id="1" name="Shape 212"/>
-        <p:cNvGrpSpPr/>
-        <p:nvPr/>
-      </p:nvGrpSpPr>
-      <p:grpSpPr>
-        <a:xfrm>
-          <a:off x="0" y="0"/>
-          <a:ext cx="0" cy="0"/>
-          <a:chOff x="0" y="0"/>
-          <a:chExt cx="0" cy="0"/>
-        </a:xfrm>
-      </p:grpSpPr>
-      <p:sp>
-        <p:nvSpPr>
-          <p:cNvPr id="213" name="Shape 213"/>
-          <p:cNvSpPr txBox="1">
-            <a:spLocks noGrp="1"/>
-          </p:cNvSpPr>
-          <p:nvPr>
-            <p:ph type="title"/>
-          </p:nvPr>
-        </p:nvSpPr>
-        <p:spPr>
-          <a:xfrm>
-            <a:off x="1155700" y="241300"/>
-            <a:ext cx="13931900" cy="2298699"/>
-          </a:xfrm>
-          <a:prstGeom prst="rect">
-            <a:avLst/>
-          </a:prstGeom>
-          <a:noFill/>
-          <a:ln>
-            <a:noFill/>
-          </a:ln>
-        </p:spPr>
-        <p:txBody>
-          <a:bodyPr lIns="38100" tIns="38100" rIns="38100" bIns="38100" anchor="ctr" anchorCtr="0">
-            <a:noAutofit/>
-          </a:bodyPr>
-          <a:lstStyle/>
-          <a:p>
-            <a:r>
-              <a:rPr lang="ru-RU" sz="6600" dirty="0"/>
-              <a:t>Понятие об </a:t>
-            </a:r>
-            <a:r>
-              <a:rPr lang="ru-RU" sz="6600" dirty="0" smtClean="0"/>
-              <a:t>исключении</a:t>
-            </a:r>
-            <a:endParaRPr lang="ru-RU" sz="6600" dirty="0"/>
-          </a:p>
-        </p:txBody>
-      </p:sp>
-      <p:sp>
-        <p:nvSpPr>
-          <p:cNvPr id="229" name="Shape 229"/>
-          <p:cNvSpPr txBox="1"/>
-          <p:nvPr/>
-        </p:nvSpPr>
-        <p:spPr>
-          <a:xfrm>
-            <a:off x="5038725" y="2997200"/>
-            <a:ext cx="1409700" cy="622299"/>
-          </a:xfrm>
-          <a:prstGeom prst="rect">
-            <a:avLst/>
-          </a:prstGeom>
-          <a:noFill/>
-          <a:ln>
-            <a:noFill/>
-          </a:ln>
-        </p:spPr>
-        <p:txBody>
-          <a:bodyPr lIns="0" tIns="0" rIns="0" bIns="0" anchor="ctr" anchorCtr="0">
-            <a:noAutofit/>
-          </a:bodyPr>
-          <a:lstStyle/>
-          <a:p>
-            <a:pPr marL="0" marR="0" lvl="0" indent="0" algn="ctr" rtl="0">
-              <a:lnSpc>
-                <a:spcPct val="100000"/>
-              </a:lnSpc>
-              <a:spcBef>
-                <a:spcPts val="0"/>
-              </a:spcBef>
-              <a:spcAft>
-                <a:spcPts val="0"/>
-              </a:spcAft>
-              <a:buClr>
-                <a:schemeClr val="lt1"/>
-              </a:buClr>
-              <a:buSzPct val="25000"/>
-              <a:buFont typeface="Cabin"/>
-              <a:buNone/>
-            </a:pPr>
-            <a:r>
-              <a:rPr lang="en-US" sz="3600" b="0" i="0" u="none" strike="noStrike" cap="none">
-                <a:solidFill>
-                  <a:schemeClr val="lt1"/>
-                </a:solidFill>
-                <a:latin typeface="Cabin"/>
-                <a:ea typeface="Cabin"/>
-                <a:cs typeface="Cabin"/>
-                <a:sym typeface="Cabin"/>
-              </a:rPr>
-              <a:t>hello():</a:t>
-            </a:r>
-          </a:p>
-        </p:txBody>
-      </p:sp>
-    </p:spTree>
-    <p:extLst>
-      <p:ext uri="{BB962C8B-B14F-4D97-AF65-F5344CB8AC3E}">
-        <p14:creationId xmlns:p14="http://schemas.microsoft.com/office/powerpoint/2010/main" val="1893192148"/>
-      </p:ext>
-    </p:extLst>
-  </p:cSld>
-  <p:clrMapOvr>
-    <a:masterClrMapping/>
-  </p:clrMapOvr>
-  <p:timing>
-    <p:tnLst>
-      <p:par>
-        <p:cTn id="1" dur="indefinite" restart="never" nodeType="tmRoot"/>
-      </p:par>
-    </p:tnLst>
-  </p:timing>
-</p:sld>
-</file>
-
-<file path=ppt/slides/slide23.xml><?xml version="1.0" encoding="utf-8"?>
-<p:sld xmlns:a="http://schemas.openxmlformats.org/drawingml/2006/main" xmlns:r="http://schemas.openxmlformats.org/officeDocument/2006/relationships" xmlns:p="http://schemas.openxmlformats.org/presentationml/2006/main">
-  <p:cSld>
-    <p:bg>
-      <p:bgPr>
-        <a:solidFill>
-          <a:schemeClr val="bg1"/>
-        </a:solidFill>
-        <a:effectLst/>
-      </p:bgPr>
-    </p:bg>
-    <p:spTree>
-      <p:nvGrpSpPr>
-        <p:cNvPr id="1" name="Shape 212"/>
-        <p:cNvGrpSpPr/>
-        <p:nvPr/>
-      </p:nvGrpSpPr>
-      <p:grpSpPr>
-        <a:xfrm>
-          <a:off x="0" y="0"/>
-          <a:ext cx="0" cy="0"/>
-          <a:chOff x="0" y="0"/>
-          <a:chExt cx="0" cy="0"/>
-        </a:xfrm>
-      </p:grpSpPr>
-      <p:sp>
-        <p:nvSpPr>
-          <p:cNvPr id="213" name="Shape 213"/>
-          <p:cNvSpPr txBox="1">
-            <a:spLocks noGrp="1"/>
-          </p:cNvSpPr>
-          <p:nvPr>
-            <p:ph type="title"/>
-          </p:nvPr>
-        </p:nvSpPr>
-        <p:spPr>
-          <a:xfrm>
-            <a:off x="1155700" y="241300"/>
-            <a:ext cx="13931900" cy="2298699"/>
-          </a:xfrm>
-          <a:prstGeom prst="rect">
-            <a:avLst/>
-          </a:prstGeom>
-          <a:noFill/>
-          <a:ln>
-            <a:noFill/>
-          </a:ln>
-        </p:spPr>
-        <p:txBody>
-          <a:bodyPr lIns="38100" tIns="38100" rIns="38100" bIns="38100" anchor="ctr" anchorCtr="0">
-            <a:noAutofit/>
-          </a:bodyPr>
-          <a:lstStyle/>
-          <a:p>
-            <a:r>
-              <a:rPr lang="ru-RU" sz="6600" dirty="0"/>
-              <a:t>Перехват исключения</a:t>
-            </a:r>
-          </a:p>
-        </p:txBody>
-      </p:sp>
-      <p:sp>
-        <p:nvSpPr>
-          <p:cNvPr id="229" name="Shape 229"/>
-          <p:cNvSpPr txBox="1"/>
-          <p:nvPr/>
-        </p:nvSpPr>
-        <p:spPr>
-          <a:xfrm>
-            <a:off x="5038725" y="2997200"/>
-            <a:ext cx="1409700" cy="622299"/>
-          </a:xfrm>
-          <a:prstGeom prst="rect">
-            <a:avLst/>
-          </a:prstGeom>
-          <a:noFill/>
-          <a:ln>
-            <a:noFill/>
-          </a:ln>
-        </p:spPr>
-        <p:txBody>
-          <a:bodyPr lIns="0" tIns="0" rIns="0" bIns="0" anchor="ctr" anchorCtr="0">
-            <a:noAutofit/>
-          </a:bodyPr>
-          <a:lstStyle/>
-          <a:p>
-            <a:pPr marL="0" marR="0" lvl="0" indent="0" algn="ctr" rtl="0">
-              <a:lnSpc>
-                <a:spcPct val="100000"/>
-              </a:lnSpc>
-              <a:spcBef>
-                <a:spcPts val="0"/>
-              </a:spcBef>
-              <a:spcAft>
-                <a:spcPts val="0"/>
-              </a:spcAft>
-              <a:buClr>
-                <a:schemeClr val="lt1"/>
-              </a:buClr>
-              <a:buSzPct val="25000"/>
-              <a:buFont typeface="Cabin"/>
-              <a:buNone/>
-            </a:pPr>
-            <a:r>
-              <a:rPr lang="en-US" sz="3600" b="0" i="0" u="none" strike="noStrike" cap="none">
-                <a:solidFill>
-                  <a:schemeClr val="lt1"/>
-                </a:solidFill>
-                <a:latin typeface="Cabin"/>
-                <a:ea typeface="Cabin"/>
-                <a:cs typeface="Cabin"/>
-                <a:sym typeface="Cabin"/>
-              </a:rPr>
-              <a:t>hello():</a:t>
-            </a:r>
-          </a:p>
-        </p:txBody>
-      </p:sp>
-    </p:spTree>
-    <p:extLst>
-      <p:ext uri="{BB962C8B-B14F-4D97-AF65-F5344CB8AC3E}">
-        <p14:creationId xmlns:p14="http://schemas.microsoft.com/office/powerpoint/2010/main" val="813838258"/>
-      </p:ext>
-    </p:extLst>
-  </p:cSld>
-  <p:clrMapOvr>
-    <a:masterClrMapping/>
-  </p:clrMapOvr>
-  <p:timing>
-    <p:tnLst>
-      <p:par>
-        <p:cTn id="1" dur="indefinite" restart="never" nodeType="tmRoot"/>
-      </p:par>
-    </p:tnLst>
-  </p:timing>
-</p:sld>
-</file>
-
-<file path=ppt/slides/slide24.xml><?xml version="1.0" encoding="utf-8"?>
-<p:sld xmlns:a="http://schemas.openxmlformats.org/drawingml/2006/main" xmlns:r="http://schemas.openxmlformats.org/officeDocument/2006/relationships" xmlns:p="http://schemas.openxmlformats.org/presentationml/2006/main">
-  <p:cSld>
-    <p:bg>
-      <p:bgPr>
-        <a:solidFill>
-          <a:schemeClr val="bg1"/>
-        </a:solidFill>
-        <a:effectLst/>
-      </p:bgPr>
-    </p:bg>
-    <p:spTree>
-      <p:nvGrpSpPr>
-        <p:cNvPr id="1" name="Shape 212"/>
-        <p:cNvGrpSpPr/>
-        <p:nvPr/>
-      </p:nvGrpSpPr>
-      <p:grpSpPr>
-        <a:xfrm>
-          <a:off x="0" y="0"/>
-          <a:ext cx="0" cy="0"/>
-          <a:chOff x="0" y="0"/>
-          <a:chExt cx="0" cy="0"/>
-        </a:xfrm>
-      </p:grpSpPr>
-      <p:sp>
-        <p:nvSpPr>
-          <p:cNvPr id="213" name="Shape 213"/>
-          <p:cNvSpPr txBox="1">
-            <a:spLocks noGrp="1"/>
-          </p:cNvSpPr>
-          <p:nvPr>
-            <p:ph type="title"/>
-          </p:nvPr>
-        </p:nvSpPr>
-        <p:spPr>
-          <a:xfrm>
-            <a:off x="1155700" y="241300"/>
-            <a:ext cx="13931900" cy="2298699"/>
-          </a:xfrm>
-          <a:prstGeom prst="rect">
-            <a:avLst/>
-          </a:prstGeom>
-          <a:noFill/>
-          <a:ln>
-            <a:noFill/>
-          </a:ln>
-        </p:spPr>
-        <p:txBody>
-          <a:bodyPr lIns="38100" tIns="38100" rIns="38100" bIns="38100" anchor="ctr" anchorCtr="0">
-            <a:noAutofit/>
-          </a:bodyPr>
-          <a:lstStyle/>
-          <a:p>
-            <a:r>
-              <a:rPr lang="ru-RU" sz="6600" dirty="0"/>
-              <a:t>Выброс </a:t>
-            </a:r>
-            <a:r>
-              <a:rPr lang="ru-RU" sz="6600" dirty="0" smtClean="0"/>
-              <a:t>исключения</a:t>
-            </a:r>
-            <a:endParaRPr lang="ru-RU" sz="6600" dirty="0"/>
-          </a:p>
-        </p:txBody>
-      </p:sp>
-      <p:sp>
-        <p:nvSpPr>
-          <p:cNvPr id="229" name="Shape 229"/>
-          <p:cNvSpPr txBox="1"/>
-          <p:nvPr/>
-        </p:nvSpPr>
-        <p:spPr>
-          <a:xfrm>
-            <a:off x="5038725" y="2997200"/>
-            <a:ext cx="1409700" cy="622299"/>
-          </a:xfrm>
-          <a:prstGeom prst="rect">
-            <a:avLst/>
-          </a:prstGeom>
-          <a:noFill/>
-          <a:ln>
-            <a:noFill/>
-          </a:ln>
-        </p:spPr>
-        <p:txBody>
-          <a:bodyPr lIns="0" tIns="0" rIns="0" bIns="0" anchor="ctr" anchorCtr="0">
-            <a:noAutofit/>
-          </a:bodyPr>
-          <a:lstStyle/>
-          <a:p>
-            <a:pPr marL="0" marR="0" lvl="0" indent="0" algn="ctr" rtl="0">
-              <a:lnSpc>
-                <a:spcPct val="100000"/>
-              </a:lnSpc>
-              <a:spcBef>
-                <a:spcPts val="0"/>
-              </a:spcBef>
-              <a:spcAft>
-                <a:spcPts val="0"/>
-              </a:spcAft>
-              <a:buClr>
-                <a:schemeClr val="lt1"/>
-              </a:buClr>
-              <a:buSzPct val="25000"/>
-              <a:buFont typeface="Cabin"/>
-              <a:buNone/>
-            </a:pPr>
-            <a:r>
-              <a:rPr lang="en-US" sz="3600" b="0" i="0" u="none" strike="noStrike" cap="none">
-                <a:solidFill>
-                  <a:schemeClr val="lt1"/>
-                </a:solidFill>
-                <a:latin typeface="Cabin"/>
-                <a:ea typeface="Cabin"/>
-                <a:cs typeface="Cabin"/>
-                <a:sym typeface="Cabin"/>
-              </a:rPr>
-              <a:t>hello():</a:t>
-            </a:r>
-          </a:p>
-        </p:txBody>
-      </p:sp>
-    </p:spTree>
-    <p:extLst>
-      <p:ext uri="{BB962C8B-B14F-4D97-AF65-F5344CB8AC3E}">
-        <p14:creationId xmlns:p14="http://schemas.microsoft.com/office/powerpoint/2010/main" val="1928126494"/>
-      </p:ext>
-    </p:extLst>
-  </p:cSld>
-  <p:clrMapOvr>
-    <a:masterClrMapping/>
-  </p:clrMapOvr>
-  <p:timing>
-    <p:tnLst>
-      <p:par>
-        <p:cTn id="1" dur="indefinite" restart="never" nodeType="tmRoot"/>
-      </p:par>
-    </p:tnLst>
-  </p:timing>
-</p:sld>
-</file>
-
-<file path=ppt/slides/slide25.xml><?xml version="1.0" encoding="utf-8"?>
-<p:sld xmlns:a="http://schemas.openxmlformats.org/drawingml/2006/main" xmlns:r="http://schemas.openxmlformats.org/officeDocument/2006/relationships" xmlns:p="http://schemas.openxmlformats.org/presentationml/2006/main">
-  <p:cSld>
-    <p:bg>
-      <p:bgPr>
-        <a:solidFill>
-          <a:schemeClr val="bg1"/>
-        </a:solidFill>
-        <a:effectLst/>
-      </p:bgPr>
-    </p:bg>
-    <p:spTree>
-      <p:nvGrpSpPr>
-        <p:cNvPr id="1" name="Shape 212"/>
-        <p:cNvGrpSpPr/>
-        <p:nvPr/>
-      </p:nvGrpSpPr>
-      <p:grpSpPr>
-        <a:xfrm>
-          <a:off x="0" y="0"/>
-          <a:ext cx="0" cy="0"/>
-          <a:chOff x="0" y="0"/>
-          <a:chExt cx="0" cy="0"/>
-        </a:xfrm>
-      </p:grpSpPr>
-      <p:sp>
-        <p:nvSpPr>
-          <p:cNvPr id="213" name="Shape 213"/>
-          <p:cNvSpPr txBox="1">
-            <a:spLocks noGrp="1"/>
-          </p:cNvSpPr>
-          <p:nvPr>
-            <p:ph type="title"/>
-          </p:nvPr>
-        </p:nvSpPr>
-        <p:spPr>
-          <a:xfrm>
-            <a:off x="1155700" y="241300"/>
-            <a:ext cx="13931900" cy="2298699"/>
-          </a:xfrm>
-          <a:prstGeom prst="rect">
-            <a:avLst/>
-          </a:prstGeom>
-          <a:noFill/>
-          <a:ln>
-            <a:noFill/>
-          </a:ln>
-        </p:spPr>
-        <p:txBody>
-          <a:bodyPr lIns="38100" tIns="38100" rIns="38100" bIns="38100" anchor="ctr" anchorCtr="0">
-            <a:noAutofit/>
-          </a:bodyPr>
-          <a:lstStyle/>
-          <a:p>
-            <a:r>
-              <a:rPr lang="ru-RU" sz="6600" dirty="0"/>
-              <a:t>Стандартные </a:t>
-            </a:r>
-            <a:r>
-              <a:rPr lang="ru-RU" sz="6600" dirty="0" smtClean="0"/>
-              <a:t>исключения</a:t>
-            </a:r>
-            <a:endParaRPr lang="ru-RU" sz="6600" dirty="0"/>
-          </a:p>
-        </p:txBody>
-      </p:sp>
-      <p:sp>
-        <p:nvSpPr>
-          <p:cNvPr id="229" name="Shape 229"/>
-          <p:cNvSpPr txBox="1"/>
-          <p:nvPr/>
-        </p:nvSpPr>
-        <p:spPr>
-          <a:xfrm>
-            <a:off x="5038725" y="2997200"/>
-            <a:ext cx="1409700" cy="622299"/>
-          </a:xfrm>
-          <a:prstGeom prst="rect">
-            <a:avLst/>
-          </a:prstGeom>
-          <a:noFill/>
-          <a:ln>
-            <a:noFill/>
-          </a:ln>
-        </p:spPr>
-        <p:txBody>
-          <a:bodyPr lIns="0" tIns="0" rIns="0" bIns="0" anchor="ctr" anchorCtr="0">
-            <a:noAutofit/>
-          </a:bodyPr>
-          <a:lstStyle/>
-          <a:p>
-            <a:pPr marL="0" marR="0" lvl="0" indent="0" algn="ctr" rtl="0">
-              <a:lnSpc>
-                <a:spcPct val="100000"/>
-              </a:lnSpc>
-              <a:spcBef>
-                <a:spcPts val="0"/>
-              </a:spcBef>
-              <a:spcAft>
-                <a:spcPts val="0"/>
-              </a:spcAft>
-              <a:buClr>
-                <a:schemeClr val="lt1"/>
-              </a:buClr>
-              <a:buSzPct val="25000"/>
-              <a:buFont typeface="Cabin"/>
-              <a:buNone/>
-            </a:pPr>
-            <a:r>
-              <a:rPr lang="en-US" sz="3600" b="0" i="0" u="none" strike="noStrike" cap="none">
-                <a:solidFill>
-                  <a:schemeClr val="lt1"/>
-                </a:solidFill>
-                <a:latin typeface="Cabin"/>
-                <a:ea typeface="Cabin"/>
-                <a:cs typeface="Cabin"/>
-                <a:sym typeface="Cabin"/>
-              </a:rPr>
-              <a:t>hello():</a:t>
-            </a:r>
-          </a:p>
-        </p:txBody>
-      </p:sp>
-    </p:spTree>
-    <p:extLst>
-      <p:ext uri="{BB962C8B-B14F-4D97-AF65-F5344CB8AC3E}">
-        <p14:creationId xmlns:p14="http://schemas.microsoft.com/office/powerpoint/2010/main" val="1499807822"/>
-      </p:ext>
-    </p:extLst>
-  </p:cSld>
-  <p:clrMapOvr>
-    <a:masterClrMapping/>
-  </p:clrMapOvr>
-  <p:timing>
-    <p:tnLst>
-      <p:par>
-        <p:cTn id="1" dur="indefinite" restart="never" nodeType="tmRoot"/>
-      </p:par>
-    </p:tnLst>
-  </p:timing>
-</p:sld>
-</file>
-
 <file path=ppt/slides/slide3.xml><?xml version="1.0" encoding="utf-8"?>
 <p:sld xmlns:a="http://schemas.openxmlformats.org/drawingml/2006/main" xmlns:r="http://schemas.openxmlformats.org/officeDocument/2006/relationships" xmlns:p="http://schemas.openxmlformats.org/presentationml/2006/main">
   <p:cSld>
@@ -22469,8 +23006,8 @@
         </p:nvSpPr>
         <p:spPr>
           <a:xfrm>
-            <a:off x="749300" y="342900"/>
-            <a:ext cx="3692400" cy="660300"/>
+            <a:off x="1755058" y="342900"/>
+            <a:ext cx="13317794" cy="660300"/>
           </a:xfrm>
           <a:prstGeom prst="rect">
             <a:avLst/>
@@ -22506,12 +23043,12 @@
               <a:defRPr/>
             </a:pPr>
             <a:r>
-              <a:rPr kumimoji="0" lang="en-US" sz="3800" b="0" i="0" u="none" strike="noStrike" kern="0" cap="none" spc="0" normalizeH="0" baseline="0" noProof="0">
+              <a:rPr kumimoji="0" lang="ru-RU" sz="3800" b="0" i="0" u="none" strike="noStrike" kern="0" cap="none" spc="0" normalizeH="0" baseline="0" dirty="0" smtClean="0">
                 <a:ln>
                   <a:noFill/>
                 </a:ln>
                 <a:solidFill>
-                  <a:srgbClr val="00FF00"/>
+                  <a:schemeClr val="bg2"/>
                 </a:solidFill>
                 <a:effectLst/>
                 <a:uLnTx/>
@@ -22523,6 +23060,57 @@
               </a:rPr>
               <a:t>Упражнение</a:t>
             </a:r>
+            <a:r>
+              <a:rPr kumimoji="0" lang="en-US" sz="3800" b="0" i="0" u="none" strike="noStrike" kern="0" cap="none" spc="0" normalizeH="0" baseline="0" dirty="0" smtClean="0">
+                <a:ln>
+                  <a:noFill/>
+                </a:ln>
+                <a:solidFill>
+                  <a:schemeClr val="bg2"/>
+                </a:solidFill>
+                <a:effectLst/>
+                <a:uLnTx/>
+                <a:uFillTx/>
+                <a:latin typeface="Cabin"/>
+                <a:ea typeface="Cabin"/>
+                <a:cs typeface="Cabin"/>
+                <a:sym typeface="Cabin"/>
+              </a:rPr>
+              <a:t> </a:t>
+            </a:r>
+            <a:r>
+              <a:rPr kumimoji="0" lang="ru-RU" sz="3800" b="0" i="0" u="none" strike="noStrike" kern="0" cap="none" spc="0" normalizeH="0" baseline="0" dirty="0" smtClean="0">
+                <a:ln>
+                  <a:noFill/>
+                </a:ln>
+                <a:solidFill>
+                  <a:schemeClr val="bg2"/>
+                </a:solidFill>
+                <a:effectLst/>
+                <a:uLnTx/>
+                <a:uFillTx/>
+                <a:latin typeface="Cabin"/>
+                <a:ea typeface="Cabin"/>
+                <a:cs typeface="Cabin"/>
+                <a:sym typeface="Cabin"/>
+              </a:rPr>
+              <a:t>на повторение</a:t>
+            </a:r>
+            <a:endParaRPr kumimoji="0" lang="ru-RU" sz="3800" b="0" i="0" u="none" strike="noStrike" kern="0" cap="none" spc="0" normalizeH="0" baseline="0" dirty="0">
+              <a:ln>
+                <a:noFill/>
+              </a:ln>
+              <a:solidFill>
+                <a:schemeClr val="bg2"/>
+              </a:solidFill>
+              <a:effectLst/>
+              <a:uLnTx/>
+              <a:uFillTx/>
+              <a:latin typeface="Cabin"/>
+              <a:ea typeface="Cabin"/>
+              <a:cs typeface="Cabin"/>
+              <a:sym typeface="Cabin"/>
+            </a:endParaRPr>
           </a:p>
         </p:txBody>
       </p:sp>
@@ -22534,8 +23122,8 @@
         </p:nvSpPr>
         <p:spPr>
           <a:xfrm>
-            <a:off x="1755058" y="2000863"/>
-            <a:ext cx="13317794" cy="5815781"/>
+            <a:off x="1086841" y="1391263"/>
+            <a:ext cx="14422789" cy="7061075"/>
           </a:xfrm>
           <a:prstGeom prst="rect">
             <a:avLst/>
@@ -22551,35 +23139,335 @@
           </a:bodyPr>
           <a:lstStyle/>
           <a:p>
-            <a:pPr marL="0" marR="0" lvl="0" indent="0" algn="l" defTabSz="914400" rtl="0" eaLnBrk="1" fontAlgn="auto" latinLnBrk="0" hangingPunct="1">
-              <a:lnSpc>
-                <a:spcPct val="100000"/>
-              </a:lnSpc>
-              <a:spcBef>
-                <a:spcPts val="0"/>
-              </a:spcBef>
-              <a:spcAft>
-                <a:spcPts val="0"/>
-              </a:spcAft>
+            <a:pPr lvl="0">
               <a:buClr>
                 <a:srgbClr val="FFFFFF"/>
               </a:buClr>
               <a:buSzPct val="25000"/>
-              <a:buFontTx/>
-              <a:buNone/>
-              <a:tabLst/>
               <a:defRPr/>
             </a:pPr>
-            <a:endParaRPr kumimoji="0" lang="en-US" sz="3400" b="0" i="0" u="none" strike="noStrike" kern="0" cap="none" spc="0" normalizeH="0" baseline="0" noProof="0" dirty="0">
-              <a:ln>
-                <a:noFill/>
-              </a:ln>
-              <a:solidFill>
-                <a:srgbClr val="000000"/>
-              </a:solidFill>
-              <a:effectLst/>
-              <a:uLnTx/>
-              <a:uFillTx/>
+            <a:r>
+              <a:rPr lang="ru-RU" sz="2400" dirty="0">
+                <a:latin typeface="Cabin"/>
+                <a:ea typeface="Cabin"/>
+                <a:cs typeface="Cabin"/>
+                <a:sym typeface="Cabin"/>
+              </a:rPr>
+              <a:t> Н</a:t>
+            </a:r>
+            <a:r>
+              <a:rPr lang="ru-RU" sz="2400" dirty="0" smtClean="0">
+                <a:latin typeface="Cabin"/>
+                <a:ea typeface="Cabin"/>
+                <a:cs typeface="Cabin"/>
+                <a:sym typeface="Cabin"/>
+              </a:rPr>
+              <a:t>аписать </a:t>
+            </a:r>
+            <a:r>
+              <a:rPr lang="ru-RU" sz="2400" dirty="0">
+                <a:latin typeface="Cabin"/>
+                <a:ea typeface="Cabin"/>
+                <a:cs typeface="Cabin"/>
+                <a:sym typeface="Cabin"/>
+              </a:rPr>
+              <a:t>свою реализацию встроенных функций </a:t>
+            </a:r>
+            <a:r>
+              <a:rPr lang="ru-RU" sz="2400" dirty="0" err="1" smtClean="0">
+                <a:latin typeface="Cabin"/>
+                <a:ea typeface="Cabin"/>
+                <a:cs typeface="Cabin"/>
+                <a:sym typeface="Cabin"/>
+              </a:rPr>
+              <a:t>min</a:t>
+            </a:r>
+            <a:r>
+              <a:rPr lang="ru-RU" sz="2400" dirty="0" smtClean="0">
+                <a:latin typeface="Cabin"/>
+                <a:ea typeface="Cabin"/>
+                <a:cs typeface="Cabin"/>
+                <a:sym typeface="Cabin"/>
+              </a:rPr>
+              <a:t> </a:t>
+            </a:r>
+            <a:r>
+              <a:rPr lang="ru-RU" sz="2400" dirty="0">
+                <a:latin typeface="Cabin"/>
+                <a:ea typeface="Cabin"/>
+                <a:cs typeface="Cabin"/>
+                <a:sym typeface="Cabin"/>
+              </a:rPr>
+              <a:t>и max. Некоторые встроенные функции заблокированы здесь: </a:t>
+            </a:r>
+            <a:r>
+              <a:rPr lang="ru-RU" sz="2400" dirty="0" err="1">
+                <a:latin typeface="Cabin"/>
+                <a:ea typeface="Cabin"/>
+                <a:cs typeface="Cabin"/>
+                <a:sym typeface="Cabin"/>
+              </a:rPr>
+              <a:t>import</a:t>
+            </a:r>
+            <a:r>
+              <a:rPr lang="ru-RU" sz="2400" dirty="0">
+                <a:latin typeface="Cabin"/>
+                <a:ea typeface="Cabin"/>
+                <a:cs typeface="Cabin"/>
+                <a:sym typeface="Cabin"/>
+              </a:rPr>
+              <a:t>, </a:t>
+            </a:r>
+            <a:r>
+              <a:rPr lang="ru-RU" sz="2400" dirty="0" err="1">
+                <a:latin typeface="Cabin"/>
+                <a:ea typeface="Cabin"/>
+                <a:cs typeface="Cabin"/>
+                <a:sym typeface="Cabin"/>
+              </a:rPr>
+              <a:t>eval</a:t>
+            </a:r>
+            <a:r>
+              <a:rPr lang="ru-RU" sz="2400" dirty="0">
+                <a:latin typeface="Cabin"/>
+                <a:ea typeface="Cabin"/>
+                <a:cs typeface="Cabin"/>
+                <a:sym typeface="Cabin"/>
+              </a:rPr>
+              <a:t>, </a:t>
+            </a:r>
+            <a:r>
+              <a:rPr lang="ru-RU" sz="2400" dirty="0" err="1">
+                <a:latin typeface="Cabin"/>
+                <a:ea typeface="Cabin"/>
+                <a:cs typeface="Cabin"/>
+                <a:sym typeface="Cabin"/>
+              </a:rPr>
+              <a:t>exec</a:t>
+            </a:r>
+            <a:r>
+              <a:rPr lang="ru-RU" sz="2400" dirty="0">
+                <a:latin typeface="Cabin"/>
+                <a:ea typeface="Cabin"/>
+                <a:cs typeface="Cabin"/>
+                <a:sym typeface="Cabin"/>
+              </a:rPr>
+              <a:t>, </a:t>
+            </a:r>
+            <a:r>
+              <a:rPr lang="ru-RU" sz="2400" dirty="0" err="1">
+                <a:latin typeface="Cabin"/>
+                <a:ea typeface="Cabin"/>
+                <a:cs typeface="Cabin"/>
+                <a:sym typeface="Cabin"/>
+              </a:rPr>
+              <a:t>globals</a:t>
+            </a:r>
+            <a:r>
+              <a:rPr lang="ru-RU" sz="2400" dirty="0">
+                <a:latin typeface="Cabin"/>
+                <a:ea typeface="Cabin"/>
+                <a:cs typeface="Cabin"/>
+                <a:sym typeface="Cabin"/>
+              </a:rPr>
+              <a:t>. Не забудьте, что в этой задаче вам нужно реализовать две функции, а не одну как обычно.</a:t>
+            </a:r>
+          </a:p>
+          <a:p>
+            <a:pPr lvl="0">
+              <a:buClr>
+                <a:srgbClr val="FFFFFF"/>
+              </a:buClr>
+              <a:buSzPct val="25000"/>
+              <a:defRPr/>
+            </a:pPr>
+            <a:endParaRPr lang="ru-RU" sz="2400" dirty="0">
+              <a:latin typeface="Cabin"/>
+              <a:ea typeface="Cabin"/>
+              <a:cs typeface="Cabin"/>
+              <a:sym typeface="Cabin"/>
+            </a:endParaRPr>
+          </a:p>
+          <a:p>
+            <a:pPr lvl="0">
+              <a:buClr>
+                <a:srgbClr val="FFFFFF"/>
+              </a:buClr>
+              <a:buSzPct val="25000"/>
+              <a:defRPr/>
+            </a:pPr>
+            <a:r>
+              <a:rPr lang="ru-RU" sz="2400" dirty="0" smtClean="0">
+                <a:latin typeface="Cabin"/>
+                <a:ea typeface="Cabin"/>
+                <a:cs typeface="Cabin"/>
+                <a:sym typeface="Cabin"/>
+              </a:rPr>
+              <a:t>max(</a:t>
+            </a:r>
+            <a:r>
+              <a:rPr lang="en-US" sz="2400" dirty="0" smtClean="0">
+                <a:latin typeface="Cabin"/>
+                <a:ea typeface="Cabin"/>
+                <a:cs typeface="Cabin"/>
+                <a:sym typeface="Cabin"/>
+              </a:rPr>
+              <a:t>*</a:t>
+            </a:r>
+            <a:r>
+              <a:rPr lang="en-US" sz="2400" dirty="0" err="1" smtClean="0">
+                <a:latin typeface="Cabin"/>
+                <a:ea typeface="Cabin"/>
+                <a:cs typeface="Cabin"/>
+                <a:sym typeface="Cabin"/>
+              </a:rPr>
+              <a:t>args</a:t>
+            </a:r>
+            <a:r>
+              <a:rPr lang="ru-RU" sz="2400" dirty="0" smtClean="0">
+                <a:latin typeface="Cabin"/>
+                <a:ea typeface="Cabin"/>
+                <a:cs typeface="Cabin"/>
+                <a:sym typeface="Cabin"/>
+              </a:rPr>
+              <a:t>) </a:t>
+            </a:r>
+          </a:p>
+          <a:p>
+            <a:pPr lvl="0">
+              <a:buClr>
+                <a:srgbClr val="FFFFFF"/>
+              </a:buClr>
+              <a:buSzPct val="25000"/>
+              <a:defRPr/>
+            </a:pPr>
+            <a:r>
+              <a:rPr lang="ru-RU" sz="2400" dirty="0" smtClean="0">
+                <a:latin typeface="Cabin"/>
+                <a:ea typeface="Cabin"/>
+                <a:cs typeface="Cabin"/>
+                <a:sym typeface="Cabin"/>
+              </a:rPr>
+              <a:t>max(*</a:t>
+            </a:r>
+            <a:r>
+              <a:rPr lang="ru-RU" sz="2400" dirty="0" err="1" smtClean="0">
+                <a:latin typeface="Cabin"/>
+                <a:ea typeface="Cabin"/>
+                <a:cs typeface="Cabin"/>
+                <a:sym typeface="Cabin"/>
+              </a:rPr>
+              <a:t>args</a:t>
+            </a:r>
+            <a:r>
+              <a:rPr lang="ru-RU" sz="2400" dirty="0" smtClean="0">
+                <a:latin typeface="Cabin"/>
+                <a:ea typeface="Cabin"/>
+                <a:cs typeface="Cabin"/>
+                <a:sym typeface="Cabin"/>
+              </a:rPr>
+              <a:t>)</a:t>
+            </a:r>
+            <a:endParaRPr lang="ru-RU" sz="2400" dirty="0">
+              <a:latin typeface="Cabin"/>
+              <a:ea typeface="Cabin"/>
+              <a:cs typeface="Cabin"/>
+              <a:sym typeface="Cabin"/>
+            </a:endParaRPr>
+          </a:p>
+          <a:p>
+            <a:pPr lvl="0">
+              <a:buClr>
+                <a:srgbClr val="FFFFFF"/>
+              </a:buClr>
+              <a:buSzPct val="25000"/>
+              <a:defRPr/>
+            </a:pPr>
+            <a:endParaRPr lang="ru-RU" sz="2400" dirty="0">
+              <a:latin typeface="Cabin"/>
+              <a:ea typeface="Cabin"/>
+              <a:cs typeface="Cabin"/>
+              <a:sym typeface="Cabin"/>
+            </a:endParaRPr>
+          </a:p>
+          <a:p>
+            <a:pPr lvl="0">
+              <a:buClr>
+                <a:srgbClr val="FFFFFF"/>
+              </a:buClr>
+              <a:buSzPct val="25000"/>
+              <a:defRPr/>
+            </a:pPr>
+            <a:r>
+              <a:rPr lang="ru-RU" sz="2400" dirty="0">
+                <a:latin typeface="Cabin"/>
+                <a:ea typeface="Cabin"/>
+                <a:cs typeface="Cabin"/>
+                <a:sym typeface="Cabin"/>
+              </a:rPr>
+              <a:t>Возвращает наибольший (наименьший) элемент в итерируемом (</a:t>
+            </a:r>
+            <a:r>
+              <a:rPr lang="ru-RU" sz="2400" dirty="0" err="1">
+                <a:latin typeface="Cabin"/>
+                <a:ea typeface="Cabin"/>
+                <a:cs typeface="Cabin"/>
+                <a:sym typeface="Cabin"/>
+              </a:rPr>
+              <a:t>iterable</a:t>
+            </a:r>
+            <a:r>
+              <a:rPr lang="ru-RU" sz="2400" dirty="0">
+                <a:latin typeface="Cabin"/>
+                <a:ea typeface="Cabin"/>
+                <a:cs typeface="Cabin"/>
+                <a:sym typeface="Cabin"/>
+              </a:rPr>
+              <a:t>) или наибольшее (наименьшее) из двух и более аргументов.</a:t>
+            </a:r>
+          </a:p>
+          <a:p>
+            <a:pPr lvl="0">
+              <a:buClr>
+                <a:srgbClr val="FFFFFF"/>
+              </a:buClr>
+              <a:buSzPct val="25000"/>
+              <a:defRPr/>
+            </a:pPr>
+            <a:endParaRPr lang="ru-RU" sz="2400" dirty="0">
+              <a:latin typeface="Cabin"/>
+              <a:ea typeface="Cabin"/>
+              <a:cs typeface="Cabin"/>
+              <a:sym typeface="Cabin"/>
+            </a:endParaRPr>
+          </a:p>
+          <a:p>
+            <a:pPr lvl="0">
+              <a:buClr>
+                <a:srgbClr val="FFFFFF"/>
+              </a:buClr>
+              <a:buSzPct val="25000"/>
+              <a:defRPr/>
+            </a:pPr>
+            <a:r>
+              <a:rPr lang="ru-RU" sz="2400" dirty="0">
+                <a:latin typeface="Cabin"/>
+                <a:ea typeface="Cabin"/>
+                <a:cs typeface="Cabin"/>
+                <a:sym typeface="Cabin"/>
+              </a:rPr>
+              <a:t>Если дан только один позиционный аргумент, то он должен быть итерируемым. В этом случае функция возвращает наибольший (наименьший) элемент из данного итерируемого. Если даны два или более позиционных аргумента, то возвращен будет наибольший (наименьший) из данных аргументов.</a:t>
+            </a:r>
+          </a:p>
+          <a:p>
+            <a:pPr lvl="0">
+              <a:buClr>
+                <a:srgbClr val="FFFFFF"/>
+              </a:buClr>
+              <a:buSzPct val="25000"/>
+              <a:defRPr/>
+            </a:pPr>
+            <a:endParaRPr lang="ru-RU" sz="2400" dirty="0">
               <a:latin typeface="Cabin"/>
               <a:ea typeface="Cabin"/>
               <a:cs typeface="Cabin"/>
@@ -25328,47 +26216,6 @@
           </a:extLst>
         </p:spPr>
       </p:pic>
-      <p:sp>
-        <p:nvSpPr>
-          <p:cNvPr id="3" name="Прямоугольник 2"/>
-          <p:cNvSpPr/>
-          <p:nvPr/>
-        </p:nvSpPr>
-        <p:spPr>
-          <a:xfrm>
-            <a:off x="10276114" y="3105988"/>
-            <a:ext cx="5181600" cy="1504723"/>
-          </a:xfrm>
-          <a:prstGeom prst="rect">
-            <a:avLst/>
-          </a:prstGeom>
-          <a:noFill/>
-        </p:spPr>
-        <p:style>
-          <a:lnRef idx="2">
-            <a:schemeClr val="accent1">
-              <a:shade val="50000"/>
-            </a:schemeClr>
-          </a:lnRef>
-          <a:fillRef idx="1">
-            <a:schemeClr val="accent1"/>
-          </a:fillRef>
-          <a:effectRef idx="0">
-            <a:schemeClr val="accent1"/>
-          </a:effectRef>
-          <a:fontRef idx="minor">
-            <a:schemeClr val="lt1"/>
-          </a:fontRef>
-        </p:style>
-        <p:txBody>
-          <a:bodyPr rtlCol="0" anchor="ctr"/>
-          <a:lstStyle/>
-          <a:p>
-            <a:pPr algn="ctr"/>
-            <a:endParaRPr lang="ru-RU"/>
-          </a:p>
-        </p:txBody>
-      </p:sp>
     </p:spTree>
     <p:extLst>
       <p:ext uri="{BB962C8B-B14F-4D97-AF65-F5344CB8AC3E}">
@@ -25844,10 +26691,6 @@
               </a:rPr>
               <a:t> </a:t>
             </a:r>
-            <a:endParaRPr lang="ru-RU" sz="3600" dirty="0" smtClean="0">
-              <a:latin typeface="Courier New" panose="02070309020205020404" pitchFamily="49" charset="0"/>
-              <a:cs typeface="Courier New" panose="02070309020205020404" pitchFamily="49" charset="0"/>
-            </a:endParaRPr>
           </a:p>
         </p:txBody>
       </p:sp>

--- a/week05/Exceptions.pptx
+++ b/week05/Exceptions.pptx
@@ -7,7 +7,7 @@
     <p:sldMasterId id="2147483731" r:id="rId3"/>
   </p:sldMasterIdLst>
   <p:notesMasterIdLst>
-    <p:notesMasterId r:id="rId26"/>
+    <p:notesMasterId r:id="rId20"/>
   </p:notesMasterIdLst>
   <p:sldIdLst>
     <p:sldId id="285" r:id="rId4"/>
@@ -25,23 +25,17 @@
     <p:sldId id="339" r:id="rId16"/>
     <p:sldId id="340" r:id="rId17"/>
     <p:sldId id="337" r:id="rId18"/>
-    <p:sldId id="323" r:id="rId19"/>
-    <p:sldId id="324" r:id="rId20"/>
-    <p:sldId id="325" r:id="rId21"/>
-    <p:sldId id="326" r:id="rId22"/>
-    <p:sldId id="327" r:id="rId23"/>
-    <p:sldId id="328" r:id="rId24"/>
-    <p:sldId id="329" r:id="rId25"/>
+    <p:sldId id="342" r:id="rId19"/>
   </p:sldIdLst>
   <p:sldSz cx="16256000" cy="9144000"/>
   <p:notesSz cx="6858000" cy="9144000"/>
   <p:embeddedFontLst>
     <p:embeddedFont>
       <p:font typeface="Cabin" panose="020B0604020202020204" charset="0"/>
-      <p:regular r:id="rId27"/>
-      <p:bold r:id="rId28"/>
-      <p:italic r:id="rId29"/>
-      <p:boldItalic r:id="rId30"/>
+      <p:regular r:id="rId21"/>
+      <p:bold r:id="rId22"/>
+      <p:italic r:id="rId23"/>
+      <p:boldItalic r:id="rId24"/>
     </p:embeddedFont>
   </p:embeddedFontLst>
   <p:defaultTextStyle>
@@ -1090,7 +1084,7 @@
   <p:cSld>
     <p:spTree>
       <p:nvGrpSpPr>
-        <p:cNvPr id="1" name="Shape 209"/>
+        <p:cNvPr id="1" name="Shape 394"/>
         <p:cNvGrpSpPr/>
         <p:nvPr/>
       </p:nvGrpSpPr>
@@ -1104,7 +1098,7 @@
       </p:grpSpPr>
       <p:sp>
         <p:nvSpPr>
-          <p:cNvPr id="210" name="Shape 210"/>
+          <p:cNvPr id="395" name="Shape 395"/>
           <p:cNvSpPr txBox="1">
             <a:spLocks noGrp="1"/>
           </p:cNvSpPr>
@@ -1143,7 +1137,7 @@
       </p:sp>
       <p:sp>
         <p:nvSpPr>
-          <p:cNvPr id="211" name="Shape 211"/>
+          <p:cNvPr id="396" name="Shape 396"/>
           <p:cNvSpPr>
             <a:spLocks noGrp="1" noRot="1" noChangeAspect="1"/>
           </p:cNvSpPr>
@@ -1185,557 +1179,7 @@
     </p:spTree>
     <p:extLst>
       <p:ext uri="{BB962C8B-B14F-4D97-AF65-F5344CB8AC3E}">
-        <p14:creationId xmlns:p14="http://schemas.microsoft.com/office/powerpoint/2010/main" val="2930511012"/>
-      </p:ext>
-    </p:extLst>
-  </p:cSld>
-  <p:clrMapOvr>
-    <a:masterClrMapping/>
-  </p:clrMapOvr>
-</p:notes>
-</file>
-
-<file path=ppt/notesSlides/notesSlide15.xml><?xml version="1.0" encoding="utf-8"?>
-<p:notes xmlns:a="http://schemas.openxmlformats.org/drawingml/2006/main" xmlns:r="http://schemas.openxmlformats.org/officeDocument/2006/relationships" xmlns:p="http://schemas.openxmlformats.org/presentationml/2006/main" showMasterSp="0" showMasterPhAnim="0">
-  <p:cSld>
-    <p:spTree>
-      <p:nvGrpSpPr>
-        <p:cNvPr id="1" name="Shape 209"/>
-        <p:cNvGrpSpPr/>
-        <p:nvPr/>
-      </p:nvGrpSpPr>
-      <p:grpSpPr>
-        <a:xfrm>
-          <a:off x="0" y="0"/>
-          <a:ext cx="0" cy="0"/>
-          <a:chOff x="0" y="0"/>
-          <a:chExt cx="0" cy="0"/>
-        </a:xfrm>
-      </p:grpSpPr>
-      <p:sp>
-        <p:nvSpPr>
-          <p:cNvPr id="210" name="Shape 210"/>
-          <p:cNvSpPr txBox="1">
-            <a:spLocks noGrp="1"/>
-          </p:cNvSpPr>
-          <p:nvPr>
-            <p:ph type="body" idx="1"/>
-          </p:nvPr>
-        </p:nvSpPr>
-        <p:spPr>
-          <a:xfrm>
-            <a:off x="685800" y="4343400"/>
-            <a:ext cx="5486399" cy="4114800"/>
-          </a:xfrm>
-          <a:prstGeom prst="rect">
-            <a:avLst/>
-          </a:prstGeom>
-          <a:noFill/>
-          <a:ln>
-            <a:noFill/>
-          </a:ln>
-        </p:spPr>
-        <p:txBody>
-          <a:bodyPr lIns="91425" tIns="91425" rIns="91425" bIns="91425" anchor="ctr" anchorCtr="0">
-            <a:noAutofit/>
-          </a:bodyPr>
-          <a:lstStyle/>
-          <a:p>
-            <a:pPr lvl="0">
-              <a:spcBef>
-                <a:spcPts val="0"/>
-              </a:spcBef>
-              <a:buNone/>
-            </a:pPr>
-            <a:endParaRPr/>
-          </a:p>
-        </p:txBody>
-      </p:sp>
-      <p:sp>
-        <p:nvSpPr>
-          <p:cNvPr id="211" name="Shape 211"/>
-          <p:cNvSpPr>
-            <a:spLocks noGrp="1" noRot="1" noChangeAspect="1"/>
-          </p:cNvSpPr>
-          <p:nvPr>
-            <p:ph type="sldImg" idx="2"/>
-          </p:nvPr>
-        </p:nvSpPr>
-        <p:spPr>
-          <a:xfrm>
-            <a:off x="381000" y="685800"/>
-            <a:ext cx="6096000" cy="3429000"/>
-          </a:xfrm>
-          <a:custGeom>
-            <a:avLst/>
-            <a:gdLst/>
-            <a:ahLst/>
-            <a:cxnLst/>
-            <a:rect l="0" t="0" r="0" b="0"/>
-            <a:pathLst>
-              <a:path w="120000" h="120000" extrusionOk="0">
-                <a:moveTo>
-                  <a:pt x="0" y="0"/>
-                </a:moveTo>
-                <a:lnTo>
-                  <a:pt x="120000" y="0"/>
-                </a:lnTo>
-                <a:lnTo>
-                  <a:pt x="120000" y="120000"/>
-                </a:lnTo>
-                <a:lnTo>
-                  <a:pt x="0" y="120000"/>
-                </a:lnTo>
-                <a:close/>
-              </a:path>
-            </a:pathLst>
-          </a:custGeom>
-        </p:spPr>
-      </p:sp>
-    </p:spTree>
-    <p:extLst>
-      <p:ext uri="{BB962C8B-B14F-4D97-AF65-F5344CB8AC3E}">
-        <p14:creationId xmlns:p14="http://schemas.microsoft.com/office/powerpoint/2010/main" val="3397709497"/>
-      </p:ext>
-    </p:extLst>
-  </p:cSld>
-  <p:clrMapOvr>
-    <a:masterClrMapping/>
-  </p:clrMapOvr>
-</p:notes>
-</file>
-
-<file path=ppt/notesSlides/notesSlide16.xml><?xml version="1.0" encoding="utf-8"?>
-<p:notes xmlns:a="http://schemas.openxmlformats.org/drawingml/2006/main" xmlns:r="http://schemas.openxmlformats.org/officeDocument/2006/relationships" xmlns:p="http://schemas.openxmlformats.org/presentationml/2006/main" showMasterSp="0" showMasterPhAnim="0">
-  <p:cSld>
-    <p:spTree>
-      <p:nvGrpSpPr>
-        <p:cNvPr id="1" name="Shape 209"/>
-        <p:cNvGrpSpPr/>
-        <p:nvPr/>
-      </p:nvGrpSpPr>
-      <p:grpSpPr>
-        <a:xfrm>
-          <a:off x="0" y="0"/>
-          <a:ext cx="0" cy="0"/>
-          <a:chOff x="0" y="0"/>
-          <a:chExt cx="0" cy="0"/>
-        </a:xfrm>
-      </p:grpSpPr>
-      <p:sp>
-        <p:nvSpPr>
-          <p:cNvPr id="210" name="Shape 210"/>
-          <p:cNvSpPr txBox="1">
-            <a:spLocks noGrp="1"/>
-          </p:cNvSpPr>
-          <p:nvPr>
-            <p:ph type="body" idx="1"/>
-          </p:nvPr>
-        </p:nvSpPr>
-        <p:spPr>
-          <a:xfrm>
-            <a:off x="685800" y="4343400"/>
-            <a:ext cx="5486399" cy="4114800"/>
-          </a:xfrm>
-          <a:prstGeom prst="rect">
-            <a:avLst/>
-          </a:prstGeom>
-          <a:noFill/>
-          <a:ln>
-            <a:noFill/>
-          </a:ln>
-        </p:spPr>
-        <p:txBody>
-          <a:bodyPr lIns="91425" tIns="91425" rIns="91425" bIns="91425" anchor="ctr" anchorCtr="0">
-            <a:noAutofit/>
-          </a:bodyPr>
-          <a:lstStyle/>
-          <a:p>
-            <a:pPr lvl="0">
-              <a:spcBef>
-                <a:spcPts val="0"/>
-              </a:spcBef>
-              <a:buNone/>
-            </a:pPr>
-            <a:endParaRPr/>
-          </a:p>
-        </p:txBody>
-      </p:sp>
-      <p:sp>
-        <p:nvSpPr>
-          <p:cNvPr id="211" name="Shape 211"/>
-          <p:cNvSpPr>
-            <a:spLocks noGrp="1" noRot="1" noChangeAspect="1"/>
-          </p:cNvSpPr>
-          <p:nvPr>
-            <p:ph type="sldImg" idx="2"/>
-          </p:nvPr>
-        </p:nvSpPr>
-        <p:spPr>
-          <a:xfrm>
-            <a:off x="381000" y="685800"/>
-            <a:ext cx="6096000" cy="3429000"/>
-          </a:xfrm>
-          <a:custGeom>
-            <a:avLst/>
-            <a:gdLst/>
-            <a:ahLst/>
-            <a:cxnLst/>
-            <a:rect l="0" t="0" r="0" b="0"/>
-            <a:pathLst>
-              <a:path w="120000" h="120000" extrusionOk="0">
-                <a:moveTo>
-                  <a:pt x="0" y="0"/>
-                </a:moveTo>
-                <a:lnTo>
-                  <a:pt x="120000" y="0"/>
-                </a:lnTo>
-                <a:lnTo>
-                  <a:pt x="120000" y="120000"/>
-                </a:lnTo>
-                <a:lnTo>
-                  <a:pt x="0" y="120000"/>
-                </a:lnTo>
-                <a:close/>
-              </a:path>
-            </a:pathLst>
-          </a:custGeom>
-        </p:spPr>
-      </p:sp>
-    </p:spTree>
-    <p:extLst>
-      <p:ext uri="{BB962C8B-B14F-4D97-AF65-F5344CB8AC3E}">
-        <p14:creationId xmlns:p14="http://schemas.microsoft.com/office/powerpoint/2010/main" val="1947399170"/>
-      </p:ext>
-    </p:extLst>
-  </p:cSld>
-  <p:clrMapOvr>
-    <a:masterClrMapping/>
-  </p:clrMapOvr>
-</p:notes>
-</file>
-
-<file path=ppt/notesSlides/notesSlide17.xml><?xml version="1.0" encoding="utf-8"?>
-<p:notes xmlns:a="http://schemas.openxmlformats.org/drawingml/2006/main" xmlns:r="http://schemas.openxmlformats.org/officeDocument/2006/relationships" xmlns:p="http://schemas.openxmlformats.org/presentationml/2006/main" showMasterSp="0" showMasterPhAnim="0">
-  <p:cSld>
-    <p:spTree>
-      <p:nvGrpSpPr>
-        <p:cNvPr id="1" name="Shape 209"/>
-        <p:cNvGrpSpPr/>
-        <p:nvPr/>
-      </p:nvGrpSpPr>
-      <p:grpSpPr>
-        <a:xfrm>
-          <a:off x="0" y="0"/>
-          <a:ext cx="0" cy="0"/>
-          <a:chOff x="0" y="0"/>
-          <a:chExt cx="0" cy="0"/>
-        </a:xfrm>
-      </p:grpSpPr>
-      <p:sp>
-        <p:nvSpPr>
-          <p:cNvPr id="210" name="Shape 210"/>
-          <p:cNvSpPr txBox="1">
-            <a:spLocks noGrp="1"/>
-          </p:cNvSpPr>
-          <p:nvPr>
-            <p:ph type="body" idx="1"/>
-          </p:nvPr>
-        </p:nvSpPr>
-        <p:spPr>
-          <a:xfrm>
-            <a:off x="685800" y="4343400"/>
-            <a:ext cx="5486399" cy="4114800"/>
-          </a:xfrm>
-          <a:prstGeom prst="rect">
-            <a:avLst/>
-          </a:prstGeom>
-          <a:noFill/>
-          <a:ln>
-            <a:noFill/>
-          </a:ln>
-        </p:spPr>
-        <p:txBody>
-          <a:bodyPr lIns="91425" tIns="91425" rIns="91425" bIns="91425" anchor="ctr" anchorCtr="0">
-            <a:noAutofit/>
-          </a:bodyPr>
-          <a:lstStyle/>
-          <a:p>
-            <a:pPr lvl="0">
-              <a:spcBef>
-                <a:spcPts val="0"/>
-              </a:spcBef>
-              <a:buNone/>
-            </a:pPr>
-            <a:endParaRPr/>
-          </a:p>
-        </p:txBody>
-      </p:sp>
-      <p:sp>
-        <p:nvSpPr>
-          <p:cNvPr id="211" name="Shape 211"/>
-          <p:cNvSpPr>
-            <a:spLocks noGrp="1" noRot="1" noChangeAspect="1"/>
-          </p:cNvSpPr>
-          <p:nvPr>
-            <p:ph type="sldImg" idx="2"/>
-          </p:nvPr>
-        </p:nvSpPr>
-        <p:spPr>
-          <a:xfrm>
-            <a:off x="381000" y="685800"/>
-            <a:ext cx="6096000" cy="3429000"/>
-          </a:xfrm>
-          <a:custGeom>
-            <a:avLst/>
-            <a:gdLst/>
-            <a:ahLst/>
-            <a:cxnLst/>
-            <a:rect l="0" t="0" r="0" b="0"/>
-            <a:pathLst>
-              <a:path w="120000" h="120000" extrusionOk="0">
-                <a:moveTo>
-                  <a:pt x="0" y="0"/>
-                </a:moveTo>
-                <a:lnTo>
-                  <a:pt x="120000" y="0"/>
-                </a:lnTo>
-                <a:lnTo>
-                  <a:pt x="120000" y="120000"/>
-                </a:lnTo>
-                <a:lnTo>
-                  <a:pt x="0" y="120000"/>
-                </a:lnTo>
-                <a:close/>
-              </a:path>
-            </a:pathLst>
-          </a:custGeom>
-        </p:spPr>
-      </p:sp>
-    </p:spTree>
-    <p:extLst>
-      <p:ext uri="{BB962C8B-B14F-4D97-AF65-F5344CB8AC3E}">
-        <p14:creationId xmlns:p14="http://schemas.microsoft.com/office/powerpoint/2010/main" val="2241784799"/>
-      </p:ext>
-    </p:extLst>
-  </p:cSld>
-  <p:clrMapOvr>
-    <a:masterClrMapping/>
-  </p:clrMapOvr>
-</p:notes>
-</file>
-
-<file path=ppt/notesSlides/notesSlide18.xml><?xml version="1.0" encoding="utf-8"?>
-<p:notes xmlns:a="http://schemas.openxmlformats.org/drawingml/2006/main" xmlns:r="http://schemas.openxmlformats.org/officeDocument/2006/relationships" xmlns:p="http://schemas.openxmlformats.org/presentationml/2006/main" showMasterSp="0" showMasterPhAnim="0">
-  <p:cSld>
-    <p:spTree>
-      <p:nvGrpSpPr>
-        <p:cNvPr id="1" name="Shape 209"/>
-        <p:cNvGrpSpPr/>
-        <p:nvPr/>
-      </p:nvGrpSpPr>
-      <p:grpSpPr>
-        <a:xfrm>
-          <a:off x="0" y="0"/>
-          <a:ext cx="0" cy="0"/>
-          <a:chOff x="0" y="0"/>
-          <a:chExt cx="0" cy="0"/>
-        </a:xfrm>
-      </p:grpSpPr>
-      <p:sp>
-        <p:nvSpPr>
-          <p:cNvPr id="210" name="Shape 210"/>
-          <p:cNvSpPr txBox="1">
-            <a:spLocks noGrp="1"/>
-          </p:cNvSpPr>
-          <p:nvPr>
-            <p:ph type="body" idx="1"/>
-          </p:nvPr>
-        </p:nvSpPr>
-        <p:spPr>
-          <a:xfrm>
-            <a:off x="685800" y="4343400"/>
-            <a:ext cx="5486399" cy="4114800"/>
-          </a:xfrm>
-          <a:prstGeom prst="rect">
-            <a:avLst/>
-          </a:prstGeom>
-          <a:noFill/>
-          <a:ln>
-            <a:noFill/>
-          </a:ln>
-        </p:spPr>
-        <p:txBody>
-          <a:bodyPr lIns="91425" tIns="91425" rIns="91425" bIns="91425" anchor="ctr" anchorCtr="0">
-            <a:noAutofit/>
-          </a:bodyPr>
-          <a:lstStyle/>
-          <a:p>
-            <a:pPr lvl="0">
-              <a:spcBef>
-                <a:spcPts val="0"/>
-              </a:spcBef>
-              <a:buNone/>
-            </a:pPr>
-            <a:endParaRPr/>
-          </a:p>
-        </p:txBody>
-      </p:sp>
-      <p:sp>
-        <p:nvSpPr>
-          <p:cNvPr id="211" name="Shape 211"/>
-          <p:cNvSpPr>
-            <a:spLocks noGrp="1" noRot="1" noChangeAspect="1"/>
-          </p:cNvSpPr>
-          <p:nvPr>
-            <p:ph type="sldImg" idx="2"/>
-          </p:nvPr>
-        </p:nvSpPr>
-        <p:spPr>
-          <a:xfrm>
-            <a:off x="381000" y="685800"/>
-            <a:ext cx="6096000" cy="3429000"/>
-          </a:xfrm>
-          <a:custGeom>
-            <a:avLst/>
-            <a:gdLst/>
-            <a:ahLst/>
-            <a:cxnLst/>
-            <a:rect l="0" t="0" r="0" b="0"/>
-            <a:pathLst>
-              <a:path w="120000" h="120000" extrusionOk="0">
-                <a:moveTo>
-                  <a:pt x="0" y="0"/>
-                </a:moveTo>
-                <a:lnTo>
-                  <a:pt x="120000" y="0"/>
-                </a:lnTo>
-                <a:lnTo>
-                  <a:pt x="120000" y="120000"/>
-                </a:lnTo>
-                <a:lnTo>
-                  <a:pt x="0" y="120000"/>
-                </a:lnTo>
-                <a:close/>
-              </a:path>
-            </a:pathLst>
-          </a:custGeom>
-        </p:spPr>
-      </p:sp>
-    </p:spTree>
-    <p:extLst>
-      <p:ext uri="{BB962C8B-B14F-4D97-AF65-F5344CB8AC3E}">
-        <p14:creationId xmlns:p14="http://schemas.microsoft.com/office/powerpoint/2010/main" val="3590681068"/>
-      </p:ext>
-    </p:extLst>
-  </p:cSld>
-  <p:clrMapOvr>
-    <a:masterClrMapping/>
-  </p:clrMapOvr>
-</p:notes>
-</file>
-
-<file path=ppt/notesSlides/notesSlide19.xml><?xml version="1.0" encoding="utf-8"?>
-<p:notes xmlns:a="http://schemas.openxmlformats.org/drawingml/2006/main" xmlns:r="http://schemas.openxmlformats.org/officeDocument/2006/relationships" xmlns:p="http://schemas.openxmlformats.org/presentationml/2006/main" showMasterSp="0" showMasterPhAnim="0">
-  <p:cSld>
-    <p:spTree>
-      <p:nvGrpSpPr>
-        <p:cNvPr id="1" name="Shape 209"/>
-        <p:cNvGrpSpPr/>
-        <p:nvPr/>
-      </p:nvGrpSpPr>
-      <p:grpSpPr>
-        <a:xfrm>
-          <a:off x="0" y="0"/>
-          <a:ext cx="0" cy="0"/>
-          <a:chOff x="0" y="0"/>
-          <a:chExt cx="0" cy="0"/>
-        </a:xfrm>
-      </p:grpSpPr>
-      <p:sp>
-        <p:nvSpPr>
-          <p:cNvPr id="210" name="Shape 210"/>
-          <p:cNvSpPr txBox="1">
-            <a:spLocks noGrp="1"/>
-          </p:cNvSpPr>
-          <p:nvPr>
-            <p:ph type="body" idx="1"/>
-          </p:nvPr>
-        </p:nvSpPr>
-        <p:spPr>
-          <a:xfrm>
-            <a:off x="685800" y="4343400"/>
-            <a:ext cx="5486399" cy="4114800"/>
-          </a:xfrm>
-          <a:prstGeom prst="rect">
-            <a:avLst/>
-          </a:prstGeom>
-          <a:noFill/>
-          <a:ln>
-            <a:noFill/>
-          </a:ln>
-        </p:spPr>
-        <p:txBody>
-          <a:bodyPr lIns="91425" tIns="91425" rIns="91425" bIns="91425" anchor="ctr" anchorCtr="0">
-            <a:noAutofit/>
-          </a:bodyPr>
-          <a:lstStyle/>
-          <a:p>
-            <a:pPr lvl="0">
-              <a:spcBef>
-                <a:spcPts val="0"/>
-              </a:spcBef>
-              <a:buNone/>
-            </a:pPr>
-            <a:endParaRPr/>
-          </a:p>
-        </p:txBody>
-      </p:sp>
-      <p:sp>
-        <p:nvSpPr>
-          <p:cNvPr id="211" name="Shape 211"/>
-          <p:cNvSpPr>
-            <a:spLocks noGrp="1" noRot="1" noChangeAspect="1"/>
-          </p:cNvSpPr>
-          <p:nvPr>
-            <p:ph type="sldImg" idx="2"/>
-          </p:nvPr>
-        </p:nvSpPr>
-        <p:spPr>
-          <a:xfrm>
-            <a:off x="381000" y="685800"/>
-            <a:ext cx="6096000" cy="3429000"/>
-          </a:xfrm>
-          <a:custGeom>
-            <a:avLst/>
-            <a:gdLst/>
-            <a:ahLst/>
-            <a:cxnLst/>
-            <a:rect l="0" t="0" r="0" b="0"/>
-            <a:pathLst>
-              <a:path w="120000" h="120000" extrusionOk="0">
-                <a:moveTo>
-                  <a:pt x="0" y="0"/>
-                </a:moveTo>
-                <a:lnTo>
-                  <a:pt x="120000" y="0"/>
-                </a:lnTo>
-                <a:lnTo>
-                  <a:pt x="120000" y="120000"/>
-                </a:lnTo>
-                <a:lnTo>
-                  <a:pt x="0" y="120000"/>
-                </a:lnTo>
-                <a:close/>
-              </a:path>
-            </a:pathLst>
-          </a:custGeom>
-        </p:spPr>
-      </p:sp>
-    </p:spTree>
-    <p:extLst>
-      <p:ext uri="{BB962C8B-B14F-4D97-AF65-F5344CB8AC3E}">
-        <p14:creationId xmlns:p14="http://schemas.microsoft.com/office/powerpoint/2010/main" val="3577381200"/>
+        <p14:creationId xmlns:p14="http://schemas.microsoft.com/office/powerpoint/2010/main" val="644668035"/>
       </p:ext>
     </p:extLst>
   </p:cSld>
@@ -13711,16 +13155,36 @@
           <a:prstGeom prst="rect">
             <a:avLst/>
           </a:prstGeom>
-          <a:noFill/>
-          <a:ln w="9525">
+          <a:solidFill>
+            <a:srgbClr val="FFFFFF">
+              <a:shade val="85000"/>
+            </a:srgbClr>
+          </a:solidFill>
+          <a:ln w="88900" cap="sq">
             <a:solidFill>
-              <a:schemeClr val="tx1"/>
+              <a:srgbClr val="FFFFFF"/>
             </a:solidFill>
             <a:miter lim="800000"/>
-            <a:headEnd/>
-            <a:tailEnd/>
           </a:ln>
-          <a:effectLst/>
+          <a:effectLst>
+            <a:outerShdw blurRad="55000" dist="18000" dir="5400000" algn="tl" rotWithShape="0">
+              <a:srgbClr val="000000">
+                <a:alpha val="40000"/>
+              </a:srgbClr>
+            </a:outerShdw>
+          </a:effectLst>
+          <a:scene3d>
+            <a:camera prst="orthographicFront"/>
+            <a:lightRig rig="twoPt" dir="t">
+              <a:rot lat="0" lon="0" rev="7200000"/>
+            </a:lightRig>
+          </a:scene3d>
+          <a:sp3d>
+            <a:bevelT w="25400" h="19050"/>
+            <a:contourClr>
+              <a:srgbClr val="FFFFFF"/>
+            </a:contourClr>
+          </a:sp3d>
           <a:extLst>
             <a:ext uri="{909E8E84-426E-40DD-AFC4-6F175D3DCCD1}">
               <a14:hiddenFill xmlns:a14="http://schemas.microsoft.com/office/drawing/2010/main">
@@ -15086,16 +14550,36 @@
           <a:prstGeom prst="rect">
             <a:avLst/>
           </a:prstGeom>
-          <a:noFill/>
-          <a:ln w="9525">
+          <a:solidFill>
+            <a:srgbClr val="FFFFFF">
+              <a:shade val="85000"/>
+            </a:srgbClr>
+          </a:solidFill>
+          <a:ln w="88900" cap="sq">
             <a:solidFill>
-              <a:schemeClr val="tx1"/>
+              <a:srgbClr val="FFFFFF"/>
             </a:solidFill>
             <a:miter lim="800000"/>
-            <a:headEnd/>
-            <a:tailEnd/>
           </a:ln>
-          <a:effectLst/>
+          <a:effectLst>
+            <a:outerShdw blurRad="55000" dist="18000" dir="5400000" algn="tl" rotWithShape="0">
+              <a:srgbClr val="000000">
+                <a:alpha val="40000"/>
+              </a:srgbClr>
+            </a:outerShdw>
+          </a:effectLst>
+          <a:scene3d>
+            <a:camera prst="orthographicFront"/>
+            <a:lightRig rig="twoPt" dir="t">
+              <a:rot lat="0" lon="0" rev="7200000"/>
+            </a:lightRig>
+          </a:scene3d>
+          <a:sp3d>
+            <a:bevelT w="25400" h="19050"/>
+            <a:contourClr>
+              <a:srgbClr val="FFFFFF"/>
+            </a:contourClr>
+          </a:sp3d>
           <a:extLst>
             <a:ext uri="{909E8E84-426E-40DD-AFC4-6F175D3DCCD1}">
               <a14:hiddenFill xmlns:a14="http://schemas.microsoft.com/office/drawing/2010/main">
@@ -16138,6 +15622,36 @@
           <a:prstGeom prst="rect">
             <a:avLst/>
           </a:prstGeom>
+          <a:solidFill>
+            <a:srgbClr val="FFFFFF">
+              <a:shade val="85000"/>
+            </a:srgbClr>
+          </a:solidFill>
+          <a:ln w="88900" cap="sq">
+            <a:solidFill>
+              <a:srgbClr val="FFFFFF"/>
+            </a:solidFill>
+            <a:miter lim="800000"/>
+          </a:ln>
+          <a:effectLst>
+            <a:outerShdw blurRad="55000" dist="18000" dir="5400000" algn="tl" rotWithShape="0">
+              <a:srgbClr val="000000">
+                <a:alpha val="40000"/>
+              </a:srgbClr>
+            </a:outerShdw>
+          </a:effectLst>
+          <a:scene3d>
+            <a:camera prst="orthographicFront"/>
+            <a:lightRig rig="twoPt" dir="t">
+              <a:rot lat="0" lon="0" rev="7200000"/>
+            </a:lightRig>
+          </a:scene3d>
+          <a:sp3d>
+            <a:bevelT w="25400" h="19050"/>
+            <a:contourClr>
+              <a:srgbClr val="FFFFFF"/>
+            </a:contourClr>
+          </a:sp3d>
         </p:spPr>
       </p:pic>
       <p:sp>
@@ -18655,16 +18169,36 @@
           <a:prstGeom prst="rect">
             <a:avLst/>
           </a:prstGeom>
-          <a:noFill/>
-          <a:ln w="9525">
+          <a:solidFill>
+            <a:srgbClr val="FFFFFF">
+              <a:shade val="85000"/>
+            </a:srgbClr>
+          </a:solidFill>
+          <a:ln w="88900" cap="sq">
             <a:solidFill>
-              <a:schemeClr val="tx1"/>
+              <a:srgbClr val="FFFFFF"/>
             </a:solidFill>
             <a:miter lim="800000"/>
-            <a:headEnd/>
-            <a:tailEnd/>
           </a:ln>
-          <a:effectLst/>
+          <a:effectLst>
+            <a:outerShdw blurRad="55000" dist="18000" dir="5400000" algn="tl" rotWithShape="0">
+              <a:srgbClr val="000000">
+                <a:alpha val="40000"/>
+              </a:srgbClr>
+            </a:outerShdw>
+          </a:effectLst>
+          <a:scene3d>
+            <a:camera prst="orthographicFront"/>
+            <a:lightRig rig="twoPt" dir="t">
+              <a:rot lat="0" lon="0" rev="7200000"/>
+            </a:lightRig>
+          </a:scene3d>
+          <a:sp3d>
+            <a:bevelT w="25400" h="19050"/>
+            <a:contourClr>
+              <a:srgbClr val="FFFFFF"/>
+            </a:contourClr>
+          </a:sp3d>
           <a:extLst>
             <a:ext uri="{909E8E84-426E-40DD-AFC4-6F175D3DCCD1}">
               <a14:hiddenFill xmlns:a14="http://schemas.microsoft.com/office/drawing/2010/main">
@@ -19811,7 +19345,7 @@
         <p:spPr>
           <a:xfrm>
             <a:off x="945040" y="2771782"/>
-            <a:ext cx="14274800" cy="1508105"/>
+            <a:ext cx="14274800" cy="1815882"/>
           </a:xfrm>
           <a:prstGeom prst="rect">
             <a:avLst/>
@@ -19824,11 +19358,11 @@
           <a:lstStyle/>
           <a:p>
             <a:r>
-              <a:rPr lang="ru-RU" sz="2800" dirty="0"/>
+              <a:rPr lang="ru-RU" sz="3200" dirty="0"/>
               <a:t>Единственный аргумент оператора </a:t>
             </a:r>
             <a:r>
-              <a:rPr lang="ru-RU" sz="3600" dirty="0" err="1">
+              <a:rPr lang="ru-RU" sz="4000" dirty="0" err="1">
                 <a:solidFill>
                   <a:srgbClr val="00B050"/>
                 </a:solidFill>
@@ -19838,15 +19372,21 @@
               <a:t>raise</a:t>
             </a:r>
             <a:r>
-              <a:rPr lang="ru-RU" sz="2800" dirty="0"/>
+              <a:rPr lang="ru-RU" sz="3200" dirty="0"/>
               <a:t> определяет исключение, которое нужно возбудить. Им может быть либо экземпляр исключения, либо класс исключения (класс, дочерний к классу </a:t>
             </a:r>
             <a:r>
-              <a:rPr lang="ru-RU" sz="2800" dirty="0" err="1"/>
+              <a:rPr lang="ru-RU" sz="4000" dirty="0" err="1">
+                <a:solidFill>
+                  <a:srgbClr val="00B050"/>
+                </a:solidFill>
+                <a:latin typeface="Courier New" panose="02070309020205020404" pitchFamily="49" charset="0"/>
+                <a:cs typeface="Courier New" panose="02070309020205020404" pitchFamily="49" charset="0"/>
+              </a:rPr>
               <a:t>Exception</a:t>
             </a:r>
             <a:r>
-              <a:rPr lang="ru-RU" sz="2800" dirty="0"/>
+              <a:rPr lang="ru-RU" sz="3200" dirty="0"/>
               <a:t>).</a:t>
             </a:r>
           </a:p>
@@ -19854,7 +19394,7 @@
       </p:sp>
       <p:pic>
         <p:nvPicPr>
-          <p:cNvPr id="4" name="Рисунок 3"/>
+          <p:cNvPr id="6" name="Рисунок 5"/>
           <p:cNvPicPr>
             <a:picLocks noChangeAspect="1"/>
           </p:cNvPicPr>
@@ -19862,19 +19402,404 @@
         </p:nvPicPr>
         <p:blipFill rotWithShape="1">
           <a:blip r:embed="rId3"/>
-          <a:srcRect l="42019" t="69444" r="33403" b="19816"/>
+          <a:srcRect b="5276"/>
           <a:stretch/>
         </p:blipFill>
         <p:spPr>
           <a:xfrm>
-            <a:off x="3352800" y="5314950"/>
-            <a:ext cx="10617418" cy="2609850"/>
+            <a:off x="6236949" y="4575941"/>
+            <a:ext cx="9436832" cy="2035874"/>
+          </a:xfrm>
+          <a:prstGeom prst="rect">
+            <a:avLst/>
+          </a:prstGeom>
+          <a:solidFill>
+            <a:srgbClr val="FFFFFF">
+              <a:shade val="85000"/>
+            </a:srgbClr>
+          </a:solidFill>
+          <a:ln w="88900" cap="sq">
+            <a:solidFill>
+              <a:srgbClr val="FFFFFF"/>
+            </a:solidFill>
+            <a:miter lim="800000"/>
+          </a:ln>
+          <a:effectLst>
+            <a:outerShdw blurRad="55000" dist="18000" dir="5400000" algn="tl" rotWithShape="0">
+              <a:srgbClr val="000000">
+                <a:alpha val="40000"/>
+              </a:srgbClr>
+            </a:outerShdw>
+          </a:effectLst>
+          <a:scene3d>
+            <a:camera prst="orthographicFront"/>
+            <a:lightRig rig="twoPt" dir="t">
+              <a:rot lat="0" lon="0" rev="7200000"/>
+            </a:lightRig>
+          </a:scene3d>
+          <a:sp3d>
+            <a:bevelT w="25400" h="19050"/>
+            <a:contourClr>
+              <a:srgbClr val="FFFFFF"/>
+            </a:contourClr>
+          </a:sp3d>
+        </p:spPr>
+      </p:pic>
+      <p:pic>
+        <p:nvPicPr>
+          <p:cNvPr id="7" name="Рисунок 6"/>
+          <p:cNvPicPr>
+            <a:picLocks noChangeAspect="1"/>
+          </p:cNvPicPr>
+          <p:nvPr/>
+        </p:nvPicPr>
+        <p:blipFill>
+          <a:blip r:embed="rId4"/>
+          <a:stretch>
+            <a:fillRect/>
+          </a:stretch>
+        </p:blipFill>
+        <p:spPr>
+          <a:xfrm>
+            <a:off x="1300023" y="7268309"/>
+            <a:ext cx="8529762" cy="348746"/>
           </a:xfrm>
           <a:prstGeom prst="rect">
             <a:avLst/>
           </a:prstGeom>
         </p:spPr>
       </p:pic>
+      <p:sp>
+        <p:nvSpPr>
+          <p:cNvPr id="8" name="Прямоугольник 7"/>
+          <p:cNvSpPr/>
+          <p:nvPr/>
+        </p:nvSpPr>
+        <p:spPr>
+          <a:xfrm>
+            <a:off x="1300023" y="7162800"/>
+            <a:ext cx="3307146" cy="539262"/>
+          </a:xfrm>
+          <a:prstGeom prst="rect">
+            <a:avLst/>
+          </a:prstGeom>
+          <a:noFill/>
+          <a:ln>
+            <a:solidFill>
+              <a:srgbClr val="00B050"/>
+            </a:solidFill>
+          </a:ln>
+        </p:spPr>
+        <p:style>
+          <a:lnRef idx="2">
+            <a:schemeClr val="accent1">
+              <a:shade val="50000"/>
+            </a:schemeClr>
+          </a:lnRef>
+          <a:fillRef idx="1">
+            <a:schemeClr val="accent1"/>
+          </a:fillRef>
+          <a:effectRef idx="0">
+            <a:schemeClr val="accent1"/>
+          </a:effectRef>
+          <a:fontRef idx="minor">
+            <a:schemeClr val="lt1"/>
+          </a:fontRef>
+        </p:style>
+        <p:txBody>
+          <a:bodyPr rtlCol="0" anchor="ctr"/>
+          <a:lstStyle/>
+          <a:p>
+            <a:pPr algn="ctr"/>
+            <a:endParaRPr lang="ru-RU"/>
+          </a:p>
+        </p:txBody>
+      </p:sp>
+      <p:cxnSp>
+        <p:nvCxnSpPr>
+          <p:cNvPr id="11" name="Прямая со стрелкой 10"/>
+          <p:cNvCxnSpPr>
+            <a:stCxn id="15" idx="1"/>
+          </p:cNvCxnSpPr>
+          <p:nvPr/>
+        </p:nvCxnSpPr>
+        <p:spPr>
+          <a:xfrm flipH="1">
+            <a:off x="4607170" y="6447693"/>
+            <a:ext cx="3779453" cy="735609"/>
+          </a:xfrm>
+          <a:prstGeom prst="straightConnector1">
+            <a:avLst/>
+          </a:prstGeom>
+          <a:ln w="60325">
+            <a:solidFill>
+              <a:srgbClr val="00B050"/>
+            </a:solidFill>
+            <a:headEnd w="lg" len="lg"/>
+            <a:tailEnd type="stealth"/>
+          </a:ln>
+        </p:spPr>
+        <p:style>
+          <a:lnRef idx="1">
+            <a:schemeClr val="accent1"/>
+          </a:lnRef>
+          <a:fillRef idx="0">
+            <a:schemeClr val="accent1"/>
+          </a:fillRef>
+          <a:effectRef idx="0">
+            <a:schemeClr val="accent1"/>
+          </a:effectRef>
+          <a:fontRef idx="minor">
+            <a:schemeClr val="tx1"/>
+          </a:fontRef>
+        </p:style>
+      </p:cxnSp>
+      <p:sp>
+        <p:nvSpPr>
+          <p:cNvPr id="15" name="Прямоугольник 14"/>
+          <p:cNvSpPr/>
+          <p:nvPr/>
+        </p:nvSpPr>
+        <p:spPr>
+          <a:xfrm>
+            <a:off x="8386623" y="6178062"/>
+            <a:ext cx="3307146" cy="539262"/>
+          </a:xfrm>
+          <a:prstGeom prst="rect">
+            <a:avLst/>
+          </a:prstGeom>
+          <a:noFill/>
+          <a:ln>
+            <a:solidFill>
+              <a:srgbClr val="00B050"/>
+            </a:solidFill>
+          </a:ln>
+        </p:spPr>
+        <p:style>
+          <a:lnRef idx="2">
+            <a:schemeClr val="accent1">
+              <a:shade val="50000"/>
+            </a:schemeClr>
+          </a:lnRef>
+          <a:fillRef idx="1">
+            <a:schemeClr val="accent1"/>
+          </a:fillRef>
+          <a:effectRef idx="0">
+            <a:schemeClr val="accent1"/>
+          </a:effectRef>
+          <a:fontRef idx="minor">
+            <a:schemeClr val="lt1"/>
+          </a:fontRef>
+        </p:style>
+        <p:txBody>
+          <a:bodyPr rtlCol="0" anchor="ctr"/>
+          <a:lstStyle/>
+          <a:p>
+            <a:pPr algn="ctr"/>
+            <a:endParaRPr lang="ru-RU"/>
+          </a:p>
+        </p:txBody>
+      </p:sp>
+      <p:sp>
+        <p:nvSpPr>
+          <p:cNvPr id="17" name="Прямоугольник 16"/>
+          <p:cNvSpPr/>
+          <p:nvPr/>
+        </p:nvSpPr>
+        <p:spPr>
+          <a:xfrm>
+            <a:off x="10444022" y="4978416"/>
+            <a:ext cx="4775817" cy="539262"/>
+          </a:xfrm>
+          <a:prstGeom prst="rect">
+            <a:avLst/>
+          </a:prstGeom>
+          <a:noFill/>
+          <a:ln>
+            <a:solidFill>
+              <a:srgbClr val="0070C0"/>
+            </a:solidFill>
+          </a:ln>
+        </p:spPr>
+        <p:style>
+          <a:lnRef idx="2">
+            <a:schemeClr val="accent1">
+              <a:shade val="50000"/>
+            </a:schemeClr>
+          </a:lnRef>
+          <a:fillRef idx="1">
+            <a:schemeClr val="accent1"/>
+          </a:fillRef>
+          <a:effectRef idx="0">
+            <a:schemeClr val="accent1"/>
+          </a:effectRef>
+          <a:fontRef idx="minor">
+            <a:schemeClr val="lt1"/>
+          </a:fontRef>
+        </p:style>
+        <p:txBody>
+          <a:bodyPr rtlCol="0" anchor="ctr"/>
+          <a:lstStyle/>
+          <a:p>
+            <a:pPr algn="ctr"/>
+            <a:endParaRPr lang="ru-RU"/>
+          </a:p>
+        </p:txBody>
+      </p:sp>
+      <p:cxnSp>
+        <p:nvCxnSpPr>
+          <p:cNvPr id="18" name="Прямая со стрелкой 17"/>
+          <p:cNvCxnSpPr/>
+          <p:nvPr/>
+        </p:nvCxnSpPr>
+        <p:spPr>
+          <a:xfrm flipH="1">
+            <a:off x="10756900" y="5517678"/>
+            <a:ext cx="1701800" cy="400522"/>
+          </a:xfrm>
+          <a:prstGeom prst="straightConnector1">
+            <a:avLst/>
+          </a:prstGeom>
+          <a:ln w="57150">
+            <a:solidFill>
+              <a:srgbClr val="0070C0"/>
+            </a:solidFill>
+            <a:tailEnd type="stealth"/>
+          </a:ln>
+        </p:spPr>
+        <p:style>
+          <a:lnRef idx="1">
+            <a:schemeClr val="accent1"/>
+          </a:lnRef>
+          <a:fillRef idx="0">
+            <a:schemeClr val="accent1"/>
+          </a:fillRef>
+          <a:effectRef idx="0">
+            <a:schemeClr val="accent1"/>
+          </a:effectRef>
+          <a:fontRef idx="minor">
+            <a:schemeClr val="tx1"/>
+          </a:fontRef>
+        </p:style>
+      </p:cxnSp>
+      <p:cxnSp>
+        <p:nvCxnSpPr>
+          <p:cNvPr id="22" name="Прямая со стрелкой 21"/>
+          <p:cNvCxnSpPr/>
+          <p:nvPr/>
+        </p:nvCxnSpPr>
+        <p:spPr>
+          <a:xfrm>
+            <a:off x="10845800" y="6056940"/>
+            <a:ext cx="1612900" cy="216860"/>
+          </a:xfrm>
+          <a:prstGeom prst="straightConnector1">
+            <a:avLst/>
+          </a:prstGeom>
+          <a:ln w="57150">
+            <a:solidFill>
+              <a:srgbClr val="0070C0"/>
+            </a:solidFill>
+            <a:tailEnd type="stealth"/>
+          </a:ln>
+        </p:spPr>
+        <p:style>
+          <a:lnRef idx="1">
+            <a:schemeClr val="accent1"/>
+          </a:lnRef>
+          <a:fillRef idx="0">
+            <a:schemeClr val="accent1"/>
+          </a:fillRef>
+          <a:effectRef idx="0">
+            <a:schemeClr val="accent1"/>
+          </a:effectRef>
+          <a:fontRef idx="minor">
+            <a:schemeClr val="tx1"/>
+          </a:fontRef>
+        </p:style>
+      </p:cxnSp>
+      <p:cxnSp>
+        <p:nvCxnSpPr>
+          <p:cNvPr id="25" name="Прямая со стрелкой 24"/>
+          <p:cNvCxnSpPr/>
+          <p:nvPr/>
+        </p:nvCxnSpPr>
+        <p:spPr>
+          <a:xfrm flipH="1">
+            <a:off x="9677400" y="6604986"/>
+            <a:ext cx="2679700" cy="854312"/>
+          </a:xfrm>
+          <a:prstGeom prst="straightConnector1">
+            <a:avLst/>
+          </a:prstGeom>
+          <a:ln w="57150">
+            <a:solidFill>
+              <a:srgbClr val="0070C0"/>
+            </a:solidFill>
+            <a:tailEnd type="stealth"/>
+          </a:ln>
+        </p:spPr>
+        <p:style>
+          <a:lnRef idx="1">
+            <a:schemeClr val="accent1"/>
+          </a:lnRef>
+          <a:fillRef idx="0">
+            <a:schemeClr val="accent1"/>
+          </a:fillRef>
+          <a:effectRef idx="0">
+            <a:schemeClr val="accent1"/>
+          </a:effectRef>
+          <a:fontRef idx="minor">
+            <a:schemeClr val="tx1"/>
+          </a:fontRef>
+        </p:style>
+      </p:cxnSp>
+      <p:sp>
+        <p:nvSpPr>
+          <p:cNvPr id="26" name="Прямоугольник 25"/>
+          <p:cNvSpPr/>
+          <p:nvPr/>
+        </p:nvSpPr>
+        <p:spPr>
+          <a:xfrm>
+            <a:off x="4795944" y="7162800"/>
+            <a:ext cx="4894156" cy="539262"/>
+          </a:xfrm>
+          <a:prstGeom prst="rect">
+            <a:avLst/>
+          </a:prstGeom>
+          <a:noFill/>
+          <a:ln>
+            <a:solidFill>
+              <a:srgbClr val="0070C0"/>
+            </a:solidFill>
+          </a:ln>
+        </p:spPr>
+        <p:style>
+          <a:lnRef idx="2">
+            <a:schemeClr val="accent1">
+              <a:shade val="50000"/>
+            </a:schemeClr>
+          </a:lnRef>
+          <a:fillRef idx="1">
+            <a:schemeClr val="accent1"/>
+          </a:fillRef>
+          <a:effectRef idx="0">
+            <a:schemeClr val="accent1"/>
+          </a:effectRef>
+          <a:fontRef idx="minor">
+            <a:schemeClr val="lt1"/>
+          </a:fontRef>
+        </p:style>
+        <p:txBody>
+          <a:bodyPr rtlCol="0" anchor="ctr"/>
+          <a:lstStyle/>
+          <a:p>
+            <a:pPr algn="ctr"/>
+            <a:endParaRPr lang="ru-RU"/>
+          </a:p>
+        </p:txBody>
+      </p:sp>
     </p:spTree>
     <p:extLst>
       <p:ext uri="{BB962C8B-B14F-4D97-AF65-F5344CB8AC3E}">
@@ -19919,7 +19844,448 @@
                                           </p:stCondLst>
                                         </p:cTn>
                                         <p:tgtEl>
+                                          <p:spTgt spid="2"/>
+                                        </p:tgtEl>
+                                        <p:attrNameLst>
+                                          <p:attrName>style.visibility</p:attrName>
+                                        </p:attrNameLst>
+                                      </p:cBhvr>
+                                      <p:to>
+                                        <p:strVal val="visible"/>
+                                      </p:to>
+                                    </p:set>
+                                  </p:childTnLst>
+                                </p:cTn>
+                              </p:par>
+                            </p:childTnLst>
+                          </p:cTn>
+                        </p:par>
+                      </p:childTnLst>
+                    </p:cTn>
+                  </p:par>
+                  <p:par>
+                    <p:cTn id="7" fill="hold">
+                      <p:stCondLst>
+                        <p:cond delay="indefinite"/>
+                      </p:stCondLst>
+                      <p:childTnLst>
+                        <p:par>
+                          <p:cTn id="8" fill="hold">
+                            <p:stCondLst>
+                              <p:cond delay="0"/>
+                            </p:stCondLst>
+                            <p:childTnLst>
+                              <p:par>
+                                <p:cTn id="9" presetID="1" presetClass="entr" presetSubtype="0" fill="hold" grpId="0" nodeType="clickEffect">
+                                  <p:stCondLst>
+                                    <p:cond delay="0"/>
+                                  </p:stCondLst>
+                                  <p:childTnLst>
+                                    <p:set>
+                                      <p:cBhvr>
+                                        <p:cTn id="10" dur="1" fill="hold">
+                                          <p:stCondLst>
+                                            <p:cond delay="0"/>
+                                          </p:stCondLst>
+                                        </p:cTn>
+                                        <p:tgtEl>
                                           <p:spTgt spid="3"/>
+                                        </p:tgtEl>
+                                        <p:attrNameLst>
+                                          <p:attrName>style.visibility</p:attrName>
+                                        </p:attrNameLst>
+                                      </p:cBhvr>
+                                      <p:to>
+                                        <p:strVal val="visible"/>
+                                      </p:to>
+                                    </p:set>
+                                  </p:childTnLst>
+                                </p:cTn>
+                              </p:par>
+                            </p:childTnLst>
+                          </p:cTn>
+                        </p:par>
+                      </p:childTnLst>
+                    </p:cTn>
+                  </p:par>
+                  <p:par>
+                    <p:cTn id="11" fill="hold">
+                      <p:stCondLst>
+                        <p:cond delay="indefinite"/>
+                      </p:stCondLst>
+                      <p:childTnLst>
+                        <p:par>
+                          <p:cTn id="12" fill="hold">
+                            <p:stCondLst>
+                              <p:cond delay="0"/>
+                            </p:stCondLst>
+                            <p:childTnLst>
+                              <p:par>
+                                <p:cTn id="13" presetID="1" presetClass="entr" presetSubtype="0" fill="hold" nodeType="clickEffect">
+                                  <p:stCondLst>
+                                    <p:cond delay="0"/>
+                                  </p:stCondLst>
+                                  <p:childTnLst>
+                                    <p:set>
+                                      <p:cBhvr>
+                                        <p:cTn id="14" dur="1" fill="hold">
+                                          <p:stCondLst>
+                                            <p:cond delay="0"/>
+                                          </p:stCondLst>
+                                        </p:cTn>
+                                        <p:tgtEl>
+                                          <p:spTgt spid="6"/>
+                                        </p:tgtEl>
+                                        <p:attrNameLst>
+                                          <p:attrName>style.visibility</p:attrName>
+                                        </p:attrNameLst>
+                                      </p:cBhvr>
+                                      <p:to>
+                                        <p:strVal val="visible"/>
+                                      </p:to>
+                                    </p:set>
+                                  </p:childTnLst>
+                                </p:cTn>
+                              </p:par>
+                            </p:childTnLst>
+                          </p:cTn>
+                        </p:par>
+                      </p:childTnLst>
+                    </p:cTn>
+                  </p:par>
+                  <p:par>
+                    <p:cTn id="15" fill="hold">
+                      <p:stCondLst>
+                        <p:cond delay="indefinite"/>
+                      </p:stCondLst>
+                      <p:childTnLst>
+                        <p:par>
+                          <p:cTn id="16" fill="hold">
+                            <p:stCondLst>
+                              <p:cond delay="0"/>
+                            </p:stCondLst>
+                            <p:childTnLst>
+                              <p:par>
+                                <p:cTn id="17" presetID="1" presetClass="entr" presetSubtype="0" fill="hold" nodeType="clickEffect">
+                                  <p:stCondLst>
+                                    <p:cond delay="0"/>
+                                  </p:stCondLst>
+                                  <p:childTnLst>
+                                    <p:set>
+                                      <p:cBhvr>
+                                        <p:cTn id="18" dur="1" fill="hold">
+                                          <p:stCondLst>
+                                            <p:cond delay="0"/>
+                                          </p:stCondLst>
+                                        </p:cTn>
+                                        <p:tgtEl>
+                                          <p:spTgt spid="7"/>
+                                        </p:tgtEl>
+                                        <p:attrNameLst>
+                                          <p:attrName>style.visibility</p:attrName>
+                                        </p:attrNameLst>
+                                      </p:cBhvr>
+                                      <p:to>
+                                        <p:strVal val="visible"/>
+                                      </p:to>
+                                    </p:set>
+                                  </p:childTnLst>
+                                </p:cTn>
+                              </p:par>
+                            </p:childTnLst>
+                          </p:cTn>
+                        </p:par>
+                      </p:childTnLst>
+                    </p:cTn>
+                  </p:par>
+                  <p:par>
+                    <p:cTn id="19" fill="hold">
+                      <p:stCondLst>
+                        <p:cond delay="indefinite"/>
+                      </p:stCondLst>
+                      <p:childTnLst>
+                        <p:par>
+                          <p:cTn id="20" fill="hold">
+                            <p:stCondLst>
+                              <p:cond delay="0"/>
+                            </p:stCondLst>
+                            <p:childTnLst>
+                              <p:par>
+                                <p:cTn id="21" presetID="1" presetClass="entr" presetSubtype="0" fill="hold" grpId="0" nodeType="clickEffect">
+                                  <p:stCondLst>
+                                    <p:cond delay="0"/>
+                                  </p:stCondLst>
+                                  <p:childTnLst>
+                                    <p:set>
+                                      <p:cBhvr>
+                                        <p:cTn id="22" dur="1" fill="hold">
+                                          <p:stCondLst>
+                                            <p:cond delay="0"/>
+                                          </p:stCondLst>
+                                        </p:cTn>
+                                        <p:tgtEl>
+                                          <p:spTgt spid="15"/>
+                                        </p:tgtEl>
+                                        <p:attrNameLst>
+                                          <p:attrName>style.visibility</p:attrName>
+                                        </p:attrNameLst>
+                                      </p:cBhvr>
+                                      <p:to>
+                                        <p:strVal val="visible"/>
+                                      </p:to>
+                                    </p:set>
+                                  </p:childTnLst>
+                                </p:cTn>
+                              </p:par>
+                            </p:childTnLst>
+                          </p:cTn>
+                        </p:par>
+                      </p:childTnLst>
+                    </p:cTn>
+                  </p:par>
+                  <p:par>
+                    <p:cTn id="23" fill="hold">
+                      <p:stCondLst>
+                        <p:cond delay="indefinite"/>
+                      </p:stCondLst>
+                      <p:childTnLst>
+                        <p:par>
+                          <p:cTn id="24" fill="hold">
+                            <p:stCondLst>
+                              <p:cond delay="0"/>
+                            </p:stCondLst>
+                            <p:childTnLst>
+                              <p:par>
+                                <p:cTn id="25" presetID="1" presetClass="entr" presetSubtype="0" fill="hold" nodeType="clickEffect">
+                                  <p:stCondLst>
+                                    <p:cond delay="0"/>
+                                  </p:stCondLst>
+                                  <p:childTnLst>
+                                    <p:set>
+                                      <p:cBhvr>
+                                        <p:cTn id="26" dur="1" fill="hold">
+                                          <p:stCondLst>
+                                            <p:cond delay="0"/>
+                                          </p:stCondLst>
+                                        </p:cTn>
+                                        <p:tgtEl>
+                                          <p:spTgt spid="11"/>
+                                        </p:tgtEl>
+                                        <p:attrNameLst>
+                                          <p:attrName>style.visibility</p:attrName>
+                                        </p:attrNameLst>
+                                      </p:cBhvr>
+                                      <p:to>
+                                        <p:strVal val="visible"/>
+                                      </p:to>
+                                    </p:set>
+                                  </p:childTnLst>
+                                </p:cTn>
+                              </p:par>
+                              <p:par>
+                                <p:cTn id="27" presetID="1" presetClass="entr" presetSubtype="0" fill="hold" grpId="0" nodeType="withEffect">
+                                  <p:stCondLst>
+                                    <p:cond delay="0"/>
+                                  </p:stCondLst>
+                                  <p:childTnLst>
+                                    <p:set>
+                                      <p:cBhvr>
+                                        <p:cTn id="28" dur="1" fill="hold">
+                                          <p:stCondLst>
+                                            <p:cond delay="0"/>
+                                          </p:stCondLst>
+                                        </p:cTn>
+                                        <p:tgtEl>
+                                          <p:spTgt spid="8"/>
+                                        </p:tgtEl>
+                                        <p:attrNameLst>
+                                          <p:attrName>style.visibility</p:attrName>
+                                        </p:attrNameLst>
+                                      </p:cBhvr>
+                                      <p:to>
+                                        <p:strVal val="visible"/>
+                                      </p:to>
+                                    </p:set>
+                                  </p:childTnLst>
+                                </p:cTn>
+                              </p:par>
+                            </p:childTnLst>
+                          </p:cTn>
+                        </p:par>
+                      </p:childTnLst>
+                    </p:cTn>
+                  </p:par>
+                  <p:par>
+                    <p:cTn id="29" fill="hold">
+                      <p:stCondLst>
+                        <p:cond delay="indefinite"/>
+                      </p:stCondLst>
+                      <p:childTnLst>
+                        <p:par>
+                          <p:cTn id="30" fill="hold">
+                            <p:stCondLst>
+                              <p:cond delay="0"/>
+                            </p:stCondLst>
+                            <p:childTnLst>
+                              <p:par>
+                                <p:cTn id="31" presetID="1" presetClass="entr" presetSubtype="0" fill="hold" grpId="0" nodeType="clickEffect">
+                                  <p:stCondLst>
+                                    <p:cond delay="0"/>
+                                  </p:stCondLst>
+                                  <p:childTnLst>
+                                    <p:set>
+                                      <p:cBhvr>
+                                        <p:cTn id="32" dur="1" fill="hold">
+                                          <p:stCondLst>
+                                            <p:cond delay="0"/>
+                                          </p:stCondLst>
+                                        </p:cTn>
+                                        <p:tgtEl>
+                                          <p:spTgt spid="17"/>
+                                        </p:tgtEl>
+                                        <p:attrNameLst>
+                                          <p:attrName>style.visibility</p:attrName>
+                                        </p:attrNameLst>
+                                      </p:cBhvr>
+                                      <p:to>
+                                        <p:strVal val="visible"/>
+                                      </p:to>
+                                    </p:set>
+                                  </p:childTnLst>
+                                </p:cTn>
+                              </p:par>
+                            </p:childTnLst>
+                          </p:cTn>
+                        </p:par>
+                      </p:childTnLst>
+                    </p:cTn>
+                  </p:par>
+                  <p:par>
+                    <p:cTn id="33" fill="hold">
+                      <p:stCondLst>
+                        <p:cond delay="indefinite"/>
+                      </p:stCondLst>
+                      <p:childTnLst>
+                        <p:par>
+                          <p:cTn id="34" fill="hold">
+                            <p:stCondLst>
+                              <p:cond delay="0"/>
+                            </p:stCondLst>
+                            <p:childTnLst>
+                              <p:par>
+                                <p:cTn id="35" presetID="1" presetClass="entr" presetSubtype="0" fill="hold" nodeType="clickEffect">
+                                  <p:stCondLst>
+                                    <p:cond delay="0"/>
+                                  </p:stCondLst>
+                                  <p:childTnLst>
+                                    <p:set>
+                                      <p:cBhvr>
+                                        <p:cTn id="36" dur="1" fill="hold">
+                                          <p:stCondLst>
+                                            <p:cond delay="0"/>
+                                          </p:stCondLst>
+                                        </p:cTn>
+                                        <p:tgtEl>
+                                          <p:spTgt spid="18"/>
+                                        </p:tgtEl>
+                                        <p:attrNameLst>
+                                          <p:attrName>style.visibility</p:attrName>
+                                        </p:attrNameLst>
+                                      </p:cBhvr>
+                                      <p:to>
+                                        <p:strVal val="visible"/>
+                                      </p:to>
+                                    </p:set>
+                                  </p:childTnLst>
+                                </p:cTn>
+                              </p:par>
+                            </p:childTnLst>
+                          </p:cTn>
+                        </p:par>
+                      </p:childTnLst>
+                    </p:cTn>
+                  </p:par>
+                  <p:par>
+                    <p:cTn id="37" fill="hold">
+                      <p:stCondLst>
+                        <p:cond delay="indefinite"/>
+                      </p:stCondLst>
+                      <p:childTnLst>
+                        <p:par>
+                          <p:cTn id="38" fill="hold">
+                            <p:stCondLst>
+                              <p:cond delay="0"/>
+                            </p:stCondLst>
+                            <p:childTnLst>
+                              <p:par>
+                                <p:cTn id="39" presetID="1" presetClass="entr" presetSubtype="0" fill="hold" grpId="0" nodeType="clickEffect">
+                                  <p:stCondLst>
+                                    <p:cond delay="0"/>
+                                  </p:stCondLst>
+                                  <p:childTnLst>
+                                    <p:set>
+                                      <p:cBhvr>
+                                        <p:cTn id="40" dur="1" fill="hold">
+                                          <p:stCondLst>
+                                            <p:cond delay="0"/>
+                                          </p:stCondLst>
+                                        </p:cTn>
+                                        <p:tgtEl>
+                                          <p:spTgt spid="26"/>
+                                        </p:tgtEl>
+                                        <p:attrNameLst>
+                                          <p:attrName>style.visibility</p:attrName>
+                                        </p:attrNameLst>
+                                      </p:cBhvr>
+                                      <p:to>
+                                        <p:strVal val="visible"/>
+                                      </p:to>
+                                    </p:set>
+                                  </p:childTnLst>
+                                </p:cTn>
+                              </p:par>
+                              <p:par>
+                                <p:cTn id="41" presetID="1" presetClass="entr" presetSubtype="0" fill="hold" nodeType="withEffect">
+                                  <p:stCondLst>
+                                    <p:cond delay="0"/>
+                                  </p:stCondLst>
+                                  <p:childTnLst>
+                                    <p:set>
+                                      <p:cBhvr>
+                                        <p:cTn id="42" dur="1" fill="hold">
+                                          <p:stCondLst>
+                                            <p:cond delay="0"/>
+                                          </p:stCondLst>
+                                        </p:cTn>
+                                        <p:tgtEl>
+                                          <p:spTgt spid="22"/>
+                                        </p:tgtEl>
+                                        <p:attrNameLst>
+                                          <p:attrName>style.visibility</p:attrName>
+                                        </p:attrNameLst>
+                                      </p:cBhvr>
+                                      <p:to>
+                                        <p:strVal val="visible"/>
+                                      </p:to>
+                                    </p:set>
+                                  </p:childTnLst>
+                                </p:cTn>
+                              </p:par>
+                              <p:par>
+                                <p:cTn id="43" presetID="1" presetClass="entr" presetSubtype="0" fill="hold" nodeType="withEffect">
+                                  <p:stCondLst>
+                                    <p:cond delay="0"/>
+                                  </p:stCondLst>
+                                  <p:childTnLst>
+                                    <p:set>
+                                      <p:cBhvr>
+                                        <p:cTn id="44" dur="1" fill="hold">
+                                          <p:stCondLst>
+                                            <p:cond delay="0"/>
+                                          </p:stCondLst>
+                                        </p:cTn>
+                                        <p:tgtEl>
+                                          <p:spTgt spid="25"/>
                                         </p:tgtEl>
                                         <p:attrNameLst>
                                           <p:attrName>style.visibility</p:attrName>
@@ -19960,7 +20326,12 @@
       </p:par>
     </p:tnLst>
     <p:bldLst>
+      <p:bldP spid="2" grpId="0"/>
       <p:bldP spid="3" grpId="0"/>
+      <p:bldP spid="8" grpId="0" animBg="1"/>
+      <p:bldP spid="15" grpId="0" animBg="1"/>
+      <p:bldP spid="17" grpId="0" animBg="1"/>
+      <p:bldP spid="26" grpId="0" animBg="1"/>
     </p:bldLst>
   </p:timing>
 </p:sld>
@@ -19969,9 +20340,17 @@
 <file path=ppt/slides/slide16.xml><?xml version="1.0" encoding="utf-8"?>
 <p:sld xmlns:a="http://schemas.openxmlformats.org/drawingml/2006/main" xmlns:r="http://schemas.openxmlformats.org/officeDocument/2006/relationships" xmlns:p="http://schemas.openxmlformats.org/presentationml/2006/main">
   <p:cSld>
+    <p:bg>
+      <p:bgPr>
+        <a:solidFill>
+          <a:schemeClr val="bg1"/>
+        </a:solidFill>
+        <a:effectLst/>
+      </p:bgPr>
+    </p:bg>
     <p:spTree>
       <p:nvGrpSpPr>
-        <p:cNvPr id="1" name="Shape 212"/>
+        <p:cNvPr id="1" name="Shape 397"/>
         <p:cNvGrpSpPr/>
         <p:nvPr/>
       </p:nvGrpSpPr>
@@ -19985,73 +20364,14 @@
       </p:grpSpPr>
       <p:sp>
         <p:nvSpPr>
-          <p:cNvPr id="213" name="Shape 213"/>
-          <p:cNvSpPr txBox="1">
-            <a:spLocks noGrp="1"/>
-          </p:cNvSpPr>
-          <p:nvPr>
-            <p:ph type="title"/>
-          </p:nvPr>
-        </p:nvSpPr>
-        <p:spPr>
-          <a:xfrm>
-            <a:off x="1155700" y="241300"/>
-            <a:ext cx="13931900" cy="2298699"/>
-          </a:xfrm>
-          <a:prstGeom prst="rect">
-            <a:avLst/>
-          </a:prstGeom>
-          <a:noFill/>
-          <a:ln>
-            <a:noFill/>
-          </a:ln>
-        </p:spPr>
-        <p:txBody>
-          <a:bodyPr lIns="38100" tIns="38100" rIns="38100" bIns="38100" anchor="ctr" anchorCtr="0">
-            <a:noAutofit/>
-          </a:bodyPr>
-          <a:lstStyle/>
-          <a:p>
-            <a:pPr lvl="0">
-              <a:buClr>
-                <a:schemeClr val="lt1"/>
-              </a:buClr>
-              <a:buSzPct val="25000"/>
-            </a:pPr>
-            <a:r>
-              <a:rPr lang="ru-RU" sz="6600" dirty="0" smtClean="0">
-                <a:solidFill>
-                  <a:schemeClr val="bg2"/>
-                </a:solidFill>
-                <a:latin typeface="Cabin"/>
-                <a:ea typeface="Cabin"/>
-                <a:cs typeface="Cabin"/>
-                <a:sym typeface="Cabin"/>
-              </a:rPr>
-              <a:t>Лямбда выражения</a:t>
-            </a:r>
-            <a:endParaRPr lang="en-US" sz="6600" dirty="0">
-              <a:solidFill>
-                <a:schemeClr val="bg2"/>
-              </a:solidFill>
-              <a:latin typeface="Cabin"/>
-              <a:ea typeface="Cabin"/>
-              <a:cs typeface="Cabin"/>
-              <a:sym typeface="Cabin"/>
-            </a:endParaRPr>
-          </a:p>
-        </p:txBody>
-      </p:sp>
-      <p:sp>
-        <p:nvSpPr>
-          <p:cNvPr id="229" name="Shape 229"/>
+          <p:cNvPr id="398" name="Shape 398"/>
           <p:cNvSpPr txBox="1"/>
           <p:nvPr/>
         </p:nvSpPr>
         <p:spPr>
           <a:xfrm>
-            <a:off x="5038725" y="2997200"/>
-            <a:ext cx="1409700" cy="622299"/>
+            <a:off x="3276600" y="641139"/>
+            <a:ext cx="9918700" cy="660300"/>
           </a:xfrm>
           <a:prstGeom prst="rect">
             <a:avLst/>
@@ -20067,428 +20387,137 @@
           </a:bodyPr>
           <a:lstStyle/>
           <a:p>
-            <a:pPr marL="0" marR="0" lvl="0" indent="0" algn="ctr" defTabSz="914400" rtl="0" eaLnBrk="1" fontAlgn="auto" latinLnBrk="0" hangingPunct="1">
-              <a:lnSpc>
-                <a:spcPct val="100000"/>
-              </a:lnSpc>
-              <a:spcBef>
-                <a:spcPts val="0"/>
-              </a:spcBef>
-              <a:spcAft>
-                <a:spcPts val="0"/>
-              </a:spcAft>
+            <a:pPr lvl="0" algn="ctr">
               <a:buClr>
-                <a:srgbClr val="FFFFFF"/>
+                <a:srgbClr val="00FF00"/>
               </a:buClr>
               <a:buSzPct val="25000"/>
-              <a:buFont typeface="Cabin"/>
-              <a:buNone/>
-              <a:tabLst/>
               <a:defRPr/>
             </a:pPr>
             <a:r>
-              <a:rPr kumimoji="0" lang="en-US" sz="3600" b="0" i="0" u="none" strike="noStrike" kern="0" cap="none" spc="0" normalizeH="0" baseline="0" noProof="0">
-                <a:ln>
-                  <a:noFill/>
-                </a:ln>
+              <a:rPr lang="ru-RU" sz="4800" dirty="0" smtClean="0">
                 <a:solidFill>
-                  <a:srgbClr val="FFFFFF"/>
+                  <a:schemeClr val="bg2"/>
                 </a:solidFill>
-                <a:effectLst/>
-                <a:uLnTx/>
-                <a:uFillTx/>
                 <a:latin typeface="Cabin"/>
                 <a:ea typeface="Cabin"/>
                 <a:cs typeface="Cabin"/>
                 <a:sym typeface="Cabin"/>
               </a:rPr>
-              <a:t>hello():</a:t>
+              <a:t>Перечень стандартных </a:t>
             </a:r>
+            <a:r>
+              <a:rPr lang="ru-RU" sz="4800" dirty="0">
+                <a:solidFill>
+                  <a:schemeClr val="bg2"/>
+                </a:solidFill>
+                <a:latin typeface="Cabin"/>
+                <a:ea typeface="Cabin"/>
+                <a:cs typeface="Cabin"/>
+                <a:sym typeface="Cabin"/>
+              </a:rPr>
+              <a:t>исключений</a:t>
+            </a:r>
+            <a:endParaRPr kumimoji="0" lang="en-US" sz="4800" b="0" i="0" u="none" strike="noStrike" kern="0" cap="none" spc="0" normalizeH="0" baseline="0" noProof="0" dirty="0">
+              <a:ln>
+                <a:noFill/>
+              </a:ln>
+              <a:solidFill>
+                <a:schemeClr val="bg2"/>
+              </a:solidFill>
+              <a:effectLst/>
+              <a:uLnTx/>
+              <a:uFillTx/>
+              <a:latin typeface="Cabin"/>
+              <a:ea typeface="Cabin"/>
+              <a:cs typeface="Cabin"/>
+              <a:sym typeface="Cabin"/>
+            </a:endParaRPr>
           </a:p>
         </p:txBody>
       </p:sp>
-      <p:sp>
-        <p:nvSpPr>
-          <p:cNvPr id="2" name="Прямоугольник 1"/>
-          <p:cNvSpPr/>
+      <p:pic>
+        <p:nvPicPr>
+          <p:cNvPr id="4" name="Рисунок 3"/>
+          <p:cNvPicPr>
+            <a:picLocks noChangeAspect="1"/>
+          </p:cNvPicPr>
           <p:nvPr/>
-        </p:nvSpPr>
+        </p:nvPicPr>
+        <p:blipFill>
+          <a:blip r:embed="rId3"/>
+          <a:stretch>
+            <a:fillRect/>
+          </a:stretch>
+        </p:blipFill>
         <p:spPr>
           <a:xfrm>
-            <a:off x="1155700" y="2547049"/>
-            <a:ext cx="14046200" cy="1938992"/>
+            <a:off x="5997713" y="2019300"/>
+            <a:ext cx="10080488" cy="4267200"/>
+          </a:xfrm>
+          <a:prstGeom prst="rect">
+            <a:avLst/>
+          </a:prstGeom>
+          <a:solidFill>
+            <a:srgbClr val="FFFFFF">
+              <a:shade val="85000"/>
+            </a:srgbClr>
+          </a:solidFill>
+          <a:ln w="88900" cap="sq">
+            <a:solidFill>
+              <a:srgbClr val="FFFFFF"/>
+            </a:solidFill>
+            <a:miter lim="800000"/>
+          </a:ln>
+          <a:effectLst>
+            <a:outerShdw blurRad="55000" dist="18000" dir="5400000" algn="tl" rotWithShape="0">
+              <a:srgbClr val="000000">
+                <a:alpha val="40000"/>
+              </a:srgbClr>
+            </a:outerShdw>
+          </a:effectLst>
+          <a:scene3d>
+            <a:camera prst="orthographicFront"/>
+            <a:lightRig rig="twoPt" dir="t">
+              <a:rot lat="0" lon="0" rev="7200000"/>
+            </a:lightRig>
+          </a:scene3d>
+          <a:sp3d>
+            <a:bevelT w="25400" h="19050"/>
+            <a:contourClr>
+              <a:srgbClr val="FFFFFF"/>
+            </a:contourClr>
+          </a:sp3d>
+        </p:spPr>
+      </p:pic>
+      <p:pic>
+        <p:nvPicPr>
+          <p:cNvPr id="5" name="Рисунок 4"/>
+          <p:cNvPicPr>
+            <a:picLocks noChangeAspect="1"/>
+          </p:cNvPicPr>
+          <p:nvPr/>
+        </p:nvPicPr>
+        <p:blipFill>
+          <a:blip r:embed="rId4"/>
+          <a:stretch>
+            <a:fillRect/>
+          </a:stretch>
+        </p:blipFill>
+        <p:spPr>
+          <a:xfrm>
+            <a:off x="657424" y="2019300"/>
+            <a:ext cx="4663876" cy="9788555"/>
           </a:xfrm>
           <a:prstGeom prst="rect">
             <a:avLst/>
           </a:prstGeom>
         </p:spPr>
-        <p:txBody>
-          <a:bodyPr wrap="square">
-            <a:spAutoFit/>
-          </a:bodyPr>
-          <a:lstStyle/>
-          <a:p>
-            <a:pPr marL="0" marR="0" lvl="0" indent="0" algn="l" defTabSz="914400" rtl="0" eaLnBrk="1" fontAlgn="auto" latinLnBrk="0" hangingPunct="1">
-              <a:lnSpc>
-                <a:spcPct val="100000"/>
-              </a:lnSpc>
-              <a:spcBef>
-                <a:spcPts val="0"/>
-              </a:spcBef>
-              <a:spcAft>
-                <a:spcPts val="0"/>
-              </a:spcAft>
-              <a:buClrTx/>
-              <a:buSzTx/>
-              <a:buFontTx/>
-              <a:buNone/>
-              <a:tabLst/>
-              <a:defRPr/>
-            </a:pPr>
-            <a:r>
-              <a:rPr kumimoji="0" lang="ru-RU" sz="4000" b="0" i="0" u="none" strike="noStrike" kern="0" cap="none" spc="0" normalizeH="0" baseline="0" noProof="0" dirty="0">
-                <a:ln>
-                  <a:noFill/>
-                </a:ln>
-                <a:solidFill>
-                  <a:srgbClr val="00B050"/>
-                </a:solidFill>
-                <a:effectLst/>
-                <a:uLnTx/>
-                <a:uFillTx/>
-                <a:latin typeface="Arial"/>
-                <a:cs typeface="Arial"/>
-                <a:sym typeface="Arial"/>
-              </a:rPr>
-              <a:t>Лямбда-выражение</a:t>
-            </a:r>
-            <a:r>
-              <a:rPr kumimoji="0" lang="ru-RU" sz="4000" b="0" i="0" u="none" strike="noStrike" kern="0" cap="none" spc="0" normalizeH="0" baseline="0" noProof="0" dirty="0">
-                <a:ln>
-                  <a:noFill/>
-                </a:ln>
-                <a:solidFill>
-                  <a:srgbClr val="000000"/>
-                </a:solidFill>
-                <a:effectLst/>
-                <a:uLnTx/>
-                <a:uFillTx/>
-                <a:latin typeface="Arial"/>
-                <a:cs typeface="Arial"/>
-                <a:sym typeface="Arial"/>
-              </a:rPr>
-              <a:t> в программировании — специальный синтаксис для определения функциональных объектов, заимствованный из </a:t>
-            </a:r>
-            <a:r>
-              <a:rPr kumimoji="0" lang="ru-RU" sz="4000" b="0" i="0" u="none" strike="noStrike" kern="0" cap="none" spc="0" normalizeH="0" baseline="0" noProof="0" dirty="0">
-                <a:ln>
-                  <a:noFill/>
-                </a:ln>
-                <a:solidFill>
-                  <a:srgbClr val="00B050"/>
-                </a:solidFill>
-                <a:effectLst/>
-                <a:uLnTx/>
-                <a:uFillTx/>
-                <a:latin typeface="Arial"/>
-                <a:cs typeface="Arial"/>
-                <a:sym typeface="Arial"/>
-              </a:rPr>
-              <a:t>λ</a:t>
-            </a:r>
-            <a:r>
-              <a:rPr kumimoji="0" lang="ru-RU" sz="4000" b="0" i="0" u="none" strike="noStrike" kern="0" cap="none" spc="0" normalizeH="0" baseline="0" noProof="0" dirty="0">
-                <a:ln>
-                  <a:noFill/>
-                </a:ln>
-                <a:solidFill>
-                  <a:srgbClr val="000000"/>
-                </a:solidFill>
-                <a:effectLst/>
-                <a:uLnTx/>
-                <a:uFillTx/>
-                <a:latin typeface="Arial"/>
-                <a:cs typeface="Arial"/>
-                <a:sym typeface="Arial"/>
-              </a:rPr>
-              <a:t>-исчисления.</a:t>
-            </a:r>
-          </a:p>
-        </p:txBody>
-      </p:sp>
-      <p:sp>
-        <p:nvSpPr>
-          <p:cNvPr id="3" name="Прямоугольник 2"/>
-          <p:cNvSpPr/>
-          <p:nvPr/>
-        </p:nvSpPr>
-        <p:spPr>
-          <a:xfrm>
-            <a:off x="1155700" y="5415662"/>
-            <a:ext cx="13830300" cy="1815882"/>
-          </a:xfrm>
-          <a:prstGeom prst="rect">
-            <a:avLst/>
-          </a:prstGeom>
-        </p:spPr>
-        <p:txBody>
-          <a:bodyPr wrap="square">
-            <a:spAutoFit/>
-          </a:bodyPr>
-          <a:lstStyle/>
-          <a:p>
-            <a:pPr marL="0" marR="0" lvl="0" indent="0" algn="l" defTabSz="914400" rtl="0" eaLnBrk="1" fontAlgn="auto" latinLnBrk="0" hangingPunct="1">
-              <a:lnSpc>
-                <a:spcPct val="100000"/>
-              </a:lnSpc>
-              <a:spcBef>
-                <a:spcPts val="0"/>
-              </a:spcBef>
-              <a:spcAft>
-                <a:spcPts val="0"/>
-              </a:spcAft>
-              <a:buClrTx/>
-              <a:buSzTx/>
-              <a:buFontTx/>
-              <a:buNone/>
-              <a:tabLst/>
-              <a:defRPr/>
-            </a:pPr>
-            <a:r>
-              <a:rPr kumimoji="0" lang="ru-RU" sz="3600" b="0" i="0" u="none" strike="noStrike" kern="0" cap="none" spc="0" normalizeH="0" baseline="0" noProof="0" dirty="0" err="1">
-                <a:ln>
-                  <a:noFill/>
-                </a:ln>
-                <a:solidFill>
-                  <a:srgbClr val="00B050"/>
-                </a:solidFill>
-                <a:effectLst/>
-                <a:uLnTx/>
-                <a:uFillTx/>
-                <a:latin typeface="Arial"/>
-                <a:cs typeface="Arial"/>
-                <a:sym typeface="Arial"/>
-              </a:rPr>
-              <a:t>Ля́мбда-исчисле́ние</a:t>
-            </a:r>
-            <a:r>
-              <a:rPr kumimoji="0" lang="ru-RU" sz="3600" b="0" i="0" u="none" strike="noStrike" kern="0" cap="none" spc="0" normalizeH="0" baseline="0" noProof="0" dirty="0">
-                <a:ln>
-                  <a:noFill/>
-                </a:ln>
-                <a:solidFill>
-                  <a:srgbClr val="000000"/>
-                </a:solidFill>
-                <a:effectLst/>
-                <a:uLnTx/>
-                <a:uFillTx/>
-                <a:latin typeface="Arial"/>
-                <a:cs typeface="Arial"/>
-                <a:sym typeface="Arial"/>
-              </a:rPr>
-              <a:t> (</a:t>
-            </a:r>
-            <a:r>
-              <a:rPr kumimoji="0" lang="ru-RU" sz="4000" b="0" i="0" u="none" strike="noStrike" kern="0" cap="none" spc="0" normalizeH="0" baseline="0" noProof="0" dirty="0">
-                <a:ln>
-                  <a:noFill/>
-                </a:ln>
-                <a:solidFill>
-                  <a:srgbClr val="00B050"/>
-                </a:solidFill>
-                <a:effectLst/>
-                <a:uLnTx/>
-                <a:uFillTx/>
-                <a:latin typeface="Arial"/>
-                <a:cs typeface="Arial"/>
-                <a:sym typeface="Arial"/>
-              </a:rPr>
-              <a:t>λ</a:t>
-            </a:r>
-            <a:r>
-              <a:rPr kumimoji="0" lang="ru-RU" sz="4000" b="0" i="0" u="none" strike="noStrike" kern="0" cap="none" spc="0" normalizeH="0" baseline="0" noProof="0" dirty="0">
-                <a:ln>
-                  <a:noFill/>
-                </a:ln>
-                <a:solidFill>
-                  <a:srgbClr val="000000"/>
-                </a:solidFill>
-                <a:effectLst/>
-                <a:uLnTx/>
-                <a:uFillTx/>
-                <a:latin typeface="Arial"/>
-                <a:cs typeface="Arial"/>
-                <a:sym typeface="Arial"/>
-              </a:rPr>
-              <a:t>-исчисление</a:t>
-            </a:r>
-            <a:r>
-              <a:rPr kumimoji="0" lang="ru-RU" sz="3600" b="0" i="0" u="none" strike="noStrike" kern="0" cap="none" spc="0" normalizeH="0" baseline="0" noProof="0" dirty="0">
-                <a:ln>
-                  <a:noFill/>
-                </a:ln>
-                <a:solidFill>
-                  <a:srgbClr val="000000"/>
-                </a:solidFill>
-                <a:effectLst/>
-                <a:uLnTx/>
-                <a:uFillTx/>
-                <a:latin typeface="Arial"/>
-                <a:cs typeface="Arial"/>
-                <a:sym typeface="Arial"/>
-              </a:rPr>
-              <a:t>) — формальная система, разработанная американским математиком </a:t>
-            </a:r>
-            <a:r>
-              <a:rPr kumimoji="0" lang="ru-RU" sz="3600" b="0" i="0" u="none" strike="noStrike" kern="0" cap="none" spc="0" normalizeH="0" baseline="0" noProof="0" dirty="0" err="1">
-                <a:ln>
-                  <a:noFill/>
-                </a:ln>
-                <a:solidFill>
-                  <a:srgbClr val="0070C0"/>
-                </a:solidFill>
-                <a:effectLst/>
-                <a:uLnTx/>
-                <a:uFillTx/>
-                <a:latin typeface="Arial"/>
-                <a:cs typeface="Arial"/>
-                <a:sym typeface="Arial"/>
-              </a:rPr>
-              <a:t>Алонзо</a:t>
-            </a:r>
-            <a:r>
-              <a:rPr kumimoji="0" lang="ru-RU" sz="3600" b="0" i="0" u="none" strike="noStrike" kern="0" cap="none" spc="0" normalizeH="0" baseline="0" noProof="0" dirty="0">
-                <a:ln>
-                  <a:noFill/>
-                </a:ln>
-                <a:solidFill>
-                  <a:srgbClr val="0070C0"/>
-                </a:solidFill>
-                <a:effectLst/>
-                <a:uLnTx/>
-                <a:uFillTx/>
-                <a:latin typeface="Arial"/>
-                <a:cs typeface="Arial"/>
-                <a:sym typeface="Arial"/>
-              </a:rPr>
-              <a:t> </a:t>
-            </a:r>
-            <a:r>
-              <a:rPr kumimoji="0" lang="ru-RU" sz="3600" b="0" i="0" u="none" strike="noStrike" kern="0" cap="none" spc="0" normalizeH="0" baseline="0" noProof="0" dirty="0" err="1">
-                <a:ln>
-                  <a:noFill/>
-                </a:ln>
-                <a:solidFill>
-                  <a:srgbClr val="0070C0"/>
-                </a:solidFill>
-                <a:effectLst/>
-                <a:uLnTx/>
-                <a:uFillTx/>
-                <a:latin typeface="Arial"/>
-                <a:cs typeface="Arial"/>
-                <a:sym typeface="Arial"/>
-              </a:rPr>
-              <a:t>Чёрчем</a:t>
-            </a:r>
-            <a:r>
-              <a:rPr kumimoji="0" lang="ru-RU" sz="3600" b="0" i="0" u="none" strike="noStrike" kern="0" cap="none" spc="0" normalizeH="0" baseline="0" noProof="0" dirty="0">
-                <a:ln>
-                  <a:noFill/>
-                </a:ln>
-                <a:solidFill>
-                  <a:srgbClr val="000000"/>
-                </a:solidFill>
-                <a:effectLst/>
-                <a:uLnTx/>
-                <a:uFillTx/>
-                <a:latin typeface="Arial"/>
-                <a:cs typeface="Arial"/>
-                <a:sym typeface="Arial"/>
-              </a:rPr>
-              <a:t>, для формализации и анализа понятия вычислимости.</a:t>
-            </a:r>
-          </a:p>
-        </p:txBody>
-      </p:sp>
-      <p:sp>
-        <p:nvSpPr>
-          <p:cNvPr id="4" name="Прямоугольник 3"/>
-          <p:cNvSpPr/>
-          <p:nvPr/>
-        </p:nvSpPr>
-        <p:spPr>
-          <a:xfrm>
-            <a:off x="9026327" y="8177312"/>
-            <a:ext cx="6579045" cy="400110"/>
-          </a:xfrm>
-          <a:prstGeom prst="rect">
-            <a:avLst/>
-          </a:prstGeom>
-        </p:spPr>
-        <p:txBody>
-          <a:bodyPr wrap="none">
-            <a:spAutoFit/>
-          </a:bodyPr>
-          <a:lstStyle/>
-          <a:p>
-            <a:pPr marL="0" marR="0" lvl="0" indent="0" algn="l" defTabSz="914400" rtl="0" eaLnBrk="1" fontAlgn="auto" latinLnBrk="0" hangingPunct="1">
-              <a:lnSpc>
-                <a:spcPct val="100000"/>
-              </a:lnSpc>
-              <a:spcBef>
-                <a:spcPts val="0"/>
-              </a:spcBef>
-              <a:spcAft>
-                <a:spcPts val="0"/>
-              </a:spcAft>
-              <a:buClrTx/>
-              <a:buSzTx/>
-              <a:buFontTx/>
-              <a:buNone/>
-              <a:tabLst/>
-              <a:defRPr/>
-            </a:pPr>
-            <a:r>
-              <a:rPr kumimoji="0" lang="ru-RU" sz="2000" b="0" i="1" u="none" strike="noStrike" kern="0" cap="none" spc="0" normalizeH="0" baseline="0" noProof="0" dirty="0">
-                <a:ln>
-                  <a:noFill/>
-                </a:ln>
-                <a:solidFill>
-                  <a:srgbClr val="000000"/>
-                </a:solidFill>
-                <a:effectLst/>
-                <a:uLnTx/>
-                <a:uFillTx/>
-                <a:latin typeface="Arial"/>
-                <a:cs typeface="Arial"/>
-                <a:sym typeface="Arial"/>
-              </a:rPr>
-              <a:t>Материал</a:t>
-            </a:r>
-            <a:r>
-              <a:rPr kumimoji="0" lang="ru-RU" sz="2000" b="0" i="0" u="none" strike="noStrike" kern="0" cap="none" spc="0" normalizeH="0" baseline="0" noProof="0" dirty="0">
-                <a:ln>
-                  <a:noFill/>
-                </a:ln>
-                <a:solidFill>
-                  <a:srgbClr val="000000"/>
-                </a:solidFill>
-                <a:effectLst/>
-                <a:uLnTx/>
-                <a:uFillTx/>
-                <a:latin typeface="Arial"/>
-                <a:cs typeface="Arial"/>
-                <a:sym typeface="Arial"/>
-              </a:rPr>
-              <a:t> из Википедии — свободной энциклопедии</a:t>
-            </a:r>
-          </a:p>
-        </p:txBody>
-      </p:sp>
+      </p:pic>
     </p:spTree>
     <p:extLst>
       <p:ext uri="{BB962C8B-B14F-4D97-AF65-F5344CB8AC3E}">
-        <p14:creationId xmlns:p14="http://schemas.microsoft.com/office/powerpoint/2010/main" val="1488643196"/>
+        <p14:creationId xmlns:p14="http://schemas.microsoft.com/office/powerpoint/2010/main" val="3766970921"/>
       </p:ext>
     </p:extLst>
   </p:cSld>
@@ -20498,1286 +20527,120 @@
   <p:timing>
     <p:tnLst>
       <p:par>
-        <p:cTn id="1" dur="indefinite" restart="never" nodeType="tmRoot"/>
-      </p:par>
-    </p:tnLst>
-  </p:timing>
-</p:sld>
-</file>
-
-<file path=ppt/slides/slide17.xml><?xml version="1.0" encoding="utf-8"?>
-<p:sld xmlns:a="http://schemas.openxmlformats.org/drawingml/2006/main" xmlns:r="http://schemas.openxmlformats.org/officeDocument/2006/relationships" xmlns:p="http://schemas.openxmlformats.org/presentationml/2006/main">
-  <p:cSld>
-    <p:spTree>
-      <p:nvGrpSpPr>
-        <p:cNvPr id="1" name="Shape 212"/>
-        <p:cNvGrpSpPr/>
-        <p:nvPr/>
-      </p:nvGrpSpPr>
-      <p:grpSpPr>
-        <a:xfrm>
-          <a:off x="0" y="0"/>
-          <a:ext cx="0" cy="0"/>
-          <a:chOff x="0" y="0"/>
-          <a:chExt cx="0" cy="0"/>
-        </a:xfrm>
-      </p:grpSpPr>
-      <p:sp>
-        <p:nvSpPr>
-          <p:cNvPr id="213" name="Shape 213"/>
-          <p:cNvSpPr txBox="1">
-            <a:spLocks noGrp="1"/>
-          </p:cNvSpPr>
-          <p:nvPr>
-            <p:ph type="title"/>
-          </p:nvPr>
-        </p:nvSpPr>
-        <p:spPr>
-          <a:xfrm>
-            <a:off x="1155700" y="241300"/>
-            <a:ext cx="13931900" cy="2298699"/>
-          </a:xfrm>
-          <a:prstGeom prst="rect">
-            <a:avLst/>
-          </a:prstGeom>
-          <a:noFill/>
-          <a:ln>
-            <a:noFill/>
-          </a:ln>
-        </p:spPr>
-        <p:txBody>
-          <a:bodyPr lIns="38100" tIns="38100" rIns="38100" bIns="38100" anchor="ctr" anchorCtr="0">
-            <a:noAutofit/>
-          </a:bodyPr>
-          <a:lstStyle/>
-          <a:p>
-            <a:pPr lvl="0">
-              <a:buClr>
-                <a:schemeClr val="lt1"/>
-              </a:buClr>
-              <a:buSzPct val="25000"/>
-            </a:pPr>
-            <a:r>
-              <a:rPr lang="ru-RU" sz="6600" dirty="0" smtClean="0">
-                <a:solidFill>
-                  <a:schemeClr val="bg2"/>
-                </a:solidFill>
-                <a:latin typeface="Cabin"/>
-                <a:ea typeface="Cabin"/>
-                <a:cs typeface="Cabin"/>
-                <a:sym typeface="Cabin"/>
-              </a:rPr>
-              <a:t>Лямбда выражения</a:t>
-            </a:r>
-            <a:endParaRPr lang="en-US" sz="6600" dirty="0">
-              <a:solidFill>
-                <a:schemeClr val="bg2"/>
-              </a:solidFill>
-              <a:latin typeface="Cabin"/>
-              <a:ea typeface="Cabin"/>
-              <a:cs typeface="Cabin"/>
-              <a:sym typeface="Cabin"/>
-            </a:endParaRPr>
-          </a:p>
-        </p:txBody>
-      </p:sp>
-      <p:sp>
-        <p:nvSpPr>
-          <p:cNvPr id="229" name="Shape 229"/>
-          <p:cNvSpPr txBox="1"/>
-          <p:nvPr/>
-        </p:nvSpPr>
-        <p:spPr>
-          <a:xfrm>
-            <a:off x="5038725" y="2997200"/>
-            <a:ext cx="1409700" cy="622299"/>
-          </a:xfrm>
-          <a:prstGeom prst="rect">
-            <a:avLst/>
-          </a:prstGeom>
-          <a:noFill/>
-          <a:ln>
-            <a:noFill/>
-          </a:ln>
-        </p:spPr>
-        <p:txBody>
-          <a:bodyPr lIns="0" tIns="0" rIns="0" bIns="0" anchor="ctr" anchorCtr="0">
-            <a:noAutofit/>
-          </a:bodyPr>
-          <a:lstStyle/>
-          <a:p>
-            <a:pPr marL="0" marR="0" lvl="0" indent="0" algn="ctr" defTabSz="914400" rtl="0" eaLnBrk="1" fontAlgn="auto" latinLnBrk="0" hangingPunct="1">
-              <a:lnSpc>
-                <a:spcPct val="100000"/>
-              </a:lnSpc>
-              <a:spcBef>
-                <a:spcPts val="0"/>
-              </a:spcBef>
-              <a:spcAft>
-                <a:spcPts val="0"/>
-              </a:spcAft>
-              <a:buClr>
-                <a:srgbClr val="FFFFFF"/>
-              </a:buClr>
-              <a:buSzPct val="25000"/>
-              <a:buFont typeface="Cabin"/>
-              <a:buNone/>
-              <a:tabLst/>
-              <a:defRPr/>
-            </a:pPr>
-            <a:r>
-              <a:rPr kumimoji="0" lang="en-US" sz="3600" b="0" i="0" u="none" strike="noStrike" kern="0" cap="none" spc="0" normalizeH="0" baseline="0" noProof="0">
-                <a:ln>
-                  <a:noFill/>
-                </a:ln>
-                <a:solidFill>
-                  <a:srgbClr val="FFFFFF"/>
-                </a:solidFill>
-                <a:effectLst/>
-                <a:uLnTx/>
-                <a:uFillTx/>
-                <a:latin typeface="Cabin"/>
-                <a:ea typeface="Cabin"/>
-                <a:cs typeface="Cabin"/>
-                <a:sym typeface="Cabin"/>
-              </a:rPr>
-              <a:t>hello():</a:t>
-            </a:r>
-          </a:p>
-        </p:txBody>
-      </p:sp>
-      <p:sp>
-        <p:nvSpPr>
-          <p:cNvPr id="5" name="Прямоугольник 4"/>
-          <p:cNvSpPr/>
-          <p:nvPr/>
-        </p:nvSpPr>
-        <p:spPr>
-          <a:xfrm>
-            <a:off x="965200" y="2539999"/>
-            <a:ext cx="14782800" cy="5078313"/>
-          </a:xfrm>
-          <a:prstGeom prst="rect">
-            <a:avLst/>
-          </a:prstGeom>
-        </p:spPr>
-        <p:txBody>
-          <a:bodyPr wrap="square">
-            <a:spAutoFit/>
-          </a:bodyPr>
-          <a:lstStyle/>
-          <a:p>
-            <a:pPr marL="0" marR="0" lvl="0" indent="0" algn="l" defTabSz="914400" rtl="0" eaLnBrk="1" fontAlgn="auto" latinLnBrk="0" hangingPunct="1">
-              <a:lnSpc>
-                <a:spcPct val="100000"/>
-              </a:lnSpc>
-              <a:spcBef>
-                <a:spcPts val="0"/>
-              </a:spcBef>
-              <a:spcAft>
-                <a:spcPts val="0"/>
-              </a:spcAft>
-              <a:buClrTx/>
-              <a:buSzTx/>
-              <a:buFontTx/>
-              <a:buNone/>
-              <a:tabLst/>
-              <a:defRPr/>
-            </a:pPr>
-            <a:r>
-              <a:rPr kumimoji="0" lang="ru-RU" sz="3600" b="0" i="0" u="none" strike="noStrike" kern="0" cap="none" spc="0" normalizeH="0" baseline="0" noProof="0" dirty="0">
-                <a:ln>
-                  <a:noFill/>
-                </a:ln>
-                <a:solidFill>
-                  <a:srgbClr val="000000"/>
-                </a:solidFill>
-                <a:effectLst/>
-                <a:uLnTx/>
-                <a:uFillTx/>
-                <a:latin typeface="Arial"/>
-                <a:cs typeface="Arial"/>
-                <a:sym typeface="Arial"/>
-              </a:rPr>
-              <a:t>Выражение </a:t>
-            </a:r>
-            <a:r>
-              <a:rPr kumimoji="0" lang="ru-RU" sz="3600" b="0" i="0" u="none" strike="noStrike" kern="0" cap="none" spc="0" normalizeH="0" baseline="0" noProof="0" dirty="0" err="1">
-                <a:ln>
-                  <a:noFill/>
-                </a:ln>
-                <a:solidFill>
-                  <a:srgbClr val="00FF00"/>
-                </a:solidFill>
-                <a:effectLst/>
-                <a:uLnTx/>
-                <a:uFillTx/>
-                <a:latin typeface="Arial"/>
-                <a:cs typeface="Arial"/>
-                <a:sym typeface="Arial"/>
-              </a:rPr>
-              <a:t>lambda</a:t>
-            </a:r>
-            <a:r>
-              <a:rPr kumimoji="0" lang="ru-RU" sz="3600" b="0" i="0" u="none" strike="noStrike" kern="0" cap="none" spc="0" normalizeH="0" baseline="0" noProof="0" dirty="0">
-                <a:ln>
-                  <a:noFill/>
-                </a:ln>
-                <a:solidFill>
-                  <a:srgbClr val="00FF00"/>
-                </a:solidFill>
-                <a:effectLst/>
-                <a:uLnTx/>
-                <a:uFillTx/>
-                <a:latin typeface="Arial"/>
-                <a:cs typeface="Arial"/>
-                <a:sym typeface="Arial"/>
-              </a:rPr>
-              <a:t> </a:t>
-            </a:r>
-            <a:r>
-              <a:rPr kumimoji="0" lang="ru-RU" sz="3600" b="0" i="0" u="none" strike="noStrike" kern="0" cap="none" spc="0" normalizeH="0" baseline="0" noProof="0" dirty="0">
-                <a:ln>
-                  <a:noFill/>
-                </a:ln>
-                <a:solidFill>
-                  <a:srgbClr val="000000"/>
-                </a:solidFill>
-                <a:effectLst/>
-                <a:uLnTx/>
-                <a:uFillTx/>
-                <a:latin typeface="Arial"/>
-                <a:cs typeface="Arial"/>
-                <a:sym typeface="Arial"/>
-              </a:rPr>
-              <a:t>создает функцию, которая будет вызываться позднее, но в отличие от инструкции </a:t>
-            </a:r>
-            <a:r>
-              <a:rPr kumimoji="0" lang="ru-RU" sz="3600" b="0" i="0" u="none" strike="noStrike" kern="0" cap="none" spc="0" normalizeH="0" baseline="0" noProof="0" dirty="0" err="1">
-                <a:ln>
-                  <a:noFill/>
-                </a:ln>
-                <a:solidFill>
-                  <a:srgbClr val="333399"/>
-                </a:solidFill>
-                <a:effectLst/>
-                <a:uLnTx/>
-                <a:uFillTx/>
-                <a:latin typeface="Arial"/>
-                <a:cs typeface="Arial"/>
-                <a:sym typeface="Arial"/>
-              </a:rPr>
-              <a:t>def</a:t>
-            </a:r>
-            <a:r>
-              <a:rPr kumimoji="0" lang="ru-RU" sz="3600" b="0" i="0" u="none" strike="noStrike" kern="0" cap="none" spc="0" normalizeH="0" baseline="0" noProof="0" dirty="0">
-                <a:ln>
-                  <a:noFill/>
-                </a:ln>
-                <a:solidFill>
-                  <a:srgbClr val="000000"/>
-                </a:solidFill>
-                <a:effectLst/>
-                <a:uLnTx/>
-                <a:uFillTx/>
-                <a:latin typeface="Arial"/>
-                <a:cs typeface="Arial"/>
-                <a:sym typeface="Arial"/>
-              </a:rPr>
-              <a:t>, выражение </a:t>
-            </a:r>
-            <a:r>
-              <a:rPr kumimoji="0" lang="ru-RU" sz="3600" b="0" i="0" u="sng" strike="noStrike" kern="0" cap="none" spc="0" normalizeH="0" baseline="0" noProof="0" dirty="0">
-                <a:ln>
-                  <a:noFill/>
-                </a:ln>
-                <a:solidFill>
-                  <a:srgbClr val="000000"/>
-                </a:solidFill>
-                <a:effectLst/>
-                <a:uLnTx/>
-                <a:uFillTx/>
-                <a:latin typeface="Arial"/>
-                <a:cs typeface="Arial"/>
-                <a:sym typeface="Arial"/>
-              </a:rPr>
-              <a:t>возвращает</a:t>
-            </a:r>
-            <a:r>
-              <a:rPr kumimoji="0" lang="ru-RU" sz="3600" b="0" i="0" u="none" strike="noStrike" kern="0" cap="none" spc="0" normalizeH="0" baseline="0" noProof="0" dirty="0">
-                <a:ln>
-                  <a:noFill/>
-                </a:ln>
-                <a:solidFill>
-                  <a:srgbClr val="000000"/>
-                </a:solidFill>
-                <a:effectLst/>
-                <a:uLnTx/>
-                <a:uFillTx/>
-                <a:latin typeface="Arial"/>
-                <a:cs typeface="Arial"/>
-                <a:sym typeface="Arial"/>
-              </a:rPr>
-              <a:t> функцию, а не связывает ее с именем</a:t>
-            </a:r>
-            <a:r>
-              <a:rPr kumimoji="0" lang="ru-RU" sz="3600" b="0" i="0" u="none" strike="noStrike" kern="0" cap="none" spc="0" normalizeH="0" baseline="0" noProof="0" dirty="0" smtClean="0">
-                <a:ln>
-                  <a:noFill/>
-                </a:ln>
-                <a:solidFill>
-                  <a:srgbClr val="000000"/>
-                </a:solidFill>
-                <a:effectLst/>
-                <a:uLnTx/>
-                <a:uFillTx/>
-                <a:latin typeface="Arial"/>
-                <a:cs typeface="Arial"/>
-                <a:sym typeface="Arial"/>
-              </a:rPr>
-              <a:t>.</a:t>
-            </a:r>
-            <a:endParaRPr kumimoji="0" lang="en-US" sz="3600" b="0" i="0" u="none" strike="noStrike" kern="0" cap="none" spc="0" normalizeH="0" baseline="0" noProof="0" dirty="0" smtClean="0">
-              <a:ln>
-                <a:noFill/>
-              </a:ln>
-              <a:solidFill>
-                <a:srgbClr val="000000"/>
-              </a:solidFill>
-              <a:effectLst/>
-              <a:uLnTx/>
-              <a:uFillTx/>
-              <a:latin typeface="Arial"/>
-              <a:cs typeface="Arial"/>
-              <a:sym typeface="Arial"/>
-            </a:endParaRPr>
-          </a:p>
-          <a:p>
-            <a:pPr marL="0" marR="0" lvl="0" indent="0" algn="l" defTabSz="914400" rtl="0" eaLnBrk="1" fontAlgn="auto" latinLnBrk="0" hangingPunct="1">
-              <a:lnSpc>
-                <a:spcPct val="100000"/>
-              </a:lnSpc>
-              <a:spcBef>
-                <a:spcPts val="0"/>
-              </a:spcBef>
-              <a:spcAft>
-                <a:spcPts val="0"/>
-              </a:spcAft>
-              <a:buClrTx/>
-              <a:buSzTx/>
-              <a:buFontTx/>
-              <a:buNone/>
-              <a:tabLst/>
-              <a:defRPr/>
-            </a:pPr>
-            <a:endParaRPr kumimoji="0" lang="en-US" sz="3600" b="0" i="0" u="none" strike="noStrike" kern="0" cap="none" spc="0" normalizeH="0" baseline="0" noProof="0" dirty="0">
-              <a:ln>
-                <a:noFill/>
-              </a:ln>
-              <a:solidFill>
-                <a:srgbClr val="000000"/>
-              </a:solidFill>
-              <a:effectLst/>
-              <a:uLnTx/>
-              <a:uFillTx/>
-              <a:latin typeface="Arial"/>
-              <a:cs typeface="Arial"/>
-              <a:sym typeface="Arial"/>
-            </a:endParaRPr>
-          </a:p>
-          <a:p>
-            <a:pPr marL="0" marR="0" lvl="0" indent="0" algn="l" defTabSz="914400" rtl="0" eaLnBrk="1" fontAlgn="auto" latinLnBrk="0" hangingPunct="1">
-              <a:lnSpc>
-                <a:spcPct val="100000"/>
-              </a:lnSpc>
-              <a:spcBef>
-                <a:spcPts val="0"/>
-              </a:spcBef>
-              <a:spcAft>
-                <a:spcPts val="0"/>
-              </a:spcAft>
-              <a:buClrTx/>
-              <a:buSzTx/>
-              <a:buFontTx/>
-              <a:buNone/>
-              <a:tabLst/>
-              <a:defRPr/>
-            </a:pPr>
-            <a:endParaRPr kumimoji="0" lang="en-US" sz="3600" b="0" i="0" u="none" strike="noStrike" kern="0" cap="none" spc="0" normalizeH="0" baseline="0" noProof="0" dirty="0" smtClean="0">
-              <a:ln>
-                <a:noFill/>
-              </a:ln>
-              <a:solidFill>
-                <a:srgbClr val="000000"/>
-              </a:solidFill>
-              <a:effectLst/>
-              <a:uLnTx/>
-              <a:uFillTx/>
-              <a:latin typeface="Arial"/>
-              <a:cs typeface="Arial"/>
-              <a:sym typeface="Arial"/>
-            </a:endParaRPr>
-          </a:p>
-          <a:p>
-            <a:pPr marL="0" marR="0" lvl="0" indent="0" algn="l" defTabSz="914400" rtl="0" eaLnBrk="1" fontAlgn="auto" latinLnBrk="0" hangingPunct="1">
-              <a:lnSpc>
-                <a:spcPct val="100000"/>
-              </a:lnSpc>
-              <a:spcBef>
-                <a:spcPts val="0"/>
-              </a:spcBef>
-              <a:spcAft>
-                <a:spcPts val="0"/>
-              </a:spcAft>
-              <a:buClrTx/>
-              <a:buSzTx/>
-              <a:buFontTx/>
-              <a:buNone/>
-              <a:tabLst/>
-              <a:defRPr/>
-            </a:pPr>
-            <a:endParaRPr kumimoji="0" lang="en-US" sz="3600" b="0" i="0" u="none" strike="noStrike" kern="0" cap="none" spc="0" normalizeH="0" baseline="0" noProof="0" dirty="0">
-              <a:ln>
-                <a:noFill/>
-              </a:ln>
-              <a:solidFill>
-                <a:srgbClr val="000000"/>
-              </a:solidFill>
-              <a:effectLst/>
-              <a:uLnTx/>
-              <a:uFillTx/>
-              <a:latin typeface="Arial"/>
-              <a:cs typeface="Arial"/>
-              <a:sym typeface="Arial"/>
-            </a:endParaRPr>
-          </a:p>
-          <a:p>
-            <a:pPr marL="0" marR="0" lvl="0" indent="0" algn="l" defTabSz="914400" rtl="0" eaLnBrk="1" fontAlgn="auto" latinLnBrk="0" hangingPunct="1">
-              <a:lnSpc>
-                <a:spcPct val="100000"/>
-              </a:lnSpc>
-              <a:spcBef>
-                <a:spcPts val="0"/>
-              </a:spcBef>
-              <a:spcAft>
-                <a:spcPts val="0"/>
-              </a:spcAft>
-              <a:buClrTx/>
-              <a:buSzTx/>
-              <a:buFontTx/>
-              <a:buNone/>
-              <a:tabLst/>
-              <a:defRPr/>
-            </a:pPr>
-            <a:r>
-              <a:rPr kumimoji="0" lang="ru-RU" sz="3600" b="0" i="0" u="none" strike="noStrike" kern="0" cap="none" spc="0" normalizeH="0" baseline="0" noProof="0" dirty="0" err="1">
-                <a:ln>
-                  <a:noFill/>
-                </a:ln>
-                <a:solidFill>
-                  <a:srgbClr val="00FF00"/>
-                </a:solidFill>
-                <a:effectLst/>
-                <a:uLnTx/>
-                <a:uFillTx/>
-                <a:latin typeface="Arial"/>
-                <a:cs typeface="Arial"/>
-                <a:sym typeface="Arial"/>
-              </a:rPr>
-              <a:t>lambda</a:t>
-            </a:r>
-            <a:r>
-              <a:rPr kumimoji="0" lang="ru-RU" sz="3600" b="0" i="0" u="none" strike="noStrike" kern="0" cap="none" spc="0" normalizeH="0" baseline="0" noProof="0" dirty="0">
-                <a:ln>
-                  <a:noFill/>
-                </a:ln>
-                <a:solidFill>
-                  <a:srgbClr val="000000"/>
-                </a:solidFill>
-                <a:effectLst/>
-                <a:uLnTx/>
-                <a:uFillTx/>
-                <a:latin typeface="Arial"/>
-                <a:cs typeface="Arial"/>
-                <a:sym typeface="Arial"/>
-              </a:rPr>
-              <a:t> - анонимны, то есть без имени. На практике они часто используются, как способ получить встроенную функцию  или отложить выполнение  фрагмента программного кода.</a:t>
-            </a:r>
-          </a:p>
-        </p:txBody>
-      </p:sp>
-    </p:spTree>
-    <p:extLst>
-      <p:ext uri="{BB962C8B-B14F-4D97-AF65-F5344CB8AC3E}">
-        <p14:creationId xmlns:p14="http://schemas.microsoft.com/office/powerpoint/2010/main" val="1902760024"/>
-      </p:ext>
-    </p:extLst>
-  </p:cSld>
-  <p:clrMapOvr>
-    <a:masterClrMapping/>
-  </p:clrMapOvr>
-  <p:timing>
-    <p:tnLst>
-      <p:par>
-        <p:cTn id="1" dur="indefinite" restart="never" nodeType="tmRoot"/>
-      </p:par>
-    </p:tnLst>
-  </p:timing>
-</p:sld>
-</file>
-
-<file path=ppt/slides/slide18.xml><?xml version="1.0" encoding="utf-8"?>
-<p:sld xmlns:a="http://schemas.openxmlformats.org/drawingml/2006/main" xmlns:r="http://schemas.openxmlformats.org/officeDocument/2006/relationships" xmlns:p="http://schemas.openxmlformats.org/presentationml/2006/main">
-  <p:cSld>
-    <p:spTree>
-      <p:nvGrpSpPr>
-        <p:cNvPr id="1" name="Shape 212"/>
-        <p:cNvGrpSpPr/>
-        <p:nvPr/>
-      </p:nvGrpSpPr>
-      <p:grpSpPr>
-        <a:xfrm>
-          <a:off x="0" y="0"/>
-          <a:ext cx="0" cy="0"/>
-          <a:chOff x="0" y="0"/>
-          <a:chExt cx="0" cy="0"/>
-        </a:xfrm>
-      </p:grpSpPr>
-      <p:sp>
-        <p:nvSpPr>
-          <p:cNvPr id="213" name="Shape 213"/>
-          <p:cNvSpPr txBox="1">
-            <a:spLocks noGrp="1"/>
-          </p:cNvSpPr>
-          <p:nvPr>
-            <p:ph type="title"/>
-          </p:nvPr>
-        </p:nvSpPr>
-        <p:spPr>
-          <a:xfrm>
-            <a:off x="1155700" y="241300"/>
-            <a:ext cx="13931900" cy="2298699"/>
-          </a:xfrm>
-          <a:prstGeom prst="rect">
-            <a:avLst/>
-          </a:prstGeom>
-          <a:noFill/>
-          <a:ln>
-            <a:noFill/>
-          </a:ln>
-        </p:spPr>
-        <p:txBody>
-          <a:bodyPr lIns="38100" tIns="38100" rIns="38100" bIns="38100" anchor="ctr" anchorCtr="0">
-            <a:noAutofit/>
-          </a:bodyPr>
-          <a:lstStyle/>
-          <a:p>
-            <a:r>
-              <a:rPr lang="ru-RU" sz="6600" dirty="0"/>
-              <a:t>Различия </a:t>
-            </a:r>
-            <a:r>
-              <a:rPr lang="ru-RU" sz="6600" dirty="0" err="1"/>
-              <a:t>lambda</a:t>
-            </a:r>
-            <a:r>
-              <a:rPr lang="ru-RU" sz="6600" dirty="0"/>
-              <a:t> от </a:t>
-            </a:r>
-            <a:r>
-              <a:rPr lang="ru-RU" sz="6600" dirty="0" err="1" smtClean="0"/>
-              <a:t>def</a:t>
-            </a:r>
-            <a:endParaRPr lang="ru-RU" sz="6600" dirty="0"/>
-          </a:p>
-        </p:txBody>
-      </p:sp>
-      <p:sp>
-        <p:nvSpPr>
-          <p:cNvPr id="229" name="Shape 229"/>
-          <p:cNvSpPr txBox="1"/>
-          <p:nvPr/>
-        </p:nvSpPr>
-        <p:spPr>
-          <a:xfrm>
-            <a:off x="5038725" y="2997200"/>
-            <a:ext cx="1409700" cy="622299"/>
-          </a:xfrm>
-          <a:prstGeom prst="rect">
-            <a:avLst/>
-          </a:prstGeom>
-          <a:noFill/>
-          <a:ln>
-            <a:noFill/>
-          </a:ln>
-        </p:spPr>
-        <p:txBody>
-          <a:bodyPr lIns="0" tIns="0" rIns="0" bIns="0" anchor="ctr" anchorCtr="0">
-            <a:noAutofit/>
-          </a:bodyPr>
-          <a:lstStyle/>
-          <a:p>
-            <a:pPr marL="0" marR="0" lvl="0" indent="0" algn="ctr" defTabSz="914400" rtl="0" eaLnBrk="1" fontAlgn="auto" latinLnBrk="0" hangingPunct="1">
-              <a:lnSpc>
-                <a:spcPct val="100000"/>
-              </a:lnSpc>
-              <a:spcBef>
-                <a:spcPts val="0"/>
-              </a:spcBef>
-              <a:spcAft>
-                <a:spcPts val="0"/>
-              </a:spcAft>
-              <a:buClr>
-                <a:srgbClr val="FFFFFF"/>
-              </a:buClr>
-              <a:buSzPct val="25000"/>
-              <a:buFont typeface="Cabin"/>
-              <a:buNone/>
-              <a:tabLst/>
-              <a:defRPr/>
-            </a:pPr>
-            <a:r>
-              <a:rPr kumimoji="0" lang="en-US" sz="3600" b="0" i="0" u="none" strike="noStrike" kern="0" cap="none" spc="0" normalizeH="0" baseline="0" noProof="0">
-                <a:ln>
-                  <a:noFill/>
-                </a:ln>
-                <a:solidFill>
-                  <a:srgbClr val="FFFFFF"/>
-                </a:solidFill>
-                <a:effectLst/>
-                <a:uLnTx/>
-                <a:uFillTx/>
-                <a:latin typeface="Cabin"/>
-                <a:ea typeface="Cabin"/>
-                <a:cs typeface="Cabin"/>
-                <a:sym typeface="Cabin"/>
-              </a:rPr>
-              <a:t>hello():</a:t>
-            </a:r>
-          </a:p>
-        </p:txBody>
-      </p:sp>
-      <p:sp>
-        <p:nvSpPr>
-          <p:cNvPr id="5" name="Прямоугольник 4"/>
-          <p:cNvSpPr/>
-          <p:nvPr/>
-        </p:nvSpPr>
-        <p:spPr>
-          <a:xfrm>
-            <a:off x="965200" y="2539999"/>
-            <a:ext cx="14782800" cy="5632311"/>
-          </a:xfrm>
-          <a:prstGeom prst="rect">
-            <a:avLst/>
-          </a:prstGeom>
-        </p:spPr>
-        <p:txBody>
-          <a:bodyPr wrap="square">
-            <a:spAutoFit/>
-          </a:bodyPr>
-          <a:lstStyle/>
-          <a:p>
-            <a:pPr marL="0" marR="0" lvl="0" indent="0" algn="l" defTabSz="914400" rtl="0" eaLnBrk="1" fontAlgn="auto" latinLnBrk="0" hangingPunct="1">
-              <a:lnSpc>
-                <a:spcPct val="100000"/>
-              </a:lnSpc>
-              <a:spcBef>
-                <a:spcPts val="0"/>
-              </a:spcBef>
-              <a:spcAft>
-                <a:spcPts val="0"/>
-              </a:spcAft>
-              <a:buClrTx/>
-              <a:buSzTx/>
-              <a:buFontTx/>
-              <a:buNone/>
-              <a:tabLst/>
-              <a:defRPr/>
-            </a:pPr>
-            <a:r>
-              <a:rPr kumimoji="0" lang="ru-RU" sz="3600" b="0" i="0" u="none" strike="noStrike" kern="0" cap="none" spc="0" normalizeH="0" baseline="0" noProof="0" dirty="0" err="1" smtClean="0">
-                <a:ln>
-                  <a:noFill/>
-                </a:ln>
-                <a:solidFill>
-                  <a:srgbClr val="000000"/>
-                </a:solidFill>
-                <a:effectLst/>
-                <a:uLnTx/>
-                <a:uFillTx/>
-                <a:latin typeface="Arial"/>
-                <a:cs typeface="Arial"/>
-                <a:sym typeface="Arial"/>
-              </a:rPr>
-              <a:t>lambda</a:t>
-            </a:r>
-            <a:r>
-              <a:rPr kumimoji="0" lang="ru-RU" sz="3600" b="0" i="0" u="none" strike="noStrike" kern="0" cap="none" spc="0" normalizeH="0" baseline="0" noProof="0" dirty="0" smtClean="0">
-                <a:ln>
-                  <a:noFill/>
-                </a:ln>
-                <a:solidFill>
-                  <a:srgbClr val="000000"/>
-                </a:solidFill>
-                <a:effectLst/>
-                <a:uLnTx/>
-                <a:uFillTx/>
-                <a:latin typeface="Arial"/>
-                <a:cs typeface="Arial"/>
-                <a:sym typeface="Arial"/>
-              </a:rPr>
-              <a:t> </a:t>
-            </a:r>
-            <a:r>
-              <a:rPr kumimoji="0" lang="ru-RU" sz="3600" b="0" i="0" u="none" strike="noStrike" kern="0" cap="none" spc="0" normalizeH="0" baseline="0" noProof="0" dirty="0">
-                <a:ln>
-                  <a:noFill/>
-                </a:ln>
-                <a:solidFill>
-                  <a:srgbClr val="000000"/>
-                </a:solidFill>
-                <a:effectLst/>
-                <a:uLnTx/>
-                <a:uFillTx/>
-                <a:latin typeface="Arial"/>
-                <a:cs typeface="Arial"/>
-                <a:sym typeface="Arial"/>
-              </a:rPr>
-              <a:t>– это выражение, а не инструкция. По этой причине ключевое слово </a:t>
-            </a:r>
-            <a:r>
-              <a:rPr kumimoji="0" lang="ru-RU" sz="3600" b="0" i="0" u="none" strike="noStrike" kern="0" cap="none" spc="0" normalizeH="0" baseline="0" noProof="0" dirty="0" err="1">
-                <a:ln>
-                  <a:noFill/>
-                </a:ln>
-                <a:solidFill>
-                  <a:srgbClr val="000000"/>
-                </a:solidFill>
-                <a:effectLst/>
-                <a:uLnTx/>
-                <a:uFillTx/>
-                <a:latin typeface="Arial"/>
-                <a:cs typeface="Arial"/>
-                <a:sym typeface="Arial"/>
-              </a:rPr>
-              <a:t>lambda</a:t>
-            </a:r>
-            <a:r>
-              <a:rPr kumimoji="0" lang="ru-RU" sz="3600" b="0" i="0" u="none" strike="noStrike" kern="0" cap="none" spc="0" normalizeH="0" baseline="0" noProof="0" dirty="0">
-                <a:ln>
-                  <a:noFill/>
-                </a:ln>
-                <a:solidFill>
-                  <a:srgbClr val="000000"/>
-                </a:solidFill>
-                <a:effectLst/>
-                <a:uLnTx/>
-                <a:uFillTx/>
-                <a:latin typeface="Arial"/>
-                <a:cs typeface="Arial"/>
-                <a:sym typeface="Arial"/>
-              </a:rPr>
-              <a:t>  может  появляться там, где синтаксис  языка  </a:t>
-            </a:r>
-            <a:r>
-              <a:rPr kumimoji="0" lang="ru-RU" sz="3600" b="0" i="0" u="none" strike="noStrike" kern="0" cap="none" spc="0" normalizeH="0" baseline="0" noProof="0" dirty="0" err="1">
-                <a:ln>
-                  <a:noFill/>
-                </a:ln>
-                <a:solidFill>
-                  <a:srgbClr val="000000"/>
-                </a:solidFill>
-                <a:effectLst/>
-                <a:uLnTx/>
-                <a:uFillTx/>
-                <a:latin typeface="Arial"/>
-                <a:cs typeface="Arial"/>
-                <a:sym typeface="Arial"/>
-              </a:rPr>
-              <a:t>Python</a:t>
-            </a:r>
-            <a:r>
-              <a:rPr kumimoji="0" lang="ru-RU" sz="3600" b="0" i="0" u="none" strike="noStrike" kern="0" cap="none" spc="0" normalizeH="0" baseline="0" noProof="0" dirty="0">
-                <a:ln>
-                  <a:noFill/>
-                </a:ln>
-                <a:solidFill>
-                  <a:srgbClr val="000000"/>
-                </a:solidFill>
-                <a:effectLst/>
-                <a:uLnTx/>
-                <a:uFillTx/>
-                <a:latin typeface="Arial"/>
-                <a:cs typeface="Arial"/>
-                <a:sym typeface="Arial"/>
-              </a:rPr>
-              <a:t> не позволяет использовать инструкцию </a:t>
-            </a:r>
-            <a:r>
-              <a:rPr kumimoji="0" lang="ru-RU" sz="3600" b="0" i="0" u="none" strike="noStrike" kern="0" cap="none" spc="0" normalizeH="0" baseline="0" noProof="0" dirty="0" err="1">
-                <a:ln>
-                  <a:noFill/>
-                </a:ln>
-                <a:solidFill>
-                  <a:srgbClr val="000000"/>
-                </a:solidFill>
-                <a:effectLst/>
-                <a:uLnTx/>
-                <a:uFillTx/>
-                <a:latin typeface="Arial"/>
-                <a:cs typeface="Arial"/>
-                <a:sym typeface="Arial"/>
-              </a:rPr>
-              <a:t>def</a:t>
-            </a:r>
-            <a:r>
-              <a:rPr kumimoji="0" lang="ru-RU" sz="3600" b="0" i="0" u="none" strike="noStrike" kern="0" cap="none" spc="0" normalizeH="0" baseline="0" noProof="0" dirty="0">
-                <a:ln>
-                  <a:noFill/>
-                </a:ln>
-                <a:solidFill>
-                  <a:srgbClr val="000000"/>
-                </a:solidFill>
-                <a:effectLst/>
-                <a:uLnTx/>
-                <a:uFillTx/>
-                <a:latin typeface="Arial"/>
-                <a:cs typeface="Arial"/>
-                <a:sym typeface="Arial"/>
-              </a:rPr>
-              <a:t>, – внутри литералов или в вызовах функций, например.</a:t>
-            </a:r>
-          </a:p>
-          <a:p>
-            <a:pPr marL="0" marR="0" lvl="0" indent="0" algn="l" defTabSz="914400" rtl="0" eaLnBrk="1" fontAlgn="auto" latinLnBrk="0" hangingPunct="1">
-              <a:lnSpc>
-                <a:spcPct val="100000"/>
-              </a:lnSpc>
-              <a:spcBef>
-                <a:spcPts val="0"/>
-              </a:spcBef>
-              <a:spcAft>
-                <a:spcPts val="0"/>
-              </a:spcAft>
-              <a:buClrTx/>
-              <a:buSzTx/>
-              <a:buFontTx/>
-              <a:buNone/>
-              <a:tabLst/>
-              <a:defRPr/>
-            </a:pPr>
-            <a:endParaRPr kumimoji="0" lang="ru-RU" sz="3600" b="0" i="0" u="none" strike="noStrike" kern="0" cap="none" spc="0" normalizeH="0" baseline="0" noProof="0" dirty="0">
-              <a:ln>
-                <a:noFill/>
-              </a:ln>
-              <a:solidFill>
-                <a:srgbClr val="000000"/>
-              </a:solidFill>
-              <a:effectLst/>
-              <a:uLnTx/>
-              <a:uFillTx/>
-              <a:latin typeface="Arial"/>
-              <a:cs typeface="Arial"/>
-              <a:sym typeface="Arial"/>
-            </a:endParaRPr>
-          </a:p>
-          <a:p>
-            <a:pPr marL="0" marR="0" lvl="0" indent="0" algn="l" defTabSz="914400" rtl="0" eaLnBrk="1" fontAlgn="auto" latinLnBrk="0" hangingPunct="1">
-              <a:lnSpc>
-                <a:spcPct val="100000"/>
-              </a:lnSpc>
-              <a:spcBef>
-                <a:spcPts val="0"/>
-              </a:spcBef>
-              <a:spcAft>
-                <a:spcPts val="0"/>
-              </a:spcAft>
-              <a:buClrTx/>
-              <a:buSzTx/>
-              <a:buFontTx/>
-              <a:buNone/>
-              <a:tabLst/>
-              <a:defRPr/>
-            </a:pPr>
-            <a:r>
-              <a:rPr kumimoji="0" lang="en-US" sz="3600" b="0" i="0" u="none" strike="noStrike" kern="0" cap="none" spc="0" normalizeH="0" baseline="0" noProof="0" dirty="0" smtClean="0">
-                <a:ln>
-                  <a:noFill/>
-                </a:ln>
-                <a:solidFill>
-                  <a:srgbClr val="000000"/>
-                </a:solidFill>
-                <a:effectLst/>
-                <a:uLnTx/>
-                <a:uFillTx/>
-                <a:latin typeface="Arial"/>
-                <a:cs typeface="Arial"/>
-                <a:sym typeface="Arial"/>
-              </a:rPr>
-              <a:t>T</a:t>
-            </a:r>
-            <a:r>
-              <a:rPr kumimoji="0" lang="ru-RU" sz="3600" b="0" i="0" u="none" strike="noStrike" kern="0" cap="none" spc="0" normalizeH="0" baseline="0" noProof="0" dirty="0" smtClean="0">
-                <a:ln>
-                  <a:noFill/>
-                </a:ln>
-                <a:solidFill>
-                  <a:srgbClr val="000000"/>
-                </a:solidFill>
-                <a:effectLst/>
-                <a:uLnTx/>
-                <a:uFillTx/>
-                <a:latin typeface="Arial"/>
-                <a:cs typeface="Arial"/>
-                <a:sym typeface="Arial"/>
-              </a:rPr>
-              <a:t>ело  </a:t>
-            </a:r>
-            <a:r>
-              <a:rPr kumimoji="0" lang="ru-RU" sz="3600" b="0" i="0" u="none" strike="noStrike" kern="0" cap="none" spc="0" normalizeH="0" baseline="0" noProof="0" dirty="0" err="1">
-                <a:ln>
-                  <a:noFill/>
-                </a:ln>
-                <a:solidFill>
-                  <a:srgbClr val="000000"/>
-                </a:solidFill>
-                <a:effectLst/>
-                <a:uLnTx/>
-                <a:uFillTx/>
-                <a:latin typeface="Arial"/>
-                <a:cs typeface="Arial"/>
-                <a:sym typeface="Arial"/>
-              </a:rPr>
-              <a:t>lambda</a:t>
-            </a:r>
-            <a:r>
-              <a:rPr kumimoji="0" lang="ru-RU" sz="3600" b="0" i="0" u="none" strike="noStrike" kern="0" cap="none" spc="0" normalizeH="0" baseline="0" noProof="0" dirty="0">
-                <a:ln>
-                  <a:noFill/>
-                </a:ln>
-                <a:solidFill>
-                  <a:srgbClr val="000000"/>
-                </a:solidFill>
-                <a:effectLst/>
-                <a:uLnTx/>
-                <a:uFillTx/>
-                <a:latin typeface="Arial"/>
-                <a:cs typeface="Arial"/>
-                <a:sym typeface="Arial"/>
-              </a:rPr>
-              <a:t> – это не блок инструкций, а единственное выражение.  Тело</a:t>
-            </a:r>
-          </a:p>
-          <a:p>
-            <a:pPr marL="0" marR="0" lvl="0" indent="0" algn="l" defTabSz="914400" rtl="0" eaLnBrk="1" fontAlgn="auto" latinLnBrk="0" hangingPunct="1">
-              <a:lnSpc>
-                <a:spcPct val="100000"/>
-              </a:lnSpc>
-              <a:spcBef>
-                <a:spcPts val="0"/>
-              </a:spcBef>
-              <a:spcAft>
-                <a:spcPts val="0"/>
-              </a:spcAft>
-              <a:buClrTx/>
-              <a:buSzTx/>
-              <a:buFontTx/>
-              <a:buNone/>
-              <a:tabLst/>
-              <a:defRPr/>
-            </a:pPr>
-            <a:r>
-              <a:rPr kumimoji="0" lang="ru-RU" sz="3600" b="0" i="0" u="none" strike="noStrike" kern="0" cap="none" spc="0" normalizeH="0" baseline="0" noProof="0" dirty="0" err="1">
-                <a:ln>
-                  <a:noFill/>
-                </a:ln>
-                <a:solidFill>
-                  <a:srgbClr val="000000"/>
-                </a:solidFill>
-                <a:effectLst/>
-                <a:uLnTx/>
-                <a:uFillTx/>
-                <a:latin typeface="Arial"/>
-                <a:cs typeface="Arial"/>
-                <a:sym typeface="Arial"/>
-              </a:rPr>
-              <a:t>lambda</a:t>
-            </a:r>
-            <a:r>
-              <a:rPr kumimoji="0" lang="ru-RU" sz="3600" b="0" i="0" u="none" strike="noStrike" kern="0" cap="none" spc="0" normalizeH="0" baseline="0" noProof="0" dirty="0">
-                <a:ln>
-                  <a:noFill/>
-                </a:ln>
-                <a:solidFill>
-                  <a:srgbClr val="000000"/>
-                </a:solidFill>
-                <a:effectLst/>
-                <a:uLnTx/>
-                <a:uFillTx/>
-                <a:latin typeface="Arial"/>
-                <a:cs typeface="Arial"/>
-                <a:sym typeface="Arial"/>
-              </a:rPr>
-              <a:t>-выражения сродни тому, что вы помещаете в инструкцию </a:t>
-            </a:r>
-            <a:r>
-              <a:rPr kumimoji="0" lang="ru-RU" sz="3600" b="0" i="0" u="none" strike="noStrike" kern="0" cap="none" spc="0" normalizeH="0" baseline="0" noProof="0" dirty="0" err="1">
-                <a:ln>
-                  <a:noFill/>
-                </a:ln>
-                <a:solidFill>
-                  <a:srgbClr val="000000"/>
-                </a:solidFill>
-                <a:effectLst/>
-                <a:uLnTx/>
-                <a:uFillTx/>
-                <a:latin typeface="Arial"/>
-                <a:cs typeface="Arial"/>
-                <a:sym typeface="Arial"/>
-              </a:rPr>
-              <a:t>return</a:t>
-            </a:r>
-            <a:r>
-              <a:rPr kumimoji="0" lang="ru-RU" sz="3600" b="0" i="0" u="none" strike="noStrike" kern="0" cap="none" spc="0" normalizeH="0" baseline="0" noProof="0" dirty="0">
-                <a:ln>
-                  <a:noFill/>
-                </a:ln>
-                <a:solidFill>
-                  <a:srgbClr val="000000"/>
-                </a:solidFill>
-                <a:effectLst/>
-                <a:uLnTx/>
-                <a:uFillTx/>
-                <a:latin typeface="Arial"/>
-                <a:cs typeface="Arial"/>
-                <a:sym typeface="Arial"/>
-              </a:rPr>
-              <a:t> внутри определения </a:t>
-            </a:r>
-            <a:r>
-              <a:rPr kumimoji="0" lang="ru-RU" sz="3600" b="0" i="0" u="none" strike="noStrike" kern="0" cap="none" spc="0" normalizeH="0" baseline="0" noProof="0" dirty="0" err="1">
-                <a:ln>
-                  <a:noFill/>
-                </a:ln>
-                <a:solidFill>
-                  <a:srgbClr val="000000"/>
-                </a:solidFill>
-                <a:effectLst/>
-                <a:uLnTx/>
-                <a:uFillTx/>
-                <a:latin typeface="Arial"/>
-                <a:cs typeface="Arial"/>
-                <a:sym typeface="Arial"/>
-              </a:rPr>
-              <a:t>def</a:t>
-            </a:r>
-            <a:r>
-              <a:rPr kumimoji="0" lang="ru-RU" sz="3600" b="0" i="0" u="none" strike="noStrike" kern="0" cap="none" spc="0" normalizeH="0" baseline="0" noProof="0" dirty="0">
-                <a:ln>
-                  <a:noFill/>
-                </a:ln>
-                <a:solidFill>
-                  <a:srgbClr val="000000"/>
-                </a:solidFill>
-                <a:effectLst/>
-                <a:uLnTx/>
-                <a:uFillTx/>
-                <a:latin typeface="Arial"/>
-                <a:cs typeface="Arial"/>
-                <a:sym typeface="Arial"/>
-              </a:rPr>
-              <a:t>, – вы просто вводите результат в виде выражения вместо  его явного  возврата.</a:t>
-            </a:r>
-          </a:p>
-        </p:txBody>
-      </p:sp>
-    </p:spTree>
-    <p:extLst>
-      <p:ext uri="{BB962C8B-B14F-4D97-AF65-F5344CB8AC3E}">
-        <p14:creationId xmlns:p14="http://schemas.microsoft.com/office/powerpoint/2010/main" val="2750641273"/>
-      </p:ext>
-    </p:extLst>
-  </p:cSld>
-  <p:clrMapOvr>
-    <a:masterClrMapping/>
-  </p:clrMapOvr>
-  <p:timing>
-    <p:tnLst>
-      <p:par>
-        <p:cTn id="1" dur="indefinite" restart="never" nodeType="tmRoot"/>
-      </p:par>
-    </p:tnLst>
-  </p:timing>
-</p:sld>
-</file>
-
-<file path=ppt/slides/slide19.xml><?xml version="1.0" encoding="utf-8"?>
-<p:sld xmlns:a="http://schemas.openxmlformats.org/drawingml/2006/main" xmlns:r="http://schemas.openxmlformats.org/officeDocument/2006/relationships" xmlns:p="http://schemas.openxmlformats.org/presentationml/2006/main">
-  <p:cSld>
-    <p:spTree>
-      <p:nvGrpSpPr>
-        <p:cNvPr id="1" name="Shape 212"/>
-        <p:cNvGrpSpPr/>
-        <p:nvPr/>
-      </p:nvGrpSpPr>
-      <p:grpSpPr>
-        <a:xfrm>
-          <a:off x="0" y="0"/>
-          <a:ext cx="0" cy="0"/>
-          <a:chOff x="0" y="0"/>
-          <a:chExt cx="0" cy="0"/>
-        </a:xfrm>
-      </p:grpSpPr>
-      <p:sp>
-        <p:nvSpPr>
-          <p:cNvPr id="213" name="Shape 213"/>
-          <p:cNvSpPr txBox="1">
-            <a:spLocks noGrp="1"/>
-          </p:cNvSpPr>
-          <p:nvPr>
-            <p:ph type="title"/>
-          </p:nvPr>
-        </p:nvSpPr>
-        <p:spPr>
-          <a:xfrm>
-            <a:off x="1155700" y="241300"/>
-            <a:ext cx="13931900" cy="2298699"/>
-          </a:xfrm>
-          <a:prstGeom prst="rect">
-            <a:avLst/>
-          </a:prstGeom>
-          <a:noFill/>
-          <a:ln>
-            <a:noFill/>
-          </a:ln>
-        </p:spPr>
-        <p:txBody>
-          <a:bodyPr lIns="38100" tIns="38100" rIns="38100" bIns="38100" anchor="ctr" anchorCtr="0">
-            <a:noAutofit/>
-          </a:bodyPr>
-          <a:lstStyle/>
-          <a:p>
-            <a:pPr marL="0" marR="0" lvl="0" indent="0" algn="ctr" rtl="0">
-              <a:lnSpc>
-                <a:spcPct val="100000"/>
-              </a:lnSpc>
-              <a:spcBef>
-                <a:spcPts val="0"/>
-              </a:spcBef>
-              <a:spcAft>
-                <a:spcPts val="0"/>
-              </a:spcAft>
-              <a:buClr>
-                <a:schemeClr val="lt1"/>
-              </a:buClr>
-              <a:buSzPct val="25000"/>
-              <a:buFont typeface="Cabin"/>
-              <a:buNone/>
-            </a:pPr>
-            <a:r>
-              <a:rPr lang="ru-RU" sz="6600" dirty="0" smtClean="0">
-                <a:solidFill>
-                  <a:schemeClr val="bg2"/>
-                </a:solidFill>
-                <a:latin typeface="Cabin"/>
-                <a:ea typeface="Cabin"/>
-                <a:cs typeface="Cabin"/>
-                <a:sym typeface="Cabin"/>
-              </a:rPr>
-              <a:t>Функция как объект</a:t>
-            </a:r>
-            <a:endParaRPr lang="en-US" sz="6600" dirty="0">
-              <a:solidFill>
-                <a:schemeClr val="bg2"/>
-              </a:solidFill>
-              <a:latin typeface="Cabin"/>
-              <a:ea typeface="Cabin"/>
-              <a:cs typeface="Cabin"/>
-              <a:sym typeface="Cabin"/>
-            </a:endParaRPr>
-          </a:p>
-        </p:txBody>
-      </p:sp>
-      <p:sp>
-        <p:nvSpPr>
-          <p:cNvPr id="229" name="Shape 229"/>
-          <p:cNvSpPr txBox="1"/>
-          <p:nvPr/>
-        </p:nvSpPr>
-        <p:spPr>
-          <a:xfrm>
-            <a:off x="5038725" y="2997200"/>
-            <a:ext cx="1409700" cy="622299"/>
-          </a:xfrm>
-          <a:prstGeom prst="rect">
-            <a:avLst/>
-          </a:prstGeom>
-          <a:noFill/>
-          <a:ln>
-            <a:noFill/>
-          </a:ln>
-        </p:spPr>
-        <p:txBody>
-          <a:bodyPr lIns="0" tIns="0" rIns="0" bIns="0" anchor="ctr" anchorCtr="0">
-            <a:noAutofit/>
-          </a:bodyPr>
-          <a:lstStyle/>
-          <a:p>
-            <a:pPr marL="0" marR="0" lvl="0" indent="0" algn="ctr" defTabSz="914400" rtl="0" eaLnBrk="1" fontAlgn="auto" latinLnBrk="0" hangingPunct="1">
-              <a:lnSpc>
-                <a:spcPct val="100000"/>
-              </a:lnSpc>
-              <a:spcBef>
-                <a:spcPts val="0"/>
-              </a:spcBef>
-              <a:spcAft>
-                <a:spcPts val="0"/>
-              </a:spcAft>
-              <a:buClr>
-                <a:srgbClr val="FFFFFF"/>
-              </a:buClr>
-              <a:buSzPct val="25000"/>
-              <a:buFont typeface="Cabin"/>
-              <a:buNone/>
-              <a:tabLst/>
-              <a:defRPr/>
-            </a:pPr>
-            <a:r>
-              <a:rPr kumimoji="0" lang="en-US" sz="3600" b="0" i="0" u="none" strike="noStrike" kern="0" cap="none" spc="0" normalizeH="0" baseline="0" noProof="0">
-                <a:ln>
-                  <a:noFill/>
-                </a:ln>
-                <a:solidFill>
-                  <a:srgbClr val="FFFFFF"/>
-                </a:solidFill>
-                <a:effectLst/>
-                <a:uLnTx/>
-                <a:uFillTx/>
-                <a:latin typeface="Cabin"/>
-                <a:ea typeface="Cabin"/>
-                <a:cs typeface="Cabin"/>
-                <a:sym typeface="Cabin"/>
-              </a:rPr>
-              <a:t>hello():</a:t>
-            </a:r>
-          </a:p>
-        </p:txBody>
-      </p:sp>
-    </p:spTree>
-    <p:extLst>
-      <p:ext uri="{BB962C8B-B14F-4D97-AF65-F5344CB8AC3E}">
-        <p14:creationId xmlns:p14="http://schemas.microsoft.com/office/powerpoint/2010/main" val="346574028"/>
-      </p:ext>
-    </p:extLst>
-  </p:cSld>
-  <p:clrMapOvr>
-    <a:masterClrMapping/>
-  </p:clrMapOvr>
-  <p:timing>
-    <p:tnLst>
-      <p:par>
-        <p:cTn id="1" dur="indefinite" restart="never" nodeType="tmRoot"/>
+        <p:cTn id="1" dur="indefinite" restart="never" nodeType="tmRoot">
+          <p:childTnLst>
+            <p:seq concurrent="1" nextAc="seek">
+              <p:cTn id="2" dur="indefinite" nodeType="mainSeq">
+                <p:childTnLst>
+                  <p:par>
+                    <p:cTn id="3" fill="hold">
+                      <p:stCondLst>
+                        <p:cond delay="indefinite"/>
+                      </p:stCondLst>
+                      <p:childTnLst>
+                        <p:par>
+                          <p:cTn id="4" fill="hold">
+                            <p:stCondLst>
+                              <p:cond delay="0"/>
+                            </p:stCondLst>
+                            <p:childTnLst>
+                              <p:par>
+                                <p:cTn id="5" presetID="1" presetClass="entr" presetSubtype="0" fill="hold" nodeType="clickEffect">
+                                  <p:stCondLst>
+                                    <p:cond delay="0"/>
+                                  </p:stCondLst>
+                                  <p:childTnLst>
+                                    <p:set>
+                                      <p:cBhvr>
+                                        <p:cTn id="6" dur="1" fill="hold">
+                                          <p:stCondLst>
+                                            <p:cond delay="0"/>
+                                          </p:stCondLst>
+                                        </p:cTn>
+                                        <p:tgtEl>
+                                          <p:spTgt spid="4"/>
+                                        </p:tgtEl>
+                                        <p:attrNameLst>
+                                          <p:attrName>style.visibility</p:attrName>
+                                        </p:attrNameLst>
+                                      </p:cBhvr>
+                                      <p:to>
+                                        <p:strVal val="visible"/>
+                                      </p:to>
+                                    </p:set>
+                                  </p:childTnLst>
+                                </p:cTn>
+                              </p:par>
+                            </p:childTnLst>
+                          </p:cTn>
+                        </p:par>
+                      </p:childTnLst>
+                    </p:cTn>
+                  </p:par>
+                  <p:par>
+                    <p:cTn id="7" fill="hold">
+                      <p:stCondLst>
+                        <p:cond delay="indefinite"/>
+                      </p:stCondLst>
+                      <p:childTnLst>
+                        <p:par>
+                          <p:cTn id="8" fill="hold">
+                            <p:stCondLst>
+                              <p:cond delay="0"/>
+                            </p:stCondLst>
+                            <p:childTnLst>
+                              <p:par>
+                                <p:cTn id="9" presetID="1" presetClass="entr" presetSubtype="0" fill="hold" nodeType="clickEffect">
+                                  <p:stCondLst>
+                                    <p:cond delay="0"/>
+                                  </p:stCondLst>
+                                  <p:childTnLst>
+                                    <p:set>
+                                      <p:cBhvr>
+                                        <p:cTn id="10" dur="1" fill="hold">
+                                          <p:stCondLst>
+                                            <p:cond delay="0"/>
+                                          </p:stCondLst>
+                                        </p:cTn>
+                                        <p:tgtEl>
+                                          <p:spTgt spid="5"/>
+                                        </p:tgtEl>
+                                        <p:attrNameLst>
+                                          <p:attrName>style.visibility</p:attrName>
+                                        </p:attrNameLst>
+                                      </p:cBhvr>
+                                      <p:to>
+                                        <p:strVal val="visible"/>
+                                      </p:to>
+                                    </p:set>
+                                  </p:childTnLst>
+                                </p:cTn>
+                              </p:par>
+                            </p:childTnLst>
+                          </p:cTn>
+                        </p:par>
+                      </p:childTnLst>
+                    </p:cTn>
+                  </p:par>
+                </p:childTnLst>
+              </p:cTn>
+              <p:prevCondLst>
+                <p:cond evt="onPrev" delay="0">
+                  <p:tgtEl>
+                    <p:sldTgt/>
+                  </p:tgtEl>
+                </p:cond>
+              </p:prevCondLst>
+              <p:nextCondLst>
+                <p:cond evt="onNext" delay="0">
+                  <p:tgtEl>
+                    <p:sldTgt/>
+                  </p:tgtEl>
+                </p:cond>
+              </p:nextCondLst>
+            </p:seq>
+          </p:childTnLst>
+        </p:cTn>
       </p:par>
     </p:tnLst>
   </p:timing>
@@ -22579,400 +21442,6 @@
 </p:sld>
 </file>
 
-<file path=ppt/slides/slide20.xml><?xml version="1.0" encoding="utf-8"?>
-<p:sld xmlns:a="http://schemas.openxmlformats.org/drawingml/2006/main" xmlns:r="http://schemas.openxmlformats.org/officeDocument/2006/relationships" xmlns:p="http://schemas.openxmlformats.org/presentationml/2006/main">
-  <p:cSld>
-    <p:spTree>
-      <p:nvGrpSpPr>
-        <p:cNvPr id="1" name="Shape 212"/>
-        <p:cNvGrpSpPr/>
-        <p:nvPr/>
-      </p:nvGrpSpPr>
-      <p:grpSpPr>
-        <a:xfrm>
-          <a:off x="0" y="0"/>
-          <a:ext cx="0" cy="0"/>
-          <a:chOff x="0" y="0"/>
-          <a:chExt cx="0" cy="0"/>
-        </a:xfrm>
-      </p:grpSpPr>
-      <p:sp>
-        <p:nvSpPr>
-          <p:cNvPr id="213" name="Shape 213"/>
-          <p:cNvSpPr txBox="1">
-            <a:spLocks noGrp="1"/>
-          </p:cNvSpPr>
-          <p:nvPr>
-            <p:ph type="title"/>
-          </p:nvPr>
-        </p:nvSpPr>
-        <p:spPr>
-          <a:xfrm>
-            <a:off x="1155700" y="241300"/>
-            <a:ext cx="13931900" cy="2298699"/>
-          </a:xfrm>
-          <a:prstGeom prst="rect">
-            <a:avLst/>
-          </a:prstGeom>
-          <a:noFill/>
-          <a:ln>
-            <a:noFill/>
-          </a:ln>
-        </p:spPr>
-        <p:txBody>
-          <a:bodyPr lIns="38100" tIns="38100" rIns="38100" bIns="38100" anchor="ctr" anchorCtr="0">
-            <a:noAutofit/>
-          </a:bodyPr>
-          <a:lstStyle/>
-          <a:p>
-            <a:pPr marL="0" marR="0" lvl="0" indent="0" algn="ctr" rtl="0">
-              <a:lnSpc>
-                <a:spcPct val="100000"/>
-              </a:lnSpc>
-              <a:spcBef>
-                <a:spcPts val="0"/>
-              </a:spcBef>
-              <a:spcAft>
-                <a:spcPts val="0"/>
-              </a:spcAft>
-              <a:buClr>
-                <a:schemeClr val="lt1"/>
-              </a:buClr>
-              <a:buSzPct val="25000"/>
-              <a:buFont typeface="Cabin"/>
-              <a:buNone/>
-            </a:pPr>
-            <a:r>
-              <a:rPr lang="ru-RU" sz="6600" dirty="0" smtClean="0">
-                <a:solidFill>
-                  <a:schemeClr val="bg2"/>
-                </a:solidFill>
-                <a:latin typeface="Cabin"/>
-                <a:ea typeface="Cabin"/>
-                <a:cs typeface="Cabin"/>
-                <a:sym typeface="Cabin"/>
-              </a:rPr>
-              <a:t>Передача функции в другую функцию</a:t>
-            </a:r>
-            <a:endParaRPr lang="en-US" sz="6600" dirty="0">
-              <a:solidFill>
-                <a:schemeClr val="bg2"/>
-              </a:solidFill>
-              <a:latin typeface="Cabin"/>
-              <a:ea typeface="Cabin"/>
-              <a:cs typeface="Cabin"/>
-              <a:sym typeface="Cabin"/>
-            </a:endParaRPr>
-          </a:p>
-        </p:txBody>
-      </p:sp>
-      <p:sp>
-        <p:nvSpPr>
-          <p:cNvPr id="229" name="Shape 229"/>
-          <p:cNvSpPr txBox="1"/>
-          <p:nvPr/>
-        </p:nvSpPr>
-        <p:spPr>
-          <a:xfrm>
-            <a:off x="5038725" y="2997200"/>
-            <a:ext cx="1409700" cy="622299"/>
-          </a:xfrm>
-          <a:prstGeom prst="rect">
-            <a:avLst/>
-          </a:prstGeom>
-          <a:noFill/>
-          <a:ln>
-            <a:noFill/>
-          </a:ln>
-        </p:spPr>
-        <p:txBody>
-          <a:bodyPr lIns="0" tIns="0" rIns="0" bIns="0" anchor="ctr" anchorCtr="0">
-            <a:noAutofit/>
-          </a:bodyPr>
-          <a:lstStyle/>
-          <a:p>
-            <a:pPr marL="0" marR="0" lvl="0" indent="0" algn="ctr" defTabSz="914400" rtl="0" eaLnBrk="1" fontAlgn="auto" latinLnBrk="0" hangingPunct="1">
-              <a:lnSpc>
-                <a:spcPct val="100000"/>
-              </a:lnSpc>
-              <a:spcBef>
-                <a:spcPts val="0"/>
-              </a:spcBef>
-              <a:spcAft>
-                <a:spcPts val="0"/>
-              </a:spcAft>
-              <a:buClr>
-                <a:srgbClr val="FFFFFF"/>
-              </a:buClr>
-              <a:buSzPct val="25000"/>
-              <a:buFont typeface="Cabin"/>
-              <a:buNone/>
-              <a:tabLst/>
-              <a:defRPr/>
-            </a:pPr>
-            <a:r>
-              <a:rPr kumimoji="0" lang="en-US" sz="3600" b="0" i="0" u="none" strike="noStrike" kern="0" cap="none" spc="0" normalizeH="0" baseline="0" noProof="0">
-                <a:ln>
-                  <a:noFill/>
-                </a:ln>
-                <a:solidFill>
-                  <a:srgbClr val="FFFFFF"/>
-                </a:solidFill>
-                <a:effectLst/>
-                <a:uLnTx/>
-                <a:uFillTx/>
-                <a:latin typeface="Cabin"/>
-                <a:ea typeface="Cabin"/>
-                <a:cs typeface="Cabin"/>
-                <a:sym typeface="Cabin"/>
-              </a:rPr>
-              <a:t>hello():</a:t>
-            </a:r>
-          </a:p>
-        </p:txBody>
-      </p:sp>
-    </p:spTree>
-    <p:extLst>
-      <p:ext uri="{BB962C8B-B14F-4D97-AF65-F5344CB8AC3E}">
-        <p14:creationId xmlns:p14="http://schemas.microsoft.com/office/powerpoint/2010/main" val="3271378101"/>
-      </p:ext>
-    </p:extLst>
-  </p:cSld>
-  <p:clrMapOvr>
-    <a:masterClrMapping/>
-  </p:clrMapOvr>
-  <p:timing>
-    <p:tnLst>
-      <p:par>
-        <p:cTn id="1" dur="indefinite" restart="never" nodeType="tmRoot"/>
-      </p:par>
-    </p:tnLst>
-  </p:timing>
-</p:sld>
-</file>
-
-<file path=ppt/slides/slide21.xml><?xml version="1.0" encoding="utf-8"?>
-<p:sld xmlns:a="http://schemas.openxmlformats.org/drawingml/2006/main" xmlns:r="http://schemas.openxmlformats.org/officeDocument/2006/relationships" xmlns:p="http://schemas.openxmlformats.org/presentationml/2006/main">
-  <p:cSld>
-    <p:bg>
-      <p:bgPr>
-        <a:solidFill>
-          <a:schemeClr val="bg1"/>
-        </a:solidFill>
-        <a:effectLst/>
-      </p:bgPr>
-    </p:bg>
-    <p:spTree>
-      <p:nvGrpSpPr>
-        <p:cNvPr id="1" name="Shape 212"/>
-        <p:cNvGrpSpPr/>
-        <p:nvPr/>
-      </p:nvGrpSpPr>
-      <p:grpSpPr>
-        <a:xfrm>
-          <a:off x="0" y="0"/>
-          <a:ext cx="0" cy="0"/>
-          <a:chOff x="0" y="0"/>
-          <a:chExt cx="0" cy="0"/>
-        </a:xfrm>
-      </p:grpSpPr>
-      <p:sp>
-        <p:nvSpPr>
-          <p:cNvPr id="213" name="Shape 213"/>
-          <p:cNvSpPr txBox="1">
-            <a:spLocks noGrp="1"/>
-          </p:cNvSpPr>
-          <p:nvPr>
-            <p:ph type="title"/>
-          </p:nvPr>
-        </p:nvSpPr>
-        <p:spPr>
-          <a:xfrm>
-            <a:off x="1155700" y="241300"/>
-            <a:ext cx="13931900" cy="2298699"/>
-          </a:xfrm>
-          <a:prstGeom prst="rect">
-            <a:avLst/>
-          </a:prstGeom>
-          <a:noFill/>
-          <a:ln>
-            <a:noFill/>
-          </a:ln>
-        </p:spPr>
-        <p:txBody>
-          <a:bodyPr lIns="38100" tIns="38100" rIns="38100" bIns="38100" anchor="ctr" anchorCtr="0">
-            <a:noAutofit/>
-          </a:bodyPr>
-          <a:lstStyle/>
-          <a:p>
-            <a:r>
-              <a:rPr lang="ru-RU" sz="6600" dirty="0" smtClean="0"/>
-              <a:t>Вложенные функции. Замыкания</a:t>
-            </a:r>
-            <a:endParaRPr lang="ru-RU" sz="6600" dirty="0"/>
-          </a:p>
-        </p:txBody>
-      </p:sp>
-      <p:sp>
-        <p:nvSpPr>
-          <p:cNvPr id="229" name="Shape 229"/>
-          <p:cNvSpPr txBox="1"/>
-          <p:nvPr/>
-        </p:nvSpPr>
-        <p:spPr>
-          <a:xfrm>
-            <a:off x="5038725" y="2997200"/>
-            <a:ext cx="1409700" cy="622299"/>
-          </a:xfrm>
-          <a:prstGeom prst="rect">
-            <a:avLst/>
-          </a:prstGeom>
-          <a:noFill/>
-          <a:ln>
-            <a:noFill/>
-          </a:ln>
-        </p:spPr>
-        <p:txBody>
-          <a:bodyPr lIns="0" tIns="0" rIns="0" bIns="0" anchor="ctr" anchorCtr="0">
-            <a:noAutofit/>
-          </a:bodyPr>
-          <a:lstStyle/>
-          <a:p>
-            <a:pPr marL="0" marR="0" lvl="0" indent="0" algn="ctr" defTabSz="914400" rtl="0" eaLnBrk="1" fontAlgn="auto" latinLnBrk="0" hangingPunct="1">
-              <a:lnSpc>
-                <a:spcPct val="100000"/>
-              </a:lnSpc>
-              <a:spcBef>
-                <a:spcPts val="0"/>
-              </a:spcBef>
-              <a:spcAft>
-                <a:spcPts val="0"/>
-              </a:spcAft>
-              <a:buClr>
-                <a:srgbClr val="FFFFFF"/>
-              </a:buClr>
-              <a:buSzPct val="25000"/>
-              <a:buFont typeface="Cabin"/>
-              <a:buNone/>
-              <a:tabLst/>
-              <a:defRPr/>
-            </a:pPr>
-            <a:r>
-              <a:rPr kumimoji="0" lang="en-US" sz="3600" b="0" i="0" u="none" strike="noStrike" kern="0" cap="none" spc="0" normalizeH="0" baseline="0" noProof="0">
-                <a:ln>
-                  <a:noFill/>
-                </a:ln>
-                <a:solidFill>
-                  <a:srgbClr val="FFFFFF"/>
-                </a:solidFill>
-                <a:effectLst/>
-                <a:uLnTx/>
-                <a:uFillTx/>
-                <a:latin typeface="Cabin"/>
-                <a:ea typeface="Cabin"/>
-                <a:cs typeface="Cabin"/>
-                <a:sym typeface="Cabin"/>
-              </a:rPr>
-              <a:t>hello():</a:t>
-            </a:r>
-          </a:p>
-        </p:txBody>
-      </p:sp>
-    </p:spTree>
-    <p:extLst>
-      <p:ext uri="{BB962C8B-B14F-4D97-AF65-F5344CB8AC3E}">
-        <p14:creationId xmlns:p14="http://schemas.microsoft.com/office/powerpoint/2010/main" val="136280292"/>
-      </p:ext>
-    </p:extLst>
-  </p:cSld>
-  <p:clrMapOvr>
-    <a:masterClrMapping/>
-  </p:clrMapOvr>
-  <p:timing>
-    <p:tnLst>
-      <p:par>
-        <p:cTn id="1" dur="indefinite" restart="never" nodeType="tmRoot"/>
-      </p:par>
-    </p:tnLst>
-  </p:timing>
-</p:sld>
-</file>
-
-<file path=ppt/slides/slide22.xml><?xml version="1.0" encoding="utf-8"?>
-<p:sld xmlns:a="http://schemas.openxmlformats.org/drawingml/2006/main" xmlns:r="http://schemas.openxmlformats.org/officeDocument/2006/relationships" xmlns:p="http://schemas.openxmlformats.org/presentationml/2006/main">
-  <p:cSld>
-    <p:spTree>
-      <p:nvGrpSpPr>
-        <p:cNvPr id="1" name=""/>
-        <p:cNvGrpSpPr/>
-        <p:nvPr/>
-      </p:nvGrpSpPr>
-      <p:grpSpPr>
-        <a:xfrm>
-          <a:off x="0" y="0"/>
-          <a:ext cx="0" cy="0"/>
-          <a:chOff x="0" y="0"/>
-          <a:chExt cx="0" cy="0"/>
-        </a:xfrm>
-      </p:grpSpPr>
-      <p:sp>
-        <p:nvSpPr>
-          <p:cNvPr id="2" name="Заголовок 1"/>
-          <p:cNvSpPr>
-            <a:spLocks noGrp="1"/>
-          </p:cNvSpPr>
-          <p:nvPr>
-            <p:ph type="title"/>
-          </p:nvPr>
-        </p:nvSpPr>
-        <p:spPr/>
-        <p:txBody>
-          <a:bodyPr/>
-          <a:lstStyle/>
-          <a:p>
-            <a:endParaRPr lang="ru-RU"/>
-          </a:p>
-        </p:txBody>
-      </p:sp>
-      <p:sp>
-        <p:nvSpPr>
-          <p:cNvPr id="3" name="Текст 2"/>
-          <p:cNvSpPr>
-            <a:spLocks noGrp="1"/>
-          </p:cNvSpPr>
-          <p:nvPr>
-            <p:ph type="body" idx="1"/>
-          </p:nvPr>
-        </p:nvSpPr>
-        <p:spPr/>
-        <p:txBody>
-          <a:bodyPr/>
-          <a:lstStyle/>
-          <a:p>
-            <a:endParaRPr lang="ru-RU"/>
-          </a:p>
-        </p:txBody>
-      </p:sp>
-    </p:spTree>
-    <p:extLst>
-      <p:ext uri="{BB962C8B-B14F-4D97-AF65-F5344CB8AC3E}">
-        <p14:creationId xmlns:p14="http://schemas.microsoft.com/office/powerpoint/2010/main" val="2584262233"/>
-      </p:ext>
-    </p:extLst>
-  </p:cSld>
-  <p:clrMapOvr>
-    <a:masterClrMapping/>
-  </p:clrMapOvr>
-  <p:timing>
-    <p:tnLst>
-      <p:par>
-        <p:cTn id="1" dur="indefinite" restart="never" nodeType="tmRoot"/>
-      </p:par>
-    </p:tnLst>
-  </p:timing>
-</p:sld>
-</file>
-
 <file path=ppt/slides/slide3.xml><?xml version="1.0" encoding="utf-8"?>
 <p:sld xmlns:a="http://schemas.openxmlformats.org/drawingml/2006/main" xmlns:r="http://schemas.openxmlformats.org/officeDocument/2006/relationships" xmlns:p="http://schemas.openxmlformats.org/presentationml/2006/main">
   <p:cSld>
@@ -23147,43 +21616,7 @@
               <a:defRPr/>
             </a:pPr>
             <a:r>
-              <a:rPr lang="ru-RU" sz="2400" dirty="0">
-                <a:latin typeface="Cabin"/>
-                <a:ea typeface="Cabin"/>
-                <a:cs typeface="Cabin"/>
-                <a:sym typeface="Cabin"/>
-              </a:rPr>
-              <a:t> Н</a:t>
-            </a:r>
-            <a:r>
-              <a:rPr lang="ru-RU" sz="2400" dirty="0" smtClean="0">
-                <a:latin typeface="Cabin"/>
-                <a:ea typeface="Cabin"/>
-                <a:cs typeface="Cabin"/>
-                <a:sym typeface="Cabin"/>
-              </a:rPr>
-              <a:t>аписать </a:t>
-            </a:r>
-            <a:r>
-              <a:rPr lang="ru-RU" sz="2400" dirty="0">
-                <a:latin typeface="Cabin"/>
-                <a:ea typeface="Cabin"/>
-                <a:cs typeface="Cabin"/>
-                <a:sym typeface="Cabin"/>
-              </a:rPr>
-              <a:t>свою реализацию встроенных функций </a:t>
-            </a:r>
-            <a:r>
-              <a:rPr lang="ru-RU" sz="2400" dirty="0" err="1" smtClean="0">
-                <a:latin typeface="Cabin"/>
-                <a:ea typeface="Cabin"/>
-                <a:cs typeface="Cabin"/>
-                <a:sym typeface="Cabin"/>
-              </a:rPr>
-              <a:t>min</a:t>
-            </a:r>
-            <a:r>
-              <a:rPr lang="ru-RU" sz="2400" dirty="0" smtClean="0">
+              <a:rPr lang="ru-RU" sz="2800" dirty="0">
                 <a:latin typeface="Cabin"/>
                 <a:ea typeface="Cabin"/>
                 <a:cs typeface="Cabin"/>
@@ -23192,97 +21625,79 @@
               <a:t> </a:t>
             </a:r>
             <a:r>
-              <a:rPr lang="ru-RU" sz="2400" dirty="0">
-                <a:latin typeface="Cabin"/>
+              <a:rPr lang="ru-RU" sz="2800" dirty="0">
+                <a:latin typeface="+mn-lt"/>
                 <a:ea typeface="Cabin"/>
                 <a:cs typeface="Cabin"/>
                 <a:sym typeface="Cabin"/>
               </a:rPr>
-              <a:t>и max. Некоторые встроенные функции заблокированы здесь: </a:t>
+              <a:t>Н</a:t>
             </a:r>
             <a:r>
-              <a:rPr lang="ru-RU" sz="2400" dirty="0" err="1">
-                <a:latin typeface="Cabin"/>
+              <a:rPr lang="ru-RU" sz="2800" dirty="0" smtClean="0">
+                <a:latin typeface="+mn-lt"/>
                 <a:ea typeface="Cabin"/>
                 <a:cs typeface="Cabin"/>
                 <a:sym typeface="Cabin"/>
               </a:rPr>
-              <a:t>import</a:t>
+              <a:t>аписать </a:t>
             </a:r>
             <a:r>
-              <a:rPr lang="ru-RU" sz="2400" dirty="0">
-                <a:latin typeface="Cabin"/>
+              <a:rPr lang="ru-RU" sz="2800" dirty="0" smtClean="0">
+                <a:latin typeface="+mn-lt"/>
                 <a:ea typeface="Cabin"/>
                 <a:cs typeface="Cabin"/>
                 <a:sym typeface="Cabin"/>
               </a:rPr>
-              <a:t>, </a:t>
+              <a:t>функцию </a:t>
             </a:r>
             <a:r>
-              <a:rPr lang="ru-RU" sz="2400" dirty="0" err="1">
-                <a:latin typeface="Cabin"/>
+              <a:rPr lang="ru-RU" sz="2800" dirty="0" err="1" smtClean="0">
+                <a:latin typeface="+mn-lt"/>
                 <a:ea typeface="Cabin"/>
                 <a:cs typeface="Cabin"/>
                 <a:sym typeface="Cabin"/>
               </a:rPr>
-              <a:t>eval</a:t>
+              <a:t>min</a:t>
             </a:r>
             <a:r>
-              <a:rPr lang="ru-RU" sz="2400" dirty="0">
-                <a:latin typeface="Cabin"/>
+              <a:rPr lang="en-US" sz="2800" dirty="0" smtClean="0">
+                <a:latin typeface="+mn-lt"/>
                 <a:ea typeface="Cabin"/>
                 <a:cs typeface="Cabin"/>
                 <a:sym typeface="Cabin"/>
               </a:rPr>
-              <a:t>, </a:t>
+              <a:t>_</a:t>
             </a:r>
             <a:r>
-              <a:rPr lang="ru-RU" sz="2400" dirty="0" err="1">
-                <a:latin typeface="Cabin"/>
+              <a:rPr lang="ru-RU" sz="2800" dirty="0" smtClean="0">
+                <a:latin typeface="+mn-lt"/>
                 <a:ea typeface="Cabin"/>
                 <a:cs typeface="Cabin"/>
                 <a:sym typeface="Cabin"/>
               </a:rPr>
-              <a:t>exec</a:t>
+              <a:t>max, которая возвращает минимальное и максимальное значение (одновременно) из</a:t>
             </a:r>
             <a:r>
-              <a:rPr lang="ru-RU" sz="2400" dirty="0">
-                <a:latin typeface="Cabin"/>
+              <a:rPr lang="en-US" sz="2800" dirty="0" smtClean="0">
+                <a:latin typeface="+mn-lt"/>
                 <a:ea typeface="Cabin"/>
                 <a:cs typeface="Cabin"/>
                 <a:sym typeface="Cabin"/>
               </a:rPr>
-              <a:t>, </a:t>
+              <a:t> </a:t>
             </a:r>
             <a:r>
-              <a:rPr lang="ru-RU" sz="2400" dirty="0" err="1">
-                <a:latin typeface="Cabin"/>
+              <a:rPr lang="ru-RU" sz="2800" dirty="0" smtClean="0">
+                <a:latin typeface="+mn-lt"/>
                 <a:ea typeface="Cabin"/>
                 <a:cs typeface="Cabin"/>
                 <a:sym typeface="Cabin"/>
               </a:rPr>
-              <a:t>globals</a:t>
+              <a:t>позиционных аргументов.</a:t>
             </a:r>
-            <a:r>
-              <a:rPr lang="ru-RU" sz="2400" dirty="0">
-                <a:latin typeface="Cabin"/>
-                <a:ea typeface="Cabin"/>
-                <a:cs typeface="Cabin"/>
-                <a:sym typeface="Cabin"/>
-              </a:rPr>
-              <a:t>. Не забудьте, что в этой задаче вам нужно реализовать две функции, а не одну как обычно.</a:t>
-            </a:r>
-          </a:p>
-          <a:p>
-            <a:pPr lvl="0">
-              <a:buClr>
-                <a:srgbClr val="FFFFFF"/>
-              </a:buClr>
-              <a:buSzPct val="25000"/>
-              <a:defRPr/>
-            </a:pPr>
-            <a:endParaRPr lang="ru-RU" sz="2400" dirty="0">
-              <a:latin typeface="Cabin"/>
+            <a:endParaRPr lang="ru-RU" sz="2800" dirty="0">
+              <a:latin typeface="+mn-lt"/>
               <a:ea typeface="Cabin"/>
               <a:cs typeface="Cabin"/>
               <a:sym typeface="Cabin"/>
@@ -23296,80 +21711,8 @@
               <a:buSzPct val="25000"/>
               <a:defRPr/>
             </a:pPr>
-            <a:r>
-              <a:rPr lang="ru-RU" sz="2400" dirty="0" smtClean="0">
-                <a:latin typeface="Cabin"/>
-                <a:ea typeface="Cabin"/>
-                <a:cs typeface="Cabin"/>
-                <a:sym typeface="Cabin"/>
-              </a:rPr>
-              <a:t>max(</a:t>
-            </a:r>
-            <a:r>
-              <a:rPr lang="en-US" sz="2400" dirty="0" smtClean="0">
-                <a:latin typeface="Cabin"/>
-                <a:ea typeface="Cabin"/>
-                <a:cs typeface="Cabin"/>
-                <a:sym typeface="Cabin"/>
-              </a:rPr>
-              <a:t>*</a:t>
-            </a:r>
-            <a:r>
-              <a:rPr lang="en-US" sz="2400" dirty="0" err="1" smtClean="0">
-                <a:latin typeface="Cabin"/>
-                <a:ea typeface="Cabin"/>
-                <a:cs typeface="Cabin"/>
-                <a:sym typeface="Cabin"/>
-              </a:rPr>
-              <a:t>args</a:t>
-            </a:r>
-            <a:r>
-              <a:rPr lang="ru-RU" sz="2400" dirty="0" smtClean="0">
-                <a:latin typeface="Cabin"/>
-                <a:ea typeface="Cabin"/>
-                <a:cs typeface="Cabin"/>
-                <a:sym typeface="Cabin"/>
-              </a:rPr>
-              <a:t>) </a:t>
-            </a:r>
-          </a:p>
-          <a:p>
-            <a:pPr lvl="0">
-              <a:buClr>
-                <a:srgbClr val="FFFFFF"/>
-              </a:buClr>
-              <a:buSzPct val="25000"/>
-              <a:defRPr/>
-            </a:pPr>
-            <a:r>
-              <a:rPr lang="ru-RU" sz="2400" dirty="0" smtClean="0">
-                <a:latin typeface="Cabin"/>
-                <a:ea typeface="Cabin"/>
-                <a:cs typeface="Cabin"/>
-                <a:sym typeface="Cabin"/>
-              </a:rPr>
-              <a:t>max(*</a:t>
-            </a:r>
-            <a:r>
-              <a:rPr lang="ru-RU" sz="2400" dirty="0" err="1" smtClean="0">
-                <a:latin typeface="Cabin"/>
-                <a:ea typeface="Cabin"/>
-                <a:cs typeface="Cabin"/>
-                <a:sym typeface="Cabin"/>
-              </a:rPr>
-              <a:t>args</a:t>
-            </a:r>
-            <a:r>
-              <a:rPr lang="ru-RU" sz="2400" dirty="0" smtClean="0">
-                <a:latin typeface="Cabin"/>
-                <a:ea typeface="Cabin"/>
-                <a:cs typeface="Cabin"/>
-                <a:sym typeface="Cabin"/>
-              </a:rPr>
-              <a:t>)</a:t>
-            </a:r>
-            <a:endParaRPr lang="ru-RU" sz="2400" dirty="0">
-              <a:latin typeface="Cabin"/>
+            <a:endParaRPr lang="ru-RU" sz="2800" dirty="0">
+              <a:latin typeface="+mn-lt"/>
               <a:ea typeface="Cabin"/>
               <a:cs typeface="Cabin"/>
               <a:sym typeface="Cabin"/>
@@ -23383,8 +21726,242 @@
               <a:buSzPct val="25000"/>
               <a:defRPr/>
             </a:pPr>
-            <a:endParaRPr lang="ru-RU" sz="2400" dirty="0">
-              <a:latin typeface="Cabin"/>
+            <a:r>
+              <a:rPr lang="en-US" sz="2800" dirty="0" smtClean="0">
+                <a:latin typeface="Courier New" panose="02070309020205020404" pitchFamily="49" charset="0"/>
+                <a:ea typeface="Cabin"/>
+                <a:cs typeface="Courier New" panose="02070309020205020404" pitchFamily="49" charset="0"/>
+                <a:sym typeface="Cabin"/>
+              </a:rPr>
+              <a:t>&gt;&gt;&gt; min_</a:t>
+            </a:r>
+            <a:r>
+              <a:rPr lang="ru-RU" sz="2800" dirty="0" smtClean="0">
+                <a:latin typeface="Courier New" panose="02070309020205020404" pitchFamily="49" charset="0"/>
+                <a:ea typeface="Cabin"/>
+                <a:cs typeface="Courier New" panose="02070309020205020404" pitchFamily="49" charset="0"/>
+                <a:sym typeface="Cabin"/>
+              </a:rPr>
+              <a:t>max(</a:t>
+            </a:r>
+            <a:r>
+              <a:rPr lang="en-US" sz="2800" dirty="0" smtClean="0">
+                <a:latin typeface="Courier New" panose="02070309020205020404" pitchFamily="49" charset="0"/>
+                <a:ea typeface="Cabin"/>
+                <a:cs typeface="Courier New" panose="02070309020205020404" pitchFamily="49" charset="0"/>
+                <a:sym typeface="Cabin"/>
+              </a:rPr>
+              <a:t>1</a:t>
+            </a:r>
+            <a:r>
+              <a:rPr lang="ru-RU" sz="2800" dirty="0" smtClean="0">
+                <a:latin typeface="Courier New" panose="02070309020205020404" pitchFamily="49" charset="0"/>
+                <a:ea typeface="Cabin"/>
+                <a:cs typeface="Courier New" panose="02070309020205020404" pitchFamily="49" charset="0"/>
+                <a:sym typeface="Cabin"/>
+              </a:rPr>
+              <a:t>) </a:t>
+            </a:r>
+            <a:endParaRPr lang="ru-RU" sz="2800" dirty="0" smtClean="0">
+              <a:latin typeface="Courier New" panose="02070309020205020404" pitchFamily="49" charset="0"/>
+              <a:ea typeface="Cabin"/>
+              <a:cs typeface="Courier New" panose="02070309020205020404" pitchFamily="49" charset="0"/>
+              <a:sym typeface="Cabin"/>
+            </a:endParaRPr>
+          </a:p>
+          <a:p>
+            <a:pPr lvl="0">
+              <a:buClr>
+                <a:srgbClr val="FFFFFF"/>
+              </a:buClr>
+              <a:buSzPct val="25000"/>
+              <a:defRPr/>
+            </a:pPr>
+            <a:r>
+              <a:rPr lang="en-US" sz="2800" dirty="0" smtClean="0">
+                <a:latin typeface="Courier New" panose="02070309020205020404" pitchFamily="49" charset="0"/>
+                <a:ea typeface="Cabin"/>
+                <a:cs typeface="Courier New" panose="02070309020205020404" pitchFamily="49" charset="0"/>
+                <a:sym typeface="Cabin"/>
+              </a:rPr>
+              <a:t>(1, 1)</a:t>
+            </a:r>
+            <a:endParaRPr lang="ru-RU" sz="2800" dirty="0">
+              <a:latin typeface="Courier New" panose="02070309020205020404" pitchFamily="49" charset="0"/>
+              <a:ea typeface="Cabin"/>
+              <a:cs typeface="Courier New" panose="02070309020205020404" pitchFamily="49" charset="0"/>
+              <a:sym typeface="Cabin"/>
+            </a:endParaRPr>
+          </a:p>
+          <a:p>
+            <a:pPr lvl="0">
+              <a:buClr>
+                <a:srgbClr val="FFFFFF"/>
+              </a:buClr>
+              <a:buSzPct val="25000"/>
+              <a:defRPr/>
+            </a:pPr>
+            <a:r>
+              <a:rPr lang="en-US" sz="2800" dirty="0" smtClean="0">
+                <a:latin typeface="Courier New" panose="02070309020205020404" pitchFamily="49" charset="0"/>
+                <a:ea typeface="Cabin"/>
+                <a:cs typeface="Courier New" panose="02070309020205020404" pitchFamily="49" charset="0"/>
+                <a:sym typeface="Cabin"/>
+              </a:rPr>
+              <a:t>&gt;&gt;&gt; </a:t>
+            </a:r>
+            <a:r>
+              <a:rPr lang="en-US" sz="2800" dirty="0">
+                <a:latin typeface="Courier New" panose="02070309020205020404" pitchFamily="49" charset="0"/>
+                <a:ea typeface="Cabin"/>
+                <a:cs typeface="Courier New" panose="02070309020205020404" pitchFamily="49" charset="0"/>
+                <a:sym typeface="Cabin"/>
+              </a:rPr>
+              <a:t>min_</a:t>
+            </a:r>
+            <a:r>
+              <a:rPr lang="ru-RU" sz="2800" dirty="0">
+                <a:latin typeface="Courier New" panose="02070309020205020404" pitchFamily="49" charset="0"/>
+                <a:ea typeface="Cabin"/>
+                <a:cs typeface="Courier New" panose="02070309020205020404" pitchFamily="49" charset="0"/>
+                <a:sym typeface="Cabin"/>
+              </a:rPr>
+              <a:t>max(</a:t>
+            </a:r>
+            <a:r>
+              <a:rPr lang="en-US" sz="2800" dirty="0" smtClean="0">
+                <a:latin typeface="Courier New" panose="02070309020205020404" pitchFamily="49" charset="0"/>
+                <a:ea typeface="Cabin"/>
+                <a:cs typeface="Courier New" panose="02070309020205020404" pitchFamily="49" charset="0"/>
+                <a:sym typeface="Cabin"/>
+              </a:rPr>
+              <a:t>1, 2, 0, </a:t>
+            </a:r>
+            <a:r>
+              <a:rPr lang="en-US" sz="2800" dirty="0" smtClean="0">
+                <a:solidFill>
+                  <a:srgbClr val="FF0000"/>
+                </a:solidFill>
+                <a:latin typeface="Courier New" panose="02070309020205020404" pitchFamily="49" charset="0"/>
+                <a:ea typeface="Cabin"/>
+                <a:cs typeface="Courier New" panose="02070309020205020404" pitchFamily="49" charset="0"/>
+                <a:sym typeface="Cabin"/>
+              </a:rPr>
+              <a:t>-5</a:t>
+            </a:r>
+            <a:r>
+              <a:rPr lang="en-US" sz="2800" dirty="0" smtClean="0">
+                <a:latin typeface="Courier New" panose="02070309020205020404" pitchFamily="49" charset="0"/>
+                <a:ea typeface="Cabin"/>
+                <a:cs typeface="Courier New" panose="02070309020205020404" pitchFamily="49" charset="0"/>
+                <a:sym typeface="Cabin"/>
+              </a:rPr>
+              <a:t>, </a:t>
+            </a:r>
+            <a:r>
+              <a:rPr lang="en-US" sz="2800" dirty="0" smtClean="0">
+                <a:solidFill>
+                  <a:srgbClr val="00B050"/>
+                </a:solidFill>
+                <a:latin typeface="Courier New" panose="02070309020205020404" pitchFamily="49" charset="0"/>
+                <a:ea typeface="Cabin"/>
+                <a:cs typeface="Courier New" panose="02070309020205020404" pitchFamily="49" charset="0"/>
+                <a:sym typeface="Cabin"/>
+              </a:rPr>
+              <a:t>3</a:t>
+            </a:r>
+            <a:r>
+              <a:rPr lang="ru-RU" sz="2800" dirty="0" smtClean="0">
+                <a:latin typeface="Courier New" panose="02070309020205020404" pitchFamily="49" charset="0"/>
+                <a:ea typeface="Cabin"/>
+                <a:cs typeface="Courier New" panose="02070309020205020404" pitchFamily="49" charset="0"/>
+                <a:sym typeface="Cabin"/>
+              </a:rPr>
+              <a:t>) </a:t>
+            </a:r>
+            <a:endParaRPr lang="ru-RU" sz="2800" dirty="0">
+              <a:latin typeface="Courier New" panose="02070309020205020404" pitchFamily="49" charset="0"/>
+              <a:ea typeface="Cabin"/>
+              <a:cs typeface="Courier New" panose="02070309020205020404" pitchFamily="49" charset="0"/>
+              <a:sym typeface="Cabin"/>
+            </a:endParaRPr>
+          </a:p>
+          <a:p>
+            <a:pPr lvl="0">
+              <a:buClr>
+                <a:srgbClr val="FFFFFF"/>
+              </a:buClr>
+              <a:buSzPct val="25000"/>
+              <a:defRPr/>
+            </a:pPr>
+            <a:r>
+              <a:rPr lang="en-US" sz="2800" dirty="0" smtClean="0">
+                <a:latin typeface="Courier New" panose="02070309020205020404" pitchFamily="49" charset="0"/>
+                <a:ea typeface="Cabin"/>
+                <a:cs typeface="Courier New" panose="02070309020205020404" pitchFamily="49" charset="0"/>
+                <a:sym typeface="Cabin"/>
+              </a:rPr>
+              <a:t>(</a:t>
+            </a:r>
+            <a:r>
+              <a:rPr lang="en-US" sz="2800" dirty="0" smtClean="0">
+                <a:solidFill>
+                  <a:srgbClr val="FF0000"/>
+                </a:solidFill>
+                <a:latin typeface="Courier New" panose="02070309020205020404" pitchFamily="49" charset="0"/>
+                <a:ea typeface="Cabin"/>
+                <a:cs typeface="Courier New" panose="02070309020205020404" pitchFamily="49" charset="0"/>
+                <a:sym typeface="Cabin"/>
+              </a:rPr>
+              <a:t>-5</a:t>
+            </a:r>
+            <a:r>
+              <a:rPr lang="en-US" sz="2800" dirty="0" smtClean="0">
+                <a:latin typeface="Courier New" panose="02070309020205020404" pitchFamily="49" charset="0"/>
+                <a:ea typeface="Cabin"/>
+                <a:cs typeface="Courier New" panose="02070309020205020404" pitchFamily="49" charset="0"/>
+                <a:sym typeface="Cabin"/>
+              </a:rPr>
+              <a:t>, </a:t>
+            </a:r>
+            <a:r>
+              <a:rPr lang="en-US" sz="2800" dirty="0">
+                <a:solidFill>
+                  <a:srgbClr val="00B050"/>
+                </a:solidFill>
+                <a:latin typeface="Courier New" panose="02070309020205020404" pitchFamily="49" charset="0"/>
+                <a:ea typeface="Cabin"/>
+                <a:cs typeface="Courier New" panose="02070309020205020404" pitchFamily="49" charset="0"/>
+                <a:sym typeface="Cabin"/>
+              </a:rPr>
+              <a:t>3</a:t>
+            </a:r>
+            <a:r>
+              <a:rPr lang="en-US" sz="2800" dirty="0" smtClean="0">
+                <a:latin typeface="Courier New" panose="02070309020205020404" pitchFamily="49" charset="0"/>
+                <a:ea typeface="Cabin"/>
+                <a:cs typeface="Courier New" panose="02070309020205020404" pitchFamily="49" charset="0"/>
+                <a:sym typeface="Cabin"/>
+              </a:rPr>
+              <a:t>)</a:t>
+            </a:r>
+            <a:endParaRPr lang="ru-RU" sz="2800" dirty="0">
+              <a:latin typeface="Courier New" panose="02070309020205020404" pitchFamily="49" charset="0"/>
+              <a:ea typeface="Cabin"/>
+              <a:cs typeface="Courier New" panose="02070309020205020404" pitchFamily="49" charset="0"/>
+              <a:sym typeface="Cabin"/>
+            </a:endParaRPr>
+          </a:p>
+          <a:p>
+            <a:pPr lvl="0">
+              <a:buClr>
+                <a:srgbClr val="FFFFFF"/>
+              </a:buClr>
+              <a:buSzPct val="25000"/>
+              <a:defRPr/>
+            </a:pPr>
+            <a:endParaRPr lang="ru-RU" sz="2800" dirty="0">
+              <a:latin typeface="+mn-lt"/>
               <a:ea typeface="Cabin"/>
               <a:cs typeface="Cabin"/>
               <a:sym typeface="Cabin"/>
@@ -23398,77 +21975,8 @@
               <a:buSzPct val="25000"/>
               <a:defRPr/>
             </a:pPr>
-            <a:r>
-              <a:rPr lang="ru-RU" sz="2400" dirty="0">
-                <a:latin typeface="Cabin"/>
-                <a:ea typeface="Cabin"/>
-                <a:cs typeface="Cabin"/>
-                <a:sym typeface="Cabin"/>
-              </a:rPr>
-              <a:t>Возвращает наибольший (наименьший) элемент в итерируемом (</a:t>
-            </a:r>
-            <a:r>
-              <a:rPr lang="ru-RU" sz="2400" dirty="0" err="1">
-                <a:latin typeface="Cabin"/>
-                <a:ea typeface="Cabin"/>
-                <a:cs typeface="Cabin"/>
-                <a:sym typeface="Cabin"/>
-              </a:rPr>
-              <a:t>iterable</a:t>
-            </a:r>
-            <a:r>
-              <a:rPr lang="ru-RU" sz="2400" dirty="0">
-                <a:latin typeface="Cabin"/>
-                <a:ea typeface="Cabin"/>
-                <a:cs typeface="Cabin"/>
-                <a:sym typeface="Cabin"/>
-              </a:rPr>
-              <a:t>) или наибольшее (наименьшее) из двух и более аргументов.</a:t>
-            </a:r>
-          </a:p>
-          <a:p>
-            <a:pPr lvl="0">
-              <a:buClr>
-                <a:srgbClr val="FFFFFF"/>
-              </a:buClr>
-              <a:buSzPct val="25000"/>
-              <a:defRPr/>
-            </a:pPr>
-            <a:endParaRPr lang="ru-RU" sz="2400" dirty="0">
-              <a:latin typeface="Cabin"/>
-              <a:ea typeface="Cabin"/>
-              <a:cs typeface="Cabin"/>
-              <a:sym typeface="Cabin"/>
-            </a:endParaRPr>
-          </a:p>
-          <a:p>
-            <a:pPr lvl="0">
-              <a:buClr>
-                <a:srgbClr val="FFFFFF"/>
-              </a:buClr>
-              <a:buSzPct val="25000"/>
-              <a:defRPr/>
-            </a:pPr>
-            <a:r>
-              <a:rPr lang="ru-RU" sz="2400" dirty="0">
-                <a:latin typeface="Cabin"/>
-                <a:ea typeface="Cabin"/>
-                <a:cs typeface="Cabin"/>
-                <a:sym typeface="Cabin"/>
-              </a:rPr>
-              <a:t>Если дан только один позиционный аргумент, то он должен быть итерируемым. В этом случае функция возвращает наибольший (наименьший) элемент из данного итерируемого. Если даны два или более позиционных аргумента, то возвращен будет наибольший (наименьший) из данных аргументов.</a:t>
-            </a:r>
-          </a:p>
-          <a:p>
-            <a:pPr lvl="0">
-              <a:buClr>
-                <a:srgbClr val="FFFFFF"/>
-              </a:buClr>
-              <a:buSzPct val="25000"/>
-              <a:defRPr/>
-            </a:pPr>
-            <a:endParaRPr lang="ru-RU" sz="2400" dirty="0">
-              <a:latin typeface="Cabin"/>
+            <a:endParaRPr lang="ru-RU" sz="2800" dirty="0">
+              <a:latin typeface="+mn-lt"/>
               <a:ea typeface="Cabin"/>
               <a:cs typeface="Cabin"/>
               <a:sym typeface="Cabin"/>
@@ -24234,6 +22742,36 @@
           <a:prstGeom prst="rect">
             <a:avLst/>
           </a:prstGeom>
+          <a:solidFill>
+            <a:srgbClr val="FFFFFF">
+              <a:shade val="85000"/>
+            </a:srgbClr>
+          </a:solidFill>
+          <a:ln w="88900" cap="sq">
+            <a:solidFill>
+              <a:srgbClr val="FFFFFF"/>
+            </a:solidFill>
+            <a:miter lim="800000"/>
+          </a:ln>
+          <a:effectLst>
+            <a:outerShdw blurRad="55000" dist="18000" dir="5400000" algn="tl" rotWithShape="0">
+              <a:srgbClr val="000000">
+                <a:alpha val="40000"/>
+              </a:srgbClr>
+            </a:outerShdw>
+          </a:effectLst>
+          <a:scene3d>
+            <a:camera prst="orthographicFront"/>
+            <a:lightRig rig="twoPt" dir="t">
+              <a:rot lat="0" lon="0" rev="7200000"/>
+            </a:lightRig>
+          </a:scene3d>
+          <a:sp3d>
+            <a:bevelT w="25400" h="19050"/>
+            <a:contourClr>
+              <a:srgbClr val="FFFFFF"/>
+            </a:contourClr>
+          </a:sp3d>
         </p:spPr>
       </p:pic>
     </p:spTree>
@@ -24604,6 +23142,36 @@
           <a:prstGeom prst="rect">
             <a:avLst/>
           </a:prstGeom>
+          <a:solidFill>
+            <a:srgbClr val="FFFFFF">
+              <a:shade val="85000"/>
+            </a:srgbClr>
+          </a:solidFill>
+          <a:ln w="88900" cap="sq">
+            <a:solidFill>
+              <a:srgbClr val="FFFFFF"/>
+            </a:solidFill>
+            <a:miter lim="800000"/>
+          </a:ln>
+          <a:effectLst>
+            <a:outerShdw blurRad="55000" dist="18000" dir="5400000" algn="tl" rotWithShape="0">
+              <a:srgbClr val="000000">
+                <a:alpha val="40000"/>
+              </a:srgbClr>
+            </a:outerShdw>
+          </a:effectLst>
+          <a:scene3d>
+            <a:camera prst="orthographicFront"/>
+            <a:lightRig rig="twoPt" dir="t">
+              <a:rot lat="0" lon="0" rev="7200000"/>
+            </a:lightRig>
+          </a:scene3d>
+          <a:sp3d>
+            <a:bevelT w="25400" h="19050"/>
+            <a:contourClr>
+              <a:srgbClr val="FFFFFF"/>
+            </a:contourClr>
+          </a:sp3d>
         </p:spPr>
       </p:pic>
       <p:sp>
@@ -25933,11 +24501,36 @@
           <a:prstGeom prst="rect">
             <a:avLst/>
           </a:prstGeom>
-          <a:noFill/>
-          <a:ln>
-            <a:noFill/>
+          <a:solidFill>
+            <a:srgbClr val="FFFFFF">
+              <a:shade val="85000"/>
+            </a:srgbClr>
+          </a:solidFill>
+          <a:ln w="88900" cap="sq">
+            <a:solidFill>
+              <a:srgbClr val="FFFFFF"/>
+            </a:solidFill>
+            <a:miter lim="800000"/>
           </a:ln>
-          <a:effectLst/>
+          <a:effectLst>
+            <a:outerShdw blurRad="55000" dist="18000" dir="5400000" algn="tl" rotWithShape="0">
+              <a:srgbClr val="000000">
+                <a:alpha val="40000"/>
+              </a:srgbClr>
+            </a:outerShdw>
+          </a:effectLst>
+          <a:scene3d>
+            <a:camera prst="orthographicFront"/>
+            <a:lightRig rig="twoPt" dir="t">
+              <a:rot lat="0" lon="0" rev="7200000"/>
+            </a:lightRig>
+          </a:scene3d>
+          <a:sp3d>
+            <a:bevelT w="25400" h="19050"/>
+            <a:contourClr>
+              <a:srgbClr val="FFFFFF"/>
+            </a:contourClr>
+          </a:sp3d>
           <a:extLst>
             <a:ext uri="{909E8E84-426E-40DD-AFC4-6F175D3DCCD1}">
               <a14:hiddenFill xmlns:a14="http://schemas.microsoft.com/office/drawing/2010/main">
@@ -25984,13 +24577,13 @@
               </a:ext>
             </a:extLst>
           </a:blip>
-          <a:srcRect t="1706" b="81023"/>
+          <a:srcRect t="1706" r="27414" b="80171"/>
           <a:stretch/>
         </p:blipFill>
         <p:spPr bwMode="auto">
           <a:xfrm>
             <a:off x="1348488" y="4257675"/>
-            <a:ext cx="12224346" cy="735239"/>
+            <a:ext cx="8873198" cy="771525"/>
           </a:xfrm>
           <a:prstGeom prst="rect">
             <a:avLst/>
@@ -26832,22 +25425,19 @@
           <a:prstGeom prst="rect">
             <a:avLst/>
           </a:prstGeom>
-          <a:noFill/>
         </p:spPr>
         <p:style>
           <a:lnRef idx="2">
-            <a:schemeClr val="accent1">
-              <a:shade val="50000"/>
-            </a:schemeClr>
+            <a:schemeClr val="accent1"/>
           </a:lnRef>
           <a:fillRef idx="1">
-            <a:schemeClr val="accent1"/>
+            <a:schemeClr val="lt1"/>
           </a:fillRef>
           <a:effectRef idx="0">
             <a:schemeClr val="accent1"/>
           </a:effectRef>
           <a:fontRef idx="minor">
-            <a:schemeClr val="lt1"/>
+            <a:schemeClr val="dk1"/>
           </a:fontRef>
         </p:style>
         <p:txBody>
@@ -26950,11 +25540,36 @@
           <a:prstGeom prst="rect">
             <a:avLst/>
           </a:prstGeom>
-          <a:noFill/>
-          <a:ln>
-            <a:noFill/>
+          <a:solidFill>
+            <a:srgbClr val="FFFFFF">
+              <a:shade val="85000"/>
+            </a:srgbClr>
+          </a:solidFill>
+          <a:ln w="88900" cap="sq">
+            <a:solidFill>
+              <a:srgbClr val="FFFFFF"/>
+            </a:solidFill>
+            <a:miter lim="800000"/>
           </a:ln>
-          <a:effectLst/>
+          <a:effectLst>
+            <a:outerShdw blurRad="55000" dist="18000" dir="5400000" algn="tl" rotWithShape="0">
+              <a:srgbClr val="000000">
+                <a:alpha val="40000"/>
+              </a:srgbClr>
+            </a:outerShdw>
+          </a:effectLst>
+          <a:scene3d>
+            <a:camera prst="orthographicFront"/>
+            <a:lightRig rig="twoPt" dir="t">
+              <a:rot lat="0" lon="0" rev="7200000"/>
+            </a:lightRig>
+          </a:scene3d>
+          <a:sp3d>
+            <a:bevelT w="25400" h="19050"/>
+            <a:contourClr>
+              <a:srgbClr val="FFFFFF"/>
+            </a:contourClr>
+          </a:sp3d>
           <a:extLst>
             <a:ext uri="{909E8E84-426E-40DD-AFC4-6F175D3DCCD1}">
               <a14:hiddenFill xmlns:a14="http://schemas.microsoft.com/office/drawing/2010/main">

--- a/week05/Exceptions.pptx
+++ b/week05/Exceptions.pptx
@@ -242,7 +242,7 @@
   </p:defaultTextStyle>
   <p:extLst>
     <p:ext uri="{EFAFB233-063F-42B5-8137-9DF3F51BA10A}">
-      <p15:sldGuideLst xmlns:p15="http://schemas.microsoft.com/office/powerpoint/2012/main">
+      <p15:sldGuideLst xmlns:p15="http://schemas.microsoft.com/office/powerpoint/2012/main" xmlns="">
         <p15:guide id="1" orient="horz" pos="2880">
           <p15:clr>
             <a:srgbClr val="A4A3A4"/>
@@ -13185,24 +13185,7 @@
               <a:srgbClr val="FFFFFF"/>
             </a:contourClr>
           </a:sp3d>
-          <a:extLst>
-            <a:ext uri="{909E8E84-426E-40DD-AFC4-6F175D3DCCD1}">
-              <a14:hiddenFill xmlns:a14="http://schemas.microsoft.com/office/drawing/2010/main">
-                <a:solidFill>
-                  <a:schemeClr val="accent1"/>
-                </a:solidFill>
-              </a14:hiddenFill>
-            </a:ext>
-            <a:ext uri="{AF507438-7753-43E0-B8FC-AC1667EBCBE1}">
-              <a14:hiddenEffects xmlns:a14="http://schemas.microsoft.com/office/drawing/2010/main">
-                <a:effectLst>
-                  <a:outerShdw dist="35921" dir="2700000" algn="ctr" rotWithShape="0">
-                    <a:schemeClr val="bg2"/>
-                  </a:outerShdw>
-                </a:effectLst>
-              </a14:hiddenEffects>
-            </a:ext>
-          </a:extLst>
+          <a:extLst/>
         </p:spPr>
       </p:pic>
       <p:pic>
@@ -14580,24 +14563,7 @@
               <a:srgbClr val="FFFFFF"/>
             </a:contourClr>
           </a:sp3d>
-          <a:extLst>
-            <a:ext uri="{909E8E84-426E-40DD-AFC4-6F175D3DCCD1}">
-              <a14:hiddenFill xmlns:a14="http://schemas.microsoft.com/office/drawing/2010/main">
-                <a:solidFill>
-                  <a:schemeClr val="accent1"/>
-                </a:solidFill>
-              </a14:hiddenFill>
-            </a:ext>
-            <a:ext uri="{AF507438-7753-43E0-B8FC-AC1667EBCBE1}">
-              <a14:hiddenEffects xmlns:a14="http://schemas.microsoft.com/office/drawing/2010/main">
-                <a:effectLst>
-                  <a:outerShdw dist="35921" dir="2700000" algn="ctr" rotWithShape="0">
-                    <a:schemeClr val="bg2"/>
-                  </a:outerShdw>
-                </a:effectLst>
-              </a14:hiddenEffects>
-            </a:ext>
-          </a:extLst>
+          <a:extLst/>
         </p:spPr>
       </p:pic>
       <p:pic>
@@ -18199,24 +18165,7 @@
               <a:srgbClr val="FFFFFF"/>
             </a:contourClr>
           </a:sp3d>
-          <a:extLst>
-            <a:ext uri="{909E8E84-426E-40DD-AFC4-6F175D3DCCD1}">
-              <a14:hiddenFill xmlns:a14="http://schemas.microsoft.com/office/drawing/2010/main">
-                <a:solidFill>
-                  <a:schemeClr val="accent1"/>
-                </a:solidFill>
-              </a14:hiddenFill>
-            </a:ext>
-            <a:ext uri="{AF507438-7753-43E0-B8FC-AC1667EBCBE1}">
-              <a14:hiddenEffects xmlns:a14="http://schemas.microsoft.com/office/drawing/2010/main">
-                <a:effectLst>
-                  <a:outerShdw dist="35921" dir="2700000" algn="ctr" rotWithShape="0">
-                    <a:schemeClr val="bg2"/>
-                  </a:outerShdw>
-                </a:effectLst>
-              </a14:hiddenEffects>
-            </a:ext>
-          </a:extLst>
+          <a:extLst/>
         </p:spPr>
       </p:pic>
       <p:pic>
@@ -19376,14 +19325,24 @@
               <a:t> определяет исключение, которое нужно возбудить. Им может быть либо экземпляр исключения, либо класс исключения (класс, дочерний к классу </a:t>
             </a:r>
             <a:r>
-              <a:rPr lang="ru-RU" sz="4000" dirty="0" err="1">
+              <a:rPr lang="en-US" sz="4000" dirty="0" err="1" smtClean="0">
                 <a:solidFill>
                   <a:srgbClr val="00B050"/>
                 </a:solidFill>
                 <a:latin typeface="Courier New" panose="02070309020205020404" pitchFamily="49" charset="0"/>
                 <a:cs typeface="Courier New" panose="02070309020205020404" pitchFamily="49" charset="0"/>
               </a:rPr>
-              <a:t>Exception</a:t>
+              <a:t>BaseE</a:t>
+            </a:r>
+            <a:r>
+              <a:rPr lang="ru-RU" sz="4000" dirty="0" err="1" smtClean="0">
+                <a:solidFill>
+                  <a:srgbClr val="00B050"/>
+                </a:solidFill>
+                <a:latin typeface="Courier New" panose="02070309020205020404" pitchFamily="49" charset="0"/>
+                <a:cs typeface="Courier New" panose="02070309020205020404" pitchFamily="49" charset="0"/>
+              </a:rPr>
+              <a:t>xception</a:t>
             </a:r>
             <a:r>
               <a:rPr lang="ru-RU" sz="3200" dirty="0"/>
@@ -21640,16 +21599,7 @@
                 <a:cs typeface="Cabin"/>
                 <a:sym typeface="Cabin"/>
               </a:rPr>
-              <a:t>аписать </a:t>
-            </a:r>
-            <a:r>
-              <a:rPr lang="ru-RU" sz="2800" dirty="0" smtClean="0">
-                <a:latin typeface="+mn-lt"/>
-                <a:ea typeface="Cabin"/>
-                <a:cs typeface="Cabin"/>
-                <a:sym typeface="Cabin"/>
-              </a:rPr>
-              <a:t>функцию </a:t>
+              <a:t>аписать функцию </a:t>
             </a:r>
             <a:r>
               <a:rPr lang="ru-RU" sz="2800" dirty="0" err="1" smtClean="0">
@@ -21762,12 +21712,6 @@
               </a:rPr>
               <a:t>) </a:t>
             </a:r>
-            <a:endParaRPr lang="ru-RU" sz="2800" dirty="0" smtClean="0">
-              <a:latin typeface="Courier New" panose="02070309020205020404" pitchFamily="49" charset="0"/>
-              <a:ea typeface="Cabin"/>
-              <a:cs typeface="Courier New" panose="02070309020205020404" pitchFamily="49" charset="0"/>
-              <a:sym typeface="Cabin"/>
-            </a:endParaRPr>
           </a:p>
           <a:p>
             <a:pPr lvl="0">
@@ -22037,8 +21981,8 @@
         </p:nvSpPr>
         <p:spPr>
           <a:xfrm>
-            <a:off x="5719884" y="640962"/>
-            <a:ext cx="3692400" cy="660300"/>
+            <a:off x="4660490" y="640962"/>
+            <a:ext cx="5928852" cy="660300"/>
           </a:xfrm>
           <a:prstGeom prst="rect">
             <a:avLst/>
@@ -24531,34 +24475,7 @@
               <a:srgbClr val="FFFFFF"/>
             </a:contourClr>
           </a:sp3d>
-          <a:extLst>
-            <a:ext uri="{909E8E84-426E-40DD-AFC4-6F175D3DCCD1}">
-              <a14:hiddenFill xmlns:a14="http://schemas.microsoft.com/office/drawing/2010/main">
-                <a:solidFill>
-                  <a:schemeClr val="accent1"/>
-                </a:solidFill>
-              </a14:hiddenFill>
-            </a:ext>
-            <a:ext uri="{91240B29-F687-4F45-9708-019B960494DF}">
-              <a14:hiddenLine xmlns:a14="http://schemas.microsoft.com/office/drawing/2010/main" w="9525">
-                <a:solidFill>
-                  <a:schemeClr val="tx1"/>
-                </a:solidFill>
-                <a:miter lim="800000"/>
-                <a:headEnd/>
-                <a:tailEnd/>
-              </a14:hiddenLine>
-            </a:ext>
-            <a:ext uri="{AF507438-7753-43E0-B8FC-AC1667EBCBE1}">
-              <a14:hiddenEffects xmlns:a14="http://schemas.microsoft.com/office/drawing/2010/main">
-                <a:effectLst>
-                  <a:outerShdw dist="35921" dir="2700000" algn="ctr" rotWithShape="0">
-                    <a:schemeClr val="bg2"/>
-                  </a:outerShdw>
-                </a:effectLst>
-              </a14:hiddenEffects>
-            </a:ext>
-          </a:extLst>
+          <a:extLst/>
         </p:spPr>
       </p:pic>
       <p:pic>
@@ -25570,34 +25487,7 @@
               <a:srgbClr val="FFFFFF"/>
             </a:contourClr>
           </a:sp3d>
-          <a:extLst>
-            <a:ext uri="{909E8E84-426E-40DD-AFC4-6F175D3DCCD1}">
-              <a14:hiddenFill xmlns:a14="http://schemas.microsoft.com/office/drawing/2010/main">
-                <a:solidFill>
-                  <a:schemeClr val="accent1"/>
-                </a:solidFill>
-              </a14:hiddenFill>
-            </a:ext>
-            <a:ext uri="{91240B29-F687-4F45-9708-019B960494DF}">
-              <a14:hiddenLine xmlns:a14="http://schemas.microsoft.com/office/drawing/2010/main" w="9525">
-                <a:solidFill>
-                  <a:schemeClr val="tx1"/>
-                </a:solidFill>
-                <a:miter lim="800000"/>
-                <a:headEnd/>
-                <a:tailEnd/>
-              </a14:hiddenLine>
-            </a:ext>
-            <a:ext uri="{AF507438-7753-43E0-B8FC-AC1667EBCBE1}">
-              <a14:hiddenEffects xmlns:a14="http://schemas.microsoft.com/office/drawing/2010/main">
-                <a:effectLst>
-                  <a:outerShdw dist="35921" dir="2700000" algn="ctr" rotWithShape="0">
-                    <a:schemeClr val="bg2"/>
-                  </a:outerShdw>
-                </a:effectLst>
-              </a14:hiddenEffects>
-            </a:ext>
-          </a:extLst>
+          <a:extLst/>
         </p:spPr>
       </p:pic>
       <p:sp>
